--- a/Presentation Group 13.pptx
+++ b/Presentation Group 13.pptx
@@ -7,14 +7,15 @@
   <p:sldIdLst>
     <p:sldId id="256" r:id="rId2"/>
     <p:sldId id="257" r:id="rId3"/>
-    <p:sldId id="258" r:id="rId4"/>
-    <p:sldId id="260" r:id="rId5"/>
-    <p:sldId id="259" r:id="rId6"/>
-    <p:sldId id="262" r:id="rId7"/>
-    <p:sldId id="263" r:id="rId8"/>
-    <p:sldId id="264" r:id="rId9"/>
-    <p:sldId id="265" r:id="rId10"/>
-    <p:sldId id="266" r:id="rId11"/>
+    <p:sldId id="267" r:id="rId4"/>
+    <p:sldId id="258" r:id="rId5"/>
+    <p:sldId id="260" r:id="rId6"/>
+    <p:sldId id="259" r:id="rId7"/>
+    <p:sldId id="262" r:id="rId8"/>
+    <p:sldId id="263" r:id="rId9"/>
+    <p:sldId id="264" r:id="rId10"/>
+    <p:sldId id="265" r:id="rId11"/>
+    <p:sldId id="266" r:id="rId12"/>
   </p:sldIdLst>
   <p:sldSz cx="12192000" cy="6858000"/>
   <p:notesSz cx="6858000" cy="9144000"/>
@@ -113,7 +114,3695 @@
       </a:defRPr>
     </a:lvl9pPr>
   </p:defaultTextStyle>
+  <p:extLst>
+    <p:ext uri="{EFAFB233-063F-42B5-8137-9DF3F51BA10A}">
+      <p15:sldGuideLst xmlns:p15="http://schemas.microsoft.com/office/powerpoint/2012/main"/>
+    </p:ext>
+  </p:extLst>
 </p:presentation>
+</file>
+
+<file path=ppt/diagrams/colors1.xml><?xml version="1.0" encoding="utf-8"?>
+<dgm:colorsDef xmlns:dgm="http://schemas.openxmlformats.org/drawingml/2006/diagram" xmlns:a="http://schemas.openxmlformats.org/drawingml/2006/main" uniqueId="urn:microsoft.com/office/officeart/2005/8/colors/accent0_3">
+  <dgm:title val=""/>
+  <dgm:desc val=""/>
+  <dgm:catLst>
+    <dgm:cat type="mainScheme" pri="10300"/>
+  </dgm:catLst>
+  <dgm:styleLbl name="node0">
+    <dgm:fillClrLst meth="repeat">
+      <a:schemeClr val="dk2"/>
+    </dgm:fillClrLst>
+    <dgm:linClrLst meth="repeat">
+      <a:schemeClr val="lt2"/>
+    </dgm:linClrLst>
+    <dgm:effectClrLst/>
+    <dgm:txLinClrLst/>
+    <dgm:txFillClrLst/>
+    <dgm:txEffectClrLst/>
+  </dgm:styleLbl>
+  <dgm:styleLbl name="alignNode1">
+    <dgm:fillClrLst meth="repeat">
+      <a:schemeClr val="dk2"/>
+    </dgm:fillClrLst>
+    <dgm:linClrLst meth="repeat">
+      <a:schemeClr val="dk2"/>
+    </dgm:linClrLst>
+    <dgm:effectClrLst/>
+    <dgm:txLinClrLst/>
+    <dgm:txFillClrLst/>
+    <dgm:txEffectClrLst/>
+  </dgm:styleLbl>
+  <dgm:styleLbl name="node1">
+    <dgm:fillClrLst meth="repeat">
+      <a:schemeClr val="dk2"/>
+    </dgm:fillClrLst>
+    <dgm:linClrLst meth="repeat">
+      <a:schemeClr val="lt2"/>
+    </dgm:linClrLst>
+    <dgm:effectClrLst/>
+    <dgm:txLinClrLst/>
+    <dgm:txFillClrLst/>
+    <dgm:txEffectClrLst/>
+  </dgm:styleLbl>
+  <dgm:styleLbl name="lnNode1">
+    <dgm:fillClrLst meth="repeat">
+      <a:schemeClr val="dk2"/>
+    </dgm:fillClrLst>
+    <dgm:linClrLst meth="repeat">
+      <a:schemeClr val="lt2"/>
+    </dgm:linClrLst>
+    <dgm:effectClrLst/>
+    <dgm:txLinClrLst/>
+    <dgm:txFillClrLst/>
+    <dgm:txEffectClrLst/>
+  </dgm:styleLbl>
+  <dgm:styleLbl name="vennNode1">
+    <dgm:fillClrLst meth="repeat">
+      <a:schemeClr val="dk2">
+        <a:alpha val="50000"/>
+      </a:schemeClr>
+    </dgm:fillClrLst>
+    <dgm:linClrLst meth="repeat">
+      <a:schemeClr val="lt2"/>
+    </dgm:linClrLst>
+    <dgm:effectClrLst/>
+    <dgm:txLinClrLst/>
+    <dgm:txFillClrLst/>
+    <dgm:txEffectClrLst/>
+  </dgm:styleLbl>
+  <dgm:styleLbl name="node2">
+    <dgm:fillClrLst meth="repeat">
+      <a:schemeClr val="dk2"/>
+    </dgm:fillClrLst>
+    <dgm:linClrLst meth="repeat">
+      <a:schemeClr val="lt2"/>
+    </dgm:linClrLst>
+    <dgm:effectClrLst/>
+    <dgm:txLinClrLst/>
+    <dgm:txFillClrLst/>
+    <dgm:txEffectClrLst/>
+  </dgm:styleLbl>
+  <dgm:styleLbl name="node3">
+    <dgm:fillClrLst meth="repeat">
+      <a:schemeClr val="dk2"/>
+    </dgm:fillClrLst>
+    <dgm:linClrLst meth="repeat">
+      <a:schemeClr val="lt2"/>
+    </dgm:linClrLst>
+    <dgm:effectClrLst/>
+    <dgm:txLinClrLst/>
+    <dgm:txFillClrLst/>
+    <dgm:txEffectClrLst/>
+  </dgm:styleLbl>
+  <dgm:styleLbl name="node4">
+    <dgm:fillClrLst meth="repeat">
+      <a:schemeClr val="dk2"/>
+    </dgm:fillClrLst>
+    <dgm:linClrLst meth="repeat">
+      <a:schemeClr val="lt2"/>
+    </dgm:linClrLst>
+    <dgm:effectClrLst/>
+    <dgm:txLinClrLst/>
+    <dgm:txFillClrLst/>
+    <dgm:txEffectClrLst/>
+  </dgm:styleLbl>
+  <dgm:styleLbl name="fgImgPlace1">
+    <dgm:fillClrLst meth="repeat">
+      <a:schemeClr val="dk2">
+        <a:tint val="50000"/>
+      </a:schemeClr>
+    </dgm:fillClrLst>
+    <dgm:linClrLst meth="repeat">
+      <a:schemeClr val="lt2"/>
+    </dgm:linClrLst>
+    <dgm:effectClrLst/>
+    <dgm:txLinClrLst/>
+    <dgm:txFillClrLst meth="repeat">
+      <a:schemeClr val="lt2"/>
+    </dgm:txFillClrLst>
+    <dgm:txEffectClrLst/>
+  </dgm:styleLbl>
+  <dgm:styleLbl name="alignImgPlace1">
+    <dgm:fillClrLst meth="repeat">
+      <a:schemeClr val="dk2">
+        <a:tint val="50000"/>
+      </a:schemeClr>
+    </dgm:fillClrLst>
+    <dgm:linClrLst meth="repeat">
+      <a:schemeClr val="dk2">
+        <a:shade val="80000"/>
+      </a:schemeClr>
+    </dgm:linClrLst>
+    <dgm:effectClrLst/>
+    <dgm:txLinClrLst/>
+    <dgm:txFillClrLst meth="repeat">
+      <a:schemeClr val="lt2"/>
+    </dgm:txFillClrLst>
+    <dgm:txEffectClrLst/>
+  </dgm:styleLbl>
+  <dgm:styleLbl name="bgImgPlace1">
+    <dgm:fillClrLst meth="repeat">
+      <a:schemeClr val="dk2">
+        <a:tint val="50000"/>
+      </a:schemeClr>
+    </dgm:fillClrLst>
+    <dgm:linClrLst meth="repeat">
+      <a:schemeClr val="dk2">
+        <a:shade val="80000"/>
+      </a:schemeClr>
+    </dgm:linClrLst>
+    <dgm:effectClrLst/>
+    <dgm:txLinClrLst/>
+    <dgm:txFillClrLst meth="repeat">
+      <a:schemeClr val="lt2"/>
+    </dgm:txFillClrLst>
+    <dgm:txEffectClrLst/>
+  </dgm:styleLbl>
+  <dgm:styleLbl name="sibTrans2D1">
+    <dgm:fillClrLst meth="repeat">
+      <a:schemeClr val="dk2">
+        <a:tint val="60000"/>
+      </a:schemeClr>
+    </dgm:fillClrLst>
+    <dgm:linClrLst meth="repeat">
+      <a:schemeClr val="dk2">
+        <a:tint val="60000"/>
+      </a:schemeClr>
+    </dgm:linClrLst>
+    <dgm:effectClrLst/>
+    <dgm:txLinClrLst/>
+    <dgm:txFillClrLst/>
+    <dgm:txEffectClrLst/>
+  </dgm:styleLbl>
+  <dgm:styleLbl name="fgSibTrans2D1">
+    <dgm:fillClrLst meth="repeat">
+      <a:schemeClr val="dk2">
+        <a:tint val="60000"/>
+      </a:schemeClr>
+    </dgm:fillClrLst>
+    <dgm:linClrLst meth="repeat">
+      <a:schemeClr val="dk2">
+        <a:tint val="60000"/>
+      </a:schemeClr>
+    </dgm:linClrLst>
+    <dgm:effectClrLst/>
+    <dgm:txLinClrLst/>
+    <dgm:txFillClrLst/>
+    <dgm:txEffectClrLst/>
+  </dgm:styleLbl>
+  <dgm:styleLbl name="bgSibTrans2D1">
+    <dgm:fillClrLst meth="repeat">
+      <a:schemeClr val="dk2">
+        <a:tint val="60000"/>
+      </a:schemeClr>
+    </dgm:fillClrLst>
+    <dgm:linClrLst meth="repeat">
+      <a:schemeClr val="dk2">
+        <a:tint val="60000"/>
+      </a:schemeClr>
+    </dgm:linClrLst>
+    <dgm:effectClrLst/>
+    <dgm:txLinClrLst/>
+    <dgm:txFillClrLst/>
+    <dgm:txEffectClrLst/>
+  </dgm:styleLbl>
+  <dgm:styleLbl name="sibTrans1D1">
+    <dgm:fillClrLst meth="repeat">
+      <a:schemeClr val="dk2"/>
+    </dgm:fillClrLst>
+    <dgm:linClrLst meth="repeat">
+      <a:schemeClr val="dk2"/>
+    </dgm:linClrLst>
+    <dgm:effectClrLst/>
+    <dgm:txLinClrLst/>
+    <dgm:txFillClrLst meth="repeat">
+      <a:schemeClr val="lt2"/>
+    </dgm:txFillClrLst>
+    <dgm:txEffectClrLst/>
+  </dgm:styleLbl>
+  <dgm:styleLbl name="callout">
+    <dgm:fillClrLst meth="repeat">
+      <a:schemeClr val="dk2"/>
+    </dgm:fillClrLst>
+    <dgm:linClrLst meth="repeat">
+      <a:schemeClr val="dk2">
+        <a:tint val="50000"/>
+      </a:schemeClr>
+    </dgm:linClrLst>
+    <dgm:effectClrLst/>
+    <dgm:txLinClrLst/>
+    <dgm:txFillClrLst meth="repeat">
+      <a:schemeClr val="lt2"/>
+    </dgm:txFillClrLst>
+    <dgm:txEffectClrLst/>
+  </dgm:styleLbl>
+  <dgm:styleLbl name="asst0">
+    <dgm:fillClrLst meth="repeat">
+      <a:schemeClr val="dk2"/>
+    </dgm:fillClrLst>
+    <dgm:linClrLst meth="repeat">
+      <a:schemeClr val="lt2"/>
+    </dgm:linClrLst>
+    <dgm:effectClrLst/>
+    <dgm:txLinClrLst/>
+    <dgm:txFillClrLst/>
+    <dgm:txEffectClrLst/>
+  </dgm:styleLbl>
+  <dgm:styleLbl name="asst1">
+    <dgm:fillClrLst meth="repeat">
+      <a:schemeClr val="dk2"/>
+    </dgm:fillClrLst>
+    <dgm:linClrLst meth="repeat">
+      <a:schemeClr val="lt2"/>
+    </dgm:linClrLst>
+    <dgm:effectClrLst/>
+    <dgm:txLinClrLst/>
+    <dgm:txFillClrLst/>
+    <dgm:txEffectClrLst/>
+  </dgm:styleLbl>
+  <dgm:styleLbl name="asst2">
+    <dgm:fillClrLst meth="repeat">
+      <a:schemeClr val="dk2"/>
+    </dgm:fillClrLst>
+    <dgm:linClrLst meth="repeat">
+      <a:schemeClr val="lt2"/>
+    </dgm:linClrLst>
+    <dgm:effectClrLst/>
+    <dgm:txLinClrLst/>
+    <dgm:txFillClrLst/>
+    <dgm:txEffectClrLst/>
+  </dgm:styleLbl>
+  <dgm:styleLbl name="asst3">
+    <dgm:fillClrLst meth="repeat">
+      <a:schemeClr val="dk2"/>
+    </dgm:fillClrLst>
+    <dgm:linClrLst meth="repeat">
+      <a:schemeClr val="lt2"/>
+    </dgm:linClrLst>
+    <dgm:effectClrLst/>
+    <dgm:txLinClrLst/>
+    <dgm:txFillClrLst/>
+    <dgm:txEffectClrLst/>
+  </dgm:styleLbl>
+  <dgm:styleLbl name="asst4">
+    <dgm:fillClrLst meth="repeat">
+      <a:schemeClr val="dk2"/>
+    </dgm:fillClrLst>
+    <dgm:linClrLst meth="repeat">
+      <a:schemeClr val="lt2"/>
+    </dgm:linClrLst>
+    <dgm:effectClrLst/>
+    <dgm:txLinClrLst/>
+    <dgm:txFillClrLst/>
+    <dgm:txEffectClrLst/>
+  </dgm:styleLbl>
+  <dgm:styleLbl name="parChTrans2D1">
+    <dgm:fillClrLst meth="repeat">
+      <a:schemeClr val="dk2">
+        <a:tint val="60000"/>
+      </a:schemeClr>
+    </dgm:fillClrLst>
+    <dgm:linClrLst meth="repeat">
+      <a:schemeClr val="dk2">
+        <a:tint val="60000"/>
+      </a:schemeClr>
+    </dgm:linClrLst>
+    <dgm:effectClrLst/>
+    <dgm:txLinClrLst/>
+    <dgm:txFillClrLst meth="repeat">
+      <a:schemeClr val="lt2"/>
+    </dgm:txFillClrLst>
+    <dgm:txEffectClrLst/>
+  </dgm:styleLbl>
+  <dgm:styleLbl name="parChTrans2D2">
+    <dgm:fillClrLst meth="repeat">
+      <a:schemeClr val="dk2"/>
+    </dgm:fillClrLst>
+    <dgm:linClrLst meth="repeat">
+      <a:schemeClr val="dk2"/>
+    </dgm:linClrLst>
+    <dgm:effectClrLst/>
+    <dgm:txLinClrLst/>
+    <dgm:txFillClrLst meth="repeat">
+      <a:schemeClr val="lt2"/>
+    </dgm:txFillClrLst>
+    <dgm:txEffectClrLst/>
+  </dgm:styleLbl>
+  <dgm:styleLbl name="parChTrans2D3">
+    <dgm:fillClrLst meth="repeat">
+      <a:schemeClr val="dk2"/>
+    </dgm:fillClrLst>
+    <dgm:linClrLst meth="repeat">
+      <a:schemeClr val="dk2"/>
+    </dgm:linClrLst>
+    <dgm:effectClrLst/>
+    <dgm:txLinClrLst/>
+    <dgm:txFillClrLst meth="repeat">
+      <a:schemeClr val="lt2"/>
+    </dgm:txFillClrLst>
+    <dgm:txEffectClrLst/>
+  </dgm:styleLbl>
+  <dgm:styleLbl name="parChTrans2D4">
+    <dgm:fillClrLst meth="repeat">
+      <a:schemeClr val="dk2"/>
+    </dgm:fillClrLst>
+    <dgm:linClrLst meth="repeat">
+      <a:schemeClr val="dk2"/>
+    </dgm:linClrLst>
+    <dgm:effectClrLst/>
+    <dgm:txLinClrLst/>
+    <dgm:txFillClrLst meth="repeat">
+      <a:schemeClr val="lt2"/>
+    </dgm:txFillClrLst>
+    <dgm:txEffectClrLst/>
+  </dgm:styleLbl>
+  <dgm:styleLbl name="parChTrans1D1">
+    <dgm:fillClrLst meth="repeat">
+      <a:schemeClr val="dk2"/>
+    </dgm:fillClrLst>
+    <dgm:linClrLst meth="repeat">
+      <a:schemeClr val="dk2">
+        <a:shade val="60000"/>
+      </a:schemeClr>
+    </dgm:linClrLst>
+    <dgm:effectClrLst/>
+    <dgm:txLinClrLst/>
+    <dgm:txFillClrLst meth="repeat">
+      <a:schemeClr val="tx1"/>
+    </dgm:txFillClrLst>
+    <dgm:txEffectClrLst/>
+  </dgm:styleLbl>
+  <dgm:styleLbl name="parChTrans1D2">
+    <dgm:fillClrLst meth="repeat">
+      <a:schemeClr val="dk2"/>
+    </dgm:fillClrLst>
+    <dgm:linClrLst meth="repeat">
+      <a:schemeClr val="dk2">
+        <a:shade val="60000"/>
+      </a:schemeClr>
+    </dgm:linClrLst>
+    <dgm:effectClrLst/>
+    <dgm:txLinClrLst/>
+    <dgm:txFillClrLst meth="repeat">
+      <a:schemeClr val="tx1"/>
+    </dgm:txFillClrLst>
+    <dgm:txEffectClrLst/>
+  </dgm:styleLbl>
+  <dgm:styleLbl name="parChTrans1D3">
+    <dgm:fillClrLst meth="repeat">
+      <a:schemeClr val="dk2"/>
+    </dgm:fillClrLst>
+    <dgm:linClrLst meth="repeat">
+      <a:schemeClr val="dk2">
+        <a:shade val="80000"/>
+      </a:schemeClr>
+    </dgm:linClrLst>
+    <dgm:effectClrLst/>
+    <dgm:txLinClrLst/>
+    <dgm:txFillClrLst meth="repeat">
+      <a:schemeClr val="tx1"/>
+    </dgm:txFillClrLst>
+    <dgm:txEffectClrLst/>
+  </dgm:styleLbl>
+  <dgm:styleLbl name="parChTrans1D4">
+    <dgm:fillClrLst meth="repeat">
+      <a:schemeClr val="dk2"/>
+    </dgm:fillClrLst>
+    <dgm:linClrLst meth="repeat">
+      <a:schemeClr val="dk2">
+        <a:shade val="80000"/>
+      </a:schemeClr>
+    </dgm:linClrLst>
+    <dgm:effectClrLst/>
+    <dgm:txLinClrLst/>
+    <dgm:txFillClrLst meth="repeat">
+      <a:schemeClr val="tx1"/>
+    </dgm:txFillClrLst>
+    <dgm:txEffectClrLst/>
+  </dgm:styleLbl>
+  <dgm:styleLbl name="fgAcc1">
+    <dgm:fillClrLst meth="repeat">
+      <a:schemeClr val="lt2">
+        <a:alpha val="90000"/>
+      </a:schemeClr>
+    </dgm:fillClrLst>
+    <dgm:linClrLst meth="repeat">
+      <a:schemeClr val="dk2"/>
+    </dgm:linClrLst>
+    <dgm:effectClrLst/>
+    <dgm:txLinClrLst/>
+    <dgm:txFillClrLst meth="repeat">
+      <a:schemeClr val="dk1"/>
+    </dgm:txFillClrLst>
+    <dgm:txEffectClrLst/>
+  </dgm:styleLbl>
+  <dgm:styleLbl name="conFgAcc1">
+    <dgm:fillClrLst meth="repeat">
+      <a:schemeClr val="lt2">
+        <a:alpha val="90000"/>
+      </a:schemeClr>
+    </dgm:fillClrLst>
+    <dgm:linClrLst meth="repeat">
+      <a:schemeClr val="dk2"/>
+    </dgm:linClrLst>
+    <dgm:effectClrLst/>
+    <dgm:txLinClrLst/>
+    <dgm:txFillClrLst meth="repeat">
+      <a:schemeClr val="dk1"/>
+    </dgm:txFillClrLst>
+    <dgm:txEffectClrLst/>
+  </dgm:styleLbl>
+  <dgm:styleLbl name="alignAcc1">
+    <dgm:fillClrLst meth="repeat">
+      <a:schemeClr val="lt2">
+        <a:alpha val="90000"/>
+      </a:schemeClr>
+    </dgm:fillClrLst>
+    <dgm:linClrLst meth="repeat">
+      <a:schemeClr val="dk2"/>
+    </dgm:linClrLst>
+    <dgm:effectClrLst/>
+    <dgm:txLinClrLst/>
+    <dgm:txFillClrLst meth="repeat">
+      <a:schemeClr val="dk1"/>
+    </dgm:txFillClrLst>
+    <dgm:txEffectClrLst/>
+  </dgm:styleLbl>
+  <dgm:styleLbl name="trAlignAcc1">
+    <dgm:fillClrLst meth="repeat">
+      <a:schemeClr val="lt2">
+        <a:alpha val="40000"/>
+      </a:schemeClr>
+    </dgm:fillClrLst>
+    <dgm:linClrLst meth="repeat">
+      <a:schemeClr val="dk2"/>
+    </dgm:linClrLst>
+    <dgm:effectClrLst/>
+    <dgm:txLinClrLst/>
+    <dgm:txFillClrLst meth="repeat">
+      <a:schemeClr val="dk1"/>
+    </dgm:txFillClrLst>
+    <dgm:txEffectClrLst/>
+  </dgm:styleLbl>
+  <dgm:styleLbl name="bgAcc1">
+    <dgm:fillClrLst meth="repeat">
+      <a:schemeClr val="lt2">
+        <a:alpha val="90000"/>
+      </a:schemeClr>
+    </dgm:fillClrLst>
+    <dgm:linClrLst meth="repeat">
+      <a:schemeClr val="dk2"/>
+    </dgm:linClrLst>
+    <dgm:effectClrLst/>
+    <dgm:txLinClrLst/>
+    <dgm:txFillClrLst meth="repeat">
+      <a:schemeClr val="dk1"/>
+    </dgm:txFillClrLst>
+    <dgm:txEffectClrLst/>
+  </dgm:styleLbl>
+  <dgm:styleLbl name="solidFgAcc1">
+    <dgm:fillClrLst meth="repeat">
+      <a:schemeClr val="lt2"/>
+    </dgm:fillClrLst>
+    <dgm:linClrLst meth="repeat">
+      <a:schemeClr val="dk2"/>
+    </dgm:linClrLst>
+    <dgm:effectClrLst/>
+    <dgm:txLinClrLst/>
+    <dgm:txFillClrLst meth="repeat">
+      <a:schemeClr val="dk1"/>
+    </dgm:txFillClrLst>
+    <dgm:txEffectClrLst/>
+  </dgm:styleLbl>
+  <dgm:styleLbl name="solidAlignAcc1">
+    <dgm:fillClrLst meth="repeat">
+      <a:schemeClr val="lt2"/>
+    </dgm:fillClrLst>
+    <dgm:linClrLst meth="repeat">
+      <a:schemeClr val="dk2"/>
+    </dgm:linClrLst>
+    <dgm:effectClrLst/>
+    <dgm:txLinClrLst/>
+    <dgm:txFillClrLst meth="repeat">
+      <a:schemeClr val="dk1"/>
+    </dgm:txFillClrLst>
+    <dgm:txEffectClrLst/>
+  </dgm:styleLbl>
+  <dgm:styleLbl name="solidBgAcc1">
+    <dgm:fillClrLst meth="repeat">
+      <a:schemeClr val="lt2"/>
+    </dgm:fillClrLst>
+    <dgm:linClrLst meth="repeat">
+      <a:schemeClr val="dk2"/>
+    </dgm:linClrLst>
+    <dgm:effectClrLst/>
+    <dgm:txLinClrLst/>
+    <dgm:txFillClrLst meth="repeat">
+      <a:schemeClr val="dk1"/>
+    </dgm:txFillClrLst>
+    <dgm:txEffectClrLst/>
+  </dgm:styleLbl>
+  <dgm:styleLbl name="fgAccFollowNode1">
+    <dgm:fillClrLst meth="repeat">
+      <a:schemeClr val="dk2">
+        <a:alpha val="90000"/>
+        <a:tint val="40000"/>
+      </a:schemeClr>
+    </dgm:fillClrLst>
+    <dgm:linClrLst meth="repeat">
+      <a:schemeClr val="dk2">
+        <a:alpha val="90000"/>
+        <a:tint val="40000"/>
+      </a:schemeClr>
+    </dgm:linClrLst>
+    <dgm:effectClrLst/>
+    <dgm:txLinClrLst/>
+    <dgm:txFillClrLst meth="repeat">
+      <a:schemeClr val="dk1"/>
+    </dgm:txFillClrLst>
+    <dgm:txEffectClrLst/>
+  </dgm:styleLbl>
+  <dgm:styleLbl name="alignAccFollowNode1">
+    <dgm:fillClrLst meth="repeat">
+      <a:schemeClr val="dk2">
+        <a:alpha val="90000"/>
+        <a:tint val="40000"/>
+      </a:schemeClr>
+    </dgm:fillClrLst>
+    <dgm:linClrLst meth="repeat">
+      <a:schemeClr val="dk2">
+        <a:alpha val="90000"/>
+        <a:tint val="40000"/>
+      </a:schemeClr>
+    </dgm:linClrLst>
+    <dgm:effectClrLst/>
+    <dgm:txLinClrLst/>
+    <dgm:txFillClrLst meth="repeat">
+      <a:schemeClr val="dk1"/>
+    </dgm:txFillClrLst>
+    <dgm:txEffectClrLst/>
+  </dgm:styleLbl>
+  <dgm:styleLbl name="bgAccFollowNode1">
+    <dgm:fillClrLst meth="repeat">
+      <a:schemeClr val="dk2">
+        <a:alpha val="90000"/>
+        <a:tint val="40000"/>
+      </a:schemeClr>
+    </dgm:fillClrLst>
+    <dgm:linClrLst meth="repeat">
+      <a:schemeClr val="dk2">
+        <a:alpha val="90000"/>
+        <a:tint val="40000"/>
+      </a:schemeClr>
+    </dgm:linClrLst>
+    <dgm:effectClrLst/>
+    <dgm:txLinClrLst/>
+    <dgm:txFillClrLst meth="repeat">
+      <a:schemeClr val="dk1"/>
+    </dgm:txFillClrLst>
+    <dgm:txEffectClrLst/>
+  </dgm:styleLbl>
+  <dgm:styleLbl name="fgAcc0">
+    <dgm:fillClrLst meth="repeat">
+      <a:schemeClr val="lt2">
+        <a:alpha val="90000"/>
+      </a:schemeClr>
+    </dgm:fillClrLst>
+    <dgm:linClrLst meth="repeat">
+      <a:schemeClr val="dk2"/>
+    </dgm:linClrLst>
+    <dgm:effectClrLst/>
+    <dgm:txLinClrLst/>
+    <dgm:txFillClrLst meth="repeat">
+      <a:schemeClr val="dk1"/>
+    </dgm:txFillClrLst>
+    <dgm:txEffectClrLst/>
+  </dgm:styleLbl>
+  <dgm:styleLbl name="fgAcc2">
+    <dgm:fillClrLst meth="repeat">
+      <a:schemeClr val="lt2">
+        <a:alpha val="90000"/>
+      </a:schemeClr>
+    </dgm:fillClrLst>
+    <dgm:linClrLst meth="repeat">
+      <a:schemeClr val="dk2"/>
+    </dgm:linClrLst>
+    <dgm:effectClrLst/>
+    <dgm:txLinClrLst/>
+    <dgm:txFillClrLst meth="repeat">
+      <a:schemeClr val="dk1"/>
+    </dgm:txFillClrLst>
+    <dgm:txEffectClrLst/>
+  </dgm:styleLbl>
+  <dgm:styleLbl name="fgAcc3">
+    <dgm:fillClrLst meth="repeat">
+      <a:schemeClr val="lt2">
+        <a:alpha val="90000"/>
+      </a:schemeClr>
+    </dgm:fillClrLst>
+    <dgm:linClrLst meth="repeat">
+      <a:schemeClr val="dk2"/>
+    </dgm:linClrLst>
+    <dgm:effectClrLst/>
+    <dgm:txLinClrLst/>
+    <dgm:txFillClrLst meth="repeat">
+      <a:schemeClr val="dk1"/>
+    </dgm:txFillClrLst>
+    <dgm:txEffectClrLst/>
+  </dgm:styleLbl>
+  <dgm:styleLbl name="fgAcc4">
+    <dgm:fillClrLst meth="repeat">
+      <a:schemeClr val="lt2">
+        <a:alpha val="90000"/>
+      </a:schemeClr>
+    </dgm:fillClrLst>
+    <dgm:linClrLst meth="repeat">
+      <a:schemeClr val="dk2"/>
+    </dgm:linClrLst>
+    <dgm:effectClrLst/>
+    <dgm:txLinClrLst/>
+    <dgm:txFillClrLst meth="repeat">
+      <a:schemeClr val="dk1"/>
+    </dgm:txFillClrLst>
+    <dgm:txEffectClrLst/>
+  </dgm:styleLbl>
+  <dgm:styleLbl name="bgShp">
+    <dgm:fillClrLst meth="repeat">
+      <a:schemeClr val="dk2">
+        <a:tint val="40000"/>
+      </a:schemeClr>
+    </dgm:fillClrLst>
+    <dgm:linClrLst meth="repeat">
+      <a:schemeClr val="dk2"/>
+    </dgm:linClrLst>
+    <dgm:effectClrLst/>
+    <dgm:txLinClrLst/>
+    <dgm:txFillClrLst meth="repeat">
+      <a:schemeClr val="dk1"/>
+    </dgm:txFillClrLst>
+    <dgm:txEffectClrLst/>
+  </dgm:styleLbl>
+  <dgm:styleLbl name="dkBgShp">
+    <dgm:fillClrLst meth="repeat">
+      <a:schemeClr val="dk2">
+        <a:shade val="80000"/>
+      </a:schemeClr>
+    </dgm:fillClrLst>
+    <dgm:linClrLst meth="repeat">
+      <a:schemeClr val="dk2"/>
+    </dgm:linClrLst>
+    <dgm:effectClrLst/>
+    <dgm:txLinClrLst/>
+    <dgm:txFillClrLst meth="repeat">
+      <a:schemeClr val="lt1"/>
+    </dgm:txFillClrLst>
+    <dgm:txEffectClrLst/>
+  </dgm:styleLbl>
+  <dgm:styleLbl name="trBgShp">
+    <dgm:fillClrLst meth="repeat">
+      <a:schemeClr val="dk2">
+        <a:tint val="50000"/>
+        <a:alpha val="40000"/>
+      </a:schemeClr>
+    </dgm:fillClrLst>
+    <dgm:linClrLst meth="repeat">
+      <a:schemeClr val="dk2"/>
+    </dgm:linClrLst>
+    <dgm:effectClrLst/>
+    <dgm:txLinClrLst/>
+    <dgm:txFillClrLst meth="repeat">
+      <a:schemeClr val="lt1"/>
+    </dgm:txFillClrLst>
+    <dgm:txEffectClrLst/>
+  </dgm:styleLbl>
+  <dgm:styleLbl name="fgShp">
+    <dgm:fillClrLst meth="repeat">
+      <a:schemeClr val="dk2">
+        <a:tint val="60000"/>
+      </a:schemeClr>
+    </dgm:fillClrLst>
+    <dgm:linClrLst meth="repeat">
+      <a:schemeClr val="lt2"/>
+    </dgm:linClrLst>
+    <dgm:effectClrLst/>
+    <dgm:txLinClrLst/>
+    <dgm:txFillClrLst meth="repeat">
+      <a:schemeClr val="dk1"/>
+    </dgm:txFillClrLst>
+    <dgm:txEffectClrLst/>
+  </dgm:styleLbl>
+  <dgm:styleLbl name="revTx">
+    <dgm:fillClrLst meth="repeat">
+      <a:schemeClr val="lt2">
+        <a:alpha val="0"/>
+      </a:schemeClr>
+    </dgm:fillClrLst>
+    <dgm:linClrLst meth="repeat">
+      <a:schemeClr val="dk1">
+        <a:alpha val="0"/>
+      </a:schemeClr>
+    </dgm:linClrLst>
+    <dgm:effectClrLst/>
+    <dgm:txLinClrLst/>
+    <dgm:txFillClrLst meth="repeat">
+      <a:schemeClr val="tx1"/>
+    </dgm:txFillClrLst>
+    <dgm:txEffectClrLst/>
+  </dgm:styleLbl>
+</dgm:colorsDef>
+</file>
+
+<file path=ppt/diagrams/data1.xml><?xml version="1.0" encoding="utf-8"?>
+<dgm:dataModel xmlns:dgm="http://schemas.openxmlformats.org/drawingml/2006/diagram" xmlns:a="http://schemas.openxmlformats.org/drawingml/2006/main">
+  <dgm:ptLst>
+    <dgm:pt modelId="{B08080AD-D503-4CC1-AF15-B5F018BA61B7}" type="doc">
+      <dgm:prSet loTypeId="urn:microsoft.com/office/officeart/2009/3/layout/HorizontalOrganizationChart" loCatId="hierarchy" qsTypeId="urn:microsoft.com/office/officeart/2005/8/quickstyle/simple5" qsCatId="simple" csTypeId="urn:microsoft.com/office/officeart/2005/8/colors/accent0_3" csCatId="mainScheme" phldr="1"/>
+      <dgm:spPr/>
+    </dgm:pt>
+    <dgm:pt modelId="{3A9B97C3-9D6F-4C94-8609-5F5C5DB2728D}">
+      <dgm:prSet phldrT="[Texto]"/>
+      <dgm:spPr/>
+      <dgm:t>
+        <a:bodyPr/>
+        <a:lstStyle/>
+        <a:p>
+          <a:r>
+            <a:rPr lang="it-IT" dirty="0"/>
+            <a:t>Data Collection</a:t>
+          </a:r>
+          <a:endParaRPr lang="es-CL" dirty="0"/>
+        </a:p>
+      </dgm:t>
+    </dgm:pt>
+    <dgm:pt modelId="{50012500-388E-4F00-A513-1703FE1BE3C1}" type="parTrans" cxnId="{F6C9E771-174A-4800-A42C-16016A3FFA31}">
+      <dgm:prSet/>
+      <dgm:spPr/>
+      <dgm:t>
+        <a:bodyPr/>
+        <a:lstStyle/>
+        <a:p>
+          <a:endParaRPr lang="es-CL"/>
+        </a:p>
+      </dgm:t>
+    </dgm:pt>
+    <dgm:pt modelId="{65D98E47-0A02-4A04-AC87-104468DB99E5}" type="sibTrans" cxnId="{F6C9E771-174A-4800-A42C-16016A3FFA31}">
+      <dgm:prSet/>
+      <dgm:spPr/>
+      <dgm:t>
+        <a:bodyPr/>
+        <a:lstStyle/>
+        <a:p>
+          <a:endParaRPr lang="es-CL"/>
+        </a:p>
+      </dgm:t>
+    </dgm:pt>
+    <dgm:pt modelId="{7E85E645-60AA-4011-90EE-3803CF83FB06}">
+      <dgm:prSet phldrT="[Texto]"/>
+      <dgm:spPr/>
+      <dgm:t>
+        <a:bodyPr/>
+        <a:lstStyle/>
+        <a:p>
+          <a:r>
+            <a:rPr lang="it-IT" dirty="0"/>
+            <a:t>Data preprocessing</a:t>
+          </a:r>
+          <a:endParaRPr lang="es-CL" dirty="0"/>
+        </a:p>
+      </dgm:t>
+    </dgm:pt>
+    <dgm:pt modelId="{98175F75-4398-4F92-8C16-BA2B48C40887}" type="parTrans" cxnId="{D32FE27F-11D7-466E-B746-8EF05A6460F6}">
+      <dgm:prSet/>
+      <dgm:spPr/>
+      <dgm:t>
+        <a:bodyPr/>
+        <a:lstStyle/>
+        <a:p>
+          <a:endParaRPr lang="es-CL"/>
+        </a:p>
+      </dgm:t>
+    </dgm:pt>
+    <dgm:pt modelId="{D207E049-B280-4CEA-8162-8A2FA8C1FAE5}" type="sibTrans" cxnId="{D32FE27F-11D7-466E-B746-8EF05A6460F6}">
+      <dgm:prSet/>
+      <dgm:spPr/>
+      <dgm:t>
+        <a:bodyPr/>
+        <a:lstStyle/>
+        <a:p>
+          <a:endParaRPr lang="es-CL"/>
+        </a:p>
+      </dgm:t>
+    </dgm:pt>
+    <dgm:pt modelId="{85AD2AAC-FF82-477B-8D28-1515ED231F64}">
+      <dgm:prSet phldrT="[Texto]"/>
+      <dgm:spPr/>
+      <dgm:t>
+        <a:bodyPr/>
+        <a:lstStyle/>
+        <a:p>
+          <a:endParaRPr lang="es-CL" dirty="0"/>
+        </a:p>
+      </dgm:t>
+    </dgm:pt>
+    <dgm:pt modelId="{00059397-26F8-4CF7-9216-2A3D994A1830}" type="parTrans" cxnId="{DA1AC35E-C661-46D2-AC7B-30453D6E098D}">
+      <dgm:prSet/>
+      <dgm:spPr/>
+      <dgm:t>
+        <a:bodyPr/>
+        <a:lstStyle/>
+        <a:p>
+          <a:endParaRPr lang="es-CL"/>
+        </a:p>
+      </dgm:t>
+    </dgm:pt>
+    <dgm:pt modelId="{F6499244-A54D-44C1-B5D9-AE3AC25D3BA0}" type="sibTrans" cxnId="{DA1AC35E-C661-46D2-AC7B-30453D6E098D}">
+      <dgm:prSet/>
+      <dgm:spPr/>
+      <dgm:t>
+        <a:bodyPr/>
+        <a:lstStyle/>
+        <a:p>
+          <a:endParaRPr lang="es-CL"/>
+        </a:p>
+      </dgm:t>
+    </dgm:pt>
+    <dgm:pt modelId="{AC04B900-A80D-4B29-9C6A-B92D07694795}" type="pres">
+      <dgm:prSet presAssocID="{B08080AD-D503-4CC1-AF15-B5F018BA61B7}" presName="hierChild1" presStyleCnt="0">
+        <dgm:presLayoutVars>
+          <dgm:orgChart val="1"/>
+          <dgm:chPref val="1"/>
+          <dgm:dir/>
+          <dgm:animOne val="branch"/>
+          <dgm:animLvl val="lvl"/>
+          <dgm:resizeHandles/>
+        </dgm:presLayoutVars>
+      </dgm:prSet>
+      <dgm:spPr/>
+    </dgm:pt>
+    <dgm:pt modelId="{B59B1D1A-5BF3-424D-BD27-28E40AA807F7}" type="pres">
+      <dgm:prSet presAssocID="{3A9B97C3-9D6F-4C94-8609-5F5C5DB2728D}" presName="hierRoot1" presStyleCnt="0">
+        <dgm:presLayoutVars>
+          <dgm:hierBranch val="init"/>
+        </dgm:presLayoutVars>
+      </dgm:prSet>
+      <dgm:spPr/>
+    </dgm:pt>
+    <dgm:pt modelId="{9A2D8C1E-EAD6-4ACE-8C0B-F9F1A23A9898}" type="pres">
+      <dgm:prSet presAssocID="{3A9B97C3-9D6F-4C94-8609-5F5C5DB2728D}" presName="rootComposite1" presStyleCnt="0"/>
+      <dgm:spPr/>
+    </dgm:pt>
+    <dgm:pt modelId="{7D09F5C1-769A-4C5A-AB94-C476193F7D9E}" type="pres">
+      <dgm:prSet presAssocID="{3A9B97C3-9D6F-4C94-8609-5F5C5DB2728D}" presName="rootText1" presStyleLbl="node0" presStyleIdx="0" presStyleCnt="1">
+        <dgm:presLayoutVars>
+          <dgm:chPref val="3"/>
+        </dgm:presLayoutVars>
+      </dgm:prSet>
+      <dgm:spPr/>
+    </dgm:pt>
+    <dgm:pt modelId="{6FF07D83-44DF-4ADF-A0C8-E851E8700836}" type="pres">
+      <dgm:prSet presAssocID="{3A9B97C3-9D6F-4C94-8609-5F5C5DB2728D}" presName="rootConnector1" presStyleLbl="node1" presStyleIdx="0" presStyleCnt="0"/>
+      <dgm:spPr/>
+    </dgm:pt>
+    <dgm:pt modelId="{A7EDE6B3-301E-47C7-B5BD-0080F43FACA0}" type="pres">
+      <dgm:prSet presAssocID="{3A9B97C3-9D6F-4C94-8609-5F5C5DB2728D}" presName="hierChild2" presStyleCnt="0"/>
+      <dgm:spPr/>
+    </dgm:pt>
+    <dgm:pt modelId="{B6AB710B-3A97-4B79-B53E-22F0665B2F3F}" type="pres">
+      <dgm:prSet presAssocID="{98175F75-4398-4F92-8C16-BA2B48C40887}" presName="Name64" presStyleLbl="parChTrans1D2" presStyleIdx="0" presStyleCnt="1"/>
+      <dgm:spPr/>
+    </dgm:pt>
+    <dgm:pt modelId="{F25D0F42-E6CC-4E4E-8058-D54714DFE27D}" type="pres">
+      <dgm:prSet presAssocID="{7E85E645-60AA-4011-90EE-3803CF83FB06}" presName="hierRoot2" presStyleCnt="0">
+        <dgm:presLayoutVars>
+          <dgm:hierBranch val="init"/>
+        </dgm:presLayoutVars>
+      </dgm:prSet>
+      <dgm:spPr/>
+    </dgm:pt>
+    <dgm:pt modelId="{31ED6EA4-9791-4E6D-858E-CBC12665B7E7}" type="pres">
+      <dgm:prSet presAssocID="{7E85E645-60AA-4011-90EE-3803CF83FB06}" presName="rootComposite" presStyleCnt="0"/>
+      <dgm:spPr/>
+    </dgm:pt>
+    <dgm:pt modelId="{739D003E-DBAC-47C8-A076-7AE9FA636BCF}" type="pres">
+      <dgm:prSet presAssocID="{7E85E645-60AA-4011-90EE-3803CF83FB06}" presName="rootText" presStyleLbl="node2" presStyleIdx="0" presStyleCnt="1">
+        <dgm:presLayoutVars>
+          <dgm:chPref val="3"/>
+        </dgm:presLayoutVars>
+      </dgm:prSet>
+      <dgm:spPr/>
+    </dgm:pt>
+    <dgm:pt modelId="{BF4F156F-0898-487B-8F69-30AB76AC7416}" type="pres">
+      <dgm:prSet presAssocID="{7E85E645-60AA-4011-90EE-3803CF83FB06}" presName="rootConnector" presStyleLbl="node2" presStyleIdx="0" presStyleCnt="1"/>
+      <dgm:spPr/>
+    </dgm:pt>
+    <dgm:pt modelId="{B4343AAD-4FA5-445F-B73F-8060240E51DE}" type="pres">
+      <dgm:prSet presAssocID="{7E85E645-60AA-4011-90EE-3803CF83FB06}" presName="hierChild4" presStyleCnt="0"/>
+      <dgm:spPr/>
+    </dgm:pt>
+    <dgm:pt modelId="{E6C00FCA-C1B5-4CD9-9DC1-AC80B92C842B}" type="pres">
+      <dgm:prSet presAssocID="{00059397-26F8-4CF7-9216-2A3D994A1830}" presName="Name64" presStyleLbl="parChTrans1D3" presStyleIdx="0" presStyleCnt="1"/>
+      <dgm:spPr/>
+    </dgm:pt>
+    <dgm:pt modelId="{3033723F-8A25-4877-913D-713DA47EF227}" type="pres">
+      <dgm:prSet presAssocID="{85AD2AAC-FF82-477B-8D28-1515ED231F64}" presName="hierRoot2" presStyleCnt="0">
+        <dgm:presLayoutVars>
+          <dgm:hierBranch val="init"/>
+        </dgm:presLayoutVars>
+      </dgm:prSet>
+      <dgm:spPr/>
+    </dgm:pt>
+    <dgm:pt modelId="{1A6AACB8-351D-4F66-91FE-F4F6B9490845}" type="pres">
+      <dgm:prSet presAssocID="{85AD2AAC-FF82-477B-8D28-1515ED231F64}" presName="rootComposite" presStyleCnt="0"/>
+      <dgm:spPr/>
+    </dgm:pt>
+    <dgm:pt modelId="{DEE2BE0D-B518-4587-8BED-CF07AD314572}" type="pres">
+      <dgm:prSet presAssocID="{85AD2AAC-FF82-477B-8D28-1515ED231F64}" presName="rootText" presStyleLbl="node3" presStyleIdx="0" presStyleCnt="1">
+        <dgm:presLayoutVars>
+          <dgm:chPref val="3"/>
+        </dgm:presLayoutVars>
+      </dgm:prSet>
+      <dgm:spPr/>
+    </dgm:pt>
+    <dgm:pt modelId="{5273459B-F60F-4283-9042-A63E541F6CB6}" type="pres">
+      <dgm:prSet presAssocID="{85AD2AAC-FF82-477B-8D28-1515ED231F64}" presName="rootConnector" presStyleLbl="node3" presStyleIdx="0" presStyleCnt="1"/>
+      <dgm:spPr/>
+    </dgm:pt>
+    <dgm:pt modelId="{5E36063B-4E62-468B-89BE-47359378D5B1}" type="pres">
+      <dgm:prSet presAssocID="{85AD2AAC-FF82-477B-8D28-1515ED231F64}" presName="hierChild4" presStyleCnt="0"/>
+      <dgm:spPr/>
+    </dgm:pt>
+    <dgm:pt modelId="{CC2E6B5E-B0DB-4F72-B002-3A0C08C29AC7}" type="pres">
+      <dgm:prSet presAssocID="{85AD2AAC-FF82-477B-8D28-1515ED231F64}" presName="hierChild5" presStyleCnt="0"/>
+      <dgm:spPr/>
+    </dgm:pt>
+    <dgm:pt modelId="{4FFF544C-F91F-4EAE-A0AE-9D1374F3CEC7}" type="pres">
+      <dgm:prSet presAssocID="{7E85E645-60AA-4011-90EE-3803CF83FB06}" presName="hierChild5" presStyleCnt="0"/>
+      <dgm:spPr/>
+    </dgm:pt>
+    <dgm:pt modelId="{98A7D475-6EE8-4A78-8665-CECDA1DE07CB}" type="pres">
+      <dgm:prSet presAssocID="{3A9B97C3-9D6F-4C94-8609-5F5C5DB2728D}" presName="hierChild3" presStyleCnt="0"/>
+      <dgm:spPr/>
+    </dgm:pt>
+  </dgm:ptLst>
+  <dgm:cxnLst>
+    <dgm:cxn modelId="{6048C30B-E47C-4710-9273-DBBE429005D4}" type="presOf" srcId="{7E85E645-60AA-4011-90EE-3803CF83FB06}" destId="{739D003E-DBAC-47C8-A076-7AE9FA636BCF}" srcOrd="0" destOrd="0" presId="urn:microsoft.com/office/officeart/2009/3/layout/HorizontalOrganizationChart"/>
+    <dgm:cxn modelId="{DA1AC35E-C661-46D2-AC7B-30453D6E098D}" srcId="{7E85E645-60AA-4011-90EE-3803CF83FB06}" destId="{85AD2AAC-FF82-477B-8D28-1515ED231F64}" srcOrd="0" destOrd="0" parTransId="{00059397-26F8-4CF7-9216-2A3D994A1830}" sibTransId="{F6499244-A54D-44C1-B5D9-AE3AC25D3BA0}"/>
+    <dgm:cxn modelId="{A40D1C44-24FE-496F-9C73-6B9CE46A823B}" type="presOf" srcId="{7E85E645-60AA-4011-90EE-3803CF83FB06}" destId="{BF4F156F-0898-487B-8F69-30AB76AC7416}" srcOrd="1" destOrd="0" presId="urn:microsoft.com/office/officeart/2009/3/layout/HorizontalOrganizationChart"/>
+    <dgm:cxn modelId="{4E94DC6D-5A56-40D2-9EE4-6819B05C264E}" type="presOf" srcId="{85AD2AAC-FF82-477B-8D28-1515ED231F64}" destId="{5273459B-F60F-4283-9042-A63E541F6CB6}" srcOrd="1" destOrd="0" presId="urn:microsoft.com/office/officeart/2009/3/layout/HorizontalOrganizationChart"/>
+    <dgm:cxn modelId="{F6C9E771-174A-4800-A42C-16016A3FFA31}" srcId="{B08080AD-D503-4CC1-AF15-B5F018BA61B7}" destId="{3A9B97C3-9D6F-4C94-8609-5F5C5DB2728D}" srcOrd="0" destOrd="0" parTransId="{50012500-388E-4F00-A513-1703FE1BE3C1}" sibTransId="{65D98E47-0A02-4A04-AC87-104468DB99E5}"/>
+    <dgm:cxn modelId="{D32FE27F-11D7-466E-B746-8EF05A6460F6}" srcId="{3A9B97C3-9D6F-4C94-8609-5F5C5DB2728D}" destId="{7E85E645-60AA-4011-90EE-3803CF83FB06}" srcOrd="0" destOrd="0" parTransId="{98175F75-4398-4F92-8C16-BA2B48C40887}" sibTransId="{D207E049-B280-4CEA-8162-8A2FA8C1FAE5}"/>
+    <dgm:cxn modelId="{6F1C7486-734D-4585-85A5-E84B55137994}" type="presOf" srcId="{3A9B97C3-9D6F-4C94-8609-5F5C5DB2728D}" destId="{7D09F5C1-769A-4C5A-AB94-C476193F7D9E}" srcOrd="0" destOrd="0" presId="urn:microsoft.com/office/officeart/2009/3/layout/HorizontalOrganizationChart"/>
+    <dgm:cxn modelId="{5142E895-4935-4040-A954-CC431E21A5CF}" type="presOf" srcId="{85AD2AAC-FF82-477B-8D28-1515ED231F64}" destId="{DEE2BE0D-B518-4587-8BED-CF07AD314572}" srcOrd="0" destOrd="0" presId="urn:microsoft.com/office/officeart/2009/3/layout/HorizontalOrganizationChart"/>
+    <dgm:cxn modelId="{DD0197C6-D85E-4119-8F4F-CB48901800C8}" type="presOf" srcId="{98175F75-4398-4F92-8C16-BA2B48C40887}" destId="{B6AB710B-3A97-4B79-B53E-22F0665B2F3F}" srcOrd="0" destOrd="0" presId="urn:microsoft.com/office/officeart/2009/3/layout/HorizontalOrganizationChart"/>
+    <dgm:cxn modelId="{0AEF19C8-D0DE-4333-A007-F2CBF606D183}" type="presOf" srcId="{B08080AD-D503-4CC1-AF15-B5F018BA61B7}" destId="{AC04B900-A80D-4B29-9C6A-B92D07694795}" srcOrd="0" destOrd="0" presId="urn:microsoft.com/office/officeart/2009/3/layout/HorizontalOrganizationChart"/>
+    <dgm:cxn modelId="{F6E7E6CD-1E19-4B39-A259-1F25AFFDADC4}" type="presOf" srcId="{00059397-26F8-4CF7-9216-2A3D994A1830}" destId="{E6C00FCA-C1B5-4CD9-9DC1-AC80B92C842B}" srcOrd="0" destOrd="0" presId="urn:microsoft.com/office/officeart/2009/3/layout/HorizontalOrganizationChart"/>
+    <dgm:cxn modelId="{FA6F5DD4-59ED-4AD7-891D-F5A03442A7BE}" type="presOf" srcId="{3A9B97C3-9D6F-4C94-8609-5F5C5DB2728D}" destId="{6FF07D83-44DF-4ADF-A0C8-E851E8700836}" srcOrd="1" destOrd="0" presId="urn:microsoft.com/office/officeart/2009/3/layout/HorizontalOrganizationChart"/>
+    <dgm:cxn modelId="{30FC178B-029D-4387-9DE8-8E5F341E4452}" type="presParOf" srcId="{AC04B900-A80D-4B29-9C6A-B92D07694795}" destId="{B59B1D1A-5BF3-424D-BD27-28E40AA807F7}" srcOrd="0" destOrd="0" presId="urn:microsoft.com/office/officeart/2009/3/layout/HorizontalOrganizationChart"/>
+    <dgm:cxn modelId="{BF9863B9-9928-43AB-984C-335C2CE649E5}" type="presParOf" srcId="{B59B1D1A-5BF3-424D-BD27-28E40AA807F7}" destId="{9A2D8C1E-EAD6-4ACE-8C0B-F9F1A23A9898}" srcOrd="0" destOrd="0" presId="urn:microsoft.com/office/officeart/2009/3/layout/HorizontalOrganizationChart"/>
+    <dgm:cxn modelId="{4ED8088C-4B4C-4809-984C-260028D0B898}" type="presParOf" srcId="{9A2D8C1E-EAD6-4ACE-8C0B-F9F1A23A9898}" destId="{7D09F5C1-769A-4C5A-AB94-C476193F7D9E}" srcOrd="0" destOrd="0" presId="urn:microsoft.com/office/officeart/2009/3/layout/HorizontalOrganizationChart"/>
+    <dgm:cxn modelId="{615B07E2-D034-4F1F-9947-968E421D6ED4}" type="presParOf" srcId="{9A2D8C1E-EAD6-4ACE-8C0B-F9F1A23A9898}" destId="{6FF07D83-44DF-4ADF-A0C8-E851E8700836}" srcOrd="1" destOrd="0" presId="urn:microsoft.com/office/officeart/2009/3/layout/HorizontalOrganizationChart"/>
+    <dgm:cxn modelId="{DB77255E-7BB4-4185-9B54-9ED219FC2BF8}" type="presParOf" srcId="{B59B1D1A-5BF3-424D-BD27-28E40AA807F7}" destId="{A7EDE6B3-301E-47C7-B5BD-0080F43FACA0}" srcOrd="1" destOrd="0" presId="urn:microsoft.com/office/officeart/2009/3/layout/HorizontalOrganizationChart"/>
+    <dgm:cxn modelId="{64A60A8F-0F16-47FC-9E88-8BA996DF1B7A}" type="presParOf" srcId="{A7EDE6B3-301E-47C7-B5BD-0080F43FACA0}" destId="{B6AB710B-3A97-4B79-B53E-22F0665B2F3F}" srcOrd="0" destOrd="0" presId="urn:microsoft.com/office/officeart/2009/3/layout/HorizontalOrganizationChart"/>
+    <dgm:cxn modelId="{FBC2EA71-2DFE-4A9E-9716-61CFBEE4E978}" type="presParOf" srcId="{A7EDE6B3-301E-47C7-B5BD-0080F43FACA0}" destId="{F25D0F42-E6CC-4E4E-8058-D54714DFE27D}" srcOrd="1" destOrd="0" presId="urn:microsoft.com/office/officeart/2009/3/layout/HorizontalOrganizationChart"/>
+    <dgm:cxn modelId="{763BEF92-CA94-406C-89EB-288F741D26B4}" type="presParOf" srcId="{F25D0F42-E6CC-4E4E-8058-D54714DFE27D}" destId="{31ED6EA4-9791-4E6D-858E-CBC12665B7E7}" srcOrd="0" destOrd="0" presId="urn:microsoft.com/office/officeart/2009/3/layout/HorizontalOrganizationChart"/>
+    <dgm:cxn modelId="{70AFF3FD-E032-42DC-BB50-7C0AB56DF590}" type="presParOf" srcId="{31ED6EA4-9791-4E6D-858E-CBC12665B7E7}" destId="{739D003E-DBAC-47C8-A076-7AE9FA636BCF}" srcOrd="0" destOrd="0" presId="urn:microsoft.com/office/officeart/2009/3/layout/HorizontalOrganizationChart"/>
+    <dgm:cxn modelId="{597BD3D9-4080-4BBC-962C-869A0BC2F833}" type="presParOf" srcId="{31ED6EA4-9791-4E6D-858E-CBC12665B7E7}" destId="{BF4F156F-0898-487B-8F69-30AB76AC7416}" srcOrd="1" destOrd="0" presId="urn:microsoft.com/office/officeart/2009/3/layout/HorizontalOrganizationChart"/>
+    <dgm:cxn modelId="{1A6C718D-DFAF-49E3-BDC9-09B34F0AD274}" type="presParOf" srcId="{F25D0F42-E6CC-4E4E-8058-D54714DFE27D}" destId="{B4343AAD-4FA5-445F-B73F-8060240E51DE}" srcOrd="1" destOrd="0" presId="urn:microsoft.com/office/officeart/2009/3/layout/HorizontalOrganizationChart"/>
+    <dgm:cxn modelId="{9CA8584F-C4B7-482B-B063-ED631401D4DB}" type="presParOf" srcId="{B4343AAD-4FA5-445F-B73F-8060240E51DE}" destId="{E6C00FCA-C1B5-4CD9-9DC1-AC80B92C842B}" srcOrd="0" destOrd="0" presId="urn:microsoft.com/office/officeart/2009/3/layout/HorizontalOrganizationChart"/>
+    <dgm:cxn modelId="{E1DEC71D-C453-4745-8151-4191FCF73230}" type="presParOf" srcId="{B4343AAD-4FA5-445F-B73F-8060240E51DE}" destId="{3033723F-8A25-4877-913D-713DA47EF227}" srcOrd="1" destOrd="0" presId="urn:microsoft.com/office/officeart/2009/3/layout/HorizontalOrganizationChart"/>
+    <dgm:cxn modelId="{00BFBBF7-8A2F-4983-B669-A5A55127509F}" type="presParOf" srcId="{3033723F-8A25-4877-913D-713DA47EF227}" destId="{1A6AACB8-351D-4F66-91FE-F4F6B9490845}" srcOrd="0" destOrd="0" presId="urn:microsoft.com/office/officeart/2009/3/layout/HorizontalOrganizationChart"/>
+    <dgm:cxn modelId="{58B82F71-5AE6-447D-95D8-C4F86388D401}" type="presParOf" srcId="{1A6AACB8-351D-4F66-91FE-F4F6B9490845}" destId="{DEE2BE0D-B518-4587-8BED-CF07AD314572}" srcOrd="0" destOrd="0" presId="urn:microsoft.com/office/officeart/2009/3/layout/HorizontalOrganizationChart"/>
+    <dgm:cxn modelId="{08844E39-80BA-43B5-8F30-DCB8E5FE41BC}" type="presParOf" srcId="{1A6AACB8-351D-4F66-91FE-F4F6B9490845}" destId="{5273459B-F60F-4283-9042-A63E541F6CB6}" srcOrd="1" destOrd="0" presId="urn:microsoft.com/office/officeart/2009/3/layout/HorizontalOrganizationChart"/>
+    <dgm:cxn modelId="{2E0A096E-8E99-4D06-B7EB-89536CA35990}" type="presParOf" srcId="{3033723F-8A25-4877-913D-713DA47EF227}" destId="{5E36063B-4E62-468B-89BE-47359378D5B1}" srcOrd="1" destOrd="0" presId="urn:microsoft.com/office/officeart/2009/3/layout/HorizontalOrganizationChart"/>
+    <dgm:cxn modelId="{2819D201-033D-4892-AB31-79226F3A3E35}" type="presParOf" srcId="{3033723F-8A25-4877-913D-713DA47EF227}" destId="{CC2E6B5E-B0DB-4F72-B002-3A0C08C29AC7}" srcOrd="2" destOrd="0" presId="urn:microsoft.com/office/officeart/2009/3/layout/HorizontalOrganizationChart"/>
+    <dgm:cxn modelId="{6C56DF96-2911-4452-8EAF-6F1F64BE62B3}" type="presParOf" srcId="{F25D0F42-E6CC-4E4E-8058-D54714DFE27D}" destId="{4FFF544C-F91F-4EAE-A0AE-9D1374F3CEC7}" srcOrd="2" destOrd="0" presId="urn:microsoft.com/office/officeart/2009/3/layout/HorizontalOrganizationChart"/>
+    <dgm:cxn modelId="{B920AC61-1907-4720-B5F9-731538CAFC1E}" type="presParOf" srcId="{B59B1D1A-5BF3-424D-BD27-28E40AA807F7}" destId="{98A7D475-6EE8-4A78-8665-CECDA1DE07CB}" srcOrd="2" destOrd="0" presId="urn:microsoft.com/office/officeart/2009/3/layout/HorizontalOrganizationChart"/>
+  </dgm:cxnLst>
+  <dgm:bg/>
+  <dgm:whole/>
+  <dgm:extLst>
+    <a:ext uri="http://schemas.microsoft.com/office/drawing/2008/diagram">
+      <dsp:dataModelExt xmlns:dsp="http://schemas.microsoft.com/office/drawing/2008/diagram" relId="rId8" minVer="http://schemas.openxmlformats.org/drawingml/2006/diagram"/>
+    </a:ext>
+  </dgm:extLst>
+</dgm:dataModel>
+</file>
+
+<file path=ppt/diagrams/drawing1.xml><?xml version="1.0" encoding="utf-8"?>
+<dsp:drawing xmlns:dgm="http://schemas.openxmlformats.org/drawingml/2006/diagram" xmlns:dsp="http://schemas.microsoft.com/office/drawing/2008/diagram" xmlns:a="http://schemas.openxmlformats.org/drawingml/2006/main">
+  <dsp:spTree>
+    <dsp:nvGrpSpPr>
+      <dsp:cNvPr id="0" name=""/>
+      <dsp:cNvGrpSpPr/>
+    </dsp:nvGrpSpPr>
+    <dsp:grpSpPr/>
+    <dsp:sp modelId="{E6C00FCA-C1B5-4CD9-9DC1-AC80B92C842B}">
+      <dsp:nvSpPr>
+        <dsp:cNvPr id="0" name=""/>
+        <dsp:cNvSpPr/>
+      </dsp:nvSpPr>
+      <dsp:spPr>
+        <a:xfrm>
+          <a:off x="4184335" y="1679586"/>
+          <a:ext cx="380160" cy="91440"/>
+        </a:xfrm>
+        <a:custGeom>
+          <a:avLst/>
+          <a:gdLst/>
+          <a:ahLst/>
+          <a:cxnLst/>
+          <a:rect l="0" t="0" r="0" b="0"/>
+          <a:pathLst>
+            <a:path>
+              <a:moveTo>
+                <a:pt x="0" y="45720"/>
+              </a:moveTo>
+              <a:lnTo>
+                <a:pt x="380160" y="45720"/>
+              </a:lnTo>
+            </a:path>
+          </a:pathLst>
+        </a:custGeom>
+        <a:noFill/>
+        <a:ln w="12700" cap="flat" cmpd="sng" algn="ctr">
+          <a:solidFill>
+            <a:schemeClr val="dk2">
+              <a:shade val="80000"/>
+              <a:hueOff val="0"/>
+              <a:satOff val="0"/>
+              <a:lumOff val="0"/>
+              <a:alphaOff val="0"/>
+            </a:schemeClr>
+          </a:solidFill>
+          <a:prstDash val="solid"/>
+          <a:miter lim="800000"/>
+        </a:ln>
+        <a:effectLst/>
+      </dsp:spPr>
+      <dsp:style>
+        <a:lnRef idx="2">
+          <a:scrgbClr r="0" g="0" b="0"/>
+        </a:lnRef>
+        <a:fillRef idx="0">
+          <a:scrgbClr r="0" g="0" b="0"/>
+        </a:fillRef>
+        <a:effectRef idx="0">
+          <a:scrgbClr r="0" g="0" b="0"/>
+        </a:effectRef>
+        <a:fontRef idx="minor"/>
+      </dsp:style>
+    </dsp:sp>
+    <dsp:sp modelId="{B6AB710B-3A97-4B79-B53E-22F0665B2F3F}">
+      <dsp:nvSpPr>
+        <dsp:cNvPr id="0" name=""/>
+        <dsp:cNvSpPr/>
+      </dsp:nvSpPr>
+      <dsp:spPr>
+        <a:xfrm>
+          <a:off x="1903370" y="1679586"/>
+          <a:ext cx="380160" cy="91440"/>
+        </a:xfrm>
+        <a:custGeom>
+          <a:avLst/>
+          <a:gdLst/>
+          <a:ahLst/>
+          <a:cxnLst/>
+          <a:rect l="0" t="0" r="0" b="0"/>
+          <a:pathLst>
+            <a:path>
+              <a:moveTo>
+                <a:pt x="0" y="45720"/>
+              </a:moveTo>
+              <a:lnTo>
+                <a:pt x="380160" y="45720"/>
+              </a:lnTo>
+            </a:path>
+          </a:pathLst>
+        </a:custGeom>
+        <a:noFill/>
+        <a:ln w="12700" cap="flat" cmpd="sng" algn="ctr">
+          <a:solidFill>
+            <a:schemeClr val="dk2">
+              <a:shade val="60000"/>
+              <a:hueOff val="0"/>
+              <a:satOff val="0"/>
+              <a:lumOff val="0"/>
+              <a:alphaOff val="0"/>
+            </a:schemeClr>
+          </a:solidFill>
+          <a:prstDash val="solid"/>
+          <a:miter lim="800000"/>
+        </a:ln>
+        <a:effectLst/>
+      </dsp:spPr>
+      <dsp:style>
+        <a:lnRef idx="2">
+          <a:scrgbClr r="0" g="0" b="0"/>
+        </a:lnRef>
+        <a:fillRef idx="0">
+          <a:scrgbClr r="0" g="0" b="0"/>
+        </a:fillRef>
+        <a:effectRef idx="0">
+          <a:scrgbClr r="0" g="0" b="0"/>
+        </a:effectRef>
+        <a:fontRef idx="minor"/>
+      </dsp:style>
+    </dsp:sp>
+    <dsp:sp modelId="{7D09F5C1-769A-4C5A-AB94-C476193F7D9E}">
+      <dsp:nvSpPr>
+        <dsp:cNvPr id="0" name=""/>
+        <dsp:cNvSpPr/>
+      </dsp:nvSpPr>
+      <dsp:spPr>
+        <a:xfrm>
+          <a:off x="2565" y="1435433"/>
+          <a:ext cx="1900804" cy="579745"/>
+        </a:xfrm>
+        <a:prstGeom prst="rect">
+          <a:avLst/>
+        </a:prstGeom>
+        <a:gradFill rotWithShape="0">
+          <a:gsLst>
+            <a:gs pos="0">
+              <a:schemeClr val="dk2">
+                <a:hueOff val="0"/>
+                <a:satOff val="0"/>
+                <a:lumOff val="0"/>
+                <a:alphaOff val="0"/>
+                <a:satMod val="103000"/>
+                <a:lumMod val="102000"/>
+                <a:tint val="94000"/>
+              </a:schemeClr>
+            </a:gs>
+            <a:gs pos="50000">
+              <a:schemeClr val="dk2">
+                <a:hueOff val="0"/>
+                <a:satOff val="0"/>
+                <a:lumOff val="0"/>
+                <a:alphaOff val="0"/>
+                <a:satMod val="110000"/>
+                <a:lumMod val="100000"/>
+                <a:shade val="100000"/>
+              </a:schemeClr>
+            </a:gs>
+            <a:gs pos="100000">
+              <a:schemeClr val="dk2">
+                <a:hueOff val="0"/>
+                <a:satOff val="0"/>
+                <a:lumOff val="0"/>
+                <a:alphaOff val="0"/>
+                <a:lumMod val="99000"/>
+                <a:satMod val="120000"/>
+                <a:shade val="78000"/>
+              </a:schemeClr>
+            </a:gs>
+          </a:gsLst>
+          <a:lin ang="5400000" scaled="0"/>
+        </a:gradFill>
+        <a:ln>
+          <a:noFill/>
+        </a:ln>
+        <a:effectLst>
+          <a:outerShdw blurRad="57150" dist="19050" dir="5400000" algn="ctr" rotWithShape="0">
+            <a:srgbClr val="000000">
+              <a:alpha val="63000"/>
+            </a:srgbClr>
+          </a:outerShdw>
+        </a:effectLst>
+      </dsp:spPr>
+      <dsp:style>
+        <a:lnRef idx="0">
+          <a:scrgbClr r="0" g="0" b="0"/>
+        </a:lnRef>
+        <a:fillRef idx="3">
+          <a:scrgbClr r="0" g="0" b="0"/>
+        </a:fillRef>
+        <a:effectRef idx="3">
+          <a:scrgbClr r="0" g="0" b="0"/>
+        </a:effectRef>
+        <a:fontRef idx="minor">
+          <a:schemeClr val="lt1"/>
+        </a:fontRef>
+      </dsp:style>
+      <dsp:txBody>
+        <a:bodyPr spcFirstLastPara="0" vert="horz" wrap="square" lIns="12065" tIns="12065" rIns="12065" bIns="12065" numCol="1" spcCol="1270" anchor="ctr" anchorCtr="0">
+          <a:noAutofit/>
+        </a:bodyPr>
+        <a:lstStyle/>
+        <a:p>
+          <a:pPr marL="0" lvl="0" indent="0" algn="ctr" defTabSz="844550">
+            <a:lnSpc>
+              <a:spcPct val="90000"/>
+            </a:lnSpc>
+            <a:spcBef>
+              <a:spcPct val="0"/>
+            </a:spcBef>
+            <a:spcAft>
+              <a:spcPct val="35000"/>
+            </a:spcAft>
+            <a:buNone/>
+          </a:pPr>
+          <a:r>
+            <a:rPr lang="it-IT" sz="1900" kern="1200" dirty="0"/>
+            <a:t>Data Collection</a:t>
+          </a:r>
+          <a:endParaRPr lang="es-CL" sz="1900" kern="1200" dirty="0"/>
+        </a:p>
+      </dsp:txBody>
+      <dsp:txXfrm>
+        <a:off x="2565" y="1435433"/>
+        <a:ext cx="1900804" cy="579745"/>
+      </dsp:txXfrm>
+    </dsp:sp>
+    <dsp:sp modelId="{739D003E-DBAC-47C8-A076-7AE9FA636BCF}">
+      <dsp:nvSpPr>
+        <dsp:cNvPr id="0" name=""/>
+        <dsp:cNvSpPr/>
+      </dsp:nvSpPr>
+      <dsp:spPr>
+        <a:xfrm>
+          <a:off x="2283531" y="1435433"/>
+          <a:ext cx="1900804" cy="579745"/>
+        </a:xfrm>
+        <a:prstGeom prst="rect">
+          <a:avLst/>
+        </a:prstGeom>
+        <a:gradFill rotWithShape="0">
+          <a:gsLst>
+            <a:gs pos="0">
+              <a:schemeClr val="dk2">
+                <a:hueOff val="0"/>
+                <a:satOff val="0"/>
+                <a:lumOff val="0"/>
+                <a:alphaOff val="0"/>
+                <a:satMod val="103000"/>
+                <a:lumMod val="102000"/>
+                <a:tint val="94000"/>
+              </a:schemeClr>
+            </a:gs>
+            <a:gs pos="50000">
+              <a:schemeClr val="dk2">
+                <a:hueOff val="0"/>
+                <a:satOff val="0"/>
+                <a:lumOff val="0"/>
+                <a:alphaOff val="0"/>
+                <a:satMod val="110000"/>
+                <a:lumMod val="100000"/>
+                <a:shade val="100000"/>
+              </a:schemeClr>
+            </a:gs>
+            <a:gs pos="100000">
+              <a:schemeClr val="dk2">
+                <a:hueOff val="0"/>
+                <a:satOff val="0"/>
+                <a:lumOff val="0"/>
+                <a:alphaOff val="0"/>
+                <a:lumMod val="99000"/>
+                <a:satMod val="120000"/>
+                <a:shade val="78000"/>
+              </a:schemeClr>
+            </a:gs>
+          </a:gsLst>
+          <a:lin ang="5400000" scaled="0"/>
+        </a:gradFill>
+        <a:ln>
+          <a:noFill/>
+        </a:ln>
+        <a:effectLst>
+          <a:outerShdw blurRad="57150" dist="19050" dir="5400000" algn="ctr" rotWithShape="0">
+            <a:srgbClr val="000000">
+              <a:alpha val="63000"/>
+            </a:srgbClr>
+          </a:outerShdw>
+        </a:effectLst>
+      </dsp:spPr>
+      <dsp:style>
+        <a:lnRef idx="0">
+          <a:scrgbClr r="0" g="0" b="0"/>
+        </a:lnRef>
+        <a:fillRef idx="3">
+          <a:scrgbClr r="0" g="0" b="0"/>
+        </a:fillRef>
+        <a:effectRef idx="3">
+          <a:scrgbClr r="0" g="0" b="0"/>
+        </a:effectRef>
+        <a:fontRef idx="minor">
+          <a:schemeClr val="lt1"/>
+        </a:fontRef>
+      </dsp:style>
+      <dsp:txBody>
+        <a:bodyPr spcFirstLastPara="0" vert="horz" wrap="square" lIns="12065" tIns="12065" rIns="12065" bIns="12065" numCol="1" spcCol="1270" anchor="ctr" anchorCtr="0">
+          <a:noAutofit/>
+        </a:bodyPr>
+        <a:lstStyle/>
+        <a:p>
+          <a:pPr marL="0" lvl="0" indent="0" algn="ctr" defTabSz="844550">
+            <a:lnSpc>
+              <a:spcPct val="90000"/>
+            </a:lnSpc>
+            <a:spcBef>
+              <a:spcPct val="0"/>
+            </a:spcBef>
+            <a:spcAft>
+              <a:spcPct val="35000"/>
+            </a:spcAft>
+            <a:buNone/>
+          </a:pPr>
+          <a:r>
+            <a:rPr lang="it-IT" sz="1900" kern="1200" dirty="0"/>
+            <a:t>Data preprocessing</a:t>
+          </a:r>
+          <a:endParaRPr lang="es-CL" sz="1900" kern="1200" dirty="0"/>
+        </a:p>
+      </dsp:txBody>
+      <dsp:txXfrm>
+        <a:off x="2283531" y="1435433"/>
+        <a:ext cx="1900804" cy="579745"/>
+      </dsp:txXfrm>
+    </dsp:sp>
+    <dsp:sp modelId="{DEE2BE0D-B518-4587-8BED-CF07AD314572}">
+      <dsp:nvSpPr>
+        <dsp:cNvPr id="0" name=""/>
+        <dsp:cNvSpPr/>
+      </dsp:nvSpPr>
+      <dsp:spPr>
+        <a:xfrm>
+          <a:off x="4564496" y="1435433"/>
+          <a:ext cx="1900804" cy="579745"/>
+        </a:xfrm>
+        <a:prstGeom prst="rect">
+          <a:avLst/>
+        </a:prstGeom>
+        <a:gradFill rotWithShape="0">
+          <a:gsLst>
+            <a:gs pos="0">
+              <a:schemeClr val="dk2">
+                <a:hueOff val="0"/>
+                <a:satOff val="0"/>
+                <a:lumOff val="0"/>
+                <a:alphaOff val="0"/>
+                <a:satMod val="103000"/>
+                <a:lumMod val="102000"/>
+                <a:tint val="94000"/>
+              </a:schemeClr>
+            </a:gs>
+            <a:gs pos="50000">
+              <a:schemeClr val="dk2">
+                <a:hueOff val="0"/>
+                <a:satOff val="0"/>
+                <a:lumOff val="0"/>
+                <a:alphaOff val="0"/>
+                <a:satMod val="110000"/>
+                <a:lumMod val="100000"/>
+                <a:shade val="100000"/>
+              </a:schemeClr>
+            </a:gs>
+            <a:gs pos="100000">
+              <a:schemeClr val="dk2">
+                <a:hueOff val="0"/>
+                <a:satOff val="0"/>
+                <a:lumOff val="0"/>
+                <a:alphaOff val="0"/>
+                <a:lumMod val="99000"/>
+                <a:satMod val="120000"/>
+                <a:shade val="78000"/>
+              </a:schemeClr>
+            </a:gs>
+          </a:gsLst>
+          <a:lin ang="5400000" scaled="0"/>
+        </a:gradFill>
+        <a:ln>
+          <a:noFill/>
+        </a:ln>
+        <a:effectLst>
+          <a:outerShdw blurRad="57150" dist="19050" dir="5400000" algn="ctr" rotWithShape="0">
+            <a:srgbClr val="000000">
+              <a:alpha val="63000"/>
+            </a:srgbClr>
+          </a:outerShdw>
+        </a:effectLst>
+      </dsp:spPr>
+      <dsp:style>
+        <a:lnRef idx="0">
+          <a:scrgbClr r="0" g="0" b="0"/>
+        </a:lnRef>
+        <a:fillRef idx="3">
+          <a:scrgbClr r="0" g="0" b="0"/>
+        </a:fillRef>
+        <a:effectRef idx="3">
+          <a:scrgbClr r="0" g="0" b="0"/>
+        </a:effectRef>
+        <a:fontRef idx="minor">
+          <a:schemeClr val="lt1"/>
+        </a:fontRef>
+      </dsp:style>
+      <dsp:txBody>
+        <a:bodyPr spcFirstLastPara="0" vert="horz" wrap="square" lIns="12065" tIns="12065" rIns="12065" bIns="12065" numCol="1" spcCol="1270" anchor="ctr" anchorCtr="0">
+          <a:noAutofit/>
+        </a:bodyPr>
+        <a:lstStyle/>
+        <a:p>
+          <a:pPr marL="0" lvl="0" indent="0" algn="ctr" defTabSz="844550">
+            <a:lnSpc>
+              <a:spcPct val="90000"/>
+            </a:lnSpc>
+            <a:spcBef>
+              <a:spcPct val="0"/>
+            </a:spcBef>
+            <a:spcAft>
+              <a:spcPct val="35000"/>
+            </a:spcAft>
+            <a:buNone/>
+          </a:pPr>
+          <a:endParaRPr lang="es-CL" sz="1900" kern="1200" dirty="0"/>
+        </a:p>
+      </dsp:txBody>
+      <dsp:txXfrm>
+        <a:off x="4564496" y="1435433"/>
+        <a:ext cx="1900804" cy="579745"/>
+      </dsp:txXfrm>
+    </dsp:sp>
+  </dsp:spTree>
+</dsp:drawing>
+</file>
+
+<file path=ppt/diagrams/layout1.xml><?xml version="1.0" encoding="utf-8"?>
+<dgm:layoutDef xmlns:dgm="http://schemas.openxmlformats.org/drawingml/2006/diagram" xmlns:a="http://schemas.openxmlformats.org/drawingml/2006/main" uniqueId="urn:microsoft.com/office/officeart/2009/3/layout/HorizontalOrganizationChart">
+  <dgm:title val=""/>
+  <dgm:desc val=""/>
+  <dgm:catLst>
+    <dgm:cat type="hierarchy" pri="4300"/>
+  </dgm:catLst>
+  <dgm:sampData>
+    <dgm:dataModel>
+      <dgm:ptLst>
+        <dgm:pt modelId="0" type="doc"/>
+        <dgm:pt modelId="1">
+          <dgm:prSet phldr="1"/>
+        </dgm:pt>
+        <dgm:pt modelId="2" type="asst">
+          <dgm:prSet phldr="1"/>
+        </dgm:pt>
+        <dgm:pt modelId="3">
+          <dgm:prSet phldr="1"/>
+        </dgm:pt>
+        <dgm:pt modelId="4">
+          <dgm:prSet phldr="1"/>
+        </dgm:pt>
+        <dgm:pt modelId="5">
+          <dgm:prSet phldr="1"/>
+        </dgm:pt>
+      </dgm:ptLst>
+      <dgm:cxnLst>
+        <dgm:cxn modelId="5" srcId="0" destId="1" srcOrd="0" destOrd="0"/>
+        <dgm:cxn modelId="6" srcId="1" destId="2" srcOrd="0" destOrd="0"/>
+        <dgm:cxn modelId="7" srcId="1" destId="3" srcOrd="1" destOrd="0"/>
+        <dgm:cxn modelId="8" srcId="1" destId="4" srcOrd="2" destOrd="0"/>
+        <dgm:cxn modelId="9" srcId="1" destId="5" srcOrd="3" destOrd="0"/>
+      </dgm:cxnLst>
+      <dgm:bg/>
+      <dgm:whole/>
+    </dgm:dataModel>
+  </dgm:sampData>
+  <dgm:styleData>
+    <dgm:dataModel>
+      <dgm:ptLst>
+        <dgm:pt modelId="0" type="doc"/>
+        <dgm:pt modelId="1"/>
+        <dgm:pt modelId="12"/>
+        <dgm:pt modelId="13"/>
+      </dgm:ptLst>
+      <dgm:cxnLst>
+        <dgm:cxn modelId="2" srcId="0" destId="1" srcOrd="0" destOrd="0"/>
+        <dgm:cxn modelId="16" srcId="1" destId="12" srcOrd="1" destOrd="0"/>
+        <dgm:cxn modelId="17" srcId="1" destId="13" srcOrd="2" destOrd="0"/>
+      </dgm:cxnLst>
+      <dgm:bg/>
+      <dgm:whole/>
+    </dgm:dataModel>
+  </dgm:styleData>
+  <dgm:clrData>
+    <dgm:dataModel>
+      <dgm:ptLst>
+        <dgm:pt modelId="0" type="doc"/>
+        <dgm:pt modelId="1"/>
+        <dgm:pt modelId="11" type="asst"/>
+        <dgm:pt modelId="12"/>
+        <dgm:pt modelId="13"/>
+        <dgm:pt modelId="14"/>
+      </dgm:ptLst>
+      <dgm:cxnLst>
+        <dgm:cxn modelId="2" srcId="0" destId="1" srcOrd="0" destOrd="0"/>
+        <dgm:cxn modelId="15" srcId="1" destId="11" srcOrd="0" destOrd="0"/>
+        <dgm:cxn modelId="16" srcId="1" destId="12" srcOrd="1" destOrd="0"/>
+        <dgm:cxn modelId="17" srcId="1" destId="13" srcOrd="2" destOrd="0"/>
+        <dgm:cxn modelId="18" srcId="1" destId="14" srcOrd="2" destOrd="0"/>
+      </dgm:cxnLst>
+      <dgm:bg/>
+      <dgm:whole/>
+    </dgm:dataModel>
+  </dgm:clrData>
+  <dgm:layoutNode name="hierChild1">
+    <dgm:varLst>
+      <dgm:orgChart val="1"/>
+      <dgm:chPref val="1"/>
+      <dgm:dir/>
+      <dgm:animOne val="branch"/>
+      <dgm:animLvl val="lvl"/>
+      <dgm:resizeHandles/>
+    </dgm:varLst>
+    <dgm:choose name="Name0">
+      <dgm:if name="Name1" func="var" arg="dir" op="equ" val="norm">
+        <dgm:alg type="hierChild">
+          <dgm:param type="linDir" val="fromT"/>
+          <dgm:param type="chAlign" val="l"/>
+        </dgm:alg>
+      </dgm:if>
+      <dgm:else name="Name2">
+        <dgm:alg type="hierChild">
+          <dgm:param type="linDir" val="fromT"/>
+          <dgm:param type="chAlign" val="r"/>
+        </dgm:alg>
+      </dgm:else>
+    </dgm:choose>
+    <dgm:shape xmlns:r="http://schemas.openxmlformats.org/officeDocument/2006/relationships" r:blip="">
+      <dgm:adjLst/>
+    </dgm:shape>
+    <dgm:presOf/>
+    <dgm:constrLst>
+      <dgm:constr type="w" for="des" forName="rootComposite1" refType="w" fact="10"/>
+      <dgm:constr type="h" for="des" forName="rootComposite1" refType="w" refFor="des" refForName="rootComposite1" fact="0.305"/>
+      <dgm:constr type="w" for="des" forName="rootComposite" refType="w" fact="10"/>
+      <dgm:constr type="h" for="des" forName="rootComposite" refType="w" refFor="des" refForName="rootComposite1" fact="0.305"/>
+      <dgm:constr type="w" for="des" forName="rootComposite3" refType="w" fact="10"/>
+      <dgm:constr type="h" for="des" forName="rootComposite3" refType="w" refFor="des" refForName="rootComposite1" fact="0.305"/>
+      <dgm:constr type="primFontSz" for="des" ptType="node" op="equ"/>
+      <dgm:constr type="sp" for="des" op="equ"/>
+      <dgm:constr type="sp" for="des" forName="hierRoot1" refType="w" refFor="des" refForName="rootComposite1" fact="0.2"/>
+      <dgm:constr type="sp" for="des" forName="hierRoot2" refType="sp" refFor="des" refForName="hierRoot1"/>
+      <dgm:constr type="sp" for="des" forName="hierRoot3" refType="sp" refFor="des" refForName="hierRoot1"/>
+      <dgm:constr type="sibSp" refType="w" refFor="des" refForName="rootComposite1" fact="0.125"/>
+      <dgm:constr type="sibSp" for="des" forName="hierChild2" refType="sibSp"/>
+      <dgm:constr type="sibSp" for="des" forName="hierChild3" refType="sibSp"/>
+      <dgm:constr type="sibSp" for="des" forName="hierChild4" refType="sibSp"/>
+      <dgm:constr type="sibSp" for="des" forName="hierChild5" refType="sibSp"/>
+      <dgm:constr type="sibSp" for="des" forName="hierChild6" refType="sibSp"/>
+      <dgm:constr type="sibSp" for="des" forName="hierChild7" refType="sibSp"/>
+      <dgm:constr type="secSibSp" refType="w" refFor="des" refForName="rootComposite1" fact="0.125"/>
+      <dgm:constr type="secSibSp" for="des" forName="hierChild2" refType="secSibSp"/>
+      <dgm:constr type="secSibSp" for="des" forName="hierChild3" refType="secSibSp"/>
+      <dgm:constr type="secSibSp" for="des" forName="hierChild4" refType="secSibSp"/>
+      <dgm:constr type="secSibSp" for="des" forName="hierChild5" refType="secSibSp"/>
+      <dgm:constr type="secSibSp" for="des" forName="hierChild6" refType="secSibSp"/>
+      <dgm:constr type="secSibSp" for="des" forName="hierChild7" refType="secSibSp"/>
+    </dgm:constrLst>
+    <dgm:ruleLst/>
+    <dgm:forEach name="Name3" axis="ch">
+      <dgm:forEach name="Name4" axis="self" ptType="node">
+        <dgm:layoutNode name="hierRoot1">
+          <dgm:varLst>
+            <dgm:hierBranch val="init"/>
+          </dgm:varLst>
+          <dgm:choose name="Name5">
+            <dgm:if name="Name6" func="var" arg="hierBranch" op="equ" val="l">
+              <dgm:choose name="Name7">
+                <dgm:if name="Name8" func="var" arg="dir" op="equ" val="norm">
+                  <dgm:alg type="hierRoot">
+                    <dgm:param type="hierAlign" val="lT"/>
+                  </dgm:alg>
+                  <dgm:constrLst>
+                    <dgm:constr type="alignOff" val="0.75"/>
+                  </dgm:constrLst>
+                </dgm:if>
+                <dgm:else name="Name9">
+                  <dgm:alg type="hierRoot">
+                    <dgm:param type="hierAlign" val="rT"/>
+                  </dgm:alg>
+                  <dgm:constrLst>
+                    <dgm:constr type="alignOff" val="0.75"/>
+                  </dgm:constrLst>
+                </dgm:else>
+              </dgm:choose>
+            </dgm:if>
+            <dgm:if name="Name10" func="var" arg="hierBranch" op="equ" val="r">
+              <dgm:choose name="Name11">
+                <dgm:if name="Name12" func="var" arg="dir" op="equ" val="norm">
+                  <dgm:alg type="hierRoot">
+                    <dgm:param type="hierAlign" val="lB"/>
+                  </dgm:alg>
+                  <dgm:constrLst>
+                    <dgm:constr type="alignOff" val="0.75"/>
+                  </dgm:constrLst>
+                </dgm:if>
+                <dgm:else name="Name13">
+                  <dgm:alg type="hierRoot">
+                    <dgm:param type="hierAlign" val="rB"/>
+                  </dgm:alg>
+                  <dgm:constrLst>
+                    <dgm:constr type="alignOff" val="0.75"/>
+                  </dgm:constrLst>
+                </dgm:else>
+              </dgm:choose>
+            </dgm:if>
+            <dgm:if name="Name14" func="var" arg="hierBranch" op="equ" val="hang">
+              <dgm:choose name="Name15">
+                <dgm:if name="Name16" func="var" arg="dir" op="equ" val="norm">
+                  <dgm:alg type="hierRoot">
+                    <dgm:param type="hierAlign" val="lCtrCh"/>
+                  </dgm:alg>
+                  <dgm:constrLst>
+                    <dgm:constr type="alignOff" val="0.65"/>
+                  </dgm:constrLst>
+                </dgm:if>
+                <dgm:else name="Name17">
+                  <dgm:alg type="hierRoot">
+                    <dgm:param type="hierAlign" val="rCtrCh"/>
+                  </dgm:alg>
+                  <dgm:constrLst>
+                    <dgm:constr type="alignOff" val="0.65"/>
+                  </dgm:constrLst>
+                </dgm:else>
+              </dgm:choose>
+            </dgm:if>
+            <dgm:else name="Name18">
+              <dgm:choose name="Name19">
+                <dgm:if name="Name20" func="var" arg="dir" op="equ" val="norm">
+                  <dgm:alg type="hierRoot">
+                    <dgm:param type="hierAlign" val="lCtrCh"/>
+                  </dgm:alg>
+                  <dgm:constrLst>
+                    <dgm:constr type="alignOff"/>
+                    <dgm:constr type="bendDist" for="des" ptType="parTrans" refType="sp" fact="0.5"/>
+                  </dgm:constrLst>
+                </dgm:if>
+                <dgm:else name="Name21">
+                  <dgm:alg type="hierRoot">
+                    <dgm:param type="hierAlign" val="rCtrCh"/>
+                  </dgm:alg>
+                  <dgm:constrLst>
+                    <dgm:constr type="alignOff"/>
+                    <dgm:constr type="bendDist" for="des" ptType="parTrans" refType="sp" fact="0.5"/>
+                  </dgm:constrLst>
+                </dgm:else>
+              </dgm:choose>
+            </dgm:else>
+          </dgm:choose>
+          <dgm:shape xmlns:r="http://schemas.openxmlformats.org/officeDocument/2006/relationships" r:blip="">
+            <dgm:adjLst/>
+          </dgm:shape>
+          <dgm:presOf/>
+          <dgm:ruleLst/>
+          <dgm:layoutNode name="rootComposite1">
+            <dgm:alg type="composite"/>
+            <dgm:shape xmlns:r="http://schemas.openxmlformats.org/officeDocument/2006/relationships" r:blip="">
+              <dgm:adjLst/>
+            </dgm:shape>
+            <dgm:presOf axis="self" ptType="node" cnt="1"/>
+            <dgm:choose name="Name22">
+              <dgm:if name="Name23" func="var" arg="hierBranch" op="equ" val="init">
+                <dgm:constrLst>
+                  <dgm:constr type="l" for="ch" forName="rootText1"/>
+                  <dgm:constr type="t" for="ch" forName="rootText1"/>
+                  <dgm:constr type="w" for="ch" forName="rootText1" refType="w"/>
+                  <dgm:constr type="h" for="ch" forName="rootText1" refType="h"/>
+                  <dgm:constr type="l" for="ch" forName="rootConnector1"/>
+                  <dgm:constr type="t" for="ch" forName="rootConnector1"/>
+                  <dgm:constr type="w" for="ch" forName="rootConnector1" refType="w" refFor="ch" refForName="rootText1" fact="0.2"/>
+                  <dgm:constr type="h" for="ch" forName="rootConnector1" refType="h" refFor="ch" refForName="rootText1"/>
+                </dgm:constrLst>
+              </dgm:if>
+              <dgm:if name="Name24" func="var" arg="hierBranch" op="equ" val="l">
+                <dgm:constrLst>
+                  <dgm:constr type="l" for="ch" forName="rootText1"/>
+                  <dgm:constr type="t" for="ch" forName="rootText1"/>
+                  <dgm:constr type="w" for="ch" forName="rootText1" refType="w"/>
+                  <dgm:constr type="h" for="ch" forName="rootText1" refType="h"/>
+                  <dgm:constr type="r" for="ch" forName="rootConnector1" refType="w"/>
+                  <dgm:constr type="t" for="ch" forName="rootConnector1"/>
+                  <dgm:constr type="w" for="ch" forName="rootConnector1" refType="w" refFor="ch" refForName="rootText1" fact="0.2"/>
+                  <dgm:constr type="h" for="ch" forName="rootConnector1" refType="h" refFor="ch" refForName="rootText1"/>
+                </dgm:constrLst>
+              </dgm:if>
+              <dgm:if name="Name25" func="var" arg="hierBranch" op="equ" val="r">
+                <dgm:constrLst>
+                  <dgm:constr type="l" for="ch" forName="rootText1"/>
+                  <dgm:constr type="t" for="ch" forName="rootText1"/>
+                  <dgm:constr type="w" for="ch" forName="rootText1" refType="w"/>
+                  <dgm:constr type="h" for="ch" forName="rootText1" refType="h"/>
+                  <dgm:constr type="l" for="ch" forName="rootConnector1"/>
+                  <dgm:constr type="t" for="ch" forName="rootConnector1"/>
+                  <dgm:constr type="w" for="ch" forName="rootConnector1" refType="w" refFor="ch" refForName="rootText1" fact="0.2"/>
+                  <dgm:constr type="h" for="ch" forName="rootConnector1" refType="h" refFor="ch" refForName="rootText1"/>
+                </dgm:constrLst>
+              </dgm:if>
+              <dgm:else name="Name26">
+                <dgm:constrLst>
+                  <dgm:constr type="l" for="ch" forName="rootText1"/>
+                  <dgm:constr type="t" for="ch" forName="rootText1"/>
+                  <dgm:constr type="w" for="ch" forName="rootText1" refType="w"/>
+                  <dgm:constr type="h" for="ch" forName="rootText1" refType="h"/>
+                  <dgm:constr type="r" for="ch" forName="rootConnector1" refType="w"/>
+                  <dgm:constr type="t" for="ch" forName="rootConnector1"/>
+                  <dgm:constr type="w" for="ch" forName="rootConnector1" refType="w" refFor="ch" refForName="rootText1" fact="0.2"/>
+                  <dgm:constr type="h" for="ch" forName="rootConnector1" refType="h" refFor="ch" refForName="rootText1"/>
+                </dgm:constrLst>
+              </dgm:else>
+            </dgm:choose>
+            <dgm:ruleLst/>
+            <dgm:layoutNode name="rootText1" styleLbl="node0">
+              <dgm:varLst>
+                <dgm:chPref val="3"/>
+              </dgm:varLst>
+              <dgm:alg type="tx"/>
+              <dgm:shape xmlns:r="http://schemas.openxmlformats.org/officeDocument/2006/relationships" type="rect" r:blip="">
+                <dgm:adjLst/>
+              </dgm:shape>
+              <dgm:presOf axis="self" ptType="node" cnt="1"/>
+              <dgm:constrLst>
+                <dgm:constr type="primFontSz" val="65"/>
+                <dgm:constr type="lMarg" refType="primFontSz" fact="0.05"/>
+                <dgm:constr type="rMarg" refType="primFontSz" fact="0.05"/>
+                <dgm:constr type="tMarg" refType="primFontSz" fact="0.05"/>
+                <dgm:constr type="bMarg" refType="primFontSz" fact="0.05"/>
+              </dgm:constrLst>
+              <dgm:ruleLst>
+                <dgm:rule type="primFontSz" val="5" fact="NaN" max="NaN"/>
+              </dgm:ruleLst>
+            </dgm:layoutNode>
+            <dgm:layoutNode name="rootConnector1" moveWith="rootText1">
+              <dgm:alg type="sp"/>
+              <dgm:shape xmlns:r="http://schemas.openxmlformats.org/officeDocument/2006/relationships" type="rect" r:blip="" hideGeom="1">
+                <dgm:adjLst/>
+              </dgm:shape>
+              <dgm:presOf axis="self" ptType="node" cnt="1"/>
+              <dgm:constrLst/>
+              <dgm:ruleLst/>
+            </dgm:layoutNode>
+          </dgm:layoutNode>
+          <dgm:layoutNode name="hierChild2">
+            <dgm:choose name="Name27">
+              <dgm:if name="Name28" func="var" arg="hierBranch" op="equ" val="l">
+                <dgm:choose name="Name29">
+                  <dgm:if name="Name30" func="var" arg="dir" op="equ" val="norm">
+                    <dgm:alg type="hierChild">
+                      <dgm:param type="chAlign" val="t"/>
+                      <dgm:param type="linDir" val="fromL"/>
+                    </dgm:alg>
+                  </dgm:if>
+                  <dgm:else name="Name31">
+                    <dgm:alg type="hierChild">
+                      <dgm:param type="chAlign" val="t"/>
+                      <dgm:param type="linDir" val="fromR"/>
+                    </dgm:alg>
+                  </dgm:else>
+                </dgm:choose>
+              </dgm:if>
+              <dgm:if name="Name32" func="var" arg="hierBranch" op="equ" val="r">
+                <dgm:choose name="Name33">
+                  <dgm:if name="Name34" func="var" arg="dir" op="equ" val="norm">
+                    <dgm:alg type="hierChild">
+                      <dgm:param type="chAlign" val="b"/>
+                      <dgm:param type="linDir" val="fromL"/>
+                    </dgm:alg>
+                  </dgm:if>
+                  <dgm:else name="Name35">
+                    <dgm:alg type="hierChild">
+                      <dgm:param type="chAlign" val="b"/>
+                      <dgm:param type="linDir" val="fromR"/>
+                    </dgm:alg>
+                  </dgm:else>
+                </dgm:choose>
+              </dgm:if>
+              <dgm:if name="Name36" func="var" arg="hierBranch" op="equ" val="hang">
+                <dgm:choose name="Name37">
+                  <dgm:if name="Name38" func="var" arg="dir" op="equ" val="norm">
+                    <dgm:alg type="hierChild">
+                      <dgm:param type="chAlign" val="l"/>
+                      <dgm:param type="linDir" val="fromT"/>
+                      <dgm:param type="secChAlign" val="t"/>
+                      <dgm:param type="secLinDir" val="fromL"/>
+                    </dgm:alg>
+                  </dgm:if>
+                  <dgm:else name="Name39">
+                    <dgm:alg type="hierChild">
+                      <dgm:param type="chAlign" val="r"/>
+                      <dgm:param type="linDir" val="fromT"/>
+                      <dgm:param type="secChAlign" val="t"/>
+                      <dgm:param type="secLinDir" val="fromR"/>
+                    </dgm:alg>
+                  </dgm:else>
+                </dgm:choose>
+              </dgm:if>
+              <dgm:else name="Name40">
+                <dgm:choose name="Name41">
+                  <dgm:if name="Name42" func="var" arg="dir" op="equ" val="norm">
+                    <dgm:alg type="hierChild">
+                      <dgm:param type="linDir" val="fromT"/>
+                      <dgm:param type="chAlign" val="l"/>
+                    </dgm:alg>
+                  </dgm:if>
+                  <dgm:else name="Name43">
+                    <dgm:alg type="hierChild">
+                      <dgm:param type="linDir" val="fromT"/>
+                      <dgm:param type="chAlign" val="r"/>
+                    </dgm:alg>
+                  </dgm:else>
+                </dgm:choose>
+              </dgm:else>
+            </dgm:choose>
+            <dgm:shape xmlns:r="http://schemas.openxmlformats.org/officeDocument/2006/relationships" r:blip="">
+              <dgm:adjLst/>
+            </dgm:shape>
+            <dgm:presOf/>
+            <dgm:constrLst/>
+            <dgm:ruleLst/>
+            <dgm:forEach name="rep2a" axis="ch" ptType="nonAsst">
+              <dgm:forEach name="Name44" axis="precedSib" ptType="parTrans" st="-1" cnt="1">
+                <dgm:choose name="Name45">
+                  <dgm:if name="Name46" func="var" arg="hierBranch" op="equ" val="hang">
+                    <dgm:layoutNode name="Name47">
+                      <dgm:choose name="Name48">
+                        <dgm:if name="Name49" func="var" arg="dir" op="equ" val="norm">
+                          <dgm:alg type="conn">
+                            <dgm:param type="connRout" val="bend"/>
+                            <dgm:param type="dim" val="1D"/>
+                            <dgm:param type="endSty" val="noArr"/>
+                            <dgm:param type="begPts" val="midR"/>
+                            <dgm:param type="endPts" val="bCtr tCtr"/>
+                          </dgm:alg>
+                        </dgm:if>
+                        <dgm:else name="Name50">
+                          <dgm:alg type="conn">
+                            <dgm:param type="connRout" val="bend"/>
+                            <dgm:param type="dim" val="1D"/>
+                            <dgm:param type="endSty" val="noArr"/>
+                            <dgm:param type="begPts" val="midL"/>
+                            <dgm:param type="endPts" val="bCtr tCtr"/>
+                          </dgm:alg>
+                        </dgm:else>
+                      </dgm:choose>
+                      <dgm:shape xmlns:r="http://schemas.openxmlformats.org/officeDocument/2006/relationships" type="conn" r:blip="" zOrderOff="-99999">
+                        <dgm:adjLst/>
+                      </dgm:shape>
+                      <dgm:presOf axis="self"/>
+                      <dgm:constrLst>
+                        <dgm:constr type="begPad"/>
+                        <dgm:constr type="endPad"/>
+                      </dgm:constrLst>
+                      <dgm:ruleLst/>
+                    </dgm:layoutNode>
+                  </dgm:if>
+                  <dgm:if name="Name51" func="var" arg="hierBranch" op="equ" val="l">
+                    <dgm:layoutNode name="Name52">
+                      <dgm:choose name="Name53">
+                        <dgm:if name="Name54" func="var" arg="dir" op="equ" val="norm">
+                          <dgm:alg type="conn">
+                            <dgm:param type="connRout" val="bend"/>
+                            <dgm:param type="dim" val="1D"/>
+                            <dgm:param type="endSty" val="noArr"/>
+                            <dgm:param type="begPts" val="midR"/>
+                            <dgm:param type="endPts" val="tCtr"/>
+                          </dgm:alg>
+                        </dgm:if>
+                        <dgm:else name="Name55">
+                          <dgm:alg type="conn">
+                            <dgm:param type="connRout" val="bend"/>
+                            <dgm:param type="dim" val="1D"/>
+                            <dgm:param type="endSty" val="noArr"/>
+                            <dgm:param type="begPts" val="midL"/>
+                            <dgm:param type="endPts" val="tCtr"/>
+                          </dgm:alg>
+                        </dgm:else>
+                      </dgm:choose>
+                      <dgm:shape xmlns:r="http://schemas.openxmlformats.org/officeDocument/2006/relationships" type="conn" r:blip="" zOrderOff="-99999">
+                        <dgm:adjLst/>
+                      </dgm:shape>
+                      <dgm:presOf axis="self"/>
+                      <dgm:constrLst>
+                        <dgm:constr type="begPad"/>
+                        <dgm:constr type="endPad"/>
+                      </dgm:constrLst>
+                      <dgm:ruleLst/>
+                    </dgm:layoutNode>
+                  </dgm:if>
+                  <dgm:if name="Name56" func="var" arg="hierBranch" op="equ" val="r">
+                    <dgm:layoutNode name="Name57">
+                      <dgm:choose name="Name58">
+                        <dgm:if name="Name59" func="var" arg="dir" op="equ" val="norm">
+                          <dgm:alg type="conn">
+                            <dgm:param type="connRout" val="bend"/>
+                            <dgm:param type="dim" val="1D"/>
+                            <dgm:param type="endSty" val="noArr"/>
+                            <dgm:param type="begPts" val="midR"/>
+                            <dgm:param type="endPts" val="bCtr"/>
+                          </dgm:alg>
+                        </dgm:if>
+                        <dgm:else name="Name60">
+                          <dgm:alg type="conn">
+                            <dgm:param type="connRout" val="bend"/>
+                            <dgm:param type="dim" val="1D"/>
+                            <dgm:param type="endSty" val="noArr"/>
+                            <dgm:param type="begPts" val="midL"/>
+                            <dgm:param type="endPts" val="bCtr"/>
+                          </dgm:alg>
+                        </dgm:else>
+                      </dgm:choose>
+                      <dgm:shape xmlns:r="http://schemas.openxmlformats.org/officeDocument/2006/relationships" type="conn" r:blip="" zOrderOff="-99999">
+                        <dgm:adjLst/>
+                      </dgm:shape>
+                      <dgm:presOf axis="self"/>
+                      <dgm:constrLst>
+                        <dgm:constr type="begPad"/>
+                        <dgm:constr type="endPad"/>
+                      </dgm:constrLst>
+                      <dgm:ruleLst/>
+                    </dgm:layoutNode>
+                  </dgm:if>
+                  <dgm:else name="Name61">
+                    <dgm:choose name="Name62">
+                      <dgm:if name="Name63" func="var" arg="dir" op="equ" val="norm">
+                        <dgm:layoutNode name="Name64">
+                          <dgm:alg type="conn">
+                            <dgm:param type="connRout" val="bend"/>
+                            <dgm:param type="dim" val="1D"/>
+                            <dgm:param type="endSty" val="noArr"/>
+                            <dgm:param type="begPts" val="midR"/>
+                            <dgm:param type="endPts" val="midL"/>
+                            <dgm:param type="bendPt" val="end"/>
+                          </dgm:alg>
+                          <dgm:shape xmlns:r="http://schemas.openxmlformats.org/officeDocument/2006/relationships" type="conn" r:blip="" zOrderOff="-99999">
+                            <dgm:adjLst/>
+                          </dgm:shape>
+                          <dgm:presOf axis="self"/>
+                          <dgm:constrLst>
+                            <dgm:constr type="begPad"/>
+                            <dgm:constr type="endPad"/>
+                          </dgm:constrLst>
+                          <dgm:ruleLst/>
+                        </dgm:layoutNode>
+                      </dgm:if>
+                      <dgm:else name="Name65">
+                        <dgm:layoutNode name="Name66">
+                          <dgm:alg type="conn">
+                            <dgm:param type="connRout" val="bend"/>
+                            <dgm:param type="dim" val="1D"/>
+                            <dgm:param type="endSty" val="noArr"/>
+                            <dgm:param type="begPts" val="midL"/>
+                            <dgm:param type="endPts" val="midR"/>
+                            <dgm:param type="bendPt" val="end"/>
+                          </dgm:alg>
+                          <dgm:shape xmlns:r="http://schemas.openxmlformats.org/officeDocument/2006/relationships" type="conn" r:blip="" zOrderOff="-99999">
+                            <dgm:adjLst/>
+                          </dgm:shape>
+                          <dgm:presOf axis="self"/>
+                          <dgm:constrLst>
+                            <dgm:constr type="begPad"/>
+                            <dgm:constr type="endPad"/>
+                          </dgm:constrLst>
+                          <dgm:ruleLst/>
+                        </dgm:layoutNode>
+                      </dgm:else>
+                    </dgm:choose>
+                  </dgm:else>
+                </dgm:choose>
+              </dgm:forEach>
+              <dgm:layoutNode name="hierRoot2">
+                <dgm:varLst>
+                  <dgm:hierBranch val="init"/>
+                </dgm:varLst>
+                <dgm:choose name="Name67">
+                  <dgm:if name="Name68" func="var" arg="hierBranch" op="equ" val="l">
+                    <dgm:choose name="Name69">
+                      <dgm:if name="Name70" func="var" arg="dir" op="equ" val="norm">
+                        <dgm:alg type="hierRoot">
+                          <dgm:param type="hierAlign" val="lT"/>
+                        </dgm:alg>
+                        <dgm:constrLst>
+                          <dgm:constr type="alignOff" val="0.75"/>
+                        </dgm:constrLst>
+                      </dgm:if>
+                      <dgm:else name="Name71">
+                        <dgm:alg type="hierRoot">
+                          <dgm:param type="hierAlign" val="rT"/>
+                        </dgm:alg>
+                        <dgm:constrLst>
+                          <dgm:constr type="alignOff" val="0.75"/>
+                        </dgm:constrLst>
+                      </dgm:else>
+                    </dgm:choose>
+                  </dgm:if>
+                  <dgm:if name="Name72" func="var" arg="hierBranch" op="equ" val="r">
+                    <dgm:choose name="Name73">
+                      <dgm:if name="Name74" func="var" arg="dir" op="equ" val="norm">
+                        <dgm:alg type="hierRoot">
+                          <dgm:param type="hierAlign" val="lB"/>
+                        </dgm:alg>
+                        <dgm:constrLst>
+                          <dgm:constr type="alignOff" val="0.75"/>
+                        </dgm:constrLst>
+                      </dgm:if>
+                      <dgm:else name="Name75">
+                        <dgm:alg type="hierRoot">
+                          <dgm:param type="hierAlign" val="rB"/>
+                        </dgm:alg>
+                        <dgm:constrLst>
+                          <dgm:constr type="alignOff" val="0.75"/>
+                        </dgm:constrLst>
+                      </dgm:else>
+                    </dgm:choose>
+                  </dgm:if>
+                  <dgm:if name="Name76" func="var" arg="hierBranch" op="equ" val="hang">
+                    <dgm:choose name="Name77">
+                      <dgm:if name="Name78" func="var" arg="dir" op="equ" val="norm">
+                        <dgm:alg type="hierRoot">
+                          <dgm:param type="hierAlign" val="lCtrCh"/>
+                        </dgm:alg>
+                        <dgm:constrLst>
+                          <dgm:constr type="alignOff" val="0.65"/>
+                        </dgm:constrLst>
+                      </dgm:if>
+                      <dgm:else name="Name79">
+                        <dgm:alg type="hierRoot">
+                          <dgm:param type="hierAlign" val="rCtrCh"/>
+                        </dgm:alg>
+                        <dgm:constrLst>
+                          <dgm:constr type="alignOff" val="0.65"/>
+                        </dgm:constrLst>
+                      </dgm:else>
+                    </dgm:choose>
+                  </dgm:if>
+                  <dgm:else name="Name80">
+                    <dgm:choose name="Name81">
+                      <dgm:if name="Name82" func="var" arg="dir" op="equ" val="norm">
+                        <dgm:alg type="hierRoot">
+                          <dgm:param type="hierAlign" val="lCtrCh"/>
+                        </dgm:alg>
+                        <dgm:constrLst>
+                          <dgm:constr type="alignOff"/>
+                          <dgm:constr type="bendDist" for="des" ptType="parTrans" refType="sp" fact="0.5"/>
+                        </dgm:constrLst>
+                      </dgm:if>
+                      <dgm:else name="Name83">
+                        <dgm:alg type="hierRoot">
+                          <dgm:param type="hierAlign" val="rCtrCh"/>
+                        </dgm:alg>
+                        <dgm:constrLst>
+                          <dgm:constr type="alignOff"/>
+                          <dgm:constr type="bendDist" for="des" ptType="parTrans" refType="sp" fact="0.5"/>
+                        </dgm:constrLst>
+                      </dgm:else>
+                    </dgm:choose>
+                  </dgm:else>
+                </dgm:choose>
+                <dgm:shape xmlns:r="http://schemas.openxmlformats.org/officeDocument/2006/relationships" r:blip="">
+                  <dgm:adjLst/>
+                </dgm:shape>
+                <dgm:presOf/>
+                <dgm:ruleLst/>
+                <dgm:layoutNode name="rootComposite">
+                  <dgm:alg type="composite"/>
+                  <dgm:shape xmlns:r="http://schemas.openxmlformats.org/officeDocument/2006/relationships" r:blip="">
+                    <dgm:adjLst/>
+                  </dgm:shape>
+                  <dgm:presOf axis="self" ptType="node" cnt="1"/>
+                  <dgm:choose name="Name84">
+                    <dgm:if name="Name85" func="var" arg="hierBranch" op="equ" val="init">
+                      <dgm:constrLst>
+                        <dgm:constr type="l" for="ch" forName="rootText"/>
+                        <dgm:constr type="t" for="ch" forName="rootText"/>
+                        <dgm:constr type="w" for="ch" forName="rootText" refType="w"/>
+                        <dgm:constr type="h" for="ch" forName="rootText" refType="h"/>
+                        <dgm:constr type="l" for="ch" forName="rootConnector"/>
+                        <dgm:constr type="t" for="ch" forName="rootConnector"/>
+                        <dgm:constr type="w" for="ch" forName="rootConnector" refType="w" refFor="ch" refForName="rootText" fact="0.2"/>
+                        <dgm:constr type="h" for="ch" forName="rootConnector" refType="h" refFor="ch" refForName="rootText"/>
+                      </dgm:constrLst>
+                    </dgm:if>
+                    <dgm:if name="Name86" func="var" arg="hierBranch" op="equ" val="l">
+                      <dgm:constrLst>
+                        <dgm:constr type="l" for="ch" forName="rootText"/>
+                        <dgm:constr type="t" for="ch" forName="rootText"/>
+                        <dgm:constr type="w" for="ch" forName="rootText" refType="w"/>
+                        <dgm:constr type="h" for="ch" forName="rootText" refType="h"/>
+                        <dgm:constr type="r" for="ch" forName="rootConnector" refType="w"/>
+                        <dgm:constr type="t" for="ch" forName="rootConnector"/>
+                        <dgm:constr type="w" for="ch" forName="rootConnector" refType="w" refFor="ch" refForName="rootText" fact="0.2"/>
+                        <dgm:constr type="h" for="ch" forName="rootConnector" refType="h" refFor="ch" refForName="rootText"/>
+                      </dgm:constrLst>
+                    </dgm:if>
+                    <dgm:if name="Name87" func="var" arg="hierBranch" op="equ" val="r">
+                      <dgm:constrLst>
+                        <dgm:constr type="l" for="ch" forName="rootText"/>
+                        <dgm:constr type="t" for="ch" forName="rootText"/>
+                        <dgm:constr type="w" for="ch" forName="rootText" refType="w"/>
+                        <dgm:constr type="h" for="ch" forName="rootText" refType="h"/>
+                        <dgm:constr type="l" for="ch" forName="rootConnector"/>
+                        <dgm:constr type="t" for="ch" forName="rootConnector"/>
+                        <dgm:constr type="w" for="ch" forName="rootConnector" refType="w" refFor="ch" refForName="rootText" fact="0.2"/>
+                        <dgm:constr type="h" for="ch" forName="rootConnector" refType="h" refFor="ch" refForName="rootText"/>
+                      </dgm:constrLst>
+                    </dgm:if>
+                    <dgm:else name="Name88">
+                      <dgm:constrLst>
+                        <dgm:constr type="l" for="ch" forName="rootText"/>
+                        <dgm:constr type="t" for="ch" forName="rootText"/>
+                        <dgm:constr type="w" for="ch" forName="rootText" refType="w"/>
+                        <dgm:constr type="h" for="ch" forName="rootText" refType="h"/>
+                        <dgm:constr type="r" for="ch" forName="rootConnector" refType="w"/>
+                        <dgm:constr type="t" for="ch" forName="rootConnector"/>
+                        <dgm:constr type="w" for="ch" forName="rootConnector" refType="w" refFor="ch" refForName="rootText" fact="0.2"/>
+                        <dgm:constr type="h" for="ch" forName="rootConnector" refType="h" refFor="ch" refForName="rootText"/>
+                      </dgm:constrLst>
+                    </dgm:else>
+                  </dgm:choose>
+                  <dgm:ruleLst/>
+                  <dgm:layoutNode name="rootText">
+                    <dgm:varLst>
+                      <dgm:chPref val="3"/>
+                    </dgm:varLst>
+                    <dgm:alg type="tx"/>
+                    <dgm:shape xmlns:r="http://schemas.openxmlformats.org/officeDocument/2006/relationships" type="rect" r:blip="">
+                      <dgm:adjLst/>
+                    </dgm:shape>
+                    <dgm:presOf axis="self" ptType="node" cnt="1"/>
+                    <dgm:constrLst>
+                      <dgm:constr type="primFontSz" val="65"/>
+                      <dgm:constr type="lMarg" refType="primFontSz" fact="0.05"/>
+                      <dgm:constr type="rMarg" refType="primFontSz" fact="0.05"/>
+                      <dgm:constr type="tMarg" refType="primFontSz" fact="0.05"/>
+                      <dgm:constr type="bMarg" refType="primFontSz" fact="0.05"/>
+                    </dgm:constrLst>
+                    <dgm:ruleLst>
+                      <dgm:rule type="primFontSz" val="5" fact="NaN" max="NaN"/>
+                    </dgm:ruleLst>
+                  </dgm:layoutNode>
+                  <dgm:layoutNode name="rootConnector" moveWith="rootText">
+                    <dgm:alg type="sp"/>
+                    <dgm:shape xmlns:r="http://schemas.openxmlformats.org/officeDocument/2006/relationships" type="rect" r:blip="" hideGeom="1">
+                      <dgm:adjLst/>
+                    </dgm:shape>
+                    <dgm:presOf axis="self" ptType="node" cnt="1"/>
+                    <dgm:constrLst/>
+                    <dgm:ruleLst/>
+                  </dgm:layoutNode>
+                </dgm:layoutNode>
+                <dgm:layoutNode name="hierChild4">
+                  <dgm:choose name="Name89">
+                    <dgm:if name="Name90" func="var" arg="hierBranch" op="equ" val="l">
+                      <dgm:choose name="Name91">
+                        <dgm:if name="Name92" func="var" arg="dir" op="equ" val="norm">
+                          <dgm:alg type="hierChild">
+                            <dgm:param type="chAlign" val="t"/>
+                            <dgm:param type="linDir" val="fromL"/>
+                          </dgm:alg>
+                        </dgm:if>
+                        <dgm:else name="Name93">
+                          <dgm:alg type="hierChild">
+                            <dgm:param type="chAlign" val="t"/>
+                            <dgm:param type="linDir" val="fromR"/>
+                          </dgm:alg>
+                        </dgm:else>
+                      </dgm:choose>
+                    </dgm:if>
+                    <dgm:if name="Name94" func="var" arg="hierBranch" op="equ" val="r">
+                      <dgm:choose name="Name95">
+                        <dgm:if name="Name96" func="var" arg="dir" op="equ" val="norm">
+                          <dgm:alg type="hierChild">
+                            <dgm:param type="chAlign" val="b"/>
+                            <dgm:param type="linDir" val="fromL"/>
+                          </dgm:alg>
+                        </dgm:if>
+                        <dgm:else name="Name97">
+                          <dgm:alg type="hierChild">
+                            <dgm:param type="chAlign" val="b"/>
+                            <dgm:param type="linDir" val="fromR"/>
+                          </dgm:alg>
+                        </dgm:else>
+                      </dgm:choose>
+                    </dgm:if>
+                    <dgm:if name="Name98" func="var" arg="hierBranch" op="equ" val="hang">
+                      <dgm:choose name="Name99">
+                        <dgm:if name="Name100" func="var" arg="dir" op="equ" val="norm">
+                          <dgm:alg type="hierChild">
+                            <dgm:param type="chAlign" val="l"/>
+                            <dgm:param type="linDir" val="fromT"/>
+                            <dgm:param type="secChAlign" val="t"/>
+                            <dgm:param type="secLinDir" val="fromL"/>
+                          </dgm:alg>
+                        </dgm:if>
+                        <dgm:else name="Name101">
+                          <dgm:alg type="hierChild">
+                            <dgm:param type="chAlign" val="r"/>
+                            <dgm:param type="linDir" val="fromT"/>
+                            <dgm:param type="secChAlign" val="t"/>
+                            <dgm:param type="secLinDir" val="fromR"/>
+                          </dgm:alg>
+                        </dgm:else>
+                      </dgm:choose>
+                    </dgm:if>
+                    <dgm:else name="Name102">
+                      <dgm:choose name="Name103">
+                        <dgm:if name="Name104" func="var" arg="dir" op="equ" val="norm">
+                          <dgm:alg type="hierChild">
+                            <dgm:param type="linDir" val="fromT"/>
+                            <dgm:param type="chAlign" val="l"/>
+                          </dgm:alg>
+                        </dgm:if>
+                        <dgm:else name="Name105">
+                          <dgm:alg type="hierChild">
+                            <dgm:param type="linDir" val="fromT"/>
+                            <dgm:param type="chAlign" val="r"/>
+                          </dgm:alg>
+                        </dgm:else>
+                      </dgm:choose>
+                    </dgm:else>
+                  </dgm:choose>
+                  <dgm:shape xmlns:r="http://schemas.openxmlformats.org/officeDocument/2006/relationships" r:blip="">
+                    <dgm:adjLst/>
+                  </dgm:shape>
+                  <dgm:presOf/>
+                  <dgm:constrLst/>
+                  <dgm:ruleLst/>
+                  <dgm:forEach name="Name106" ref="rep2a"/>
+                </dgm:layoutNode>
+                <dgm:layoutNode name="hierChild5">
+                  <dgm:choose name="Name107">
+                    <dgm:if name="Name108" func="var" arg="dir" op="equ" val="norm">
+                      <dgm:alg type="hierChild">
+                        <dgm:param type="chAlign" val="l"/>
+                        <dgm:param type="linDir" val="fromT"/>
+                        <dgm:param type="secChAlign" val="t"/>
+                        <dgm:param type="secLinDir" val="fromL"/>
+                      </dgm:alg>
+                    </dgm:if>
+                    <dgm:else name="Name109">
+                      <dgm:alg type="hierChild">
+                        <dgm:param type="chAlign" val="r"/>
+                        <dgm:param type="linDir" val="fromT"/>
+                        <dgm:param type="secChAlign" val="t"/>
+                        <dgm:param type="secLinDir" val="fromR"/>
+                      </dgm:alg>
+                    </dgm:else>
+                  </dgm:choose>
+                  <dgm:shape xmlns:r="http://schemas.openxmlformats.org/officeDocument/2006/relationships" r:blip="">
+                    <dgm:adjLst/>
+                  </dgm:shape>
+                  <dgm:presOf/>
+                  <dgm:constrLst/>
+                  <dgm:ruleLst/>
+                  <dgm:forEach name="Name110" ref="rep2b"/>
+                </dgm:layoutNode>
+              </dgm:layoutNode>
+            </dgm:forEach>
+          </dgm:layoutNode>
+          <dgm:layoutNode name="hierChild3">
+            <dgm:choose name="Name111">
+              <dgm:if name="Name112" func="var" arg="dir" op="equ" val="norm">
+                <dgm:alg type="hierChild">
+                  <dgm:param type="chAlign" val="l"/>
+                  <dgm:param type="linDir" val="fromT"/>
+                  <dgm:param type="secChAlign" val="t"/>
+                  <dgm:param type="secLinDir" val="fromL"/>
+                </dgm:alg>
+              </dgm:if>
+              <dgm:else name="Name113">
+                <dgm:alg type="hierChild">
+                  <dgm:param type="chAlign" val="r"/>
+                  <dgm:param type="linDir" val="fromT"/>
+                  <dgm:param type="secChAlign" val="t"/>
+                  <dgm:param type="secLinDir" val="fromR"/>
+                </dgm:alg>
+              </dgm:else>
+            </dgm:choose>
+            <dgm:shape xmlns:r="http://schemas.openxmlformats.org/officeDocument/2006/relationships" r:blip="">
+              <dgm:adjLst/>
+            </dgm:shape>
+            <dgm:presOf/>
+            <dgm:constrLst/>
+            <dgm:ruleLst/>
+            <dgm:forEach name="rep2b" axis="ch" ptType="asst">
+              <dgm:forEach name="Name114" axis="precedSib" ptType="parTrans" st="-1" cnt="1">
+                <dgm:layoutNode name="Name115">
+                  <dgm:choose name="Name116">
+                    <dgm:if name="Name117" func="var" arg="dir" op="equ" val="norm">
+                      <dgm:alg type="conn">
+                        <dgm:param type="connRout" val="bend"/>
+                        <dgm:param type="dim" val="1D"/>
+                        <dgm:param type="endSty" val="noArr"/>
+                        <dgm:param type="begPts" val="midR"/>
+                        <dgm:param type="endPts" val="bCtr tCtr"/>
+                      </dgm:alg>
+                    </dgm:if>
+                    <dgm:else name="Name118">
+                      <dgm:alg type="conn">
+                        <dgm:param type="connRout" val="bend"/>
+                        <dgm:param type="dim" val="1D"/>
+                        <dgm:param type="endSty" val="noArr"/>
+                        <dgm:param type="begPts" val="midL"/>
+                        <dgm:param type="endPts" val="bCtr tCtr"/>
+                      </dgm:alg>
+                    </dgm:else>
+                  </dgm:choose>
+                  <dgm:shape xmlns:r="http://schemas.openxmlformats.org/officeDocument/2006/relationships" type="conn" r:blip="" zOrderOff="-99999">
+                    <dgm:adjLst/>
+                  </dgm:shape>
+                  <dgm:presOf axis="self"/>
+                  <dgm:constrLst>
+                    <dgm:constr type="begPad"/>
+                    <dgm:constr type="endPad"/>
+                  </dgm:constrLst>
+                  <dgm:ruleLst/>
+                </dgm:layoutNode>
+              </dgm:forEach>
+              <dgm:layoutNode name="hierRoot3">
+                <dgm:varLst>
+                  <dgm:hierBranch val="init"/>
+                </dgm:varLst>
+                <dgm:choose name="Name119">
+                  <dgm:if name="Name120" func="var" arg="hierBranch" op="equ" val="l">
+                    <dgm:choose name="Name121">
+                      <dgm:if name="Name122" func="var" arg="dir" op="equ" val="norm">
+                        <dgm:alg type="hierRoot">
+                          <dgm:param type="hierAlign" val="lT"/>
+                        </dgm:alg>
+                        <dgm:constrLst>
+                          <dgm:constr type="alignOff" val="0.75"/>
+                        </dgm:constrLst>
+                      </dgm:if>
+                      <dgm:else name="Name123">
+                        <dgm:alg type="hierRoot">
+                          <dgm:param type="hierAlign" val="rT"/>
+                        </dgm:alg>
+                        <dgm:constrLst>
+                          <dgm:constr type="alignOff" val="0.75"/>
+                        </dgm:constrLst>
+                      </dgm:else>
+                    </dgm:choose>
+                  </dgm:if>
+                  <dgm:if name="Name124" func="var" arg="hierBranch" op="equ" val="r">
+                    <dgm:choose name="Name125">
+                      <dgm:if name="Name126" func="var" arg="dir" op="equ" val="norm">
+                        <dgm:alg type="hierRoot">
+                          <dgm:param type="hierAlign" val="lB"/>
+                        </dgm:alg>
+                        <dgm:constrLst>
+                          <dgm:constr type="alignOff" val="0.75"/>
+                        </dgm:constrLst>
+                      </dgm:if>
+                      <dgm:else name="Name127">
+                        <dgm:alg type="hierRoot">
+                          <dgm:param type="hierAlign" val="rB"/>
+                        </dgm:alg>
+                        <dgm:constrLst>
+                          <dgm:constr type="alignOff" val="0.75"/>
+                        </dgm:constrLst>
+                      </dgm:else>
+                    </dgm:choose>
+                  </dgm:if>
+                  <dgm:if name="Name128" func="var" arg="hierBranch" op="equ" val="hang">
+                    <dgm:choose name="Name129">
+                      <dgm:if name="Name130" func="var" arg="dir" op="equ" val="norm">
+                        <dgm:alg type="hierRoot">
+                          <dgm:param type="hierAlign" val="lCtrCh"/>
+                        </dgm:alg>
+                        <dgm:constrLst>
+                          <dgm:constr type="alignOff" val="0.65"/>
+                        </dgm:constrLst>
+                      </dgm:if>
+                      <dgm:else name="Name131">
+                        <dgm:alg type="hierRoot">
+                          <dgm:param type="hierAlign" val="rCtrCh"/>
+                        </dgm:alg>
+                        <dgm:constrLst>
+                          <dgm:constr type="alignOff" val="0.65"/>
+                        </dgm:constrLst>
+                      </dgm:else>
+                    </dgm:choose>
+                  </dgm:if>
+                  <dgm:else name="Name132">
+                    <dgm:choose name="Name133">
+                      <dgm:if name="Name134" func="var" arg="dir" op="equ" val="norm">
+                        <dgm:alg type="hierRoot">
+                          <dgm:param type="hierAlign" val="lCtrCh"/>
+                        </dgm:alg>
+                        <dgm:constrLst>
+                          <dgm:constr type="alignOff"/>
+                          <dgm:constr type="bendDist" for="des" ptType="parTrans" refType="sp" fact="0.5"/>
+                        </dgm:constrLst>
+                      </dgm:if>
+                      <dgm:else name="Name135">
+                        <dgm:alg type="hierRoot">
+                          <dgm:param type="hierAlign" val="rCtrCh"/>
+                        </dgm:alg>
+                        <dgm:constrLst>
+                          <dgm:constr type="alignOff"/>
+                          <dgm:constr type="bendDist" for="des" ptType="parTrans" refType="sp" fact="0.5"/>
+                        </dgm:constrLst>
+                      </dgm:else>
+                    </dgm:choose>
+                  </dgm:else>
+                </dgm:choose>
+                <dgm:shape xmlns:r="http://schemas.openxmlformats.org/officeDocument/2006/relationships" r:blip="">
+                  <dgm:adjLst/>
+                </dgm:shape>
+                <dgm:presOf/>
+                <dgm:ruleLst/>
+                <dgm:layoutNode name="rootComposite3">
+                  <dgm:alg type="composite"/>
+                  <dgm:shape xmlns:r="http://schemas.openxmlformats.org/officeDocument/2006/relationships" r:blip="">
+                    <dgm:adjLst/>
+                  </dgm:shape>
+                  <dgm:presOf axis="self" ptType="node" cnt="1"/>
+                  <dgm:choose name="Name136">
+                    <dgm:if name="Name137" func="var" arg="hierBranch" op="equ" val="init">
+                      <dgm:constrLst>
+                        <dgm:constr type="l" for="ch" forName="rootText3"/>
+                        <dgm:constr type="t" for="ch" forName="rootText3"/>
+                        <dgm:constr type="w" for="ch" forName="rootText3" refType="w"/>
+                        <dgm:constr type="h" for="ch" forName="rootText3" refType="h"/>
+                        <dgm:constr type="l" for="ch" forName="rootConnector3"/>
+                        <dgm:constr type="t" for="ch" forName="rootConnector3"/>
+                        <dgm:constr type="w" for="ch" forName="rootConnector3" refType="w" refFor="ch" refForName="rootText3" fact="0.2"/>
+                        <dgm:constr type="h" for="ch" forName="rootConnector3" refType="h" refFor="ch" refForName="rootText3"/>
+                      </dgm:constrLst>
+                    </dgm:if>
+                    <dgm:if name="Name138" func="var" arg="hierBranch" op="equ" val="l">
+                      <dgm:constrLst>
+                        <dgm:constr type="l" for="ch" forName="rootText3"/>
+                        <dgm:constr type="t" for="ch" forName="rootText3"/>
+                        <dgm:constr type="w" for="ch" forName="rootText3" refType="w"/>
+                        <dgm:constr type="h" for="ch" forName="rootText3" refType="h"/>
+                        <dgm:constr type="r" for="ch" forName="rootConnector3" refType="w"/>
+                        <dgm:constr type="t" for="ch" forName="rootConnector3"/>
+                        <dgm:constr type="w" for="ch" forName="rootConnector3" refType="w" refFor="ch" refForName="rootText3" fact="0.2"/>
+                        <dgm:constr type="h" for="ch" forName="rootConnector3" refType="h" refFor="ch" refForName="rootText3"/>
+                      </dgm:constrLst>
+                    </dgm:if>
+                    <dgm:if name="Name139" func="var" arg="hierBranch" op="equ" val="r">
+                      <dgm:constrLst>
+                        <dgm:constr type="l" for="ch" forName="rootText3"/>
+                        <dgm:constr type="t" for="ch" forName="rootText3"/>
+                        <dgm:constr type="w" for="ch" forName="rootText3" refType="w"/>
+                        <dgm:constr type="h" for="ch" forName="rootText3" refType="h"/>
+                        <dgm:constr type="l" for="ch" forName="rootConnector3"/>
+                        <dgm:constr type="t" for="ch" forName="rootConnector3"/>
+                        <dgm:constr type="w" for="ch" forName="rootConnector3" refType="w" refFor="ch" refForName="rootText3" fact="0.2"/>
+                        <dgm:constr type="h" for="ch" forName="rootConnector3" refType="h" refFor="ch" refForName="rootText3"/>
+                      </dgm:constrLst>
+                    </dgm:if>
+                    <dgm:else name="Name140">
+                      <dgm:constrLst>
+                        <dgm:constr type="l" for="ch" forName="rootText3"/>
+                        <dgm:constr type="t" for="ch" forName="rootText3"/>
+                        <dgm:constr type="w" for="ch" forName="rootText3" refType="w"/>
+                        <dgm:constr type="h" for="ch" forName="rootText3" refType="h"/>
+                        <dgm:constr type="r" for="ch" forName="rootConnector3" refType="w"/>
+                        <dgm:constr type="t" for="ch" forName="rootConnector3"/>
+                        <dgm:constr type="w" for="ch" forName="rootConnector3" refType="w" refFor="ch" refForName="rootText3" fact="0.2"/>
+                        <dgm:constr type="h" for="ch" forName="rootConnector3" refType="h" refFor="ch" refForName="rootText3"/>
+                      </dgm:constrLst>
+                    </dgm:else>
+                  </dgm:choose>
+                  <dgm:ruleLst/>
+                  <dgm:layoutNode name="rootText3">
+                    <dgm:varLst>
+                      <dgm:chPref val="3"/>
+                    </dgm:varLst>
+                    <dgm:alg type="tx"/>
+                    <dgm:shape xmlns:r="http://schemas.openxmlformats.org/officeDocument/2006/relationships" type="rect" r:blip="">
+                      <dgm:adjLst/>
+                    </dgm:shape>
+                    <dgm:presOf axis="self" ptType="node" cnt="1"/>
+                    <dgm:constrLst>
+                      <dgm:constr type="primFontSz" val="65"/>
+                      <dgm:constr type="lMarg" refType="primFontSz" fact="0.05"/>
+                      <dgm:constr type="rMarg" refType="primFontSz" fact="0.05"/>
+                      <dgm:constr type="tMarg" refType="primFontSz" fact="0.05"/>
+                      <dgm:constr type="bMarg" refType="primFontSz" fact="0.05"/>
+                    </dgm:constrLst>
+                    <dgm:ruleLst>
+                      <dgm:rule type="primFontSz" val="5" fact="NaN" max="NaN"/>
+                    </dgm:ruleLst>
+                  </dgm:layoutNode>
+                  <dgm:layoutNode name="rootConnector3" moveWith="rootText1">
+                    <dgm:alg type="sp"/>
+                    <dgm:shape xmlns:r="http://schemas.openxmlformats.org/officeDocument/2006/relationships" type="rect" r:blip="" hideGeom="1">
+                      <dgm:adjLst/>
+                    </dgm:shape>
+                    <dgm:presOf axis="self" ptType="node" cnt="1"/>
+                    <dgm:constrLst/>
+                    <dgm:ruleLst/>
+                  </dgm:layoutNode>
+                </dgm:layoutNode>
+                <dgm:layoutNode name="hierChild6">
+                  <dgm:choose name="Name141">
+                    <dgm:if name="Name142" func="var" arg="hierBranch" op="equ" val="l">
+                      <dgm:choose name="Name143">
+                        <dgm:if name="Name144" func="var" arg="dir" op="equ" val="norm">
+                          <dgm:alg type="hierChild">
+                            <dgm:param type="chAlign" val="t"/>
+                            <dgm:param type="linDir" val="fromL"/>
+                          </dgm:alg>
+                        </dgm:if>
+                        <dgm:else name="Name145">
+                          <dgm:alg type="hierChild">
+                            <dgm:param type="chAlign" val="t"/>
+                            <dgm:param type="linDir" val="fromR"/>
+                          </dgm:alg>
+                        </dgm:else>
+                      </dgm:choose>
+                    </dgm:if>
+                    <dgm:if name="Name146" func="var" arg="hierBranch" op="equ" val="r">
+                      <dgm:choose name="Name147">
+                        <dgm:if name="Name148" func="var" arg="dir" op="equ" val="norm">
+                          <dgm:alg type="hierChild">
+                            <dgm:param type="chAlign" val="b"/>
+                            <dgm:param type="linDir" val="fromL"/>
+                          </dgm:alg>
+                        </dgm:if>
+                        <dgm:else name="Name149">
+                          <dgm:alg type="hierChild">
+                            <dgm:param type="chAlign" val="b"/>
+                            <dgm:param type="linDir" val="fromR"/>
+                          </dgm:alg>
+                        </dgm:else>
+                      </dgm:choose>
+                    </dgm:if>
+                    <dgm:if name="Name150" func="var" arg="hierBranch" op="equ" val="hang">
+                      <dgm:choose name="Name151">
+                        <dgm:if name="Name152" func="var" arg="dir" op="equ" val="norm">
+                          <dgm:alg type="hierChild">
+                            <dgm:param type="chAlign" val="l"/>
+                            <dgm:param type="linDir" val="fromT"/>
+                            <dgm:param type="secChAlign" val="t"/>
+                            <dgm:param type="secLinDir" val="fromL"/>
+                          </dgm:alg>
+                        </dgm:if>
+                        <dgm:else name="Name153">
+                          <dgm:alg type="hierChild">
+                            <dgm:param type="chAlign" val="r"/>
+                            <dgm:param type="linDir" val="fromT"/>
+                            <dgm:param type="secChAlign" val="t"/>
+                            <dgm:param type="secLinDir" val="fromR"/>
+                          </dgm:alg>
+                        </dgm:else>
+                      </dgm:choose>
+                    </dgm:if>
+                    <dgm:else name="Name154">
+                      <dgm:choose name="Name155">
+                        <dgm:if name="Name156" func="var" arg="dir" op="equ" val="norm">
+                          <dgm:alg type="hierChild">
+                            <dgm:param type="linDir" val="fromT"/>
+                            <dgm:param type="chAlign" val="l"/>
+                          </dgm:alg>
+                        </dgm:if>
+                        <dgm:else name="Name157">
+                          <dgm:alg type="hierChild">
+                            <dgm:param type="linDir" val="fromT"/>
+                            <dgm:param type="chAlign" val="r"/>
+                          </dgm:alg>
+                        </dgm:else>
+                      </dgm:choose>
+                    </dgm:else>
+                  </dgm:choose>
+                  <dgm:shape xmlns:r="http://schemas.openxmlformats.org/officeDocument/2006/relationships" r:blip="">
+                    <dgm:adjLst/>
+                  </dgm:shape>
+                  <dgm:presOf/>
+                  <dgm:constrLst/>
+                  <dgm:ruleLst/>
+                  <dgm:forEach name="Name158" ref="rep2a"/>
+                </dgm:layoutNode>
+                <dgm:layoutNode name="hierChild7">
+                  <dgm:choose name="Name159">
+                    <dgm:if name="Name160" func="var" arg="dir" op="equ" val="norm">
+                      <dgm:alg type="hierChild">
+                        <dgm:param type="chAlign" val="l"/>
+                        <dgm:param type="linDir" val="fromT"/>
+                        <dgm:param type="secChAlign" val="t"/>
+                        <dgm:param type="secLinDir" val="fromL"/>
+                      </dgm:alg>
+                    </dgm:if>
+                    <dgm:else name="Name161">
+                      <dgm:alg type="hierChild">
+                        <dgm:param type="chAlign" val="r"/>
+                        <dgm:param type="linDir" val="fromT"/>
+                        <dgm:param type="secChAlign" val="t"/>
+                        <dgm:param type="secLinDir" val="fromR"/>
+                      </dgm:alg>
+                    </dgm:else>
+                  </dgm:choose>
+                  <dgm:shape xmlns:r="http://schemas.openxmlformats.org/officeDocument/2006/relationships" r:blip="">
+                    <dgm:adjLst/>
+                  </dgm:shape>
+                  <dgm:presOf/>
+                  <dgm:constrLst/>
+                  <dgm:ruleLst/>
+                  <dgm:forEach name="Name162" ref="rep2b"/>
+                </dgm:layoutNode>
+              </dgm:layoutNode>
+            </dgm:forEach>
+          </dgm:layoutNode>
+        </dgm:layoutNode>
+      </dgm:forEach>
+    </dgm:forEach>
+  </dgm:layoutNode>
+</dgm:layoutDef>
+</file>
+
+<file path=ppt/diagrams/quickStyle1.xml><?xml version="1.0" encoding="utf-8"?>
+<dgm:styleDef xmlns:dgm="http://schemas.openxmlformats.org/drawingml/2006/diagram" xmlns:a="http://schemas.openxmlformats.org/drawingml/2006/main" uniqueId="urn:microsoft.com/office/officeart/2005/8/quickstyle/simple5">
+  <dgm:title val=""/>
+  <dgm:desc val=""/>
+  <dgm:catLst>
+    <dgm:cat type="simple" pri="10500"/>
+  </dgm:catLst>
+  <dgm:scene3d>
+    <a:camera prst="orthographicFront"/>
+    <a:lightRig rig="threePt" dir="t"/>
+  </dgm:scene3d>
+  <dgm:styleLbl name="node0">
+    <dgm:scene3d>
+      <a:camera prst="orthographicFront"/>
+      <a:lightRig rig="threePt" dir="t"/>
+    </dgm:scene3d>
+    <dgm:sp3d/>
+    <dgm:txPr/>
+    <dgm:style>
+      <a:lnRef idx="0">
+        <a:scrgbClr r="0" g="0" b="0"/>
+      </a:lnRef>
+      <a:fillRef idx="3">
+        <a:scrgbClr r="0" g="0" b="0"/>
+      </a:fillRef>
+      <a:effectRef idx="3">
+        <a:scrgbClr r="0" g="0" b="0"/>
+      </a:effectRef>
+      <a:fontRef idx="minor">
+        <a:schemeClr val="lt1"/>
+      </a:fontRef>
+    </dgm:style>
+  </dgm:styleLbl>
+  <dgm:styleLbl name="lnNode1">
+    <dgm:scene3d>
+      <a:camera prst="orthographicFront"/>
+      <a:lightRig rig="threePt" dir="t"/>
+    </dgm:scene3d>
+    <dgm:sp3d/>
+    <dgm:txPr/>
+    <dgm:style>
+      <a:lnRef idx="0">
+        <a:scrgbClr r="0" g="0" b="0"/>
+      </a:lnRef>
+      <a:fillRef idx="3">
+        <a:scrgbClr r="0" g="0" b="0"/>
+      </a:fillRef>
+      <a:effectRef idx="3">
+        <a:scrgbClr r="0" g="0" b="0"/>
+      </a:effectRef>
+      <a:fontRef idx="minor">
+        <a:schemeClr val="lt1"/>
+      </a:fontRef>
+    </dgm:style>
+  </dgm:styleLbl>
+  <dgm:styleLbl name="vennNode1">
+    <dgm:scene3d>
+      <a:camera prst="orthographicFront"/>
+      <a:lightRig rig="threePt" dir="t"/>
+    </dgm:scene3d>
+    <dgm:sp3d/>
+    <dgm:txPr/>
+    <dgm:style>
+      <a:lnRef idx="0">
+        <a:scrgbClr r="0" g="0" b="0"/>
+      </a:lnRef>
+      <a:fillRef idx="3">
+        <a:scrgbClr r="0" g="0" b="0"/>
+      </a:fillRef>
+      <a:effectRef idx="3">
+        <a:scrgbClr r="0" g="0" b="0"/>
+      </a:effectRef>
+      <a:fontRef idx="minor">
+        <a:schemeClr val="tx1"/>
+      </a:fontRef>
+    </dgm:style>
+  </dgm:styleLbl>
+  <dgm:styleLbl name="alignNode1">
+    <dgm:scene3d>
+      <a:camera prst="orthographicFront"/>
+      <a:lightRig rig="threePt" dir="t"/>
+    </dgm:scene3d>
+    <dgm:sp3d/>
+    <dgm:txPr/>
+    <dgm:style>
+      <a:lnRef idx="1">
+        <a:scrgbClr r="0" g="0" b="0"/>
+      </a:lnRef>
+      <a:fillRef idx="3">
+        <a:scrgbClr r="0" g="0" b="0"/>
+      </a:fillRef>
+      <a:effectRef idx="3">
+        <a:scrgbClr r="0" g="0" b="0"/>
+      </a:effectRef>
+      <a:fontRef idx="minor">
+        <a:schemeClr val="lt1"/>
+      </a:fontRef>
+    </dgm:style>
+  </dgm:styleLbl>
+  <dgm:styleLbl name="node1">
+    <dgm:scene3d>
+      <a:camera prst="orthographicFront"/>
+      <a:lightRig rig="threePt" dir="t"/>
+    </dgm:scene3d>
+    <dgm:sp3d/>
+    <dgm:txPr/>
+    <dgm:style>
+      <a:lnRef idx="0">
+        <a:scrgbClr r="0" g="0" b="0"/>
+      </a:lnRef>
+      <a:fillRef idx="3">
+        <a:scrgbClr r="0" g="0" b="0"/>
+      </a:fillRef>
+      <a:effectRef idx="3">
+        <a:scrgbClr r="0" g="0" b="0"/>
+      </a:effectRef>
+      <a:fontRef idx="minor">
+        <a:schemeClr val="lt1"/>
+      </a:fontRef>
+    </dgm:style>
+  </dgm:styleLbl>
+  <dgm:styleLbl name="node2">
+    <dgm:scene3d>
+      <a:camera prst="orthographicFront"/>
+      <a:lightRig rig="threePt" dir="t"/>
+    </dgm:scene3d>
+    <dgm:sp3d/>
+    <dgm:txPr/>
+    <dgm:style>
+      <a:lnRef idx="0">
+        <a:scrgbClr r="0" g="0" b="0"/>
+      </a:lnRef>
+      <a:fillRef idx="3">
+        <a:scrgbClr r="0" g="0" b="0"/>
+      </a:fillRef>
+      <a:effectRef idx="3">
+        <a:scrgbClr r="0" g="0" b="0"/>
+      </a:effectRef>
+      <a:fontRef idx="minor">
+        <a:schemeClr val="lt1"/>
+      </a:fontRef>
+    </dgm:style>
+  </dgm:styleLbl>
+  <dgm:styleLbl name="node3">
+    <dgm:scene3d>
+      <a:camera prst="orthographicFront"/>
+      <a:lightRig rig="threePt" dir="t"/>
+    </dgm:scene3d>
+    <dgm:sp3d/>
+    <dgm:txPr/>
+    <dgm:style>
+      <a:lnRef idx="0">
+        <a:scrgbClr r="0" g="0" b="0"/>
+      </a:lnRef>
+      <a:fillRef idx="3">
+        <a:scrgbClr r="0" g="0" b="0"/>
+      </a:fillRef>
+      <a:effectRef idx="3">
+        <a:scrgbClr r="0" g="0" b="0"/>
+      </a:effectRef>
+      <a:fontRef idx="minor">
+        <a:schemeClr val="lt1"/>
+      </a:fontRef>
+    </dgm:style>
+  </dgm:styleLbl>
+  <dgm:styleLbl name="node4">
+    <dgm:scene3d>
+      <a:camera prst="orthographicFront"/>
+      <a:lightRig rig="threePt" dir="t"/>
+    </dgm:scene3d>
+    <dgm:sp3d/>
+    <dgm:txPr/>
+    <dgm:style>
+      <a:lnRef idx="0">
+        <a:scrgbClr r="0" g="0" b="0"/>
+      </a:lnRef>
+      <a:fillRef idx="3">
+        <a:scrgbClr r="0" g="0" b="0"/>
+      </a:fillRef>
+      <a:effectRef idx="3">
+        <a:scrgbClr r="0" g="0" b="0"/>
+      </a:effectRef>
+      <a:fontRef idx="minor">
+        <a:schemeClr val="lt1"/>
+      </a:fontRef>
+    </dgm:style>
+  </dgm:styleLbl>
+  <dgm:styleLbl name="fgImgPlace1">
+    <dgm:scene3d>
+      <a:camera prst="orthographicFront"/>
+      <a:lightRig rig="threePt" dir="t"/>
+    </dgm:scene3d>
+    <dgm:sp3d/>
+    <dgm:txPr/>
+    <dgm:style>
+      <a:lnRef idx="0">
+        <a:scrgbClr r="0" g="0" b="0"/>
+      </a:lnRef>
+      <a:fillRef idx="1">
+        <a:scrgbClr r="0" g="0" b="0"/>
+      </a:fillRef>
+      <a:effectRef idx="3">
+        <a:scrgbClr r="0" g="0" b="0"/>
+      </a:effectRef>
+      <a:fontRef idx="minor"/>
+    </dgm:style>
+  </dgm:styleLbl>
+  <dgm:styleLbl name="alignImgPlace1">
+    <dgm:scene3d>
+      <a:camera prst="orthographicFront"/>
+      <a:lightRig rig="threePt" dir="t"/>
+    </dgm:scene3d>
+    <dgm:sp3d/>
+    <dgm:txPr/>
+    <dgm:style>
+      <a:lnRef idx="0">
+        <a:scrgbClr r="0" g="0" b="0"/>
+      </a:lnRef>
+      <a:fillRef idx="1">
+        <a:scrgbClr r="0" g="0" b="0"/>
+      </a:fillRef>
+      <a:effectRef idx="3">
+        <a:scrgbClr r="0" g="0" b="0"/>
+      </a:effectRef>
+      <a:fontRef idx="minor"/>
+    </dgm:style>
+  </dgm:styleLbl>
+  <dgm:styleLbl name="bgImgPlace1">
+    <dgm:scene3d>
+      <a:camera prst="orthographicFront"/>
+      <a:lightRig rig="threePt" dir="t"/>
+    </dgm:scene3d>
+    <dgm:sp3d/>
+    <dgm:txPr/>
+    <dgm:style>
+      <a:lnRef idx="0">
+        <a:scrgbClr r="0" g="0" b="0"/>
+      </a:lnRef>
+      <a:fillRef idx="1">
+        <a:scrgbClr r="0" g="0" b="0"/>
+      </a:fillRef>
+      <a:effectRef idx="3">
+        <a:scrgbClr r="0" g="0" b="0"/>
+      </a:effectRef>
+      <a:fontRef idx="minor"/>
+    </dgm:style>
+  </dgm:styleLbl>
+  <dgm:styleLbl name="sibTrans2D1">
+    <dgm:scene3d>
+      <a:camera prst="orthographicFront"/>
+      <a:lightRig rig="threePt" dir="t"/>
+    </dgm:scene3d>
+    <dgm:sp3d/>
+    <dgm:txPr/>
+    <dgm:style>
+      <a:lnRef idx="0">
+        <a:scrgbClr r="0" g="0" b="0"/>
+      </a:lnRef>
+      <a:fillRef idx="3">
+        <a:scrgbClr r="0" g="0" b="0"/>
+      </a:fillRef>
+      <a:effectRef idx="3">
+        <a:scrgbClr r="0" g="0" b="0"/>
+      </a:effectRef>
+      <a:fontRef idx="minor">
+        <a:schemeClr val="lt1"/>
+      </a:fontRef>
+    </dgm:style>
+  </dgm:styleLbl>
+  <dgm:styleLbl name="fgSibTrans2D1">
+    <dgm:scene3d>
+      <a:camera prst="orthographicFront"/>
+      <a:lightRig rig="threePt" dir="t"/>
+    </dgm:scene3d>
+    <dgm:sp3d/>
+    <dgm:txPr/>
+    <dgm:style>
+      <a:lnRef idx="0">
+        <a:scrgbClr r="0" g="0" b="0"/>
+      </a:lnRef>
+      <a:fillRef idx="3">
+        <a:scrgbClr r="0" g="0" b="0"/>
+      </a:fillRef>
+      <a:effectRef idx="3">
+        <a:scrgbClr r="0" g="0" b="0"/>
+      </a:effectRef>
+      <a:fontRef idx="minor">
+        <a:schemeClr val="lt1"/>
+      </a:fontRef>
+    </dgm:style>
+  </dgm:styleLbl>
+  <dgm:styleLbl name="bgSibTrans2D1">
+    <dgm:scene3d>
+      <a:camera prst="orthographicFront"/>
+      <a:lightRig rig="threePt" dir="t"/>
+    </dgm:scene3d>
+    <dgm:sp3d/>
+    <dgm:txPr/>
+    <dgm:style>
+      <a:lnRef idx="0">
+        <a:scrgbClr r="0" g="0" b="0"/>
+      </a:lnRef>
+      <a:fillRef idx="3">
+        <a:scrgbClr r="0" g="0" b="0"/>
+      </a:fillRef>
+      <a:effectRef idx="3">
+        <a:scrgbClr r="0" g="0" b="0"/>
+      </a:effectRef>
+      <a:fontRef idx="minor">
+        <a:schemeClr val="lt1"/>
+      </a:fontRef>
+    </dgm:style>
+  </dgm:styleLbl>
+  <dgm:styleLbl name="sibTrans1D1">
+    <dgm:scene3d>
+      <a:camera prst="orthographicFront"/>
+      <a:lightRig rig="threePt" dir="t"/>
+    </dgm:scene3d>
+    <dgm:sp3d/>
+    <dgm:txPr/>
+    <dgm:style>
+      <a:lnRef idx="1">
+        <a:scrgbClr r="0" g="0" b="0"/>
+      </a:lnRef>
+      <a:fillRef idx="0">
+        <a:scrgbClr r="0" g="0" b="0"/>
+      </a:fillRef>
+      <a:effectRef idx="0">
+        <a:scrgbClr r="0" g="0" b="0"/>
+      </a:effectRef>
+      <a:fontRef idx="minor"/>
+    </dgm:style>
+  </dgm:styleLbl>
+  <dgm:styleLbl name="callout">
+    <dgm:scene3d>
+      <a:camera prst="orthographicFront"/>
+      <a:lightRig rig="threePt" dir="t"/>
+    </dgm:scene3d>
+    <dgm:sp3d/>
+    <dgm:txPr/>
+    <dgm:style>
+      <a:lnRef idx="1">
+        <a:scrgbClr r="0" g="0" b="0"/>
+      </a:lnRef>
+      <a:fillRef idx="0">
+        <a:scrgbClr r="0" g="0" b="0"/>
+      </a:fillRef>
+      <a:effectRef idx="1">
+        <a:scrgbClr r="0" g="0" b="0"/>
+      </a:effectRef>
+      <a:fontRef idx="minor"/>
+    </dgm:style>
+  </dgm:styleLbl>
+  <dgm:styleLbl name="asst0">
+    <dgm:scene3d>
+      <a:camera prst="orthographicFront"/>
+      <a:lightRig rig="threePt" dir="t"/>
+    </dgm:scene3d>
+    <dgm:sp3d/>
+    <dgm:txPr/>
+    <dgm:style>
+      <a:lnRef idx="0">
+        <a:scrgbClr r="0" g="0" b="0"/>
+      </a:lnRef>
+      <a:fillRef idx="3">
+        <a:scrgbClr r="0" g="0" b="0"/>
+      </a:fillRef>
+      <a:effectRef idx="3">
+        <a:scrgbClr r="0" g="0" b="0"/>
+      </a:effectRef>
+      <a:fontRef idx="minor">
+        <a:schemeClr val="lt1"/>
+      </a:fontRef>
+    </dgm:style>
+  </dgm:styleLbl>
+  <dgm:styleLbl name="asst1">
+    <dgm:scene3d>
+      <a:camera prst="orthographicFront"/>
+      <a:lightRig rig="threePt" dir="t"/>
+    </dgm:scene3d>
+    <dgm:sp3d/>
+    <dgm:txPr/>
+    <dgm:style>
+      <a:lnRef idx="0">
+        <a:scrgbClr r="0" g="0" b="0"/>
+      </a:lnRef>
+      <a:fillRef idx="3">
+        <a:scrgbClr r="0" g="0" b="0"/>
+      </a:fillRef>
+      <a:effectRef idx="3">
+        <a:scrgbClr r="0" g="0" b="0"/>
+      </a:effectRef>
+      <a:fontRef idx="minor">
+        <a:schemeClr val="lt1"/>
+      </a:fontRef>
+    </dgm:style>
+  </dgm:styleLbl>
+  <dgm:styleLbl name="asst2">
+    <dgm:scene3d>
+      <a:camera prst="orthographicFront"/>
+      <a:lightRig rig="threePt" dir="t"/>
+    </dgm:scene3d>
+    <dgm:sp3d/>
+    <dgm:txPr/>
+    <dgm:style>
+      <a:lnRef idx="0">
+        <a:scrgbClr r="0" g="0" b="0"/>
+      </a:lnRef>
+      <a:fillRef idx="3">
+        <a:scrgbClr r="0" g="0" b="0"/>
+      </a:fillRef>
+      <a:effectRef idx="3">
+        <a:scrgbClr r="0" g="0" b="0"/>
+      </a:effectRef>
+      <a:fontRef idx="minor">
+        <a:schemeClr val="lt1"/>
+      </a:fontRef>
+    </dgm:style>
+  </dgm:styleLbl>
+  <dgm:styleLbl name="asst3">
+    <dgm:scene3d>
+      <a:camera prst="orthographicFront"/>
+      <a:lightRig rig="threePt" dir="t"/>
+    </dgm:scene3d>
+    <dgm:sp3d/>
+    <dgm:txPr/>
+    <dgm:style>
+      <a:lnRef idx="0">
+        <a:scrgbClr r="0" g="0" b="0"/>
+      </a:lnRef>
+      <a:fillRef idx="3">
+        <a:scrgbClr r="0" g="0" b="0"/>
+      </a:fillRef>
+      <a:effectRef idx="3">
+        <a:scrgbClr r="0" g="0" b="0"/>
+      </a:effectRef>
+      <a:fontRef idx="minor">
+        <a:schemeClr val="lt1"/>
+      </a:fontRef>
+    </dgm:style>
+  </dgm:styleLbl>
+  <dgm:styleLbl name="asst4">
+    <dgm:scene3d>
+      <a:camera prst="orthographicFront"/>
+      <a:lightRig rig="threePt" dir="t"/>
+    </dgm:scene3d>
+    <dgm:sp3d/>
+    <dgm:txPr/>
+    <dgm:style>
+      <a:lnRef idx="0">
+        <a:scrgbClr r="0" g="0" b="0"/>
+      </a:lnRef>
+      <a:fillRef idx="3">
+        <a:scrgbClr r="0" g="0" b="0"/>
+      </a:fillRef>
+      <a:effectRef idx="3">
+        <a:scrgbClr r="0" g="0" b="0"/>
+      </a:effectRef>
+      <a:fontRef idx="minor">
+        <a:schemeClr val="lt1"/>
+      </a:fontRef>
+    </dgm:style>
+  </dgm:styleLbl>
+  <dgm:styleLbl name="parChTrans2D1">
+    <dgm:scene3d>
+      <a:camera prst="orthographicFront"/>
+      <a:lightRig rig="threePt" dir="t"/>
+    </dgm:scene3d>
+    <dgm:sp3d/>
+    <dgm:txPr/>
+    <dgm:style>
+      <a:lnRef idx="0">
+        <a:scrgbClr r="0" g="0" b="0"/>
+      </a:lnRef>
+      <a:fillRef idx="3">
+        <a:scrgbClr r="0" g="0" b="0"/>
+      </a:fillRef>
+      <a:effectRef idx="3">
+        <a:scrgbClr r="0" g="0" b="0"/>
+      </a:effectRef>
+      <a:fontRef idx="minor">
+        <a:schemeClr val="lt1"/>
+      </a:fontRef>
+    </dgm:style>
+  </dgm:styleLbl>
+  <dgm:styleLbl name="parChTrans2D2">
+    <dgm:scene3d>
+      <a:camera prst="orthographicFront"/>
+      <a:lightRig rig="threePt" dir="t"/>
+    </dgm:scene3d>
+    <dgm:sp3d/>
+    <dgm:txPr/>
+    <dgm:style>
+      <a:lnRef idx="0">
+        <a:scrgbClr r="0" g="0" b="0"/>
+      </a:lnRef>
+      <a:fillRef idx="3">
+        <a:scrgbClr r="0" g="0" b="0"/>
+      </a:fillRef>
+      <a:effectRef idx="3">
+        <a:scrgbClr r="0" g="0" b="0"/>
+      </a:effectRef>
+      <a:fontRef idx="minor">
+        <a:schemeClr val="lt1"/>
+      </a:fontRef>
+    </dgm:style>
+  </dgm:styleLbl>
+  <dgm:styleLbl name="parChTrans2D3">
+    <dgm:scene3d>
+      <a:camera prst="orthographicFront"/>
+      <a:lightRig rig="threePt" dir="t"/>
+    </dgm:scene3d>
+    <dgm:sp3d/>
+    <dgm:txPr/>
+    <dgm:style>
+      <a:lnRef idx="0">
+        <a:scrgbClr r="0" g="0" b="0"/>
+      </a:lnRef>
+      <a:fillRef idx="3">
+        <a:scrgbClr r="0" g="0" b="0"/>
+      </a:fillRef>
+      <a:effectRef idx="3">
+        <a:scrgbClr r="0" g="0" b="0"/>
+      </a:effectRef>
+      <a:fontRef idx="minor">
+        <a:schemeClr val="lt1"/>
+      </a:fontRef>
+    </dgm:style>
+  </dgm:styleLbl>
+  <dgm:styleLbl name="parChTrans2D4">
+    <dgm:scene3d>
+      <a:camera prst="orthographicFront"/>
+      <a:lightRig rig="threePt" dir="t"/>
+    </dgm:scene3d>
+    <dgm:sp3d/>
+    <dgm:txPr/>
+    <dgm:style>
+      <a:lnRef idx="0">
+        <a:scrgbClr r="0" g="0" b="0"/>
+      </a:lnRef>
+      <a:fillRef idx="3">
+        <a:scrgbClr r="0" g="0" b="0"/>
+      </a:fillRef>
+      <a:effectRef idx="3">
+        <a:scrgbClr r="0" g="0" b="0"/>
+      </a:effectRef>
+      <a:fontRef idx="minor">
+        <a:schemeClr val="lt1"/>
+      </a:fontRef>
+    </dgm:style>
+  </dgm:styleLbl>
+  <dgm:styleLbl name="parChTrans1D1">
+    <dgm:scene3d>
+      <a:camera prst="orthographicFront"/>
+      <a:lightRig rig="threePt" dir="t"/>
+    </dgm:scene3d>
+    <dgm:sp3d/>
+    <dgm:txPr/>
+    <dgm:style>
+      <a:lnRef idx="2">
+        <a:scrgbClr r="0" g="0" b="0"/>
+      </a:lnRef>
+      <a:fillRef idx="0">
+        <a:scrgbClr r="0" g="0" b="0"/>
+      </a:fillRef>
+      <a:effectRef idx="0">
+        <a:scrgbClr r="0" g="0" b="0"/>
+      </a:effectRef>
+      <a:fontRef idx="minor"/>
+    </dgm:style>
+  </dgm:styleLbl>
+  <dgm:styleLbl name="parChTrans1D2">
+    <dgm:scene3d>
+      <a:camera prst="orthographicFront"/>
+      <a:lightRig rig="threePt" dir="t"/>
+    </dgm:scene3d>
+    <dgm:sp3d/>
+    <dgm:txPr/>
+    <dgm:style>
+      <a:lnRef idx="2">
+        <a:scrgbClr r="0" g="0" b="0"/>
+      </a:lnRef>
+      <a:fillRef idx="0">
+        <a:scrgbClr r="0" g="0" b="0"/>
+      </a:fillRef>
+      <a:effectRef idx="0">
+        <a:scrgbClr r="0" g="0" b="0"/>
+      </a:effectRef>
+      <a:fontRef idx="minor"/>
+    </dgm:style>
+  </dgm:styleLbl>
+  <dgm:styleLbl name="parChTrans1D3">
+    <dgm:scene3d>
+      <a:camera prst="orthographicFront"/>
+      <a:lightRig rig="threePt" dir="t"/>
+    </dgm:scene3d>
+    <dgm:sp3d/>
+    <dgm:txPr/>
+    <dgm:style>
+      <a:lnRef idx="2">
+        <a:scrgbClr r="0" g="0" b="0"/>
+      </a:lnRef>
+      <a:fillRef idx="0">
+        <a:scrgbClr r="0" g="0" b="0"/>
+      </a:fillRef>
+      <a:effectRef idx="0">
+        <a:scrgbClr r="0" g="0" b="0"/>
+      </a:effectRef>
+      <a:fontRef idx="minor"/>
+    </dgm:style>
+  </dgm:styleLbl>
+  <dgm:styleLbl name="parChTrans1D4">
+    <dgm:scene3d>
+      <a:camera prst="orthographicFront"/>
+      <a:lightRig rig="threePt" dir="t"/>
+    </dgm:scene3d>
+    <dgm:sp3d/>
+    <dgm:txPr/>
+    <dgm:style>
+      <a:lnRef idx="2">
+        <a:scrgbClr r="0" g="0" b="0"/>
+      </a:lnRef>
+      <a:fillRef idx="0">
+        <a:scrgbClr r="0" g="0" b="0"/>
+      </a:fillRef>
+      <a:effectRef idx="0">
+        <a:scrgbClr r="0" g="0" b="0"/>
+      </a:effectRef>
+      <a:fontRef idx="minor"/>
+    </dgm:style>
+  </dgm:styleLbl>
+  <dgm:styleLbl name="fgAcc1">
+    <dgm:scene3d>
+      <a:camera prst="orthographicFront"/>
+      <a:lightRig rig="threePt" dir="t"/>
+    </dgm:scene3d>
+    <dgm:sp3d/>
+    <dgm:txPr/>
+    <dgm:style>
+      <a:lnRef idx="1">
+        <a:scrgbClr r="0" g="0" b="0"/>
+      </a:lnRef>
+      <a:fillRef idx="1">
+        <a:scrgbClr r="0" g="0" b="0"/>
+      </a:fillRef>
+      <a:effectRef idx="2">
+        <a:scrgbClr r="0" g="0" b="0"/>
+      </a:effectRef>
+      <a:fontRef idx="minor"/>
+    </dgm:style>
+  </dgm:styleLbl>
+  <dgm:styleLbl name="conFgAcc1">
+    <dgm:scene3d>
+      <a:camera prst="orthographicFront"/>
+      <a:lightRig rig="threePt" dir="t"/>
+    </dgm:scene3d>
+    <dgm:sp3d/>
+    <dgm:txPr/>
+    <dgm:style>
+      <a:lnRef idx="1">
+        <a:scrgbClr r="0" g="0" b="0"/>
+      </a:lnRef>
+      <a:fillRef idx="1">
+        <a:scrgbClr r="0" g="0" b="0"/>
+      </a:fillRef>
+      <a:effectRef idx="2">
+        <a:scrgbClr r="0" g="0" b="0"/>
+      </a:effectRef>
+      <a:fontRef idx="minor"/>
+    </dgm:style>
+  </dgm:styleLbl>
+  <dgm:styleLbl name="alignAcc1">
+    <dgm:scene3d>
+      <a:camera prst="orthographicFront"/>
+      <a:lightRig rig="threePt" dir="t"/>
+    </dgm:scene3d>
+    <dgm:sp3d/>
+    <dgm:txPr/>
+    <dgm:style>
+      <a:lnRef idx="1">
+        <a:scrgbClr r="0" g="0" b="0"/>
+      </a:lnRef>
+      <a:fillRef idx="1">
+        <a:scrgbClr r="0" g="0" b="0"/>
+      </a:fillRef>
+      <a:effectRef idx="2">
+        <a:scrgbClr r="0" g="0" b="0"/>
+      </a:effectRef>
+      <a:fontRef idx="minor"/>
+    </dgm:style>
+  </dgm:styleLbl>
+  <dgm:styleLbl name="trAlignAcc1">
+    <dgm:scene3d>
+      <a:camera prst="orthographicFront"/>
+      <a:lightRig rig="threePt" dir="t"/>
+    </dgm:scene3d>
+    <dgm:sp3d/>
+    <dgm:txPr/>
+    <dgm:style>
+      <a:lnRef idx="1">
+        <a:scrgbClr r="0" g="0" b="0"/>
+      </a:lnRef>
+      <a:fillRef idx="1">
+        <a:scrgbClr r="0" g="0" b="0"/>
+      </a:fillRef>
+      <a:effectRef idx="0">
+        <a:scrgbClr r="0" g="0" b="0"/>
+      </a:effectRef>
+      <a:fontRef idx="minor"/>
+    </dgm:style>
+  </dgm:styleLbl>
+  <dgm:styleLbl name="bgAcc1">
+    <dgm:scene3d>
+      <a:camera prst="orthographicFront"/>
+      <a:lightRig rig="threePt" dir="t"/>
+    </dgm:scene3d>
+    <dgm:sp3d/>
+    <dgm:txPr/>
+    <dgm:style>
+      <a:lnRef idx="1">
+        <a:scrgbClr r="0" g="0" b="0"/>
+      </a:lnRef>
+      <a:fillRef idx="1">
+        <a:scrgbClr r="0" g="0" b="0"/>
+      </a:fillRef>
+      <a:effectRef idx="2">
+        <a:scrgbClr r="0" g="0" b="0"/>
+      </a:effectRef>
+      <a:fontRef idx="minor"/>
+    </dgm:style>
+  </dgm:styleLbl>
+  <dgm:styleLbl name="solidFgAcc1">
+    <dgm:scene3d>
+      <a:camera prst="orthographicFront"/>
+      <a:lightRig rig="threePt" dir="t"/>
+    </dgm:scene3d>
+    <dgm:sp3d/>
+    <dgm:txPr/>
+    <dgm:style>
+      <a:lnRef idx="1">
+        <a:scrgbClr r="0" g="0" b="0"/>
+      </a:lnRef>
+      <a:fillRef idx="1">
+        <a:scrgbClr r="0" g="0" b="0"/>
+      </a:fillRef>
+      <a:effectRef idx="2">
+        <a:scrgbClr r="0" g="0" b="0"/>
+      </a:effectRef>
+      <a:fontRef idx="minor"/>
+    </dgm:style>
+  </dgm:styleLbl>
+  <dgm:styleLbl name="solidAlignAcc1">
+    <dgm:scene3d>
+      <a:camera prst="orthographicFront"/>
+      <a:lightRig rig="threePt" dir="t"/>
+    </dgm:scene3d>
+    <dgm:sp3d/>
+    <dgm:txPr/>
+    <dgm:style>
+      <a:lnRef idx="1">
+        <a:scrgbClr r="0" g="0" b="0"/>
+      </a:lnRef>
+      <a:fillRef idx="1">
+        <a:scrgbClr r="0" g="0" b="0"/>
+      </a:fillRef>
+      <a:effectRef idx="3">
+        <a:scrgbClr r="0" g="0" b="0"/>
+      </a:effectRef>
+      <a:fontRef idx="minor"/>
+    </dgm:style>
+  </dgm:styleLbl>
+  <dgm:styleLbl name="solidBgAcc1">
+    <dgm:scene3d>
+      <a:camera prst="orthographicFront"/>
+      <a:lightRig rig="threePt" dir="t"/>
+    </dgm:scene3d>
+    <dgm:sp3d/>
+    <dgm:txPr/>
+    <dgm:style>
+      <a:lnRef idx="1">
+        <a:scrgbClr r="0" g="0" b="0"/>
+      </a:lnRef>
+      <a:fillRef idx="1">
+        <a:scrgbClr r="0" g="0" b="0"/>
+      </a:fillRef>
+      <a:effectRef idx="3">
+        <a:scrgbClr r="0" g="0" b="0"/>
+      </a:effectRef>
+      <a:fontRef idx="minor"/>
+    </dgm:style>
+  </dgm:styleLbl>
+  <dgm:styleLbl name="fgAccFollowNode1">
+    <dgm:scene3d>
+      <a:camera prst="orthographicFront"/>
+      <a:lightRig rig="threePt" dir="t"/>
+    </dgm:scene3d>
+    <dgm:sp3d/>
+    <dgm:txPr/>
+    <dgm:style>
+      <a:lnRef idx="1">
+        <a:scrgbClr r="0" g="0" b="0"/>
+      </a:lnRef>
+      <a:fillRef idx="1">
+        <a:scrgbClr r="0" g="0" b="0"/>
+      </a:fillRef>
+      <a:effectRef idx="2">
+        <a:scrgbClr r="0" g="0" b="0"/>
+      </a:effectRef>
+      <a:fontRef idx="minor"/>
+    </dgm:style>
+  </dgm:styleLbl>
+  <dgm:styleLbl name="alignAccFollowNode1">
+    <dgm:scene3d>
+      <a:camera prst="orthographicFront"/>
+      <a:lightRig rig="threePt" dir="t"/>
+    </dgm:scene3d>
+    <dgm:sp3d/>
+    <dgm:txPr/>
+    <dgm:style>
+      <a:lnRef idx="1">
+        <a:scrgbClr r="0" g="0" b="0"/>
+      </a:lnRef>
+      <a:fillRef idx="1">
+        <a:scrgbClr r="0" g="0" b="0"/>
+      </a:fillRef>
+      <a:effectRef idx="2">
+        <a:scrgbClr r="0" g="0" b="0"/>
+      </a:effectRef>
+      <a:fontRef idx="minor"/>
+    </dgm:style>
+  </dgm:styleLbl>
+  <dgm:styleLbl name="bgAccFollowNode1">
+    <dgm:scene3d>
+      <a:camera prst="orthographicFront"/>
+      <a:lightRig rig="threePt" dir="t"/>
+    </dgm:scene3d>
+    <dgm:sp3d/>
+    <dgm:txPr/>
+    <dgm:style>
+      <a:lnRef idx="1">
+        <a:scrgbClr r="0" g="0" b="0"/>
+      </a:lnRef>
+      <a:fillRef idx="1">
+        <a:scrgbClr r="0" g="0" b="0"/>
+      </a:fillRef>
+      <a:effectRef idx="2">
+        <a:scrgbClr r="0" g="0" b="0"/>
+      </a:effectRef>
+      <a:fontRef idx="minor"/>
+    </dgm:style>
+  </dgm:styleLbl>
+  <dgm:styleLbl name="fgAcc0">
+    <dgm:scene3d>
+      <a:camera prst="orthographicFront"/>
+      <a:lightRig rig="threePt" dir="t"/>
+    </dgm:scene3d>
+    <dgm:sp3d/>
+    <dgm:txPr/>
+    <dgm:style>
+      <a:lnRef idx="1">
+        <a:scrgbClr r="0" g="0" b="0"/>
+      </a:lnRef>
+      <a:fillRef idx="1">
+        <a:scrgbClr r="0" g="0" b="0"/>
+      </a:fillRef>
+      <a:effectRef idx="2">
+        <a:scrgbClr r="0" g="0" b="0"/>
+      </a:effectRef>
+      <a:fontRef idx="minor"/>
+    </dgm:style>
+  </dgm:styleLbl>
+  <dgm:styleLbl name="fgAcc2">
+    <dgm:scene3d>
+      <a:camera prst="orthographicFront"/>
+      <a:lightRig rig="threePt" dir="t"/>
+    </dgm:scene3d>
+    <dgm:sp3d/>
+    <dgm:txPr/>
+    <dgm:style>
+      <a:lnRef idx="1">
+        <a:scrgbClr r="0" g="0" b="0"/>
+      </a:lnRef>
+      <a:fillRef idx="1">
+        <a:scrgbClr r="0" g="0" b="0"/>
+      </a:fillRef>
+      <a:effectRef idx="2">
+        <a:scrgbClr r="0" g="0" b="0"/>
+      </a:effectRef>
+      <a:fontRef idx="minor"/>
+    </dgm:style>
+  </dgm:styleLbl>
+  <dgm:styleLbl name="fgAcc3">
+    <dgm:scene3d>
+      <a:camera prst="orthographicFront"/>
+      <a:lightRig rig="threePt" dir="t"/>
+    </dgm:scene3d>
+    <dgm:sp3d/>
+    <dgm:txPr/>
+    <dgm:style>
+      <a:lnRef idx="1">
+        <a:scrgbClr r="0" g="0" b="0"/>
+      </a:lnRef>
+      <a:fillRef idx="1">
+        <a:scrgbClr r="0" g="0" b="0"/>
+      </a:fillRef>
+      <a:effectRef idx="2">
+        <a:scrgbClr r="0" g="0" b="0"/>
+      </a:effectRef>
+      <a:fontRef idx="minor"/>
+    </dgm:style>
+  </dgm:styleLbl>
+  <dgm:styleLbl name="fgAcc4">
+    <dgm:scene3d>
+      <a:camera prst="orthographicFront"/>
+      <a:lightRig rig="threePt" dir="t"/>
+    </dgm:scene3d>
+    <dgm:sp3d/>
+    <dgm:txPr/>
+    <dgm:style>
+      <a:lnRef idx="1">
+        <a:scrgbClr r="0" g="0" b="0"/>
+      </a:lnRef>
+      <a:fillRef idx="1">
+        <a:scrgbClr r="0" g="0" b="0"/>
+      </a:fillRef>
+      <a:effectRef idx="2">
+        <a:scrgbClr r="0" g="0" b="0"/>
+      </a:effectRef>
+      <a:fontRef idx="minor"/>
+    </dgm:style>
+  </dgm:styleLbl>
+  <dgm:styleLbl name="bgShp">
+    <dgm:scene3d>
+      <a:camera prst="orthographicFront"/>
+      <a:lightRig rig="threePt" dir="t"/>
+    </dgm:scene3d>
+    <dgm:sp3d/>
+    <dgm:txPr/>
+    <dgm:style>
+      <a:lnRef idx="0">
+        <a:scrgbClr r="0" g="0" b="0"/>
+      </a:lnRef>
+      <a:fillRef idx="1">
+        <a:scrgbClr r="0" g="0" b="0"/>
+      </a:fillRef>
+      <a:effectRef idx="2">
+        <a:scrgbClr r="0" g="0" b="0"/>
+      </a:effectRef>
+      <a:fontRef idx="minor"/>
+    </dgm:style>
+  </dgm:styleLbl>
+  <dgm:styleLbl name="dkBgShp">
+    <dgm:scene3d>
+      <a:camera prst="orthographicFront"/>
+      <a:lightRig rig="threePt" dir="t"/>
+    </dgm:scene3d>
+    <dgm:sp3d/>
+    <dgm:txPr/>
+    <dgm:style>
+      <a:lnRef idx="0">
+        <a:scrgbClr r="0" g="0" b="0"/>
+      </a:lnRef>
+      <a:fillRef idx="1">
+        <a:scrgbClr r="0" g="0" b="0"/>
+      </a:fillRef>
+      <a:effectRef idx="3">
+        <a:scrgbClr r="0" g="0" b="0"/>
+      </a:effectRef>
+      <a:fontRef idx="minor"/>
+    </dgm:style>
+  </dgm:styleLbl>
+  <dgm:styleLbl name="trBgShp">
+    <dgm:scene3d>
+      <a:camera prst="orthographicFront"/>
+      <a:lightRig rig="threePt" dir="t"/>
+    </dgm:scene3d>
+    <dgm:sp3d/>
+    <dgm:txPr/>
+    <dgm:style>
+      <a:lnRef idx="0">
+        <a:scrgbClr r="0" g="0" b="0"/>
+      </a:lnRef>
+      <a:fillRef idx="1">
+        <a:scrgbClr r="0" g="0" b="0"/>
+      </a:fillRef>
+      <a:effectRef idx="0">
+        <a:scrgbClr r="0" g="0" b="0"/>
+      </a:effectRef>
+      <a:fontRef idx="minor"/>
+    </dgm:style>
+  </dgm:styleLbl>
+  <dgm:styleLbl name="fgShp">
+    <dgm:scene3d>
+      <a:camera prst="orthographicFront"/>
+      <a:lightRig rig="threePt" dir="t"/>
+    </dgm:scene3d>
+    <dgm:sp3d/>
+    <dgm:txPr/>
+    <dgm:style>
+      <a:lnRef idx="0">
+        <a:scrgbClr r="0" g="0" b="0"/>
+      </a:lnRef>
+      <a:fillRef idx="3">
+        <a:scrgbClr r="0" g="0" b="0"/>
+      </a:fillRef>
+      <a:effectRef idx="3">
+        <a:scrgbClr r="0" g="0" b="0"/>
+      </a:effectRef>
+      <a:fontRef idx="minor"/>
+    </dgm:style>
+  </dgm:styleLbl>
+  <dgm:styleLbl name="revTx">
+    <dgm:scene3d>
+      <a:camera prst="orthographicFront"/>
+      <a:lightRig rig="threePt" dir="t"/>
+    </dgm:scene3d>
+    <dgm:sp3d/>
+    <dgm:txPr/>
+    <dgm:style>
+      <a:lnRef idx="0">
+        <a:scrgbClr r="0" g="0" b="0"/>
+      </a:lnRef>
+      <a:fillRef idx="0">
+        <a:scrgbClr r="0" g="0" b="0"/>
+      </a:fillRef>
+      <a:effectRef idx="0">
+        <a:scrgbClr r="0" g="0" b="0"/>
+      </a:effectRef>
+      <a:fontRef idx="minor"/>
+    </dgm:style>
+  </dgm:styleLbl>
+</dgm:styleDef>
 </file>
 
 <file path=ppt/slideLayouts/slideLayout1.xml><?xml version="1.0" encoding="utf-8"?>
@@ -3991,6 +7680,279 @@
       </p:grpSpPr>
       <p:sp>
         <p:nvSpPr>
+          <p:cNvPr id="2" name="Título 1">
+            <a:extLst>
+              <a:ext uri="{FF2B5EF4-FFF2-40B4-BE49-F238E27FC236}">
+                <a16:creationId xmlns:a16="http://schemas.microsoft.com/office/drawing/2014/main" id="{BC6B6873-00AD-4153-8178-FAFDD91BE6AD}"/>
+              </a:ext>
+            </a:extLst>
+          </p:cNvPr>
+          <p:cNvSpPr>
+            <a:spLocks noGrp="1"/>
+          </p:cNvSpPr>
+          <p:nvPr>
+            <p:ph type="title"/>
+          </p:nvPr>
+        </p:nvSpPr>
+        <p:spPr>
+          <a:xfrm>
+            <a:off x="1136428" y="627564"/>
+            <a:ext cx="7474172" cy="1325563"/>
+          </a:xfrm>
+        </p:spPr>
+        <p:txBody>
+          <a:bodyPr>
+            <a:normAutofit/>
+          </a:bodyPr>
+          <a:lstStyle/>
+          <a:p>
+            <a:r>
+              <a:rPr lang="it-IT" dirty="0"/>
+              <a:t>Conclusions</a:t>
+            </a:r>
+            <a:endParaRPr lang="es-CL" dirty="0"/>
+          </a:p>
+        </p:txBody>
+      </p:sp>
+      <p:sp>
+        <p:nvSpPr>
+          <p:cNvPr id="10" name="Content Placeholder 9">
+            <a:extLst>
+              <a:ext uri="{FF2B5EF4-FFF2-40B4-BE49-F238E27FC236}">
+                <a16:creationId xmlns:a16="http://schemas.microsoft.com/office/drawing/2014/main" id="{22D2386E-1E06-4597-BB7B-81CEECAAF85A}"/>
+              </a:ext>
+            </a:extLst>
+          </p:cNvPr>
+          <p:cNvSpPr>
+            <a:spLocks noGrp="1"/>
+          </p:cNvSpPr>
+          <p:nvPr>
+            <p:ph idx="1"/>
+          </p:nvPr>
+        </p:nvSpPr>
+        <p:spPr>
+          <a:xfrm>
+            <a:off x="1136429" y="2278173"/>
+            <a:ext cx="6467867" cy="3450613"/>
+          </a:xfrm>
+        </p:spPr>
+        <p:txBody>
+          <a:bodyPr anchor="ctr">
+            <a:normAutofit/>
+          </a:bodyPr>
+          <a:lstStyle/>
+          <a:p>
+            <a:endParaRPr lang="en-US" sz="2400"/>
+          </a:p>
+        </p:txBody>
+      </p:sp>
+      <p:sp>
+        <p:nvSpPr>
+          <p:cNvPr id="13" name="Rectangle 12">
+            <a:extLst>
+              <a:ext uri="{FF2B5EF4-FFF2-40B4-BE49-F238E27FC236}">
+                <a16:creationId xmlns:a16="http://schemas.microsoft.com/office/drawing/2014/main" id="{59A309A7-1751-4ABE-A3C1-EEC40366AD89}"/>
+              </a:ext>
+              <a:ext uri="{C183D7F6-B498-43B3-948B-1728B52AA6E4}">
+                <adec:decorative xmlns:adec="http://schemas.microsoft.com/office/drawing/2017/decorative" val="1"/>
+              </a:ext>
+            </a:extLst>
+          </p:cNvPr>
+          <p:cNvSpPr>
+            <a:spLocks noGrp="1" noRot="1" noChangeAspect="1" noMove="1" noResize="1" noEditPoints="1" noAdjustHandles="1" noChangeArrowheads="1" noChangeShapeType="1" noTextEdit="1"/>
+          </p:cNvSpPr>
+          <p:nvPr>
+            <p:extLst>
+              <p:ext uri="{386F3935-93C4-4BCD-93E2-E3B085C9AB24}">
+                <p16:designElem xmlns:p16="http://schemas.microsoft.com/office/powerpoint/2015/main" val="1"/>
+              </p:ext>
+            </p:extLst>
+          </p:nvPr>
+        </p:nvSpPr>
+        <p:spPr>
+          <a:xfrm>
+            <a:off x="10088880" y="0"/>
+            <a:ext cx="2103120" cy="6858000"/>
+          </a:xfrm>
+          <a:prstGeom prst="rect">
+            <a:avLst/>
+          </a:prstGeom>
+          <a:solidFill>
+            <a:schemeClr val="accent1"/>
+          </a:solidFill>
+          <a:ln>
+            <a:noFill/>
+          </a:ln>
+        </p:spPr>
+        <p:style>
+          <a:lnRef idx="2">
+            <a:schemeClr val="accent1">
+              <a:shade val="50000"/>
+            </a:schemeClr>
+          </a:lnRef>
+          <a:fillRef idx="1">
+            <a:schemeClr val="accent1"/>
+          </a:fillRef>
+          <a:effectRef idx="0">
+            <a:schemeClr val="accent1"/>
+          </a:effectRef>
+          <a:fontRef idx="minor">
+            <a:schemeClr val="lt1"/>
+          </a:fontRef>
+        </p:style>
+        <p:txBody>
+          <a:bodyPr rtlCol="0" anchor="ctr"/>
+          <a:lstStyle/>
+          <a:p>
+            <a:pPr algn="ctr"/>
+            <a:endParaRPr lang="en-US"/>
+          </a:p>
+        </p:txBody>
+      </p:sp>
+      <p:sp>
+        <p:nvSpPr>
+          <p:cNvPr id="15" name="Oval 14">
+            <a:extLst>
+              <a:ext uri="{FF2B5EF4-FFF2-40B4-BE49-F238E27FC236}">
+                <a16:creationId xmlns:a16="http://schemas.microsoft.com/office/drawing/2014/main" id="{967D8EB6-EAE1-4F9C-B398-83321E287204}"/>
+              </a:ext>
+              <a:ext uri="{C183D7F6-B498-43B3-948B-1728B52AA6E4}">
+                <adec:decorative xmlns:adec="http://schemas.microsoft.com/office/drawing/2017/decorative" val="1"/>
+              </a:ext>
+            </a:extLst>
+          </p:cNvPr>
+          <p:cNvSpPr>
+            <a:spLocks noGrp="1" noRot="1" noChangeAspect="1" noMove="1" noResize="1" noEditPoints="1" noAdjustHandles="1" noChangeArrowheads="1" noChangeShapeType="1" noTextEdit="1"/>
+          </p:cNvSpPr>
+          <p:nvPr>
+            <p:extLst>
+              <p:ext uri="{386F3935-93C4-4BCD-93E2-E3B085C9AB24}">
+                <p16:designElem xmlns:p16="http://schemas.microsoft.com/office/powerpoint/2015/main" val="1"/>
+              </p:ext>
+            </p:extLst>
+          </p:nvPr>
+        </p:nvSpPr>
+        <p:spPr>
+          <a:xfrm>
+            <a:off x="8915400" y="2358913"/>
+            <a:ext cx="2140172" cy="2140172"/>
+          </a:xfrm>
+          <a:prstGeom prst="ellipse">
+            <a:avLst/>
+          </a:prstGeom>
+          <a:solidFill>
+            <a:srgbClr val="FFFFFF"/>
+          </a:solidFill>
+          <a:ln w="22225">
+            <a:solidFill>
+              <a:schemeClr val="accent1"/>
+            </a:solidFill>
+          </a:ln>
+        </p:spPr>
+        <p:style>
+          <a:lnRef idx="2">
+            <a:schemeClr val="accent1">
+              <a:shade val="50000"/>
+            </a:schemeClr>
+          </a:lnRef>
+          <a:fillRef idx="1">
+            <a:schemeClr val="accent1"/>
+          </a:fillRef>
+          <a:effectRef idx="0">
+            <a:schemeClr val="accent1"/>
+          </a:effectRef>
+          <a:fontRef idx="minor">
+            <a:schemeClr val="lt1"/>
+          </a:fontRef>
+        </p:style>
+        <p:txBody>
+          <a:bodyPr rtlCol="0" anchor="ctr"/>
+          <a:lstStyle/>
+          <a:p>
+            <a:pPr algn="ctr"/>
+            <a:endParaRPr lang="en-US"/>
+          </a:p>
+        </p:txBody>
+      </p:sp>
+      <p:pic>
+        <p:nvPicPr>
+          <p:cNvPr id="8" name="Marcador de contenido 4" descr="Opinión del cliente ">
+            <a:extLst>
+              <a:ext uri="{FF2B5EF4-FFF2-40B4-BE49-F238E27FC236}">
+                <a16:creationId xmlns:a16="http://schemas.microsoft.com/office/drawing/2014/main" id="{2B85C747-496B-4678-8284-152F7CB841AD}"/>
+              </a:ext>
+            </a:extLst>
+          </p:cNvPr>
+          <p:cNvPicPr>
+            <a:picLocks noChangeAspect="1"/>
+          </p:cNvPicPr>
+          <p:nvPr/>
+        </p:nvPicPr>
+        <p:blipFill>
+          <a:blip r:embed="rId2">
+            <a:extLst>
+              <a:ext uri="{28A0092B-C50C-407E-A947-70E740481C1C}">
+                <a14:useLocalDpi xmlns:a14="http://schemas.microsoft.com/office/drawing/2010/main" val="0"/>
+              </a:ext>
+              <a:ext uri="{96DAC541-7B7A-43D3-8B79-37D633B846F1}">
+                <asvg:svgBlip xmlns:asvg="http://schemas.microsoft.com/office/drawing/2016/SVG/main" r:embed="rId3"/>
+              </a:ext>
+            </a:extLst>
+          </a:blip>
+          <a:stretch>
+            <a:fillRect/>
+          </a:stretch>
+        </p:blipFill>
+        <p:spPr>
+          <a:xfrm>
+            <a:off x="9413987" y="2857501"/>
+            <a:ext cx="1142998" cy="1142998"/>
+          </a:xfrm>
+          <a:prstGeom prst="rect">
+            <a:avLst/>
+          </a:prstGeom>
+        </p:spPr>
+      </p:pic>
+    </p:spTree>
+    <p:extLst>
+      <p:ext uri="{BB962C8B-B14F-4D97-AF65-F5344CB8AC3E}">
+        <p14:creationId xmlns:p14="http://schemas.microsoft.com/office/powerpoint/2010/main" val="1420552764"/>
+      </p:ext>
+    </p:extLst>
+  </p:cSld>
+  <p:clrMapOvr>
+    <a:masterClrMapping/>
+  </p:clrMapOvr>
+</p:sld>
+</file>
+
+<file path=ppt/slides/slide11.xml><?xml version="1.0" encoding="utf-8"?>
+<p:sld xmlns:a="http://schemas.openxmlformats.org/drawingml/2006/main" xmlns:r="http://schemas.openxmlformats.org/officeDocument/2006/relationships" xmlns:p="http://schemas.openxmlformats.org/presentationml/2006/main">
+  <p:cSld>
+    <p:bg>
+      <p:bgPr>
+        <a:solidFill>
+          <a:schemeClr val="bg1"/>
+        </a:solidFill>
+        <a:effectLst/>
+      </p:bgPr>
+    </p:bg>
+    <p:spTree>
+      <p:nvGrpSpPr>
+        <p:cNvPr id="1" name=""/>
+        <p:cNvGrpSpPr/>
+        <p:nvPr/>
+      </p:nvGrpSpPr>
+      <p:grpSpPr>
+        <a:xfrm>
+          <a:off x="0" y="0"/>
+          <a:ext cx="0" cy="0"/>
+          <a:chOff x="0" y="0"/>
+          <a:chExt cx="0" cy="0"/>
+        </a:xfrm>
+      </p:grpSpPr>
+      <p:sp>
+        <p:nvSpPr>
           <p:cNvPr id="11" name="Freeform 14">
             <a:extLst>
               <a:ext uri="{FF2B5EF4-FFF2-40B4-BE49-F238E27FC236}">
@@ -4884,7 +8846,7 @@
           <p:cNvPr id="2" name="Título 1">
             <a:extLst>
               <a:ext uri="{FF2B5EF4-FFF2-40B4-BE49-F238E27FC236}">
-                <a16:creationId xmlns:a16="http://schemas.microsoft.com/office/drawing/2014/main" id="{680A63C6-DB90-4275-8D07-B77BF1581E62}"/>
+                <a16:creationId xmlns:a16="http://schemas.microsoft.com/office/drawing/2014/main" id="{C0C3A489-BD10-4840-9BB4-E68D78730765}"/>
               </a:ext>
             </a:extLst>
           </p:cNvPr>
@@ -4897,7 +8859,7 @@
         </p:nvSpPr>
         <p:spPr>
           <a:xfrm>
-            <a:off x="733586" y="647511"/>
+            <a:off x="1136428" y="627564"/>
             <a:ext cx="7474172" cy="1325563"/>
           </a:xfrm>
         </p:spPr>
@@ -4908,23 +8870,16 @@
           <a:lstStyle/>
           <a:p>
             <a:r>
-              <a:rPr lang="es-CL" dirty="0"/>
-              <a:t>Data </a:t>
-            </a:r>
-            <a:r>
-              <a:rPr lang="es-CL" dirty="0" err="1"/>
-              <a:t>collection</a:t>
-            </a:r>
-            <a:r>
-              <a:rPr lang="es-CL" dirty="0"/>
-              <a:t> </a:t>
-            </a:r>
+              <a:rPr lang="it-IT" dirty="0"/>
+              <a:t>Overview</a:t>
+            </a:r>
+            <a:endParaRPr lang="es-CL" dirty="0"/>
           </a:p>
         </p:txBody>
       </p:sp>
       <p:sp>
         <p:nvSpPr>
-          <p:cNvPr id="35" name="Rectangle 34">
+          <p:cNvPr id="11" name="Rectangle 10">
             <a:extLst>
               <a:ext uri="{FF2B5EF4-FFF2-40B4-BE49-F238E27FC236}">
                 <a16:creationId xmlns:a16="http://schemas.microsoft.com/office/drawing/2014/main" id="{59A309A7-1751-4ABE-A3C1-EEC40366AD89}"/>
@@ -4987,7 +8942,7 @@
       </p:sp>
       <p:sp>
         <p:nvSpPr>
-          <p:cNvPr id="37" name="Oval 36">
+          <p:cNvPr id="13" name="Oval 12">
             <a:extLst>
               <a:ext uri="{FF2B5EF4-FFF2-40B4-BE49-F238E27FC236}">
                 <a16:creationId xmlns:a16="http://schemas.microsoft.com/office/drawing/2014/main" id="{967D8EB6-EAE1-4F9C-B398-83321E287204}"/>
@@ -5052,25 +9007,26 @@
       </p:sp>
       <p:pic>
         <p:nvPicPr>
-          <p:cNvPr id="33" name="Marcador de contenido 32">
-            <a:extLst>
-              <a:ext uri="{FF2B5EF4-FFF2-40B4-BE49-F238E27FC236}">
-                <a16:creationId xmlns:a16="http://schemas.microsoft.com/office/drawing/2014/main" id="{70D55692-976F-441D-8F2F-ED533381F3D1}"/>
+          <p:cNvPr id="6" name="Gráfico 5" descr="Piezas de rompecabezas">
+            <a:extLst>
+              <a:ext uri="{FF2B5EF4-FFF2-40B4-BE49-F238E27FC236}">
+                <a16:creationId xmlns:a16="http://schemas.microsoft.com/office/drawing/2014/main" id="{6C3D1872-4792-47E3-9A2A-F647203492F2}"/>
               </a:ext>
             </a:extLst>
           </p:cNvPr>
           <p:cNvPicPr>
-            <a:picLocks noGrp="1" noChangeAspect="1"/>
+            <a:picLocks noChangeAspect="1"/>
           </p:cNvPicPr>
-          <p:nvPr>
-            <p:ph idx="1"/>
-          </p:nvPr>
+          <p:nvPr/>
         </p:nvPicPr>
         <p:blipFill>
           <a:blip r:embed="rId2">
             <a:extLst>
               <a:ext uri="{28A0092B-C50C-407E-A947-70E740481C1C}">
                 <a14:useLocalDpi xmlns:a14="http://schemas.microsoft.com/office/drawing/2010/main" val="0"/>
+              </a:ext>
+              <a:ext uri="{96DAC541-7B7A-43D3-8B79-37D633B846F1}">
+                <asvg:svgBlip xmlns:asvg="http://schemas.microsoft.com/office/drawing/2016/SVG/main" r:embed="rId3"/>
               </a:ext>
             </a:extLst>
           </a:blip>
@@ -5080,195 +9036,49 @@
         </p:blipFill>
         <p:spPr>
           <a:xfrm>
-            <a:off x="9172767" y="2819125"/>
-            <a:ext cx="1620000" cy="1274113"/>
-          </a:xfrm>
-        </p:spPr>
-      </p:pic>
-      <p:pic>
-        <p:nvPicPr>
-          <p:cNvPr id="38" name="Imagen 37" descr="Imagen que contiene hierba, árbol, exterior, persona&#10;&#10;Descripción generada automáticamente">
-            <a:extLst>
-              <a:ext uri="{FF2B5EF4-FFF2-40B4-BE49-F238E27FC236}">
-                <a16:creationId xmlns:a16="http://schemas.microsoft.com/office/drawing/2014/main" id="{B8A7556F-5053-4655-91D4-578727AB88E2}"/>
-              </a:ext>
-            </a:extLst>
-          </p:cNvPr>
-          <p:cNvPicPr>
-            <a:picLocks noChangeAspect="1"/>
-          </p:cNvPicPr>
-          <p:nvPr/>
-        </p:nvPicPr>
-        <p:blipFill>
-          <a:blip r:embed="rId3">
-            <a:extLst>
-              <a:ext uri="{28A0092B-C50C-407E-A947-70E740481C1C}">
-                <a14:useLocalDpi xmlns:a14="http://schemas.microsoft.com/office/drawing/2010/main" val="0"/>
-              </a:ext>
-            </a:extLst>
-          </a:blip>
-          <a:stretch>
-            <a:fillRect/>
-          </a:stretch>
-        </p:blipFill>
-        <p:spPr>
-          <a:xfrm>
-            <a:off x="1838769" y="2448946"/>
-            <a:ext cx="1728000" cy="3556078"/>
+            <a:off x="9413987" y="2857501"/>
+            <a:ext cx="1142998" cy="1142998"/>
           </a:xfrm>
           <a:prstGeom prst="rect">
             <a:avLst/>
           </a:prstGeom>
         </p:spPr>
       </p:pic>
-      <p:pic>
-        <p:nvPicPr>
-          <p:cNvPr id="40" name="Imagen 39" descr="Imagen que contiene exterior, hierba, árbol, edificio&#10;&#10;Descripción generada automáticamente">
-            <a:extLst>
-              <a:ext uri="{FF2B5EF4-FFF2-40B4-BE49-F238E27FC236}">
-                <a16:creationId xmlns:a16="http://schemas.microsoft.com/office/drawing/2014/main" id="{0DDAB354-40E1-4832-B154-35C0493E9099}"/>
-              </a:ext>
-            </a:extLst>
-          </p:cNvPr>
-          <p:cNvPicPr>
-            <a:picLocks noChangeAspect="1"/>
-          </p:cNvPicPr>
-          <p:nvPr/>
-        </p:nvPicPr>
-        <p:blipFill>
-          <a:blip r:embed="rId4">
-            <a:extLst>
-              <a:ext uri="{28A0092B-C50C-407E-A947-70E740481C1C}">
-                <a14:useLocalDpi xmlns:a14="http://schemas.microsoft.com/office/drawing/2010/main" val="0"/>
-              </a:ext>
-            </a:extLst>
-          </a:blip>
-          <a:stretch>
-            <a:fillRect/>
-          </a:stretch>
-        </p:blipFill>
-        <p:spPr>
-          <a:xfrm>
-            <a:off x="5355486" y="2440067"/>
-            <a:ext cx="1728000" cy="3556078"/>
-          </a:xfrm>
-          <a:prstGeom prst="rect">
-            <a:avLst/>
-          </a:prstGeom>
-        </p:spPr>
-      </p:pic>
-      <p:pic>
-        <p:nvPicPr>
-          <p:cNvPr id="42" name="Imagen 41" descr="Imagen que contiene hierba, exterior, cielo, persona&#10;&#10;Descripción generada automáticamente">
-            <a:extLst>
-              <a:ext uri="{FF2B5EF4-FFF2-40B4-BE49-F238E27FC236}">
-                <a16:creationId xmlns:a16="http://schemas.microsoft.com/office/drawing/2014/main" id="{BAE86A07-69E1-464F-B8ED-0B914A4ACB3B}"/>
-              </a:ext>
-            </a:extLst>
-          </p:cNvPr>
-          <p:cNvPicPr>
-            <a:picLocks noChangeAspect="1"/>
-          </p:cNvPicPr>
-          <p:nvPr/>
-        </p:nvPicPr>
-        <p:blipFill>
-          <a:blip r:embed="rId5">
-            <a:extLst>
-              <a:ext uri="{28A0092B-C50C-407E-A947-70E740481C1C}">
-                <a14:useLocalDpi xmlns:a14="http://schemas.microsoft.com/office/drawing/2010/main" val="0"/>
-              </a:ext>
-            </a:extLst>
-          </a:blip>
-          <a:stretch>
-            <a:fillRect/>
-          </a:stretch>
-        </p:blipFill>
-        <p:spPr>
-          <a:xfrm>
-            <a:off x="7130313" y="2413433"/>
-            <a:ext cx="1728000" cy="3556078"/>
-          </a:xfrm>
-          <a:prstGeom prst="rect">
-            <a:avLst/>
-          </a:prstGeom>
-        </p:spPr>
-      </p:pic>
-      <p:pic>
-        <p:nvPicPr>
-          <p:cNvPr id="44" name="Imagen 43" descr="Imagen que contiene árbol, exterior, hierba, cielo&#10;&#10;Descripción generada automáticamente">
-            <a:extLst>
-              <a:ext uri="{FF2B5EF4-FFF2-40B4-BE49-F238E27FC236}">
-                <a16:creationId xmlns:a16="http://schemas.microsoft.com/office/drawing/2014/main" id="{D3ECB85F-1B2C-4A32-AFD7-5DC3E0FF2498}"/>
-              </a:ext>
-            </a:extLst>
-          </p:cNvPr>
-          <p:cNvPicPr>
-            <a:picLocks noChangeAspect="1"/>
-          </p:cNvPicPr>
-          <p:nvPr/>
-        </p:nvPicPr>
-        <p:blipFill>
-          <a:blip r:embed="rId6">
-            <a:extLst>
-              <a:ext uri="{28A0092B-C50C-407E-A947-70E740481C1C}">
-                <a14:useLocalDpi xmlns:a14="http://schemas.microsoft.com/office/drawing/2010/main" val="0"/>
-              </a:ext>
-            </a:extLst>
-          </a:blip>
-          <a:stretch>
-            <a:fillRect/>
-          </a:stretch>
-        </p:blipFill>
-        <p:spPr>
-          <a:xfrm>
-            <a:off x="3606672" y="2440070"/>
-            <a:ext cx="1728000" cy="3556078"/>
-          </a:xfrm>
-          <a:prstGeom prst="rect">
-            <a:avLst/>
-          </a:prstGeom>
-        </p:spPr>
-      </p:pic>
-      <p:pic>
-        <p:nvPicPr>
-          <p:cNvPr id="46" name="Imagen 45" descr="Imagen que contiene exterior, hierba, árbol, cielo&#10;&#10;Descripción generada automáticamente">
-            <a:extLst>
-              <a:ext uri="{FF2B5EF4-FFF2-40B4-BE49-F238E27FC236}">
-                <a16:creationId xmlns:a16="http://schemas.microsoft.com/office/drawing/2014/main" id="{13CB8CDC-0B14-402A-9865-8718E1CAF3E3}"/>
-              </a:ext>
-            </a:extLst>
-          </p:cNvPr>
-          <p:cNvPicPr>
-            <a:picLocks noChangeAspect="1"/>
-          </p:cNvPicPr>
-          <p:nvPr/>
-        </p:nvPicPr>
-        <p:blipFill>
-          <a:blip r:embed="rId7">
-            <a:extLst>
-              <a:ext uri="{28A0092B-C50C-407E-A947-70E740481C1C}">
-                <a14:useLocalDpi xmlns:a14="http://schemas.microsoft.com/office/drawing/2010/main" val="0"/>
-              </a:ext>
-            </a:extLst>
-          </a:blip>
-          <a:stretch>
-            <a:fillRect/>
-          </a:stretch>
-        </p:blipFill>
-        <p:spPr>
-          <a:xfrm>
-            <a:off x="64202" y="2440068"/>
-            <a:ext cx="1728000" cy="3556078"/>
-          </a:xfrm>
-          <a:prstGeom prst="rect">
-            <a:avLst/>
-          </a:prstGeom>
-        </p:spPr>
-      </p:pic>
+      <p:graphicFrame>
+        <p:nvGraphicFramePr>
+          <p:cNvPr id="4" name="Marcador de contenido 3">
+            <a:extLst>
+              <a:ext uri="{FF2B5EF4-FFF2-40B4-BE49-F238E27FC236}">
+                <a16:creationId xmlns:a16="http://schemas.microsoft.com/office/drawing/2014/main" id="{2D0D3499-ADF0-45D8-A0ED-082C07F4891E}"/>
+              </a:ext>
+            </a:extLst>
+          </p:cNvPr>
+          <p:cNvGraphicFramePr>
+            <a:graphicFrameLocks noGrp="1"/>
+          </p:cNvGraphicFramePr>
+          <p:nvPr>
+            <p:ph idx="1"/>
+            <p:extLst>
+              <p:ext uri="{D42A27DB-BD31-4B8C-83A1-F6EECF244321}">
+                <p14:modId xmlns:p14="http://schemas.microsoft.com/office/powerpoint/2010/main" val="4233437250"/>
+              </p:ext>
+            </p:extLst>
+          </p:nvPr>
+        </p:nvGraphicFramePr>
+        <p:xfrm>
+          <a:off x="1136429" y="2278173"/>
+          <a:ext cx="6467867" cy="3450613"/>
+        </p:xfrm>
+        <a:graphic>
+          <a:graphicData uri="http://schemas.openxmlformats.org/drawingml/2006/diagram">
+            <dgm:relIds xmlns:dgm="http://schemas.openxmlformats.org/drawingml/2006/diagram" xmlns:r="http://schemas.openxmlformats.org/officeDocument/2006/relationships" r:dm="rId4" r:lo="rId5" r:qs="rId6" r:cs="rId7"/>
+          </a:graphicData>
+        </a:graphic>
+      </p:graphicFrame>
     </p:spTree>
     <p:extLst>
       <p:ext uri="{BB962C8B-B14F-4D97-AF65-F5344CB8AC3E}">
-        <p14:creationId xmlns:p14="http://schemas.microsoft.com/office/powerpoint/2010/main" val="3236887287"/>
+        <p14:creationId xmlns:p14="http://schemas.microsoft.com/office/powerpoint/2010/main" val="4264635736"/>
       </p:ext>
     </p:extLst>
   </p:cSld>
@@ -5308,7 +9118,7 @@
           <p:cNvPr id="2" name="Título 1">
             <a:extLst>
               <a:ext uri="{FF2B5EF4-FFF2-40B4-BE49-F238E27FC236}">
-                <a16:creationId xmlns:a16="http://schemas.microsoft.com/office/drawing/2014/main" id="{C2D97D29-B99C-4A7E-8006-843F383E6B3F}"/>
+                <a16:creationId xmlns:a16="http://schemas.microsoft.com/office/drawing/2014/main" id="{680A63C6-DB90-4275-8D07-B77BF1581E62}"/>
               </a:ext>
             </a:extLst>
           </p:cNvPr>
@@ -5321,7 +9131,7 @@
         </p:nvSpPr>
         <p:spPr>
           <a:xfrm>
-            <a:off x="1136428" y="627564"/>
+            <a:off x="733586" y="647511"/>
             <a:ext cx="7474172" cy="1325563"/>
           </a:xfrm>
         </p:spPr>
@@ -5332,99 +9142,23 @@
           <a:lstStyle/>
           <a:p>
             <a:r>
-              <a:rPr lang="it-IT" dirty="0"/>
-              <a:t>The Data</a:t>
-            </a:r>
-            <a:endParaRPr lang="es-CL" dirty="0"/>
+              <a:rPr lang="es-CL" dirty="0"/>
+              <a:t>Data </a:t>
+            </a:r>
+            <a:r>
+              <a:rPr lang="es-CL" dirty="0" err="1"/>
+              <a:t>collection</a:t>
+            </a:r>
+            <a:r>
+              <a:rPr lang="es-CL" dirty="0"/>
+              <a:t> </a:t>
+            </a:r>
           </a:p>
         </p:txBody>
       </p:sp>
       <p:sp>
         <p:nvSpPr>
-          <p:cNvPr id="10" name="Content Placeholder 9">
-            <a:extLst>
-              <a:ext uri="{FF2B5EF4-FFF2-40B4-BE49-F238E27FC236}">
-                <a16:creationId xmlns:a16="http://schemas.microsoft.com/office/drawing/2014/main" id="{305E49DF-DD97-45E2-878F-7A5B9AA2CAED}"/>
-              </a:ext>
-            </a:extLst>
-          </p:cNvPr>
-          <p:cNvSpPr>
-            <a:spLocks noGrp="1"/>
-          </p:cNvSpPr>
-          <p:nvPr>
-            <p:ph idx="1"/>
-          </p:nvPr>
-        </p:nvSpPr>
-        <p:spPr>
-          <a:xfrm>
-            <a:off x="754504" y="1861844"/>
-            <a:ext cx="6467867" cy="4277309"/>
-          </a:xfrm>
-        </p:spPr>
-        <p:txBody>
-          <a:bodyPr anchor="ctr">
-            <a:normAutofit/>
-          </a:bodyPr>
-          <a:lstStyle/>
-          <a:p>
-            <a:r>
-              <a:rPr lang="en-US" sz="2400" dirty="0"/>
-              <a:t>5 files, one for each person of the group</a:t>
-            </a:r>
-          </a:p>
-          <a:p>
-            <a:r>
-              <a:rPr lang="en-US" sz="2400" dirty="0"/>
-              <a:t>15 minutes of recording</a:t>
-            </a:r>
-          </a:p>
-          <a:p>
-            <a:r>
-              <a:rPr lang="en-US" sz="2400" dirty="0"/>
-              <a:t>Initial features:</a:t>
-            </a:r>
-          </a:p>
-          <a:p>
-            <a:pPr lvl="1"/>
-            <a:r>
-              <a:rPr lang="en-US" sz="2000" dirty="0"/>
-              <a:t>Linear Accelerometer Sensor</a:t>
-            </a:r>
-          </a:p>
-          <a:p>
-            <a:pPr lvl="1"/>
-            <a:r>
-              <a:rPr lang="en-US" sz="2000" dirty="0"/>
-              <a:t>Acceleration on the x axis</a:t>
-            </a:r>
-          </a:p>
-          <a:p>
-            <a:pPr lvl="1"/>
-            <a:r>
-              <a:rPr lang="en-US" sz="2000" dirty="0"/>
-              <a:t>Acceleration on the y axis</a:t>
-            </a:r>
-          </a:p>
-          <a:p>
-            <a:pPr lvl="1"/>
-            <a:r>
-              <a:rPr lang="en-US" sz="2000" dirty="0"/>
-              <a:t>Acceleration on the z axis</a:t>
-            </a:r>
-          </a:p>
-          <a:p>
-            <a:pPr lvl="1"/>
-            <a:endParaRPr lang="en-US" sz="2000" dirty="0"/>
-          </a:p>
-          <a:p>
-            <a:pPr lvl="1"/>
-            <a:endParaRPr lang="en-US" sz="2000" dirty="0"/>
-          </a:p>
-        </p:txBody>
-      </p:sp>
-      <p:sp>
-        <p:nvSpPr>
-          <p:cNvPr id="13" name="Rectangle 12">
+          <p:cNvPr id="35" name="Rectangle 34">
             <a:extLst>
               <a:ext uri="{FF2B5EF4-FFF2-40B4-BE49-F238E27FC236}">
                 <a16:creationId xmlns:a16="http://schemas.microsoft.com/office/drawing/2014/main" id="{59A309A7-1751-4ABE-A3C1-EEC40366AD89}"/>
@@ -5487,7 +9221,7 @@
       </p:sp>
       <p:sp>
         <p:nvSpPr>
-          <p:cNvPr id="15" name="Oval 14">
+          <p:cNvPr id="37" name="Oval 36">
             <a:extLst>
               <a:ext uri="{FF2B5EF4-FFF2-40B4-BE49-F238E27FC236}">
                 <a16:creationId xmlns:a16="http://schemas.microsoft.com/office/drawing/2014/main" id="{967D8EB6-EAE1-4F9C-B398-83321E287204}"/>
@@ -5552,26 +9286,25 @@
       </p:sp>
       <p:pic>
         <p:nvPicPr>
-          <p:cNvPr id="8" name="Marcador de contenido 4" descr="Clip">
-            <a:extLst>
-              <a:ext uri="{FF2B5EF4-FFF2-40B4-BE49-F238E27FC236}">
-                <a16:creationId xmlns:a16="http://schemas.microsoft.com/office/drawing/2014/main" id="{5FA2DE1A-B768-4300-A484-40C99F07520F}"/>
+          <p:cNvPr id="33" name="Marcador de contenido 32">
+            <a:extLst>
+              <a:ext uri="{FF2B5EF4-FFF2-40B4-BE49-F238E27FC236}">
+                <a16:creationId xmlns:a16="http://schemas.microsoft.com/office/drawing/2014/main" id="{70D55692-976F-441D-8F2F-ED533381F3D1}"/>
               </a:ext>
             </a:extLst>
           </p:cNvPr>
           <p:cNvPicPr>
-            <a:picLocks noChangeAspect="1"/>
+            <a:picLocks noGrp="1" noChangeAspect="1"/>
           </p:cNvPicPr>
-          <p:nvPr/>
+          <p:nvPr>
+            <p:ph idx="1"/>
+          </p:nvPr>
         </p:nvPicPr>
         <p:blipFill>
           <a:blip r:embed="rId2">
             <a:extLst>
               <a:ext uri="{28A0092B-C50C-407E-A947-70E740481C1C}">
                 <a14:useLocalDpi xmlns:a14="http://schemas.microsoft.com/office/drawing/2010/main" val="0"/>
-              </a:ext>
-              <a:ext uri="{96DAC541-7B7A-43D3-8B79-37D633B846F1}">
-                <asvg:svgBlip xmlns:asvg="http://schemas.microsoft.com/office/drawing/2016/SVG/main" r:embed="rId3"/>
               </a:ext>
             </a:extLst>
           </a:blip>
@@ -5581,8 +9314,185 @@
         </p:blipFill>
         <p:spPr>
           <a:xfrm>
-            <a:off x="9413987" y="2857501"/>
-            <a:ext cx="1142998" cy="1142998"/>
+            <a:off x="9172767" y="2819125"/>
+            <a:ext cx="1620000" cy="1274113"/>
+          </a:xfrm>
+        </p:spPr>
+      </p:pic>
+      <p:pic>
+        <p:nvPicPr>
+          <p:cNvPr id="38" name="Imagen 37" descr="Imagen que contiene hierba, árbol, exterior, persona&#10;&#10;Descripción generada automáticamente">
+            <a:extLst>
+              <a:ext uri="{FF2B5EF4-FFF2-40B4-BE49-F238E27FC236}">
+                <a16:creationId xmlns:a16="http://schemas.microsoft.com/office/drawing/2014/main" id="{B8A7556F-5053-4655-91D4-578727AB88E2}"/>
+              </a:ext>
+            </a:extLst>
+          </p:cNvPr>
+          <p:cNvPicPr>
+            <a:picLocks noChangeAspect="1"/>
+          </p:cNvPicPr>
+          <p:nvPr/>
+        </p:nvPicPr>
+        <p:blipFill>
+          <a:blip r:embed="rId3">
+            <a:extLst>
+              <a:ext uri="{28A0092B-C50C-407E-A947-70E740481C1C}">
+                <a14:useLocalDpi xmlns:a14="http://schemas.microsoft.com/office/drawing/2010/main" val="0"/>
+              </a:ext>
+            </a:extLst>
+          </a:blip>
+          <a:stretch>
+            <a:fillRect/>
+          </a:stretch>
+        </p:blipFill>
+        <p:spPr>
+          <a:xfrm>
+            <a:off x="1838769" y="2448946"/>
+            <a:ext cx="1728000" cy="3556078"/>
+          </a:xfrm>
+          <a:prstGeom prst="rect">
+            <a:avLst/>
+          </a:prstGeom>
+        </p:spPr>
+      </p:pic>
+      <p:pic>
+        <p:nvPicPr>
+          <p:cNvPr id="40" name="Imagen 39" descr="Imagen que contiene exterior, hierba, árbol, edificio&#10;&#10;Descripción generada automáticamente">
+            <a:extLst>
+              <a:ext uri="{FF2B5EF4-FFF2-40B4-BE49-F238E27FC236}">
+                <a16:creationId xmlns:a16="http://schemas.microsoft.com/office/drawing/2014/main" id="{0DDAB354-40E1-4832-B154-35C0493E9099}"/>
+              </a:ext>
+            </a:extLst>
+          </p:cNvPr>
+          <p:cNvPicPr>
+            <a:picLocks noChangeAspect="1"/>
+          </p:cNvPicPr>
+          <p:nvPr/>
+        </p:nvPicPr>
+        <p:blipFill>
+          <a:blip r:embed="rId4">
+            <a:extLst>
+              <a:ext uri="{28A0092B-C50C-407E-A947-70E740481C1C}">
+                <a14:useLocalDpi xmlns:a14="http://schemas.microsoft.com/office/drawing/2010/main" val="0"/>
+              </a:ext>
+            </a:extLst>
+          </a:blip>
+          <a:stretch>
+            <a:fillRect/>
+          </a:stretch>
+        </p:blipFill>
+        <p:spPr>
+          <a:xfrm>
+            <a:off x="5355486" y="2440067"/>
+            <a:ext cx="1728000" cy="3556078"/>
+          </a:xfrm>
+          <a:prstGeom prst="rect">
+            <a:avLst/>
+          </a:prstGeom>
+        </p:spPr>
+      </p:pic>
+      <p:pic>
+        <p:nvPicPr>
+          <p:cNvPr id="42" name="Imagen 41" descr="Imagen que contiene hierba, exterior, cielo, persona&#10;&#10;Descripción generada automáticamente">
+            <a:extLst>
+              <a:ext uri="{FF2B5EF4-FFF2-40B4-BE49-F238E27FC236}">
+                <a16:creationId xmlns:a16="http://schemas.microsoft.com/office/drawing/2014/main" id="{BAE86A07-69E1-464F-B8ED-0B914A4ACB3B}"/>
+              </a:ext>
+            </a:extLst>
+          </p:cNvPr>
+          <p:cNvPicPr>
+            <a:picLocks noChangeAspect="1"/>
+          </p:cNvPicPr>
+          <p:nvPr/>
+        </p:nvPicPr>
+        <p:blipFill>
+          <a:blip r:embed="rId5">
+            <a:extLst>
+              <a:ext uri="{28A0092B-C50C-407E-A947-70E740481C1C}">
+                <a14:useLocalDpi xmlns:a14="http://schemas.microsoft.com/office/drawing/2010/main" val="0"/>
+              </a:ext>
+            </a:extLst>
+          </a:blip>
+          <a:stretch>
+            <a:fillRect/>
+          </a:stretch>
+        </p:blipFill>
+        <p:spPr>
+          <a:xfrm>
+            <a:off x="7130313" y="2413433"/>
+            <a:ext cx="1728000" cy="3556078"/>
+          </a:xfrm>
+          <a:prstGeom prst="rect">
+            <a:avLst/>
+          </a:prstGeom>
+        </p:spPr>
+      </p:pic>
+      <p:pic>
+        <p:nvPicPr>
+          <p:cNvPr id="44" name="Imagen 43" descr="Imagen que contiene árbol, exterior, hierba, cielo&#10;&#10;Descripción generada automáticamente">
+            <a:extLst>
+              <a:ext uri="{FF2B5EF4-FFF2-40B4-BE49-F238E27FC236}">
+                <a16:creationId xmlns:a16="http://schemas.microsoft.com/office/drawing/2014/main" id="{D3ECB85F-1B2C-4A32-AFD7-5DC3E0FF2498}"/>
+              </a:ext>
+            </a:extLst>
+          </p:cNvPr>
+          <p:cNvPicPr>
+            <a:picLocks noChangeAspect="1"/>
+          </p:cNvPicPr>
+          <p:nvPr/>
+        </p:nvPicPr>
+        <p:blipFill>
+          <a:blip r:embed="rId6">
+            <a:extLst>
+              <a:ext uri="{28A0092B-C50C-407E-A947-70E740481C1C}">
+                <a14:useLocalDpi xmlns:a14="http://schemas.microsoft.com/office/drawing/2010/main" val="0"/>
+              </a:ext>
+            </a:extLst>
+          </a:blip>
+          <a:stretch>
+            <a:fillRect/>
+          </a:stretch>
+        </p:blipFill>
+        <p:spPr>
+          <a:xfrm>
+            <a:off x="3606672" y="2440070"/>
+            <a:ext cx="1728000" cy="3556078"/>
+          </a:xfrm>
+          <a:prstGeom prst="rect">
+            <a:avLst/>
+          </a:prstGeom>
+        </p:spPr>
+      </p:pic>
+      <p:pic>
+        <p:nvPicPr>
+          <p:cNvPr id="46" name="Imagen 45" descr="Imagen que contiene exterior, hierba, árbol, cielo&#10;&#10;Descripción generada automáticamente">
+            <a:extLst>
+              <a:ext uri="{FF2B5EF4-FFF2-40B4-BE49-F238E27FC236}">
+                <a16:creationId xmlns:a16="http://schemas.microsoft.com/office/drawing/2014/main" id="{13CB8CDC-0B14-402A-9865-8718E1CAF3E3}"/>
+              </a:ext>
+            </a:extLst>
+          </p:cNvPr>
+          <p:cNvPicPr>
+            <a:picLocks noChangeAspect="1"/>
+          </p:cNvPicPr>
+          <p:nvPr/>
+        </p:nvPicPr>
+        <p:blipFill>
+          <a:blip r:embed="rId7">
+            <a:extLst>
+              <a:ext uri="{28A0092B-C50C-407E-A947-70E740481C1C}">
+                <a14:useLocalDpi xmlns:a14="http://schemas.microsoft.com/office/drawing/2010/main" val="0"/>
+              </a:ext>
+            </a:extLst>
+          </a:blip>
+          <a:stretch>
+            <a:fillRect/>
+          </a:stretch>
+        </p:blipFill>
+        <p:spPr>
+          <a:xfrm>
+            <a:off x="64202" y="2440068"/>
+            <a:ext cx="1728000" cy="3556078"/>
           </a:xfrm>
           <a:prstGeom prst="rect">
             <a:avLst/>
@@ -5592,7 +9502,7 @@
     </p:spTree>
     <p:extLst>
       <p:ext uri="{BB962C8B-B14F-4D97-AF65-F5344CB8AC3E}">
-        <p14:creationId xmlns:p14="http://schemas.microsoft.com/office/powerpoint/2010/main" val="1554796593"/>
+        <p14:creationId xmlns:p14="http://schemas.microsoft.com/office/powerpoint/2010/main" val="3236887287"/>
       </p:ext>
     </p:extLst>
   </p:cSld>
@@ -5632,7 +9542,7 @@
           <p:cNvPr id="2" name="Título 1">
             <a:extLst>
               <a:ext uri="{FF2B5EF4-FFF2-40B4-BE49-F238E27FC236}">
-                <a16:creationId xmlns:a16="http://schemas.microsoft.com/office/drawing/2014/main" id="{8D5F1878-5E4F-4DC4-80F6-3C8A3E8C3553}"/>
+                <a16:creationId xmlns:a16="http://schemas.microsoft.com/office/drawing/2014/main" id="{C2D97D29-B99C-4A7E-8006-843F383E6B3F}"/>
               </a:ext>
             </a:extLst>
           </p:cNvPr>
@@ -5656,12 +9566,8 @@
           <a:lstStyle/>
           <a:p>
             <a:r>
-              <a:rPr lang="es-CL" dirty="0"/>
-              <a:t>Data </a:t>
-            </a:r>
-            <a:r>
-              <a:rPr lang="es-CL" dirty="0" err="1"/>
-              <a:t>Pre-processing</a:t>
+              <a:rPr lang="it-IT" dirty="0"/>
+              <a:t>The Data</a:t>
             </a:r>
             <a:endParaRPr lang="es-CL" dirty="0"/>
           </a:p>
@@ -5672,7 +9578,7 @@
           <p:cNvPr id="10" name="Content Placeholder 9">
             <a:extLst>
               <a:ext uri="{FF2B5EF4-FFF2-40B4-BE49-F238E27FC236}">
-                <a16:creationId xmlns:a16="http://schemas.microsoft.com/office/drawing/2014/main" id="{336454E6-7436-4EAF-9FB8-7F6D7B873499}"/>
+                <a16:creationId xmlns:a16="http://schemas.microsoft.com/office/drawing/2014/main" id="{305E49DF-DD97-45E2-878F-7A5B9AA2CAED}"/>
               </a:ext>
             </a:extLst>
           </p:cNvPr>
@@ -5685,8 +9591,8 @@
         </p:nvSpPr>
         <p:spPr>
           <a:xfrm>
-            <a:off x="637841" y="1953127"/>
-            <a:ext cx="6467867" cy="3450613"/>
+            <a:off x="754504" y="1861844"/>
+            <a:ext cx="6467867" cy="4277309"/>
           </a:xfrm>
         </p:spPr>
         <p:txBody>
@@ -5697,67 +9603,56 @@
           <a:p>
             <a:r>
               <a:rPr lang="en-US" sz="2400" dirty="0"/>
-              <a:t>Dealing with noisy data:</a:t>
+              <a:t>5 files, one for each person of the group</a:t>
+            </a:r>
+          </a:p>
+          <a:p>
+            <a:r>
+              <a:rPr lang="en-US" sz="2400" dirty="0"/>
+              <a:t>15 minutes of recording</a:t>
+            </a:r>
+          </a:p>
+          <a:p>
+            <a:r>
+              <a:rPr lang="en-US" sz="2400" dirty="0"/>
+              <a:t>Initial features:</a:t>
             </a:r>
           </a:p>
           <a:p>
             <a:pPr lvl="1"/>
             <a:r>
               <a:rPr lang="en-US" sz="2000" dirty="0"/>
-              <a:t>Removed 1 minute on the beginning and 1 minutes on the end of each record</a:t>
+              <a:t>Linear Accelerometer Sensor</a:t>
             </a:r>
           </a:p>
           <a:p>
             <a:pPr lvl="1"/>
             <a:r>
               <a:rPr lang="en-US" sz="2000" dirty="0"/>
-              <a:t>Filtering the data: low-pass and high-pass filter</a:t>
-            </a:r>
-          </a:p>
-          <a:p>
-            <a:r>
-              <a:rPr lang="en-US" sz="2400" dirty="0"/>
-              <a:t>Dealing with null-values</a:t>
-            </a:r>
-          </a:p>
-          <a:p>
-            <a:r>
-              <a:rPr lang="en-US" sz="2400" dirty="0"/>
-              <a:t>Time bins </a:t>
-            </a:r>
-            <a:r>
-              <a:rPr lang="en-US" sz="2400" dirty="0">
-                <a:sym typeface="Wingdings" panose="05000000000000000000" pitchFamily="2" charset="2"/>
-              </a:rPr>
-              <a:t> Multiresolution Analysis</a:t>
+              <a:t>Acceleration on the x axis</a:t>
             </a:r>
           </a:p>
           <a:p>
             <a:pPr lvl="1"/>
             <a:r>
-              <a:rPr lang="en-US" sz="2000" dirty="0">
-                <a:sym typeface="Wingdings" panose="05000000000000000000" pitchFamily="2" charset="2"/>
-              </a:rPr>
-              <a:t>Window size</a:t>
+              <a:rPr lang="en-US" sz="2000" dirty="0"/>
+              <a:t>Acceleration on the y axis</a:t>
             </a:r>
           </a:p>
           <a:p>
             <a:pPr lvl="1"/>
             <a:r>
-              <a:rPr lang="en-US" sz="2000" dirty="0">
-                <a:sym typeface="Wingdings" panose="05000000000000000000" pitchFamily="2" charset="2"/>
-              </a:rPr>
-              <a:t>Overlap</a:t>
-            </a:r>
-          </a:p>
-          <a:p>
-            <a:r>
-              <a:rPr lang="en-US" sz="2400" dirty="0">
-                <a:sym typeface="Wingdings" panose="05000000000000000000" pitchFamily="2" charset="2"/>
-              </a:rPr>
-              <a:t>Features generation</a:t>
-            </a:r>
-            <a:endParaRPr lang="en-US" sz="2400" dirty="0"/>
+              <a:rPr lang="en-US" sz="2000" dirty="0"/>
+              <a:t>Acceleration on the z axis</a:t>
+            </a:r>
+          </a:p>
+          <a:p>
+            <a:pPr lvl="1"/>
+            <a:endParaRPr lang="en-US" sz="2000" dirty="0"/>
+          </a:p>
+          <a:p>
+            <a:pPr lvl="1"/>
+            <a:endParaRPr lang="en-US" sz="2000" dirty="0"/>
           </a:p>
         </p:txBody>
       </p:sp>
@@ -5891,10 +9786,10 @@
       </p:sp>
       <p:pic>
         <p:nvPicPr>
-          <p:cNvPr id="8" name="Marcador de contenido 4" descr="Investigación">
-            <a:extLst>
-              <a:ext uri="{FF2B5EF4-FFF2-40B4-BE49-F238E27FC236}">
-                <a16:creationId xmlns:a16="http://schemas.microsoft.com/office/drawing/2014/main" id="{348E3356-88CA-4E76-B027-239D1613D581}"/>
+          <p:cNvPr id="8" name="Marcador de contenido 4" descr="Clip">
+            <a:extLst>
+              <a:ext uri="{FF2B5EF4-FFF2-40B4-BE49-F238E27FC236}">
+                <a16:creationId xmlns:a16="http://schemas.microsoft.com/office/drawing/2014/main" id="{5FA2DE1A-B768-4300-A484-40C99F07520F}"/>
               </a:ext>
             </a:extLst>
           </p:cNvPr>
@@ -5931,7 +9826,7 @@
     </p:spTree>
     <p:extLst>
       <p:ext uri="{BB962C8B-B14F-4D97-AF65-F5344CB8AC3E}">
-        <p14:creationId xmlns:p14="http://schemas.microsoft.com/office/powerpoint/2010/main" val="4066734272"/>
+        <p14:creationId xmlns:p14="http://schemas.microsoft.com/office/powerpoint/2010/main" val="1554796593"/>
       </p:ext>
     </p:extLst>
   </p:cSld>
@@ -5971,7 +9866,7 @@
           <p:cNvPr id="2" name="Título 1">
             <a:extLst>
               <a:ext uri="{FF2B5EF4-FFF2-40B4-BE49-F238E27FC236}">
-                <a16:creationId xmlns:a16="http://schemas.microsoft.com/office/drawing/2014/main" id="{4F810F9C-F4DA-410F-8CC9-607E29B41CD3}"/>
+                <a16:creationId xmlns:a16="http://schemas.microsoft.com/office/drawing/2014/main" id="{8D5F1878-5E4F-4DC4-80F6-3C8A3E8C3553}"/>
               </a:ext>
             </a:extLst>
           </p:cNvPr>
@@ -5984,7 +9879,7 @@
         </p:nvSpPr>
         <p:spPr>
           <a:xfrm>
-            <a:off x="457941" y="441133"/>
+            <a:off x="1136428" y="627564"/>
             <a:ext cx="7474172" cy="1325563"/>
           </a:xfrm>
         </p:spPr>
@@ -5995,46 +9890,111 @@
           <a:lstStyle/>
           <a:p>
             <a:r>
-              <a:rPr lang="en-US" dirty="0">
+              <a:rPr lang="es-CL" dirty="0"/>
+              <a:t>Data </a:t>
+            </a:r>
+            <a:r>
+              <a:rPr lang="es-CL" dirty="0" err="1"/>
+              <a:t>Pre-processing</a:t>
+            </a:r>
+            <a:endParaRPr lang="es-CL" dirty="0"/>
+          </a:p>
+        </p:txBody>
+      </p:sp>
+      <p:sp>
+        <p:nvSpPr>
+          <p:cNvPr id="10" name="Content Placeholder 9">
+            <a:extLst>
+              <a:ext uri="{FF2B5EF4-FFF2-40B4-BE49-F238E27FC236}">
+                <a16:creationId xmlns:a16="http://schemas.microsoft.com/office/drawing/2014/main" id="{336454E6-7436-4EAF-9FB8-7F6D7B873499}"/>
+              </a:ext>
+            </a:extLst>
+          </p:cNvPr>
+          <p:cNvSpPr>
+            <a:spLocks noGrp="1"/>
+          </p:cNvSpPr>
+          <p:nvPr>
+            <p:ph idx="1"/>
+          </p:nvPr>
+        </p:nvSpPr>
+        <p:spPr>
+          <a:xfrm>
+            <a:off x="637841" y="1953127"/>
+            <a:ext cx="6467867" cy="3450613"/>
+          </a:xfrm>
+        </p:spPr>
+        <p:txBody>
+          <a:bodyPr anchor="ctr">
+            <a:normAutofit/>
+          </a:bodyPr>
+          <a:lstStyle/>
+          <a:p>
+            <a:r>
+              <a:rPr lang="en-US" sz="2400" dirty="0"/>
+              <a:t>Dealing with noisy data:</a:t>
+            </a:r>
+          </a:p>
+          <a:p>
+            <a:pPr lvl="1"/>
+            <a:r>
+              <a:rPr lang="en-US" sz="2000" dirty="0"/>
+              <a:t>Removed 1 minute on the beginning and 1 minutes on the end of each record</a:t>
+            </a:r>
+          </a:p>
+          <a:p>
+            <a:pPr lvl="1"/>
+            <a:r>
+              <a:rPr lang="en-US" sz="2000" dirty="0"/>
+              <a:t>Filtering the data: low-pass and high-pass filter</a:t>
+            </a:r>
+          </a:p>
+          <a:p>
+            <a:r>
+              <a:rPr lang="en-US" sz="2400" dirty="0"/>
+              <a:t>Dealing with null-values</a:t>
+            </a:r>
+          </a:p>
+          <a:p>
+            <a:r>
+              <a:rPr lang="en-US" sz="2400" dirty="0"/>
+              <a:t>Time bins </a:t>
+            </a:r>
+            <a:r>
+              <a:rPr lang="en-US" sz="2400" dirty="0">
+                <a:sym typeface="Wingdings" panose="05000000000000000000" pitchFamily="2" charset="2"/>
+              </a:rPr>
+              <a:t> Multiresolution Analysis</a:t>
+            </a:r>
+          </a:p>
+          <a:p>
+            <a:pPr lvl="1"/>
+            <a:r>
+              <a:rPr lang="en-US" sz="2000" dirty="0">
+                <a:sym typeface="Wingdings" panose="05000000000000000000" pitchFamily="2" charset="2"/>
+              </a:rPr>
+              <a:t>Window size</a:t>
+            </a:r>
+          </a:p>
+          <a:p>
+            <a:pPr lvl="1"/>
+            <a:r>
+              <a:rPr lang="en-US" sz="2000" dirty="0">
+                <a:sym typeface="Wingdings" panose="05000000000000000000" pitchFamily="2" charset="2"/>
+              </a:rPr>
+              <a:t>Overlap</a:t>
+            </a:r>
+          </a:p>
+          <a:p>
+            <a:r>
+              <a:rPr lang="en-US" sz="2400" dirty="0">
                 <a:sym typeface="Wingdings" panose="05000000000000000000" pitchFamily="2" charset="2"/>
               </a:rPr>
               <a:t>Features generation</a:t>
             </a:r>
-            <a:endParaRPr lang="en-US" dirty="0"/>
+            <a:endParaRPr lang="en-US" sz="2400" dirty="0"/>
           </a:p>
         </p:txBody>
       </p:sp>
-      <p:pic>
-        <p:nvPicPr>
-          <p:cNvPr id="6" name="Marcador de contenido 5">
-            <a:extLst>
-              <a:ext uri="{FF2B5EF4-FFF2-40B4-BE49-F238E27FC236}">
-                <a16:creationId xmlns:a16="http://schemas.microsoft.com/office/drawing/2014/main" id="{60FF147C-7802-4C12-9115-B59E2156B16A}"/>
-              </a:ext>
-            </a:extLst>
-          </p:cNvPr>
-          <p:cNvPicPr>
-            <a:picLocks noGrp="1" noChangeAspect="1"/>
-          </p:cNvPicPr>
-          <p:nvPr>
-            <p:ph idx="1"/>
-          </p:nvPr>
-        </p:nvPicPr>
-        <p:blipFill rotWithShape="1">
-          <a:blip r:embed="rId2"/>
-          <a:srcRect l="20387" t="31628" r="37144" b="16776"/>
-          <a:stretch/>
-        </p:blipFill>
-        <p:spPr>
-          <a:xfrm>
-            <a:off x="1618578" y="1865116"/>
-            <a:ext cx="6959375" cy="4755938"/>
-          </a:xfrm>
-          <a:prstGeom prst="rect">
-            <a:avLst/>
-          </a:prstGeom>
-        </p:spPr>
-      </p:pic>
       <p:sp>
         <p:nvSpPr>
           <p:cNvPr id="13" name="Rectangle 12">
@@ -6165,10 +10125,10 @@
       </p:sp>
       <p:pic>
         <p:nvPicPr>
-          <p:cNvPr id="8" name="Marcador de contenido 4" descr="Herramientas">
-            <a:extLst>
-              <a:ext uri="{FF2B5EF4-FFF2-40B4-BE49-F238E27FC236}">
-                <a16:creationId xmlns:a16="http://schemas.microsoft.com/office/drawing/2014/main" id="{C455202F-E4DB-4491-9895-45A1391A66F5}"/>
+          <p:cNvPr id="8" name="Marcador de contenido 4" descr="Investigación">
+            <a:extLst>
+              <a:ext uri="{FF2B5EF4-FFF2-40B4-BE49-F238E27FC236}">
+                <a16:creationId xmlns:a16="http://schemas.microsoft.com/office/drawing/2014/main" id="{348E3356-88CA-4E76-B027-239D1613D581}"/>
               </a:ext>
             </a:extLst>
           </p:cNvPr>
@@ -6178,13 +10138,13 @@
           <p:nvPr/>
         </p:nvPicPr>
         <p:blipFill>
-          <a:blip r:embed="rId3">
+          <a:blip r:embed="rId2">
             <a:extLst>
               <a:ext uri="{28A0092B-C50C-407E-A947-70E740481C1C}">
                 <a14:useLocalDpi xmlns:a14="http://schemas.microsoft.com/office/drawing/2010/main" val="0"/>
               </a:ext>
               <a:ext uri="{96DAC541-7B7A-43D3-8B79-37D633B846F1}">
-                <asvg:svgBlip xmlns:asvg="http://schemas.microsoft.com/office/drawing/2016/SVG/main" r:embed="rId4"/>
+                <asvg:svgBlip xmlns:asvg="http://schemas.microsoft.com/office/drawing/2016/SVG/main" r:embed="rId3"/>
               </a:ext>
             </a:extLst>
           </a:blip>
@@ -6205,7 +10165,7 @@
     </p:spTree>
     <p:extLst>
       <p:ext uri="{BB962C8B-B14F-4D97-AF65-F5344CB8AC3E}">
-        <p14:creationId xmlns:p14="http://schemas.microsoft.com/office/powerpoint/2010/main" val="4041380615"/>
+        <p14:creationId xmlns:p14="http://schemas.microsoft.com/office/powerpoint/2010/main" val="4066734272"/>
       </p:ext>
     </p:extLst>
   </p:cSld>
@@ -6245,7 +10205,7 @@
           <p:cNvPr id="2" name="Título 1">
             <a:extLst>
               <a:ext uri="{FF2B5EF4-FFF2-40B4-BE49-F238E27FC236}">
-                <a16:creationId xmlns:a16="http://schemas.microsoft.com/office/drawing/2014/main" id="{33156675-1AA6-4DB6-B270-81F6B7D6DCD4}"/>
+                <a16:creationId xmlns:a16="http://schemas.microsoft.com/office/drawing/2014/main" id="{4F810F9C-F4DA-410F-8CC9-607E29B41CD3}"/>
               </a:ext>
             </a:extLst>
           </p:cNvPr>
@@ -6258,7 +10218,7 @@
         </p:nvSpPr>
         <p:spPr>
           <a:xfrm>
-            <a:off x="1136428" y="627564"/>
+            <a:off x="457941" y="441133"/>
             <a:ext cx="7474172" cy="1325563"/>
           </a:xfrm>
         </p:spPr>
@@ -6269,104 +10229,46 @@
           <a:lstStyle/>
           <a:p>
             <a:r>
-              <a:rPr lang="it-IT" dirty="0"/>
-              <a:t>Model elicitation</a:t>
-            </a:r>
-            <a:endParaRPr lang="es-CL" dirty="0"/>
+              <a:rPr lang="en-US" dirty="0">
+                <a:sym typeface="Wingdings" panose="05000000000000000000" pitchFamily="2" charset="2"/>
+              </a:rPr>
+              <a:t>Features generation</a:t>
+            </a:r>
+            <a:endParaRPr lang="en-US" dirty="0"/>
           </a:p>
         </p:txBody>
       </p:sp>
-      <p:sp>
-        <p:nvSpPr>
-          <p:cNvPr id="10" name="Content Placeholder 9">
-            <a:extLst>
-              <a:ext uri="{FF2B5EF4-FFF2-40B4-BE49-F238E27FC236}">
-                <a16:creationId xmlns:a16="http://schemas.microsoft.com/office/drawing/2014/main" id="{1CFF0258-07B4-4E0A-B16E-A3F615CD45DA}"/>
-              </a:ext>
-            </a:extLst>
-          </p:cNvPr>
-          <p:cNvSpPr>
-            <a:spLocks noGrp="1"/>
-          </p:cNvSpPr>
+      <p:pic>
+        <p:nvPicPr>
+          <p:cNvPr id="6" name="Marcador de contenido 5">
+            <a:extLst>
+              <a:ext uri="{FF2B5EF4-FFF2-40B4-BE49-F238E27FC236}">
+                <a16:creationId xmlns:a16="http://schemas.microsoft.com/office/drawing/2014/main" id="{60FF147C-7802-4C12-9115-B59E2156B16A}"/>
+              </a:ext>
+            </a:extLst>
+          </p:cNvPr>
+          <p:cNvPicPr>
+            <a:picLocks noGrp="1" noChangeAspect="1"/>
+          </p:cNvPicPr>
           <p:nvPr>
             <p:ph idx="1"/>
           </p:nvPr>
-        </p:nvSpPr>
+        </p:nvPicPr>
+        <p:blipFill rotWithShape="1">
+          <a:blip r:embed="rId2"/>
+          <a:srcRect l="20387" t="31628" r="37144" b="16776"/>
+          <a:stretch/>
+        </p:blipFill>
         <p:spPr>
           <a:xfrm>
-            <a:off x="168676" y="5207545"/>
-            <a:ext cx="8746724" cy="1504241"/>
+            <a:off x="1618578" y="1865116"/>
+            <a:ext cx="6959375" cy="4755938"/>
           </a:xfrm>
+          <a:prstGeom prst="rect">
+            <a:avLst/>
+          </a:prstGeom>
         </p:spPr>
-        <p:txBody>
-          <a:bodyPr anchor="ctr">
-            <a:normAutofit/>
-          </a:bodyPr>
-          <a:lstStyle/>
-          <a:p>
-            <a:pPr marL="0" indent="0" algn="ctr">
-              <a:buNone/>
-            </a:pPr>
-            <a:r>
-              <a:rPr lang="es-CL" dirty="0"/>
-              <a:t>Super mega giga </a:t>
-            </a:r>
-            <a:r>
-              <a:rPr lang="es-CL" dirty="0" err="1"/>
-              <a:t>iper</a:t>
-            </a:r>
-            <a:r>
-              <a:rPr lang="es-CL" dirty="0"/>
-              <a:t> </a:t>
-            </a:r>
-            <a:r>
-              <a:rPr lang="es-CL" dirty="0" err="1"/>
-              <a:t>deeep</a:t>
-            </a:r>
-            <a:r>
-              <a:rPr lang="es-CL" dirty="0"/>
-              <a:t> machine </a:t>
-            </a:r>
-            <a:r>
-              <a:rPr lang="es-CL" dirty="0" err="1"/>
-              <a:t>Classificat</a:t>
-            </a:r>
-            <a:r>
-              <a:rPr lang="es-CL" dirty="0"/>
-              <a:t> </a:t>
-            </a:r>
-            <a:r>
-              <a:rPr lang="es-CL" dirty="0" err="1"/>
-              <a:t>networks</a:t>
-            </a:r>
-            <a:r>
-              <a:rPr lang="es-CL" dirty="0"/>
-              <a:t> neural </a:t>
-            </a:r>
-            <a:r>
-              <a:rPr lang="es-CL" dirty="0" err="1"/>
-              <a:t>Bayesian</a:t>
-            </a:r>
-            <a:r>
-              <a:rPr lang="es-CL" dirty="0"/>
-              <a:t> </a:t>
-            </a:r>
-            <a:r>
-              <a:rPr lang="es-CL" dirty="0" err="1"/>
-              <a:t>SKLearning</a:t>
-            </a:r>
-            <a:r>
-              <a:rPr lang="es-CL" dirty="0"/>
-              <a:t> </a:t>
-            </a:r>
-            <a:r>
-              <a:rPr lang="es-CL" dirty="0" err="1"/>
-              <a:t>Model</a:t>
-            </a:r>
-            <a:endParaRPr lang="en-US" sz="2400" dirty="0"/>
-          </a:p>
-        </p:txBody>
-      </p:sp>
+      </p:pic>
       <p:sp>
         <p:nvSpPr>
           <p:cNvPr id="13" name="Rectangle 12">
@@ -6497,10 +10399,10 @@
       </p:sp>
       <p:pic>
         <p:nvPicPr>
-          <p:cNvPr id="8" name="Marcador de contenido 4" descr="Bombilla y equipo ">
-            <a:extLst>
-              <a:ext uri="{FF2B5EF4-FFF2-40B4-BE49-F238E27FC236}">
-                <a16:creationId xmlns:a16="http://schemas.microsoft.com/office/drawing/2014/main" id="{012ABBCD-791B-4B40-B273-381975A7434F}"/>
+          <p:cNvPr id="8" name="Marcador de contenido 4" descr="Herramientas">
+            <a:extLst>
+              <a:ext uri="{FF2B5EF4-FFF2-40B4-BE49-F238E27FC236}">
+                <a16:creationId xmlns:a16="http://schemas.microsoft.com/office/drawing/2014/main" id="{C455202F-E4DB-4491-9895-45A1391A66F5}"/>
               </a:ext>
             </a:extLst>
           </p:cNvPr>
@@ -6510,13 +10412,13 @@
           <p:nvPr/>
         </p:nvPicPr>
         <p:blipFill>
-          <a:blip r:embed="rId2">
+          <a:blip r:embed="rId3">
             <a:extLst>
               <a:ext uri="{28A0092B-C50C-407E-A947-70E740481C1C}">
                 <a14:useLocalDpi xmlns:a14="http://schemas.microsoft.com/office/drawing/2010/main" val="0"/>
               </a:ext>
               <a:ext uri="{96DAC541-7B7A-43D3-8B79-37D633B846F1}">
-                <asvg:svgBlip xmlns:asvg="http://schemas.microsoft.com/office/drawing/2016/SVG/main" r:embed="rId3"/>
+                <asvg:svgBlip xmlns:asvg="http://schemas.microsoft.com/office/drawing/2016/SVG/main" r:embed="rId4"/>
               </a:ext>
             </a:extLst>
           </a:blip>
@@ -6534,46 +10436,10 @@
           </a:prstGeom>
         </p:spPr>
       </p:pic>
-      <p:pic>
-        <p:nvPicPr>
-          <p:cNvPr id="12" name="Imagen 11">
-            <a:extLst>
-              <a:ext uri="{FF2B5EF4-FFF2-40B4-BE49-F238E27FC236}">
-                <a16:creationId xmlns:a16="http://schemas.microsoft.com/office/drawing/2014/main" id="{576B6D6A-ED0C-4B55-B822-7F6144F6C57F}"/>
-              </a:ext>
-            </a:extLst>
-          </p:cNvPr>
-          <p:cNvPicPr>
-            <a:picLocks noChangeAspect="1"/>
-          </p:cNvPicPr>
-          <p:nvPr/>
-        </p:nvPicPr>
-        <p:blipFill>
-          <a:blip r:embed="rId4">
-            <a:extLst>
-              <a:ext uri="{28A0092B-C50C-407E-A947-70E740481C1C}">
-                <a14:useLocalDpi xmlns:a14="http://schemas.microsoft.com/office/drawing/2010/main" val="0"/>
-              </a:ext>
-            </a:extLst>
-          </a:blip>
-          <a:stretch>
-            <a:fillRect/>
-          </a:stretch>
-        </p:blipFill>
-        <p:spPr>
-          <a:xfrm>
-            <a:off x="823786" y="1568615"/>
-            <a:ext cx="7200000" cy="3450000"/>
-          </a:xfrm>
-          <a:prstGeom prst="rect">
-            <a:avLst/>
-          </a:prstGeom>
-        </p:spPr>
-      </p:pic>
     </p:spTree>
     <p:extLst>
       <p:ext uri="{BB962C8B-B14F-4D97-AF65-F5344CB8AC3E}">
-        <p14:creationId xmlns:p14="http://schemas.microsoft.com/office/powerpoint/2010/main" val="2406910067"/>
+        <p14:creationId xmlns:p14="http://schemas.microsoft.com/office/powerpoint/2010/main" val="4041380615"/>
       </p:ext>
     </p:extLst>
   </p:cSld>
@@ -6613,7 +10479,7 @@
           <p:cNvPr id="2" name="Título 1">
             <a:extLst>
               <a:ext uri="{FF2B5EF4-FFF2-40B4-BE49-F238E27FC236}">
-                <a16:creationId xmlns:a16="http://schemas.microsoft.com/office/drawing/2014/main" id="{C60D8AC5-DB2D-4087-BED4-83BA88E91667}"/>
+                <a16:creationId xmlns:a16="http://schemas.microsoft.com/office/drawing/2014/main" id="{33156675-1AA6-4DB6-B270-81F6B7D6DCD4}"/>
               </a:ext>
             </a:extLst>
           </p:cNvPr>
@@ -6638,7 +10504,7 @@
           <a:p>
             <a:r>
               <a:rPr lang="it-IT" dirty="0"/>
-              <a:t>Results</a:t>
+              <a:t>Model elicitation</a:t>
             </a:r>
             <a:endParaRPr lang="es-CL" dirty="0"/>
           </a:p>
@@ -6649,7 +10515,7 @@
           <p:cNvPr id="10" name="Content Placeholder 9">
             <a:extLst>
               <a:ext uri="{FF2B5EF4-FFF2-40B4-BE49-F238E27FC236}">
-                <a16:creationId xmlns:a16="http://schemas.microsoft.com/office/drawing/2014/main" id="{36FA7C27-CEA8-4FA5-8242-1F18164C9F4E}"/>
+                <a16:creationId xmlns:a16="http://schemas.microsoft.com/office/drawing/2014/main" id="{1CFF0258-07B4-4E0A-B16E-A3F615CD45DA}"/>
               </a:ext>
             </a:extLst>
           </p:cNvPr>
@@ -6662,8 +10528,8 @@
         </p:nvSpPr>
         <p:spPr>
           <a:xfrm>
-            <a:off x="1136429" y="2278173"/>
-            <a:ext cx="6467867" cy="3450613"/>
+            <a:off x="168676" y="5207545"/>
+            <a:ext cx="8746724" cy="1504241"/>
           </a:xfrm>
         </p:spPr>
         <p:txBody>
@@ -6672,7 +10538,66 @@
           </a:bodyPr>
           <a:lstStyle/>
           <a:p>
-            <a:endParaRPr lang="en-US" sz="2400"/>
+            <a:pPr marL="0" indent="0" algn="ctr">
+              <a:buNone/>
+            </a:pPr>
+            <a:r>
+              <a:rPr lang="es-CL" dirty="0"/>
+              <a:t>Super mega giga </a:t>
+            </a:r>
+            <a:r>
+              <a:rPr lang="es-CL" dirty="0" err="1"/>
+              <a:t>iper</a:t>
+            </a:r>
+            <a:r>
+              <a:rPr lang="es-CL" dirty="0"/>
+              <a:t> </a:t>
+            </a:r>
+            <a:r>
+              <a:rPr lang="es-CL" dirty="0" err="1"/>
+              <a:t>deeep</a:t>
+            </a:r>
+            <a:r>
+              <a:rPr lang="es-CL" dirty="0"/>
+              <a:t> machine </a:t>
+            </a:r>
+            <a:r>
+              <a:rPr lang="es-CL" dirty="0" err="1"/>
+              <a:t>Classificat</a:t>
+            </a:r>
+            <a:r>
+              <a:rPr lang="es-CL" dirty="0"/>
+              <a:t> </a:t>
+            </a:r>
+            <a:r>
+              <a:rPr lang="es-CL" dirty="0" err="1"/>
+              <a:t>networks</a:t>
+            </a:r>
+            <a:r>
+              <a:rPr lang="es-CL" dirty="0"/>
+              <a:t> neural </a:t>
+            </a:r>
+            <a:r>
+              <a:rPr lang="es-CL" dirty="0" err="1"/>
+              <a:t>Bayesian</a:t>
+            </a:r>
+            <a:r>
+              <a:rPr lang="es-CL" dirty="0"/>
+              <a:t> </a:t>
+            </a:r>
+            <a:r>
+              <a:rPr lang="es-CL" dirty="0" err="1"/>
+              <a:t>SKLearning</a:t>
+            </a:r>
+            <a:r>
+              <a:rPr lang="es-CL" dirty="0"/>
+              <a:t> </a:t>
+            </a:r>
+            <a:r>
+              <a:rPr lang="es-CL" dirty="0" err="1"/>
+              <a:t>Model</a:t>
+            </a:r>
+            <a:endParaRPr lang="en-US" sz="2400" dirty="0"/>
           </a:p>
         </p:txBody>
       </p:sp>
@@ -6806,10 +10731,10 @@
       </p:sp>
       <p:pic>
         <p:nvPicPr>
-          <p:cNvPr id="8" name="Marcador de contenido 4" descr="Gráfico de barras">
-            <a:extLst>
-              <a:ext uri="{FF2B5EF4-FFF2-40B4-BE49-F238E27FC236}">
-                <a16:creationId xmlns:a16="http://schemas.microsoft.com/office/drawing/2014/main" id="{9F84A716-C097-4E04-9514-62082EEE6B06}"/>
+          <p:cNvPr id="8" name="Marcador de contenido 4" descr="Bombilla y equipo ">
+            <a:extLst>
+              <a:ext uri="{FF2B5EF4-FFF2-40B4-BE49-F238E27FC236}">
+                <a16:creationId xmlns:a16="http://schemas.microsoft.com/office/drawing/2014/main" id="{012ABBCD-791B-4B40-B273-381975A7434F}"/>
               </a:ext>
             </a:extLst>
           </p:cNvPr>
@@ -6843,10 +10768,46 @@
           </a:prstGeom>
         </p:spPr>
       </p:pic>
+      <p:pic>
+        <p:nvPicPr>
+          <p:cNvPr id="12" name="Imagen 11">
+            <a:extLst>
+              <a:ext uri="{FF2B5EF4-FFF2-40B4-BE49-F238E27FC236}">
+                <a16:creationId xmlns:a16="http://schemas.microsoft.com/office/drawing/2014/main" id="{576B6D6A-ED0C-4B55-B822-7F6144F6C57F}"/>
+              </a:ext>
+            </a:extLst>
+          </p:cNvPr>
+          <p:cNvPicPr>
+            <a:picLocks noChangeAspect="1"/>
+          </p:cNvPicPr>
+          <p:nvPr/>
+        </p:nvPicPr>
+        <p:blipFill>
+          <a:blip r:embed="rId4">
+            <a:extLst>
+              <a:ext uri="{28A0092B-C50C-407E-A947-70E740481C1C}">
+                <a14:useLocalDpi xmlns:a14="http://schemas.microsoft.com/office/drawing/2010/main" val="0"/>
+              </a:ext>
+            </a:extLst>
+          </a:blip>
+          <a:stretch>
+            <a:fillRect/>
+          </a:stretch>
+        </p:blipFill>
+        <p:spPr>
+          <a:xfrm>
+            <a:off x="823786" y="1568615"/>
+            <a:ext cx="7200000" cy="3450000"/>
+          </a:xfrm>
+          <a:prstGeom prst="rect">
+            <a:avLst/>
+          </a:prstGeom>
+        </p:spPr>
+      </p:pic>
     </p:spTree>
     <p:extLst>
       <p:ext uri="{BB962C8B-B14F-4D97-AF65-F5344CB8AC3E}">
-        <p14:creationId xmlns:p14="http://schemas.microsoft.com/office/powerpoint/2010/main" val="909452300"/>
+        <p14:creationId xmlns:p14="http://schemas.microsoft.com/office/powerpoint/2010/main" val="2406910067"/>
       </p:ext>
     </p:extLst>
   </p:cSld>
@@ -6886,7 +10847,7 @@
           <p:cNvPr id="2" name="Título 1">
             <a:extLst>
               <a:ext uri="{FF2B5EF4-FFF2-40B4-BE49-F238E27FC236}">
-                <a16:creationId xmlns:a16="http://schemas.microsoft.com/office/drawing/2014/main" id="{BC6B6873-00AD-4153-8178-FAFDD91BE6AD}"/>
+                <a16:creationId xmlns:a16="http://schemas.microsoft.com/office/drawing/2014/main" id="{C60D8AC5-DB2D-4087-BED4-83BA88E91667}"/>
               </a:ext>
             </a:extLst>
           </p:cNvPr>
@@ -6911,7 +10872,7 @@
           <a:p>
             <a:r>
               <a:rPr lang="it-IT" dirty="0"/>
-              <a:t>Conclusions</a:t>
+              <a:t>Results</a:t>
             </a:r>
             <a:endParaRPr lang="es-CL" dirty="0"/>
           </a:p>
@@ -6922,7 +10883,7 @@
           <p:cNvPr id="10" name="Content Placeholder 9">
             <a:extLst>
               <a:ext uri="{FF2B5EF4-FFF2-40B4-BE49-F238E27FC236}">
-                <a16:creationId xmlns:a16="http://schemas.microsoft.com/office/drawing/2014/main" id="{22D2386E-1E06-4597-BB7B-81CEECAAF85A}"/>
+                <a16:creationId xmlns:a16="http://schemas.microsoft.com/office/drawing/2014/main" id="{36FA7C27-CEA8-4FA5-8242-1F18164C9F4E}"/>
               </a:ext>
             </a:extLst>
           </p:cNvPr>
@@ -7079,10 +11040,10 @@
       </p:sp>
       <p:pic>
         <p:nvPicPr>
-          <p:cNvPr id="8" name="Marcador de contenido 4" descr="Opinión del cliente ">
-            <a:extLst>
-              <a:ext uri="{FF2B5EF4-FFF2-40B4-BE49-F238E27FC236}">
-                <a16:creationId xmlns:a16="http://schemas.microsoft.com/office/drawing/2014/main" id="{2B85C747-496B-4678-8284-152F7CB841AD}"/>
+          <p:cNvPr id="8" name="Marcador de contenido 4" descr="Gráfico de barras">
+            <a:extLst>
+              <a:ext uri="{FF2B5EF4-FFF2-40B4-BE49-F238E27FC236}">
+                <a16:creationId xmlns:a16="http://schemas.microsoft.com/office/drawing/2014/main" id="{9F84A716-C097-4E04-9514-62082EEE6B06}"/>
               </a:ext>
             </a:extLst>
           </p:cNvPr>
@@ -7119,7 +11080,7 @@
     </p:spTree>
     <p:extLst>
       <p:ext uri="{BB962C8B-B14F-4D97-AF65-F5344CB8AC3E}">
-        <p14:creationId xmlns:p14="http://schemas.microsoft.com/office/powerpoint/2010/main" val="1420552764"/>
+        <p14:creationId xmlns:p14="http://schemas.microsoft.com/office/powerpoint/2010/main" val="909452300"/>
       </p:ext>
     </p:extLst>
   </p:cSld>

--- a/Presentation Group 13.pptx
+++ b/Presentation Group 13.pptx
@@ -13,7 +13,7 @@
     <p:sldId id="259" r:id="rId7"/>
     <p:sldId id="262" r:id="rId8"/>
     <p:sldId id="263" r:id="rId9"/>
-    <p:sldId id="264" r:id="rId10"/>
+    <p:sldId id="268" r:id="rId10"/>
     <p:sldId id="265" r:id="rId11"/>
     <p:sldId id="266" r:id="rId12"/>
   </p:sldIdLst>
@@ -873,6 +873,757 @@
 </dgm:colorsDef>
 </file>
 
+<file path=ppt/diagrams/colors2.xml><?xml version="1.0" encoding="utf-8"?>
+<dgm:colorsDef xmlns:dgm="http://schemas.openxmlformats.org/drawingml/2006/diagram" xmlns:a="http://schemas.openxmlformats.org/drawingml/2006/main" uniqueId="urn:microsoft.com/office/officeart/2005/8/colors/accent0_3">
+  <dgm:title val=""/>
+  <dgm:desc val=""/>
+  <dgm:catLst>
+    <dgm:cat type="mainScheme" pri="10300"/>
+  </dgm:catLst>
+  <dgm:styleLbl name="node0">
+    <dgm:fillClrLst meth="repeat">
+      <a:schemeClr val="dk2"/>
+    </dgm:fillClrLst>
+    <dgm:linClrLst meth="repeat">
+      <a:schemeClr val="lt2"/>
+    </dgm:linClrLst>
+    <dgm:effectClrLst/>
+    <dgm:txLinClrLst/>
+    <dgm:txFillClrLst/>
+    <dgm:txEffectClrLst/>
+  </dgm:styleLbl>
+  <dgm:styleLbl name="alignNode1">
+    <dgm:fillClrLst meth="repeat">
+      <a:schemeClr val="dk2"/>
+    </dgm:fillClrLst>
+    <dgm:linClrLst meth="repeat">
+      <a:schemeClr val="dk2"/>
+    </dgm:linClrLst>
+    <dgm:effectClrLst/>
+    <dgm:txLinClrLst/>
+    <dgm:txFillClrLst/>
+    <dgm:txEffectClrLst/>
+  </dgm:styleLbl>
+  <dgm:styleLbl name="node1">
+    <dgm:fillClrLst meth="repeat">
+      <a:schemeClr val="dk2"/>
+    </dgm:fillClrLst>
+    <dgm:linClrLst meth="repeat">
+      <a:schemeClr val="lt2"/>
+    </dgm:linClrLst>
+    <dgm:effectClrLst/>
+    <dgm:txLinClrLst/>
+    <dgm:txFillClrLst/>
+    <dgm:txEffectClrLst/>
+  </dgm:styleLbl>
+  <dgm:styleLbl name="lnNode1">
+    <dgm:fillClrLst meth="repeat">
+      <a:schemeClr val="dk2"/>
+    </dgm:fillClrLst>
+    <dgm:linClrLst meth="repeat">
+      <a:schemeClr val="lt2"/>
+    </dgm:linClrLst>
+    <dgm:effectClrLst/>
+    <dgm:txLinClrLst/>
+    <dgm:txFillClrLst/>
+    <dgm:txEffectClrLst/>
+  </dgm:styleLbl>
+  <dgm:styleLbl name="vennNode1">
+    <dgm:fillClrLst meth="repeat">
+      <a:schemeClr val="dk2">
+        <a:alpha val="50000"/>
+      </a:schemeClr>
+    </dgm:fillClrLst>
+    <dgm:linClrLst meth="repeat">
+      <a:schemeClr val="lt2"/>
+    </dgm:linClrLst>
+    <dgm:effectClrLst/>
+    <dgm:txLinClrLst/>
+    <dgm:txFillClrLst/>
+    <dgm:txEffectClrLst/>
+  </dgm:styleLbl>
+  <dgm:styleLbl name="node2">
+    <dgm:fillClrLst meth="repeat">
+      <a:schemeClr val="dk2"/>
+    </dgm:fillClrLst>
+    <dgm:linClrLst meth="repeat">
+      <a:schemeClr val="lt2"/>
+    </dgm:linClrLst>
+    <dgm:effectClrLst/>
+    <dgm:txLinClrLst/>
+    <dgm:txFillClrLst/>
+    <dgm:txEffectClrLst/>
+  </dgm:styleLbl>
+  <dgm:styleLbl name="node3">
+    <dgm:fillClrLst meth="repeat">
+      <a:schemeClr val="dk2"/>
+    </dgm:fillClrLst>
+    <dgm:linClrLst meth="repeat">
+      <a:schemeClr val="lt2"/>
+    </dgm:linClrLst>
+    <dgm:effectClrLst/>
+    <dgm:txLinClrLst/>
+    <dgm:txFillClrLst/>
+    <dgm:txEffectClrLst/>
+  </dgm:styleLbl>
+  <dgm:styleLbl name="node4">
+    <dgm:fillClrLst meth="repeat">
+      <a:schemeClr val="dk2"/>
+    </dgm:fillClrLst>
+    <dgm:linClrLst meth="repeat">
+      <a:schemeClr val="lt2"/>
+    </dgm:linClrLst>
+    <dgm:effectClrLst/>
+    <dgm:txLinClrLst/>
+    <dgm:txFillClrLst/>
+    <dgm:txEffectClrLst/>
+  </dgm:styleLbl>
+  <dgm:styleLbl name="fgImgPlace1">
+    <dgm:fillClrLst meth="repeat">
+      <a:schemeClr val="dk2">
+        <a:tint val="50000"/>
+      </a:schemeClr>
+    </dgm:fillClrLst>
+    <dgm:linClrLst meth="repeat">
+      <a:schemeClr val="lt2"/>
+    </dgm:linClrLst>
+    <dgm:effectClrLst/>
+    <dgm:txLinClrLst/>
+    <dgm:txFillClrLst meth="repeat">
+      <a:schemeClr val="lt2"/>
+    </dgm:txFillClrLst>
+    <dgm:txEffectClrLst/>
+  </dgm:styleLbl>
+  <dgm:styleLbl name="alignImgPlace1">
+    <dgm:fillClrLst meth="repeat">
+      <a:schemeClr val="dk2">
+        <a:tint val="50000"/>
+      </a:schemeClr>
+    </dgm:fillClrLst>
+    <dgm:linClrLst meth="repeat">
+      <a:schemeClr val="dk2">
+        <a:shade val="80000"/>
+      </a:schemeClr>
+    </dgm:linClrLst>
+    <dgm:effectClrLst/>
+    <dgm:txLinClrLst/>
+    <dgm:txFillClrLst meth="repeat">
+      <a:schemeClr val="lt2"/>
+    </dgm:txFillClrLst>
+    <dgm:txEffectClrLst/>
+  </dgm:styleLbl>
+  <dgm:styleLbl name="bgImgPlace1">
+    <dgm:fillClrLst meth="repeat">
+      <a:schemeClr val="dk2">
+        <a:tint val="50000"/>
+      </a:schemeClr>
+    </dgm:fillClrLst>
+    <dgm:linClrLst meth="repeat">
+      <a:schemeClr val="dk2">
+        <a:shade val="80000"/>
+      </a:schemeClr>
+    </dgm:linClrLst>
+    <dgm:effectClrLst/>
+    <dgm:txLinClrLst/>
+    <dgm:txFillClrLst meth="repeat">
+      <a:schemeClr val="lt2"/>
+    </dgm:txFillClrLst>
+    <dgm:txEffectClrLst/>
+  </dgm:styleLbl>
+  <dgm:styleLbl name="sibTrans2D1">
+    <dgm:fillClrLst meth="repeat">
+      <a:schemeClr val="dk2">
+        <a:tint val="60000"/>
+      </a:schemeClr>
+    </dgm:fillClrLst>
+    <dgm:linClrLst meth="repeat">
+      <a:schemeClr val="dk2">
+        <a:tint val="60000"/>
+      </a:schemeClr>
+    </dgm:linClrLst>
+    <dgm:effectClrLst/>
+    <dgm:txLinClrLst/>
+    <dgm:txFillClrLst/>
+    <dgm:txEffectClrLst/>
+  </dgm:styleLbl>
+  <dgm:styleLbl name="fgSibTrans2D1">
+    <dgm:fillClrLst meth="repeat">
+      <a:schemeClr val="dk2">
+        <a:tint val="60000"/>
+      </a:schemeClr>
+    </dgm:fillClrLst>
+    <dgm:linClrLst meth="repeat">
+      <a:schemeClr val="dk2">
+        <a:tint val="60000"/>
+      </a:schemeClr>
+    </dgm:linClrLst>
+    <dgm:effectClrLst/>
+    <dgm:txLinClrLst/>
+    <dgm:txFillClrLst/>
+    <dgm:txEffectClrLst/>
+  </dgm:styleLbl>
+  <dgm:styleLbl name="bgSibTrans2D1">
+    <dgm:fillClrLst meth="repeat">
+      <a:schemeClr val="dk2">
+        <a:tint val="60000"/>
+      </a:schemeClr>
+    </dgm:fillClrLst>
+    <dgm:linClrLst meth="repeat">
+      <a:schemeClr val="dk2">
+        <a:tint val="60000"/>
+      </a:schemeClr>
+    </dgm:linClrLst>
+    <dgm:effectClrLst/>
+    <dgm:txLinClrLst/>
+    <dgm:txFillClrLst/>
+    <dgm:txEffectClrLst/>
+  </dgm:styleLbl>
+  <dgm:styleLbl name="sibTrans1D1">
+    <dgm:fillClrLst meth="repeat">
+      <a:schemeClr val="dk2"/>
+    </dgm:fillClrLst>
+    <dgm:linClrLst meth="repeat">
+      <a:schemeClr val="dk2"/>
+    </dgm:linClrLst>
+    <dgm:effectClrLst/>
+    <dgm:txLinClrLst/>
+    <dgm:txFillClrLst meth="repeat">
+      <a:schemeClr val="lt2"/>
+    </dgm:txFillClrLst>
+    <dgm:txEffectClrLst/>
+  </dgm:styleLbl>
+  <dgm:styleLbl name="callout">
+    <dgm:fillClrLst meth="repeat">
+      <a:schemeClr val="dk2"/>
+    </dgm:fillClrLst>
+    <dgm:linClrLst meth="repeat">
+      <a:schemeClr val="dk2">
+        <a:tint val="50000"/>
+      </a:schemeClr>
+    </dgm:linClrLst>
+    <dgm:effectClrLst/>
+    <dgm:txLinClrLst/>
+    <dgm:txFillClrLst meth="repeat">
+      <a:schemeClr val="lt2"/>
+    </dgm:txFillClrLst>
+    <dgm:txEffectClrLst/>
+  </dgm:styleLbl>
+  <dgm:styleLbl name="asst0">
+    <dgm:fillClrLst meth="repeat">
+      <a:schemeClr val="dk2"/>
+    </dgm:fillClrLst>
+    <dgm:linClrLst meth="repeat">
+      <a:schemeClr val="lt2"/>
+    </dgm:linClrLst>
+    <dgm:effectClrLst/>
+    <dgm:txLinClrLst/>
+    <dgm:txFillClrLst/>
+    <dgm:txEffectClrLst/>
+  </dgm:styleLbl>
+  <dgm:styleLbl name="asst1">
+    <dgm:fillClrLst meth="repeat">
+      <a:schemeClr val="dk2"/>
+    </dgm:fillClrLst>
+    <dgm:linClrLst meth="repeat">
+      <a:schemeClr val="lt2"/>
+    </dgm:linClrLst>
+    <dgm:effectClrLst/>
+    <dgm:txLinClrLst/>
+    <dgm:txFillClrLst/>
+    <dgm:txEffectClrLst/>
+  </dgm:styleLbl>
+  <dgm:styleLbl name="asst2">
+    <dgm:fillClrLst meth="repeat">
+      <a:schemeClr val="dk2"/>
+    </dgm:fillClrLst>
+    <dgm:linClrLst meth="repeat">
+      <a:schemeClr val="lt2"/>
+    </dgm:linClrLst>
+    <dgm:effectClrLst/>
+    <dgm:txLinClrLst/>
+    <dgm:txFillClrLst/>
+    <dgm:txEffectClrLst/>
+  </dgm:styleLbl>
+  <dgm:styleLbl name="asst3">
+    <dgm:fillClrLst meth="repeat">
+      <a:schemeClr val="dk2"/>
+    </dgm:fillClrLst>
+    <dgm:linClrLst meth="repeat">
+      <a:schemeClr val="lt2"/>
+    </dgm:linClrLst>
+    <dgm:effectClrLst/>
+    <dgm:txLinClrLst/>
+    <dgm:txFillClrLst/>
+    <dgm:txEffectClrLst/>
+  </dgm:styleLbl>
+  <dgm:styleLbl name="asst4">
+    <dgm:fillClrLst meth="repeat">
+      <a:schemeClr val="dk2"/>
+    </dgm:fillClrLst>
+    <dgm:linClrLst meth="repeat">
+      <a:schemeClr val="lt2"/>
+    </dgm:linClrLst>
+    <dgm:effectClrLst/>
+    <dgm:txLinClrLst/>
+    <dgm:txFillClrLst/>
+    <dgm:txEffectClrLst/>
+  </dgm:styleLbl>
+  <dgm:styleLbl name="parChTrans2D1">
+    <dgm:fillClrLst meth="repeat">
+      <a:schemeClr val="dk2">
+        <a:tint val="60000"/>
+      </a:schemeClr>
+    </dgm:fillClrLst>
+    <dgm:linClrLst meth="repeat">
+      <a:schemeClr val="dk2">
+        <a:tint val="60000"/>
+      </a:schemeClr>
+    </dgm:linClrLst>
+    <dgm:effectClrLst/>
+    <dgm:txLinClrLst/>
+    <dgm:txFillClrLst meth="repeat">
+      <a:schemeClr val="lt2"/>
+    </dgm:txFillClrLst>
+    <dgm:txEffectClrLst/>
+  </dgm:styleLbl>
+  <dgm:styleLbl name="parChTrans2D2">
+    <dgm:fillClrLst meth="repeat">
+      <a:schemeClr val="dk2"/>
+    </dgm:fillClrLst>
+    <dgm:linClrLst meth="repeat">
+      <a:schemeClr val="dk2"/>
+    </dgm:linClrLst>
+    <dgm:effectClrLst/>
+    <dgm:txLinClrLst/>
+    <dgm:txFillClrLst meth="repeat">
+      <a:schemeClr val="lt2"/>
+    </dgm:txFillClrLst>
+    <dgm:txEffectClrLst/>
+  </dgm:styleLbl>
+  <dgm:styleLbl name="parChTrans2D3">
+    <dgm:fillClrLst meth="repeat">
+      <a:schemeClr val="dk2"/>
+    </dgm:fillClrLst>
+    <dgm:linClrLst meth="repeat">
+      <a:schemeClr val="dk2"/>
+    </dgm:linClrLst>
+    <dgm:effectClrLst/>
+    <dgm:txLinClrLst/>
+    <dgm:txFillClrLst meth="repeat">
+      <a:schemeClr val="lt2"/>
+    </dgm:txFillClrLst>
+    <dgm:txEffectClrLst/>
+  </dgm:styleLbl>
+  <dgm:styleLbl name="parChTrans2D4">
+    <dgm:fillClrLst meth="repeat">
+      <a:schemeClr val="dk2"/>
+    </dgm:fillClrLst>
+    <dgm:linClrLst meth="repeat">
+      <a:schemeClr val="dk2"/>
+    </dgm:linClrLst>
+    <dgm:effectClrLst/>
+    <dgm:txLinClrLst/>
+    <dgm:txFillClrLst meth="repeat">
+      <a:schemeClr val="lt2"/>
+    </dgm:txFillClrLst>
+    <dgm:txEffectClrLst/>
+  </dgm:styleLbl>
+  <dgm:styleLbl name="parChTrans1D1">
+    <dgm:fillClrLst meth="repeat">
+      <a:schemeClr val="dk2"/>
+    </dgm:fillClrLst>
+    <dgm:linClrLst meth="repeat">
+      <a:schemeClr val="dk2">
+        <a:shade val="60000"/>
+      </a:schemeClr>
+    </dgm:linClrLst>
+    <dgm:effectClrLst/>
+    <dgm:txLinClrLst/>
+    <dgm:txFillClrLst meth="repeat">
+      <a:schemeClr val="tx1"/>
+    </dgm:txFillClrLst>
+    <dgm:txEffectClrLst/>
+  </dgm:styleLbl>
+  <dgm:styleLbl name="parChTrans1D2">
+    <dgm:fillClrLst meth="repeat">
+      <a:schemeClr val="dk2"/>
+    </dgm:fillClrLst>
+    <dgm:linClrLst meth="repeat">
+      <a:schemeClr val="dk2">
+        <a:shade val="60000"/>
+      </a:schemeClr>
+    </dgm:linClrLst>
+    <dgm:effectClrLst/>
+    <dgm:txLinClrLst/>
+    <dgm:txFillClrLst meth="repeat">
+      <a:schemeClr val="tx1"/>
+    </dgm:txFillClrLst>
+    <dgm:txEffectClrLst/>
+  </dgm:styleLbl>
+  <dgm:styleLbl name="parChTrans1D3">
+    <dgm:fillClrLst meth="repeat">
+      <a:schemeClr val="dk2"/>
+    </dgm:fillClrLst>
+    <dgm:linClrLst meth="repeat">
+      <a:schemeClr val="dk2">
+        <a:shade val="80000"/>
+      </a:schemeClr>
+    </dgm:linClrLst>
+    <dgm:effectClrLst/>
+    <dgm:txLinClrLst/>
+    <dgm:txFillClrLst meth="repeat">
+      <a:schemeClr val="tx1"/>
+    </dgm:txFillClrLst>
+    <dgm:txEffectClrLst/>
+  </dgm:styleLbl>
+  <dgm:styleLbl name="parChTrans1D4">
+    <dgm:fillClrLst meth="repeat">
+      <a:schemeClr val="dk2"/>
+    </dgm:fillClrLst>
+    <dgm:linClrLst meth="repeat">
+      <a:schemeClr val="dk2">
+        <a:shade val="80000"/>
+      </a:schemeClr>
+    </dgm:linClrLst>
+    <dgm:effectClrLst/>
+    <dgm:txLinClrLst/>
+    <dgm:txFillClrLst meth="repeat">
+      <a:schemeClr val="tx1"/>
+    </dgm:txFillClrLst>
+    <dgm:txEffectClrLst/>
+  </dgm:styleLbl>
+  <dgm:styleLbl name="fgAcc1">
+    <dgm:fillClrLst meth="repeat">
+      <a:schemeClr val="lt2">
+        <a:alpha val="90000"/>
+      </a:schemeClr>
+    </dgm:fillClrLst>
+    <dgm:linClrLst meth="repeat">
+      <a:schemeClr val="dk2"/>
+    </dgm:linClrLst>
+    <dgm:effectClrLst/>
+    <dgm:txLinClrLst/>
+    <dgm:txFillClrLst meth="repeat">
+      <a:schemeClr val="dk1"/>
+    </dgm:txFillClrLst>
+    <dgm:txEffectClrLst/>
+  </dgm:styleLbl>
+  <dgm:styleLbl name="conFgAcc1">
+    <dgm:fillClrLst meth="repeat">
+      <a:schemeClr val="lt2">
+        <a:alpha val="90000"/>
+      </a:schemeClr>
+    </dgm:fillClrLst>
+    <dgm:linClrLst meth="repeat">
+      <a:schemeClr val="dk2"/>
+    </dgm:linClrLst>
+    <dgm:effectClrLst/>
+    <dgm:txLinClrLst/>
+    <dgm:txFillClrLst meth="repeat">
+      <a:schemeClr val="dk1"/>
+    </dgm:txFillClrLst>
+    <dgm:txEffectClrLst/>
+  </dgm:styleLbl>
+  <dgm:styleLbl name="alignAcc1">
+    <dgm:fillClrLst meth="repeat">
+      <a:schemeClr val="lt2">
+        <a:alpha val="90000"/>
+      </a:schemeClr>
+    </dgm:fillClrLst>
+    <dgm:linClrLst meth="repeat">
+      <a:schemeClr val="dk2"/>
+    </dgm:linClrLst>
+    <dgm:effectClrLst/>
+    <dgm:txLinClrLst/>
+    <dgm:txFillClrLst meth="repeat">
+      <a:schemeClr val="dk1"/>
+    </dgm:txFillClrLst>
+    <dgm:txEffectClrLst/>
+  </dgm:styleLbl>
+  <dgm:styleLbl name="trAlignAcc1">
+    <dgm:fillClrLst meth="repeat">
+      <a:schemeClr val="lt2">
+        <a:alpha val="40000"/>
+      </a:schemeClr>
+    </dgm:fillClrLst>
+    <dgm:linClrLst meth="repeat">
+      <a:schemeClr val="dk2"/>
+    </dgm:linClrLst>
+    <dgm:effectClrLst/>
+    <dgm:txLinClrLst/>
+    <dgm:txFillClrLst meth="repeat">
+      <a:schemeClr val="dk1"/>
+    </dgm:txFillClrLst>
+    <dgm:txEffectClrLst/>
+  </dgm:styleLbl>
+  <dgm:styleLbl name="bgAcc1">
+    <dgm:fillClrLst meth="repeat">
+      <a:schemeClr val="lt2">
+        <a:alpha val="90000"/>
+      </a:schemeClr>
+    </dgm:fillClrLst>
+    <dgm:linClrLst meth="repeat">
+      <a:schemeClr val="dk2"/>
+    </dgm:linClrLst>
+    <dgm:effectClrLst/>
+    <dgm:txLinClrLst/>
+    <dgm:txFillClrLst meth="repeat">
+      <a:schemeClr val="dk1"/>
+    </dgm:txFillClrLst>
+    <dgm:txEffectClrLst/>
+  </dgm:styleLbl>
+  <dgm:styleLbl name="solidFgAcc1">
+    <dgm:fillClrLst meth="repeat">
+      <a:schemeClr val="lt2"/>
+    </dgm:fillClrLst>
+    <dgm:linClrLst meth="repeat">
+      <a:schemeClr val="dk2"/>
+    </dgm:linClrLst>
+    <dgm:effectClrLst/>
+    <dgm:txLinClrLst/>
+    <dgm:txFillClrLst meth="repeat">
+      <a:schemeClr val="dk1"/>
+    </dgm:txFillClrLst>
+    <dgm:txEffectClrLst/>
+  </dgm:styleLbl>
+  <dgm:styleLbl name="solidAlignAcc1">
+    <dgm:fillClrLst meth="repeat">
+      <a:schemeClr val="lt2"/>
+    </dgm:fillClrLst>
+    <dgm:linClrLst meth="repeat">
+      <a:schemeClr val="dk2"/>
+    </dgm:linClrLst>
+    <dgm:effectClrLst/>
+    <dgm:txLinClrLst/>
+    <dgm:txFillClrLst meth="repeat">
+      <a:schemeClr val="dk1"/>
+    </dgm:txFillClrLst>
+    <dgm:txEffectClrLst/>
+  </dgm:styleLbl>
+  <dgm:styleLbl name="solidBgAcc1">
+    <dgm:fillClrLst meth="repeat">
+      <a:schemeClr val="lt2"/>
+    </dgm:fillClrLst>
+    <dgm:linClrLst meth="repeat">
+      <a:schemeClr val="dk2"/>
+    </dgm:linClrLst>
+    <dgm:effectClrLst/>
+    <dgm:txLinClrLst/>
+    <dgm:txFillClrLst meth="repeat">
+      <a:schemeClr val="dk1"/>
+    </dgm:txFillClrLst>
+    <dgm:txEffectClrLst/>
+  </dgm:styleLbl>
+  <dgm:styleLbl name="fgAccFollowNode1">
+    <dgm:fillClrLst meth="repeat">
+      <a:schemeClr val="dk2">
+        <a:alpha val="90000"/>
+        <a:tint val="40000"/>
+      </a:schemeClr>
+    </dgm:fillClrLst>
+    <dgm:linClrLst meth="repeat">
+      <a:schemeClr val="dk2">
+        <a:alpha val="90000"/>
+        <a:tint val="40000"/>
+      </a:schemeClr>
+    </dgm:linClrLst>
+    <dgm:effectClrLst/>
+    <dgm:txLinClrLst/>
+    <dgm:txFillClrLst meth="repeat">
+      <a:schemeClr val="dk1"/>
+    </dgm:txFillClrLst>
+    <dgm:txEffectClrLst/>
+  </dgm:styleLbl>
+  <dgm:styleLbl name="alignAccFollowNode1">
+    <dgm:fillClrLst meth="repeat">
+      <a:schemeClr val="dk2">
+        <a:alpha val="90000"/>
+        <a:tint val="40000"/>
+      </a:schemeClr>
+    </dgm:fillClrLst>
+    <dgm:linClrLst meth="repeat">
+      <a:schemeClr val="dk2">
+        <a:alpha val="90000"/>
+        <a:tint val="40000"/>
+      </a:schemeClr>
+    </dgm:linClrLst>
+    <dgm:effectClrLst/>
+    <dgm:txLinClrLst/>
+    <dgm:txFillClrLst meth="repeat">
+      <a:schemeClr val="dk1"/>
+    </dgm:txFillClrLst>
+    <dgm:txEffectClrLst/>
+  </dgm:styleLbl>
+  <dgm:styleLbl name="bgAccFollowNode1">
+    <dgm:fillClrLst meth="repeat">
+      <a:schemeClr val="dk2">
+        <a:alpha val="90000"/>
+        <a:tint val="40000"/>
+      </a:schemeClr>
+    </dgm:fillClrLst>
+    <dgm:linClrLst meth="repeat">
+      <a:schemeClr val="dk2">
+        <a:alpha val="90000"/>
+        <a:tint val="40000"/>
+      </a:schemeClr>
+    </dgm:linClrLst>
+    <dgm:effectClrLst/>
+    <dgm:txLinClrLst/>
+    <dgm:txFillClrLst meth="repeat">
+      <a:schemeClr val="dk1"/>
+    </dgm:txFillClrLst>
+    <dgm:txEffectClrLst/>
+  </dgm:styleLbl>
+  <dgm:styleLbl name="fgAcc0">
+    <dgm:fillClrLst meth="repeat">
+      <a:schemeClr val="lt2">
+        <a:alpha val="90000"/>
+      </a:schemeClr>
+    </dgm:fillClrLst>
+    <dgm:linClrLst meth="repeat">
+      <a:schemeClr val="dk2"/>
+    </dgm:linClrLst>
+    <dgm:effectClrLst/>
+    <dgm:txLinClrLst/>
+    <dgm:txFillClrLst meth="repeat">
+      <a:schemeClr val="dk1"/>
+    </dgm:txFillClrLst>
+    <dgm:txEffectClrLst/>
+  </dgm:styleLbl>
+  <dgm:styleLbl name="fgAcc2">
+    <dgm:fillClrLst meth="repeat">
+      <a:schemeClr val="lt2">
+        <a:alpha val="90000"/>
+      </a:schemeClr>
+    </dgm:fillClrLst>
+    <dgm:linClrLst meth="repeat">
+      <a:schemeClr val="dk2"/>
+    </dgm:linClrLst>
+    <dgm:effectClrLst/>
+    <dgm:txLinClrLst/>
+    <dgm:txFillClrLst meth="repeat">
+      <a:schemeClr val="dk1"/>
+    </dgm:txFillClrLst>
+    <dgm:txEffectClrLst/>
+  </dgm:styleLbl>
+  <dgm:styleLbl name="fgAcc3">
+    <dgm:fillClrLst meth="repeat">
+      <a:schemeClr val="lt2">
+        <a:alpha val="90000"/>
+      </a:schemeClr>
+    </dgm:fillClrLst>
+    <dgm:linClrLst meth="repeat">
+      <a:schemeClr val="dk2"/>
+    </dgm:linClrLst>
+    <dgm:effectClrLst/>
+    <dgm:txLinClrLst/>
+    <dgm:txFillClrLst meth="repeat">
+      <a:schemeClr val="dk1"/>
+    </dgm:txFillClrLst>
+    <dgm:txEffectClrLst/>
+  </dgm:styleLbl>
+  <dgm:styleLbl name="fgAcc4">
+    <dgm:fillClrLst meth="repeat">
+      <a:schemeClr val="lt2">
+        <a:alpha val="90000"/>
+      </a:schemeClr>
+    </dgm:fillClrLst>
+    <dgm:linClrLst meth="repeat">
+      <a:schemeClr val="dk2"/>
+    </dgm:linClrLst>
+    <dgm:effectClrLst/>
+    <dgm:txLinClrLst/>
+    <dgm:txFillClrLst meth="repeat">
+      <a:schemeClr val="dk1"/>
+    </dgm:txFillClrLst>
+    <dgm:txEffectClrLst/>
+  </dgm:styleLbl>
+  <dgm:styleLbl name="bgShp">
+    <dgm:fillClrLst meth="repeat">
+      <a:schemeClr val="dk2">
+        <a:tint val="40000"/>
+      </a:schemeClr>
+    </dgm:fillClrLst>
+    <dgm:linClrLst meth="repeat">
+      <a:schemeClr val="dk2"/>
+    </dgm:linClrLst>
+    <dgm:effectClrLst/>
+    <dgm:txLinClrLst/>
+    <dgm:txFillClrLst meth="repeat">
+      <a:schemeClr val="dk1"/>
+    </dgm:txFillClrLst>
+    <dgm:txEffectClrLst/>
+  </dgm:styleLbl>
+  <dgm:styleLbl name="dkBgShp">
+    <dgm:fillClrLst meth="repeat">
+      <a:schemeClr val="dk2">
+        <a:shade val="80000"/>
+      </a:schemeClr>
+    </dgm:fillClrLst>
+    <dgm:linClrLst meth="repeat">
+      <a:schemeClr val="dk2"/>
+    </dgm:linClrLst>
+    <dgm:effectClrLst/>
+    <dgm:txLinClrLst/>
+    <dgm:txFillClrLst meth="repeat">
+      <a:schemeClr val="lt1"/>
+    </dgm:txFillClrLst>
+    <dgm:txEffectClrLst/>
+  </dgm:styleLbl>
+  <dgm:styleLbl name="trBgShp">
+    <dgm:fillClrLst meth="repeat">
+      <a:schemeClr val="dk2">
+        <a:tint val="50000"/>
+        <a:alpha val="40000"/>
+      </a:schemeClr>
+    </dgm:fillClrLst>
+    <dgm:linClrLst meth="repeat">
+      <a:schemeClr val="dk2"/>
+    </dgm:linClrLst>
+    <dgm:effectClrLst/>
+    <dgm:txLinClrLst/>
+    <dgm:txFillClrLst meth="repeat">
+      <a:schemeClr val="lt1"/>
+    </dgm:txFillClrLst>
+    <dgm:txEffectClrLst/>
+  </dgm:styleLbl>
+  <dgm:styleLbl name="fgShp">
+    <dgm:fillClrLst meth="repeat">
+      <a:schemeClr val="dk2">
+        <a:tint val="60000"/>
+      </a:schemeClr>
+    </dgm:fillClrLst>
+    <dgm:linClrLst meth="repeat">
+      <a:schemeClr val="lt2"/>
+    </dgm:linClrLst>
+    <dgm:effectClrLst/>
+    <dgm:txLinClrLst/>
+    <dgm:txFillClrLst meth="repeat">
+      <a:schemeClr val="dk1"/>
+    </dgm:txFillClrLst>
+    <dgm:txEffectClrLst/>
+  </dgm:styleLbl>
+  <dgm:styleLbl name="revTx">
+    <dgm:fillClrLst meth="repeat">
+      <a:schemeClr val="lt2">
+        <a:alpha val="0"/>
+      </a:schemeClr>
+    </dgm:fillClrLst>
+    <dgm:linClrLst meth="repeat">
+      <a:schemeClr val="dk1">
+        <a:alpha val="0"/>
+      </a:schemeClr>
+    </dgm:linClrLst>
+    <dgm:effectClrLst/>
+    <dgm:txLinClrLst/>
+    <dgm:txFillClrLst meth="repeat">
+      <a:schemeClr val="tx1"/>
+    </dgm:txFillClrLst>
+    <dgm:txEffectClrLst/>
+  </dgm:styleLbl>
+</dgm:colorsDef>
+</file>
+
 <file path=ppt/diagrams/data1.xml><?xml version="1.0" encoding="utf-8"?>
 <dgm:dataModel xmlns:dgm="http://schemas.openxmlformats.org/drawingml/2006/diagram" xmlns:a="http://schemas.openxmlformats.org/drawingml/2006/main">
   <dgm:ptLst>
@@ -961,6 +1712,10 @@
         <a:bodyPr/>
         <a:lstStyle/>
         <a:p>
+          <a:r>
+            <a:rPr lang="it-IT" dirty="0"/>
+            <a:t>Test set</a:t>
+          </a:r>
           <a:endParaRPr lang="es-CL" dirty="0"/>
         </a:p>
       </dgm:t>
@@ -977,6 +1732,43 @@
       </dgm:t>
     </dgm:pt>
     <dgm:pt modelId="{F6499244-A54D-44C1-B5D9-AE3AC25D3BA0}" type="sibTrans" cxnId="{DA1AC35E-C661-46D2-AC7B-30453D6E098D}">
+      <dgm:prSet/>
+      <dgm:spPr/>
+      <dgm:t>
+        <a:bodyPr/>
+        <a:lstStyle/>
+        <a:p>
+          <a:endParaRPr lang="es-CL"/>
+        </a:p>
+      </dgm:t>
+    </dgm:pt>
+    <dgm:pt modelId="{E92C542D-9797-4A2D-8D36-525BEA920637}">
+      <dgm:prSet phldrT="[Texto]"/>
+      <dgm:spPr/>
+      <dgm:t>
+        <a:bodyPr/>
+        <a:lstStyle/>
+        <a:p>
+          <a:r>
+            <a:rPr lang="it-IT" dirty="0"/>
+            <a:t>Train set</a:t>
+          </a:r>
+          <a:endParaRPr lang="es-CL" dirty="0"/>
+        </a:p>
+      </dgm:t>
+    </dgm:pt>
+    <dgm:pt modelId="{3113DEAC-5930-40B0-80F2-CCE8658FDA7A}" type="parTrans" cxnId="{3E5018C3-F726-41CE-9FFC-4FC536A660B9}">
+      <dgm:prSet/>
+      <dgm:spPr/>
+      <dgm:t>
+        <a:bodyPr/>
+        <a:lstStyle/>
+        <a:p>
+          <a:endParaRPr lang="es-CL"/>
+        </a:p>
+      </dgm:t>
+    </dgm:pt>
+    <dgm:pt modelId="{D88728B4-9371-401C-BC19-10F3C4557B6A}" type="sibTrans" cxnId="{3E5018C3-F726-41CE-9FFC-4FC536A660B9}">
       <dgm:prSet/>
       <dgm:spPr/>
       <dgm:t>
@@ -1060,8 +1852,44 @@
       <dgm:prSet presAssocID="{7E85E645-60AA-4011-90EE-3803CF83FB06}" presName="hierChild4" presStyleCnt="0"/>
       <dgm:spPr/>
     </dgm:pt>
+    <dgm:pt modelId="{FBE4C23A-3F6F-4D8F-BA93-4B654E5E0EA7}" type="pres">
+      <dgm:prSet presAssocID="{3113DEAC-5930-40B0-80F2-CCE8658FDA7A}" presName="Name64" presStyleLbl="parChTrans1D3" presStyleIdx="0" presStyleCnt="2"/>
+      <dgm:spPr/>
+    </dgm:pt>
+    <dgm:pt modelId="{70E3C20B-8D43-47D6-A4FC-5C56892D6DE9}" type="pres">
+      <dgm:prSet presAssocID="{E92C542D-9797-4A2D-8D36-525BEA920637}" presName="hierRoot2" presStyleCnt="0">
+        <dgm:presLayoutVars>
+          <dgm:hierBranch val="init"/>
+        </dgm:presLayoutVars>
+      </dgm:prSet>
+      <dgm:spPr/>
+    </dgm:pt>
+    <dgm:pt modelId="{A811AB33-B7F8-4005-A469-6D7F1F7FEA98}" type="pres">
+      <dgm:prSet presAssocID="{E92C542D-9797-4A2D-8D36-525BEA920637}" presName="rootComposite" presStyleCnt="0"/>
+      <dgm:spPr/>
+    </dgm:pt>
+    <dgm:pt modelId="{41022CE7-061B-48EA-9CE3-E26765A0B25C}" type="pres">
+      <dgm:prSet presAssocID="{E92C542D-9797-4A2D-8D36-525BEA920637}" presName="rootText" presStyleLbl="node3" presStyleIdx="0" presStyleCnt="2">
+        <dgm:presLayoutVars>
+          <dgm:chPref val="3"/>
+        </dgm:presLayoutVars>
+      </dgm:prSet>
+      <dgm:spPr/>
+    </dgm:pt>
+    <dgm:pt modelId="{C546C6A8-E6C2-49FA-A857-450570964E39}" type="pres">
+      <dgm:prSet presAssocID="{E92C542D-9797-4A2D-8D36-525BEA920637}" presName="rootConnector" presStyleLbl="node3" presStyleIdx="0" presStyleCnt="2"/>
+      <dgm:spPr/>
+    </dgm:pt>
+    <dgm:pt modelId="{DA827DCC-AD67-43DF-ACA9-16B565E8F338}" type="pres">
+      <dgm:prSet presAssocID="{E92C542D-9797-4A2D-8D36-525BEA920637}" presName="hierChild4" presStyleCnt="0"/>
+      <dgm:spPr/>
+    </dgm:pt>
+    <dgm:pt modelId="{BDF18086-599A-4755-B7AB-FC460864FCD6}" type="pres">
+      <dgm:prSet presAssocID="{E92C542D-9797-4A2D-8D36-525BEA920637}" presName="hierChild5" presStyleCnt="0"/>
+      <dgm:spPr/>
+    </dgm:pt>
     <dgm:pt modelId="{E6C00FCA-C1B5-4CD9-9DC1-AC80B92C842B}" type="pres">
-      <dgm:prSet presAssocID="{00059397-26F8-4CF7-9216-2A3D994A1830}" presName="Name64" presStyleLbl="parChTrans1D3" presStyleIdx="0" presStyleCnt="1"/>
+      <dgm:prSet presAssocID="{00059397-26F8-4CF7-9216-2A3D994A1830}" presName="Name64" presStyleLbl="parChTrans1D3" presStyleIdx="1" presStyleCnt="2"/>
       <dgm:spPr/>
     </dgm:pt>
     <dgm:pt modelId="{3033723F-8A25-4877-913D-713DA47EF227}" type="pres">
@@ -1077,7 +1905,7 @@
       <dgm:spPr/>
     </dgm:pt>
     <dgm:pt modelId="{DEE2BE0D-B518-4587-8BED-CF07AD314572}" type="pres">
-      <dgm:prSet presAssocID="{85AD2AAC-FF82-477B-8D28-1515ED231F64}" presName="rootText" presStyleLbl="node3" presStyleIdx="0" presStyleCnt="1">
+      <dgm:prSet presAssocID="{85AD2AAC-FF82-477B-8D28-1515ED231F64}" presName="rootText" presStyleLbl="node3" presStyleIdx="1" presStyleCnt="2">
         <dgm:presLayoutVars>
           <dgm:chPref val="3"/>
         </dgm:presLayoutVars>
@@ -1085,7 +1913,7 @@
       <dgm:spPr/>
     </dgm:pt>
     <dgm:pt modelId="{5273459B-F60F-4283-9042-A63E541F6CB6}" type="pres">
-      <dgm:prSet presAssocID="{85AD2AAC-FF82-477B-8D28-1515ED231F64}" presName="rootConnector" presStyleLbl="node3" presStyleIdx="0" presStyleCnt="1"/>
+      <dgm:prSet presAssocID="{85AD2AAC-FF82-477B-8D28-1515ED231F64}" presName="rootConnector" presStyleLbl="node3" presStyleIdx="1" presStyleCnt="2"/>
       <dgm:spPr/>
     </dgm:pt>
     <dgm:pt modelId="{5E36063B-4E62-468B-89BE-47359378D5B1}" type="pres">
@@ -1107,17 +1935,21 @@
   </dgm:ptLst>
   <dgm:cxnLst>
     <dgm:cxn modelId="{6048C30B-E47C-4710-9273-DBBE429005D4}" type="presOf" srcId="{7E85E645-60AA-4011-90EE-3803CF83FB06}" destId="{739D003E-DBAC-47C8-A076-7AE9FA636BCF}" srcOrd="0" destOrd="0" presId="urn:microsoft.com/office/officeart/2009/3/layout/HorizontalOrganizationChart"/>
-    <dgm:cxn modelId="{DA1AC35E-C661-46D2-AC7B-30453D6E098D}" srcId="{7E85E645-60AA-4011-90EE-3803CF83FB06}" destId="{85AD2AAC-FF82-477B-8D28-1515ED231F64}" srcOrd="0" destOrd="0" parTransId="{00059397-26F8-4CF7-9216-2A3D994A1830}" sibTransId="{F6499244-A54D-44C1-B5D9-AE3AC25D3BA0}"/>
+    <dgm:cxn modelId="{C5DF8F3D-C33D-4287-8632-269F1428F2C4}" type="presOf" srcId="{E92C542D-9797-4A2D-8D36-525BEA920637}" destId="{41022CE7-061B-48EA-9CE3-E26765A0B25C}" srcOrd="0" destOrd="0" presId="urn:microsoft.com/office/officeart/2009/3/layout/HorizontalOrganizationChart"/>
+    <dgm:cxn modelId="{DA1AC35E-C661-46D2-AC7B-30453D6E098D}" srcId="{7E85E645-60AA-4011-90EE-3803CF83FB06}" destId="{85AD2AAC-FF82-477B-8D28-1515ED231F64}" srcOrd="1" destOrd="0" parTransId="{00059397-26F8-4CF7-9216-2A3D994A1830}" sibTransId="{F6499244-A54D-44C1-B5D9-AE3AC25D3BA0}"/>
     <dgm:cxn modelId="{A40D1C44-24FE-496F-9C73-6B9CE46A823B}" type="presOf" srcId="{7E85E645-60AA-4011-90EE-3803CF83FB06}" destId="{BF4F156F-0898-487B-8F69-30AB76AC7416}" srcOrd="1" destOrd="0" presId="urn:microsoft.com/office/officeart/2009/3/layout/HorizontalOrganizationChart"/>
     <dgm:cxn modelId="{4E94DC6D-5A56-40D2-9EE4-6819B05C264E}" type="presOf" srcId="{85AD2AAC-FF82-477B-8D28-1515ED231F64}" destId="{5273459B-F60F-4283-9042-A63E541F6CB6}" srcOrd="1" destOrd="0" presId="urn:microsoft.com/office/officeart/2009/3/layout/HorizontalOrganizationChart"/>
     <dgm:cxn modelId="{F6C9E771-174A-4800-A42C-16016A3FFA31}" srcId="{B08080AD-D503-4CC1-AF15-B5F018BA61B7}" destId="{3A9B97C3-9D6F-4C94-8609-5F5C5DB2728D}" srcOrd="0" destOrd="0" parTransId="{50012500-388E-4F00-A513-1703FE1BE3C1}" sibTransId="{65D98E47-0A02-4A04-AC87-104468DB99E5}"/>
     <dgm:cxn modelId="{D32FE27F-11D7-466E-B746-8EF05A6460F6}" srcId="{3A9B97C3-9D6F-4C94-8609-5F5C5DB2728D}" destId="{7E85E645-60AA-4011-90EE-3803CF83FB06}" srcOrd="0" destOrd="0" parTransId="{98175F75-4398-4F92-8C16-BA2B48C40887}" sibTransId="{D207E049-B280-4CEA-8162-8A2FA8C1FAE5}"/>
     <dgm:cxn modelId="{6F1C7486-734D-4585-85A5-E84B55137994}" type="presOf" srcId="{3A9B97C3-9D6F-4C94-8609-5F5C5DB2728D}" destId="{7D09F5C1-769A-4C5A-AB94-C476193F7D9E}" srcOrd="0" destOrd="0" presId="urn:microsoft.com/office/officeart/2009/3/layout/HorizontalOrganizationChart"/>
     <dgm:cxn modelId="{5142E895-4935-4040-A954-CC431E21A5CF}" type="presOf" srcId="{85AD2AAC-FF82-477B-8D28-1515ED231F64}" destId="{DEE2BE0D-B518-4587-8BED-CF07AD314572}" srcOrd="0" destOrd="0" presId="urn:microsoft.com/office/officeart/2009/3/layout/HorizontalOrganizationChart"/>
+    <dgm:cxn modelId="{3E5018C3-F726-41CE-9FFC-4FC536A660B9}" srcId="{7E85E645-60AA-4011-90EE-3803CF83FB06}" destId="{E92C542D-9797-4A2D-8D36-525BEA920637}" srcOrd="0" destOrd="0" parTransId="{3113DEAC-5930-40B0-80F2-CCE8658FDA7A}" sibTransId="{D88728B4-9371-401C-BC19-10F3C4557B6A}"/>
     <dgm:cxn modelId="{DD0197C6-D85E-4119-8F4F-CB48901800C8}" type="presOf" srcId="{98175F75-4398-4F92-8C16-BA2B48C40887}" destId="{B6AB710B-3A97-4B79-B53E-22F0665B2F3F}" srcOrd="0" destOrd="0" presId="urn:microsoft.com/office/officeart/2009/3/layout/HorizontalOrganizationChart"/>
     <dgm:cxn modelId="{0AEF19C8-D0DE-4333-A007-F2CBF606D183}" type="presOf" srcId="{B08080AD-D503-4CC1-AF15-B5F018BA61B7}" destId="{AC04B900-A80D-4B29-9C6A-B92D07694795}" srcOrd="0" destOrd="0" presId="urn:microsoft.com/office/officeart/2009/3/layout/HorizontalOrganizationChart"/>
     <dgm:cxn modelId="{F6E7E6CD-1E19-4B39-A259-1F25AFFDADC4}" type="presOf" srcId="{00059397-26F8-4CF7-9216-2A3D994A1830}" destId="{E6C00FCA-C1B5-4CD9-9DC1-AC80B92C842B}" srcOrd="0" destOrd="0" presId="urn:microsoft.com/office/officeart/2009/3/layout/HorizontalOrganizationChart"/>
     <dgm:cxn modelId="{FA6F5DD4-59ED-4AD7-891D-F5A03442A7BE}" type="presOf" srcId="{3A9B97C3-9D6F-4C94-8609-5F5C5DB2728D}" destId="{6FF07D83-44DF-4ADF-A0C8-E851E8700836}" srcOrd="1" destOrd="0" presId="urn:microsoft.com/office/officeart/2009/3/layout/HorizontalOrganizationChart"/>
+    <dgm:cxn modelId="{EE30D2E0-822F-47C4-8A3B-30A58A7E0E70}" type="presOf" srcId="{3113DEAC-5930-40B0-80F2-CCE8658FDA7A}" destId="{FBE4C23A-3F6F-4D8F-BA93-4B654E5E0EA7}" srcOrd="0" destOrd="0" presId="urn:microsoft.com/office/officeart/2009/3/layout/HorizontalOrganizationChart"/>
+    <dgm:cxn modelId="{82FFFAEE-41B0-4519-97DB-62F777334849}" type="presOf" srcId="{E92C542D-9797-4A2D-8D36-525BEA920637}" destId="{C546C6A8-E6C2-49FA-A857-450570964E39}" srcOrd="1" destOrd="0" presId="urn:microsoft.com/office/officeart/2009/3/layout/HorizontalOrganizationChart"/>
     <dgm:cxn modelId="{30FC178B-029D-4387-9DE8-8E5F341E4452}" type="presParOf" srcId="{AC04B900-A80D-4B29-9C6A-B92D07694795}" destId="{B59B1D1A-5BF3-424D-BD27-28E40AA807F7}" srcOrd="0" destOrd="0" presId="urn:microsoft.com/office/officeart/2009/3/layout/HorizontalOrganizationChart"/>
     <dgm:cxn modelId="{BF9863B9-9928-43AB-984C-335C2CE649E5}" type="presParOf" srcId="{B59B1D1A-5BF3-424D-BD27-28E40AA807F7}" destId="{9A2D8C1E-EAD6-4ACE-8C0B-F9F1A23A9898}" srcOrd="0" destOrd="0" presId="urn:microsoft.com/office/officeart/2009/3/layout/HorizontalOrganizationChart"/>
     <dgm:cxn modelId="{4ED8088C-4B4C-4809-984C-260028D0B898}" type="presParOf" srcId="{9A2D8C1E-EAD6-4ACE-8C0B-F9F1A23A9898}" destId="{7D09F5C1-769A-4C5A-AB94-C476193F7D9E}" srcOrd="0" destOrd="0" presId="urn:microsoft.com/office/officeart/2009/3/layout/HorizontalOrganizationChart"/>
@@ -1129,8 +1961,15 @@
     <dgm:cxn modelId="{70AFF3FD-E032-42DC-BB50-7C0AB56DF590}" type="presParOf" srcId="{31ED6EA4-9791-4E6D-858E-CBC12665B7E7}" destId="{739D003E-DBAC-47C8-A076-7AE9FA636BCF}" srcOrd="0" destOrd="0" presId="urn:microsoft.com/office/officeart/2009/3/layout/HorizontalOrganizationChart"/>
     <dgm:cxn modelId="{597BD3D9-4080-4BBC-962C-869A0BC2F833}" type="presParOf" srcId="{31ED6EA4-9791-4E6D-858E-CBC12665B7E7}" destId="{BF4F156F-0898-487B-8F69-30AB76AC7416}" srcOrd="1" destOrd="0" presId="urn:microsoft.com/office/officeart/2009/3/layout/HorizontalOrganizationChart"/>
     <dgm:cxn modelId="{1A6C718D-DFAF-49E3-BDC9-09B34F0AD274}" type="presParOf" srcId="{F25D0F42-E6CC-4E4E-8058-D54714DFE27D}" destId="{B4343AAD-4FA5-445F-B73F-8060240E51DE}" srcOrd="1" destOrd="0" presId="urn:microsoft.com/office/officeart/2009/3/layout/HorizontalOrganizationChart"/>
-    <dgm:cxn modelId="{9CA8584F-C4B7-482B-B063-ED631401D4DB}" type="presParOf" srcId="{B4343AAD-4FA5-445F-B73F-8060240E51DE}" destId="{E6C00FCA-C1B5-4CD9-9DC1-AC80B92C842B}" srcOrd="0" destOrd="0" presId="urn:microsoft.com/office/officeart/2009/3/layout/HorizontalOrganizationChart"/>
-    <dgm:cxn modelId="{E1DEC71D-C453-4745-8151-4191FCF73230}" type="presParOf" srcId="{B4343AAD-4FA5-445F-B73F-8060240E51DE}" destId="{3033723F-8A25-4877-913D-713DA47EF227}" srcOrd="1" destOrd="0" presId="urn:microsoft.com/office/officeart/2009/3/layout/HorizontalOrganizationChart"/>
+    <dgm:cxn modelId="{EEAE6945-2CE0-4E54-B70D-E04711BF795D}" type="presParOf" srcId="{B4343AAD-4FA5-445F-B73F-8060240E51DE}" destId="{FBE4C23A-3F6F-4D8F-BA93-4B654E5E0EA7}" srcOrd="0" destOrd="0" presId="urn:microsoft.com/office/officeart/2009/3/layout/HorizontalOrganizationChart"/>
+    <dgm:cxn modelId="{1F4BABF9-95F7-443B-9B23-7EE91895F94D}" type="presParOf" srcId="{B4343AAD-4FA5-445F-B73F-8060240E51DE}" destId="{70E3C20B-8D43-47D6-A4FC-5C56892D6DE9}" srcOrd="1" destOrd="0" presId="urn:microsoft.com/office/officeart/2009/3/layout/HorizontalOrganizationChart"/>
+    <dgm:cxn modelId="{06D0325A-E464-469B-8357-69F332163E11}" type="presParOf" srcId="{70E3C20B-8D43-47D6-A4FC-5C56892D6DE9}" destId="{A811AB33-B7F8-4005-A469-6D7F1F7FEA98}" srcOrd="0" destOrd="0" presId="urn:microsoft.com/office/officeart/2009/3/layout/HorizontalOrganizationChart"/>
+    <dgm:cxn modelId="{DA8E26EA-0E03-41CC-81F3-E8F6E6365F2E}" type="presParOf" srcId="{A811AB33-B7F8-4005-A469-6D7F1F7FEA98}" destId="{41022CE7-061B-48EA-9CE3-E26765A0B25C}" srcOrd="0" destOrd="0" presId="urn:microsoft.com/office/officeart/2009/3/layout/HorizontalOrganizationChart"/>
+    <dgm:cxn modelId="{3ADC0D44-D05E-416B-81BF-749470AD0632}" type="presParOf" srcId="{A811AB33-B7F8-4005-A469-6D7F1F7FEA98}" destId="{C546C6A8-E6C2-49FA-A857-450570964E39}" srcOrd="1" destOrd="0" presId="urn:microsoft.com/office/officeart/2009/3/layout/HorizontalOrganizationChart"/>
+    <dgm:cxn modelId="{DAFB0BDB-A038-482D-BD2F-7557821B657E}" type="presParOf" srcId="{70E3C20B-8D43-47D6-A4FC-5C56892D6DE9}" destId="{DA827DCC-AD67-43DF-ACA9-16B565E8F338}" srcOrd="1" destOrd="0" presId="urn:microsoft.com/office/officeart/2009/3/layout/HorizontalOrganizationChart"/>
+    <dgm:cxn modelId="{D231EB37-06D2-4C8D-BC37-14B45A74693C}" type="presParOf" srcId="{70E3C20B-8D43-47D6-A4FC-5C56892D6DE9}" destId="{BDF18086-599A-4755-B7AB-FC460864FCD6}" srcOrd="2" destOrd="0" presId="urn:microsoft.com/office/officeart/2009/3/layout/HorizontalOrganizationChart"/>
+    <dgm:cxn modelId="{9CA8584F-C4B7-482B-B063-ED631401D4DB}" type="presParOf" srcId="{B4343AAD-4FA5-445F-B73F-8060240E51DE}" destId="{E6C00FCA-C1B5-4CD9-9DC1-AC80B92C842B}" srcOrd="2" destOrd="0" presId="urn:microsoft.com/office/officeart/2009/3/layout/HorizontalOrganizationChart"/>
+    <dgm:cxn modelId="{E1DEC71D-C453-4745-8151-4191FCF73230}" type="presParOf" srcId="{B4343AAD-4FA5-445F-B73F-8060240E51DE}" destId="{3033723F-8A25-4877-913D-713DA47EF227}" srcOrd="3" destOrd="0" presId="urn:microsoft.com/office/officeart/2009/3/layout/HorizontalOrganizationChart"/>
     <dgm:cxn modelId="{00BFBBF7-8A2F-4983-B669-A5A55127509F}" type="presParOf" srcId="{3033723F-8A25-4877-913D-713DA47EF227}" destId="{1A6AACB8-351D-4F66-91FE-F4F6B9490845}" srcOrd="0" destOrd="0" presId="urn:microsoft.com/office/officeart/2009/3/layout/HorizontalOrganizationChart"/>
     <dgm:cxn modelId="{58B82F71-5AE6-447D-95D8-C4F86388D401}" type="presParOf" srcId="{1A6AACB8-351D-4F66-91FE-F4F6B9490845}" destId="{DEE2BE0D-B518-4587-8BED-CF07AD314572}" srcOrd="0" destOrd="0" presId="urn:microsoft.com/office/officeart/2009/3/layout/HorizontalOrganizationChart"/>
     <dgm:cxn modelId="{08844E39-80BA-43B5-8F30-DCB8E5FE41BC}" type="presParOf" srcId="{1A6AACB8-351D-4F66-91FE-F4F6B9490845}" destId="{5273459B-F60F-4283-9042-A63E541F6CB6}" srcOrd="1" destOrd="0" presId="urn:microsoft.com/office/officeart/2009/3/layout/HorizontalOrganizationChart"/>
@@ -1138,6 +1977,729 @@
     <dgm:cxn modelId="{2819D201-033D-4892-AB31-79226F3A3E35}" type="presParOf" srcId="{3033723F-8A25-4877-913D-713DA47EF227}" destId="{CC2E6B5E-B0DB-4F72-B002-3A0C08C29AC7}" srcOrd="2" destOrd="0" presId="urn:microsoft.com/office/officeart/2009/3/layout/HorizontalOrganizationChart"/>
     <dgm:cxn modelId="{6C56DF96-2911-4452-8EAF-6F1F64BE62B3}" type="presParOf" srcId="{F25D0F42-E6CC-4E4E-8058-D54714DFE27D}" destId="{4FFF544C-F91F-4EAE-A0AE-9D1374F3CEC7}" srcOrd="2" destOrd="0" presId="urn:microsoft.com/office/officeart/2009/3/layout/HorizontalOrganizationChart"/>
     <dgm:cxn modelId="{B920AC61-1907-4720-B5F9-731538CAFC1E}" type="presParOf" srcId="{B59B1D1A-5BF3-424D-BD27-28E40AA807F7}" destId="{98A7D475-6EE8-4A78-8665-CECDA1DE07CB}" srcOrd="2" destOrd="0" presId="urn:microsoft.com/office/officeart/2009/3/layout/HorizontalOrganizationChart"/>
+  </dgm:cxnLst>
+  <dgm:bg/>
+  <dgm:whole/>
+  <dgm:extLst>
+    <a:ext uri="http://schemas.microsoft.com/office/drawing/2008/diagram">
+      <dsp:dataModelExt xmlns:dsp="http://schemas.microsoft.com/office/drawing/2008/diagram" relId="rId8" minVer="http://schemas.openxmlformats.org/drawingml/2006/diagram"/>
+    </a:ext>
+  </dgm:extLst>
+</dgm:dataModel>
+</file>
+
+<file path=ppt/diagrams/data2.xml><?xml version="1.0" encoding="utf-8"?>
+<dgm:dataModel xmlns:dgm="http://schemas.openxmlformats.org/drawingml/2006/diagram" xmlns:a="http://schemas.openxmlformats.org/drawingml/2006/main">
+  <dgm:ptLst>
+    <dgm:pt modelId="{B08080AD-D503-4CC1-AF15-B5F018BA61B7}" type="doc">
+      <dgm:prSet loTypeId="urn:microsoft.com/office/officeart/2005/8/layout/hierarchy3" loCatId="hierarchy" qsTypeId="urn:microsoft.com/office/officeart/2005/8/quickstyle/simple5" qsCatId="simple" csTypeId="urn:microsoft.com/office/officeart/2005/8/colors/accent0_3" csCatId="mainScheme" phldr="1"/>
+      <dgm:spPr/>
+    </dgm:pt>
+    <dgm:pt modelId="{3A9B97C3-9D6F-4C94-8609-5F5C5DB2728D}">
+      <dgm:prSet phldrT="[Texto]"/>
+      <dgm:spPr/>
+      <dgm:t>
+        <a:bodyPr/>
+        <a:lstStyle/>
+        <a:p>
+          <a:r>
+            <a:rPr lang="it-IT" dirty="0"/>
+            <a:t>Random Forest</a:t>
+          </a:r>
+          <a:endParaRPr lang="es-CL" dirty="0"/>
+        </a:p>
+      </dgm:t>
+    </dgm:pt>
+    <dgm:pt modelId="{50012500-388E-4F00-A513-1703FE1BE3C1}" type="parTrans" cxnId="{F6C9E771-174A-4800-A42C-16016A3FFA31}">
+      <dgm:prSet/>
+      <dgm:spPr/>
+      <dgm:t>
+        <a:bodyPr/>
+        <a:lstStyle/>
+        <a:p>
+          <a:endParaRPr lang="es-CL"/>
+        </a:p>
+      </dgm:t>
+    </dgm:pt>
+    <dgm:pt modelId="{65D98E47-0A02-4A04-AC87-104468DB99E5}" type="sibTrans" cxnId="{F6C9E771-174A-4800-A42C-16016A3FFA31}">
+      <dgm:prSet/>
+      <dgm:spPr/>
+      <dgm:t>
+        <a:bodyPr/>
+        <a:lstStyle/>
+        <a:p>
+          <a:endParaRPr lang="es-CL"/>
+        </a:p>
+      </dgm:t>
+    </dgm:pt>
+    <dgm:pt modelId="{7E85E645-60AA-4011-90EE-3803CF83FB06}">
+      <dgm:prSet phldrT="[Texto]"/>
+      <dgm:spPr/>
+      <dgm:t>
+        <a:bodyPr/>
+        <a:lstStyle/>
+        <a:p>
+          <a:r>
+            <a:rPr lang="es-CL" dirty="0"/>
+            <a:t>Train error: 9.319</a:t>
+          </a:r>
+        </a:p>
+      </dgm:t>
+    </dgm:pt>
+    <dgm:pt modelId="{98175F75-4398-4F92-8C16-BA2B48C40887}" type="parTrans" cxnId="{D32FE27F-11D7-466E-B746-8EF05A6460F6}">
+      <dgm:prSet/>
+      <dgm:spPr/>
+      <dgm:t>
+        <a:bodyPr/>
+        <a:lstStyle/>
+        <a:p>
+          <a:endParaRPr lang="es-CL"/>
+        </a:p>
+      </dgm:t>
+    </dgm:pt>
+    <dgm:pt modelId="{D207E049-B280-4CEA-8162-8A2FA8C1FAE5}" type="sibTrans" cxnId="{D32FE27F-11D7-466E-B746-8EF05A6460F6}">
+      <dgm:prSet/>
+      <dgm:spPr/>
+      <dgm:t>
+        <a:bodyPr/>
+        <a:lstStyle/>
+        <a:p>
+          <a:endParaRPr lang="es-CL"/>
+        </a:p>
+      </dgm:t>
+    </dgm:pt>
+    <dgm:pt modelId="{85AD2AAC-FF82-477B-8D28-1515ED231F64}">
+      <dgm:prSet phldrT="[Texto]"/>
+      <dgm:spPr/>
+      <dgm:t>
+        <a:bodyPr/>
+        <a:lstStyle/>
+        <a:p>
+          <a:r>
+            <a:rPr lang="it-IT" dirty="0"/>
+            <a:t>Train error:</a:t>
+          </a:r>
+          <a:endParaRPr lang="es-CL" dirty="0"/>
+        </a:p>
+      </dgm:t>
+    </dgm:pt>
+    <dgm:pt modelId="{00059397-26F8-4CF7-9216-2A3D994A1830}" type="parTrans" cxnId="{DA1AC35E-C661-46D2-AC7B-30453D6E098D}">
+      <dgm:prSet/>
+      <dgm:spPr/>
+      <dgm:t>
+        <a:bodyPr/>
+        <a:lstStyle/>
+        <a:p>
+          <a:endParaRPr lang="es-CL"/>
+        </a:p>
+      </dgm:t>
+    </dgm:pt>
+    <dgm:pt modelId="{F6499244-A54D-44C1-B5D9-AE3AC25D3BA0}" type="sibTrans" cxnId="{DA1AC35E-C661-46D2-AC7B-30453D6E098D}">
+      <dgm:prSet/>
+      <dgm:spPr/>
+      <dgm:t>
+        <a:bodyPr/>
+        <a:lstStyle/>
+        <a:p>
+          <a:endParaRPr lang="es-CL"/>
+        </a:p>
+      </dgm:t>
+    </dgm:pt>
+    <dgm:pt modelId="{E92C542D-9797-4A2D-8D36-525BEA920637}">
+      <dgm:prSet phldrT="[Texto]"/>
+      <dgm:spPr/>
+      <dgm:t>
+        <a:bodyPr/>
+        <a:lstStyle/>
+        <a:p>
+          <a:r>
+            <a:rPr lang="it-IT" dirty="0"/>
+            <a:t>SVM</a:t>
+          </a:r>
+          <a:endParaRPr lang="es-CL" dirty="0"/>
+        </a:p>
+      </dgm:t>
+    </dgm:pt>
+    <dgm:pt modelId="{3113DEAC-5930-40B0-80F2-CCE8658FDA7A}" type="parTrans" cxnId="{3E5018C3-F726-41CE-9FFC-4FC536A660B9}">
+      <dgm:prSet/>
+      <dgm:spPr/>
+      <dgm:t>
+        <a:bodyPr/>
+        <a:lstStyle/>
+        <a:p>
+          <a:endParaRPr lang="es-CL"/>
+        </a:p>
+      </dgm:t>
+    </dgm:pt>
+    <dgm:pt modelId="{D88728B4-9371-401C-BC19-10F3C4557B6A}" type="sibTrans" cxnId="{3E5018C3-F726-41CE-9FFC-4FC536A660B9}">
+      <dgm:prSet/>
+      <dgm:spPr/>
+      <dgm:t>
+        <a:bodyPr/>
+        <a:lstStyle/>
+        <a:p>
+          <a:endParaRPr lang="es-CL"/>
+        </a:p>
+      </dgm:t>
+    </dgm:pt>
+    <dgm:pt modelId="{081F4EFF-8711-4B82-ACDD-7C71EA6A560C}">
+      <dgm:prSet phldrT="[Texto]"/>
+      <dgm:spPr/>
+      <dgm:t>
+        <a:bodyPr/>
+        <a:lstStyle/>
+        <a:p>
+          <a:r>
+            <a:rPr lang="it-IT" dirty="0"/>
+            <a:t>Naive Bayes</a:t>
+          </a:r>
+          <a:endParaRPr lang="es-CL" dirty="0"/>
+        </a:p>
+      </dgm:t>
+    </dgm:pt>
+    <dgm:pt modelId="{8A6E7FFE-0794-45CA-89FD-A40C1A74F682}" type="parTrans" cxnId="{52B8C6F0-888F-48B5-A4BB-65BBF90128E3}">
+      <dgm:prSet/>
+      <dgm:spPr/>
+      <dgm:t>
+        <a:bodyPr/>
+        <a:lstStyle/>
+        <a:p>
+          <a:endParaRPr lang="es-CL"/>
+        </a:p>
+      </dgm:t>
+    </dgm:pt>
+    <dgm:pt modelId="{52689D7F-BF10-4504-93A9-F81F6F75330B}" type="sibTrans" cxnId="{52B8C6F0-888F-48B5-A4BB-65BBF90128E3}">
+      <dgm:prSet/>
+      <dgm:spPr/>
+      <dgm:t>
+        <a:bodyPr/>
+        <a:lstStyle/>
+        <a:p>
+          <a:endParaRPr lang="es-CL"/>
+        </a:p>
+      </dgm:t>
+    </dgm:pt>
+    <dgm:pt modelId="{3732F38F-4BDC-4B26-A17D-AD1E4A7D5845}">
+      <dgm:prSet phldrT="[Texto]"/>
+      <dgm:spPr/>
+      <dgm:t>
+        <a:bodyPr/>
+        <a:lstStyle/>
+        <a:p>
+          <a:r>
+            <a:rPr lang="it-IT" dirty="0"/>
+            <a:t>Train error:</a:t>
+          </a:r>
+          <a:endParaRPr lang="es-CL" dirty="0"/>
+        </a:p>
+      </dgm:t>
+    </dgm:pt>
+    <dgm:pt modelId="{B19D9C8B-9BB3-4677-92F0-5F4371523766}" type="parTrans" cxnId="{611F481D-F69C-4F95-BFCD-9B403AC15642}">
+      <dgm:prSet/>
+      <dgm:spPr/>
+      <dgm:t>
+        <a:bodyPr/>
+        <a:lstStyle/>
+        <a:p>
+          <a:endParaRPr lang="es-CL"/>
+        </a:p>
+      </dgm:t>
+    </dgm:pt>
+    <dgm:pt modelId="{16527B29-CB06-407D-B49F-B37B3D4EAB82}" type="sibTrans" cxnId="{611F481D-F69C-4F95-BFCD-9B403AC15642}">
+      <dgm:prSet/>
+      <dgm:spPr/>
+      <dgm:t>
+        <a:bodyPr/>
+        <a:lstStyle/>
+        <a:p>
+          <a:endParaRPr lang="es-CL"/>
+        </a:p>
+      </dgm:t>
+    </dgm:pt>
+    <dgm:pt modelId="{4D133BA9-6D6B-427D-B655-1EFF5C92E72E}">
+      <dgm:prSet phldrT="[Texto]"/>
+      <dgm:spPr/>
+      <dgm:t>
+        <a:bodyPr/>
+        <a:lstStyle/>
+        <a:p>
+          <a:r>
+            <a:rPr lang="it-IT" dirty="0"/>
+            <a:t>…</a:t>
+          </a:r>
+          <a:endParaRPr lang="es-CL" dirty="0"/>
+        </a:p>
+      </dgm:t>
+    </dgm:pt>
+    <dgm:pt modelId="{66BBC29A-4A31-4333-9293-024FBE25F5E9}" type="parTrans" cxnId="{7C7F39A2-D32B-4D9F-92F7-751F114CCFC5}">
+      <dgm:prSet/>
+      <dgm:spPr/>
+      <dgm:t>
+        <a:bodyPr/>
+        <a:lstStyle/>
+        <a:p>
+          <a:endParaRPr lang="es-CL"/>
+        </a:p>
+      </dgm:t>
+    </dgm:pt>
+    <dgm:pt modelId="{C3471980-0147-4156-8440-0523D30E66CA}" type="sibTrans" cxnId="{7C7F39A2-D32B-4D9F-92F7-751F114CCFC5}">
+      <dgm:prSet/>
+      <dgm:spPr/>
+      <dgm:t>
+        <a:bodyPr/>
+        <a:lstStyle/>
+        <a:p>
+          <a:endParaRPr lang="es-CL"/>
+        </a:p>
+      </dgm:t>
+    </dgm:pt>
+    <dgm:pt modelId="{D9EC62D0-C90E-4486-B6DF-FBB8AB0DCE43}">
+      <dgm:prSet phldrT="[Texto]"/>
+      <dgm:spPr/>
+      <dgm:t>
+        <a:bodyPr/>
+        <a:lstStyle/>
+        <a:p>
+          <a:r>
+            <a:rPr lang="it-IT" dirty="0"/>
+            <a:t>Train error</a:t>
+          </a:r>
+          <a:endParaRPr lang="es-CL" dirty="0"/>
+        </a:p>
+      </dgm:t>
+    </dgm:pt>
+    <dgm:pt modelId="{1CA519D5-9D6C-46C8-9E34-A27E8F20ABE0}" type="parTrans" cxnId="{1BF01741-CD3D-4A6E-88D8-7B6A2382F178}">
+      <dgm:prSet/>
+      <dgm:spPr/>
+      <dgm:t>
+        <a:bodyPr/>
+        <a:lstStyle/>
+        <a:p>
+          <a:endParaRPr lang="es-CL"/>
+        </a:p>
+      </dgm:t>
+    </dgm:pt>
+    <dgm:pt modelId="{A16FA853-752F-40C6-B02A-62415E415D4B}" type="sibTrans" cxnId="{1BF01741-CD3D-4A6E-88D8-7B6A2382F178}">
+      <dgm:prSet/>
+      <dgm:spPr/>
+      <dgm:t>
+        <a:bodyPr/>
+        <a:lstStyle/>
+        <a:p>
+          <a:endParaRPr lang="es-CL"/>
+        </a:p>
+      </dgm:t>
+    </dgm:pt>
+    <dgm:pt modelId="{D0490D21-C2A9-40F8-99A0-E4E6FF9BAA83}">
+      <dgm:prSet/>
+      <dgm:spPr/>
+      <dgm:t>
+        <a:bodyPr/>
+        <a:lstStyle/>
+        <a:p>
+          <a:r>
+            <a:rPr lang="es-CL" dirty="0"/>
+            <a:t>Test error: 9.093</a:t>
+          </a:r>
+        </a:p>
+      </dgm:t>
+    </dgm:pt>
+    <dgm:pt modelId="{CA182B0E-640C-49C7-8771-645208187AAB}" type="parTrans" cxnId="{E5E68AA1-C333-4941-BC09-D194764EF0E1}">
+      <dgm:prSet/>
+      <dgm:spPr/>
+      <dgm:t>
+        <a:bodyPr/>
+        <a:lstStyle/>
+        <a:p>
+          <a:endParaRPr lang="es-CL"/>
+        </a:p>
+      </dgm:t>
+    </dgm:pt>
+    <dgm:pt modelId="{CF231055-B78D-4AAC-94CF-ED1AC4C28BF3}" type="sibTrans" cxnId="{E5E68AA1-C333-4941-BC09-D194764EF0E1}">
+      <dgm:prSet/>
+      <dgm:spPr/>
+      <dgm:t>
+        <a:bodyPr/>
+        <a:lstStyle/>
+        <a:p>
+          <a:endParaRPr lang="es-CL"/>
+        </a:p>
+      </dgm:t>
+    </dgm:pt>
+    <dgm:pt modelId="{9448F9AC-55EA-42F8-9642-F45D4A08562E}">
+      <dgm:prSet phldrT="[Texto]"/>
+      <dgm:spPr/>
+      <dgm:t>
+        <a:bodyPr/>
+        <a:lstStyle/>
+        <a:p>
+          <a:r>
+            <a:rPr lang="it-IT" dirty="0"/>
+            <a:t>Test error:</a:t>
+          </a:r>
+          <a:endParaRPr lang="es-CL" dirty="0"/>
+        </a:p>
+      </dgm:t>
+    </dgm:pt>
+    <dgm:pt modelId="{3F9DC288-2310-4DC3-81BA-16BDCFDA0406}" type="parTrans" cxnId="{C99865D1-9346-4677-A78F-54CFB3685BD4}">
+      <dgm:prSet/>
+      <dgm:spPr/>
+      <dgm:t>
+        <a:bodyPr/>
+        <a:lstStyle/>
+        <a:p>
+          <a:endParaRPr lang="es-CL"/>
+        </a:p>
+      </dgm:t>
+    </dgm:pt>
+    <dgm:pt modelId="{07C7CA31-B7C1-49B2-9B5F-0E3CDD385580}" type="sibTrans" cxnId="{C99865D1-9346-4677-A78F-54CFB3685BD4}">
+      <dgm:prSet/>
+      <dgm:spPr/>
+      <dgm:t>
+        <a:bodyPr/>
+        <a:lstStyle/>
+        <a:p>
+          <a:endParaRPr lang="es-CL"/>
+        </a:p>
+      </dgm:t>
+    </dgm:pt>
+    <dgm:pt modelId="{9D9F43F4-284A-41A2-B0EB-8838B8217D0F}">
+      <dgm:prSet phldrT="[Texto]"/>
+      <dgm:spPr/>
+      <dgm:t>
+        <a:bodyPr/>
+        <a:lstStyle/>
+        <a:p>
+          <a:r>
+            <a:rPr lang="it-IT" dirty="0"/>
+            <a:t>Test error:</a:t>
+          </a:r>
+          <a:endParaRPr lang="es-CL" dirty="0"/>
+        </a:p>
+      </dgm:t>
+    </dgm:pt>
+    <dgm:pt modelId="{08988B2E-F542-466D-84D8-606520337B76}" type="parTrans" cxnId="{18E4CABD-1E0F-4D9B-830A-F9C6722726A9}">
+      <dgm:prSet/>
+      <dgm:spPr/>
+      <dgm:t>
+        <a:bodyPr/>
+        <a:lstStyle/>
+        <a:p>
+          <a:endParaRPr lang="es-CL"/>
+        </a:p>
+      </dgm:t>
+    </dgm:pt>
+    <dgm:pt modelId="{F7AF96D4-F0EC-4FC2-BB6F-37CB5622F617}" type="sibTrans" cxnId="{18E4CABD-1E0F-4D9B-830A-F9C6722726A9}">
+      <dgm:prSet/>
+      <dgm:spPr/>
+      <dgm:t>
+        <a:bodyPr/>
+        <a:lstStyle/>
+        <a:p>
+          <a:endParaRPr lang="es-CL"/>
+        </a:p>
+      </dgm:t>
+    </dgm:pt>
+    <dgm:pt modelId="{D5ABD636-75C8-429A-92D5-1568EE5BF4D8}">
+      <dgm:prSet phldrT="[Texto]"/>
+      <dgm:spPr/>
+      <dgm:t>
+        <a:bodyPr/>
+        <a:lstStyle/>
+        <a:p>
+          <a:r>
+            <a:rPr lang="it-IT" dirty="0"/>
+            <a:t>Test error</a:t>
+          </a:r>
+          <a:endParaRPr lang="es-CL" dirty="0"/>
+        </a:p>
+      </dgm:t>
+    </dgm:pt>
+    <dgm:pt modelId="{DBCB69DC-C269-4EFE-B357-943085CE7EE7}" type="parTrans" cxnId="{CD4E557E-F604-4D52-B104-B40D2AD98382}">
+      <dgm:prSet/>
+      <dgm:spPr/>
+      <dgm:t>
+        <a:bodyPr/>
+        <a:lstStyle/>
+        <a:p>
+          <a:endParaRPr lang="es-CL"/>
+        </a:p>
+      </dgm:t>
+    </dgm:pt>
+    <dgm:pt modelId="{DEDA125D-28DA-433C-BD9B-C56D995F51A5}" type="sibTrans" cxnId="{CD4E557E-F604-4D52-B104-B40D2AD98382}">
+      <dgm:prSet/>
+      <dgm:spPr/>
+      <dgm:t>
+        <a:bodyPr/>
+        <a:lstStyle/>
+        <a:p>
+          <a:endParaRPr lang="es-CL"/>
+        </a:p>
+      </dgm:t>
+    </dgm:pt>
+    <dgm:pt modelId="{8FAB0978-5E43-4F2C-A28D-587B635B233A}" type="pres">
+      <dgm:prSet presAssocID="{B08080AD-D503-4CC1-AF15-B5F018BA61B7}" presName="diagram" presStyleCnt="0">
+        <dgm:presLayoutVars>
+          <dgm:chPref val="1"/>
+          <dgm:dir/>
+          <dgm:animOne val="branch"/>
+          <dgm:animLvl val="lvl"/>
+          <dgm:resizeHandles/>
+        </dgm:presLayoutVars>
+      </dgm:prSet>
+      <dgm:spPr/>
+    </dgm:pt>
+    <dgm:pt modelId="{2F19BD0D-78CD-45EA-BAE9-9173F5EC417C}" type="pres">
+      <dgm:prSet presAssocID="{3A9B97C3-9D6F-4C94-8609-5F5C5DB2728D}" presName="root" presStyleCnt="0"/>
+      <dgm:spPr/>
+    </dgm:pt>
+    <dgm:pt modelId="{EFA78472-B47B-4036-9573-4191D6BB2B51}" type="pres">
+      <dgm:prSet presAssocID="{3A9B97C3-9D6F-4C94-8609-5F5C5DB2728D}" presName="rootComposite" presStyleCnt="0"/>
+      <dgm:spPr/>
+    </dgm:pt>
+    <dgm:pt modelId="{1348AC1E-DD17-4CE7-914D-8EC547D42741}" type="pres">
+      <dgm:prSet presAssocID="{3A9B97C3-9D6F-4C94-8609-5F5C5DB2728D}" presName="rootText" presStyleLbl="node1" presStyleIdx="0" presStyleCnt="4"/>
+      <dgm:spPr/>
+    </dgm:pt>
+    <dgm:pt modelId="{51B26882-6FF4-49E9-BE91-60A3BAA2E7AF}" type="pres">
+      <dgm:prSet presAssocID="{3A9B97C3-9D6F-4C94-8609-5F5C5DB2728D}" presName="rootConnector" presStyleLbl="node1" presStyleIdx="0" presStyleCnt="4"/>
+      <dgm:spPr/>
+    </dgm:pt>
+    <dgm:pt modelId="{B7C41563-5662-4991-B5CE-CE58C6E6D2B0}" type="pres">
+      <dgm:prSet presAssocID="{3A9B97C3-9D6F-4C94-8609-5F5C5DB2728D}" presName="childShape" presStyleCnt="0"/>
+      <dgm:spPr/>
+    </dgm:pt>
+    <dgm:pt modelId="{82A4C021-BF83-4DF4-9ED2-9774A39DDF42}" type="pres">
+      <dgm:prSet presAssocID="{98175F75-4398-4F92-8C16-BA2B48C40887}" presName="Name13" presStyleLbl="parChTrans1D2" presStyleIdx="0" presStyleCnt="8"/>
+      <dgm:spPr/>
+    </dgm:pt>
+    <dgm:pt modelId="{4884369A-C179-45A0-8255-FD552D40C9A7}" type="pres">
+      <dgm:prSet presAssocID="{7E85E645-60AA-4011-90EE-3803CF83FB06}" presName="childText" presStyleLbl="bgAcc1" presStyleIdx="0" presStyleCnt="8">
+        <dgm:presLayoutVars>
+          <dgm:bulletEnabled val="1"/>
+        </dgm:presLayoutVars>
+      </dgm:prSet>
+      <dgm:spPr/>
+    </dgm:pt>
+    <dgm:pt modelId="{AC67B2C7-C32E-48AF-9331-211D5880C6CD}" type="pres">
+      <dgm:prSet presAssocID="{CA182B0E-640C-49C7-8771-645208187AAB}" presName="Name13" presStyleLbl="parChTrans1D2" presStyleIdx="1" presStyleCnt="8"/>
+      <dgm:spPr/>
+    </dgm:pt>
+    <dgm:pt modelId="{EF01AE0E-D910-4596-8E88-2E43E35CF59F}" type="pres">
+      <dgm:prSet presAssocID="{D0490D21-C2A9-40F8-99A0-E4E6FF9BAA83}" presName="childText" presStyleLbl="bgAcc1" presStyleIdx="1" presStyleCnt="8">
+        <dgm:presLayoutVars>
+          <dgm:bulletEnabled val="1"/>
+        </dgm:presLayoutVars>
+      </dgm:prSet>
+      <dgm:spPr/>
+    </dgm:pt>
+    <dgm:pt modelId="{F177C8F5-0CAB-4611-A60E-5E11C2A7F38B}" type="pres">
+      <dgm:prSet presAssocID="{E92C542D-9797-4A2D-8D36-525BEA920637}" presName="root" presStyleCnt="0"/>
+      <dgm:spPr/>
+    </dgm:pt>
+    <dgm:pt modelId="{07DDD6A7-8DD9-47D6-B6A9-4018E59518A5}" type="pres">
+      <dgm:prSet presAssocID="{E92C542D-9797-4A2D-8D36-525BEA920637}" presName="rootComposite" presStyleCnt="0"/>
+      <dgm:spPr/>
+    </dgm:pt>
+    <dgm:pt modelId="{7326AF9C-CD2D-4070-B659-3370DF4517BA}" type="pres">
+      <dgm:prSet presAssocID="{E92C542D-9797-4A2D-8D36-525BEA920637}" presName="rootText" presStyleLbl="node1" presStyleIdx="1" presStyleCnt="4"/>
+      <dgm:spPr/>
+    </dgm:pt>
+    <dgm:pt modelId="{FDA576F5-0CFB-4281-8F2E-BEFE1BBDB347}" type="pres">
+      <dgm:prSet presAssocID="{E92C542D-9797-4A2D-8D36-525BEA920637}" presName="rootConnector" presStyleLbl="node1" presStyleIdx="1" presStyleCnt="4"/>
+      <dgm:spPr/>
+    </dgm:pt>
+    <dgm:pt modelId="{146A293C-0DFE-483F-B2F9-D71D4553B922}" type="pres">
+      <dgm:prSet presAssocID="{E92C542D-9797-4A2D-8D36-525BEA920637}" presName="childShape" presStyleCnt="0"/>
+      <dgm:spPr/>
+    </dgm:pt>
+    <dgm:pt modelId="{0B35A0B3-9AA9-43EC-822F-4361A0C8C601}" type="pres">
+      <dgm:prSet presAssocID="{00059397-26F8-4CF7-9216-2A3D994A1830}" presName="Name13" presStyleLbl="parChTrans1D2" presStyleIdx="2" presStyleCnt="8"/>
+      <dgm:spPr/>
+    </dgm:pt>
+    <dgm:pt modelId="{9E9C9F9A-E574-44C5-9C4C-248F2E51A5FC}" type="pres">
+      <dgm:prSet presAssocID="{85AD2AAC-FF82-477B-8D28-1515ED231F64}" presName="childText" presStyleLbl="bgAcc1" presStyleIdx="2" presStyleCnt="8">
+        <dgm:presLayoutVars>
+          <dgm:bulletEnabled val="1"/>
+        </dgm:presLayoutVars>
+      </dgm:prSet>
+      <dgm:spPr/>
+    </dgm:pt>
+    <dgm:pt modelId="{36DF90CA-3FA8-4052-A313-A0252BEAF2BE}" type="pres">
+      <dgm:prSet presAssocID="{3F9DC288-2310-4DC3-81BA-16BDCFDA0406}" presName="Name13" presStyleLbl="parChTrans1D2" presStyleIdx="3" presStyleCnt="8"/>
+      <dgm:spPr/>
+    </dgm:pt>
+    <dgm:pt modelId="{E0AF71CE-9C03-4119-8FF2-29BF22D751F5}" type="pres">
+      <dgm:prSet presAssocID="{9448F9AC-55EA-42F8-9642-F45D4A08562E}" presName="childText" presStyleLbl="bgAcc1" presStyleIdx="3" presStyleCnt="8">
+        <dgm:presLayoutVars>
+          <dgm:bulletEnabled val="1"/>
+        </dgm:presLayoutVars>
+      </dgm:prSet>
+      <dgm:spPr/>
+    </dgm:pt>
+    <dgm:pt modelId="{52E658C5-FC49-4F76-B49A-943F27CD3F31}" type="pres">
+      <dgm:prSet presAssocID="{081F4EFF-8711-4B82-ACDD-7C71EA6A560C}" presName="root" presStyleCnt="0"/>
+      <dgm:spPr/>
+    </dgm:pt>
+    <dgm:pt modelId="{93BAD546-A1D3-47B3-92DA-0C4C41AF2D72}" type="pres">
+      <dgm:prSet presAssocID="{081F4EFF-8711-4B82-ACDD-7C71EA6A560C}" presName="rootComposite" presStyleCnt="0"/>
+      <dgm:spPr/>
+    </dgm:pt>
+    <dgm:pt modelId="{45AAA509-A316-45BB-8FE5-56929CE9E43D}" type="pres">
+      <dgm:prSet presAssocID="{081F4EFF-8711-4B82-ACDD-7C71EA6A560C}" presName="rootText" presStyleLbl="node1" presStyleIdx="2" presStyleCnt="4"/>
+      <dgm:spPr/>
+    </dgm:pt>
+    <dgm:pt modelId="{F7375D93-CB17-4580-B99F-A867BBCCBEA3}" type="pres">
+      <dgm:prSet presAssocID="{081F4EFF-8711-4B82-ACDD-7C71EA6A560C}" presName="rootConnector" presStyleLbl="node1" presStyleIdx="2" presStyleCnt="4"/>
+      <dgm:spPr/>
+    </dgm:pt>
+    <dgm:pt modelId="{0740801C-329F-4F07-910D-A31B655202F8}" type="pres">
+      <dgm:prSet presAssocID="{081F4EFF-8711-4B82-ACDD-7C71EA6A560C}" presName="childShape" presStyleCnt="0"/>
+      <dgm:spPr/>
+    </dgm:pt>
+    <dgm:pt modelId="{8BC33271-ACF8-4CB3-852A-E73400BBBF35}" type="pres">
+      <dgm:prSet presAssocID="{B19D9C8B-9BB3-4677-92F0-5F4371523766}" presName="Name13" presStyleLbl="parChTrans1D2" presStyleIdx="4" presStyleCnt="8"/>
+      <dgm:spPr/>
+    </dgm:pt>
+    <dgm:pt modelId="{4C1AAEA7-A87B-455A-8B94-7244153AC2F0}" type="pres">
+      <dgm:prSet presAssocID="{3732F38F-4BDC-4B26-A17D-AD1E4A7D5845}" presName="childText" presStyleLbl="bgAcc1" presStyleIdx="4" presStyleCnt="8">
+        <dgm:presLayoutVars>
+          <dgm:bulletEnabled val="1"/>
+        </dgm:presLayoutVars>
+      </dgm:prSet>
+      <dgm:spPr/>
+    </dgm:pt>
+    <dgm:pt modelId="{DAA075EE-CA0E-4A68-9A70-A708D52CBFF5}" type="pres">
+      <dgm:prSet presAssocID="{08988B2E-F542-466D-84D8-606520337B76}" presName="Name13" presStyleLbl="parChTrans1D2" presStyleIdx="5" presStyleCnt="8"/>
+      <dgm:spPr/>
+    </dgm:pt>
+    <dgm:pt modelId="{8EE165F4-EC6C-4016-86AC-047EA3D6660E}" type="pres">
+      <dgm:prSet presAssocID="{9D9F43F4-284A-41A2-B0EB-8838B8217D0F}" presName="childText" presStyleLbl="bgAcc1" presStyleIdx="5" presStyleCnt="8">
+        <dgm:presLayoutVars>
+          <dgm:bulletEnabled val="1"/>
+        </dgm:presLayoutVars>
+      </dgm:prSet>
+      <dgm:spPr/>
+    </dgm:pt>
+    <dgm:pt modelId="{D0F9A7BE-38BD-4C79-A5FD-2DF653A41F6D}" type="pres">
+      <dgm:prSet presAssocID="{4D133BA9-6D6B-427D-B655-1EFF5C92E72E}" presName="root" presStyleCnt="0"/>
+      <dgm:spPr/>
+    </dgm:pt>
+    <dgm:pt modelId="{42E7C1B5-0E2B-498D-9F5C-7461A0899622}" type="pres">
+      <dgm:prSet presAssocID="{4D133BA9-6D6B-427D-B655-1EFF5C92E72E}" presName="rootComposite" presStyleCnt="0"/>
+      <dgm:spPr/>
+    </dgm:pt>
+    <dgm:pt modelId="{2C41AF9C-3D56-4ED1-BA84-B3F7A4C0652A}" type="pres">
+      <dgm:prSet presAssocID="{4D133BA9-6D6B-427D-B655-1EFF5C92E72E}" presName="rootText" presStyleLbl="node1" presStyleIdx="3" presStyleCnt="4"/>
+      <dgm:spPr/>
+    </dgm:pt>
+    <dgm:pt modelId="{299BC576-C67A-49AE-9603-FAF50DDF4BFF}" type="pres">
+      <dgm:prSet presAssocID="{4D133BA9-6D6B-427D-B655-1EFF5C92E72E}" presName="rootConnector" presStyleLbl="node1" presStyleIdx="3" presStyleCnt="4"/>
+      <dgm:spPr/>
+    </dgm:pt>
+    <dgm:pt modelId="{CC1C8967-94DD-4845-8B79-35DD41D26532}" type="pres">
+      <dgm:prSet presAssocID="{4D133BA9-6D6B-427D-B655-1EFF5C92E72E}" presName="childShape" presStyleCnt="0"/>
+      <dgm:spPr/>
+    </dgm:pt>
+    <dgm:pt modelId="{4D90285A-D363-4134-A85D-EA0977C7F843}" type="pres">
+      <dgm:prSet presAssocID="{1CA519D5-9D6C-46C8-9E34-A27E8F20ABE0}" presName="Name13" presStyleLbl="parChTrans1D2" presStyleIdx="6" presStyleCnt="8"/>
+      <dgm:spPr/>
+    </dgm:pt>
+    <dgm:pt modelId="{C90857B4-0509-4EAD-ADEF-6B19F00957FA}" type="pres">
+      <dgm:prSet presAssocID="{D9EC62D0-C90E-4486-B6DF-FBB8AB0DCE43}" presName="childText" presStyleLbl="bgAcc1" presStyleIdx="6" presStyleCnt="8">
+        <dgm:presLayoutVars>
+          <dgm:bulletEnabled val="1"/>
+        </dgm:presLayoutVars>
+      </dgm:prSet>
+      <dgm:spPr/>
+    </dgm:pt>
+    <dgm:pt modelId="{B85FD9A8-61BC-4F21-9DDE-4404D4A179B6}" type="pres">
+      <dgm:prSet presAssocID="{DBCB69DC-C269-4EFE-B357-943085CE7EE7}" presName="Name13" presStyleLbl="parChTrans1D2" presStyleIdx="7" presStyleCnt="8"/>
+      <dgm:spPr/>
+    </dgm:pt>
+    <dgm:pt modelId="{E4C16BDA-9C3C-45B8-A75A-2A92965EB775}" type="pres">
+      <dgm:prSet presAssocID="{D5ABD636-75C8-429A-92D5-1568EE5BF4D8}" presName="childText" presStyleLbl="bgAcc1" presStyleIdx="7" presStyleCnt="8">
+        <dgm:presLayoutVars>
+          <dgm:bulletEnabled val="1"/>
+        </dgm:presLayoutVars>
+      </dgm:prSet>
+      <dgm:spPr/>
+    </dgm:pt>
+  </dgm:ptLst>
+  <dgm:cxnLst>
+    <dgm:cxn modelId="{165B0A16-1806-45D5-BB56-EB0C490344AE}" type="presOf" srcId="{3F9DC288-2310-4DC3-81BA-16BDCFDA0406}" destId="{36DF90CA-3FA8-4052-A313-A0252BEAF2BE}" srcOrd="0" destOrd="0" presId="urn:microsoft.com/office/officeart/2005/8/layout/hierarchy3"/>
+    <dgm:cxn modelId="{611F481D-F69C-4F95-BFCD-9B403AC15642}" srcId="{081F4EFF-8711-4B82-ACDD-7C71EA6A560C}" destId="{3732F38F-4BDC-4B26-A17D-AD1E4A7D5845}" srcOrd="0" destOrd="0" parTransId="{B19D9C8B-9BB3-4677-92F0-5F4371523766}" sibTransId="{16527B29-CB06-407D-B49F-B37B3D4EAB82}"/>
+    <dgm:cxn modelId="{A488C925-DCF2-4542-B405-C54032C16BAA}" type="presOf" srcId="{CA182B0E-640C-49C7-8771-645208187AAB}" destId="{AC67B2C7-C32E-48AF-9331-211D5880C6CD}" srcOrd="0" destOrd="0" presId="urn:microsoft.com/office/officeart/2005/8/layout/hierarchy3"/>
+    <dgm:cxn modelId="{F862DF25-6CBC-43B4-9476-154F4DDAEDE0}" type="presOf" srcId="{DBCB69DC-C269-4EFE-B357-943085CE7EE7}" destId="{B85FD9A8-61BC-4F21-9DDE-4404D4A179B6}" srcOrd="0" destOrd="0" presId="urn:microsoft.com/office/officeart/2005/8/layout/hierarchy3"/>
+    <dgm:cxn modelId="{3912A528-1EDE-4BBA-9553-2016846DB78C}" type="presOf" srcId="{1CA519D5-9D6C-46C8-9E34-A27E8F20ABE0}" destId="{4D90285A-D363-4134-A85D-EA0977C7F843}" srcOrd="0" destOrd="0" presId="urn:microsoft.com/office/officeart/2005/8/layout/hierarchy3"/>
+    <dgm:cxn modelId="{3EE0AD2A-2737-4E16-9181-7E89E2969EEA}" type="presOf" srcId="{4D133BA9-6D6B-427D-B655-1EFF5C92E72E}" destId="{2C41AF9C-3D56-4ED1-BA84-B3F7A4C0652A}" srcOrd="0" destOrd="0" presId="urn:microsoft.com/office/officeart/2005/8/layout/hierarchy3"/>
+    <dgm:cxn modelId="{BDD4ED3B-9731-4C74-9633-E06E8DDF121E}" type="presOf" srcId="{9D9F43F4-284A-41A2-B0EB-8838B8217D0F}" destId="{8EE165F4-EC6C-4016-86AC-047EA3D6660E}" srcOrd="0" destOrd="0" presId="urn:microsoft.com/office/officeart/2005/8/layout/hierarchy3"/>
+    <dgm:cxn modelId="{72AC815B-9837-494A-888D-ECACEA8521E3}" type="presOf" srcId="{D5ABD636-75C8-429A-92D5-1568EE5BF4D8}" destId="{E4C16BDA-9C3C-45B8-A75A-2A92965EB775}" srcOrd="0" destOrd="0" presId="urn:microsoft.com/office/officeart/2005/8/layout/hierarchy3"/>
+    <dgm:cxn modelId="{DE1E1C5C-CA81-4BF5-B102-74D683C8483B}" type="presOf" srcId="{98175F75-4398-4F92-8C16-BA2B48C40887}" destId="{82A4C021-BF83-4DF4-9ED2-9774A39DDF42}" srcOrd="0" destOrd="0" presId="urn:microsoft.com/office/officeart/2005/8/layout/hierarchy3"/>
+    <dgm:cxn modelId="{DA1AC35E-C661-46D2-AC7B-30453D6E098D}" srcId="{E92C542D-9797-4A2D-8D36-525BEA920637}" destId="{85AD2AAC-FF82-477B-8D28-1515ED231F64}" srcOrd="0" destOrd="0" parTransId="{00059397-26F8-4CF7-9216-2A3D994A1830}" sibTransId="{F6499244-A54D-44C1-B5D9-AE3AC25D3BA0}"/>
+    <dgm:cxn modelId="{D87FCF60-A953-4191-976B-6A9189428DDF}" type="presOf" srcId="{3732F38F-4BDC-4B26-A17D-AD1E4A7D5845}" destId="{4C1AAEA7-A87B-455A-8B94-7244153AC2F0}" srcOrd="0" destOrd="0" presId="urn:microsoft.com/office/officeart/2005/8/layout/hierarchy3"/>
+    <dgm:cxn modelId="{1BF01741-CD3D-4A6E-88D8-7B6A2382F178}" srcId="{4D133BA9-6D6B-427D-B655-1EFF5C92E72E}" destId="{D9EC62D0-C90E-4486-B6DF-FBB8AB0DCE43}" srcOrd="0" destOrd="0" parTransId="{1CA519D5-9D6C-46C8-9E34-A27E8F20ABE0}" sibTransId="{A16FA853-752F-40C6-B02A-62415E415D4B}"/>
+    <dgm:cxn modelId="{C60AEE41-5D09-4B74-9BE0-217DD8FCFF3D}" type="presOf" srcId="{85AD2AAC-FF82-477B-8D28-1515ED231F64}" destId="{9E9C9F9A-E574-44C5-9C4C-248F2E51A5FC}" srcOrd="0" destOrd="0" presId="urn:microsoft.com/office/officeart/2005/8/layout/hierarchy3"/>
+    <dgm:cxn modelId="{828C5949-FF39-4649-BBB4-5775C16244F5}" type="presOf" srcId="{08988B2E-F542-466D-84D8-606520337B76}" destId="{DAA075EE-CA0E-4A68-9A70-A708D52CBFF5}" srcOrd="0" destOrd="0" presId="urn:microsoft.com/office/officeart/2005/8/layout/hierarchy3"/>
+    <dgm:cxn modelId="{4C1A846F-DAB8-4E40-8082-9B9FFC103F9E}" type="presOf" srcId="{E92C542D-9797-4A2D-8D36-525BEA920637}" destId="{7326AF9C-CD2D-4070-B659-3370DF4517BA}" srcOrd="0" destOrd="0" presId="urn:microsoft.com/office/officeart/2005/8/layout/hierarchy3"/>
+    <dgm:cxn modelId="{F6C9E771-174A-4800-A42C-16016A3FFA31}" srcId="{B08080AD-D503-4CC1-AF15-B5F018BA61B7}" destId="{3A9B97C3-9D6F-4C94-8609-5F5C5DB2728D}" srcOrd="0" destOrd="0" parTransId="{50012500-388E-4F00-A513-1703FE1BE3C1}" sibTransId="{65D98E47-0A02-4A04-AC87-104468DB99E5}"/>
+    <dgm:cxn modelId="{462BA052-26FC-41DE-BB42-8663AA2DD05C}" type="presOf" srcId="{081F4EFF-8711-4B82-ACDD-7C71EA6A560C}" destId="{F7375D93-CB17-4580-B99F-A867BBCCBEA3}" srcOrd="1" destOrd="0" presId="urn:microsoft.com/office/officeart/2005/8/layout/hierarchy3"/>
+    <dgm:cxn modelId="{883F8457-FBD5-446E-87C7-E52ED2D06C95}" type="presOf" srcId="{D0490D21-C2A9-40F8-99A0-E4E6FF9BAA83}" destId="{EF01AE0E-D910-4596-8E88-2E43E35CF59F}" srcOrd="0" destOrd="0" presId="urn:microsoft.com/office/officeart/2005/8/layout/hierarchy3"/>
+    <dgm:cxn modelId="{CD4E557E-F604-4D52-B104-B40D2AD98382}" srcId="{4D133BA9-6D6B-427D-B655-1EFF5C92E72E}" destId="{D5ABD636-75C8-429A-92D5-1568EE5BF4D8}" srcOrd="1" destOrd="0" parTransId="{DBCB69DC-C269-4EFE-B357-943085CE7EE7}" sibTransId="{DEDA125D-28DA-433C-BD9B-C56D995F51A5}"/>
+    <dgm:cxn modelId="{D32FE27F-11D7-466E-B746-8EF05A6460F6}" srcId="{3A9B97C3-9D6F-4C94-8609-5F5C5DB2728D}" destId="{7E85E645-60AA-4011-90EE-3803CF83FB06}" srcOrd="0" destOrd="0" parTransId="{98175F75-4398-4F92-8C16-BA2B48C40887}" sibTransId="{D207E049-B280-4CEA-8162-8A2FA8C1FAE5}"/>
+    <dgm:cxn modelId="{E28C278C-61DC-472D-B40C-EBF73704981E}" type="presOf" srcId="{7E85E645-60AA-4011-90EE-3803CF83FB06}" destId="{4884369A-C179-45A0-8255-FD552D40C9A7}" srcOrd="0" destOrd="0" presId="urn:microsoft.com/office/officeart/2005/8/layout/hierarchy3"/>
+    <dgm:cxn modelId="{1796828C-067C-4476-B055-86FE6C351DBC}" type="presOf" srcId="{081F4EFF-8711-4B82-ACDD-7C71EA6A560C}" destId="{45AAA509-A316-45BB-8FE5-56929CE9E43D}" srcOrd="0" destOrd="0" presId="urn:microsoft.com/office/officeart/2005/8/layout/hierarchy3"/>
+    <dgm:cxn modelId="{D787EDA0-314D-42B1-8F1C-D6E98A78D77B}" type="presOf" srcId="{3A9B97C3-9D6F-4C94-8609-5F5C5DB2728D}" destId="{51B26882-6FF4-49E9-BE91-60A3BAA2E7AF}" srcOrd="1" destOrd="0" presId="urn:microsoft.com/office/officeart/2005/8/layout/hierarchy3"/>
+    <dgm:cxn modelId="{E5E68AA1-C333-4941-BC09-D194764EF0E1}" srcId="{3A9B97C3-9D6F-4C94-8609-5F5C5DB2728D}" destId="{D0490D21-C2A9-40F8-99A0-E4E6FF9BAA83}" srcOrd="1" destOrd="0" parTransId="{CA182B0E-640C-49C7-8771-645208187AAB}" sibTransId="{CF231055-B78D-4AAC-94CF-ED1AC4C28BF3}"/>
+    <dgm:cxn modelId="{7C7F39A2-D32B-4D9F-92F7-751F114CCFC5}" srcId="{B08080AD-D503-4CC1-AF15-B5F018BA61B7}" destId="{4D133BA9-6D6B-427D-B655-1EFF5C92E72E}" srcOrd="3" destOrd="0" parTransId="{66BBC29A-4A31-4333-9293-024FBE25F5E9}" sibTransId="{C3471980-0147-4156-8440-0523D30E66CA}"/>
+    <dgm:cxn modelId="{608FACA6-466F-4E5F-AA8D-94401FE0F82C}" type="presOf" srcId="{3A9B97C3-9D6F-4C94-8609-5F5C5DB2728D}" destId="{1348AC1E-DD17-4CE7-914D-8EC547D42741}" srcOrd="0" destOrd="0" presId="urn:microsoft.com/office/officeart/2005/8/layout/hierarchy3"/>
+    <dgm:cxn modelId="{DDC0FDA6-8BAA-477C-9650-1DC3CF31A623}" type="presOf" srcId="{9448F9AC-55EA-42F8-9642-F45D4A08562E}" destId="{E0AF71CE-9C03-4119-8FF2-29BF22D751F5}" srcOrd="0" destOrd="0" presId="urn:microsoft.com/office/officeart/2005/8/layout/hierarchy3"/>
+    <dgm:cxn modelId="{0C2424AF-FEB2-4E0E-BC35-A70234BD8B69}" type="presOf" srcId="{00059397-26F8-4CF7-9216-2A3D994A1830}" destId="{0B35A0B3-9AA9-43EC-822F-4361A0C8C601}" srcOrd="0" destOrd="0" presId="urn:microsoft.com/office/officeart/2005/8/layout/hierarchy3"/>
+    <dgm:cxn modelId="{5D6CE3B2-519B-460C-BEDC-2C8F085C1642}" type="presOf" srcId="{D9EC62D0-C90E-4486-B6DF-FBB8AB0DCE43}" destId="{C90857B4-0509-4EAD-ADEF-6B19F00957FA}" srcOrd="0" destOrd="0" presId="urn:microsoft.com/office/officeart/2005/8/layout/hierarchy3"/>
+    <dgm:cxn modelId="{18E4CABD-1E0F-4D9B-830A-F9C6722726A9}" srcId="{081F4EFF-8711-4B82-ACDD-7C71EA6A560C}" destId="{9D9F43F4-284A-41A2-B0EB-8838B8217D0F}" srcOrd="1" destOrd="0" parTransId="{08988B2E-F542-466D-84D8-606520337B76}" sibTransId="{F7AF96D4-F0EC-4FC2-BB6F-37CB5622F617}"/>
+    <dgm:cxn modelId="{3E5018C3-F726-41CE-9FFC-4FC536A660B9}" srcId="{B08080AD-D503-4CC1-AF15-B5F018BA61B7}" destId="{E92C542D-9797-4A2D-8D36-525BEA920637}" srcOrd="1" destOrd="0" parTransId="{3113DEAC-5930-40B0-80F2-CCE8658FDA7A}" sibTransId="{D88728B4-9371-401C-BC19-10F3C4557B6A}"/>
+    <dgm:cxn modelId="{2236D8C5-1299-45B7-87A1-A5B954C7F9E4}" type="presOf" srcId="{B08080AD-D503-4CC1-AF15-B5F018BA61B7}" destId="{8FAB0978-5E43-4F2C-A28D-587B635B233A}" srcOrd="0" destOrd="0" presId="urn:microsoft.com/office/officeart/2005/8/layout/hierarchy3"/>
+    <dgm:cxn modelId="{C99865D1-9346-4677-A78F-54CFB3685BD4}" srcId="{E92C542D-9797-4A2D-8D36-525BEA920637}" destId="{9448F9AC-55EA-42F8-9642-F45D4A08562E}" srcOrd="1" destOrd="0" parTransId="{3F9DC288-2310-4DC3-81BA-16BDCFDA0406}" sibTransId="{07C7CA31-B7C1-49B2-9B5F-0E3CDD385580}"/>
+    <dgm:cxn modelId="{56529EE6-E7EF-478D-B3D4-93C716B25D79}" type="presOf" srcId="{B19D9C8B-9BB3-4677-92F0-5F4371523766}" destId="{8BC33271-ACF8-4CB3-852A-E73400BBBF35}" srcOrd="0" destOrd="0" presId="urn:microsoft.com/office/officeart/2005/8/layout/hierarchy3"/>
+    <dgm:cxn modelId="{E3B1A2EA-8710-417C-9822-CCD10AE8CACF}" type="presOf" srcId="{E92C542D-9797-4A2D-8D36-525BEA920637}" destId="{FDA576F5-0CFB-4281-8F2E-BEFE1BBDB347}" srcOrd="1" destOrd="0" presId="urn:microsoft.com/office/officeart/2005/8/layout/hierarchy3"/>
+    <dgm:cxn modelId="{EE8DD5EC-C66F-4F11-AC9B-0828CB522178}" type="presOf" srcId="{4D133BA9-6D6B-427D-B655-1EFF5C92E72E}" destId="{299BC576-C67A-49AE-9603-FAF50DDF4BFF}" srcOrd="1" destOrd="0" presId="urn:microsoft.com/office/officeart/2005/8/layout/hierarchy3"/>
+    <dgm:cxn modelId="{52B8C6F0-888F-48B5-A4BB-65BBF90128E3}" srcId="{B08080AD-D503-4CC1-AF15-B5F018BA61B7}" destId="{081F4EFF-8711-4B82-ACDD-7C71EA6A560C}" srcOrd="2" destOrd="0" parTransId="{8A6E7FFE-0794-45CA-89FD-A40C1A74F682}" sibTransId="{52689D7F-BF10-4504-93A9-F81F6F75330B}"/>
+    <dgm:cxn modelId="{644AA7A6-670B-4578-A823-E403D0AFABCA}" type="presParOf" srcId="{8FAB0978-5E43-4F2C-A28D-587B635B233A}" destId="{2F19BD0D-78CD-45EA-BAE9-9173F5EC417C}" srcOrd="0" destOrd="0" presId="urn:microsoft.com/office/officeart/2005/8/layout/hierarchy3"/>
+    <dgm:cxn modelId="{AB089BB0-0948-4D68-884F-A9ED5EA2D684}" type="presParOf" srcId="{2F19BD0D-78CD-45EA-BAE9-9173F5EC417C}" destId="{EFA78472-B47B-4036-9573-4191D6BB2B51}" srcOrd="0" destOrd="0" presId="urn:microsoft.com/office/officeart/2005/8/layout/hierarchy3"/>
+    <dgm:cxn modelId="{A901CB25-DF33-405E-B0DE-9DC2491FF03A}" type="presParOf" srcId="{EFA78472-B47B-4036-9573-4191D6BB2B51}" destId="{1348AC1E-DD17-4CE7-914D-8EC547D42741}" srcOrd="0" destOrd="0" presId="urn:microsoft.com/office/officeart/2005/8/layout/hierarchy3"/>
+    <dgm:cxn modelId="{04D012CC-6204-4915-BC76-51971B7AFC88}" type="presParOf" srcId="{EFA78472-B47B-4036-9573-4191D6BB2B51}" destId="{51B26882-6FF4-49E9-BE91-60A3BAA2E7AF}" srcOrd="1" destOrd="0" presId="urn:microsoft.com/office/officeart/2005/8/layout/hierarchy3"/>
+    <dgm:cxn modelId="{21D6BFFC-339B-4817-9A01-3E67F8A60468}" type="presParOf" srcId="{2F19BD0D-78CD-45EA-BAE9-9173F5EC417C}" destId="{B7C41563-5662-4991-B5CE-CE58C6E6D2B0}" srcOrd="1" destOrd="0" presId="urn:microsoft.com/office/officeart/2005/8/layout/hierarchy3"/>
+    <dgm:cxn modelId="{6D5FC5F7-E63A-4044-91A2-05C502D62BA3}" type="presParOf" srcId="{B7C41563-5662-4991-B5CE-CE58C6E6D2B0}" destId="{82A4C021-BF83-4DF4-9ED2-9774A39DDF42}" srcOrd="0" destOrd="0" presId="urn:microsoft.com/office/officeart/2005/8/layout/hierarchy3"/>
+    <dgm:cxn modelId="{A33538C5-DABE-43CF-87B2-3853D4B08BC6}" type="presParOf" srcId="{B7C41563-5662-4991-B5CE-CE58C6E6D2B0}" destId="{4884369A-C179-45A0-8255-FD552D40C9A7}" srcOrd="1" destOrd="0" presId="urn:microsoft.com/office/officeart/2005/8/layout/hierarchy3"/>
+    <dgm:cxn modelId="{8FB8A81C-DE5B-48F9-ADD3-BE4AC3297362}" type="presParOf" srcId="{B7C41563-5662-4991-B5CE-CE58C6E6D2B0}" destId="{AC67B2C7-C32E-48AF-9331-211D5880C6CD}" srcOrd="2" destOrd="0" presId="urn:microsoft.com/office/officeart/2005/8/layout/hierarchy3"/>
+    <dgm:cxn modelId="{BEE01000-7D56-4491-95DA-E68F4F35051F}" type="presParOf" srcId="{B7C41563-5662-4991-B5CE-CE58C6E6D2B0}" destId="{EF01AE0E-D910-4596-8E88-2E43E35CF59F}" srcOrd="3" destOrd="0" presId="urn:microsoft.com/office/officeart/2005/8/layout/hierarchy3"/>
+    <dgm:cxn modelId="{102B8DF3-5E01-47B5-96B8-BDFD92F88D2E}" type="presParOf" srcId="{8FAB0978-5E43-4F2C-A28D-587B635B233A}" destId="{F177C8F5-0CAB-4611-A60E-5E11C2A7F38B}" srcOrd="1" destOrd="0" presId="urn:microsoft.com/office/officeart/2005/8/layout/hierarchy3"/>
+    <dgm:cxn modelId="{DE17A064-271D-422E-BA92-E65B0B265BA7}" type="presParOf" srcId="{F177C8F5-0CAB-4611-A60E-5E11C2A7F38B}" destId="{07DDD6A7-8DD9-47D6-B6A9-4018E59518A5}" srcOrd="0" destOrd="0" presId="urn:microsoft.com/office/officeart/2005/8/layout/hierarchy3"/>
+    <dgm:cxn modelId="{68FA0B4B-E4CE-41AC-BA63-13D01178081A}" type="presParOf" srcId="{07DDD6A7-8DD9-47D6-B6A9-4018E59518A5}" destId="{7326AF9C-CD2D-4070-B659-3370DF4517BA}" srcOrd="0" destOrd="0" presId="urn:microsoft.com/office/officeart/2005/8/layout/hierarchy3"/>
+    <dgm:cxn modelId="{025B9E87-92C5-4905-857D-D7A5CAB9664B}" type="presParOf" srcId="{07DDD6A7-8DD9-47D6-B6A9-4018E59518A5}" destId="{FDA576F5-0CFB-4281-8F2E-BEFE1BBDB347}" srcOrd="1" destOrd="0" presId="urn:microsoft.com/office/officeart/2005/8/layout/hierarchy3"/>
+    <dgm:cxn modelId="{2208ACED-18E2-44DA-8D6D-5551A594E03C}" type="presParOf" srcId="{F177C8F5-0CAB-4611-A60E-5E11C2A7F38B}" destId="{146A293C-0DFE-483F-B2F9-D71D4553B922}" srcOrd="1" destOrd="0" presId="urn:microsoft.com/office/officeart/2005/8/layout/hierarchy3"/>
+    <dgm:cxn modelId="{D589CEB6-66A4-4B53-B7AD-F09A053AF045}" type="presParOf" srcId="{146A293C-0DFE-483F-B2F9-D71D4553B922}" destId="{0B35A0B3-9AA9-43EC-822F-4361A0C8C601}" srcOrd="0" destOrd="0" presId="urn:microsoft.com/office/officeart/2005/8/layout/hierarchy3"/>
+    <dgm:cxn modelId="{888DD64C-39BE-46D4-BAA2-00889E8EAD0D}" type="presParOf" srcId="{146A293C-0DFE-483F-B2F9-D71D4553B922}" destId="{9E9C9F9A-E574-44C5-9C4C-248F2E51A5FC}" srcOrd="1" destOrd="0" presId="urn:microsoft.com/office/officeart/2005/8/layout/hierarchy3"/>
+    <dgm:cxn modelId="{CE28EEF8-2FBF-4ABA-B5EE-82E0760D4D93}" type="presParOf" srcId="{146A293C-0DFE-483F-B2F9-D71D4553B922}" destId="{36DF90CA-3FA8-4052-A313-A0252BEAF2BE}" srcOrd="2" destOrd="0" presId="urn:microsoft.com/office/officeart/2005/8/layout/hierarchy3"/>
+    <dgm:cxn modelId="{A202549E-D9DB-459B-BB00-1F3A4B0DFC4D}" type="presParOf" srcId="{146A293C-0DFE-483F-B2F9-D71D4553B922}" destId="{E0AF71CE-9C03-4119-8FF2-29BF22D751F5}" srcOrd="3" destOrd="0" presId="urn:microsoft.com/office/officeart/2005/8/layout/hierarchy3"/>
+    <dgm:cxn modelId="{F0F84B1B-5EB5-4514-A3A1-28F4CDDB8FDB}" type="presParOf" srcId="{8FAB0978-5E43-4F2C-A28D-587B635B233A}" destId="{52E658C5-FC49-4F76-B49A-943F27CD3F31}" srcOrd="2" destOrd="0" presId="urn:microsoft.com/office/officeart/2005/8/layout/hierarchy3"/>
+    <dgm:cxn modelId="{3EE224F7-6B17-411A-9849-C40C4B2A47E2}" type="presParOf" srcId="{52E658C5-FC49-4F76-B49A-943F27CD3F31}" destId="{93BAD546-A1D3-47B3-92DA-0C4C41AF2D72}" srcOrd="0" destOrd="0" presId="urn:microsoft.com/office/officeart/2005/8/layout/hierarchy3"/>
+    <dgm:cxn modelId="{5797D697-7C30-497B-8B88-012805156676}" type="presParOf" srcId="{93BAD546-A1D3-47B3-92DA-0C4C41AF2D72}" destId="{45AAA509-A316-45BB-8FE5-56929CE9E43D}" srcOrd="0" destOrd="0" presId="urn:microsoft.com/office/officeart/2005/8/layout/hierarchy3"/>
+    <dgm:cxn modelId="{EF8EB718-DC9E-4E12-92BE-123618D7CFE8}" type="presParOf" srcId="{93BAD546-A1D3-47B3-92DA-0C4C41AF2D72}" destId="{F7375D93-CB17-4580-B99F-A867BBCCBEA3}" srcOrd="1" destOrd="0" presId="urn:microsoft.com/office/officeart/2005/8/layout/hierarchy3"/>
+    <dgm:cxn modelId="{7E37EB3E-1FC5-468D-A118-DD925D7D6571}" type="presParOf" srcId="{52E658C5-FC49-4F76-B49A-943F27CD3F31}" destId="{0740801C-329F-4F07-910D-A31B655202F8}" srcOrd="1" destOrd="0" presId="urn:microsoft.com/office/officeart/2005/8/layout/hierarchy3"/>
+    <dgm:cxn modelId="{AA14D2DB-F72E-4A49-8574-4496B713D401}" type="presParOf" srcId="{0740801C-329F-4F07-910D-A31B655202F8}" destId="{8BC33271-ACF8-4CB3-852A-E73400BBBF35}" srcOrd="0" destOrd="0" presId="urn:microsoft.com/office/officeart/2005/8/layout/hierarchy3"/>
+    <dgm:cxn modelId="{848A047A-A40C-49C0-956C-D6637C8FA403}" type="presParOf" srcId="{0740801C-329F-4F07-910D-A31B655202F8}" destId="{4C1AAEA7-A87B-455A-8B94-7244153AC2F0}" srcOrd="1" destOrd="0" presId="urn:microsoft.com/office/officeart/2005/8/layout/hierarchy3"/>
+    <dgm:cxn modelId="{09B19CF2-0009-410F-840C-D087CB6E8DF2}" type="presParOf" srcId="{0740801C-329F-4F07-910D-A31B655202F8}" destId="{DAA075EE-CA0E-4A68-9A70-A708D52CBFF5}" srcOrd="2" destOrd="0" presId="urn:microsoft.com/office/officeart/2005/8/layout/hierarchy3"/>
+    <dgm:cxn modelId="{BBF6C8A6-618A-4D5B-B2FC-8CF5C25B828A}" type="presParOf" srcId="{0740801C-329F-4F07-910D-A31B655202F8}" destId="{8EE165F4-EC6C-4016-86AC-047EA3D6660E}" srcOrd="3" destOrd="0" presId="urn:microsoft.com/office/officeart/2005/8/layout/hierarchy3"/>
+    <dgm:cxn modelId="{1DCC0C7E-4314-413F-9EA1-53FA39043982}" type="presParOf" srcId="{8FAB0978-5E43-4F2C-A28D-587B635B233A}" destId="{D0F9A7BE-38BD-4C79-A5FD-2DF653A41F6D}" srcOrd="3" destOrd="0" presId="urn:microsoft.com/office/officeart/2005/8/layout/hierarchy3"/>
+    <dgm:cxn modelId="{8A29070F-0B2F-43DF-8811-2CA3C4A5845B}" type="presParOf" srcId="{D0F9A7BE-38BD-4C79-A5FD-2DF653A41F6D}" destId="{42E7C1B5-0E2B-498D-9F5C-7461A0899622}" srcOrd="0" destOrd="0" presId="urn:microsoft.com/office/officeart/2005/8/layout/hierarchy3"/>
+    <dgm:cxn modelId="{82B28EB7-F33F-49E5-A1FD-1B1A424E6FA4}" type="presParOf" srcId="{42E7C1B5-0E2B-498D-9F5C-7461A0899622}" destId="{2C41AF9C-3D56-4ED1-BA84-B3F7A4C0652A}" srcOrd="0" destOrd="0" presId="urn:microsoft.com/office/officeart/2005/8/layout/hierarchy3"/>
+    <dgm:cxn modelId="{DA7E3FA1-90E4-4521-B74E-AC13DA90A4E3}" type="presParOf" srcId="{42E7C1B5-0E2B-498D-9F5C-7461A0899622}" destId="{299BC576-C67A-49AE-9603-FAF50DDF4BFF}" srcOrd="1" destOrd="0" presId="urn:microsoft.com/office/officeart/2005/8/layout/hierarchy3"/>
+    <dgm:cxn modelId="{141752F9-61C2-471C-BD52-6A59591C4C8A}" type="presParOf" srcId="{D0F9A7BE-38BD-4C79-A5FD-2DF653A41F6D}" destId="{CC1C8967-94DD-4845-8B79-35DD41D26532}" srcOrd="1" destOrd="0" presId="urn:microsoft.com/office/officeart/2005/8/layout/hierarchy3"/>
+    <dgm:cxn modelId="{4CA0FADD-FDB5-4F41-839B-02C9BD0BFDDB}" type="presParOf" srcId="{CC1C8967-94DD-4845-8B79-35DD41D26532}" destId="{4D90285A-D363-4134-A85D-EA0977C7F843}" srcOrd="0" destOrd="0" presId="urn:microsoft.com/office/officeart/2005/8/layout/hierarchy3"/>
+    <dgm:cxn modelId="{6DEECCF6-09C7-4211-A753-5731D5A85D72}" type="presParOf" srcId="{CC1C8967-94DD-4845-8B79-35DD41D26532}" destId="{C90857B4-0509-4EAD-ADEF-6B19F00957FA}" srcOrd="1" destOrd="0" presId="urn:microsoft.com/office/officeart/2005/8/layout/hierarchy3"/>
+    <dgm:cxn modelId="{D1EBBB77-F199-4857-A241-198373FF721F}" type="presParOf" srcId="{CC1C8967-94DD-4845-8B79-35DD41D26532}" destId="{B85FD9A8-61BC-4F21-9DDE-4404D4A179B6}" srcOrd="2" destOrd="0" presId="urn:microsoft.com/office/officeart/2005/8/layout/hierarchy3"/>
+    <dgm:cxn modelId="{7FB8A52D-DFCC-4E0B-9046-B61B91284BBE}" type="presParOf" srcId="{CC1C8967-94DD-4845-8B79-35DD41D26532}" destId="{E4C16BDA-9C3C-45B8-A75A-2A92965EB775}" srcOrd="3" destOrd="0" presId="urn:microsoft.com/office/officeart/2005/8/layout/hierarchy3"/>
   </dgm:cxnLst>
   <dgm:bg/>
   <dgm:whole/>
@@ -1164,8 +2726,8 @@
       </dsp:nvSpPr>
       <dsp:spPr>
         <a:xfrm>
-          <a:off x="4184335" y="1679586"/>
-          <a:ext cx="380160" cy="91440"/>
+          <a:off x="4184335" y="1725306"/>
+          <a:ext cx="380160" cy="408672"/>
         </a:xfrm>
         <a:custGeom>
           <a:avLst/>
@@ -1176,10 +2738,78 @@
           <a:pathLst>
             <a:path>
               <a:moveTo>
-                <a:pt x="0" y="45720"/>
+                <a:pt x="0" y="0"/>
               </a:moveTo>
               <a:lnTo>
-                <a:pt x="380160" y="45720"/>
+                <a:pt x="190080" y="0"/>
+              </a:lnTo>
+              <a:lnTo>
+                <a:pt x="190080" y="408672"/>
+              </a:lnTo>
+              <a:lnTo>
+                <a:pt x="380160" y="408672"/>
+              </a:lnTo>
+            </a:path>
+          </a:pathLst>
+        </a:custGeom>
+        <a:noFill/>
+        <a:ln w="12700" cap="flat" cmpd="sng" algn="ctr">
+          <a:solidFill>
+            <a:schemeClr val="dk2">
+              <a:shade val="80000"/>
+              <a:hueOff val="0"/>
+              <a:satOff val="0"/>
+              <a:lumOff val="0"/>
+              <a:alphaOff val="0"/>
+            </a:schemeClr>
+          </a:solidFill>
+          <a:prstDash val="solid"/>
+          <a:miter lim="800000"/>
+        </a:ln>
+        <a:effectLst/>
+      </dsp:spPr>
+      <dsp:style>
+        <a:lnRef idx="2">
+          <a:scrgbClr r="0" g="0" b="0"/>
+        </a:lnRef>
+        <a:fillRef idx="0">
+          <a:scrgbClr r="0" g="0" b="0"/>
+        </a:fillRef>
+        <a:effectRef idx="0">
+          <a:scrgbClr r="0" g="0" b="0"/>
+        </a:effectRef>
+        <a:fontRef idx="minor"/>
+      </dsp:style>
+    </dsp:sp>
+    <dsp:sp modelId="{FBE4C23A-3F6F-4D8F-BA93-4B654E5E0EA7}">
+      <dsp:nvSpPr>
+        <dsp:cNvPr id="0" name=""/>
+        <dsp:cNvSpPr/>
+      </dsp:nvSpPr>
+      <dsp:spPr>
+        <a:xfrm>
+          <a:off x="4184335" y="1316633"/>
+          <a:ext cx="380160" cy="408672"/>
+        </a:xfrm>
+        <a:custGeom>
+          <a:avLst/>
+          <a:gdLst/>
+          <a:ahLst/>
+          <a:cxnLst/>
+          <a:rect l="0" t="0" r="0" b="0"/>
+          <a:pathLst>
+            <a:path>
+              <a:moveTo>
+                <a:pt x="0" y="408672"/>
+              </a:moveTo>
+              <a:lnTo>
+                <a:pt x="190080" y="408672"/>
+              </a:lnTo>
+              <a:lnTo>
+                <a:pt x="190080" y="0"/>
+              </a:lnTo>
+              <a:lnTo>
+                <a:pt x="380160" y="0"/>
               </a:lnTo>
             </a:path>
           </a:pathLst>
@@ -1481,14 +3111,14 @@
         <a:ext cx="1900804" cy="579745"/>
       </dsp:txXfrm>
     </dsp:sp>
-    <dsp:sp modelId="{DEE2BE0D-B518-4587-8BED-CF07AD314572}">
+    <dsp:sp modelId="{41022CE7-061B-48EA-9CE3-E26765A0B25C}">
       <dsp:nvSpPr>
         <dsp:cNvPr id="0" name=""/>
         <dsp:cNvSpPr/>
       </dsp:nvSpPr>
       <dsp:spPr>
         <a:xfrm>
-          <a:off x="4564496" y="1435433"/>
+          <a:off x="4564496" y="1026760"/>
           <a:ext cx="1900804" cy="579745"/>
         </a:xfrm>
         <a:prstGeom prst="rect">
@@ -1575,12 +3205,1676 @@
             </a:spcAft>
             <a:buNone/>
           </a:pPr>
+          <a:r>
+            <a:rPr lang="it-IT" sz="1900" kern="1200" dirty="0"/>
+            <a:t>Train set</a:t>
+          </a:r>
           <a:endParaRPr lang="es-CL" sz="1900" kern="1200" dirty="0"/>
         </a:p>
       </dsp:txBody>
       <dsp:txXfrm>
-        <a:off x="4564496" y="1435433"/>
+        <a:off x="4564496" y="1026760"/>
         <a:ext cx="1900804" cy="579745"/>
+      </dsp:txXfrm>
+    </dsp:sp>
+    <dsp:sp modelId="{DEE2BE0D-B518-4587-8BED-CF07AD314572}">
+      <dsp:nvSpPr>
+        <dsp:cNvPr id="0" name=""/>
+        <dsp:cNvSpPr/>
+      </dsp:nvSpPr>
+      <dsp:spPr>
+        <a:xfrm>
+          <a:off x="4564496" y="1844106"/>
+          <a:ext cx="1900804" cy="579745"/>
+        </a:xfrm>
+        <a:prstGeom prst="rect">
+          <a:avLst/>
+        </a:prstGeom>
+        <a:gradFill rotWithShape="0">
+          <a:gsLst>
+            <a:gs pos="0">
+              <a:schemeClr val="dk2">
+                <a:hueOff val="0"/>
+                <a:satOff val="0"/>
+                <a:lumOff val="0"/>
+                <a:alphaOff val="0"/>
+                <a:satMod val="103000"/>
+                <a:lumMod val="102000"/>
+                <a:tint val="94000"/>
+              </a:schemeClr>
+            </a:gs>
+            <a:gs pos="50000">
+              <a:schemeClr val="dk2">
+                <a:hueOff val="0"/>
+                <a:satOff val="0"/>
+                <a:lumOff val="0"/>
+                <a:alphaOff val="0"/>
+                <a:satMod val="110000"/>
+                <a:lumMod val="100000"/>
+                <a:shade val="100000"/>
+              </a:schemeClr>
+            </a:gs>
+            <a:gs pos="100000">
+              <a:schemeClr val="dk2">
+                <a:hueOff val="0"/>
+                <a:satOff val="0"/>
+                <a:lumOff val="0"/>
+                <a:alphaOff val="0"/>
+                <a:lumMod val="99000"/>
+                <a:satMod val="120000"/>
+                <a:shade val="78000"/>
+              </a:schemeClr>
+            </a:gs>
+          </a:gsLst>
+          <a:lin ang="5400000" scaled="0"/>
+        </a:gradFill>
+        <a:ln>
+          <a:noFill/>
+        </a:ln>
+        <a:effectLst>
+          <a:outerShdw blurRad="57150" dist="19050" dir="5400000" algn="ctr" rotWithShape="0">
+            <a:srgbClr val="000000">
+              <a:alpha val="63000"/>
+            </a:srgbClr>
+          </a:outerShdw>
+        </a:effectLst>
+      </dsp:spPr>
+      <dsp:style>
+        <a:lnRef idx="0">
+          <a:scrgbClr r="0" g="0" b="0"/>
+        </a:lnRef>
+        <a:fillRef idx="3">
+          <a:scrgbClr r="0" g="0" b="0"/>
+        </a:fillRef>
+        <a:effectRef idx="3">
+          <a:scrgbClr r="0" g="0" b="0"/>
+        </a:effectRef>
+        <a:fontRef idx="minor">
+          <a:schemeClr val="lt1"/>
+        </a:fontRef>
+      </dsp:style>
+      <dsp:txBody>
+        <a:bodyPr spcFirstLastPara="0" vert="horz" wrap="square" lIns="12065" tIns="12065" rIns="12065" bIns="12065" numCol="1" spcCol="1270" anchor="ctr" anchorCtr="0">
+          <a:noAutofit/>
+        </a:bodyPr>
+        <a:lstStyle/>
+        <a:p>
+          <a:pPr marL="0" lvl="0" indent="0" algn="ctr" defTabSz="844550">
+            <a:lnSpc>
+              <a:spcPct val="90000"/>
+            </a:lnSpc>
+            <a:spcBef>
+              <a:spcPct val="0"/>
+            </a:spcBef>
+            <a:spcAft>
+              <a:spcPct val="35000"/>
+            </a:spcAft>
+            <a:buNone/>
+          </a:pPr>
+          <a:r>
+            <a:rPr lang="it-IT" sz="1900" kern="1200" dirty="0"/>
+            <a:t>Test set</a:t>
+          </a:r>
+          <a:endParaRPr lang="es-CL" sz="1900" kern="1200" dirty="0"/>
+        </a:p>
+      </dsp:txBody>
+      <dsp:txXfrm>
+        <a:off x="4564496" y="1844106"/>
+        <a:ext cx="1900804" cy="579745"/>
+      </dsp:txXfrm>
+    </dsp:sp>
+  </dsp:spTree>
+</dsp:drawing>
+</file>
+
+<file path=ppt/diagrams/drawing2.xml><?xml version="1.0" encoding="utf-8"?>
+<dsp:drawing xmlns:dgm="http://schemas.openxmlformats.org/drawingml/2006/diagram" xmlns:dsp="http://schemas.microsoft.com/office/drawing/2008/diagram" xmlns:a="http://schemas.openxmlformats.org/drawingml/2006/main">
+  <dsp:spTree>
+    <dsp:nvGrpSpPr>
+      <dsp:cNvPr id="0" name=""/>
+      <dsp:cNvGrpSpPr/>
+    </dsp:nvGrpSpPr>
+    <dsp:grpSpPr/>
+    <dsp:sp modelId="{1348AC1E-DD17-4CE7-914D-8EC547D42741}">
+      <dsp:nvSpPr>
+        <dsp:cNvPr id="0" name=""/>
+        <dsp:cNvSpPr/>
+      </dsp:nvSpPr>
+      <dsp:spPr>
+        <a:xfrm>
+          <a:off x="1307" y="860367"/>
+          <a:ext cx="1503201" cy="751600"/>
+        </a:xfrm>
+        <a:prstGeom prst="roundRect">
+          <a:avLst>
+            <a:gd name="adj" fmla="val 10000"/>
+          </a:avLst>
+        </a:prstGeom>
+        <a:gradFill rotWithShape="0">
+          <a:gsLst>
+            <a:gs pos="0">
+              <a:schemeClr val="dk2">
+                <a:hueOff val="0"/>
+                <a:satOff val="0"/>
+                <a:lumOff val="0"/>
+                <a:alphaOff val="0"/>
+                <a:satMod val="103000"/>
+                <a:lumMod val="102000"/>
+                <a:tint val="94000"/>
+              </a:schemeClr>
+            </a:gs>
+            <a:gs pos="50000">
+              <a:schemeClr val="dk2">
+                <a:hueOff val="0"/>
+                <a:satOff val="0"/>
+                <a:lumOff val="0"/>
+                <a:alphaOff val="0"/>
+                <a:satMod val="110000"/>
+                <a:lumMod val="100000"/>
+                <a:shade val="100000"/>
+              </a:schemeClr>
+            </a:gs>
+            <a:gs pos="100000">
+              <a:schemeClr val="dk2">
+                <a:hueOff val="0"/>
+                <a:satOff val="0"/>
+                <a:lumOff val="0"/>
+                <a:alphaOff val="0"/>
+                <a:lumMod val="99000"/>
+                <a:satMod val="120000"/>
+                <a:shade val="78000"/>
+              </a:schemeClr>
+            </a:gs>
+          </a:gsLst>
+          <a:lin ang="5400000" scaled="0"/>
+        </a:gradFill>
+        <a:ln>
+          <a:noFill/>
+        </a:ln>
+        <a:effectLst>
+          <a:outerShdw blurRad="57150" dist="19050" dir="5400000" algn="ctr" rotWithShape="0">
+            <a:srgbClr val="000000">
+              <a:alpha val="63000"/>
+            </a:srgbClr>
+          </a:outerShdw>
+        </a:effectLst>
+      </dsp:spPr>
+      <dsp:style>
+        <a:lnRef idx="0">
+          <a:scrgbClr r="0" g="0" b="0"/>
+        </a:lnRef>
+        <a:fillRef idx="3">
+          <a:scrgbClr r="0" g="0" b="0"/>
+        </a:fillRef>
+        <a:effectRef idx="3">
+          <a:scrgbClr r="0" g="0" b="0"/>
+        </a:effectRef>
+        <a:fontRef idx="minor">
+          <a:schemeClr val="lt1"/>
+        </a:fontRef>
+      </dsp:style>
+      <dsp:txBody>
+        <a:bodyPr spcFirstLastPara="0" vert="horz" wrap="square" lIns="43815" tIns="29210" rIns="43815" bIns="29210" numCol="1" spcCol="1270" anchor="ctr" anchorCtr="0">
+          <a:noAutofit/>
+        </a:bodyPr>
+        <a:lstStyle/>
+        <a:p>
+          <a:pPr marL="0" lvl="0" indent="0" algn="ctr" defTabSz="1022350">
+            <a:lnSpc>
+              <a:spcPct val="90000"/>
+            </a:lnSpc>
+            <a:spcBef>
+              <a:spcPct val="0"/>
+            </a:spcBef>
+            <a:spcAft>
+              <a:spcPct val="35000"/>
+            </a:spcAft>
+            <a:buNone/>
+          </a:pPr>
+          <a:r>
+            <a:rPr lang="it-IT" sz="2300" kern="1200" dirty="0"/>
+            <a:t>Random Forest</a:t>
+          </a:r>
+          <a:endParaRPr lang="es-CL" sz="2300" kern="1200" dirty="0"/>
+        </a:p>
+      </dsp:txBody>
+      <dsp:txXfrm>
+        <a:off x="23321" y="882381"/>
+        <a:ext cx="1459173" cy="707572"/>
+      </dsp:txXfrm>
+    </dsp:sp>
+    <dsp:sp modelId="{82A4C021-BF83-4DF4-9ED2-9774A39DDF42}">
+      <dsp:nvSpPr>
+        <dsp:cNvPr id="0" name=""/>
+        <dsp:cNvSpPr/>
+      </dsp:nvSpPr>
+      <dsp:spPr>
+        <a:xfrm>
+          <a:off x="151628" y="1611968"/>
+          <a:ext cx="150320" cy="563700"/>
+        </a:xfrm>
+        <a:custGeom>
+          <a:avLst/>
+          <a:gdLst/>
+          <a:ahLst/>
+          <a:cxnLst/>
+          <a:rect l="0" t="0" r="0" b="0"/>
+          <a:pathLst>
+            <a:path>
+              <a:moveTo>
+                <a:pt x="0" y="0"/>
+              </a:moveTo>
+              <a:lnTo>
+                <a:pt x="0" y="563700"/>
+              </a:lnTo>
+              <a:lnTo>
+                <a:pt x="150320" y="563700"/>
+              </a:lnTo>
+            </a:path>
+          </a:pathLst>
+        </a:custGeom>
+        <a:noFill/>
+        <a:ln w="12700" cap="flat" cmpd="sng" algn="ctr">
+          <a:solidFill>
+            <a:schemeClr val="dk2">
+              <a:shade val="60000"/>
+              <a:hueOff val="0"/>
+              <a:satOff val="0"/>
+              <a:lumOff val="0"/>
+              <a:alphaOff val="0"/>
+            </a:schemeClr>
+          </a:solidFill>
+          <a:prstDash val="solid"/>
+          <a:miter lim="800000"/>
+        </a:ln>
+        <a:effectLst/>
+      </dsp:spPr>
+      <dsp:style>
+        <a:lnRef idx="2">
+          <a:scrgbClr r="0" g="0" b="0"/>
+        </a:lnRef>
+        <a:fillRef idx="0">
+          <a:scrgbClr r="0" g="0" b="0"/>
+        </a:fillRef>
+        <a:effectRef idx="0">
+          <a:scrgbClr r="0" g="0" b="0"/>
+        </a:effectRef>
+        <a:fontRef idx="minor"/>
+      </dsp:style>
+    </dsp:sp>
+    <dsp:sp modelId="{4884369A-C179-45A0-8255-FD552D40C9A7}">
+      <dsp:nvSpPr>
+        <dsp:cNvPr id="0" name=""/>
+        <dsp:cNvSpPr/>
+      </dsp:nvSpPr>
+      <dsp:spPr>
+        <a:xfrm>
+          <a:off x="301948" y="1799868"/>
+          <a:ext cx="1202561" cy="751600"/>
+        </a:xfrm>
+        <a:prstGeom prst="roundRect">
+          <a:avLst>
+            <a:gd name="adj" fmla="val 10000"/>
+          </a:avLst>
+        </a:prstGeom>
+        <a:solidFill>
+          <a:schemeClr val="lt2">
+            <a:alpha val="90000"/>
+            <a:hueOff val="0"/>
+            <a:satOff val="0"/>
+            <a:lumOff val="0"/>
+            <a:alphaOff val="0"/>
+          </a:schemeClr>
+        </a:solidFill>
+        <a:ln w="6350" cap="flat" cmpd="sng" algn="ctr">
+          <a:solidFill>
+            <a:schemeClr val="dk2">
+              <a:hueOff val="0"/>
+              <a:satOff val="0"/>
+              <a:lumOff val="0"/>
+              <a:alphaOff val="0"/>
+            </a:schemeClr>
+          </a:solidFill>
+          <a:prstDash val="solid"/>
+          <a:miter lim="800000"/>
+        </a:ln>
+        <a:effectLst/>
+      </dsp:spPr>
+      <dsp:style>
+        <a:lnRef idx="1">
+          <a:scrgbClr r="0" g="0" b="0"/>
+        </a:lnRef>
+        <a:fillRef idx="1">
+          <a:scrgbClr r="0" g="0" b="0"/>
+        </a:fillRef>
+        <a:effectRef idx="2">
+          <a:scrgbClr r="0" g="0" b="0"/>
+        </a:effectRef>
+        <a:fontRef idx="minor"/>
+      </dsp:style>
+      <dsp:txBody>
+        <a:bodyPr spcFirstLastPara="0" vert="horz" wrap="square" lIns="34290" tIns="22860" rIns="34290" bIns="22860" numCol="1" spcCol="1270" anchor="ctr" anchorCtr="0">
+          <a:noAutofit/>
+        </a:bodyPr>
+        <a:lstStyle/>
+        <a:p>
+          <a:pPr marL="0" lvl="0" indent="0" algn="ctr" defTabSz="800100">
+            <a:lnSpc>
+              <a:spcPct val="90000"/>
+            </a:lnSpc>
+            <a:spcBef>
+              <a:spcPct val="0"/>
+            </a:spcBef>
+            <a:spcAft>
+              <a:spcPct val="35000"/>
+            </a:spcAft>
+            <a:buNone/>
+          </a:pPr>
+          <a:r>
+            <a:rPr lang="es-CL" sz="1800" kern="1200" dirty="0"/>
+            <a:t>Train error: 9.319</a:t>
+          </a:r>
+        </a:p>
+      </dsp:txBody>
+      <dsp:txXfrm>
+        <a:off x="323962" y="1821882"/>
+        <a:ext cx="1158533" cy="707572"/>
+      </dsp:txXfrm>
+    </dsp:sp>
+    <dsp:sp modelId="{AC67B2C7-C32E-48AF-9331-211D5880C6CD}">
+      <dsp:nvSpPr>
+        <dsp:cNvPr id="0" name=""/>
+        <dsp:cNvSpPr/>
+      </dsp:nvSpPr>
+      <dsp:spPr>
+        <a:xfrm>
+          <a:off x="151628" y="1611968"/>
+          <a:ext cx="150320" cy="1503201"/>
+        </a:xfrm>
+        <a:custGeom>
+          <a:avLst/>
+          <a:gdLst/>
+          <a:ahLst/>
+          <a:cxnLst/>
+          <a:rect l="0" t="0" r="0" b="0"/>
+          <a:pathLst>
+            <a:path>
+              <a:moveTo>
+                <a:pt x="0" y="0"/>
+              </a:moveTo>
+              <a:lnTo>
+                <a:pt x="0" y="1503201"/>
+              </a:lnTo>
+              <a:lnTo>
+                <a:pt x="150320" y="1503201"/>
+              </a:lnTo>
+            </a:path>
+          </a:pathLst>
+        </a:custGeom>
+        <a:noFill/>
+        <a:ln w="12700" cap="flat" cmpd="sng" algn="ctr">
+          <a:solidFill>
+            <a:schemeClr val="dk2">
+              <a:shade val="60000"/>
+              <a:hueOff val="0"/>
+              <a:satOff val="0"/>
+              <a:lumOff val="0"/>
+              <a:alphaOff val="0"/>
+            </a:schemeClr>
+          </a:solidFill>
+          <a:prstDash val="solid"/>
+          <a:miter lim="800000"/>
+        </a:ln>
+        <a:effectLst/>
+      </dsp:spPr>
+      <dsp:style>
+        <a:lnRef idx="2">
+          <a:scrgbClr r="0" g="0" b="0"/>
+        </a:lnRef>
+        <a:fillRef idx="0">
+          <a:scrgbClr r="0" g="0" b="0"/>
+        </a:fillRef>
+        <a:effectRef idx="0">
+          <a:scrgbClr r="0" g="0" b="0"/>
+        </a:effectRef>
+        <a:fontRef idx="minor"/>
+      </dsp:style>
+    </dsp:sp>
+    <dsp:sp modelId="{EF01AE0E-D910-4596-8E88-2E43E35CF59F}">
+      <dsp:nvSpPr>
+        <dsp:cNvPr id="0" name=""/>
+        <dsp:cNvSpPr/>
+      </dsp:nvSpPr>
+      <dsp:spPr>
+        <a:xfrm>
+          <a:off x="301948" y="2739369"/>
+          <a:ext cx="1202561" cy="751600"/>
+        </a:xfrm>
+        <a:prstGeom prst="roundRect">
+          <a:avLst>
+            <a:gd name="adj" fmla="val 10000"/>
+          </a:avLst>
+        </a:prstGeom>
+        <a:solidFill>
+          <a:schemeClr val="lt2">
+            <a:alpha val="90000"/>
+            <a:hueOff val="0"/>
+            <a:satOff val="0"/>
+            <a:lumOff val="0"/>
+            <a:alphaOff val="0"/>
+          </a:schemeClr>
+        </a:solidFill>
+        <a:ln w="6350" cap="flat" cmpd="sng" algn="ctr">
+          <a:solidFill>
+            <a:schemeClr val="dk2">
+              <a:hueOff val="0"/>
+              <a:satOff val="0"/>
+              <a:lumOff val="0"/>
+              <a:alphaOff val="0"/>
+            </a:schemeClr>
+          </a:solidFill>
+          <a:prstDash val="solid"/>
+          <a:miter lim="800000"/>
+        </a:ln>
+        <a:effectLst/>
+      </dsp:spPr>
+      <dsp:style>
+        <a:lnRef idx="1">
+          <a:scrgbClr r="0" g="0" b="0"/>
+        </a:lnRef>
+        <a:fillRef idx="1">
+          <a:scrgbClr r="0" g="0" b="0"/>
+        </a:fillRef>
+        <a:effectRef idx="2">
+          <a:scrgbClr r="0" g="0" b="0"/>
+        </a:effectRef>
+        <a:fontRef idx="minor"/>
+      </dsp:style>
+      <dsp:txBody>
+        <a:bodyPr spcFirstLastPara="0" vert="horz" wrap="square" lIns="34290" tIns="22860" rIns="34290" bIns="22860" numCol="1" spcCol="1270" anchor="ctr" anchorCtr="0">
+          <a:noAutofit/>
+        </a:bodyPr>
+        <a:lstStyle/>
+        <a:p>
+          <a:pPr marL="0" lvl="0" indent="0" algn="ctr" defTabSz="800100">
+            <a:lnSpc>
+              <a:spcPct val="90000"/>
+            </a:lnSpc>
+            <a:spcBef>
+              <a:spcPct val="0"/>
+            </a:spcBef>
+            <a:spcAft>
+              <a:spcPct val="35000"/>
+            </a:spcAft>
+            <a:buNone/>
+          </a:pPr>
+          <a:r>
+            <a:rPr lang="es-CL" sz="1800" kern="1200" dirty="0"/>
+            <a:t>Test error: 9.093</a:t>
+          </a:r>
+        </a:p>
+      </dsp:txBody>
+      <dsp:txXfrm>
+        <a:off x="323962" y="2761383"/>
+        <a:ext cx="1158533" cy="707572"/>
+      </dsp:txXfrm>
+    </dsp:sp>
+    <dsp:sp modelId="{7326AF9C-CD2D-4070-B659-3370DF4517BA}">
+      <dsp:nvSpPr>
+        <dsp:cNvPr id="0" name=""/>
+        <dsp:cNvSpPr/>
+      </dsp:nvSpPr>
+      <dsp:spPr>
+        <a:xfrm>
+          <a:off x="1880310" y="860367"/>
+          <a:ext cx="1503201" cy="751600"/>
+        </a:xfrm>
+        <a:prstGeom prst="roundRect">
+          <a:avLst>
+            <a:gd name="adj" fmla="val 10000"/>
+          </a:avLst>
+        </a:prstGeom>
+        <a:gradFill rotWithShape="0">
+          <a:gsLst>
+            <a:gs pos="0">
+              <a:schemeClr val="dk2">
+                <a:hueOff val="0"/>
+                <a:satOff val="0"/>
+                <a:lumOff val="0"/>
+                <a:alphaOff val="0"/>
+                <a:satMod val="103000"/>
+                <a:lumMod val="102000"/>
+                <a:tint val="94000"/>
+              </a:schemeClr>
+            </a:gs>
+            <a:gs pos="50000">
+              <a:schemeClr val="dk2">
+                <a:hueOff val="0"/>
+                <a:satOff val="0"/>
+                <a:lumOff val="0"/>
+                <a:alphaOff val="0"/>
+                <a:satMod val="110000"/>
+                <a:lumMod val="100000"/>
+                <a:shade val="100000"/>
+              </a:schemeClr>
+            </a:gs>
+            <a:gs pos="100000">
+              <a:schemeClr val="dk2">
+                <a:hueOff val="0"/>
+                <a:satOff val="0"/>
+                <a:lumOff val="0"/>
+                <a:alphaOff val="0"/>
+                <a:lumMod val="99000"/>
+                <a:satMod val="120000"/>
+                <a:shade val="78000"/>
+              </a:schemeClr>
+            </a:gs>
+          </a:gsLst>
+          <a:lin ang="5400000" scaled="0"/>
+        </a:gradFill>
+        <a:ln>
+          <a:noFill/>
+        </a:ln>
+        <a:effectLst>
+          <a:outerShdw blurRad="57150" dist="19050" dir="5400000" algn="ctr" rotWithShape="0">
+            <a:srgbClr val="000000">
+              <a:alpha val="63000"/>
+            </a:srgbClr>
+          </a:outerShdw>
+        </a:effectLst>
+      </dsp:spPr>
+      <dsp:style>
+        <a:lnRef idx="0">
+          <a:scrgbClr r="0" g="0" b="0"/>
+        </a:lnRef>
+        <a:fillRef idx="3">
+          <a:scrgbClr r="0" g="0" b="0"/>
+        </a:fillRef>
+        <a:effectRef idx="3">
+          <a:scrgbClr r="0" g="0" b="0"/>
+        </a:effectRef>
+        <a:fontRef idx="minor">
+          <a:schemeClr val="lt1"/>
+        </a:fontRef>
+      </dsp:style>
+      <dsp:txBody>
+        <a:bodyPr spcFirstLastPara="0" vert="horz" wrap="square" lIns="43815" tIns="29210" rIns="43815" bIns="29210" numCol="1" spcCol="1270" anchor="ctr" anchorCtr="0">
+          <a:noAutofit/>
+        </a:bodyPr>
+        <a:lstStyle/>
+        <a:p>
+          <a:pPr marL="0" lvl="0" indent="0" algn="ctr" defTabSz="1022350">
+            <a:lnSpc>
+              <a:spcPct val="90000"/>
+            </a:lnSpc>
+            <a:spcBef>
+              <a:spcPct val="0"/>
+            </a:spcBef>
+            <a:spcAft>
+              <a:spcPct val="35000"/>
+            </a:spcAft>
+            <a:buNone/>
+          </a:pPr>
+          <a:r>
+            <a:rPr lang="it-IT" sz="2300" kern="1200" dirty="0"/>
+            <a:t>SVM</a:t>
+          </a:r>
+          <a:endParaRPr lang="es-CL" sz="2300" kern="1200" dirty="0"/>
+        </a:p>
+      </dsp:txBody>
+      <dsp:txXfrm>
+        <a:off x="1902324" y="882381"/>
+        <a:ext cx="1459173" cy="707572"/>
+      </dsp:txXfrm>
+    </dsp:sp>
+    <dsp:sp modelId="{0B35A0B3-9AA9-43EC-822F-4361A0C8C601}">
+      <dsp:nvSpPr>
+        <dsp:cNvPr id="0" name=""/>
+        <dsp:cNvSpPr/>
+      </dsp:nvSpPr>
+      <dsp:spPr>
+        <a:xfrm>
+          <a:off x="2030630" y="1611968"/>
+          <a:ext cx="150320" cy="563700"/>
+        </a:xfrm>
+        <a:custGeom>
+          <a:avLst/>
+          <a:gdLst/>
+          <a:ahLst/>
+          <a:cxnLst/>
+          <a:rect l="0" t="0" r="0" b="0"/>
+          <a:pathLst>
+            <a:path>
+              <a:moveTo>
+                <a:pt x="0" y="0"/>
+              </a:moveTo>
+              <a:lnTo>
+                <a:pt x="0" y="563700"/>
+              </a:lnTo>
+              <a:lnTo>
+                <a:pt x="150320" y="563700"/>
+              </a:lnTo>
+            </a:path>
+          </a:pathLst>
+        </a:custGeom>
+        <a:noFill/>
+        <a:ln w="12700" cap="flat" cmpd="sng" algn="ctr">
+          <a:solidFill>
+            <a:schemeClr val="dk2">
+              <a:shade val="60000"/>
+              <a:hueOff val="0"/>
+              <a:satOff val="0"/>
+              <a:lumOff val="0"/>
+              <a:alphaOff val="0"/>
+            </a:schemeClr>
+          </a:solidFill>
+          <a:prstDash val="solid"/>
+          <a:miter lim="800000"/>
+        </a:ln>
+        <a:effectLst/>
+      </dsp:spPr>
+      <dsp:style>
+        <a:lnRef idx="2">
+          <a:scrgbClr r="0" g="0" b="0"/>
+        </a:lnRef>
+        <a:fillRef idx="0">
+          <a:scrgbClr r="0" g="0" b="0"/>
+        </a:fillRef>
+        <a:effectRef idx="0">
+          <a:scrgbClr r="0" g="0" b="0"/>
+        </a:effectRef>
+        <a:fontRef idx="minor"/>
+      </dsp:style>
+    </dsp:sp>
+    <dsp:sp modelId="{9E9C9F9A-E574-44C5-9C4C-248F2E51A5FC}">
+      <dsp:nvSpPr>
+        <dsp:cNvPr id="0" name=""/>
+        <dsp:cNvSpPr/>
+      </dsp:nvSpPr>
+      <dsp:spPr>
+        <a:xfrm>
+          <a:off x="2180950" y="1799868"/>
+          <a:ext cx="1202561" cy="751600"/>
+        </a:xfrm>
+        <a:prstGeom prst="roundRect">
+          <a:avLst>
+            <a:gd name="adj" fmla="val 10000"/>
+          </a:avLst>
+        </a:prstGeom>
+        <a:solidFill>
+          <a:schemeClr val="lt2">
+            <a:alpha val="90000"/>
+            <a:hueOff val="0"/>
+            <a:satOff val="0"/>
+            <a:lumOff val="0"/>
+            <a:alphaOff val="0"/>
+          </a:schemeClr>
+        </a:solidFill>
+        <a:ln w="6350" cap="flat" cmpd="sng" algn="ctr">
+          <a:solidFill>
+            <a:schemeClr val="dk2">
+              <a:hueOff val="0"/>
+              <a:satOff val="0"/>
+              <a:lumOff val="0"/>
+              <a:alphaOff val="0"/>
+            </a:schemeClr>
+          </a:solidFill>
+          <a:prstDash val="solid"/>
+          <a:miter lim="800000"/>
+        </a:ln>
+        <a:effectLst/>
+      </dsp:spPr>
+      <dsp:style>
+        <a:lnRef idx="1">
+          <a:scrgbClr r="0" g="0" b="0"/>
+        </a:lnRef>
+        <a:fillRef idx="1">
+          <a:scrgbClr r="0" g="0" b="0"/>
+        </a:fillRef>
+        <a:effectRef idx="2">
+          <a:scrgbClr r="0" g="0" b="0"/>
+        </a:effectRef>
+        <a:fontRef idx="minor"/>
+      </dsp:style>
+      <dsp:txBody>
+        <a:bodyPr spcFirstLastPara="0" vert="horz" wrap="square" lIns="34290" tIns="22860" rIns="34290" bIns="22860" numCol="1" spcCol="1270" anchor="ctr" anchorCtr="0">
+          <a:noAutofit/>
+        </a:bodyPr>
+        <a:lstStyle/>
+        <a:p>
+          <a:pPr marL="0" lvl="0" indent="0" algn="ctr" defTabSz="800100">
+            <a:lnSpc>
+              <a:spcPct val="90000"/>
+            </a:lnSpc>
+            <a:spcBef>
+              <a:spcPct val="0"/>
+            </a:spcBef>
+            <a:spcAft>
+              <a:spcPct val="35000"/>
+            </a:spcAft>
+            <a:buNone/>
+          </a:pPr>
+          <a:r>
+            <a:rPr lang="it-IT" sz="1800" kern="1200" dirty="0"/>
+            <a:t>Train error:</a:t>
+          </a:r>
+          <a:endParaRPr lang="es-CL" sz="1800" kern="1200" dirty="0"/>
+        </a:p>
+      </dsp:txBody>
+      <dsp:txXfrm>
+        <a:off x="2202964" y="1821882"/>
+        <a:ext cx="1158533" cy="707572"/>
+      </dsp:txXfrm>
+    </dsp:sp>
+    <dsp:sp modelId="{36DF90CA-3FA8-4052-A313-A0252BEAF2BE}">
+      <dsp:nvSpPr>
+        <dsp:cNvPr id="0" name=""/>
+        <dsp:cNvSpPr/>
+      </dsp:nvSpPr>
+      <dsp:spPr>
+        <a:xfrm>
+          <a:off x="2030630" y="1611968"/>
+          <a:ext cx="150320" cy="1503201"/>
+        </a:xfrm>
+        <a:custGeom>
+          <a:avLst/>
+          <a:gdLst/>
+          <a:ahLst/>
+          <a:cxnLst/>
+          <a:rect l="0" t="0" r="0" b="0"/>
+          <a:pathLst>
+            <a:path>
+              <a:moveTo>
+                <a:pt x="0" y="0"/>
+              </a:moveTo>
+              <a:lnTo>
+                <a:pt x="0" y="1503201"/>
+              </a:lnTo>
+              <a:lnTo>
+                <a:pt x="150320" y="1503201"/>
+              </a:lnTo>
+            </a:path>
+          </a:pathLst>
+        </a:custGeom>
+        <a:noFill/>
+        <a:ln w="12700" cap="flat" cmpd="sng" algn="ctr">
+          <a:solidFill>
+            <a:schemeClr val="dk2">
+              <a:shade val="60000"/>
+              <a:hueOff val="0"/>
+              <a:satOff val="0"/>
+              <a:lumOff val="0"/>
+              <a:alphaOff val="0"/>
+            </a:schemeClr>
+          </a:solidFill>
+          <a:prstDash val="solid"/>
+          <a:miter lim="800000"/>
+        </a:ln>
+        <a:effectLst/>
+      </dsp:spPr>
+      <dsp:style>
+        <a:lnRef idx="2">
+          <a:scrgbClr r="0" g="0" b="0"/>
+        </a:lnRef>
+        <a:fillRef idx="0">
+          <a:scrgbClr r="0" g="0" b="0"/>
+        </a:fillRef>
+        <a:effectRef idx="0">
+          <a:scrgbClr r="0" g="0" b="0"/>
+        </a:effectRef>
+        <a:fontRef idx="minor"/>
+      </dsp:style>
+    </dsp:sp>
+    <dsp:sp modelId="{E0AF71CE-9C03-4119-8FF2-29BF22D751F5}">
+      <dsp:nvSpPr>
+        <dsp:cNvPr id="0" name=""/>
+        <dsp:cNvSpPr/>
+      </dsp:nvSpPr>
+      <dsp:spPr>
+        <a:xfrm>
+          <a:off x="2180950" y="2739369"/>
+          <a:ext cx="1202561" cy="751600"/>
+        </a:xfrm>
+        <a:prstGeom prst="roundRect">
+          <a:avLst>
+            <a:gd name="adj" fmla="val 10000"/>
+          </a:avLst>
+        </a:prstGeom>
+        <a:solidFill>
+          <a:schemeClr val="lt2">
+            <a:alpha val="90000"/>
+            <a:hueOff val="0"/>
+            <a:satOff val="0"/>
+            <a:lumOff val="0"/>
+            <a:alphaOff val="0"/>
+          </a:schemeClr>
+        </a:solidFill>
+        <a:ln w="6350" cap="flat" cmpd="sng" algn="ctr">
+          <a:solidFill>
+            <a:schemeClr val="dk2">
+              <a:hueOff val="0"/>
+              <a:satOff val="0"/>
+              <a:lumOff val="0"/>
+              <a:alphaOff val="0"/>
+            </a:schemeClr>
+          </a:solidFill>
+          <a:prstDash val="solid"/>
+          <a:miter lim="800000"/>
+        </a:ln>
+        <a:effectLst/>
+      </dsp:spPr>
+      <dsp:style>
+        <a:lnRef idx="1">
+          <a:scrgbClr r="0" g="0" b="0"/>
+        </a:lnRef>
+        <a:fillRef idx="1">
+          <a:scrgbClr r="0" g="0" b="0"/>
+        </a:fillRef>
+        <a:effectRef idx="2">
+          <a:scrgbClr r="0" g="0" b="0"/>
+        </a:effectRef>
+        <a:fontRef idx="minor"/>
+      </dsp:style>
+      <dsp:txBody>
+        <a:bodyPr spcFirstLastPara="0" vert="horz" wrap="square" lIns="34290" tIns="22860" rIns="34290" bIns="22860" numCol="1" spcCol="1270" anchor="ctr" anchorCtr="0">
+          <a:noAutofit/>
+        </a:bodyPr>
+        <a:lstStyle/>
+        <a:p>
+          <a:pPr marL="0" lvl="0" indent="0" algn="ctr" defTabSz="800100">
+            <a:lnSpc>
+              <a:spcPct val="90000"/>
+            </a:lnSpc>
+            <a:spcBef>
+              <a:spcPct val="0"/>
+            </a:spcBef>
+            <a:spcAft>
+              <a:spcPct val="35000"/>
+            </a:spcAft>
+            <a:buNone/>
+          </a:pPr>
+          <a:r>
+            <a:rPr lang="it-IT" sz="1800" kern="1200" dirty="0"/>
+            <a:t>Test error:</a:t>
+          </a:r>
+          <a:endParaRPr lang="es-CL" sz="1800" kern="1200" dirty="0"/>
+        </a:p>
+      </dsp:txBody>
+      <dsp:txXfrm>
+        <a:off x="2202964" y="2761383"/>
+        <a:ext cx="1158533" cy="707572"/>
+      </dsp:txXfrm>
+    </dsp:sp>
+    <dsp:sp modelId="{45AAA509-A316-45BB-8FE5-56929CE9E43D}">
+      <dsp:nvSpPr>
+        <dsp:cNvPr id="0" name=""/>
+        <dsp:cNvSpPr/>
+      </dsp:nvSpPr>
+      <dsp:spPr>
+        <a:xfrm>
+          <a:off x="3759312" y="860367"/>
+          <a:ext cx="1503201" cy="751600"/>
+        </a:xfrm>
+        <a:prstGeom prst="roundRect">
+          <a:avLst>
+            <a:gd name="adj" fmla="val 10000"/>
+          </a:avLst>
+        </a:prstGeom>
+        <a:gradFill rotWithShape="0">
+          <a:gsLst>
+            <a:gs pos="0">
+              <a:schemeClr val="dk2">
+                <a:hueOff val="0"/>
+                <a:satOff val="0"/>
+                <a:lumOff val="0"/>
+                <a:alphaOff val="0"/>
+                <a:satMod val="103000"/>
+                <a:lumMod val="102000"/>
+                <a:tint val="94000"/>
+              </a:schemeClr>
+            </a:gs>
+            <a:gs pos="50000">
+              <a:schemeClr val="dk2">
+                <a:hueOff val="0"/>
+                <a:satOff val="0"/>
+                <a:lumOff val="0"/>
+                <a:alphaOff val="0"/>
+                <a:satMod val="110000"/>
+                <a:lumMod val="100000"/>
+                <a:shade val="100000"/>
+              </a:schemeClr>
+            </a:gs>
+            <a:gs pos="100000">
+              <a:schemeClr val="dk2">
+                <a:hueOff val="0"/>
+                <a:satOff val="0"/>
+                <a:lumOff val="0"/>
+                <a:alphaOff val="0"/>
+                <a:lumMod val="99000"/>
+                <a:satMod val="120000"/>
+                <a:shade val="78000"/>
+              </a:schemeClr>
+            </a:gs>
+          </a:gsLst>
+          <a:lin ang="5400000" scaled="0"/>
+        </a:gradFill>
+        <a:ln>
+          <a:noFill/>
+        </a:ln>
+        <a:effectLst>
+          <a:outerShdw blurRad="57150" dist="19050" dir="5400000" algn="ctr" rotWithShape="0">
+            <a:srgbClr val="000000">
+              <a:alpha val="63000"/>
+            </a:srgbClr>
+          </a:outerShdw>
+        </a:effectLst>
+      </dsp:spPr>
+      <dsp:style>
+        <a:lnRef idx="0">
+          <a:scrgbClr r="0" g="0" b="0"/>
+        </a:lnRef>
+        <a:fillRef idx="3">
+          <a:scrgbClr r="0" g="0" b="0"/>
+        </a:fillRef>
+        <a:effectRef idx="3">
+          <a:scrgbClr r="0" g="0" b="0"/>
+        </a:effectRef>
+        <a:fontRef idx="minor">
+          <a:schemeClr val="lt1"/>
+        </a:fontRef>
+      </dsp:style>
+      <dsp:txBody>
+        <a:bodyPr spcFirstLastPara="0" vert="horz" wrap="square" lIns="43815" tIns="29210" rIns="43815" bIns="29210" numCol="1" spcCol="1270" anchor="ctr" anchorCtr="0">
+          <a:noAutofit/>
+        </a:bodyPr>
+        <a:lstStyle/>
+        <a:p>
+          <a:pPr marL="0" lvl="0" indent="0" algn="ctr" defTabSz="1022350">
+            <a:lnSpc>
+              <a:spcPct val="90000"/>
+            </a:lnSpc>
+            <a:spcBef>
+              <a:spcPct val="0"/>
+            </a:spcBef>
+            <a:spcAft>
+              <a:spcPct val="35000"/>
+            </a:spcAft>
+            <a:buNone/>
+          </a:pPr>
+          <a:r>
+            <a:rPr lang="it-IT" sz="2300" kern="1200" dirty="0"/>
+            <a:t>Naive Bayes</a:t>
+          </a:r>
+          <a:endParaRPr lang="es-CL" sz="2300" kern="1200" dirty="0"/>
+        </a:p>
+      </dsp:txBody>
+      <dsp:txXfrm>
+        <a:off x="3781326" y="882381"/>
+        <a:ext cx="1459173" cy="707572"/>
+      </dsp:txXfrm>
+    </dsp:sp>
+    <dsp:sp modelId="{8BC33271-ACF8-4CB3-852A-E73400BBBF35}">
+      <dsp:nvSpPr>
+        <dsp:cNvPr id="0" name=""/>
+        <dsp:cNvSpPr/>
+      </dsp:nvSpPr>
+      <dsp:spPr>
+        <a:xfrm>
+          <a:off x="3909632" y="1611968"/>
+          <a:ext cx="150320" cy="563700"/>
+        </a:xfrm>
+        <a:custGeom>
+          <a:avLst/>
+          <a:gdLst/>
+          <a:ahLst/>
+          <a:cxnLst/>
+          <a:rect l="0" t="0" r="0" b="0"/>
+          <a:pathLst>
+            <a:path>
+              <a:moveTo>
+                <a:pt x="0" y="0"/>
+              </a:moveTo>
+              <a:lnTo>
+                <a:pt x="0" y="563700"/>
+              </a:lnTo>
+              <a:lnTo>
+                <a:pt x="150320" y="563700"/>
+              </a:lnTo>
+            </a:path>
+          </a:pathLst>
+        </a:custGeom>
+        <a:noFill/>
+        <a:ln w="12700" cap="flat" cmpd="sng" algn="ctr">
+          <a:solidFill>
+            <a:schemeClr val="dk2">
+              <a:shade val="60000"/>
+              <a:hueOff val="0"/>
+              <a:satOff val="0"/>
+              <a:lumOff val="0"/>
+              <a:alphaOff val="0"/>
+            </a:schemeClr>
+          </a:solidFill>
+          <a:prstDash val="solid"/>
+          <a:miter lim="800000"/>
+        </a:ln>
+        <a:effectLst/>
+      </dsp:spPr>
+      <dsp:style>
+        <a:lnRef idx="2">
+          <a:scrgbClr r="0" g="0" b="0"/>
+        </a:lnRef>
+        <a:fillRef idx="0">
+          <a:scrgbClr r="0" g="0" b="0"/>
+        </a:fillRef>
+        <a:effectRef idx="0">
+          <a:scrgbClr r="0" g="0" b="0"/>
+        </a:effectRef>
+        <a:fontRef idx="minor"/>
+      </dsp:style>
+    </dsp:sp>
+    <dsp:sp modelId="{4C1AAEA7-A87B-455A-8B94-7244153AC2F0}">
+      <dsp:nvSpPr>
+        <dsp:cNvPr id="0" name=""/>
+        <dsp:cNvSpPr/>
+      </dsp:nvSpPr>
+      <dsp:spPr>
+        <a:xfrm>
+          <a:off x="4059953" y="1799868"/>
+          <a:ext cx="1202561" cy="751600"/>
+        </a:xfrm>
+        <a:prstGeom prst="roundRect">
+          <a:avLst>
+            <a:gd name="adj" fmla="val 10000"/>
+          </a:avLst>
+        </a:prstGeom>
+        <a:solidFill>
+          <a:schemeClr val="lt2">
+            <a:alpha val="90000"/>
+            <a:hueOff val="0"/>
+            <a:satOff val="0"/>
+            <a:lumOff val="0"/>
+            <a:alphaOff val="0"/>
+          </a:schemeClr>
+        </a:solidFill>
+        <a:ln w="6350" cap="flat" cmpd="sng" algn="ctr">
+          <a:solidFill>
+            <a:schemeClr val="dk2">
+              <a:hueOff val="0"/>
+              <a:satOff val="0"/>
+              <a:lumOff val="0"/>
+              <a:alphaOff val="0"/>
+            </a:schemeClr>
+          </a:solidFill>
+          <a:prstDash val="solid"/>
+          <a:miter lim="800000"/>
+        </a:ln>
+        <a:effectLst/>
+      </dsp:spPr>
+      <dsp:style>
+        <a:lnRef idx="1">
+          <a:scrgbClr r="0" g="0" b="0"/>
+        </a:lnRef>
+        <a:fillRef idx="1">
+          <a:scrgbClr r="0" g="0" b="0"/>
+        </a:fillRef>
+        <a:effectRef idx="2">
+          <a:scrgbClr r="0" g="0" b="0"/>
+        </a:effectRef>
+        <a:fontRef idx="minor"/>
+      </dsp:style>
+      <dsp:txBody>
+        <a:bodyPr spcFirstLastPara="0" vert="horz" wrap="square" lIns="34290" tIns="22860" rIns="34290" bIns="22860" numCol="1" spcCol="1270" anchor="ctr" anchorCtr="0">
+          <a:noAutofit/>
+        </a:bodyPr>
+        <a:lstStyle/>
+        <a:p>
+          <a:pPr marL="0" lvl="0" indent="0" algn="ctr" defTabSz="800100">
+            <a:lnSpc>
+              <a:spcPct val="90000"/>
+            </a:lnSpc>
+            <a:spcBef>
+              <a:spcPct val="0"/>
+            </a:spcBef>
+            <a:spcAft>
+              <a:spcPct val="35000"/>
+            </a:spcAft>
+            <a:buNone/>
+          </a:pPr>
+          <a:r>
+            <a:rPr lang="it-IT" sz="1800" kern="1200" dirty="0"/>
+            <a:t>Train error:</a:t>
+          </a:r>
+          <a:endParaRPr lang="es-CL" sz="1800" kern="1200" dirty="0"/>
+        </a:p>
+      </dsp:txBody>
+      <dsp:txXfrm>
+        <a:off x="4081967" y="1821882"/>
+        <a:ext cx="1158533" cy="707572"/>
+      </dsp:txXfrm>
+    </dsp:sp>
+    <dsp:sp modelId="{DAA075EE-CA0E-4A68-9A70-A708D52CBFF5}">
+      <dsp:nvSpPr>
+        <dsp:cNvPr id="0" name=""/>
+        <dsp:cNvSpPr/>
+      </dsp:nvSpPr>
+      <dsp:spPr>
+        <a:xfrm>
+          <a:off x="3909632" y="1611968"/>
+          <a:ext cx="150320" cy="1503201"/>
+        </a:xfrm>
+        <a:custGeom>
+          <a:avLst/>
+          <a:gdLst/>
+          <a:ahLst/>
+          <a:cxnLst/>
+          <a:rect l="0" t="0" r="0" b="0"/>
+          <a:pathLst>
+            <a:path>
+              <a:moveTo>
+                <a:pt x="0" y="0"/>
+              </a:moveTo>
+              <a:lnTo>
+                <a:pt x="0" y="1503201"/>
+              </a:lnTo>
+              <a:lnTo>
+                <a:pt x="150320" y="1503201"/>
+              </a:lnTo>
+            </a:path>
+          </a:pathLst>
+        </a:custGeom>
+        <a:noFill/>
+        <a:ln w="12700" cap="flat" cmpd="sng" algn="ctr">
+          <a:solidFill>
+            <a:schemeClr val="dk2">
+              <a:shade val="60000"/>
+              <a:hueOff val="0"/>
+              <a:satOff val="0"/>
+              <a:lumOff val="0"/>
+              <a:alphaOff val="0"/>
+            </a:schemeClr>
+          </a:solidFill>
+          <a:prstDash val="solid"/>
+          <a:miter lim="800000"/>
+        </a:ln>
+        <a:effectLst/>
+      </dsp:spPr>
+      <dsp:style>
+        <a:lnRef idx="2">
+          <a:scrgbClr r="0" g="0" b="0"/>
+        </a:lnRef>
+        <a:fillRef idx="0">
+          <a:scrgbClr r="0" g="0" b="0"/>
+        </a:fillRef>
+        <a:effectRef idx="0">
+          <a:scrgbClr r="0" g="0" b="0"/>
+        </a:effectRef>
+        <a:fontRef idx="minor"/>
+      </dsp:style>
+    </dsp:sp>
+    <dsp:sp modelId="{8EE165F4-EC6C-4016-86AC-047EA3D6660E}">
+      <dsp:nvSpPr>
+        <dsp:cNvPr id="0" name=""/>
+        <dsp:cNvSpPr/>
+      </dsp:nvSpPr>
+      <dsp:spPr>
+        <a:xfrm>
+          <a:off x="4059953" y="2739369"/>
+          <a:ext cx="1202561" cy="751600"/>
+        </a:xfrm>
+        <a:prstGeom prst="roundRect">
+          <a:avLst>
+            <a:gd name="adj" fmla="val 10000"/>
+          </a:avLst>
+        </a:prstGeom>
+        <a:solidFill>
+          <a:schemeClr val="lt2">
+            <a:alpha val="90000"/>
+            <a:hueOff val="0"/>
+            <a:satOff val="0"/>
+            <a:lumOff val="0"/>
+            <a:alphaOff val="0"/>
+          </a:schemeClr>
+        </a:solidFill>
+        <a:ln w="6350" cap="flat" cmpd="sng" algn="ctr">
+          <a:solidFill>
+            <a:schemeClr val="dk2">
+              <a:hueOff val="0"/>
+              <a:satOff val="0"/>
+              <a:lumOff val="0"/>
+              <a:alphaOff val="0"/>
+            </a:schemeClr>
+          </a:solidFill>
+          <a:prstDash val="solid"/>
+          <a:miter lim="800000"/>
+        </a:ln>
+        <a:effectLst/>
+      </dsp:spPr>
+      <dsp:style>
+        <a:lnRef idx="1">
+          <a:scrgbClr r="0" g="0" b="0"/>
+        </a:lnRef>
+        <a:fillRef idx="1">
+          <a:scrgbClr r="0" g="0" b="0"/>
+        </a:fillRef>
+        <a:effectRef idx="2">
+          <a:scrgbClr r="0" g="0" b="0"/>
+        </a:effectRef>
+        <a:fontRef idx="minor"/>
+      </dsp:style>
+      <dsp:txBody>
+        <a:bodyPr spcFirstLastPara="0" vert="horz" wrap="square" lIns="34290" tIns="22860" rIns="34290" bIns="22860" numCol="1" spcCol="1270" anchor="ctr" anchorCtr="0">
+          <a:noAutofit/>
+        </a:bodyPr>
+        <a:lstStyle/>
+        <a:p>
+          <a:pPr marL="0" lvl="0" indent="0" algn="ctr" defTabSz="800100">
+            <a:lnSpc>
+              <a:spcPct val="90000"/>
+            </a:lnSpc>
+            <a:spcBef>
+              <a:spcPct val="0"/>
+            </a:spcBef>
+            <a:spcAft>
+              <a:spcPct val="35000"/>
+            </a:spcAft>
+            <a:buNone/>
+          </a:pPr>
+          <a:r>
+            <a:rPr lang="it-IT" sz="1800" kern="1200" dirty="0"/>
+            <a:t>Test error:</a:t>
+          </a:r>
+          <a:endParaRPr lang="es-CL" sz="1800" kern="1200" dirty="0"/>
+        </a:p>
+      </dsp:txBody>
+      <dsp:txXfrm>
+        <a:off x="4081967" y="2761383"/>
+        <a:ext cx="1158533" cy="707572"/>
+      </dsp:txXfrm>
+    </dsp:sp>
+    <dsp:sp modelId="{2C41AF9C-3D56-4ED1-BA84-B3F7A4C0652A}">
+      <dsp:nvSpPr>
+        <dsp:cNvPr id="0" name=""/>
+        <dsp:cNvSpPr/>
+      </dsp:nvSpPr>
+      <dsp:spPr>
+        <a:xfrm>
+          <a:off x="5638315" y="860367"/>
+          <a:ext cx="1503201" cy="751600"/>
+        </a:xfrm>
+        <a:prstGeom prst="roundRect">
+          <a:avLst>
+            <a:gd name="adj" fmla="val 10000"/>
+          </a:avLst>
+        </a:prstGeom>
+        <a:gradFill rotWithShape="0">
+          <a:gsLst>
+            <a:gs pos="0">
+              <a:schemeClr val="dk2">
+                <a:hueOff val="0"/>
+                <a:satOff val="0"/>
+                <a:lumOff val="0"/>
+                <a:alphaOff val="0"/>
+                <a:satMod val="103000"/>
+                <a:lumMod val="102000"/>
+                <a:tint val="94000"/>
+              </a:schemeClr>
+            </a:gs>
+            <a:gs pos="50000">
+              <a:schemeClr val="dk2">
+                <a:hueOff val="0"/>
+                <a:satOff val="0"/>
+                <a:lumOff val="0"/>
+                <a:alphaOff val="0"/>
+                <a:satMod val="110000"/>
+                <a:lumMod val="100000"/>
+                <a:shade val="100000"/>
+              </a:schemeClr>
+            </a:gs>
+            <a:gs pos="100000">
+              <a:schemeClr val="dk2">
+                <a:hueOff val="0"/>
+                <a:satOff val="0"/>
+                <a:lumOff val="0"/>
+                <a:alphaOff val="0"/>
+                <a:lumMod val="99000"/>
+                <a:satMod val="120000"/>
+                <a:shade val="78000"/>
+              </a:schemeClr>
+            </a:gs>
+          </a:gsLst>
+          <a:lin ang="5400000" scaled="0"/>
+        </a:gradFill>
+        <a:ln>
+          <a:noFill/>
+        </a:ln>
+        <a:effectLst>
+          <a:outerShdw blurRad="57150" dist="19050" dir="5400000" algn="ctr" rotWithShape="0">
+            <a:srgbClr val="000000">
+              <a:alpha val="63000"/>
+            </a:srgbClr>
+          </a:outerShdw>
+        </a:effectLst>
+      </dsp:spPr>
+      <dsp:style>
+        <a:lnRef idx="0">
+          <a:scrgbClr r="0" g="0" b="0"/>
+        </a:lnRef>
+        <a:fillRef idx="3">
+          <a:scrgbClr r="0" g="0" b="0"/>
+        </a:fillRef>
+        <a:effectRef idx="3">
+          <a:scrgbClr r="0" g="0" b="0"/>
+        </a:effectRef>
+        <a:fontRef idx="minor">
+          <a:schemeClr val="lt1"/>
+        </a:fontRef>
+      </dsp:style>
+      <dsp:txBody>
+        <a:bodyPr spcFirstLastPara="0" vert="horz" wrap="square" lIns="43815" tIns="29210" rIns="43815" bIns="29210" numCol="1" spcCol="1270" anchor="ctr" anchorCtr="0">
+          <a:noAutofit/>
+        </a:bodyPr>
+        <a:lstStyle/>
+        <a:p>
+          <a:pPr marL="0" lvl="0" indent="0" algn="ctr" defTabSz="1022350">
+            <a:lnSpc>
+              <a:spcPct val="90000"/>
+            </a:lnSpc>
+            <a:spcBef>
+              <a:spcPct val="0"/>
+            </a:spcBef>
+            <a:spcAft>
+              <a:spcPct val="35000"/>
+            </a:spcAft>
+            <a:buNone/>
+          </a:pPr>
+          <a:r>
+            <a:rPr lang="it-IT" sz="2300" kern="1200" dirty="0"/>
+            <a:t>…</a:t>
+          </a:r>
+          <a:endParaRPr lang="es-CL" sz="2300" kern="1200" dirty="0"/>
+        </a:p>
+      </dsp:txBody>
+      <dsp:txXfrm>
+        <a:off x="5660329" y="882381"/>
+        <a:ext cx="1459173" cy="707572"/>
+      </dsp:txXfrm>
+    </dsp:sp>
+    <dsp:sp modelId="{4D90285A-D363-4134-A85D-EA0977C7F843}">
+      <dsp:nvSpPr>
+        <dsp:cNvPr id="0" name=""/>
+        <dsp:cNvSpPr/>
+      </dsp:nvSpPr>
+      <dsp:spPr>
+        <a:xfrm>
+          <a:off x="5788635" y="1611968"/>
+          <a:ext cx="150320" cy="563700"/>
+        </a:xfrm>
+        <a:custGeom>
+          <a:avLst/>
+          <a:gdLst/>
+          <a:ahLst/>
+          <a:cxnLst/>
+          <a:rect l="0" t="0" r="0" b="0"/>
+          <a:pathLst>
+            <a:path>
+              <a:moveTo>
+                <a:pt x="0" y="0"/>
+              </a:moveTo>
+              <a:lnTo>
+                <a:pt x="0" y="563700"/>
+              </a:lnTo>
+              <a:lnTo>
+                <a:pt x="150320" y="563700"/>
+              </a:lnTo>
+            </a:path>
+          </a:pathLst>
+        </a:custGeom>
+        <a:noFill/>
+        <a:ln w="12700" cap="flat" cmpd="sng" algn="ctr">
+          <a:solidFill>
+            <a:schemeClr val="dk2">
+              <a:shade val="60000"/>
+              <a:hueOff val="0"/>
+              <a:satOff val="0"/>
+              <a:lumOff val="0"/>
+              <a:alphaOff val="0"/>
+            </a:schemeClr>
+          </a:solidFill>
+          <a:prstDash val="solid"/>
+          <a:miter lim="800000"/>
+        </a:ln>
+        <a:effectLst/>
+      </dsp:spPr>
+      <dsp:style>
+        <a:lnRef idx="2">
+          <a:scrgbClr r="0" g="0" b="0"/>
+        </a:lnRef>
+        <a:fillRef idx="0">
+          <a:scrgbClr r="0" g="0" b="0"/>
+        </a:fillRef>
+        <a:effectRef idx="0">
+          <a:scrgbClr r="0" g="0" b="0"/>
+        </a:effectRef>
+        <a:fontRef idx="minor"/>
+      </dsp:style>
+    </dsp:sp>
+    <dsp:sp modelId="{C90857B4-0509-4EAD-ADEF-6B19F00957FA}">
+      <dsp:nvSpPr>
+        <dsp:cNvPr id="0" name=""/>
+        <dsp:cNvSpPr/>
+      </dsp:nvSpPr>
+      <dsp:spPr>
+        <a:xfrm>
+          <a:off x="5938955" y="1799868"/>
+          <a:ext cx="1202561" cy="751600"/>
+        </a:xfrm>
+        <a:prstGeom prst="roundRect">
+          <a:avLst>
+            <a:gd name="adj" fmla="val 10000"/>
+          </a:avLst>
+        </a:prstGeom>
+        <a:solidFill>
+          <a:schemeClr val="lt2">
+            <a:alpha val="90000"/>
+            <a:hueOff val="0"/>
+            <a:satOff val="0"/>
+            <a:lumOff val="0"/>
+            <a:alphaOff val="0"/>
+          </a:schemeClr>
+        </a:solidFill>
+        <a:ln w="6350" cap="flat" cmpd="sng" algn="ctr">
+          <a:solidFill>
+            <a:schemeClr val="dk2">
+              <a:hueOff val="0"/>
+              <a:satOff val="0"/>
+              <a:lumOff val="0"/>
+              <a:alphaOff val="0"/>
+            </a:schemeClr>
+          </a:solidFill>
+          <a:prstDash val="solid"/>
+          <a:miter lim="800000"/>
+        </a:ln>
+        <a:effectLst/>
+      </dsp:spPr>
+      <dsp:style>
+        <a:lnRef idx="1">
+          <a:scrgbClr r="0" g="0" b="0"/>
+        </a:lnRef>
+        <a:fillRef idx="1">
+          <a:scrgbClr r="0" g="0" b="0"/>
+        </a:fillRef>
+        <a:effectRef idx="2">
+          <a:scrgbClr r="0" g="0" b="0"/>
+        </a:effectRef>
+        <a:fontRef idx="minor"/>
+      </dsp:style>
+      <dsp:txBody>
+        <a:bodyPr spcFirstLastPara="0" vert="horz" wrap="square" lIns="34290" tIns="22860" rIns="34290" bIns="22860" numCol="1" spcCol="1270" anchor="ctr" anchorCtr="0">
+          <a:noAutofit/>
+        </a:bodyPr>
+        <a:lstStyle/>
+        <a:p>
+          <a:pPr marL="0" lvl="0" indent="0" algn="ctr" defTabSz="800100">
+            <a:lnSpc>
+              <a:spcPct val="90000"/>
+            </a:lnSpc>
+            <a:spcBef>
+              <a:spcPct val="0"/>
+            </a:spcBef>
+            <a:spcAft>
+              <a:spcPct val="35000"/>
+            </a:spcAft>
+            <a:buNone/>
+          </a:pPr>
+          <a:r>
+            <a:rPr lang="it-IT" sz="1800" kern="1200" dirty="0"/>
+            <a:t>Train error</a:t>
+          </a:r>
+          <a:endParaRPr lang="es-CL" sz="1800" kern="1200" dirty="0"/>
+        </a:p>
+      </dsp:txBody>
+      <dsp:txXfrm>
+        <a:off x="5960969" y="1821882"/>
+        <a:ext cx="1158533" cy="707572"/>
+      </dsp:txXfrm>
+    </dsp:sp>
+    <dsp:sp modelId="{B85FD9A8-61BC-4F21-9DDE-4404D4A179B6}">
+      <dsp:nvSpPr>
+        <dsp:cNvPr id="0" name=""/>
+        <dsp:cNvSpPr/>
+      </dsp:nvSpPr>
+      <dsp:spPr>
+        <a:xfrm>
+          <a:off x="5788635" y="1611968"/>
+          <a:ext cx="150320" cy="1503201"/>
+        </a:xfrm>
+        <a:custGeom>
+          <a:avLst/>
+          <a:gdLst/>
+          <a:ahLst/>
+          <a:cxnLst/>
+          <a:rect l="0" t="0" r="0" b="0"/>
+          <a:pathLst>
+            <a:path>
+              <a:moveTo>
+                <a:pt x="0" y="0"/>
+              </a:moveTo>
+              <a:lnTo>
+                <a:pt x="0" y="1503201"/>
+              </a:lnTo>
+              <a:lnTo>
+                <a:pt x="150320" y="1503201"/>
+              </a:lnTo>
+            </a:path>
+          </a:pathLst>
+        </a:custGeom>
+        <a:noFill/>
+        <a:ln w="12700" cap="flat" cmpd="sng" algn="ctr">
+          <a:solidFill>
+            <a:schemeClr val="dk2">
+              <a:shade val="60000"/>
+              <a:hueOff val="0"/>
+              <a:satOff val="0"/>
+              <a:lumOff val="0"/>
+              <a:alphaOff val="0"/>
+            </a:schemeClr>
+          </a:solidFill>
+          <a:prstDash val="solid"/>
+          <a:miter lim="800000"/>
+        </a:ln>
+        <a:effectLst/>
+      </dsp:spPr>
+      <dsp:style>
+        <a:lnRef idx="2">
+          <a:scrgbClr r="0" g="0" b="0"/>
+        </a:lnRef>
+        <a:fillRef idx="0">
+          <a:scrgbClr r="0" g="0" b="0"/>
+        </a:fillRef>
+        <a:effectRef idx="0">
+          <a:scrgbClr r="0" g="0" b="0"/>
+        </a:effectRef>
+        <a:fontRef idx="minor"/>
+      </dsp:style>
+    </dsp:sp>
+    <dsp:sp modelId="{E4C16BDA-9C3C-45B8-A75A-2A92965EB775}">
+      <dsp:nvSpPr>
+        <dsp:cNvPr id="0" name=""/>
+        <dsp:cNvSpPr/>
+      </dsp:nvSpPr>
+      <dsp:spPr>
+        <a:xfrm>
+          <a:off x="5938955" y="2739369"/>
+          <a:ext cx="1202561" cy="751600"/>
+        </a:xfrm>
+        <a:prstGeom prst="roundRect">
+          <a:avLst>
+            <a:gd name="adj" fmla="val 10000"/>
+          </a:avLst>
+        </a:prstGeom>
+        <a:solidFill>
+          <a:schemeClr val="lt2">
+            <a:alpha val="90000"/>
+            <a:hueOff val="0"/>
+            <a:satOff val="0"/>
+            <a:lumOff val="0"/>
+            <a:alphaOff val="0"/>
+          </a:schemeClr>
+        </a:solidFill>
+        <a:ln w="6350" cap="flat" cmpd="sng" algn="ctr">
+          <a:solidFill>
+            <a:schemeClr val="dk2">
+              <a:hueOff val="0"/>
+              <a:satOff val="0"/>
+              <a:lumOff val="0"/>
+              <a:alphaOff val="0"/>
+            </a:schemeClr>
+          </a:solidFill>
+          <a:prstDash val="solid"/>
+          <a:miter lim="800000"/>
+        </a:ln>
+        <a:effectLst/>
+      </dsp:spPr>
+      <dsp:style>
+        <a:lnRef idx="1">
+          <a:scrgbClr r="0" g="0" b="0"/>
+        </a:lnRef>
+        <a:fillRef idx="1">
+          <a:scrgbClr r="0" g="0" b="0"/>
+        </a:fillRef>
+        <a:effectRef idx="2">
+          <a:scrgbClr r="0" g="0" b="0"/>
+        </a:effectRef>
+        <a:fontRef idx="minor"/>
+      </dsp:style>
+      <dsp:txBody>
+        <a:bodyPr spcFirstLastPara="0" vert="horz" wrap="square" lIns="34290" tIns="22860" rIns="34290" bIns="22860" numCol="1" spcCol="1270" anchor="ctr" anchorCtr="0">
+          <a:noAutofit/>
+        </a:bodyPr>
+        <a:lstStyle/>
+        <a:p>
+          <a:pPr marL="0" lvl="0" indent="0" algn="ctr" defTabSz="800100">
+            <a:lnSpc>
+              <a:spcPct val="90000"/>
+            </a:lnSpc>
+            <a:spcBef>
+              <a:spcPct val="0"/>
+            </a:spcBef>
+            <a:spcAft>
+              <a:spcPct val="35000"/>
+            </a:spcAft>
+            <a:buNone/>
+          </a:pPr>
+          <a:r>
+            <a:rPr lang="it-IT" sz="1800" kern="1200" dirty="0"/>
+            <a:t>Test error</a:t>
+          </a:r>
+          <a:endParaRPr lang="es-CL" sz="1800" kern="1200" dirty="0"/>
+        </a:p>
+      </dsp:txBody>
+      <dsp:txXfrm>
+        <a:off x="5960969" y="2761383"/>
+        <a:ext cx="1158533" cy="707572"/>
       </dsp:txXfrm>
     </dsp:sp>
   </dsp:spTree>
@@ -2771,7 +6065,1333 @@
 </dgm:layoutDef>
 </file>
 
+<file path=ppt/diagrams/layout2.xml><?xml version="1.0" encoding="utf-8"?>
+<dgm:layoutDef xmlns:dgm="http://schemas.openxmlformats.org/drawingml/2006/diagram" xmlns:a="http://schemas.openxmlformats.org/drawingml/2006/main" uniqueId="urn:microsoft.com/office/officeart/2005/8/layout/hierarchy3">
+  <dgm:title val=""/>
+  <dgm:desc val=""/>
+  <dgm:catLst>
+    <dgm:cat type="hierarchy" pri="7000"/>
+    <dgm:cat type="list" pri="23000"/>
+    <dgm:cat type="relationship" pri="15000"/>
+    <dgm:cat type="convert" pri="7000"/>
+  </dgm:catLst>
+  <dgm:sampData>
+    <dgm:dataModel>
+      <dgm:ptLst>
+        <dgm:pt modelId="0" type="doc"/>
+        <dgm:pt modelId="1">
+          <dgm:prSet phldr="1"/>
+        </dgm:pt>
+        <dgm:pt modelId="11">
+          <dgm:prSet phldr="1"/>
+        </dgm:pt>
+        <dgm:pt modelId="12">
+          <dgm:prSet phldr="1"/>
+        </dgm:pt>
+        <dgm:pt modelId="2">
+          <dgm:prSet phldr="1"/>
+        </dgm:pt>
+        <dgm:pt modelId="21">
+          <dgm:prSet phldr="1"/>
+        </dgm:pt>
+        <dgm:pt modelId="22">
+          <dgm:prSet phldr="1"/>
+        </dgm:pt>
+      </dgm:ptLst>
+      <dgm:cxnLst>
+        <dgm:cxn modelId="4" srcId="0" destId="1" srcOrd="0" destOrd="0"/>
+        <dgm:cxn modelId="5" srcId="1" destId="11" srcOrd="0" destOrd="0"/>
+        <dgm:cxn modelId="6" srcId="1" destId="12" srcOrd="1" destOrd="0"/>
+        <dgm:cxn modelId="7" srcId="0" destId="2" srcOrd="1" destOrd="0"/>
+        <dgm:cxn modelId="8" srcId="2" destId="21" srcOrd="0" destOrd="0"/>
+        <dgm:cxn modelId="9" srcId="2" destId="22" srcOrd="1" destOrd="0"/>
+      </dgm:cxnLst>
+      <dgm:bg/>
+      <dgm:whole/>
+    </dgm:dataModel>
+  </dgm:sampData>
+  <dgm:styleData>
+    <dgm:dataModel>
+      <dgm:ptLst>
+        <dgm:pt modelId="0" type="doc"/>
+        <dgm:pt modelId="1"/>
+        <dgm:pt modelId="11"/>
+        <dgm:pt modelId="2"/>
+        <dgm:pt modelId="21"/>
+      </dgm:ptLst>
+      <dgm:cxnLst>
+        <dgm:cxn modelId="4" srcId="0" destId="1" srcOrd="0" destOrd="0"/>
+        <dgm:cxn modelId="5" srcId="0" destId="2" srcOrd="1" destOrd="0"/>
+        <dgm:cxn modelId="13" srcId="1" destId="11" srcOrd="0" destOrd="0"/>
+        <dgm:cxn modelId="23" srcId="2" destId="21" srcOrd="0" destOrd="0"/>
+      </dgm:cxnLst>
+      <dgm:bg/>
+      <dgm:whole/>
+    </dgm:dataModel>
+  </dgm:styleData>
+  <dgm:clrData>
+    <dgm:dataModel>
+      <dgm:ptLst>
+        <dgm:pt modelId="0" type="doc"/>
+        <dgm:pt modelId="1"/>
+        <dgm:pt modelId="11"/>
+        <dgm:pt modelId="2"/>
+        <dgm:pt modelId="21"/>
+        <dgm:pt modelId="3"/>
+        <dgm:pt modelId="31"/>
+        <dgm:pt modelId="4"/>
+        <dgm:pt modelId="41"/>
+      </dgm:ptLst>
+      <dgm:cxnLst>
+        <dgm:cxn modelId="5" srcId="0" destId="1" srcOrd="0" destOrd="0"/>
+        <dgm:cxn modelId="6" srcId="0" destId="2" srcOrd="1" destOrd="0"/>
+        <dgm:cxn modelId="7" srcId="0" destId="3" srcOrd="2" destOrd="0"/>
+        <dgm:cxn modelId="8" srcId="0" destId="4" srcOrd="3" destOrd="0"/>
+        <dgm:cxn modelId="13" srcId="1" destId="11" srcOrd="0" destOrd="0"/>
+        <dgm:cxn modelId="23" srcId="2" destId="21" srcOrd="0" destOrd="0"/>
+        <dgm:cxn modelId="33" srcId="3" destId="31" srcOrd="0" destOrd="0"/>
+        <dgm:cxn modelId="43" srcId="4" destId="41" srcOrd="0" destOrd="0"/>
+      </dgm:cxnLst>
+      <dgm:bg/>
+      <dgm:whole/>
+    </dgm:dataModel>
+  </dgm:clrData>
+  <dgm:layoutNode name="diagram">
+    <dgm:varLst>
+      <dgm:chPref val="1"/>
+      <dgm:dir/>
+      <dgm:animOne val="branch"/>
+      <dgm:animLvl val="lvl"/>
+      <dgm:resizeHandles/>
+    </dgm:varLst>
+    <dgm:choose name="Name0">
+      <dgm:if name="Name1" func="var" arg="dir" op="equ" val="norm">
+        <dgm:alg type="hierChild">
+          <dgm:param type="linDir" val="fromL"/>
+        </dgm:alg>
+      </dgm:if>
+      <dgm:else name="Name2">
+        <dgm:alg type="hierChild">
+          <dgm:param type="linDir" val="fromR"/>
+        </dgm:alg>
+      </dgm:else>
+    </dgm:choose>
+    <dgm:shape xmlns:r="http://schemas.openxmlformats.org/officeDocument/2006/relationships" r:blip="">
+      <dgm:adjLst/>
+    </dgm:shape>
+    <dgm:presOf/>
+    <dgm:constrLst>
+      <dgm:constr type="primFontSz" for="des" forName="rootText" op="equ" val="65"/>
+      <dgm:constr type="primFontSz" for="des" forName="childText" op="equ" val="65"/>
+      <dgm:constr type="w" for="des" forName="rootComposite" refType="w"/>
+      <dgm:constr type="h" for="des" forName="rootComposite" refType="w" fact="0.5"/>
+      <dgm:constr type="w" for="des" forName="childText" refType="w" refFor="des" refForName="rootComposite" fact="0.8"/>
+      <dgm:constr type="h" for="des" forName="childText" refType="h" refFor="des" refForName="rootComposite"/>
+      <dgm:constr type="sibSp" refType="w" refFor="des" refForName="rootComposite" fact="0.25"/>
+      <dgm:constr type="sibSp" for="des" forName="childShape" refType="h" refFor="des" refForName="childText" fact="0.25"/>
+      <dgm:constr type="sp" for="des" forName="root" refType="h" refFor="des" refForName="childText" fact="0.25"/>
+    </dgm:constrLst>
+    <dgm:ruleLst/>
+    <dgm:forEach name="Name3" axis="ch">
+      <dgm:forEach name="Name4" axis="self" ptType="node" cnt="1">
+        <dgm:layoutNode name="root">
+          <dgm:choose name="Name5">
+            <dgm:if name="Name6" func="var" arg="dir" op="equ" val="norm">
+              <dgm:alg type="hierRoot">
+                <dgm:param type="hierAlign" val="tL"/>
+              </dgm:alg>
+            </dgm:if>
+            <dgm:else name="Name7">
+              <dgm:alg type="hierRoot">
+                <dgm:param type="hierAlign" val="tR"/>
+              </dgm:alg>
+            </dgm:else>
+          </dgm:choose>
+          <dgm:shape xmlns:r="http://schemas.openxmlformats.org/officeDocument/2006/relationships" r:blip="">
+            <dgm:adjLst/>
+          </dgm:shape>
+          <dgm:presOf/>
+          <dgm:constrLst>
+            <dgm:constr type="alignOff" val="0.2"/>
+          </dgm:constrLst>
+          <dgm:ruleLst/>
+          <dgm:layoutNode name="rootComposite">
+            <dgm:alg type="composite"/>
+            <dgm:shape xmlns:r="http://schemas.openxmlformats.org/officeDocument/2006/relationships" r:blip="">
+              <dgm:adjLst/>
+            </dgm:shape>
+            <dgm:presOf axis="self" ptType="node" cnt="1"/>
+            <dgm:choose name="Name8">
+              <dgm:if name="Name9" func="var" arg="dir" op="equ" val="norm">
+                <dgm:constrLst>
+                  <dgm:constr type="l" for="ch" forName="rootText"/>
+                  <dgm:constr type="t" for="ch" forName="rootText"/>
+                  <dgm:constr type="w" for="ch" forName="rootText" refType="w"/>
+                  <dgm:constr type="h" for="ch" forName="rootText" refType="h"/>
+                  <dgm:constr type="l" for="ch" forName="rootConnector"/>
+                  <dgm:constr type="t" for="ch" forName="rootConnector"/>
+                  <dgm:constr type="w" for="ch" forName="rootConnector" refType="w" refFor="ch" refForName="rootText" fact="0.2"/>
+                  <dgm:constr type="h" for="ch" forName="rootConnector" refType="h" refFor="ch" refForName="rootText"/>
+                </dgm:constrLst>
+              </dgm:if>
+              <dgm:else name="Name10">
+                <dgm:constrLst>
+                  <dgm:constr type="l" for="ch" forName="rootText"/>
+                  <dgm:constr type="t" for="ch" forName="rootText"/>
+                  <dgm:constr type="w" for="ch" forName="rootText" refType="w"/>
+                  <dgm:constr type="h" for="ch" forName="rootText" refType="h"/>
+                  <dgm:constr type="r" for="ch" forName="rootConnector" refType="w"/>
+                  <dgm:constr type="t" for="ch" forName="rootConnector"/>
+                  <dgm:constr type="w" for="ch" forName="rootConnector" refType="w" refFor="ch" refForName="rootText" fact="0.2"/>
+                  <dgm:constr type="h" for="ch" forName="rootConnector" refType="h" refFor="ch" refForName="rootText"/>
+                </dgm:constrLst>
+              </dgm:else>
+            </dgm:choose>
+            <dgm:ruleLst/>
+            <dgm:layoutNode name="rootText" styleLbl="node1">
+              <dgm:alg type="tx"/>
+              <dgm:shape xmlns:r="http://schemas.openxmlformats.org/officeDocument/2006/relationships" type="roundRect" r:blip="">
+                <dgm:adjLst>
+                  <dgm:adj idx="1" val="0.1"/>
+                </dgm:adjLst>
+              </dgm:shape>
+              <dgm:presOf axis="self" ptType="node" cnt="1"/>
+              <dgm:constrLst>
+                <dgm:constr type="tMarg" refType="primFontSz" fact="0.1"/>
+                <dgm:constr type="bMarg" refType="primFontSz" fact="0.1"/>
+                <dgm:constr type="lMarg" refType="primFontSz" fact="0.15"/>
+                <dgm:constr type="rMarg" refType="primFontSz" fact="0.15"/>
+              </dgm:constrLst>
+              <dgm:ruleLst>
+                <dgm:rule type="primFontSz" val="5" fact="NaN" max="NaN"/>
+              </dgm:ruleLst>
+            </dgm:layoutNode>
+            <dgm:layoutNode name="rootConnector" moveWith="rootText">
+              <dgm:alg type="sp"/>
+              <dgm:shape xmlns:r="http://schemas.openxmlformats.org/officeDocument/2006/relationships" type="roundRect" r:blip="" hideGeom="1">
+                <dgm:adjLst>
+                  <dgm:adj idx="1" val="0.1"/>
+                </dgm:adjLst>
+              </dgm:shape>
+              <dgm:presOf axis="self" ptType="node" cnt="1"/>
+              <dgm:constrLst/>
+              <dgm:ruleLst/>
+            </dgm:layoutNode>
+          </dgm:layoutNode>
+          <dgm:layoutNode name="childShape">
+            <dgm:alg type="hierChild">
+              <dgm:param type="chAlign" val="l"/>
+              <dgm:param type="linDir" val="fromT"/>
+            </dgm:alg>
+            <dgm:shape xmlns:r="http://schemas.openxmlformats.org/officeDocument/2006/relationships" r:blip="">
+              <dgm:adjLst/>
+            </dgm:shape>
+            <dgm:presOf/>
+            <dgm:constrLst/>
+            <dgm:ruleLst/>
+            <dgm:forEach name="Name11" axis="ch">
+              <dgm:forEach name="Name12" axis="self" ptType="parTrans" cnt="1">
+                <dgm:layoutNode name="Name13">
+                  <dgm:choose name="Name14">
+                    <dgm:if name="Name15" func="var" arg="dir" op="equ" val="norm">
+                      <dgm:alg type="conn">
+                        <dgm:param type="dim" val="1D"/>
+                        <dgm:param type="endSty" val="noArr"/>
+                        <dgm:param type="connRout" val="bend"/>
+                        <dgm:param type="srcNode" val="rootConnector"/>
+                        <dgm:param type="begPts" val="bCtr"/>
+                        <dgm:param type="endPts" val="midL"/>
+                      </dgm:alg>
+                    </dgm:if>
+                    <dgm:else name="Name16">
+                      <dgm:alg type="conn">
+                        <dgm:param type="dim" val="1D"/>
+                        <dgm:param type="endSty" val="noArr"/>
+                        <dgm:param type="connRout" val="bend"/>
+                        <dgm:param type="srcNode" val="rootConnector"/>
+                        <dgm:param type="begPts" val="bCtr"/>
+                        <dgm:param type="endPts" val="midR"/>
+                      </dgm:alg>
+                    </dgm:else>
+                  </dgm:choose>
+                  <dgm:shape xmlns:r="http://schemas.openxmlformats.org/officeDocument/2006/relationships" type="conn" r:blip="">
+                    <dgm:adjLst/>
+                  </dgm:shape>
+                  <dgm:presOf axis="self"/>
+                  <dgm:constrLst>
+                    <dgm:constr type="begPad"/>
+                    <dgm:constr type="endPad"/>
+                  </dgm:constrLst>
+                  <dgm:ruleLst/>
+                </dgm:layoutNode>
+              </dgm:forEach>
+              <dgm:forEach name="Name17" axis="self" ptType="node">
+                <dgm:layoutNode name="childText" styleLbl="bgAcc1">
+                  <dgm:varLst>
+                    <dgm:bulletEnabled val="1"/>
+                  </dgm:varLst>
+                  <dgm:alg type="tx"/>
+                  <dgm:shape xmlns:r="http://schemas.openxmlformats.org/officeDocument/2006/relationships" type="roundRect" r:blip="">
+                    <dgm:adjLst>
+                      <dgm:adj idx="1" val="0.1"/>
+                    </dgm:adjLst>
+                  </dgm:shape>
+                  <dgm:presOf axis="self desOrSelf" ptType="node node" st="1 1" cnt="1 0"/>
+                  <dgm:constrLst>
+                    <dgm:constr type="tMarg" refType="primFontSz" fact="0.1"/>
+                    <dgm:constr type="bMarg" refType="primFontSz" fact="0.1"/>
+                    <dgm:constr type="lMarg" refType="primFontSz" fact="0.15"/>
+                    <dgm:constr type="rMarg" refType="primFontSz" fact="0.15"/>
+                  </dgm:constrLst>
+                  <dgm:ruleLst>
+                    <dgm:rule type="primFontSz" val="5" fact="NaN" max="NaN"/>
+                  </dgm:ruleLst>
+                </dgm:layoutNode>
+              </dgm:forEach>
+            </dgm:forEach>
+          </dgm:layoutNode>
+        </dgm:layoutNode>
+      </dgm:forEach>
+    </dgm:forEach>
+  </dgm:layoutNode>
+</dgm:layoutDef>
+</file>
+
 <file path=ppt/diagrams/quickStyle1.xml><?xml version="1.0" encoding="utf-8"?>
+<dgm:styleDef xmlns:dgm="http://schemas.openxmlformats.org/drawingml/2006/diagram" xmlns:a="http://schemas.openxmlformats.org/drawingml/2006/main" uniqueId="urn:microsoft.com/office/officeart/2005/8/quickstyle/simple5">
+  <dgm:title val=""/>
+  <dgm:desc val=""/>
+  <dgm:catLst>
+    <dgm:cat type="simple" pri="10500"/>
+  </dgm:catLst>
+  <dgm:scene3d>
+    <a:camera prst="orthographicFront"/>
+    <a:lightRig rig="threePt" dir="t"/>
+  </dgm:scene3d>
+  <dgm:styleLbl name="node0">
+    <dgm:scene3d>
+      <a:camera prst="orthographicFront"/>
+      <a:lightRig rig="threePt" dir="t"/>
+    </dgm:scene3d>
+    <dgm:sp3d/>
+    <dgm:txPr/>
+    <dgm:style>
+      <a:lnRef idx="0">
+        <a:scrgbClr r="0" g="0" b="0"/>
+      </a:lnRef>
+      <a:fillRef idx="3">
+        <a:scrgbClr r="0" g="0" b="0"/>
+      </a:fillRef>
+      <a:effectRef idx="3">
+        <a:scrgbClr r="0" g="0" b="0"/>
+      </a:effectRef>
+      <a:fontRef idx="minor">
+        <a:schemeClr val="lt1"/>
+      </a:fontRef>
+    </dgm:style>
+  </dgm:styleLbl>
+  <dgm:styleLbl name="lnNode1">
+    <dgm:scene3d>
+      <a:camera prst="orthographicFront"/>
+      <a:lightRig rig="threePt" dir="t"/>
+    </dgm:scene3d>
+    <dgm:sp3d/>
+    <dgm:txPr/>
+    <dgm:style>
+      <a:lnRef idx="0">
+        <a:scrgbClr r="0" g="0" b="0"/>
+      </a:lnRef>
+      <a:fillRef idx="3">
+        <a:scrgbClr r="0" g="0" b="0"/>
+      </a:fillRef>
+      <a:effectRef idx="3">
+        <a:scrgbClr r="0" g="0" b="0"/>
+      </a:effectRef>
+      <a:fontRef idx="minor">
+        <a:schemeClr val="lt1"/>
+      </a:fontRef>
+    </dgm:style>
+  </dgm:styleLbl>
+  <dgm:styleLbl name="vennNode1">
+    <dgm:scene3d>
+      <a:camera prst="orthographicFront"/>
+      <a:lightRig rig="threePt" dir="t"/>
+    </dgm:scene3d>
+    <dgm:sp3d/>
+    <dgm:txPr/>
+    <dgm:style>
+      <a:lnRef idx="0">
+        <a:scrgbClr r="0" g="0" b="0"/>
+      </a:lnRef>
+      <a:fillRef idx="3">
+        <a:scrgbClr r="0" g="0" b="0"/>
+      </a:fillRef>
+      <a:effectRef idx="3">
+        <a:scrgbClr r="0" g="0" b="0"/>
+      </a:effectRef>
+      <a:fontRef idx="minor">
+        <a:schemeClr val="tx1"/>
+      </a:fontRef>
+    </dgm:style>
+  </dgm:styleLbl>
+  <dgm:styleLbl name="alignNode1">
+    <dgm:scene3d>
+      <a:camera prst="orthographicFront"/>
+      <a:lightRig rig="threePt" dir="t"/>
+    </dgm:scene3d>
+    <dgm:sp3d/>
+    <dgm:txPr/>
+    <dgm:style>
+      <a:lnRef idx="1">
+        <a:scrgbClr r="0" g="0" b="0"/>
+      </a:lnRef>
+      <a:fillRef idx="3">
+        <a:scrgbClr r="0" g="0" b="0"/>
+      </a:fillRef>
+      <a:effectRef idx="3">
+        <a:scrgbClr r="0" g="0" b="0"/>
+      </a:effectRef>
+      <a:fontRef idx="minor">
+        <a:schemeClr val="lt1"/>
+      </a:fontRef>
+    </dgm:style>
+  </dgm:styleLbl>
+  <dgm:styleLbl name="node1">
+    <dgm:scene3d>
+      <a:camera prst="orthographicFront"/>
+      <a:lightRig rig="threePt" dir="t"/>
+    </dgm:scene3d>
+    <dgm:sp3d/>
+    <dgm:txPr/>
+    <dgm:style>
+      <a:lnRef idx="0">
+        <a:scrgbClr r="0" g="0" b="0"/>
+      </a:lnRef>
+      <a:fillRef idx="3">
+        <a:scrgbClr r="0" g="0" b="0"/>
+      </a:fillRef>
+      <a:effectRef idx="3">
+        <a:scrgbClr r="0" g="0" b="0"/>
+      </a:effectRef>
+      <a:fontRef idx="minor">
+        <a:schemeClr val="lt1"/>
+      </a:fontRef>
+    </dgm:style>
+  </dgm:styleLbl>
+  <dgm:styleLbl name="node2">
+    <dgm:scene3d>
+      <a:camera prst="orthographicFront"/>
+      <a:lightRig rig="threePt" dir="t"/>
+    </dgm:scene3d>
+    <dgm:sp3d/>
+    <dgm:txPr/>
+    <dgm:style>
+      <a:lnRef idx="0">
+        <a:scrgbClr r="0" g="0" b="0"/>
+      </a:lnRef>
+      <a:fillRef idx="3">
+        <a:scrgbClr r="0" g="0" b="0"/>
+      </a:fillRef>
+      <a:effectRef idx="3">
+        <a:scrgbClr r="0" g="0" b="0"/>
+      </a:effectRef>
+      <a:fontRef idx="minor">
+        <a:schemeClr val="lt1"/>
+      </a:fontRef>
+    </dgm:style>
+  </dgm:styleLbl>
+  <dgm:styleLbl name="node3">
+    <dgm:scene3d>
+      <a:camera prst="orthographicFront"/>
+      <a:lightRig rig="threePt" dir="t"/>
+    </dgm:scene3d>
+    <dgm:sp3d/>
+    <dgm:txPr/>
+    <dgm:style>
+      <a:lnRef idx="0">
+        <a:scrgbClr r="0" g="0" b="0"/>
+      </a:lnRef>
+      <a:fillRef idx="3">
+        <a:scrgbClr r="0" g="0" b="0"/>
+      </a:fillRef>
+      <a:effectRef idx="3">
+        <a:scrgbClr r="0" g="0" b="0"/>
+      </a:effectRef>
+      <a:fontRef idx="minor">
+        <a:schemeClr val="lt1"/>
+      </a:fontRef>
+    </dgm:style>
+  </dgm:styleLbl>
+  <dgm:styleLbl name="node4">
+    <dgm:scene3d>
+      <a:camera prst="orthographicFront"/>
+      <a:lightRig rig="threePt" dir="t"/>
+    </dgm:scene3d>
+    <dgm:sp3d/>
+    <dgm:txPr/>
+    <dgm:style>
+      <a:lnRef idx="0">
+        <a:scrgbClr r="0" g="0" b="0"/>
+      </a:lnRef>
+      <a:fillRef idx="3">
+        <a:scrgbClr r="0" g="0" b="0"/>
+      </a:fillRef>
+      <a:effectRef idx="3">
+        <a:scrgbClr r="0" g="0" b="0"/>
+      </a:effectRef>
+      <a:fontRef idx="minor">
+        <a:schemeClr val="lt1"/>
+      </a:fontRef>
+    </dgm:style>
+  </dgm:styleLbl>
+  <dgm:styleLbl name="fgImgPlace1">
+    <dgm:scene3d>
+      <a:camera prst="orthographicFront"/>
+      <a:lightRig rig="threePt" dir="t"/>
+    </dgm:scene3d>
+    <dgm:sp3d/>
+    <dgm:txPr/>
+    <dgm:style>
+      <a:lnRef idx="0">
+        <a:scrgbClr r="0" g="0" b="0"/>
+      </a:lnRef>
+      <a:fillRef idx="1">
+        <a:scrgbClr r="0" g="0" b="0"/>
+      </a:fillRef>
+      <a:effectRef idx="3">
+        <a:scrgbClr r="0" g="0" b="0"/>
+      </a:effectRef>
+      <a:fontRef idx="minor"/>
+    </dgm:style>
+  </dgm:styleLbl>
+  <dgm:styleLbl name="alignImgPlace1">
+    <dgm:scene3d>
+      <a:camera prst="orthographicFront"/>
+      <a:lightRig rig="threePt" dir="t"/>
+    </dgm:scene3d>
+    <dgm:sp3d/>
+    <dgm:txPr/>
+    <dgm:style>
+      <a:lnRef idx="0">
+        <a:scrgbClr r="0" g="0" b="0"/>
+      </a:lnRef>
+      <a:fillRef idx="1">
+        <a:scrgbClr r="0" g="0" b="0"/>
+      </a:fillRef>
+      <a:effectRef idx="3">
+        <a:scrgbClr r="0" g="0" b="0"/>
+      </a:effectRef>
+      <a:fontRef idx="minor"/>
+    </dgm:style>
+  </dgm:styleLbl>
+  <dgm:styleLbl name="bgImgPlace1">
+    <dgm:scene3d>
+      <a:camera prst="orthographicFront"/>
+      <a:lightRig rig="threePt" dir="t"/>
+    </dgm:scene3d>
+    <dgm:sp3d/>
+    <dgm:txPr/>
+    <dgm:style>
+      <a:lnRef idx="0">
+        <a:scrgbClr r="0" g="0" b="0"/>
+      </a:lnRef>
+      <a:fillRef idx="1">
+        <a:scrgbClr r="0" g="0" b="0"/>
+      </a:fillRef>
+      <a:effectRef idx="3">
+        <a:scrgbClr r="0" g="0" b="0"/>
+      </a:effectRef>
+      <a:fontRef idx="minor"/>
+    </dgm:style>
+  </dgm:styleLbl>
+  <dgm:styleLbl name="sibTrans2D1">
+    <dgm:scene3d>
+      <a:camera prst="orthographicFront"/>
+      <a:lightRig rig="threePt" dir="t"/>
+    </dgm:scene3d>
+    <dgm:sp3d/>
+    <dgm:txPr/>
+    <dgm:style>
+      <a:lnRef idx="0">
+        <a:scrgbClr r="0" g="0" b="0"/>
+      </a:lnRef>
+      <a:fillRef idx="3">
+        <a:scrgbClr r="0" g="0" b="0"/>
+      </a:fillRef>
+      <a:effectRef idx="3">
+        <a:scrgbClr r="0" g="0" b="0"/>
+      </a:effectRef>
+      <a:fontRef idx="minor">
+        <a:schemeClr val="lt1"/>
+      </a:fontRef>
+    </dgm:style>
+  </dgm:styleLbl>
+  <dgm:styleLbl name="fgSibTrans2D1">
+    <dgm:scene3d>
+      <a:camera prst="orthographicFront"/>
+      <a:lightRig rig="threePt" dir="t"/>
+    </dgm:scene3d>
+    <dgm:sp3d/>
+    <dgm:txPr/>
+    <dgm:style>
+      <a:lnRef idx="0">
+        <a:scrgbClr r="0" g="0" b="0"/>
+      </a:lnRef>
+      <a:fillRef idx="3">
+        <a:scrgbClr r="0" g="0" b="0"/>
+      </a:fillRef>
+      <a:effectRef idx="3">
+        <a:scrgbClr r="0" g="0" b="0"/>
+      </a:effectRef>
+      <a:fontRef idx="minor">
+        <a:schemeClr val="lt1"/>
+      </a:fontRef>
+    </dgm:style>
+  </dgm:styleLbl>
+  <dgm:styleLbl name="bgSibTrans2D1">
+    <dgm:scene3d>
+      <a:camera prst="orthographicFront"/>
+      <a:lightRig rig="threePt" dir="t"/>
+    </dgm:scene3d>
+    <dgm:sp3d/>
+    <dgm:txPr/>
+    <dgm:style>
+      <a:lnRef idx="0">
+        <a:scrgbClr r="0" g="0" b="0"/>
+      </a:lnRef>
+      <a:fillRef idx="3">
+        <a:scrgbClr r="0" g="0" b="0"/>
+      </a:fillRef>
+      <a:effectRef idx="3">
+        <a:scrgbClr r="0" g="0" b="0"/>
+      </a:effectRef>
+      <a:fontRef idx="minor">
+        <a:schemeClr val="lt1"/>
+      </a:fontRef>
+    </dgm:style>
+  </dgm:styleLbl>
+  <dgm:styleLbl name="sibTrans1D1">
+    <dgm:scene3d>
+      <a:camera prst="orthographicFront"/>
+      <a:lightRig rig="threePt" dir="t"/>
+    </dgm:scene3d>
+    <dgm:sp3d/>
+    <dgm:txPr/>
+    <dgm:style>
+      <a:lnRef idx="1">
+        <a:scrgbClr r="0" g="0" b="0"/>
+      </a:lnRef>
+      <a:fillRef idx="0">
+        <a:scrgbClr r="0" g="0" b="0"/>
+      </a:fillRef>
+      <a:effectRef idx="0">
+        <a:scrgbClr r="0" g="0" b="0"/>
+      </a:effectRef>
+      <a:fontRef idx="minor"/>
+    </dgm:style>
+  </dgm:styleLbl>
+  <dgm:styleLbl name="callout">
+    <dgm:scene3d>
+      <a:camera prst="orthographicFront"/>
+      <a:lightRig rig="threePt" dir="t"/>
+    </dgm:scene3d>
+    <dgm:sp3d/>
+    <dgm:txPr/>
+    <dgm:style>
+      <a:lnRef idx="1">
+        <a:scrgbClr r="0" g="0" b="0"/>
+      </a:lnRef>
+      <a:fillRef idx="0">
+        <a:scrgbClr r="0" g="0" b="0"/>
+      </a:fillRef>
+      <a:effectRef idx="1">
+        <a:scrgbClr r="0" g="0" b="0"/>
+      </a:effectRef>
+      <a:fontRef idx="minor"/>
+    </dgm:style>
+  </dgm:styleLbl>
+  <dgm:styleLbl name="asst0">
+    <dgm:scene3d>
+      <a:camera prst="orthographicFront"/>
+      <a:lightRig rig="threePt" dir="t"/>
+    </dgm:scene3d>
+    <dgm:sp3d/>
+    <dgm:txPr/>
+    <dgm:style>
+      <a:lnRef idx="0">
+        <a:scrgbClr r="0" g="0" b="0"/>
+      </a:lnRef>
+      <a:fillRef idx="3">
+        <a:scrgbClr r="0" g="0" b="0"/>
+      </a:fillRef>
+      <a:effectRef idx="3">
+        <a:scrgbClr r="0" g="0" b="0"/>
+      </a:effectRef>
+      <a:fontRef idx="minor">
+        <a:schemeClr val="lt1"/>
+      </a:fontRef>
+    </dgm:style>
+  </dgm:styleLbl>
+  <dgm:styleLbl name="asst1">
+    <dgm:scene3d>
+      <a:camera prst="orthographicFront"/>
+      <a:lightRig rig="threePt" dir="t"/>
+    </dgm:scene3d>
+    <dgm:sp3d/>
+    <dgm:txPr/>
+    <dgm:style>
+      <a:lnRef idx="0">
+        <a:scrgbClr r="0" g="0" b="0"/>
+      </a:lnRef>
+      <a:fillRef idx="3">
+        <a:scrgbClr r="0" g="0" b="0"/>
+      </a:fillRef>
+      <a:effectRef idx="3">
+        <a:scrgbClr r="0" g="0" b="0"/>
+      </a:effectRef>
+      <a:fontRef idx="minor">
+        <a:schemeClr val="lt1"/>
+      </a:fontRef>
+    </dgm:style>
+  </dgm:styleLbl>
+  <dgm:styleLbl name="asst2">
+    <dgm:scene3d>
+      <a:camera prst="orthographicFront"/>
+      <a:lightRig rig="threePt" dir="t"/>
+    </dgm:scene3d>
+    <dgm:sp3d/>
+    <dgm:txPr/>
+    <dgm:style>
+      <a:lnRef idx="0">
+        <a:scrgbClr r="0" g="0" b="0"/>
+      </a:lnRef>
+      <a:fillRef idx="3">
+        <a:scrgbClr r="0" g="0" b="0"/>
+      </a:fillRef>
+      <a:effectRef idx="3">
+        <a:scrgbClr r="0" g="0" b="0"/>
+      </a:effectRef>
+      <a:fontRef idx="minor">
+        <a:schemeClr val="lt1"/>
+      </a:fontRef>
+    </dgm:style>
+  </dgm:styleLbl>
+  <dgm:styleLbl name="asst3">
+    <dgm:scene3d>
+      <a:camera prst="orthographicFront"/>
+      <a:lightRig rig="threePt" dir="t"/>
+    </dgm:scene3d>
+    <dgm:sp3d/>
+    <dgm:txPr/>
+    <dgm:style>
+      <a:lnRef idx="0">
+        <a:scrgbClr r="0" g="0" b="0"/>
+      </a:lnRef>
+      <a:fillRef idx="3">
+        <a:scrgbClr r="0" g="0" b="0"/>
+      </a:fillRef>
+      <a:effectRef idx="3">
+        <a:scrgbClr r="0" g="0" b="0"/>
+      </a:effectRef>
+      <a:fontRef idx="minor">
+        <a:schemeClr val="lt1"/>
+      </a:fontRef>
+    </dgm:style>
+  </dgm:styleLbl>
+  <dgm:styleLbl name="asst4">
+    <dgm:scene3d>
+      <a:camera prst="orthographicFront"/>
+      <a:lightRig rig="threePt" dir="t"/>
+    </dgm:scene3d>
+    <dgm:sp3d/>
+    <dgm:txPr/>
+    <dgm:style>
+      <a:lnRef idx="0">
+        <a:scrgbClr r="0" g="0" b="0"/>
+      </a:lnRef>
+      <a:fillRef idx="3">
+        <a:scrgbClr r="0" g="0" b="0"/>
+      </a:fillRef>
+      <a:effectRef idx="3">
+        <a:scrgbClr r="0" g="0" b="0"/>
+      </a:effectRef>
+      <a:fontRef idx="minor">
+        <a:schemeClr val="lt1"/>
+      </a:fontRef>
+    </dgm:style>
+  </dgm:styleLbl>
+  <dgm:styleLbl name="parChTrans2D1">
+    <dgm:scene3d>
+      <a:camera prst="orthographicFront"/>
+      <a:lightRig rig="threePt" dir="t"/>
+    </dgm:scene3d>
+    <dgm:sp3d/>
+    <dgm:txPr/>
+    <dgm:style>
+      <a:lnRef idx="0">
+        <a:scrgbClr r="0" g="0" b="0"/>
+      </a:lnRef>
+      <a:fillRef idx="3">
+        <a:scrgbClr r="0" g="0" b="0"/>
+      </a:fillRef>
+      <a:effectRef idx="3">
+        <a:scrgbClr r="0" g="0" b="0"/>
+      </a:effectRef>
+      <a:fontRef idx="minor">
+        <a:schemeClr val="lt1"/>
+      </a:fontRef>
+    </dgm:style>
+  </dgm:styleLbl>
+  <dgm:styleLbl name="parChTrans2D2">
+    <dgm:scene3d>
+      <a:camera prst="orthographicFront"/>
+      <a:lightRig rig="threePt" dir="t"/>
+    </dgm:scene3d>
+    <dgm:sp3d/>
+    <dgm:txPr/>
+    <dgm:style>
+      <a:lnRef idx="0">
+        <a:scrgbClr r="0" g="0" b="0"/>
+      </a:lnRef>
+      <a:fillRef idx="3">
+        <a:scrgbClr r="0" g="0" b="0"/>
+      </a:fillRef>
+      <a:effectRef idx="3">
+        <a:scrgbClr r="0" g="0" b="0"/>
+      </a:effectRef>
+      <a:fontRef idx="minor">
+        <a:schemeClr val="lt1"/>
+      </a:fontRef>
+    </dgm:style>
+  </dgm:styleLbl>
+  <dgm:styleLbl name="parChTrans2D3">
+    <dgm:scene3d>
+      <a:camera prst="orthographicFront"/>
+      <a:lightRig rig="threePt" dir="t"/>
+    </dgm:scene3d>
+    <dgm:sp3d/>
+    <dgm:txPr/>
+    <dgm:style>
+      <a:lnRef idx="0">
+        <a:scrgbClr r="0" g="0" b="0"/>
+      </a:lnRef>
+      <a:fillRef idx="3">
+        <a:scrgbClr r="0" g="0" b="0"/>
+      </a:fillRef>
+      <a:effectRef idx="3">
+        <a:scrgbClr r="0" g="0" b="0"/>
+      </a:effectRef>
+      <a:fontRef idx="minor">
+        <a:schemeClr val="lt1"/>
+      </a:fontRef>
+    </dgm:style>
+  </dgm:styleLbl>
+  <dgm:styleLbl name="parChTrans2D4">
+    <dgm:scene3d>
+      <a:camera prst="orthographicFront"/>
+      <a:lightRig rig="threePt" dir="t"/>
+    </dgm:scene3d>
+    <dgm:sp3d/>
+    <dgm:txPr/>
+    <dgm:style>
+      <a:lnRef idx="0">
+        <a:scrgbClr r="0" g="0" b="0"/>
+      </a:lnRef>
+      <a:fillRef idx="3">
+        <a:scrgbClr r="0" g="0" b="0"/>
+      </a:fillRef>
+      <a:effectRef idx="3">
+        <a:scrgbClr r="0" g="0" b="0"/>
+      </a:effectRef>
+      <a:fontRef idx="minor">
+        <a:schemeClr val="lt1"/>
+      </a:fontRef>
+    </dgm:style>
+  </dgm:styleLbl>
+  <dgm:styleLbl name="parChTrans1D1">
+    <dgm:scene3d>
+      <a:camera prst="orthographicFront"/>
+      <a:lightRig rig="threePt" dir="t"/>
+    </dgm:scene3d>
+    <dgm:sp3d/>
+    <dgm:txPr/>
+    <dgm:style>
+      <a:lnRef idx="2">
+        <a:scrgbClr r="0" g="0" b="0"/>
+      </a:lnRef>
+      <a:fillRef idx="0">
+        <a:scrgbClr r="0" g="0" b="0"/>
+      </a:fillRef>
+      <a:effectRef idx="0">
+        <a:scrgbClr r="0" g="0" b="0"/>
+      </a:effectRef>
+      <a:fontRef idx="minor"/>
+    </dgm:style>
+  </dgm:styleLbl>
+  <dgm:styleLbl name="parChTrans1D2">
+    <dgm:scene3d>
+      <a:camera prst="orthographicFront"/>
+      <a:lightRig rig="threePt" dir="t"/>
+    </dgm:scene3d>
+    <dgm:sp3d/>
+    <dgm:txPr/>
+    <dgm:style>
+      <a:lnRef idx="2">
+        <a:scrgbClr r="0" g="0" b="0"/>
+      </a:lnRef>
+      <a:fillRef idx="0">
+        <a:scrgbClr r="0" g="0" b="0"/>
+      </a:fillRef>
+      <a:effectRef idx="0">
+        <a:scrgbClr r="0" g="0" b="0"/>
+      </a:effectRef>
+      <a:fontRef idx="minor"/>
+    </dgm:style>
+  </dgm:styleLbl>
+  <dgm:styleLbl name="parChTrans1D3">
+    <dgm:scene3d>
+      <a:camera prst="orthographicFront"/>
+      <a:lightRig rig="threePt" dir="t"/>
+    </dgm:scene3d>
+    <dgm:sp3d/>
+    <dgm:txPr/>
+    <dgm:style>
+      <a:lnRef idx="2">
+        <a:scrgbClr r="0" g="0" b="0"/>
+      </a:lnRef>
+      <a:fillRef idx="0">
+        <a:scrgbClr r="0" g="0" b="0"/>
+      </a:fillRef>
+      <a:effectRef idx="0">
+        <a:scrgbClr r="0" g="0" b="0"/>
+      </a:effectRef>
+      <a:fontRef idx="minor"/>
+    </dgm:style>
+  </dgm:styleLbl>
+  <dgm:styleLbl name="parChTrans1D4">
+    <dgm:scene3d>
+      <a:camera prst="orthographicFront"/>
+      <a:lightRig rig="threePt" dir="t"/>
+    </dgm:scene3d>
+    <dgm:sp3d/>
+    <dgm:txPr/>
+    <dgm:style>
+      <a:lnRef idx="2">
+        <a:scrgbClr r="0" g="0" b="0"/>
+      </a:lnRef>
+      <a:fillRef idx="0">
+        <a:scrgbClr r="0" g="0" b="0"/>
+      </a:fillRef>
+      <a:effectRef idx="0">
+        <a:scrgbClr r="0" g="0" b="0"/>
+      </a:effectRef>
+      <a:fontRef idx="minor"/>
+    </dgm:style>
+  </dgm:styleLbl>
+  <dgm:styleLbl name="fgAcc1">
+    <dgm:scene3d>
+      <a:camera prst="orthographicFront"/>
+      <a:lightRig rig="threePt" dir="t"/>
+    </dgm:scene3d>
+    <dgm:sp3d/>
+    <dgm:txPr/>
+    <dgm:style>
+      <a:lnRef idx="1">
+        <a:scrgbClr r="0" g="0" b="0"/>
+      </a:lnRef>
+      <a:fillRef idx="1">
+        <a:scrgbClr r="0" g="0" b="0"/>
+      </a:fillRef>
+      <a:effectRef idx="2">
+        <a:scrgbClr r="0" g="0" b="0"/>
+      </a:effectRef>
+      <a:fontRef idx="minor"/>
+    </dgm:style>
+  </dgm:styleLbl>
+  <dgm:styleLbl name="conFgAcc1">
+    <dgm:scene3d>
+      <a:camera prst="orthographicFront"/>
+      <a:lightRig rig="threePt" dir="t"/>
+    </dgm:scene3d>
+    <dgm:sp3d/>
+    <dgm:txPr/>
+    <dgm:style>
+      <a:lnRef idx="1">
+        <a:scrgbClr r="0" g="0" b="0"/>
+      </a:lnRef>
+      <a:fillRef idx="1">
+        <a:scrgbClr r="0" g="0" b="0"/>
+      </a:fillRef>
+      <a:effectRef idx="2">
+        <a:scrgbClr r="0" g="0" b="0"/>
+      </a:effectRef>
+      <a:fontRef idx="minor"/>
+    </dgm:style>
+  </dgm:styleLbl>
+  <dgm:styleLbl name="alignAcc1">
+    <dgm:scene3d>
+      <a:camera prst="orthographicFront"/>
+      <a:lightRig rig="threePt" dir="t"/>
+    </dgm:scene3d>
+    <dgm:sp3d/>
+    <dgm:txPr/>
+    <dgm:style>
+      <a:lnRef idx="1">
+        <a:scrgbClr r="0" g="0" b="0"/>
+      </a:lnRef>
+      <a:fillRef idx="1">
+        <a:scrgbClr r="0" g="0" b="0"/>
+      </a:fillRef>
+      <a:effectRef idx="2">
+        <a:scrgbClr r="0" g="0" b="0"/>
+      </a:effectRef>
+      <a:fontRef idx="minor"/>
+    </dgm:style>
+  </dgm:styleLbl>
+  <dgm:styleLbl name="trAlignAcc1">
+    <dgm:scene3d>
+      <a:camera prst="orthographicFront"/>
+      <a:lightRig rig="threePt" dir="t"/>
+    </dgm:scene3d>
+    <dgm:sp3d/>
+    <dgm:txPr/>
+    <dgm:style>
+      <a:lnRef idx="1">
+        <a:scrgbClr r="0" g="0" b="0"/>
+      </a:lnRef>
+      <a:fillRef idx="1">
+        <a:scrgbClr r="0" g="0" b="0"/>
+      </a:fillRef>
+      <a:effectRef idx="0">
+        <a:scrgbClr r="0" g="0" b="0"/>
+      </a:effectRef>
+      <a:fontRef idx="minor"/>
+    </dgm:style>
+  </dgm:styleLbl>
+  <dgm:styleLbl name="bgAcc1">
+    <dgm:scene3d>
+      <a:camera prst="orthographicFront"/>
+      <a:lightRig rig="threePt" dir="t"/>
+    </dgm:scene3d>
+    <dgm:sp3d/>
+    <dgm:txPr/>
+    <dgm:style>
+      <a:lnRef idx="1">
+        <a:scrgbClr r="0" g="0" b="0"/>
+      </a:lnRef>
+      <a:fillRef idx="1">
+        <a:scrgbClr r="0" g="0" b="0"/>
+      </a:fillRef>
+      <a:effectRef idx="2">
+        <a:scrgbClr r="0" g="0" b="0"/>
+      </a:effectRef>
+      <a:fontRef idx="minor"/>
+    </dgm:style>
+  </dgm:styleLbl>
+  <dgm:styleLbl name="solidFgAcc1">
+    <dgm:scene3d>
+      <a:camera prst="orthographicFront"/>
+      <a:lightRig rig="threePt" dir="t"/>
+    </dgm:scene3d>
+    <dgm:sp3d/>
+    <dgm:txPr/>
+    <dgm:style>
+      <a:lnRef idx="1">
+        <a:scrgbClr r="0" g="0" b="0"/>
+      </a:lnRef>
+      <a:fillRef idx="1">
+        <a:scrgbClr r="0" g="0" b="0"/>
+      </a:fillRef>
+      <a:effectRef idx="2">
+        <a:scrgbClr r="0" g="0" b="0"/>
+      </a:effectRef>
+      <a:fontRef idx="minor"/>
+    </dgm:style>
+  </dgm:styleLbl>
+  <dgm:styleLbl name="solidAlignAcc1">
+    <dgm:scene3d>
+      <a:camera prst="orthographicFront"/>
+      <a:lightRig rig="threePt" dir="t"/>
+    </dgm:scene3d>
+    <dgm:sp3d/>
+    <dgm:txPr/>
+    <dgm:style>
+      <a:lnRef idx="1">
+        <a:scrgbClr r="0" g="0" b="0"/>
+      </a:lnRef>
+      <a:fillRef idx="1">
+        <a:scrgbClr r="0" g="0" b="0"/>
+      </a:fillRef>
+      <a:effectRef idx="3">
+        <a:scrgbClr r="0" g="0" b="0"/>
+      </a:effectRef>
+      <a:fontRef idx="minor"/>
+    </dgm:style>
+  </dgm:styleLbl>
+  <dgm:styleLbl name="solidBgAcc1">
+    <dgm:scene3d>
+      <a:camera prst="orthographicFront"/>
+      <a:lightRig rig="threePt" dir="t"/>
+    </dgm:scene3d>
+    <dgm:sp3d/>
+    <dgm:txPr/>
+    <dgm:style>
+      <a:lnRef idx="1">
+        <a:scrgbClr r="0" g="0" b="0"/>
+      </a:lnRef>
+      <a:fillRef idx="1">
+        <a:scrgbClr r="0" g="0" b="0"/>
+      </a:fillRef>
+      <a:effectRef idx="3">
+        <a:scrgbClr r="0" g="0" b="0"/>
+      </a:effectRef>
+      <a:fontRef idx="minor"/>
+    </dgm:style>
+  </dgm:styleLbl>
+  <dgm:styleLbl name="fgAccFollowNode1">
+    <dgm:scene3d>
+      <a:camera prst="orthographicFront"/>
+      <a:lightRig rig="threePt" dir="t"/>
+    </dgm:scene3d>
+    <dgm:sp3d/>
+    <dgm:txPr/>
+    <dgm:style>
+      <a:lnRef idx="1">
+        <a:scrgbClr r="0" g="0" b="0"/>
+      </a:lnRef>
+      <a:fillRef idx="1">
+        <a:scrgbClr r="0" g="0" b="0"/>
+      </a:fillRef>
+      <a:effectRef idx="2">
+        <a:scrgbClr r="0" g="0" b="0"/>
+      </a:effectRef>
+      <a:fontRef idx="minor"/>
+    </dgm:style>
+  </dgm:styleLbl>
+  <dgm:styleLbl name="alignAccFollowNode1">
+    <dgm:scene3d>
+      <a:camera prst="orthographicFront"/>
+      <a:lightRig rig="threePt" dir="t"/>
+    </dgm:scene3d>
+    <dgm:sp3d/>
+    <dgm:txPr/>
+    <dgm:style>
+      <a:lnRef idx="1">
+        <a:scrgbClr r="0" g="0" b="0"/>
+      </a:lnRef>
+      <a:fillRef idx="1">
+        <a:scrgbClr r="0" g="0" b="0"/>
+      </a:fillRef>
+      <a:effectRef idx="2">
+        <a:scrgbClr r="0" g="0" b="0"/>
+      </a:effectRef>
+      <a:fontRef idx="minor"/>
+    </dgm:style>
+  </dgm:styleLbl>
+  <dgm:styleLbl name="bgAccFollowNode1">
+    <dgm:scene3d>
+      <a:camera prst="orthographicFront"/>
+      <a:lightRig rig="threePt" dir="t"/>
+    </dgm:scene3d>
+    <dgm:sp3d/>
+    <dgm:txPr/>
+    <dgm:style>
+      <a:lnRef idx="1">
+        <a:scrgbClr r="0" g="0" b="0"/>
+      </a:lnRef>
+      <a:fillRef idx="1">
+        <a:scrgbClr r="0" g="0" b="0"/>
+      </a:fillRef>
+      <a:effectRef idx="2">
+        <a:scrgbClr r="0" g="0" b="0"/>
+      </a:effectRef>
+      <a:fontRef idx="minor"/>
+    </dgm:style>
+  </dgm:styleLbl>
+  <dgm:styleLbl name="fgAcc0">
+    <dgm:scene3d>
+      <a:camera prst="orthographicFront"/>
+      <a:lightRig rig="threePt" dir="t"/>
+    </dgm:scene3d>
+    <dgm:sp3d/>
+    <dgm:txPr/>
+    <dgm:style>
+      <a:lnRef idx="1">
+        <a:scrgbClr r="0" g="0" b="0"/>
+      </a:lnRef>
+      <a:fillRef idx="1">
+        <a:scrgbClr r="0" g="0" b="0"/>
+      </a:fillRef>
+      <a:effectRef idx="2">
+        <a:scrgbClr r="0" g="0" b="0"/>
+      </a:effectRef>
+      <a:fontRef idx="minor"/>
+    </dgm:style>
+  </dgm:styleLbl>
+  <dgm:styleLbl name="fgAcc2">
+    <dgm:scene3d>
+      <a:camera prst="orthographicFront"/>
+      <a:lightRig rig="threePt" dir="t"/>
+    </dgm:scene3d>
+    <dgm:sp3d/>
+    <dgm:txPr/>
+    <dgm:style>
+      <a:lnRef idx="1">
+        <a:scrgbClr r="0" g="0" b="0"/>
+      </a:lnRef>
+      <a:fillRef idx="1">
+        <a:scrgbClr r="0" g="0" b="0"/>
+      </a:fillRef>
+      <a:effectRef idx="2">
+        <a:scrgbClr r="0" g="0" b="0"/>
+      </a:effectRef>
+      <a:fontRef idx="minor"/>
+    </dgm:style>
+  </dgm:styleLbl>
+  <dgm:styleLbl name="fgAcc3">
+    <dgm:scene3d>
+      <a:camera prst="orthographicFront"/>
+      <a:lightRig rig="threePt" dir="t"/>
+    </dgm:scene3d>
+    <dgm:sp3d/>
+    <dgm:txPr/>
+    <dgm:style>
+      <a:lnRef idx="1">
+        <a:scrgbClr r="0" g="0" b="0"/>
+      </a:lnRef>
+      <a:fillRef idx="1">
+        <a:scrgbClr r="0" g="0" b="0"/>
+      </a:fillRef>
+      <a:effectRef idx="2">
+        <a:scrgbClr r="0" g="0" b="0"/>
+      </a:effectRef>
+      <a:fontRef idx="minor"/>
+    </dgm:style>
+  </dgm:styleLbl>
+  <dgm:styleLbl name="fgAcc4">
+    <dgm:scene3d>
+      <a:camera prst="orthographicFront"/>
+      <a:lightRig rig="threePt" dir="t"/>
+    </dgm:scene3d>
+    <dgm:sp3d/>
+    <dgm:txPr/>
+    <dgm:style>
+      <a:lnRef idx="1">
+        <a:scrgbClr r="0" g="0" b="0"/>
+      </a:lnRef>
+      <a:fillRef idx="1">
+        <a:scrgbClr r="0" g="0" b="0"/>
+      </a:fillRef>
+      <a:effectRef idx="2">
+        <a:scrgbClr r="0" g="0" b="0"/>
+      </a:effectRef>
+      <a:fontRef idx="minor"/>
+    </dgm:style>
+  </dgm:styleLbl>
+  <dgm:styleLbl name="bgShp">
+    <dgm:scene3d>
+      <a:camera prst="orthographicFront"/>
+      <a:lightRig rig="threePt" dir="t"/>
+    </dgm:scene3d>
+    <dgm:sp3d/>
+    <dgm:txPr/>
+    <dgm:style>
+      <a:lnRef idx="0">
+        <a:scrgbClr r="0" g="0" b="0"/>
+      </a:lnRef>
+      <a:fillRef idx="1">
+        <a:scrgbClr r="0" g="0" b="0"/>
+      </a:fillRef>
+      <a:effectRef idx="2">
+        <a:scrgbClr r="0" g="0" b="0"/>
+      </a:effectRef>
+      <a:fontRef idx="minor"/>
+    </dgm:style>
+  </dgm:styleLbl>
+  <dgm:styleLbl name="dkBgShp">
+    <dgm:scene3d>
+      <a:camera prst="orthographicFront"/>
+      <a:lightRig rig="threePt" dir="t"/>
+    </dgm:scene3d>
+    <dgm:sp3d/>
+    <dgm:txPr/>
+    <dgm:style>
+      <a:lnRef idx="0">
+        <a:scrgbClr r="0" g="0" b="0"/>
+      </a:lnRef>
+      <a:fillRef idx="1">
+        <a:scrgbClr r="0" g="0" b="0"/>
+      </a:fillRef>
+      <a:effectRef idx="3">
+        <a:scrgbClr r="0" g="0" b="0"/>
+      </a:effectRef>
+      <a:fontRef idx="minor"/>
+    </dgm:style>
+  </dgm:styleLbl>
+  <dgm:styleLbl name="trBgShp">
+    <dgm:scene3d>
+      <a:camera prst="orthographicFront"/>
+      <a:lightRig rig="threePt" dir="t"/>
+    </dgm:scene3d>
+    <dgm:sp3d/>
+    <dgm:txPr/>
+    <dgm:style>
+      <a:lnRef idx="0">
+        <a:scrgbClr r="0" g="0" b="0"/>
+      </a:lnRef>
+      <a:fillRef idx="1">
+        <a:scrgbClr r="0" g="0" b="0"/>
+      </a:fillRef>
+      <a:effectRef idx="0">
+        <a:scrgbClr r="0" g="0" b="0"/>
+      </a:effectRef>
+      <a:fontRef idx="minor"/>
+    </dgm:style>
+  </dgm:styleLbl>
+  <dgm:styleLbl name="fgShp">
+    <dgm:scene3d>
+      <a:camera prst="orthographicFront"/>
+      <a:lightRig rig="threePt" dir="t"/>
+    </dgm:scene3d>
+    <dgm:sp3d/>
+    <dgm:txPr/>
+    <dgm:style>
+      <a:lnRef idx="0">
+        <a:scrgbClr r="0" g="0" b="0"/>
+      </a:lnRef>
+      <a:fillRef idx="3">
+        <a:scrgbClr r="0" g="0" b="0"/>
+      </a:fillRef>
+      <a:effectRef idx="3">
+        <a:scrgbClr r="0" g="0" b="0"/>
+      </a:effectRef>
+      <a:fontRef idx="minor"/>
+    </dgm:style>
+  </dgm:styleLbl>
+  <dgm:styleLbl name="revTx">
+    <dgm:scene3d>
+      <a:camera prst="orthographicFront"/>
+      <a:lightRig rig="threePt" dir="t"/>
+    </dgm:scene3d>
+    <dgm:sp3d/>
+    <dgm:txPr/>
+    <dgm:style>
+      <a:lnRef idx="0">
+        <a:scrgbClr r="0" g="0" b="0"/>
+      </a:lnRef>
+      <a:fillRef idx="0">
+        <a:scrgbClr r="0" g="0" b="0"/>
+      </a:fillRef>
+      <a:effectRef idx="0">
+        <a:scrgbClr r="0" g="0" b="0"/>
+      </a:effectRef>
+      <a:fontRef idx="minor"/>
+    </dgm:style>
+  </dgm:styleLbl>
+</dgm:styleDef>
+</file>
+
+<file path=ppt/diagrams/quickStyle2.xml><?xml version="1.0" encoding="utf-8"?>
 <dgm:styleDef xmlns:dgm="http://schemas.openxmlformats.org/drawingml/2006/diagram" xmlns:a="http://schemas.openxmlformats.org/drawingml/2006/main" uniqueId="urn:microsoft.com/office/officeart/2005/8/quickstyle/simple5">
   <dgm:title val=""/>
   <dgm:desc val=""/>
@@ -9060,7 +13680,7 @@
             <p:ph idx="1"/>
             <p:extLst>
               <p:ext uri="{D42A27DB-BD31-4B8C-83A1-F6EECF244321}">
-                <p14:modId xmlns:p14="http://schemas.microsoft.com/office/powerpoint/2010/main" val="4233437250"/>
+                <p14:modId xmlns:p14="http://schemas.microsoft.com/office/powerpoint/2010/main" val="3347057423"/>
               </p:ext>
             </p:extLst>
           </p:nvPr>
@@ -9075,6 +13695,86 @@
           </a:graphicData>
         </a:graphic>
       </p:graphicFrame>
+      <p:sp>
+        <p:nvSpPr>
+          <p:cNvPr id="3" name="Flecha: hacia arriba 2">
+            <a:extLst>
+              <a:ext uri="{FF2B5EF4-FFF2-40B4-BE49-F238E27FC236}">
+                <a16:creationId xmlns:a16="http://schemas.microsoft.com/office/drawing/2014/main" id="{4172F697-A826-4620-93A9-BA208D47892F}"/>
+              </a:ext>
+            </a:extLst>
+          </p:cNvPr>
+          <p:cNvSpPr/>
+          <p:nvPr/>
+        </p:nvSpPr>
+        <p:spPr>
+          <a:xfrm>
+            <a:off x="3002362" y="4468786"/>
+            <a:ext cx="2736000" cy="1260000"/>
+          </a:xfrm>
+          <a:prstGeom prst="upArrow">
+            <a:avLst/>
+          </a:prstGeom>
+          <a:solidFill>
+            <a:schemeClr val="bg2"/>
+          </a:solidFill>
+          <a:ln>
+            <a:solidFill>
+              <a:schemeClr val="tx1">
+                <a:lumMod val="95000"/>
+                <a:lumOff val="5000"/>
+              </a:schemeClr>
+            </a:solidFill>
+          </a:ln>
+        </p:spPr>
+        <p:style>
+          <a:lnRef idx="2">
+            <a:schemeClr val="accent1">
+              <a:shade val="50000"/>
+            </a:schemeClr>
+          </a:lnRef>
+          <a:fillRef idx="1">
+            <a:schemeClr val="accent1"/>
+          </a:fillRef>
+          <a:effectRef idx="0">
+            <a:schemeClr val="accent1"/>
+          </a:effectRef>
+          <a:fontRef idx="minor">
+            <a:schemeClr val="lt1"/>
+          </a:fontRef>
+        </p:style>
+        <p:txBody>
+          <a:bodyPr rtlCol="0" anchor="ctr"/>
+          <a:lstStyle/>
+          <a:p>
+            <a:pPr algn="ctr"/>
+            <a:r>
+              <a:rPr lang="it-IT" sz="1200" dirty="0">
+                <a:solidFill>
+                  <a:schemeClr val="tx1"/>
+                </a:solidFill>
+              </a:rPr>
+              <a:t>Time bins</a:t>
+            </a:r>
+          </a:p>
+          <a:p>
+            <a:pPr algn="ctr"/>
+            <a:r>
+              <a:rPr lang="it-IT" sz="1200" dirty="0">
+                <a:solidFill>
+                  <a:schemeClr val="tx1"/>
+                </a:solidFill>
+              </a:rPr>
+              <a:t>Feature generation</a:t>
+            </a:r>
+            <a:endParaRPr lang="es-CL" sz="1200" dirty="0">
+              <a:solidFill>
+                <a:schemeClr val="tx1"/>
+              </a:solidFill>
+            </a:endParaRPr>
+          </a:p>
+        </p:txBody>
+      </p:sp>
     </p:spTree>
     <p:extLst>
       <p:ext uri="{BB962C8B-B14F-4D97-AF65-F5344CB8AC3E}">
@@ -10847,7 +15547,7 @@
           <p:cNvPr id="2" name="Título 1">
             <a:extLst>
               <a:ext uri="{FF2B5EF4-FFF2-40B4-BE49-F238E27FC236}">
-                <a16:creationId xmlns:a16="http://schemas.microsoft.com/office/drawing/2014/main" id="{C60D8AC5-DB2D-4087-BED4-83BA88E91667}"/>
+                <a16:creationId xmlns:a16="http://schemas.microsoft.com/office/drawing/2014/main" id="{90906E4B-2248-43D3-B399-03B5E02A9320}"/>
               </a:ext>
             </a:extLst>
           </p:cNvPr>
@@ -10872,41 +15572,9 @@
           <a:p>
             <a:r>
               <a:rPr lang="it-IT" dirty="0"/>
-              <a:t>Results</a:t>
+              <a:t>Model elicitation</a:t>
             </a:r>
             <a:endParaRPr lang="es-CL" dirty="0"/>
-          </a:p>
-        </p:txBody>
-      </p:sp>
-      <p:sp>
-        <p:nvSpPr>
-          <p:cNvPr id="10" name="Content Placeholder 9">
-            <a:extLst>
-              <a:ext uri="{FF2B5EF4-FFF2-40B4-BE49-F238E27FC236}">
-                <a16:creationId xmlns:a16="http://schemas.microsoft.com/office/drawing/2014/main" id="{36FA7C27-CEA8-4FA5-8242-1F18164C9F4E}"/>
-              </a:ext>
-            </a:extLst>
-          </p:cNvPr>
-          <p:cNvSpPr>
-            <a:spLocks noGrp="1"/>
-          </p:cNvSpPr>
-          <p:nvPr>
-            <p:ph idx="1"/>
-          </p:nvPr>
-        </p:nvSpPr>
-        <p:spPr>
-          <a:xfrm>
-            <a:off x="1136429" y="2278173"/>
-            <a:ext cx="6467867" cy="3450613"/>
-          </a:xfrm>
-        </p:spPr>
-        <p:txBody>
-          <a:bodyPr anchor="ctr">
-            <a:normAutofit/>
-          </a:bodyPr>
-          <a:lstStyle/>
-          <a:p>
-            <a:endParaRPr lang="en-US" sz="2400"/>
           </a:p>
         </p:txBody>
       </p:sp>
@@ -11040,10 +15708,10 @@
       </p:sp>
       <p:pic>
         <p:nvPicPr>
-          <p:cNvPr id="8" name="Marcador de contenido 4" descr="Gráfico de barras">
+          <p:cNvPr id="8" name="Marcador de contenido 4" descr="Lupa">
             <a:extLst>
               <a:ext uri="{FF2B5EF4-FFF2-40B4-BE49-F238E27FC236}">
-                <a16:creationId xmlns:a16="http://schemas.microsoft.com/office/drawing/2014/main" id="{9F84A716-C097-4E04-9514-62082EEE6B06}"/>
+                <a16:creationId xmlns:a16="http://schemas.microsoft.com/office/drawing/2014/main" id="{0BBEBECC-40C4-48DD-816A-EDA390D88575}"/>
               </a:ext>
             </a:extLst>
           </p:cNvPr>
@@ -11077,10 +15745,41 @@
           </a:prstGeom>
         </p:spPr>
       </p:pic>
+      <p:graphicFrame>
+        <p:nvGraphicFramePr>
+          <p:cNvPr id="12" name="Marcador de contenido 3">
+            <a:extLst>
+              <a:ext uri="{FF2B5EF4-FFF2-40B4-BE49-F238E27FC236}">
+                <a16:creationId xmlns:a16="http://schemas.microsoft.com/office/drawing/2014/main" id="{FD0EA439-AEBA-4447-9265-9C98DB463E0F}"/>
+              </a:ext>
+            </a:extLst>
+          </p:cNvPr>
+          <p:cNvGraphicFramePr>
+            <a:graphicFrameLocks noGrp="1"/>
+          </p:cNvGraphicFramePr>
+          <p:nvPr>
+            <p:ph idx="1"/>
+            <p:extLst>
+              <p:ext uri="{D42A27DB-BD31-4B8C-83A1-F6EECF244321}">
+                <p14:modId xmlns:p14="http://schemas.microsoft.com/office/powerpoint/2010/main" val="1773573627"/>
+              </p:ext>
+            </p:extLst>
+          </p:nvPr>
+        </p:nvGraphicFramePr>
+        <p:xfrm>
+          <a:off x="838199" y="1825625"/>
+          <a:ext cx="7142825" cy="4351338"/>
+        </p:xfrm>
+        <a:graphic>
+          <a:graphicData uri="http://schemas.openxmlformats.org/drawingml/2006/diagram">
+            <dgm:relIds xmlns:dgm="http://schemas.openxmlformats.org/drawingml/2006/diagram" xmlns:r="http://schemas.openxmlformats.org/officeDocument/2006/relationships" r:dm="rId4" r:lo="rId5" r:qs="rId6" r:cs="rId7"/>
+          </a:graphicData>
+        </a:graphic>
+      </p:graphicFrame>
     </p:spTree>
     <p:extLst>
       <p:ext uri="{BB962C8B-B14F-4D97-AF65-F5344CB8AC3E}">
-        <p14:creationId xmlns:p14="http://schemas.microsoft.com/office/powerpoint/2010/main" val="909452300"/>
+        <p14:creationId xmlns:p14="http://schemas.microsoft.com/office/powerpoint/2010/main" val="128586543"/>
       </p:ext>
     </p:extLst>
   </p:cSld>

--- a/Presentation Group 13.pptx
+++ b/Presentation Group 13.pptx
@@ -1705,7 +1705,7 @@
         </a:p>
       </dgm:t>
     </dgm:pt>
-    <dgm:pt modelId="{85AD2AAC-FF82-477B-8D28-1515ED231F64}">
+    <dgm:pt modelId="{D0C1AC0F-8C3D-4C25-A7DA-93D288AA5C1E}">
       <dgm:prSet phldrT="[Texto]"/>
       <dgm:spPr/>
       <dgm:t>
@@ -1714,13 +1714,13 @@
         <a:p>
           <a:r>
             <a:rPr lang="it-IT" dirty="0"/>
-            <a:t>Test set</a:t>
+            <a:t>Bins size 1</a:t>
           </a:r>
           <a:endParaRPr lang="es-CL" dirty="0"/>
         </a:p>
       </dgm:t>
     </dgm:pt>
-    <dgm:pt modelId="{00059397-26F8-4CF7-9216-2A3D994A1830}" type="parTrans" cxnId="{DA1AC35E-C661-46D2-AC7B-30453D6E098D}">
+    <dgm:pt modelId="{0F1B140D-2498-4DB1-8B8D-DFA2B5E9DAEE}" type="parTrans" cxnId="{D9EFECB1-1B5B-4F76-8F60-2EABD2E4F94B}">
       <dgm:prSet/>
       <dgm:spPr/>
       <dgm:t>
@@ -1731,7 +1731,7 @@
         </a:p>
       </dgm:t>
     </dgm:pt>
-    <dgm:pt modelId="{F6499244-A54D-44C1-B5D9-AE3AC25D3BA0}" type="sibTrans" cxnId="{DA1AC35E-C661-46D2-AC7B-30453D6E098D}">
+    <dgm:pt modelId="{F088EE8A-ACF6-4613-B7EC-076B53F41FDB}" type="sibTrans" cxnId="{D9EFECB1-1B5B-4F76-8F60-2EABD2E4F94B}">
       <dgm:prSet/>
       <dgm:spPr/>
       <dgm:t>
@@ -1742,7 +1742,7 @@
         </a:p>
       </dgm:t>
     </dgm:pt>
-    <dgm:pt modelId="{E92C542D-9797-4A2D-8D36-525BEA920637}">
+    <dgm:pt modelId="{6E3F4212-B538-4327-A396-CF61A2F699CF}">
       <dgm:prSet phldrT="[Texto]"/>
       <dgm:spPr/>
       <dgm:t>
@@ -1751,13 +1751,13 @@
         <a:p>
           <a:r>
             <a:rPr lang="it-IT" dirty="0"/>
-            <a:t>Train set</a:t>
+            <a:t>Bins size 2</a:t>
           </a:r>
           <a:endParaRPr lang="es-CL" dirty="0"/>
         </a:p>
       </dgm:t>
     </dgm:pt>
-    <dgm:pt modelId="{3113DEAC-5930-40B0-80F2-CCE8658FDA7A}" type="parTrans" cxnId="{3E5018C3-F726-41CE-9FFC-4FC536A660B9}">
+    <dgm:pt modelId="{323816F0-CBF4-4B36-BEC8-1285DBC58A2F}" type="parTrans" cxnId="{6057D50F-E83C-4744-9A29-C92BBE1ED55B}">
       <dgm:prSet/>
       <dgm:spPr/>
       <dgm:t>
@@ -1768,7 +1768,623 @@
         </a:p>
       </dgm:t>
     </dgm:pt>
-    <dgm:pt modelId="{D88728B4-9371-401C-BC19-10F3C4557B6A}" type="sibTrans" cxnId="{3E5018C3-F726-41CE-9FFC-4FC536A660B9}">
+    <dgm:pt modelId="{7DF0A4C2-4091-48D5-9F5F-C0C34F61BB48}" type="sibTrans" cxnId="{6057D50F-E83C-4744-9A29-C92BBE1ED55B}">
+      <dgm:prSet/>
+      <dgm:spPr/>
+      <dgm:t>
+        <a:bodyPr/>
+        <a:lstStyle/>
+        <a:p>
+          <a:endParaRPr lang="es-CL"/>
+        </a:p>
+      </dgm:t>
+    </dgm:pt>
+    <dgm:pt modelId="{479B221C-9001-4B48-9D13-683F8FB0468C}">
+      <dgm:prSet phldrT="[Texto]"/>
+      <dgm:spPr/>
+      <dgm:t>
+        <a:bodyPr/>
+        <a:lstStyle/>
+        <a:p>
+          <a:r>
+            <a:rPr lang="it-IT" dirty="0"/>
+            <a:t>Bins size 3</a:t>
+          </a:r>
+          <a:endParaRPr lang="es-CL" dirty="0"/>
+        </a:p>
+      </dgm:t>
+    </dgm:pt>
+    <dgm:pt modelId="{9D98D1AB-B4EC-47B2-A8A8-89439F311483}" type="parTrans" cxnId="{A4421E6C-7BCF-4D18-8DA3-AD3F96FB3305}">
+      <dgm:prSet/>
+      <dgm:spPr/>
+      <dgm:t>
+        <a:bodyPr/>
+        <a:lstStyle/>
+        <a:p>
+          <a:endParaRPr lang="es-CL"/>
+        </a:p>
+      </dgm:t>
+    </dgm:pt>
+    <dgm:pt modelId="{B0A3CB5E-B8AA-4413-9775-6810331514C3}" type="sibTrans" cxnId="{A4421E6C-7BCF-4D18-8DA3-AD3F96FB3305}">
+      <dgm:prSet/>
+      <dgm:spPr/>
+      <dgm:t>
+        <a:bodyPr/>
+        <a:lstStyle/>
+        <a:p>
+          <a:endParaRPr lang="es-CL"/>
+        </a:p>
+      </dgm:t>
+    </dgm:pt>
+    <dgm:pt modelId="{941EBA72-401B-4EC2-B6E9-3E9DE5222FA1}">
+      <dgm:prSet phldrT="[Texto]"/>
+      <dgm:spPr/>
+      <dgm:t>
+        <a:bodyPr/>
+        <a:lstStyle/>
+        <a:p>
+          <a:r>
+            <a:rPr lang="it-IT" dirty="0"/>
+            <a:t>Feature generation</a:t>
+          </a:r>
+          <a:endParaRPr lang="es-CL" dirty="0"/>
+        </a:p>
+      </dgm:t>
+    </dgm:pt>
+    <dgm:pt modelId="{D3D56063-9C2B-4EBA-8109-23DF575F8D41}" type="parTrans" cxnId="{8F21AAD2-2FC5-4AAB-B0E4-5B1792B150D3}">
+      <dgm:prSet/>
+      <dgm:spPr/>
+      <dgm:t>
+        <a:bodyPr/>
+        <a:lstStyle/>
+        <a:p>
+          <a:endParaRPr lang="es-CL"/>
+        </a:p>
+      </dgm:t>
+    </dgm:pt>
+    <dgm:pt modelId="{94FE3D5A-6467-4EE6-9E8A-674045E088B9}" type="sibTrans" cxnId="{8F21AAD2-2FC5-4AAB-B0E4-5B1792B150D3}">
+      <dgm:prSet/>
+      <dgm:spPr/>
+      <dgm:t>
+        <a:bodyPr/>
+        <a:lstStyle/>
+        <a:p>
+          <a:endParaRPr lang="es-CL"/>
+        </a:p>
+      </dgm:t>
+    </dgm:pt>
+    <dgm:pt modelId="{1EA563DB-0F53-4274-ADAC-F8FAF40CEFF1}">
+      <dgm:prSet phldrT="[Texto]"/>
+      <dgm:spPr/>
+      <dgm:t>
+        <a:bodyPr/>
+        <a:lstStyle/>
+        <a:p>
+          <a:r>
+            <a:rPr lang="it-IT" dirty="0"/>
+            <a:t>Feature generation</a:t>
+          </a:r>
+          <a:endParaRPr lang="es-CL" dirty="0"/>
+        </a:p>
+      </dgm:t>
+    </dgm:pt>
+    <dgm:pt modelId="{FC9472BA-99D5-471A-9732-69081C897957}" type="parTrans" cxnId="{E5CE4CB6-FA38-40D5-9936-057143BBF529}">
+      <dgm:prSet/>
+      <dgm:spPr/>
+      <dgm:t>
+        <a:bodyPr/>
+        <a:lstStyle/>
+        <a:p>
+          <a:endParaRPr lang="es-CL"/>
+        </a:p>
+      </dgm:t>
+    </dgm:pt>
+    <dgm:pt modelId="{26D52F13-7018-440B-8F34-14FF6A419A5A}" type="sibTrans" cxnId="{E5CE4CB6-FA38-40D5-9936-057143BBF529}">
+      <dgm:prSet/>
+      <dgm:spPr/>
+      <dgm:t>
+        <a:bodyPr/>
+        <a:lstStyle/>
+        <a:p>
+          <a:endParaRPr lang="es-CL"/>
+        </a:p>
+      </dgm:t>
+    </dgm:pt>
+    <dgm:pt modelId="{EC4D70EC-2F0A-40F3-AD45-D08535D9B03F}">
+      <dgm:prSet phldrT="[Texto]"/>
+      <dgm:spPr/>
+      <dgm:t>
+        <a:bodyPr/>
+        <a:lstStyle/>
+        <a:p>
+          <a:r>
+            <a:rPr lang="it-IT" dirty="0"/>
+            <a:t>Feature generation</a:t>
+          </a:r>
+          <a:endParaRPr lang="es-CL" dirty="0"/>
+        </a:p>
+      </dgm:t>
+    </dgm:pt>
+    <dgm:pt modelId="{625B8628-A617-4B3B-AC76-B9FE4160B8F9}" type="parTrans" cxnId="{E28F59AB-300C-40E3-8837-8A8C01951D55}">
+      <dgm:prSet/>
+      <dgm:spPr/>
+      <dgm:t>
+        <a:bodyPr/>
+        <a:lstStyle/>
+        <a:p>
+          <a:endParaRPr lang="es-CL"/>
+        </a:p>
+      </dgm:t>
+    </dgm:pt>
+    <dgm:pt modelId="{DDE0AFF9-95A7-4BE7-BC58-43B5343AD5F1}" type="sibTrans" cxnId="{E28F59AB-300C-40E3-8837-8A8C01951D55}">
+      <dgm:prSet/>
+      <dgm:spPr/>
+      <dgm:t>
+        <a:bodyPr/>
+        <a:lstStyle/>
+        <a:p>
+          <a:endParaRPr lang="es-CL"/>
+        </a:p>
+      </dgm:t>
+    </dgm:pt>
+    <dgm:pt modelId="{587CFA3B-2DB6-4244-B659-70CA3A4B68E6}">
+      <dgm:prSet phldrT="[Texto]"/>
+      <dgm:spPr/>
+      <dgm:t>
+        <a:bodyPr/>
+        <a:lstStyle/>
+        <a:p>
+          <a:r>
+            <a:rPr lang="it-IT" dirty="0"/>
+            <a:t>Random Forest</a:t>
+          </a:r>
+          <a:endParaRPr lang="es-CL" dirty="0"/>
+        </a:p>
+      </dgm:t>
+    </dgm:pt>
+    <dgm:pt modelId="{20078690-DBF6-4642-8B66-1FE8CFB5BAD1}" type="parTrans" cxnId="{8EF0A81B-BA42-4358-81E9-C2A5C9C9E62F}">
+      <dgm:prSet/>
+      <dgm:spPr/>
+      <dgm:t>
+        <a:bodyPr/>
+        <a:lstStyle/>
+        <a:p>
+          <a:endParaRPr lang="es-CL"/>
+        </a:p>
+      </dgm:t>
+    </dgm:pt>
+    <dgm:pt modelId="{1129A550-F20D-4441-AF9B-AA9AE58C0577}" type="sibTrans" cxnId="{8EF0A81B-BA42-4358-81E9-C2A5C9C9E62F}">
+      <dgm:prSet/>
+      <dgm:spPr/>
+      <dgm:t>
+        <a:bodyPr/>
+        <a:lstStyle/>
+        <a:p>
+          <a:endParaRPr lang="es-CL"/>
+        </a:p>
+      </dgm:t>
+    </dgm:pt>
+    <dgm:pt modelId="{3DC0EC9D-2C36-403E-844C-45FCE634C604}">
+      <dgm:prSet phldrT="[Texto]"/>
+      <dgm:spPr/>
+      <dgm:t>
+        <a:bodyPr/>
+        <a:lstStyle/>
+        <a:p>
+          <a:r>
+            <a:rPr lang="it-IT" dirty="0"/>
+            <a:t>LDA</a:t>
+          </a:r>
+          <a:endParaRPr lang="es-CL" dirty="0"/>
+        </a:p>
+      </dgm:t>
+    </dgm:pt>
+    <dgm:pt modelId="{6E90E081-17D2-4DB6-964E-F829A6420723}" type="parTrans" cxnId="{6F425EE2-2166-4B21-A56C-FB87D657EBF3}">
+      <dgm:prSet/>
+      <dgm:spPr/>
+      <dgm:t>
+        <a:bodyPr/>
+        <a:lstStyle/>
+        <a:p>
+          <a:endParaRPr lang="es-CL"/>
+        </a:p>
+      </dgm:t>
+    </dgm:pt>
+    <dgm:pt modelId="{9B0C3EED-2419-4C33-A795-587A9B8690B2}" type="sibTrans" cxnId="{6F425EE2-2166-4B21-A56C-FB87D657EBF3}">
+      <dgm:prSet/>
+      <dgm:spPr/>
+      <dgm:t>
+        <a:bodyPr/>
+        <a:lstStyle/>
+        <a:p>
+          <a:endParaRPr lang="es-CL"/>
+        </a:p>
+      </dgm:t>
+    </dgm:pt>
+    <dgm:pt modelId="{40D5D283-306E-4C98-8AF3-EBD275C6A1FB}">
+      <dgm:prSet phldrT="[Texto]"/>
+      <dgm:spPr/>
+      <dgm:t>
+        <a:bodyPr/>
+        <a:lstStyle/>
+        <a:p>
+          <a:r>
+            <a:rPr lang="it-IT" dirty="0"/>
+            <a:t>Naive Bayes</a:t>
+          </a:r>
+          <a:endParaRPr lang="es-CL" dirty="0"/>
+        </a:p>
+      </dgm:t>
+    </dgm:pt>
+    <dgm:pt modelId="{BBF56B6D-85C8-47AF-B795-FBFE82A205E7}" type="parTrans" cxnId="{B4BEDC15-192E-40D7-AE28-3DDB25EFD6A7}">
+      <dgm:prSet/>
+      <dgm:spPr/>
+      <dgm:t>
+        <a:bodyPr/>
+        <a:lstStyle/>
+        <a:p>
+          <a:endParaRPr lang="es-CL"/>
+        </a:p>
+      </dgm:t>
+    </dgm:pt>
+    <dgm:pt modelId="{E0075AE9-9491-4407-BCEF-882F96BB1F9B}" type="sibTrans" cxnId="{B4BEDC15-192E-40D7-AE28-3DDB25EFD6A7}">
+      <dgm:prSet/>
+      <dgm:spPr/>
+      <dgm:t>
+        <a:bodyPr/>
+        <a:lstStyle/>
+        <a:p>
+          <a:endParaRPr lang="es-CL"/>
+        </a:p>
+      </dgm:t>
+    </dgm:pt>
+    <dgm:pt modelId="{A07A6C24-4CBB-4578-A220-F689AB3AA831}">
+      <dgm:prSet phldrT="[Texto]"/>
+      <dgm:spPr/>
+      <dgm:t>
+        <a:bodyPr/>
+        <a:lstStyle/>
+        <a:p>
+          <a:r>
+            <a:rPr lang="es-CL" b="0" i="0" u="none" dirty="0" err="1"/>
+            <a:t>Multiclass</a:t>
+          </a:r>
+          <a:r>
+            <a:rPr lang="es-CL" b="0" i="0" u="none" dirty="0"/>
+            <a:t> </a:t>
+          </a:r>
+          <a:r>
+            <a:rPr lang="es-CL" b="0" i="0" u="none" dirty="0" err="1"/>
+            <a:t>Logistic</a:t>
+          </a:r>
+          <a:endParaRPr lang="es-CL" dirty="0"/>
+        </a:p>
+      </dgm:t>
+    </dgm:pt>
+    <dgm:pt modelId="{FB0755F6-96C2-4637-A601-17649C1EF687}" type="parTrans" cxnId="{1B24A076-1975-4711-8A06-D476F8B54123}">
+      <dgm:prSet/>
+      <dgm:spPr/>
+      <dgm:t>
+        <a:bodyPr/>
+        <a:lstStyle/>
+        <a:p>
+          <a:endParaRPr lang="es-CL"/>
+        </a:p>
+      </dgm:t>
+    </dgm:pt>
+    <dgm:pt modelId="{CF58EC7A-7F00-4AE0-92E5-F6B3C3B038D9}" type="sibTrans" cxnId="{1B24A076-1975-4711-8A06-D476F8B54123}">
+      <dgm:prSet/>
+      <dgm:spPr/>
+      <dgm:t>
+        <a:bodyPr/>
+        <a:lstStyle/>
+        <a:p>
+          <a:endParaRPr lang="es-CL"/>
+        </a:p>
+      </dgm:t>
+    </dgm:pt>
+    <dgm:pt modelId="{37914482-29F0-4C14-8D2C-BC7E03B43B82}">
+      <dgm:prSet phldrT="[Texto]"/>
+      <dgm:spPr/>
+      <dgm:t>
+        <a:bodyPr/>
+        <a:lstStyle/>
+        <a:p>
+          <a:r>
+            <a:rPr lang="it-IT"/>
+            <a:t>Random Forest</a:t>
+          </a:r>
+          <a:endParaRPr lang="es-CL" dirty="0"/>
+        </a:p>
+      </dgm:t>
+    </dgm:pt>
+    <dgm:pt modelId="{03743ED5-C6CE-453B-9D6A-57F7109A8A47}" type="parTrans" cxnId="{3104DDDF-64EC-4D2D-936C-3E32C4E62B3F}">
+      <dgm:prSet/>
+      <dgm:spPr/>
+      <dgm:t>
+        <a:bodyPr/>
+        <a:lstStyle/>
+        <a:p>
+          <a:endParaRPr lang="es-CL"/>
+        </a:p>
+      </dgm:t>
+    </dgm:pt>
+    <dgm:pt modelId="{B0886FD3-7C81-4309-8D01-7A760BC8D55C}" type="sibTrans" cxnId="{3104DDDF-64EC-4D2D-936C-3E32C4E62B3F}">
+      <dgm:prSet/>
+      <dgm:spPr/>
+      <dgm:t>
+        <a:bodyPr/>
+        <a:lstStyle/>
+        <a:p>
+          <a:endParaRPr lang="es-CL"/>
+        </a:p>
+      </dgm:t>
+    </dgm:pt>
+    <dgm:pt modelId="{9A33B5EB-7DEE-4987-BD16-53A72D4B47C8}">
+      <dgm:prSet phldrT="[Texto]"/>
+      <dgm:spPr/>
+      <dgm:t>
+        <a:bodyPr/>
+        <a:lstStyle/>
+        <a:p>
+          <a:r>
+            <a:rPr lang="it-IT" dirty="0"/>
+            <a:t>LDA</a:t>
+          </a:r>
+          <a:endParaRPr lang="es-CL" dirty="0"/>
+        </a:p>
+      </dgm:t>
+    </dgm:pt>
+    <dgm:pt modelId="{E7645B51-F9A9-442B-8738-94BD71F1306B}" type="parTrans" cxnId="{55283A3C-D0B3-487A-B46D-A0CF1B60EF7C}">
+      <dgm:prSet/>
+      <dgm:spPr/>
+      <dgm:t>
+        <a:bodyPr/>
+        <a:lstStyle/>
+        <a:p>
+          <a:endParaRPr lang="es-CL"/>
+        </a:p>
+      </dgm:t>
+    </dgm:pt>
+    <dgm:pt modelId="{18E57682-6458-407D-915C-94A52CE2E57A}" type="sibTrans" cxnId="{55283A3C-D0B3-487A-B46D-A0CF1B60EF7C}">
+      <dgm:prSet/>
+      <dgm:spPr/>
+      <dgm:t>
+        <a:bodyPr/>
+        <a:lstStyle/>
+        <a:p>
+          <a:endParaRPr lang="es-CL"/>
+        </a:p>
+      </dgm:t>
+    </dgm:pt>
+    <dgm:pt modelId="{558A462C-14D6-4AFB-BD5C-BA4A1B0AD1A4}">
+      <dgm:prSet phldrT="[Texto]"/>
+      <dgm:spPr/>
+      <dgm:t>
+        <a:bodyPr/>
+        <a:lstStyle/>
+        <a:p>
+          <a:r>
+            <a:rPr lang="it-IT" dirty="0"/>
+            <a:t>Naive Bayes</a:t>
+          </a:r>
+          <a:endParaRPr lang="es-CL" dirty="0"/>
+        </a:p>
+      </dgm:t>
+    </dgm:pt>
+    <dgm:pt modelId="{E7BC0433-93B9-491E-AB71-B9C9314F9E56}" type="parTrans" cxnId="{FB2ADA8C-1C9D-48BF-B9E0-15073A15266D}">
+      <dgm:prSet/>
+      <dgm:spPr/>
+      <dgm:t>
+        <a:bodyPr/>
+        <a:lstStyle/>
+        <a:p>
+          <a:endParaRPr lang="es-CL"/>
+        </a:p>
+      </dgm:t>
+    </dgm:pt>
+    <dgm:pt modelId="{E15E2226-EE70-48B1-9723-595E09FAF7CB}" type="sibTrans" cxnId="{FB2ADA8C-1C9D-48BF-B9E0-15073A15266D}">
+      <dgm:prSet/>
+      <dgm:spPr/>
+      <dgm:t>
+        <a:bodyPr/>
+        <a:lstStyle/>
+        <a:p>
+          <a:endParaRPr lang="es-CL"/>
+        </a:p>
+      </dgm:t>
+    </dgm:pt>
+    <dgm:pt modelId="{3D4E1CB2-2352-492C-B27C-530AD68E2C05}">
+      <dgm:prSet phldrT="[Texto]"/>
+      <dgm:spPr/>
+      <dgm:t>
+        <a:bodyPr/>
+        <a:lstStyle/>
+        <a:p>
+          <a:r>
+            <a:rPr lang="es-CL" b="0" i="0" u="none" dirty="0" err="1"/>
+            <a:t>Multiclass</a:t>
+          </a:r>
+          <a:r>
+            <a:rPr lang="es-CL" b="0" i="0" u="none" dirty="0"/>
+            <a:t> </a:t>
+          </a:r>
+          <a:r>
+            <a:rPr lang="es-CL" b="0" i="0" u="none" dirty="0" err="1"/>
+            <a:t>Logistic</a:t>
+          </a:r>
+          <a:endParaRPr lang="es-CL" dirty="0"/>
+        </a:p>
+      </dgm:t>
+    </dgm:pt>
+    <dgm:pt modelId="{1295F9C2-41E9-4628-9365-B8F82D298D35}" type="parTrans" cxnId="{F3046FC3-035A-4D40-8EBB-31A8B65EE2E6}">
+      <dgm:prSet/>
+      <dgm:spPr/>
+      <dgm:t>
+        <a:bodyPr/>
+        <a:lstStyle/>
+        <a:p>
+          <a:endParaRPr lang="es-CL"/>
+        </a:p>
+      </dgm:t>
+    </dgm:pt>
+    <dgm:pt modelId="{ACA03279-0D3E-461C-9AD1-DA7B61C0722A}" type="sibTrans" cxnId="{F3046FC3-035A-4D40-8EBB-31A8B65EE2E6}">
+      <dgm:prSet/>
+      <dgm:spPr/>
+      <dgm:t>
+        <a:bodyPr/>
+        <a:lstStyle/>
+        <a:p>
+          <a:endParaRPr lang="es-CL"/>
+        </a:p>
+      </dgm:t>
+    </dgm:pt>
+    <dgm:pt modelId="{293EA856-3521-423E-82F1-D2F16CC520E2}">
+      <dgm:prSet phldrT="[Texto]"/>
+      <dgm:spPr/>
+      <dgm:t>
+        <a:bodyPr/>
+        <a:lstStyle/>
+        <a:p>
+          <a:r>
+            <a:rPr lang="it-IT"/>
+            <a:t>Random Forest</a:t>
+          </a:r>
+          <a:endParaRPr lang="es-CL" dirty="0"/>
+        </a:p>
+      </dgm:t>
+    </dgm:pt>
+    <dgm:pt modelId="{FB8C566A-89AE-46A4-BA63-0305EEB8910D}" type="parTrans" cxnId="{1CF484D8-4295-402B-A65C-0A8B5580008A}">
+      <dgm:prSet/>
+      <dgm:spPr/>
+      <dgm:t>
+        <a:bodyPr/>
+        <a:lstStyle/>
+        <a:p>
+          <a:endParaRPr lang="es-CL"/>
+        </a:p>
+      </dgm:t>
+    </dgm:pt>
+    <dgm:pt modelId="{249F4B57-A40C-42A6-9B25-4C0F18F0BBBC}" type="sibTrans" cxnId="{1CF484D8-4295-402B-A65C-0A8B5580008A}">
+      <dgm:prSet/>
+      <dgm:spPr/>
+      <dgm:t>
+        <a:bodyPr/>
+        <a:lstStyle/>
+        <a:p>
+          <a:endParaRPr lang="es-CL"/>
+        </a:p>
+      </dgm:t>
+    </dgm:pt>
+    <dgm:pt modelId="{EA5918EB-F834-4108-9AD4-0F43961FCAA4}">
+      <dgm:prSet phldrT="[Texto]"/>
+      <dgm:spPr/>
+      <dgm:t>
+        <a:bodyPr/>
+        <a:lstStyle/>
+        <a:p>
+          <a:r>
+            <a:rPr lang="it-IT" dirty="0"/>
+            <a:t>LDA</a:t>
+          </a:r>
+          <a:endParaRPr lang="es-CL" dirty="0"/>
+        </a:p>
+      </dgm:t>
+    </dgm:pt>
+    <dgm:pt modelId="{C52D1039-390F-4A01-98D7-75D0497203C7}" type="parTrans" cxnId="{25DD72E9-76F0-43A5-9F99-28D96BEFC4FF}">
+      <dgm:prSet/>
+      <dgm:spPr/>
+      <dgm:t>
+        <a:bodyPr/>
+        <a:lstStyle/>
+        <a:p>
+          <a:endParaRPr lang="es-CL"/>
+        </a:p>
+      </dgm:t>
+    </dgm:pt>
+    <dgm:pt modelId="{59A944A0-375E-448E-8455-D752D4E13FCB}" type="sibTrans" cxnId="{25DD72E9-76F0-43A5-9F99-28D96BEFC4FF}">
+      <dgm:prSet/>
+      <dgm:spPr/>
+      <dgm:t>
+        <a:bodyPr/>
+        <a:lstStyle/>
+        <a:p>
+          <a:endParaRPr lang="es-CL"/>
+        </a:p>
+      </dgm:t>
+    </dgm:pt>
+    <dgm:pt modelId="{47D7E867-309F-4879-932C-BECC7300FB3C}">
+      <dgm:prSet phldrT="[Texto]"/>
+      <dgm:spPr/>
+      <dgm:t>
+        <a:bodyPr/>
+        <a:lstStyle/>
+        <a:p>
+          <a:r>
+            <a:rPr lang="it-IT" dirty="0"/>
+            <a:t>Naive Bayes</a:t>
+          </a:r>
+          <a:endParaRPr lang="es-CL" dirty="0"/>
+        </a:p>
+      </dgm:t>
+    </dgm:pt>
+    <dgm:pt modelId="{0212CF7B-029B-4CA7-B9D8-446BE720545E}" type="parTrans" cxnId="{5E10348F-0469-445E-92F3-470B00DA7AFC}">
+      <dgm:prSet/>
+      <dgm:spPr/>
+      <dgm:t>
+        <a:bodyPr/>
+        <a:lstStyle/>
+        <a:p>
+          <a:endParaRPr lang="es-CL"/>
+        </a:p>
+      </dgm:t>
+    </dgm:pt>
+    <dgm:pt modelId="{12D0BB9D-E281-4F8E-8C10-2593D731B67F}" type="sibTrans" cxnId="{5E10348F-0469-445E-92F3-470B00DA7AFC}">
+      <dgm:prSet/>
+      <dgm:spPr/>
+      <dgm:t>
+        <a:bodyPr/>
+        <a:lstStyle/>
+        <a:p>
+          <a:endParaRPr lang="es-CL"/>
+        </a:p>
+      </dgm:t>
+    </dgm:pt>
+    <dgm:pt modelId="{1F93F391-2659-4E41-92C9-51A311E7B2DA}">
+      <dgm:prSet phldrT="[Texto]"/>
+      <dgm:spPr/>
+      <dgm:t>
+        <a:bodyPr/>
+        <a:lstStyle/>
+        <a:p>
+          <a:r>
+            <a:rPr lang="es-CL" b="0" i="0" u="none" dirty="0" err="1"/>
+            <a:t>Multiclass</a:t>
+          </a:r>
+          <a:r>
+            <a:rPr lang="es-CL" b="0" i="0" u="none" dirty="0"/>
+            <a:t> </a:t>
+          </a:r>
+          <a:r>
+            <a:rPr lang="es-CL" b="0" i="0" u="none" dirty="0" err="1"/>
+            <a:t>Logistic</a:t>
+          </a:r>
+          <a:endParaRPr lang="es-CL" dirty="0"/>
+        </a:p>
+      </dgm:t>
+    </dgm:pt>
+    <dgm:pt modelId="{E9F5F5F2-D4BF-4F84-9254-8C358B72D937}" type="parTrans" cxnId="{CBD2FD08-87AD-4A3B-BAF6-E810915EF65E}">
+      <dgm:prSet/>
+      <dgm:spPr/>
+      <dgm:t>
+        <a:bodyPr/>
+        <a:lstStyle/>
+        <a:p>
+          <a:endParaRPr lang="es-CL"/>
+        </a:p>
+      </dgm:t>
+    </dgm:pt>
+    <dgm:pt modelId="{87E00528-B43B-4B3D-86BD-8601C16026E7}" type="sibTrans" cxnId="{CBD2FD08-87AD-4A3B-BAF6-E810915EF65E}">
       <dgm:prSet/>
       <dgm:spPr/>
       <dgm:t>
@@ -1852,76 +2468,652 @@
       <dgm:prSet presAssocID="{7E85E645-60AA-4011-90EE-3803CF83FB06}" presName="hierChild4" presStyleCnt="0"/>
       <dgm:spPr/>
     </dgm:pt>
-    <dgm:pt modelId="{FBE4C23A-3F6F-4D8F-BA93-4B654E5E0EA7}" type="pres">
-      <dgm:prSet presAssocID="{3113DEAC-5930-40B0-80F2-CCE8658FDA7A}" presName="Name64" presStyleLbl="parChTrans1D3" presStyleIdx="0" presStyleCnt="2"/>
-      <dgm:spPr/>
-    </dgm:pt>
-    <dgm:pt modelId="{70E3C20B-8D43-47D6-A4FC-5C56892D6DE9}" type="pres">
-      <dgm:prSet presAssocID="{E92C542D-9797-4A2D-8D36-525BEA920637}" presName="hierRoot2" presStyleCnt="0">
+    <dgm:pt modelId="{32BC3B8B-0EB8-43BE-8FE2-2A8B8D885834}" type="pres">
+      <dgm:prSet presAssocID="{0F1B140D-2498-4DB1-8B8D-DFA2B5E9DAEE}" presName="Name64" presStyleLbl="parChTrans1D3" presStyleIdx="0" presStyleCnt="3"/>
+      <dgm:spPr/>
+    </dgm:pt>
+    <dgm:pt modelId="{D5AD9C45-E4A2-4800-BB4C-AAF34F4591C8}" type="pres">
+      <dgm:prSet presAssocID="{D0C1AC0F-8C3D-4C25-A7DA-93D288AA5C1E}" presName="hierRoot2" presStyleCnt="0">
         <dgm:presLayoutVars>
           <dgm:hierBranch val="init"/>
         </dgm:presLayoutVars>
       </dgm:prSet>
       <dgm:spPr/>
     </dgm:pt>
-    <dgm:pt modelId="{A811AB33-B7F8-4005-A469-6D7F1F7FEA98}" type="pres">
-      <dgm:prSet presAssocID="{E92C542D-9797-4A2D-8D36-525BEA920637}" presName="rootComposite" presStyleCnt="0"/>
-      <dgm:spPr/>
-    </dgm:pt>
-    <dgm:pt modelId="{41022CE7-061B-48EA-9CE3-E26765A0B25C}" type="pres">
-      <dgm:prSet presAssocID="{E92C542D-9797-4A2D-8D36-525BEA920637}" presName="rootText" presStyleLbl="node3" presStyleIdx="0" presStyleCnt="2">
+    <dgm:pt modelId="{FD4E66CD-6F08-469A-8F6F-B8E5ADED798C}" type="pres">
+      <dgm:prSet presAssocID="{D0C1AC0F-8C3D-4C25-A7DA-93D288AA5C1E}" presName="rootComposite" presStyleCnt="0"/>
+      <dgm:spPr/>
+    </dgm:pt>
+    <dgm:pt modelId="{62999B80-CB57-44AE-9A9E-C16313873E87}" type="pres">
+      <dgm:prSet presAssocID="{D0C1AC0F-8C3D-4C25-A7DA-93D288AA5C1E}" presName="rootText" presStyleLbl="node3" presStyleIdx="0" presStyleCnt="3">
         <dgm:presLayoutVars>
           <dgm:chPref val="3"/>
         </dgm:presLayoutVars>
       </dgm:prSet>
       <dgm:spPr/>
     </dgm:pt>
-    <dgm:pt modelId="{C546C6A8-E6C2-49FA-A857-450570964E39}" type="pres">
-      <dgm:prSet presAssocID="{E92C542D-9797-4A2D-8D36-525BEA920637}" presName="rootConnector" presStyleLbl="node3" presStyleIdx="0" presStyleCnt="2"/>
-      <dgm:spPr/>
-    </dgm:pt>
-    <dgm:pt modelId="{DA827DCC-AD67-43DF-ACA9-16B565E8F338}" type="pres">
-      <dgm:prSet presAssocID="{E92C542D-9797-4A2D-8D36-525BEA920637}" presName="hierChild4" presStyleCnt="0"/>
-      <dgm:spPr/>
-    </dgm:pt>
-    <dgm:pt modelId="{BDF18086-599A-4755-B7AB-FC460864FCD6}" type="pres">
-      <dgm:prSet presAssocID="{E92C542D-9797-4A2D-8D36-525BEA920637}" presName="hierChild5" presStyleCnt="0"/>
-      <dgm:spPr/>
-    </dgm:pt>
-    <dgm:pt modelId="{E6C00FCA-C1B5-4CD9-9DC1-AC80B92C842B}" type="pres">
-      <dgm:prSet presAssocID="{00059397-26F8-4CF7-9216-2A3D994A1830}" presName="Name64" presStyleLbl="parChTrans1D3" presStyleIdx="1" presStyleCnt="2"/>
-      <dgm:spPr/>
-    </dgm:pt>
-    <dgm:pt modelId="{3033723F-8A25-4877-913D-713DA47EF227}" type="pres">
-      <dgm:prSet presAssocID="{85AD2AAC-FF82-477B-8D28-1515ED231F64}" presName="hierRoot2" presStyleCnt="0">
+    <dgm:pt modelId="{8855CB85-F42D-484B-A2B7-C0E878ED5584}" type="pres">
+      <dgm:prSet presAssocID="{D0C1AC0F-8C3D-4C25-A7DA-93D288AA5C1E}" presName="rootConnector" presStyleLbl="node3" presStyleIdx="0" presStyleCnt="3"/>
+      <dgm:spPr/>
+    </dgm:pt>
+    <dgm:pt modelId="{58B07289-207A-414D-A691-706F4F163F32}" type="pres">
+      <dgm:prSet presAssocID="{D0C1AC0F-8C3D-4C25-A7DA-93D288AA5C1E}" presName="hierChild4" presStyleCnt="0"/>
+      <dgm:spPr/>
+    </dgm:pt>
+    <dgm:pt modelId="{B51A4FA2-18A3-4DEE-90E8-F2704749B372}" type="pres">
+      <dgm:prSet presAssocID="{FC9472BA-99D5-471A-9732-69081C897957}" presName="Name64" presStyleLbl="parChTrans1D4" presStyleIdx="0" presStyleCnt="15"/>
+      <dgm:spPr/>
+    </dgm:pt>
+    <dgm:pt modelId="{3555F3E9-CE33-4ACD-ABFC-481DB084E10C}" type="pres">
+      <dgm:prSet presAssocID="{1EA563DB-0F53-4274-ADAC-F8FAF40CEFF1}" presName="hierRoot2" presStyleCnt="0">
         <dgm:presLayoutVars>
           <dgm:hierBranch val="init"/>
         </dgm:presLayoutVars>
       </dgm:prSet>
       <dgm:spPr/>
     </dgm:pt>
-    <dgm:pt modelId="{1A6AACB8-351D-4F66-91FE-F4F6B9490845}" type="pres">
-      <dgm:prSet presAssocID="{85AD2AAC-FF82-477B-8D28-1515ED231F64}" presName="rootComposite" presStyleCnt="0"/>
-      <dgm:spPr/>
-    </dgm:pt>
-    <dgm:pt modelId="{DEE2BE0D-B518-4587-8BED-CF07AD314572}" type="pres">
-      <dgm:prSet presAssocID="{85AD2AAC-FF82-477B-8D28-1515ED231F64}" presName="rootText" presStyleLbl="node3" presStyleIdx="1" presStyleCnt="2">
+    <dgm:pt modelId="{EE072344-9AAD-4846-87DD-8CEC2B5420A0}" type="pres">
+      <dgm:prSet presAssocID="{1EA563DB-0F53-4274-ADAC-F8FAF40CEFF1}" presName="rootComposite" presStyleCnt="0"/>
+      <dgm:spPr/>
+    </dgm:pt>
+    <dgm:pt modelId="{C1F3BA5D-99F3-4347-B929-39A469B8527A}" type="pres">
+      <dgm:prSet presAssocID="{1EA563DB-0F53-4274-ADAC-F8FAF40CEFF1}" presName="rootText" presStyleLbl="node4" presStyleIdx="0" presStyleCnt="15">
         <dgm:presLayoutVars>
           <dgm:chPref val="3"/>
         </dgm:presLayoutVars>
       </dgm:prSet>
       <dgm:spPr/>
     </dgm:pt>
-    <dgm:pt modelId="{5273459B-F60F-4283-9042-A63E541F6CB6}" type="pres">
-      <dgm:prSet presAssocID="{85AD2AAC-FF82-477B-8D28-1515ED231F64}" presName="rootConnector" presStyleLbl="node3" presStyleIdx="1" presStyleCnt="2"/>
-      <dgm:spPr/>
-    </dgm:pt>
-    <dgm:pt modelId="{5E36063B-4E62-468B-89BE-47359378D5B1}" type="pres">
-      <dgm:prSet presAssocID="{85AD2AAC-FF82-477B-8D28-1515ED231F64}" presName="hierChild4" presStyleCnt="0"/>
-      <dgm:spPr/>
-    </dgm:pt>
-    <dgm:pt modelId="{CC2E6B5E-B0DB-4F72-B002-3A0C08C29AC7}" type="pres">
-      <dgm:prSet presAssocID="{85AD2AAC-FF82-477B-8D28-1515ED231F64}" presName="hierChild5" presStyleCnt="0"/>
+    <dgm:pt modelId="{85F80348-83E7-4C49-9C18-DC5CF470571A}" type="pres">
+      <dgm:prSet presAssocID="{1EA563DB-0F53-4274-ADAC-F8FAF40CEFF1}" presName="rootConnector" presStyleLbl="node4" presStyleIdx="0" presStyleCnt="15"/>
+      <dgm:spPr/>
+    </dgm:pt>
+    <dgm:pt modelId="{F7888D29-53E3-4605-AB77-6BC999F1AD2B}" type="pres">
+      <dgm:prSet presAssocID="{1EA563DB-0F53-4274-ADAC-F8FAF40CEFF1}" presName="hierChild4" presStyleCnt="0"/>
+      <dgm:spPr/>
+    </dgm:pt>
+    <dgm:pt modelId="{981E0774-F1A1-4220-8E61-EB7A9A194C74}" type="pres">
+      <dgm:prSet presAssocID="{20078690-DBF6-4642-8B66-1FE8CFB5BAD1}" presName="Name64" presStyleLbl="parChTrans1D4" presStyleIdx="1" presStyleCnt="15"/>
+      <dgm:spPr/>
+    </dgm:pt>
+    <dgm:pt modelId="{C052BD79-B551-4A2A-9794-6E194138F3E8}" type="pres">
+      <dgm:prSet presAssocID="{587CFA3B-2DB6-4244-B659-70CA3A4B68E6}" presName="hierRoot2" presStyleCnt="0">
+        <dgm:presLayoutVars>
+          <dgm:hierBranch val="init"/>
+        </dgm:presLayoutVars>
+      </dgm:prSet>
+      <dgm:spPr/>
+    </dgm:pt>
+    <dgm:pt modelId="{5DFCB242-1E23-4185-B3BF-609615D49CEF}" type="pres">
+      <dgm:prSet presAssocID="{587CFA3B-2DB6-4244-B659-70CA3A4B68E6}" presName="rootComposite" presStyleCnt="0"/>
+      <dgm:spPr/>
+    </dgm:pt>
+    <dgm:pt modelId="{CB3B42E1-C5FD-4249-8619-7DEAC9B3F4AC}" type="pres">
+      <dgm:prSet presAssocID="{587CFA3B-2DB6-4244-B659-70CA3A4B68E6}" presName="rootText" presStyleLbl="node4" presStyleIdx="1" presStyleCnt="15">
+        <dgm:presLayoutVars>
+          <dgm:chPref val="3"/>
+        </dgm:presLayoutVars>
+      </dgm:prSet>
+      <dgm:spPr/>
+    </dgm:pt>
+    <dgm:pt modelId="{91FD214F-52C3-4CD8-A0F7-C56112736D95}" type="pres">
+      <dgm:prSet presAssocID="{587CFA3B-2DB6-4244-B659-70CA3A4B68E6}" presName="rootConnector" presStyleLbl="node4" presStyleIdx="1" presStyleCnt="15"/>
+      <dgm:spPr/>
+    </dgm:pt>
+    <dgm:pt modelId="{7F7D60BE-EB21-44A7-BBB4-DA1F8B36F377}" type="pres">
+      <dgm:prSet presAssocID="{587CFA3B-2DB6-4244-B659-70CA3A4B68E6}" presName="hierChild4" presStyleCnt="0"/>
+      <dgm:spPr/>
+    </dgm:pt>
+    <dgm:pt modelId="{E8D75199-0018-4606-B178-61F9E8C5F248}" type="pres">
+      <dgm:prSet presAssocID="{587CFA3B-2DB6-4244-B659-70CA3A4B68E6}" presName="hierChild5" presStyleCnt="0"/>
+      <dgm:spPr/>
+    </dgm:pt>
+    <dgm:pt modelId="{77183139-AE6C-4E4C-AED9-06234DDFC9E6}" type="pres">
+      <dgm:prSet presAssocID="{6E90E081-17D2-4DB6-964E-F829A6420723}" presName="Name64" presStyleLbl="parChTrans1D4" presStyleIdx="2" presStyleCnt="15"/>
+      <dgm:spPr/>
+    </dgm:pt>
+    <dgm:pt modelId="{9DAFD8ED-1488-4685-A3E9-502678A760DF}" type="pres">
+      <dgm:prSet presAssocID="{3DC0EC9D-2C36-403E-844C-45FCE634C604}" presName="hierRoot2" presStyleCnt="0">
+        <dgm:presLayoutVars>
+          <dgm:hierBranch val="init"/>
+        </dgm:presLayoutVars>
+      </dgm:prSet>
+      <dgm:spPr/>
+    </dgm:pt>
+    <dgm:pt modelId="{C81E209A-3435-4979-B1E7-82A0EA38A70B}" type="pres">
+      <dgm:prSet presAssocID="{3DC0EC9D-2C36-403E-844C-45FCE634C604}" presName="rootComposite" presStyleCnt="0"/>
+      <dgm:spPr/>
+    </dgm:pt>
+    <dgm:pt modelId="{ED01E830-5CD4-4587-BBCD-3F9DFAC5C74A}" type="pres">
+      <dgm:prSet presAssocID="{3DC0EC9D-2C36-403E-844C-45FCE634C604}" presName="rootText" presStyleLbl="node4" presStyleIdx="2" presStyleCnt="15">
+        <dgm:presLayoutVars>
+          <dgm:chPref val="3"/>
+        </dgm:presLayoutVars>
+      </dgm:prSet>
+      <dgm:spPr/>
+    </dgm:pt>
+    <dgm:pt modelId="{0992DE5F-2314-458B-86AF-58539DDDC9E8}" type="pres">
+      <dgm:prSet presAssocID="{3DC0EC9D-2C36-403E-844C-45FCE634C604}" presName="rootConnector" presStyleLbl="node4" presStyleIdx="2" presStyleCnt="15"/>
+      <dgm:spPr/>
+    </dgm:pt>
+    <dgm:pt modelId="{417227A2-81E0-49BD-8D84-612C4780F091}" type="pres">
+      <dgm:prSet presAssocID="{3DC0EC9D-2C36-403E-844C-45FCE634C604}" presName="hierChild4" presStyleCnt="0"/>
+      <dgm:spPr/>
+    </dgm:pt>
+    <dgm:pt modelId="{E4FBEFBC-9C02-4BC2-8552-66F85080F812}" type="pres">
+      <dgm:prSet presAssocID="{3DC0EC9D-2C36-403E-844C-45FCE634C604}" presName="hierChild5" presStyleCnt="0"/>
+      <dgm:spPr/>
+    </dgm:pt>
+    <dgm:pt modelId="{F07DB19B-A33C-4541-AA86-066D1201C0D4}" type="pres">
+      <dgm:prSet presAssocID="{BBF56B6D-85C8-47AF-B795-FBFE82A205E7}" presName="Name64" presStyleLbl="parChTrans1D4" presStyleIdx="3" presStyleCnt="15"/>
+      <dgm:spPr/>
+    </dgm:pt>
+    <dgm:pt modelId="{47A21927-0FE8-4DBD-AD8D-69142217978C}" type="pres">
+      <dgm:prSet presAssocID="{40D5D283-306E-4C98-8AF3-EBD275C6A1FB}" presName="hierRoot2" presStyleCnt="0">
+        <dgm:presLayoutVars>
+          <dgm:hierBranch val="init"/>
+        </dgm:presLayoutVars>
+      </dgm:prSet>
+      <dgm:spPr/>
+    </dgm:pt>
+    <dgm:pt modelId="{3E3F4B36-88C2-4C70-9C58-9242E432A39F}" type="pres">
+      <dgm:prSet presAssocID="{40D5D283-306E-4C98-8AF3-EBD275C6A1FB}" presName="rootComposite" presStyleCnt="0"/>
+      <dgm:spPr/>
+    </dgm:pt>
+    <dgm:pt modelId="{4C0F66A5-828D-4B97-94EB-E01128D5711A}" type="pres">
+      <dgm:prSet presAssocID="{40D5D283-306E-4C98-8AF3-EBD275C6A1FB}" presName="rootText" presStyleLbl="node4" presStyleIdx="3" presStyleCnt="15">
+        <dgm:presLayoutVars>
+          <dgm:chPref val="3"/>
+        </dgm:presLayoutVars>
+      </dgm:prSet>
+      <dgm:spPr/>
+    </dgm:pt>
+    <dgm:pt modelId="{48039BDE-D732-4560-8DD7-C060C108D1FA}" type="pres">
+      <dgm:prSet presAssocID="{40D5D283-306E-4C98-8AF3-EBD275C6A1FB}" presName="rootConnector" presStyleLbl="node4" presStyleIdx="3" presStyleCnt="15"/>
+      <dgm:spPr/>
+    </dgm:pt>
+    <dgm:pt modelId="{1C8B7F11-EA13-43B1-8E0F-771C101D17D9}" type="pres">
+      <dgm:prSet presAssocID="{40D5D283-306E-4C98-8AF3-EBD275C6A1FB}" presName="hierChild4" presStyleCnt="0"/>
+      <dgm:spPr/>
+    </dgm:pt>
+    <dgm:pt modelId="{35B18943-8EF4-457B-BDEF-CE8D731096EB}" type="pres">
+      <dgm:prSet presAssocID="{40D5D283-306E-4C98-8AF3-EBD275C6A1FB}" presName="hierChild5" presStyleCnt="0"/>
+      <dgm:spPr/>
+    </dgm:pt>
+    <dgm:pt modelId="{9750DCCE-3D2E-48F2-B143-93038E058136}" type="pres">
+      <dgm:prSet presAssocID="{FB0755F6-96C2-4637-A601-17649C1EF687}" presName="Name64" presStyleLbl="parChTrans1D4" presStyleIdx="4" presStyleCnt="15"/>
+      <dgm:spPr/>
+    </dgm:pt>
+    <dgm:pt modelId="{15D5D52E-ADB2-4505-AA70-D34FC982362A}" type="pres">
+      <dgm:prSet presAssocID="{A07A6C24-4CBB-4578-A220-F689AB3AA831}" presName="hierRoot2" presStyleCnt="0">
+        <dgm:presLayoutVars>
+          <dgm:hierBranch val="init"/>
+        </dgm:presLayoutVars>
+      </dgm:prSet>
+      <dgm:spPr/>
+    </dgm:pt>
+    <dgm:pt modelId="{B6992D9C-7C6A-4449-84F7-6A4AED07A405}" type="pres">
+      <dgm:prSet presAssocID="{A07A6C24-4CBB-4578-A220-F689AB3AA831}" presName="rootComposite" presStyleCnt="0"/>
+      <dgm:spPr/>
+    </dgm:pt>
+    <dgm:pt modelId="{2D85DA3E-2AD5-437C-9FB2-E0FF5533308B}" type="pres">
+      <dgm:prSet presAssocID="{A07A6C24-4CBB-4578-A220-F689AB3AA831}" presName="rootText" presStyleLbl="node4" presStyleIdx="4" presStyleCnt="15">
+        <dgm:presLayoutVars>
+          <dgm:chPref val="3"/>
+        </dgm:presLayoutVars>
+      </dgm:prSet>
+      <dgm:spPr/>
+    </dgm:pt>
+    <dgm:pt modelId="{C0930655-F69D-42EB-9658-FB0CC4189C5A}" type="pres">
+      <dgm:prSet presAssocID="{A07A6C24-4CBB-4578-A220-F689AB3AA831}" presName="rootConnector" presStyleLbl="node4" presStyleIdx="4" presStyleCnt="15"/>
+      <dgm:spPr/>
+    </dgm:pt>
+    <dgm:pt modelId="{564BF09B-5DE0-46F7-A39E-B91C70FFF77E}" type="pres">
+      <dgm:prSet presAssocID="{A07A6C24-4CBB-4578-A220-F689AB3AA831}" presName="hierChild4" presStyleCnt="0"/>
+      <dgm:spPr/>
+    </dgm:pt>
+    <dgm:pt modelId="{343A4A71-F53F-4F18-A6BE-C4D6DD2A65F8}" type="pres">
+      <dgm:prSet presAssocID="{A07A6C24-4CBB-4578-A220-F689AB3AA831}" presName="hierChild5" presStyleCnt="0"/>
+      <dgm:spPr/>
+    </dgm:pt>
+    <dgm:pt modelId="{5379D924-0B1C-4E58-A297-201506EF65BE}" type="pres">
+      <dgm:prSet presAssocID="{1EA563DB-0F53-4274-ADAC-F8FAF40CEFF1}" presName="hierChild5" presStyleCnt="0"/>
+      <dgm:spPr/>
+    </dgm:pt>
+    <dgm:pt modelId="{52029C8B-C3BD-4BD0-B38E-B8B4484407B6}" type="pres">
+      <dgm:prSet presAssocID="{D0C1AC0F-8C3D-4C25-A7DA-93D288AA5C1E}" presName="hierChild5" presStyleCnt="0"/>
+      <dgm:spPr/>
+    </dgm:pt>
+    <dgm:pt modelId="{BB367944-1515-4403-8567-12A51F5B74F0}" type="pres">
+      <dgm:prSet presAssocID="{323816F0-CBF4-4B36-BEC8-1285DBC58A2F}" presName="Name64" presStyleLbl="parChTrans1D3" presStyleIdx="1" presStyleCnt="3"/>
+      <dgm:spPr/>
+    </dgm:pt>
+    <dgm:pt modelId="{63A3A5A9-9BA5-4EBB-A768-9946BE3CCD39}" type="pres">
+      <dgm:prSet presAssocID="{6E3F4212-B538-4327-A396-CF61A2F699CF}" presName="hierRoot2" presStyleCnt="0">
+        <dgm:presLayoutVars>
+          <dgm:hierBranch val="init"/>
+        </dgm:presLayoutVars>
+      </dgm:prSet>
+      <dgm:spPr/>
+    </dgm:pt>
+    <dgm:pt modelId="{D4776D21-93FC-4E1D-929D-1CE66997D192}" type="pres">
+      <dgm:prSet presAssocID="{6E3F4212-B538-4327-A396-CF61A2F699CF}" presName="rootComposite" presStyleCnt="0"/>
+      <dgm:spPr/>
+    </dgm:pt>
+    <dgm:pt modelId="{CCA73D84-50BF-4B5D-B6F1-596628F2F848}" type="pres">
+      <dgm:prSet presAssocID="{6E3F4212-B538-4327-A396-CF61A2F699CF}" presName="rootText" presStyleLbl="node3" presStyleIdx="1" presStyleCnt="3">
+        <dgm:presLayoutVars>
+          <dgm:chPref val="3"/>
+        </dgm:presLayoutVars>
+      </dgm:prSet>
+      <dgm:spPr/>
+    </dgm:pt>
+    <dgm:pt modelId="{8BEF24EE-7E4B-47DF-979A-63DEBF1B8363}" type="pres">
+      <dgm:prSet presAssocID="{6E3F4212-B538-4327-A396-CF61A2F699CF}" presName="rootConnector" presStyleLbl="node3" presStyleIdx="1" presStyleCnt="3"/>
+      <dgm:spPr/>
+    </dgm:pt>
+    <dgm:pt modelId="{7517FC52-BFC0-4B7D-9FC4-0C57F36EE9A9}" type="pres">
+      <dgm:prSet presAssocID="{6E3F4212-B538-4327-A396-CF61A2F699CF}" presName="hierChild4" presStyleCnt="0"/>
+      <dgm:spPr/>
+    </dgm:pt>
+    <dgm:pt modelId="{4C4DB42D-37AC-45E8-B85B-01DDCE93118B}" type="pres">
+      <dgm:prSet presAssocID="{625B8628-A617-4B3B-AC76-B9FE4160B8F9}" presName="Name64" presStyleLbl="parChTrans1D4" presStyleIdx="5" presStyleCnt="15"/>
+      <dgm:spPr/>
+    </dgm:pt>
+    <dgm:pt modelId="{87A55416-8344-488B-8544-BFDB9530B0F5}" type="pres">
+      <dgm:prSet presAssocID="{EC4D70EC-2F0A-40F3-AD45-D08535D9B03F}" presName="hierRoot2" presStyleCnt="0">
+        <dgm:presLayoutVars>
+          <dgm:hierBranch val="init"/>
+        </dgm:presLayoutVars>
+      </dgm:prSet>
+      <dgm:spPr/>
+    </dgm:pt>
+    <dgm:pt modelId="{718E3D12-C63A-4C6E-84FA-B865E50EB4D5}" type="pres">
+      <dgm:prSet presAssocID="{EC4D70EC-2F0A-40F3-AD45-D08535D9B03F}" presName="rootComposite" presStyleCnt="0"/>
+      <dgm:spPr/>
+    </dgm:pt>
+    <dgm:pt modelId="{D73092D4-BA71-4E3F-AA4C-71057F1B3FA8}" type="pres">
+      <dgm:prSet presAssocID="{EC4D70EC-2F0A-40F3-AD45-D08535D9B03F}" presName="rootText" presStyleLbl="node4" presStyleIdx="5" presStyleCnt="15">
+        <dgm:presLayoutVars>
+          <dgm:chPref val="3"/>
+        </dgm:presLayoutVars>
+      </dgm:prSet>
+      <dgm:spPr/>
+    </dgm:pt>
+    <dgm:pt modelId="{4A018C5B-8049-4143-ADD5-9F0164B2DBDE}" type="pres">
+      <dgm:prSet presAssocID="{EC4D70EC-2F0A-40F3-AD45-D08535D9B03F}" presName="rootConnector" presStyleLbl="node4" presStyleIdx="5" presStyleCnt="15"/>
+      <dgm:spPr/>
+    </dgm:pt>
+    <dgm:pt modelId="{ED26CA14-A3BE-4BC5-9BFF-47919A2F0AD9}" type="pres">
+      <dgm:prSet presAssocID="{EC4D70EC-2F0A-40F3-AD45-D08535D9B03F}" presName="hierChild4" presStyleCnt="0"/>
+      <dgm:spPr/>
+    </dgm:pt>
+    <dgm:pt modelId="{7BEAD802-C1A9-4DBE-8C7C-EAE4A073D47A}" type="pres">
+      <dgm:prSet presAssocID="{03743ED5-C6CE-453B-9D6A-57F7109A8A47}" presName="Name64" presStyleLbl="parChTrans1D4" presStyleIdx="6" presStyleCnt="15"/>
+      <dgm:spPr/>
+    </dgm:pt>
+    <dgm:pt modelId="{F61F5F2A-9213-4CC6-BBF0-C649D99856A5}" type="pres">
+      <dgm:prSet presAssocID="{37914482-29F0-4C14-8D2C-BC7E03B43B82}" presName="hierRoot2" presStyleCnt="0">
+        <dgm:presLayoutVars>
+          <dgm:hierBranch val="init"/>
+        </dgm:presLayoutVars>
+      </dgm:prSet>
+      <dgm:spPr/>
+    </dgm:pt>
+    <dgm:pt modelId="{E812A87B-0C49-4B1B-B154-9ADA953D71B7}" type="pres">
+      <dgm:prSet presAssocID="{37914482-29F0-4C14-8D2C-BC7E03B43B82}" presName="rootComposite" presStyleCnt="0"/>
+      <dgm:spPr/>
+    </dgm:pt>
+    <dgm:pt modelId="{3EF766ED-C86D-4E78-A551-C2AFF2EE2AB5}" type="pres">
+      <dgm:prSet presAssocID="{37914482-29F0-4C14-8D2C-BC7E03B43B82}" presName="rootText" presStyleLbl="node4" presStyleIdx="6" presStyleCnt="15">
+        <dgm:presLayoutVars>
+          <dgm:chPref val="3"/>
+        </dgm:presLayoutVars>
+      </dgm:prSet>
+      <dgm:spPr/>
+    </dgm:pt>
+    <dgm:pt modelId="{459B57F4-FDEC-4392-91A6-5E40CD9D97D8}" type="pres">
+      <dgm:prSet presAssocID="{37914482-29F0-4C14-8D2C-BC7E03B43B82}" presName="rootConnector" presStyleLbl="node4" presStyleIdx="6" presStyleCnt="15"/>
+      <dgm:spPr/>
+    </dgm:pt>
+    <dgm:pt modelId="{BE872E0C-BED6-4879-BB19-84D261D78CD2}" type="pres">
+      <dgm:prSet presAssocID="{37914482-29F0-4C14-8D2C-BC7E03B43B82}" presName="hierChild4" presStyleCnt="0"/>
+      <dgm:spPr/>
+    </dgm:pt>
+    <dgm:pt modelId="{6C2A2178-6057-46E6-981A-103349BBB525}" type="pres">
+      <dgm:prSet presAssocID="{37914482-29F0-4C14-8D2C-BC7E03B43B82}" presName="hierChild5" presStyleCnt="0"/>
+      <dgm:spPr/>
+    </dgm:pt>
+    <dgm:pt modelId="{71F78C8E-199B-46B9-B255-7CF28F0810AF}" type="pres">
+      <dgm:prSet presAssocID="{E7645B51-F9A9-442B-8738-94BD71F1306B}" presName="Name64" presStyleLbl="parChTrans1D4" presStyleIdx="7" presStyleCnt="15"/>
+      <dgm:spPr/>
+    </dgm:pt>
+    <dgm:pt modelId="{CC5978EB-8BEF-4640-BC5A-4BFB5D880218}" type="pres">
+      <dgm:prSet presAssocID="{9A33B5EB-7DEE-4987-BD16-53A72D4B47C8}" presName="hierRoot2" presStyleCnt="0">
+        <dgm:presLayoutVars>
+          <dgm:hierBranch val="init"/>
+        </dgm:presLayoutVars>
+      </dgm:prSet>
+      <dgm:spPr/>
+    </dgm:pt>
+    <dgm:pt modelId="{351A45A5-84BC-4078-9C1F-19D67412DACE}" type="pres">
+      <dgm:prSet presAssocID="{9A33B5EB-7DEE-4987-BD16-53A72D4B47C8}" presName="rootComposite" presStyleCnt="0"/>
+      <dgm:spPr/>
+    </dgm:pt>
+    <dgm:pt modelId="{1F45249C-674B-4770-9D68-46813EEC5775}" type="pres">
+      <dgm:prSet presAssocID="{9A33B5EB-7DEE-4987-BD16-53A72D4B47C8}" presName="rootText" presStyleLbl="node4" presStyleIdx="7" presStyleCnt="15">
+        <dgm:presLayoutVars>
+          <dgm:chPref val="3"/>
+        </dgm:presLayoutVars>
+      </dgm:prSet>
+      <dgm:spPr/>
+    </dgm:pt>
+    <dgm:pt modelId="{62917DCB-07C9-4933-9914-BB1BAC5EAAA8}" type="pres">
+      <dgm:prSet presAssocID="{9A33B5EB-7DEE-4987-BD16-53A72D4B47C8}" presName="rootConnector" presStyleLbl="node4" presStyleIdx="7" presStyleCnt="15"/>
+      <dgm:spPr/>
+    </dgm:pt>
+    <dgm:pt modelId="{5BB11998-A93E-4C57-833E-B12E18C707BC}" type="pres">
+      <dgm:prSet presAssocID="{9A33B5EB-7DEE-4987-BD16-53A72D4B47C8}" presName="hierChild4" presStyleCnt="0"/>
+      <dgm:spPr/>
+    </dgm:pt>
+    <dgm:pt modelId="{4680C51D-505D-4C8C-8D03-D3306AB84632}" type="pres">
+      <dgm:prSet presAssocID="{9A33B5EB-7DEE-4987-BD16-53A72D4B47C8}" presName="hierChild5" presStyleCnt="0"/>
+      <dgm:spPr/>
+    </dgm:pt>
+    <dgm:pt modelId="{23608F4A-3682-419A-8845-4CA563A2227A}" type="pres">
+      <dgm:prSet presAssocID="{E7BC0433-93B9-491E-AB71-B9C9314F9E56}" presName="Name64" presStyleLbl="parChTrans1D4" presStyleIdx="8" presStyleCnt="15"/>
+      <dgm:spPr/>
+    </dgm:pt>
+    <dgm:pt modelId="{EDB6ACAB-0C25-4573-97FB-B6F67E59199E}" type="pres">
+      <dgm:prSet presAssocID="{558A462C-14D6-4AFB-BD5C-BA4A1B0AD1A4}" presName="hierRoot2" presStyleCnt="0">
+        <dgm:presLayoutVars>
+          <dgm:hierBranch val="init"/>
+        </dgm:presLayoutVars>
+      </dgm:prSet>
+      <dgm:spPr/>
+    </dgm:pt>
+    <dgm:pt modelId="{73F324D3-65DB-4FC2-8BA0-FBB897D988D4}" type="pres">
+      <dgm:prSet presAssocID="{558A462C-14D6-4AFB-BD5C-BA4A1B0AD1A4}" presName="rootComposite" presStyleCnt="0"/>
+      <dgm:spPr/>
+    </dgm:pt>
+    <dgm:pt modelId="{649C8F08-39E4-45DC-8D1A-34A2FCD823BE}" type="pres">
+      <dgm:prSet presAssocID="{558A462C-14D6-4AFB-BD5C-BA4A1B0AD1A4}" presName="rootText" presStyleLbl="node4" presStyleIdx="8" presStyleCnt="15">
+        <dgm:presLayoutVars>
+          <dgm:chPref val="3"/>
+        </dgm:presLayoutVars>
+      </dgm:prSet>
+      <dgm:spPr/>
+    </dgm:pt>
+    <dgm:pt modelId="{18EDF6E5-B3BB-4B9B-B600-5FFDA4758340}" type="pres">
+      <dgm:prSet presAssocID="{558A462C-14D6-4AFB-BD5C-BA4A1B0AD1A4}" presName="rootConnector" presStyleLbl="node4" presStyleIdx="8" presStyleCnt="15"/>
+      <dgm:spPr/>
+    </dgm:pt>
+    <dgm:pt modelId="{0BF889F0-3E3D-4767-97C7-74D300929193}" type="pres">
+      <dgm:prSet presAssocID="{558A462C-14D6-4AFB-BD5C-BA4A1B0AD1A4}" presName="hierChild4" presStyleCnt="0"/>
+      <dgm:spPr/>
+    </dgm:pt>
+    <dgm:pt modelId="{8F7CCB83-1E8C-42EA-AEA8-E56DAAF13AFF}" type="pres">
+      <dgm:prSet presAssocID="{558A462C-14D6-4AFB-BD5C-BA4A1B0AD1A4}" presName="hierChild5" presStyleCnt="0"/>
+      <dgm:spPr/>
+    </dgm:pt>
+    <dgm:pt modelId="{6C2D0B5C-D7C4-49A4-9B97-4B3C2659ADE1}" type="pres">
+      <dgm:prSet presAssocID="{1295F9C2-41E9-4628-9365-B8F82D298D35}" presName="Name64" presStyleLbl="parChTrans1D4" presStyleIdx="9" presStyleCnt="15"/>
+      <dgm:spPr/>
+    </dgm:pt>
+    <dgm:pt modelId="{57D92EA6-2599-4EB3-AFBD-66B282F048E4}" type="pres">
+      <dgm:prSet presAssocID="{3D4E1CB2-2352-492C-B27C-530AD68E2C05}" presName="hierRoot2" presStyleCnt="0">
+        <dgm:presLayoutVars>
+          <dgm:hierBranch val="init"/>
+        </dgm:presLayoutVars>
+      </dgm:prSet>
+      <dgm:spPr/>
+    </dgm:pt>
+    <dgm:pt modelId="{5AD449E9-D60B-4481-9EA1-11C8A15181EE}" type="pres">
+      <dgm:prSet presAssocID="{3D4E1CB2-2352-492C-B27C-530AD68E2C05}" presName="rootComposite" presStyleCnt="0"/>
+      <dgm:spPr/>
+    </dgm:pt>
+    <dgm:pt modelId="{2EC03172-3EDA-4029-B1FA-F0AE4E758314}" type="pres">
+      <dgm:prSet presAssocID="{3D4E1CB2-2352-492C-B27C-530AD68E2C05}" presName="rootText" presStyleLbl="node4" presStyleIdx="9" presStyleCnt="15">
+        <dgm:presLayoutVars>
+          <dgm:chPref val="3"/>
+        </dgm:presLayoutVars>
+      </dgm:prSet>
+      <dgm:spPr/>
+    </dgm:pt>
+    <dgm:pt modelId="{16EF2B90-71C1-4BD8-8195-01494C14AF98}" type="pres">
+      <dgm:prSet presAssocID="{3D4E1CB2-2352-492C-B27C-530AD68E2C05}" presName="rootConnector" presStyleLbl="node4" presStyleIdx="9" presStyleCnt="15"/>
+      <dgm:spPr/>
+    </dgm:pt>
+    <dgm:pt modelId="{11EEAEA1-2347-4AE1-BD94-FDD19839BF75}" type="pres">
+      <dgm:prSet presAssocID="{3D4E1CB2-2352-492C-B27C-530AD68E2C05}" presName="hierChild4" presStyleCnt="0"/>
+      <dgm:spPr/>
+    </dgm:pt>
+    <dgm:pt modelId="{F753F586-23E8-455C-9334-D7C2A63C33C0}" type="pres">
+      <dgm:prSet presAssocID="{3D4E1CB2-2352-492C-B27C-530AD68E2C05}" presName="hierChild5" presStyleCnt="0"/>
+      <dgm:spPr/>
+    </dgm:pt>
+    <dgm:pt modelId="{3BB0F31B-8AB2-4BEC-BD63-A419D52A2CD2}" type="pres">
+      <dgm:prSet presAssocID="{EC4D70EC-2F0A-40F3-AD45-D08535D9B03F}" presName="hierChild5" presStyleCnt="0"/>
+      <dgm:spPr/>
+    </dgm:pt>
+    <dgm:pt modelId="{61955F8F-659A-40FE-946D-BF72379AC7F4}" type="pres">
+      <dgm:prSet presAssocID="{6E3F4212-B538-4327-A396-CF61A2F699CF}" presName="hierChild5" presStyleCnt="0"/>
+      <dgm:spPr/>
+    </dgm:pt>
+    <dgm:pt modelId="{7AE11383-E8EA-4919-8B4D-D8B5DBB44277}" type="pres">
+      <dgm:prSet presAssocID="{9D98D1AB-B4EC-47B2-A8A8-89439F311483}" presName="Name64" presStyleLbl="parChTrans1D3" presStyleIdx="2" presStyleCnt="3"/>
+      <dgm:spPr/>
+    </dgm:pt>
+    <dgm:pt modelId="{2A2DA77F-C43F-4BA1-B912-A4892A23766F}" type="pres">
+      <dgm:prSet presAssocID="{479B221C-9001-4B48-9D13-683F8FB0468C}" presName="hierRoot2" presStyleCnt="0">
+        <dgm:presLayoutVars>
+          <dgm:hierBranch val="init"/>
+        </dgm:presLayoutVars>
+      </dgm:prSet>
+      <dgm:spPr/>
+    </dgm:pt>
+    <dgm:pt modelId="{A58F36A1-B9C7-47FA-9019-64939DDF4CD4}" type="pres">
+      <dgm:prSet presAssocID="{479B221C-9001-4B48-9D13-683F8FB0468C}" presName="rootComposite" presStyleCnt="0"/>
+      <dgm:spPr/>
+    </dgm:pt>
+    <dgm:pt modelId="{E76EBBED-AE38-42FC-B9F2-8CE70B033AB2}" type="pres">
+      <dgm:prSet presAssocID="{479B221C-9001-4B48-9D13-683F8FB0468C}" presName="rootText" presStyleLbl="node3" presStyleIdx="2" presStyleCnt="3">
+        <dgm:presLayoutVars>
+          <dgm:chPref val="3"/>
+        </dgm:presLayoutVars>
+      </dgm:prSet>
+      <dgm:spPr/>
+    </dgm:pt>
+    <dgm:pt modelId="{CC3D78FF-A7C1-4C4C-A017-DB4BAD507566}" type="pres">
+      <dgm:prSet presAssocID="{479B221C-9001-4B48-9D13-683F8FB0468C}" presName="rootConnector" presStyleLbl="node3" presStyleIdx="2" presStyleCnt="3"/>
+      <dgm:spPr/>
+    </dgm:pt>
+    <dgm:pt modelId="{6952AFB4-7F73-43F1-A00F-97DE32992308}" type="pres">
+      <dgm:prSet presAssocID="{479B221C-9001-4B48-9D13-683F8FB0468C}" presName="hierChild4" presStyleCnt="0"/>
+      <dgm:spPr/>
+    </dgm:pt>
+    <dgm:pt modelId="{55C97E80-6B4D-43E9-9130-237C8A683D9A}" type="pres">
+      <dgm:prSet presAssocID="{D3D56063-9C2B-4EBA-8109-23DF575F8D41}" presName="Name64" presStyleLbl="parChTrans1D4" presStyleIdx="10" presStyleCnt="15"/>
+      <dgm:spPr/>
+    </dgm:pt>
+    <dgm:pt modelId="{AEB315A3-943F-4344-A5BD-99F5835851BD}" type="pres">
+      <dgm:prSet presAssocID="{941EBA72-401B-4EC2-B6E9-3E9DE5222FA1}" presName="hierRoot2" presStyleCnt="0">
+        <dgm:presLayoutVars>
+          <dgm:hierBranch val="init"/>
+        </dgm:presLayoutVars>
+      </dgm:prSet>
+      <dgm:spPr/>
+    </dgm:pt>
+    <dgm:pt modelId="{7EE10F13-9DC7-4914-8AC6-C138BAED83BD}" type="pres">
+      <dgm:prSet presAssocID="{941EBA72-401B-4EC2-B6E9-3E9DE5222FA1}" presName="rootComposite" presStyleCnt="0"/>
+      <dgm:spPr/>
+    </dgm:pt>
+    <dgm:pt modelId="{C61E72F6-F573-484E-A5B6-494AAD96F2CE}" type="pres">
+      <dgm:prSet presAssocID="{941EBA72-401B-4EC2-B6E9-3E9DE5222FA1}" presName="rootText" presStyleLbl="node4" presStyleIdx="10" presStyleCnt="15">
+        <dgm:presLayoutVars>
+          <dgm:chPref val="3"/>
+        </dgm:presLayoutVars>
+      </dgm:prSet>
+      <dgm:spPr/>
+    </dgm:pt>
+    <dgm:pt modelId="{F0188473-772A-4104-8E34-AB84C76AE283}" type="pres">
+      <dgm:prSet presAssocID="{941EBA72-401B-4EC2-B6E9-3E9DE5222FA1}" presName="rootConnector" presStyleLbl="node4" presStyleIdx="10" presStyleCnt="15"/>
+      <dgm:spPr/>
+    </dgm:pt>
+    <dgm:pt modelId="{A7EFB954-0A71-4326-9C1B-26F9544E1599}" type="pres">
+      <dgm:prSet presAssocID="{941EBA72-401B-4EC2-B6E9-3E9DE5222FA1}" presName="hierChild4" presStyleCnt="0"/>
+      <dgm:spPr/>
+    </dgm:pt>
+    <dgm:pt modelId="{5345A8FD-AE55-4948-AD77-AD70D9A12CF2}" type="pres">
+      <dgm:prSet presAssocID="{FB8C566A-89AE-46A4-BA63-0305EEB8910D}" presName="Name64" presStyleLbl="parChTrans1D4" presStyleIdx="11" presStyleCnt="15"/>
+      <dgm:spPr/>
+    </dgm:pt>
+    <dgm:pt modelId="{245E68CC-74D1-4D77-8447-40CDE63602F2}" type="pres">
+      <dgm:prSet presAssocID="{293EA856-3521-423E-82F1-D2F16CC520E2}" presName="hierRoot2" presStyleCnt="0">
+        <dgm:presLayoutVars>
+          <dgm:hierBranch val="init"/>
+        </dgm:presLayoutVars>
+      </dgm:prSet>
+      <dgm:spPr/>
+    </dgm:pt>
+    <dgm:pt modelId="{878D0CB8-E919-4587-BCAC-D2A468451393}" type="pres">
+      <dgm:prSet presAssocID="{293EA856-3521-423E-82F1-D2F16CC520E2}" presName="rootComposite" presStyleCnt="0"/>
+      <dgm:spPr/>
+    </dgm:pt>
+    <dgm:pt modelId="{61AE838E-3237-4612-82F3-7EF4F53B5B4F}" type="pres">
+      <dgm:prSet presAssocID="{293EA856-3521-423E-82F1-D2F16CC520E2}" presName="rootText" presStyleLbl="node4" presStyleIdx="11" presStyleCnt="15">
+        <dgm:presLayoutVars>
+          <dgm:chPref val="3"/>
+        </dgm:presLayoutVars>
+      </dgm:prSet>
+      <dgm:spPr/>
+    </dgm:pt>
+    <dgm:pt modelId="{8C7760D2-C881-4B4D-964D-B8ECFB6364EE}" type="pres">
+      <dgm:prSet presAssocID="{293EA856-3521-423E-82F1-D2F16CC520E2}" presName="rootConnector" presStyleLbl="node4" presStyleIdx="11" presStyleCnt="15"/>
+      <dgm:spPr/>
+    </dgm:pt>
+    <dgm:pt modelId="{147989CC-0FF3-4835-A87A-58D54323C3F2}" type="pres">
+      <dgm:prSet presAssocID="{293EA856-3521-423E-82F1-D2F16CC520E2}" presName="hierChild4" presStyleCnt="0"/>
+      <dgm:spPr/>
+    </dgm:pt>
+    <dgm:pt modelId="{9AD426CD-90E4-4A71-95DC-9E1CF99933E5}" type="pres">
+      <dgm:prSet presAssocID="{293EA856-3521-423E-82F1-D2F16CC520E2}" presName="hierChild5" presStyleCnt="0"/>
+      <dgm:spPr/>
+    </dgm:pt>
+    <dgm:pt modelId="{06D83AA1-5C52-41FB-819B-217AED942100}" type="pres">
+      <dgm:prSet presAssocID="{C52D1039-390F-4A01-98D7-75D0497203C7}" presName="Name64" presStyleLbl="parChTrans1D4" presStyleIdx="12" presStyleCnt="15"/>
+      <dgm:spPr/>
+    </dgm:pt>
+    <dgm:pt modelId="{9C91070B-59E4-431A-BFE9-EF86F505EF8B}" type="pres">
+      <dgm:prSet presAssocID="{EA5918EB-F834-4108-9AD4-0F43961FCAA4}" presName="hierRoot2" presStyleCnt="0">
+        <dgm:presLayoutVars>
+          <dgm:hierBranch val="init"/>
+        </dgm:presLayoutVars>
+      </dgm:prSet>
+      <dgm:spPr/>
+    </dgm:pt>
+    <dgm:pt modelId="{554156D4-6B54-474B-88F6-9CFAA723C8C7}" type="pres">
+      <dgm:prSet presAssocID="{EA5918EB-F834-4108-9AD4-0F43961FCAA4}" presName="rootComposite" presStyleCnt="0"/>
+      <dgm:spPr/>
+    </dgm:pt>
+    <dgm:pt modelId="{01F32913-C1CB-48D9-B572-D1A9ECF33D76}" type="pres">
+      <dgm:prSet presAssocID="{EA5918EB-F834-4108-9AD4-0F43961FCAA4}" presName="rootText" presStyleLbl="node4" presStyleIdx="12" presStyleCnt="15">
+        <dgm:presLayoutVars>
+          <dgm:chPref val="3"/>
+        </dgm:presLayoutVars>
+      </dgm:prSet>
+      <dgm:spPr/>
+    </dgm:pt>
+    <dgm:pt modelId="{50F43258-9948-4848-8CAC-7D21D5974619}" type="pres">
+      <dgm:prSet presAssocID="{EA5918EB-F834-4108-9AD4-0F43961FCAA4}" presName="rootConnector" presStyleLbl="node4" presStyleIdx="12" presStyleCnt="15"/>
+      <dgm:spPr/>
+    </dgm:pt>
+    <dgm:pt modelId="{4C37D351-8D4A-4FCA-AEBC-0546DDDCBA42}" type="pres">
+      <dgm:prSet presAssocID="{EA5918EB-F834-4108-9AD4-0F43961FCAA4}" presName="hierChild4" presStyleCnt="0"/>
+      <dgm:spPr/>
+    </dgm:pt>
+    <dgm:pt modelId="{288B965B-FE8B-416C-AB9C-C2D9B35984BF}" type="pres">
+      <dgm:prSet presAssocID="{EA5918EB-F834-4108-9AD4-0F43961FCAA4}" presName="hierChild5" presStyleCnt="0"/>
+      <dgm:spPr/>
+    </dgm:pt>
+    <dgm:pt modelId="{3352E14A-2E42-479D-BA88-10033A7A4036}" type="pres">
+      <dgm:prSet presAssocID="{0212CF7B-029B-4CA7-B9D8-446BE720545E}" presName="Name64" presStyleLbl="parChTrans1D4" presStyleIdx="13" presStyleCnt="15"/>
+      <dgm:spPr/>
+    </dgm:pt>
+    <dgm:pt modelId="{B37700F9-7ED0-4230-B2A2-2AE449374EA2}" type="pres">
+      <dgm:prSet presAssocID="{47D7E867-309F-4879-932C-BECC7300FB3C}" presName="hierRoot2" presStyleCnt="0">
+        <dgm:presLayoutVars>
+          <dgm:hierBranch val="init"/>
+        </dgm:presLayoutVars>
+      </dgm:prSet>
+      <dgm:spPr/>
+    </dgm:pt>
+    <dgm:pt modelId="{058FE91E-A7B4-4A83-AE41-AD13325A093D}" type="pres">
+      <dgm:prSet presAssocID="{47D7E867-309F-4879-932C-BECC7300FB3C}" presName="rootComposite" presStyleCnt="0"/>
+      <dgm:spPr/>
+    </dgm:pt>
+    <dgm:pt modelId="{ECADA862-2DE1-457D-A86A-FC01792E210C}" type="pres">
+      <dgm:prSet presAssocID="{47D7E867-309F-4879-932C-BECC7300FB3C}" presName="rootText" presStyleLbl="node4" presStyleIdx="13" presStyleCnt="15">
+        <dgm:presLayoutVars>
+          <dgm:chPref val="3"/>
+        </dgm:presLayoutVars>
+      </dgm:prSet>
+      <dgm:spPr/>
+    </dgm:pt>
+    <dgm:pt modelId="{526BCEE2-31DE-4B76-9078-FBACFB050B3E}" type="pres">
+      <dgm:prSet presAssocID="{47D7E867-309F-4879-932C-BECC7300FB3C}" presName="rootConnector" presStyleLbl="node4" presStyleIdx="13" presStyleCnt="15"/>
+      <dgm:spPr/>
+    </dgm:pt>
+    <dgm:pt modelId="{F57E0A96-5AAA-49C3-9062-99FAAAAAA10E}" type="pres">
+      <dgm:prSet presAssocID="{47D7E867-309F-4879-932C-BECC7300FB3C}" presName="hierChild4" presStyleCnt="0"/>
+      <dgm:spPr/>
+    </dgm:pt>
+    <dgm:pt modelId="{E0A2121A-57DA-4ACE-B33A-C2B1CF600627}" type="pres">
+      <dgm:prSet presAssocID="{47D7E867-309F-4879-932C-BECC7300FB3C}" presName="hierChild5" presStyleCnt="0"/>
+      <dgm:spPr/>
+    </dgm:pt>
+    <dgm:pt modelId="{8C33E78C-C6AD-4201-9C17-2E665A749952}" type="pres">
+      <dgm:prSet presAssocID="{E9F5F5F2-D4BF-4F84-9254-8C358B72D937}" presName="Name64" presStyleLbl="parChTrans1D4" presStyleIdx="14" presStyleCnt="15"/>
+      <dgm:spPr/>
+    </dgm:pt>
+    <dgm:pt modelId="{3778B356-1F1C-416C-BBCA-6023CF10AB27}" type="pres">
+      <dgm:prSet presAssocID="{1F93F391-2659-4E41-92C9-51A311E7B2DA}" presName="hierRoot2" presStyleCnt="0">
+        <dgm:presLayoutVars>
+          <dgm:hierBranch val="init"/>
+        </dgm:presLayoutVars>
+      </dgm:prSet>
+      <dgm:spPr/>
+    </dgm:pt>
+    <dgm:pt modelId="{32A34BE2-E83A-4F1A-8F1C-31F751985C86}" type="pres">
+      <dgm:prSet presAssocID="{1F93F391-2659-4E41-92C9-51A311E7B2DA}" presName="rootComposite" presStyleCnt="0"/>
+      <dgm:spPr/>
+    </dgm:pt>
+    <dgm:pt modelId="{8A534F18-EBD9-4255-ADD9-6E0C2AF5093A}" type="pres">
+      <dgm:prSet presAssocID="{1F93F391-2659-4E41-92C9-51A311E7B2DA}" presName="rootText" presStyleLbl="node4" presStyleIdx="14" presStyleCnt="15">
+        <dgm:presLayoutVars>
+          <dgm:chPref val="3"/>
+        </dgm:presLayoutVars>
+      </dgm:prSet>
+      <dgm:spPr/>
+    </dgm:pt>
+    <dgm:pt modelId="{59A6E8E8-7ADA-40D6-9808-616FDF164602}" type="pres">
+      <dgm:prSet presAssocID="{1F93F391-2659-4E41-92C9-51A311E7B2DA}" presName="rootConnector" presStyleLbl="node4" presStyleIdx="14" presStyleCnt="15"/>
+      <dgm:spPr/>
+    </dgm:pt>
+    <dgm:pt modelId="{511D4D7C-6F92-459A-8DF2-CEB965BF0D11}" type="pres">
+      <dgm:prSet presAssocID="{1F93F391-2659-4E41-92C9-51A311E7B2DA}" presName="hierChild4" presStyleCnt="0"/>
+      <dgm:spPr/>
+    </dgm:pt>
+    <dgm:pt modelId="{811B6E8E-20F6-478D-A90E-955CF612ABB4}" type="pres">
+      <dgm:prSet presAssocID="{1F93F391-2659-4E41-92C9-51A311E7B2DA}" presName="hierChild5" presStyleCnt="0"/>
+      <dgm:spPr/>
+    </dgm:pt>
+    <dgm:pt modelId="{E0E0F6BE-A140-4019-9F4A-D81CF6881272}" type="pres">
+      <dgm:prSet presAssocID="{941EBA72-401B-4EC2-B6E9-3E9DE5222FA1}" presName="hierChild5" presStyleCnt="0"/>
+      <dgm:spPr/>
+    </dgm:pt>
+    <dgm:pt modelId="{23120666-2BAD-4688-B93D-9F983C19AE4F}" type="pres">
+      <dgm:prSet presAssocID="{479B221C-9001-4B48-9D13-683F8FB0468C}" presName="hierChild5" presStyleCnt="0"/>
       <dgm:spPr/>
     </dgm:pt>
     <dgm:pt modelId="{4FFF544C-F91F-4EAE-A0AE-9D1374F3CEC7}" type="pres">
@@ -1934,22 +3126,86 @@
     </dgm:pt>
   </dgm:ptLst>
   <dgm:cxnLst>
+    <dgm:cxn modelId="{CBD2FD08-87AD-4A3B-BAF6-E810915EF65E}" srcId="{941EBA72-401B-4EC2-B6E9-3E9DE5222FA1}" destId="{1F93F391-2659-4E41-92C9-51A311E7B2DA}" srcOrd="3" destOrd="0" parTransId="{E9F5F5F2-D4BF-4F84-9254-8C358B72D937}" sibTransId="{87E00528-B43B-4B3D-86BD-8601C16026E7}"/>
+    <dgm:cxn modelId="{8DA6820A-9C46-4E7A-9813-156D761817F0}" type="presOf" srcId="{479B221C-9001-4B48-9D13-683F8FB0468C}" destId="{CC3D78FF-A7C1-4C4C-A017-DB4BAD507566}" srcOrd="1" destOrd="0" presId="urn:microsoft.com/office/officeart/2009/3/layout/HorizontalOrganizationChart"/>
     <dgm:cxn modelId="{6048C30B-E47C-4710-9273-DBBE429005D4}" type="presOf" srcId="{7E85E645-60AA-4011-90EE-3803CF83FB06}" destId="{739D003E-DBAC-47C8-A076-7AE9FA636BCF}" srcOrd="0" destOrd="0" presId="urn:microsoft.com/office/officeart/2009/3/layout/HorizontalOrganizationChart"/>
-    <dgm:cxn modelId="{C5DF8F3D-C33D-4287-8632-269F1428F2C4}" type="presOf" srcId="{E92C542D-9797-4A2D-8D36-525BEA920637}" destId="{41022CE7-061B-48EA-9CE3-E26765A0B25C}" srcOrd="0" destOrd="0" presId="urn:microsoft.com/office/officeart/2009/3/layout/HorizontalOrganizationChart"/>
-    <dgm:cxn modelId="{DA1AC35E-C661-46D2-AC7B-30453D6E098D}" srcId="{7E85E645-60AA-4011-90EE-3803CF83FB06}" destId="{85AD2AAC-FF82-477B-8D28-1515ED231F64}" srcOrd="1" destOrd="0" parTransId="{00059397-26F8-4CF7-9216-2A3D994A1830}" sibTransId="{F6499244-A54D-44C1-B5D9-AE3AC25D3BA0}"/>
+    <dgm:cxn modelId="{9690600F-CB28-4713-A950-B21090D2700F}" type="presOf" srcId="{479B221C-9001-4B48-9D13-683F8FB0468C}" destId="{E76EBBED-AE38-42FC-B9F2-8CE70B033AB2}" srcOrd="0" destOrd="0" presId="urn:microsoft.com/office/officeart/2009/3/layout/HorizontalOrganizationChart"/>
+    <dgm:cxn modelId="{6057D50F-E83C-4744-9A29-C92BBE1ED55B}" srcId="{7E85E645-60AA-4011-90EE-3803CF83FB06}" destId="{6E3F4212-B538-4327-A396-CF61A2F699CF}" srcOrd="1" destOrd="0" parTransId="{323816F0-CBF4-4B36-BEC8-1285DBC58A2F}" sibTransId="{7DF0A4C2-4091-48D5-9F5F-C0C34F61BB48}"/>
+    <dgm:cxn modelId="{856D4713-0869-4FF9-AE55-655F03C7222A}" type="presOf" srcId="{A07A6C24-4CBB-4578-A220-F689AB3AA831}" destId="{2D85DA3E-2AD5-437C-9FB2-E0FF5533308B}" srcOrd="0" destOrd="0" presId="urn:microsoft.com/office/officeart/2009/3/layout/HorizontalOrganizationChart"/>
+    <dgm:cxn modelId="{85BFF213-E509-42D9-BEF5-875E6B2AAFE6}" type="presOf" srcId="{0212CF7B-029B-4CA7-B9D8-446BE720545E}" destId="{3352E14A-2E42-479D-BA88-10033A7A4036}" srcOrd="0" destOrd="0" presId="urn:microsoft.com/office/officeart/2009/3/layout/HorizontalOrganizationChart"/>
+    <dgm:cxn modelId="{B4BEDC15-192E-40D7-AE28-3DDB25EFD6A7}" srcId="{1EA563DB-0F53-4274-ADAC-F8FAF40CEFF1}" destId="{40D5D283-306E-4C98-8AF3-EBD275C6A1FB}" srcOrd="2" destOrd="0" parTransId="{BBF56B6D-85C8-47AF-B795-FBFE82A205E7}" sibTransId="{E0075AE9-9491-4407-BCEF-882F96BB1F9B}"/>
+    <dgm:cxn modelId="{DC2F4418-7AC9-451B-8E9D-2E8DE5217796}" type="presOf" srcId="{E7645B51-F9A9-442B-8738-94BD71F1306B}" destId="{71F78C8E-199B-46B9-B255-7CF28F0810AF}" srcOrd="0" destOrd="0" presId="urn:microsoft.com/office/officeart/2009/3/layout/HorizontalOrganizationChart"/>
+    <dgm:cxn modelId="{8EF0A81B-BA42-4358-81E9-C2A5C9C9E62F}" srcId="{1EA563DB-0F53-4274-ADAC-F8FAF40CEFF1}" destId="{587CFA3B-2DB6-4244-B659-70CA3A4B68E6}" srcOrd="0" destOrd="0" parTransId="{20078690-DBF6-4642-8B66-1FE8CFB5BAD1}" sibTransId="{1129A550-F20D-4441-AF9B-AA9AE58C0577}"/>
+    <dgm:cxn modelId="{91D2AB1C-F1C3-42EF-8000-66AFC0E1CAD5}" type="presOf" srcId="{0F1B140D-2498-4DB1-8B8D-DFA2B5E9DAEE}" destId="{32BC3B8B-0EB8-43BE-8FE2-2A8B8D885834}" srcOrd="0" destOrd="0" presId="urn:microsoft.com/office/officeart/2009/3/layout/HorizontalOrganizationChart"/>
+    <dgm:cxn modelId="{809E921E-3098-4B1C-9114-701C1B716522}" type="presOf" srcId="{C52D1039-390F-4A01-98D7-75D0497203C7}" destId="{06D83AA1-5C52-41FB-819B-217AED942100}" srcOrd="0" destOrd="0" presId="urn:microsoft.com/office/officeart/2009/3/layout/HorizontalOrganizationChart"/>
+    <dgm:cxn modelId="{3D1BDA25-94F0-4CCC-B05E-D89E9363B520}" type="presOf" srcId="{587CFA3B-2DB6-4244-B659-70CA3A4B68E6}" destId="{91FD214F-52C3-4CD8-A0F7-C56112736D95}" srcOrd="1" destOrd="0" presId="urn:microsoft.com/office/officeart/2009/3/layout/HorizontalOrganizationChart"/>
+    <dgm:cxn modelId="{300B0F2A-B7FB-4EB9-B0BB-06C9AEE0C662}" type="presOf" srcId="{E9F5F5F2-D4BF-4F84-9254-8C358B72D937}" destId="{8C33E78C-C6AD-4201-9C17-2E665A749952}" srcOrd="0" destOrd="0" presId="urn:microsoft.com/office/officeart/2009/3/layout/HorizontalOrganizationChart"/>
+    <dgm:cxn modelId="{B955892B-F65E-4E0B-8764-BAC653A93EE5}" type="presOf" srcId="{3DC0EC9D-2C36-403E-844C-45FCE634C604}" destId="{0992DE5F-2314-458B-86AF-58539DDDC9E8}" srcOrd="1" destOrd="0" presId="urn:microsoft.com/office/officeart/2009/3/layout/HorizontalOrganizationChart"/>
+    <dgm:cxn modelId="{64EDC830-BC22-43FC-929D-2C356EB52681}" type="presOf" srcId="{EC4D70EC-2F0A-40F3-AD45-D08535D9B03F}" destId="{D73092D4-BA71-4E3F-AA4C-71057F1B3FA8}" srcOrd="0" destOrd="0" presId="urn:microsoft.com/office/officeart/2009/3/layout/HorizontalOrganizationChart"/>
+    <dgm:cxn modelId="{6C5CE432-92A9-4E1D-97CB-C94586C713E4}" type="presOf" srcId="{3D4E1CB2-2352-492C-B27C-530AD68E2C05}" destId="{16EF2B90-71C1-4BD8-8195-01494C14AF98}" srcOrd="1" destOrd="0" presId="urn:microsoft.com/office/officeart/2009/3/layout/HorizontalOrganizationChart"/>
+    <dgm:cxn modelId="{D1A99636-1EE4-44F3-B12C-47954D5F7253}" type="presOf" srcId="{37914482-29F0-4C14-8D2C-BC7E03B43B82}" destId="{3EF766ED-C86D-4E78-A551-C2AFF2EE2AB5}" srcOrd="0" destOrd="0" presId="urn:microsoft.com/office/officeart/2009/3/layout/HorizontalOrganizationChart"/>
+    <dgm:cxn modelId="{55283A3C-D0B3-487A-B46D-A0CF1B60EF7C}" srcId="{EC4D70EC-2F0A-40F3-AD45-D08535D9B03F}" destId="{9A33B5EB-7DEE-4987-BD16-53A72D4B47C8}" srcOrd="1" destOrd="0" parTransId="{E7645B51-F9A9-442B-8738-94BD71F1306B}" sibTransId="{18E57682-6458-407D-915C-94A52CE2E57A}"/>
+    <dgm:cxn modelId="{117CF260-C2D5-4E8E-9636-0D74EA1099A1}" type="presOf" srcId="{47D7E867-309F-4879-932C-BECC7300FB3C}" destId="{ECADA862-2DE1-457D-A86A-FC01792E210C}" srcOrd="0" destOrd="0" presId="urn:microsoft.com/office/officeart/2009/3/layout/HorizontalOrganizationChart"/>
+    <dgm:cxn modelId="{000FF761-4660-4BA3-AF6D-8D38D0671018}" type="presOf" srcId="{3DC0EC9D-2C36-403E-844C-45FCE634C604}" destId="{ED01E830-5CD4-4587-BBCD-3F9DFAC5C74A}" srcOrd="0" destOrd="0" presId="urn:microsoft.com/office/officeart/2009/3/layout/HorizontalOrganizationChart"/>
+    <dgm:cxn modelId="{25C76F42-24E2-4E80-956E-E60C4A87D1A9}" type="presOf" srcId="{9A33B5EB-7DEE-4987-BD16-53A72D4B47C8}" destId="{62917DCB-07C9-4933-9914-BB1BAC5EAAA8}" srcOrd="1" destOrd="0" presId="urn:microsoft.com/office/officeart/2009/3/layout/HorizontalOrganizationChart"/>
     <dgm:cxn modelId="{A40D1C44-24FE-496F-9C73-6B9CE46A823B}" type="presOf" srcId="{7E85E645-60AA-4011-90EE-3803CF83FB06}" destId="{BF4F156F-0898-487B-8F69-30AB76AC7416}" srcOrd="1" destOrd="0" presId="urn:microsoft.com/office/officeart/2009/3/layout/HorizontalOrganizationChart"/>
-    <dgm:cxn modelId="{4E94DC6D-5A56-40D2-9EE4-6819B05C264E}" type="presOf" srcId="{85AD2AAC-FF82-477B-8D28-1515ED231F64}" destId="{5273459B-F60F-4283-9042-A63E541F6CB6}" srcOrd="1" destOrd="0" presId="urn:microsoft.com/office/officeart/2009/3/layout/HorizontalOrganizationChart"/>
+    <dgm:cxn modelId="{27D75766-6A75-4C2F-8B57-48049E21A754}" type="presOf" srcId="{D3D56063-9C2B-4EBA-8109-23DF575F8D41}" destId="{55C97E80-6B4D-43E9-9130-237C8A683D9A}" srcOrd="0" destOrd="0" presId="urn:microsoft.com/office/officeart/2009/3/layout/HorizontalOrganizationChart"/>
+    <dgm:cxn modelId="{CE940968-AB83-4AA2-A273-428F2F17B4D3}" type="presOf" srcId="{293EA856-3521-423E-82F1-D2F16CC520E2}" destId="{8C7760D2-C881-4B4D-964D-B8ECFB6364EE}" srcOrd="1" destOrd="0" presId="urn:microsoft.com/office/officeart/2009/3/layout/HorizontalOrganizationChart"/>
+    <dgm:cxn modelId="{089EFD49-E1B1-4C3D-9936-8B0AD01F3B33}" type="presOf" srcId="{20078690-DBF6-4642-8B66-1FE8CFB5BAD1}" destId="{981E0774-F1A1-4220-8E61-EB7A9A194C74}" srcOrd="0" destOrd="0" presId="urn:microsoft.com/office/officeart/2009/3/layout/HorizontalOrganizationChart"/>
+    <dgm:cxn modelId="{A4421E6C-7BCF-4D18-8DA3-AD3F96FB3305}" srcId="{7E85E645-60AA-4011-90EE-3803CF83FB06}" destId="{479B221C-9001-4B48-9D13-683F8FB0468C}" srcOrd="2" destOrd="0" parTransId="{9D98D1AB-B4EC-47B2-A8A8-89439F311483}" sibTransId="{B0A3CB5E-B8AA-4413-9775-6810331514C3}"/>
+    <dgm:cxn modelId="{13B8D951-1C99-41CA-B5E8-7581F4632D1E}" type="presOf" srcId="{9A33B5EB-7DEE-4987-BD16-53A72D4B47C8}" destId="{1F45249C-674B-4770-9D68-46813EEC5775}" srcOrd="0" destOrd="0" presId="urn:microsoft.com/office/officeart/2009/3/layout/HorizontalOrganizationChart"/>
     <dgm:cxn modelId="{F6C9E771-174A-4800-A42C-16016A3FFA31}" srcId="{B08080AD-D503-4CC1-AF15-B5F018BA61B7}" destId="{3A9B97C3-9D6F-4C94-8609-5F5C5DB2728D}" srcOrd="0" destOrd="0" parTransId="{50012500-388E-4F00-A513-1703FE1BE3C1}" sibTransId="{65D98E47-0A02-4A04-AC87-104468DB99E5}"/>
+    <dgm:cxn modelId="{E9237275-E588-4004-A7AF-9FE2AA87A70E}" type="presOf" srcId="{293EA856-3521-423E-82F1-D2F16CC520E2}" destId="{61AE838E-3237-4612-82F3-7EF4F53B5B4F}" srcOrd="0" destOrd="0" presId="urn:microsoft.com/office/officeart/2009/3/layout/HorizontalOrganizationChart"/>
+    <dgm:cxn modelId="{1B24A076-1975-4711-8A06-D476F8B54123}" srcId="{1EA563DB-0F53-4274-ADAC-F8FAF40CEFF1}" destId="{A07A6C24-4CBB-4578-A220-F689AB3AA831}" srcOrd="3" destOrd="0" parTransId="{FB0755F6-96C2-4637-A601-17649C1EF687}" sibTransId="{CF58EC7A-7F00-4AE0-92E5-F6B3C3B038D9}"/>
+    <dgm:cxn modelId="{5DCA145A-5E47-4B6E-9DA1-CACC374D82DB}" type="presOf" srcId="{EA5918EB-F834-4108-9AD4-0F43961FCAA4}" destId="{01F32913-C1CB-48D9-B572-D1A9ECF33D76}" srcOrd="0" destOrd="0" presId="urn:microsoft.com/office/officeart/2009/3/layout/HorizontalOrganizationChart"/>
+    <dgm:cxn modelId="{8A51E97D-0853-4DF1-A279-A41E62383458}" type="presOf" srcId="{558A462C-14D6-4AFB-BD5C-BA4A1B0AD1A4}" destId="{649C8F08-39E4-45DC-8D1A-34A2FCD823BE}" srcOrd="0" destOrd="0" presId="urn:microsoft.com/office/officeart/2009/3/layout/HorizontalOrganizationChart"/>
+    <dgm:cxn modelId="{FA4C5A7E-E4E9-4917-B41D-2111834D0723}" type="presOf" srcId="{9D98D1AB-B4EC-47B2-A8A8-89439F311483}" destId="{7AE11383-E8EA-4919-8B4D-D8B5DBB44277}" srcOrd="0" destOrd="0" presId="urn:microsoft.com/office/officeart/2009/3/layout/HorizontalOrganizationChart"/>
     <dgm:cxn modelId="{D32FE27F-11D7-466E-B746-8EF05A6460F6}" srcId="{3A9B97C3-9D6F-4C94-8609-5F5C5DB2728D}" destId="{7E85E645-60AA-4011-90EE-3803CF83FB06}" srcOrd="0" destOrd="0" parTransId="{98175F75-4398-4F92-8C16-BA2B48C40887}" sibTransId="{D207E049-B280-4CEA-8162-8A2FA8C1FAE5}"/>
+    <dgm:cxn modelId="{2972E881-0B6D-45FF-9D91-76C9A31BBA54}" type="presOf" srcId="{1295F9C2-41E9-4628-9365-B8F82D298D35}" destId="{6C2D0B5C-D7C4-49A4-9B97-4B3C2659ADE1}" srcOrd="0" destOrd="0" presId="urn:microsoft.com/office/officeart/2009/3/layout/HorizontalOrganizationChart"/>
     <dgm:cxn modelId="{6F1C7486-734D-4585-85A5-E84B55137994}" type="presOf" srcId="{3A9B97C3-9D6F-4C94-8609-5F5C5DB2728D}" destId="{7D09F5C1-769A-4C5A-AB94-C476193F7D9E}" srcOrd="0" destOrd="0" presId="urn:microsoft.com/office/officeart/2009/3/layout/HorizontalOrganizationChart"/>
-    <dgm:cxn modelId="{5142E895-4935-4040-A954-CC431E21A5CF}" type="presOf" srcId="{85AD2AAC-FF82-477B-8D28-1515ED231F64}" destId="{DEE2BE0D-B518-4587-8BED-CF07AD314572}" srcOrd="0" destOrd="0" presId="urn:microsoft.com/office/officeart/2009/3/layout/HorizontalOrganizationChart"/>
-    <dgm:cxn modelId="{3E5018C3-F726-41CE-9FFC-4FC536A660B9}" srcId="{7E85E645-60AA-4011-90EE-3803CF83FB06}" destId="{E92C542D-9797-4A2D-8D36-525BEA920637}" srcOrd="0" destOrd="0" parTransId="{3113DEAC-5930-40B0-80F2-CCE8658FDA7A}" sibTransId="{D88728B4-9371-401C-BC19-10F3C4557B6A}"/>
+    <dgm:cxn modelId="{CAB45C87-F80F-4F59-9F1B-3C45D5FB0618}" type="presOf" srcId="{1EA563DB-0F53-4274-ADAC-F8FAF40CEFF1}" destId="{C1F3BA5D-99F3-4347-B929-39A469B8527A}" srcOrd="0" destOrd="0" presId="urn:microsoft.com/office/officeart/2009/3/layout/HorizontalOrganizationChart"/>
+    <dgm:cxn modelId="{4C92F987-CB79-44B4-BA99-C93DD9A2E716}" type="presOf" srcId="{FB8C566A-89AE-46A4-BA63-0305EEB8910D}" destId="{5345A8FD-AE55-4948-AD77-AD70D9A12CF2}" srcOrd="0" destOrd="0" presId="urn:microsoft.com/office/officeart/2009/3/layout/HorizontalOrganizationChart"/>
+    <dgm:cxn modelId="{3696408C-87A0-4E08-A437-85A65F293B8D}" type="presOf" srcId="{1F93F391-2659-4E41-92C9-51A311E7B2DA}" destId="{59A6E8E8-7ADA-40D6-9808-616FDF164602}" srcOrd="1" destOrd="0" presId="urn:microsoft.com/office/officeart/2009/3/layout/HorizontalOrganizationChart"/>
+    <dgm:cxn modelId="{FB2ADA8C-1C9D-48BF-B9E0-15073A15266D}" srcId="{EC4D70EC-2F0A-40F3-AD45-D08535D9B03F}" destId="{558A462C-14D6-4AFB-BD5C-BA4A1B0AD1A4}" srcOrd="2" destOrd="0" parTransId="{E7BC0433-93B9-491E-AB71-B9C9314F9E56}" sibTransId="{E15E2226-EE70-48B1-9723-595E09FAF7CB}"/>
+    <dgm:cxn modelId="{A76D908D-1D54-4D78-8DE9-BCD81AA0E7E2}" type="presOf" srcId="{EC4D70EC-2F0A-40F3-AD45-D08535D9B03F}" destId="{4A018C5B-8049-4143-ADD5-9F0164B2DBDE}" srcOrd="1" destOrd="0" presId="urn:microsoft.com/office/officeart/2009/3/layout/HorizontalOrganizationChart"/>
+    <dgm:cxn modelId="{5E10348F-0469-445E-92F3-470B00DA7AFC}" srcId="{941EBA72-401B-4EC2-B6E9-3E9DE5222FA1}" destId="{47D7E867-309F-4879-932C-BECC7300FB3C}" srcOrd="2" destOrd="0" parTransId="{0212CF7B-029B-4CA7-B9D8-446BE720545E}" sibTransId="{12D0BB9D-E281-4F8E-8C10-2593D731B67F}"/>
+    <dgm:cxn modelId="{3B6C1493-1916-4703-B1C9-37F5B456DDAC}" type="presOf" srcId="{03743ED5-C6CE-453B-9D6A-57F7109A8A47}" destId="{7BEAD802-C1A9-4DBE-8C7C-EAE4A073D47A}" srcOrd="0" destOrd="0" presId="urn:microsoft.com/office/officeart/2009/3/layout/HorizontalOrganizationChart"/>
+    <dgm:cxn modelId="{2C198298-47C2-455A-B930-DBB90D819D7C}" type="presOf" srcId="{1F93F391-2659-4E41-92C9-51A311E7B2DA}" destId="{8A534F18-EBD9-4255-ADD9-6E0C2AF5093A}" srcOrd="0" destOrd="0" presId="urn:microsoft.com/office/officeart/2009/3/layout/HorizontalOrganizationChart"/>
+    <dgm:cxn modelId="{FE85EB99-8267-4CA9-B003-FE7370EDC3CC}" type="presOf" srcId="{E7BC0433-93B9-491E-AB71-B9C9314F9E56}" destId="{23608F4A-3682-419A-8845-4CA563A2227A}" srcOrd="0" destOrd="0" presId="urn:microsoft.com/office/officeart/2009/3/layout/HorizontalOrganizationChart"/>
+    <dgm:cxn modelId="{E28F59AB-300C-40E3-8837-8A8C01951D55}" srcId="{6E3F4212-B538-4327-A396-CF61A2F699CF}" destId="{EC4D70EC-2F0A-40F3-AD45-D08535D9B03F}" srcOrd="0" destOrd="0" parTransId="{625B8628-A617-4B3B-AC76-B9FE4160B8F9}" sibTransId="{DDE0AFF9-95A7-4BE7-BC58-43B5343AD5F1}"/>
+    <dgm:cxn modelId="{4BD966AC-E3C2-4E9C-B579-D29019522BE2}" type="presOf" srcId="{587CFA3B-2DB6-4244-B659-70CA3A4B68E6}" destId="{CB3B42E1-C5FD-4249-8619-7DEAC9B3F4AC}" srcOrd="0" destOrd="0" presId="urn:microsoft.com/office/officeart/2009/3/layout/HorizontalOrganizationChart"/>
+    <dgm:cxn modelId="{B09DF6AD-45A8-4F39-9656-D1FFE0EFBAB4}" type="presOf" srcId="{BBF56B6D-85C8-47AF-B795-FBFE82A205E7}" destId="{F07DB19B-A33C-4541-AA86-066D1201C0D4}" srcOrd="0" destOrd="0" presId="urn:microsoft.com/office/officeart/2009/3/layout/HorizontalOrganizationChart"/>
+    <dgm:cxn modelId="{AA465DB1-099A-496B-B640-F51A57FE957B}" type="presOf" srcId="{323816F0-CBF4-4B36-BEC8-1285DBC58A2F}" destId="{BB367944-1515-4403-8567-12A51F5B74F0}" srcOrd="0" destOrd="0" presId="urn:microsoft.com/office/officeart/2009/3/layout/HorizontalOrganizationChart"/>
+    <dgm:cxn modelId="{D9EFECB1-1B5B-4F76-8F60-2EABD2E4F94B}" srcId="{7E85E645-60AA-4011-90EE-3803CF83FB06}" destId="{D0C1AC0F-8C3D-4C25-A7DA-93D288AA5C1E}" srcOrd="0" destOrd="0" parTransId="{0F1B140D-2498-4DB1-8B8D-DFA2B5E9DAEE}" sibTransId="{F088EE8A-ACF6-4613-B7EC-076B53F41FDB}"/>
+    <dgm:cxn modelId="{9CF22AB3-65EF-4738-ACB7-91818574D771}" type="presOf" srcId="{558A462C-14D6-4AFB-BD5C-BA4A1B0AD1A4}" destId="{18EDF6E5-B3BB-4B9B-B600-5FFDA4758340}" srcOrd="1" destOrd="0" presId="urn:microsoft.com/office/officeart/2009/3/layout/HorizontalOrganizationChart"/>
+    <dgm:cxn modelId="{1A98FAB5-6129-4A3C-8284-43E6A4B73C3F}" type="presOf" srcId="{FC9472BA-99D5-471A-9732-69081C897957}" destId="{B51A4FA2-18A3-4DEE-90E8-F2704749B372}" srcOrd="0" destOrd="0" presId="urn:microsoft.com/office/officeart/2009/3/layout/HorizontalOrganizationChart"/>
+    <dgm:cxn modelId="{43C863B6-FBE9-4A63-BF0F-42990B413E66}" type="presOf" srcId="{625B8628-A617-4B3B-AC76-B9FE4160B8F9}" destId="{4C4DB42D-37AC-45E8-B85B-01DDCE93118B}" srcOrd="0" destOrd="0" presId="urn:microsoft.com/office/officeart/2009/3/layout/HorizontalOrganizationChart"/>
+    <dgm:cxn modelId="{E5CE4CB6-FA38-40D5-9936-057143BBF529}" srcId="{D0C1AC0F-8C3D-4C25-A7DA-93D288AA5C1E}" destId="{1EA563DB-0F53-4274-ADAC-F8FAF40CEFF1}" srcOrd="0" destOrd="0" parTransId="{FC9472BA-99D5-471A-9732-69081C897957}" sibTransId="{26D52F13-7018-440B-8F34-14FF6A419A5A}"/>
+    <dgm:cxn modelId="{179397B6-6E16-4063-A56A-4358264B277C}" type="presOf" srcId="{EA5918EB-F834-4108-9AD4-0F43961FCAA4}" destId="{50F43258-9948-4848-8CAC-7D21D5974619}" srcOrd="1" destOrd="0" presId="urn:microsoft.com/office/officeart/2009/3/layout/HorizontalOrganizationChart"/>
+    <dgm:cxn modelId="{401078BE-EAAA-4D81-938B-A8F7ED4043DD}" type="presOf" srcId="{40D5D283-306E-4C98-8AF3-EBD275C6A1FB}" destId="{4C0F66A5-828D-4B97-94EB-E01128D5711A}" srcOrd="0" destOrd="0" presId="urn:microsoft.com/office/officeart/2009/3/layout/HorizontalOrganizationChart"/>
+    <dgm:cxn modelId="{5C61E6C1-9C3A-48E8-B074-E96CF0D85BDD}" type="presOf" srcId="{3D4E1CB2-2352-492C-B27C-530AD68E2C05}" destId="{2EC03172-3EDA-4029-B1FA-F0AE4E758314}" srcOrd="0" destOrd="0" presId="urn:microsoft.com/office/officeart/2009/3/layout/HorizontalOrganizationChart"/>
+    <dgm:cxn modelId="{F3046FC3-035A-4D40-8EBB-31A8B65EE2E6}" srcId="{EC4D70EC-2F0A-40F3-AD45-D08535D9B03F}" destId="{3D4E1CB2-2352-492C-B27C-530AD68E2C05}" srcOrd="3" destOrd="0" parTransId="{1295F9C2-41E9-4628-9365-B8F82D298D35}" sibTransId="{ACA03279-0D3E-461C-9AD1-DA7B61C0722A}"/>
     <dgm:cxn modelId="{DD0197C6-D85E-4119-8F4F-CB48901800C8}" type="presOf" srcId="{98175F75-4398-4F92-8C16-BA2B48C40887}" destId="{B6AB710B-3A97-4B79-B53E-22F0665B2F3F}" srcOrd="0" destOrd="0" presId="urn:microsoft.com/office/officeart/2009/3/layout/HorizontalOrganizationChart"/>
     <dgm:cxn modelId="{0AEF19C8-D0DE-4333-A007-F2CBF606D183}" type="presOf" srcId="{B08080AD-D503-4CC1-AF15-B5F018BA61B7}" destId="{AC04B900-A80D-4B29-9C6A-B92D07694795}" srcOrd="0" destOrd="0" presId="urn:microsoft.com/office/officeart/2009/3/layout/HorizontalOrganizationChart"/>
-    <dgm:cxn modelId="{F6E7E6CD-1E19-4B39-A259-1F25AFFDADC4}" type="presOf" srcId="{00059397-26F8-4CF7-9216-2A3D994A1830}" destId="{E6C00FCA-C1B5-4CD9-9DC1-AC80B92C842B}" srcOrd="0" destOrd="0" presId="urn:microsoft.com/office/officeart/2009/3/layout/HorizontalOrganizationChart"/>
+    <dgm:cxn modelId="{B4BF7AC9-67D3-443C-B10B-F1AC65F17B8D}" type="presOf" srcId="{47D7E867-309F-4879-932C-BECC7300FB3C}" destId="{526BCEE2-31DE-4B76-9078-FBACFB050B3E}" srcOrd="1" destOrd="0" presId="urn:microsoft.com/office/officeart/2009/3/layout/HorizontalOrganizationChart"/>
+    <dgm:cxn modelId="{5044F9CD-2300-4C03-B2D5-A70C00CD200D}" type="presOf" srcId="{D0C1AC0F-8C3D-4C25-A7DA-93D288AA5C1E}" destId="{62999B80-CB57-44AE-9A9E-C16313873E87}" srcOrd="0" destOrd="0" presId="urn:microsoft.com/office/officeart/2009/3/layout/HorizontalOrganizationChart"/>
+    <dgm:cxn modelId="{9E8643CF-0A96-467C-858E-E0B5CDD1B9BF}" type="presOf" srcId="{6E3F4212-B538-4327-A396-CF61A2F699CF}" destId="{8BEF24EE-7E4B-47DF-979A-63DEBF1B8363}" srcOrd="1" destOrd="0" presId="urn:microsoft.com/office/officeart/2009/3/layout/HorizontalOrganizationChart"/>
+    <dgm:cxn modelId="{CE66B6CF-B14C-4886-A671-5F018A11E91D}" type="presOf" srcId="{6E90E081-17D2-4DB6-964E-F829A6420723}" destId="{77183139-AE6C-4E4C-AED9-06234DDFC9E6}" srcOrd="0" destOrd="0" presId="urn:microsoft.com/office/officeart/2009/3/layout/HorizontalOrganizationChart"/>
+    <dgm:cxn modelId="{8F21AAD2-2FC5-4AAB-B0E4-5B1792B150D3}" srcId="{479B221C-9001-4B48-9D13-683F8FB0468C}" destId="{941EBA72-401B-4EC2-B6E9-3E9DE5222FA1}" srcOrd="0" destOrd="0" parTransId="{D3D56063-9C2B-4EBA-8109-23DF575F8D41}" sibTransId="{94FE3D5A-6467-4EE6-9E8A-674045E088B9}"/>
     <dgm:cxn modelId="{FA6F5DD4-59ED-4AD7-891D-F5A03442A7BE}" type="presOf" srcId="{3A9B97C3-9D6F-4C94-8609-5F5C5DB2728D}" destId="{6FF07D83-44DF-4ADF-A0C8-E851E8700836}" srcOrd="1" destOrd="0" presId="urn:microsoft.com/office/officeart/2009/3/layout/HorizontalOrganizationChart"/>
-    <dgm:cxn modelId="{EE30D2E0-822F-47C4-8A3B-30A58A7E0E70}" type="presOf" srcId="{3113DEAC-5930-40B0-80F2-CCE8658FDA7A}" destId="{FBE4C23A-3F6F-4D8F-BA93-4B654E5E0EA7}" srcOrd="0" destOrd="0" presId="urn:microsoft.com/office/officeart/2009/3/layout/HorizontalOrganizationChart"/>
-    <dgm:cxn modelId="{82FFFAEE-41B0-4519-97DB-62F777334849}" type="presOf" srcId="{E92C542D-9797-4A2D-8D36-525BEA920637}" destId="{C546C6A8-E6C2-49FA-A857-450570964E39}" srcOrd="1" destOrd="0" presId="urn:microsoft.com/office/officeart/2009/3/layout/HorizontalOrganizationChart"/>
+    <dgm:cxn modelId="{1CF484D8-4295-402B-A65C-0A8B5580008A}" srcId="{941EBA72-401B-4EC2-B6E9-3E9DE5222FA1}" destId="{293EA856-3521-423E-82F1-D2F16CC520E2}" srcOrd="0" destOrd="0" parTransId="{FB8C566A-89AE-46A4-BA63-0305EEB8910D}" sibTransId="{249F4B57-A40C-42A6-9B25-4C0F18F0BBBC}"/>
+    <dgm:cxn modelId="{88B9F0D8-3603-447F-88BC-775E2FA7213B}" type="presOf" srcId="{1EA563DB-0F53-4274-ADAC-F8FAF40CEFF1}" destId="{85F80348-83E7-4C49-9C18-DC5CF470571A}" srcOrd="1" destOrd="0" presId="urn:microsoft.com/office/officeart/2009/3/layout/HorizontalOrganizationChart"/>
+    <dgm:cxn modelId="{06C264DF-DC2D-4966-AF38-F2CAE4329CCD}" type="presOf" srcId="{37914482-29F0-4C14-8D2C-BC7E03B43B82}" destId="{459B57F4-FDEC-4392-91A6-5E40CD9D97D8}" srcOrd="1" destOrd="0" presId="urn:microsoft.com/office/officeart/2009/3/layout/HorizontalOrganizationChart"/>
+    <dgm:cxn modelId="{3104DDDF-64EC-4D2D-936C-3E32C4E62B3F}" srcId="{EC4D70EC-2F0A-40F3-AD45-D08535D9B03F}" destId="{37914482-29F0-4C14-8D2C-BC7E03B43B82}" srcOrd="0" destOrd="0" parTransId="{03743ED5-C6CE-453B-9D6A-57F7109A8A47}" sibTransId="{B0886FD3-7C81-4309-8D01-7A760BC8D55C}"/>
+    <dgm:cxn modelId="{6F425EE2-2166-4B21-A56C-FB87D657EBF3}" srcId="{1EA563DB-0F53-4274-ADAC-F8FAF40CEFF1}" destId="{3DC0EC9D-2C36-403E-844C-45FCE634C604}" srcOrd="1" destOrd="0" parTransId="{6E90E081-17D2-4DB6-964E-F829A6420723}" sibTransId="{9B0C3EED-2419-4C33-A795-587A9B8690B2}"/>
+    <dgm:cxn modelId="{25DD72E9-76F0-43A5-9F99-28D96BEFC4FF}" srcId="{941EBA72-401B-4EC2-B6E9-3E9DE5222FA1}" destId="{EA5918EB-F834-4108-9AD4-0F43961FCAA4}" srcOrd="1" destOrd="0" parTransId="{C52D1039-390F-4A01-98D7-75D0497203C7}" sibTransId="{59A944A0-375E-448E-8455-D752D4E13FCB}"/>
+    <dgm:cxn modelId="{14FEEEEA-B493-4F5C-BFD8-0C70D78F2F83}" type="presOf" srcId="{6E3F4212-B538-4327-A396-CF61A2F699CF}" destId="{CCA73D84-50BF-4B5D-B6F1-596628F2F848}" srcOrd="0" destOrd="0" presId="urn:microsoft.com/office/officeart/2009/3/layout/HorizontalOrganizationChart"/>
+    <dgm:cxn modelId="{D0AC20EB-CE2A-4A0E-91E1-8EC5091386E7}" type="presOf" srcId="{D0C1AC0F-8C3D-4C25-A7DA-93D288AA5C1E}" destId="{8855CB85-F42D-484B-A2B7-C0E878ED5584}" srcOrd="1" destOrd="0" presId="urn:microsoft.com/office/officeart/2009/3/layout/HorizontalOrganizationChart"/>
+    <dgm:cxn modelId="{041E8FED-EC2F-464A-BEAE-E3D9AA9D5249}" type="presOf" srcId="{941EBA72-401B-4EC2-B6E9-3E9DE5222FA1}" destId="{C61E72F6-F573-484E-A5B6-494AAD96F2CE}" srcOrd="0" destOrd="0" presId="urn:microsoft.com/office/officeart/2009/3/layout/HorizontalOrganizationChart"/>
+    <dgm:cxn modelId="{9D156BEE-944A-4622-A663-2A0C1A5AE73D}" type="presOf" srcId="{FB0755F6-96C2-4637-A601-17649C1EF687}" destId="{9750DCCE-3D2E-48F2-B143-93038E058136}" srcOrd="0" destOrd="0" presId="urn:microsoft.com/office/officeart/2009/3/layout/HorizontalOrganizationChart"/>
+    <dgm:cxn modelId="{5430DBF2-2ABC-4331-8539-E656BE6DA6D0}" type="presOf" srcId="{40D5D283-306E-4C98-8AF3-EBD275C6A1FB}" destId="{48039BDE-D732-4560-8DD7-C060C108D1FA}" srcOrd="1" destOrd="0" presId="urn:microsoft.com/office/officeart/2009/3/layout/HorizontalOrganizationChart"/>
+    <dgm:cxn modelId="{2CD3AFF3-9AEB-43AB-925C-D53F34AD9077}" type="presOf" srcId="{A07A6C24-4CBB-4578-A220-F689AB3AA831}" destId="{C0930655-F69D-42EB-9658-FB0CC4189C5A}" srcOrd="1" destOrd="0" presId="urn:microsoft.com/office/officeart/2009/3/layout/HorizontalOrganizationChart"/>
+    <dgm:cxn modelId="{0ED4AAFE-7DE6-4629-AEA8-2EDE4E45771A}" type="presOf" srcId="{941EBA72-401B-4EC2-B6E9-3E9DE5222FA1}" destId="{F0188473-772A-4104-8E34-AB84C76AE283}" srcOrd="1" destOrd="0" presId="urn:microsoft.com/office/officeart/2009/3/layout/HorizontalOrganizationChart"/>
     <dgm:cxn modelId="{30FC178B-029D-4387-9DE8-8E5F341E4452}" type="presParOf" srcId="{AC04B900-A80D-4B29-9C6A-B92D07694795}" destId="{B59B1D1A-5BF3-424D-BD27-28E40AA807F7}" srcOrd="0" destOrd="0" presId="urn:microsoft.com/office/officeart/2009/3/layout/HorizontalOrganizationChart"/>
     <dgm:cxn modelId="{BF9863B9-9928-43AB-984C-335C2CE649E5}" type="presParOf" srcId="{B59B1D1A-5BF3-424D-BD27-28E40AA807F7}" destId="{9A2D8C1E-EAD6-4ACE-8C0B-F9F1A23A9898}" srcOrd="0" destOrd="0" presId="urn:microsoft.com/office/officeart/2009/3/layout/HorizontalOrganizationChart"/>
     <dgm:cxn modelId="{4ED8088C-4B4C-4809-984C-260028D0B898}" type="presParOf" srcId="{9A2D8C1E-EAD6-4ACE-8C0B-F9F1A23A9898}" destId="{7D09F5C1-769A-4C5A-AB94-C476193F7D9E}" srcOrd="0" destOrd="0" presId="urn:microsoft.com/office/officeart/2009/3/layout/HorizontalOrganizationChart"/>
@@ -1961,20 +3217,132 @@
     <dgm:cxn modelId="{70AFF3FD-E032-42DC-BB50-7C0AB56DF590}" type="presParOf" srcId="{31ED6EA4-9791-4E6D-858E-CBC12665B7E7}" destId="{739D003E-DBAC-47C8-A076-7AE9FA636BCF}" srcOrd="0" destOrd="0" presId="urn:microsoft.com/office/officeart/2009/3/layout/HorizontalOrganizationChart"/>
     <dgm:cxn modelId="{597BD3D9-4080-4BBC-962C-869A0BC2F833}" type="presParOf" srcId="{31ED6EA4-9791-4E6D-858E-CBC12665B7E7}" destId="{BF4F156F-0898-487B-8F69-30AB76AC7416}" srcOrd="1" destOrd="0" presId="urn:microsoft.com/office/officeart/2009/3/layout/HorizontalOrganizationChart"/>
     <dgm:cxn modelId="{1A6C718D-DFAF-49E3-BDC9-09B34F0AD274}" type="presParOf" srcId="{F25D0F42-E6CC-4E4E-8058-D54714DFE27D}" destId="{B4343AAD-4FA5-445F-B73F-8060240E51DE}" srcOrd="1" destOrd="0" presId="urn:microsoft.com/office/officeart/2009/3/layout/HorizontalOrganizationChart"/>
-    <dgm:cxn modelId="{EEAE6945-2CE0-4E54-B70D-E04711BF795D}" type="presParOf" srcId="{B4343AAD-4FA5-445F-B73F-8060240E51DE}" destId="{FBE4C23A-3F6F-4D8F-BA93-4B654E5E0EA7}" srcOrd="0" destOrd="0" presId="urn:microsoft.com/office/officeart/2009/3/layout/HorizontalOrganizationChart"/>
-    <dgm:cxn modelId="{1F4BABF9-95F7-443B-9B23-7EE91895F94D}" type="presParOf" srcId="{B4343AAD-4FA5-445F-B73F-8060240E51DE}" destId="{70E3C20B-8D43-47D6-A4FC-5C56892D6DE9}" srcOrd="1" destOrd="0" presId="urn:microsoft.com/office/officeart/2009/3/layout/HorizontalOrganizationChart"/>
-    <dgm:cxn modelId="{06D0325A-E464-469B-8357-69F332163E11}" type="presParOf" srcId="{70E3C20B-8D43-47D6-A4FC-5C56892D6DE9}" destId="{A811AB33-B7F8-4005-A469-6D7F1F7FEA98}" srcOrd="0" destOrd="0" presId="urn:microsoft.com/office/officeart/2009/3/layout/HorizontalOrganizationChart"/>
-    <dgm:cxn modelId="{DA8E26EA-0E03-41CC-81F3-E8F6E6365F2E}" type="presParOf" srcId="{A811AB33-B7F8-4005-A469-6D7F1F7FEA98}" destId="{41022CE7-061B-48EA-9CE3-E26765A0B25C}" srcOrd="0" destOrd="0" presId="urn:microsoft.com/office/officeart/2009/3/layout/HorizontalOrganizationChart"/>
-    <dgm:cxn modelId="{3ADC0D44-D05E-416B-81BF-749470AD0632}" type="presParOf" srcId="{A811AB33-B7F8-4005-A469-6D7F1F7FEA98}" destId="{C546C6A8-E6C2-49FA-A857-450570964E39}" srcOrd="1" destOrd="0" presId="urn:microsoft.com/office/officeart/2009/3/layout/HorizontalOrganizationChart"/>
-    <dgm:cxn modelId="{DAFB0BDB-A038-482D-BD2F-7557821B657E}" type="presParOf" srcId="{70E3C20B-8D43-47D6-A4FC-5C56892D6DE9}" destId="{DA827DCC-AD67-43DF-ACA9-16B565E8F338}" srcOrd="1" destOrd="0" presId="urn:microsoft.com/office/officeart/2009/3/layout/HorizontalOrganizationChart"/>
-    <dgm:cxn modelId="{D231EB37-06D2-4C8D-BC37-14B45A74693C}" type="presParOf" srcId="{70E3C20B-8D43-47D6-A4FC-5C56892D6DE9}" destId="{BDF18086-599A-4755-B7AB-FC460864FCD6}" srcOrd="2" destOrd="0" presId="urn:microsoft.com/office/officeart/2009/3/layout/HorizontalOrganizationChart"/>
-    <dgm:cxn modelId="{9CA8584F-C4B7-482B-B063-ED631401D4DB}" type="presParOf" srcId="{B4343AAD-4FA5-445F-B73F-8060240E51DE}" destId="{E6C00FCA-C1B5-4CD9-9DC1-AC80B92C842B}" srcOrd="2" destOrd="0" presId="urn:microsoft.com/office/officeart/2009/3/layout/HorizontalOrganizationChart"/>
-    <dgm:cxn modelId="{E1DEC71D-C453-4745-8151-4191FCF73230}" type="presParOf" srcId="{B4343AAD-4FA5-445F-B73F-8060240E51DE}" destId="{3033723F-8A25-4877-913D-713DA47EF227}" srcOrd="3" destOrd="0" presId="urn:microsoft.com/office/officeart/2009/3/layout/HorizontalOrganizationChart"/>
-    <dgm:cxn modelId="{00BFBBF7-8A2F-4983-B669-A5A55127509F}" type="presParOf" srcId="{3033723F-8A25-4877-913D-713DA47EF227}" destId="{1A6AACB8-351D-4F66-91FE-F4F6B9490845}" srcOrd="0" destOrd="0" presId="urn:microsoft.com/office/officeart/2009/3/layout/HorizontalOrganizationChart"/>
-    <dgm:cxn modelId="{58B82F71-5AE6-447D-95D8-C4F86388D401}" type="presParOf" srcId="{1A6AACB8-351D-4F66-91FE-F4F6B9490845}" destId="{DEE2BE0D-B518-4587-8BED-CF07AD314572}" srcOrd="0" destOrd="0" presId="urn:microsoft.com/office/officeart/2009/3/layout/HorizontalOrganizationChart"/>
-    <dgm:cxn modelId="{08844E39-80BA-43B5-8F30-DCB8E5FE41BC}" type="presParOf" srcId="{1A6AACB8-351D-4F66-91FE-F4F6B9490845}" destId="{5273459B-F60F-4283-9042-A63E541F6CB6}" srcOrd="1" destOrd="0" presId="urn:microsoft.com/office/officeart/2009/3/layout/HorizontalOrganizationChart"/>
-    <dgm:cxn modelId="{2E0A096E-8E99-4D06-B7EB-89536CA35990}" type="presParOf" srcId="{3033723F-8A25-4877-913D-713DA47EF227}" destId="{5E36063B-4E62-468B-89BE-47359378D5B1}" srcOrd="1" destOrd="0" presId="urn:microsoft.com/office/officeart/2009/3/layout/HorizontalOrganizationChart"/>
-    <dgm:cxn modelId="{2819D201-033D-4892-AB31-79226F3A3E35}" type="presParOf" srcId="{3033723F-8A25-4877-913D-713DA47EF227}" destId="{CC2E6B5E-B0DB-4F72-B002-3A0C08C29AC7}" srcOrd="2" destOrd="0" presId="urn:microsoft.com/office/officeart/2009/3/layout/HorizontalOrganizationChart"/>
+    <dgm:cxn modelId="{41DEBD84-B4F3-47BC-BF5F-D673C8C15C79}" type="presParOf" srcId="{B4343AAD-4FA5-445F-B73F-8060240E51DE}" destId="{32BC3B8B-0EB8-43BE-8FE2-2A8B8D885834}" srcOrd="0" destOrd="0" presId="urn:microsoft.com/office/officeart/2009/3/layout/HorizontalOrganizationChart"/>
+    <dgm:cxn modelId="{38471AC4-6630-4439-B291-F0CFEDD637E9}" type="presParOf" srcId="{B4343AAD-4FA5-445F-B73F-8060240E51DE}" destId="{D5AD9C45-E4A2-4800-BB4C-AAF34F4591C8}" srcOrd="1" destOrd="0" presId="urn:microsoft.com/office/officeart/2009/3/layout/HorizontalOrganizationChart"/>
+    <dgm:cxn modelId="{DEFC1FD8-1194-4738-844B-591C451A203C}" type="presParOf" srcId="{D5AD9C45-E4A2-4800-BB4C-AAF34F4591C8}" destId="{FD4E66CD-6F08-469A-8F6F-B8E5ADED798C}" srcOrd="0" destOrd="0" presId="urn:microsoft.com/office/officeart/2009/3/layout/HorizontalOrganizationChart"/>
+    <dgm:cxn modelId="{8F19D564-CAB6-46CF-9A91-E353D467BE7F}" type="presParOf" srcId="{FD4E66CD-6F08-469A-8F6F-B8E5ADED798C}" destId="{62999B80-CB57-44AE-9A9E-C16313873E87}" srcOrd="0" destOrd="0" presId="urn:microsoft.com/office/officeart/2009/3/layout/HorizontalOrganizationChart"/>
+    <dgm:cxn modelId="{6B63EADD-B886-4772-BC77-D001E2284F1B}" type="presParOf" srcId="{FD4E66CD-6F08-469A-8F6F-B8E5ADED798C}" destId="{8855CB85-F42D-484B-A2B7-C0E878ED5584}" srcOrd="1" destOrd="0" presId="urn:microsoft.com/office/officeart/2009/3/layout/HorizontalOrganizationChart"/>
+    <dgm:cxn modelId="{54E61132-1073-45B1-B4AA-C73655B3A4BA}" type="presParOf" srcId="{D5AD9C45-E4A2-4800-BB4C-AAF34F4591C8}" destId="{58B07289-207A-414D-A691-706F4F163F32}" srcOrd="1" destOrd="0" presId="urn:microsoft.com/office/officeart/2009/3/layout/HorizontalOrganizationChart"/>
+    <dgm:cxn modelId="{AF62DABB-761D-4ACC-B67D-C8AFDE4579E0}" type="presParOf" srcId="{58B07289-207A-414D-A691-706F4F163F32}" destId="{B51A4FA2-18A3-4DEE-90E8-F2704749B372}" srcOrd="0" destOrd="0" presId="urn:microsoft.com/office/officeart/2009/3/layout/HorizontalOrganizationChart"/>
+    <dgm:cxn modelId="{B5DFBC12-7934-4B70-B013-F391B2953C82}" type="presParOf" srcId="{58B07289-207A-414D-A691-706F4F163F32}" destId="{3555F3E9-CE33-4ACD-ABFC-481DB084E10C}" srcOrd="1" destOrd="0" presId="urn:microsoft.com/office/officeart/2009/3/layout/HorizontalOrganizationChart"/>
+    <dgm:cxn modelId="{135EFC9D-BEB6-4232-B5B2-A73AC5B028AF}" type="presParOf" srcId="{3555F3E9-CE33-4ACD-ABFC-481DB084E10C}" destId="{EE072344-9AAD-4846-87DD-8CEC2B5420A0}" srcOrd="0" destOrd="0" presId="urn:microsoft.com/office/officeart/2009/3/layout/HorizontalOrganizationChart"/>
+    <dgm:cxn modelId="{3F069DFE-C73F-482F-943E-9B0F8D66E2A2}" type="presParOf" srcId="{EE072344-9AAD-4846-87DD-8CEC2B5420A0}" destId="{C1F3BA5D-99F3-4347-B929-39A469B8527A}" srcOrd="0" destOrd="0" presId="urn:microsoft.com/office/officeart/2009/3/layout/HorizontalOrganizationChart"/>
+    <dgm:cxn modelId="{1DFA18F5-E3C9-49D2-9786-963C4C426C5C}" type="presParOf" srcId="{EE072344-9AAD-4846-87DD-8CEC2B5420A0}" destId="{85F80348-83E7-4C49-9C18-DC5CF470571A}" srcOrd="1" destOrd="0" presId="urn:microsoft.com/office/officeart/2009/3/layout/HorizontalOrganizationChart"/>
+    <dgm:cxn modelId="{74FEE8D2-5589-41B5-A359-27DC656EF379}" type="presParOf" srcId="{3555F3E9-CE33-4ACD-ABFC-481DB084E10C}" destId="{F7888D29-53E3-4605-AB77-6BC999F1AD2B}" srcOrd="1" destOrd="0" presId="urn:microsoft.com/office/officeart/2009/3/layout/HorizontalOrganizationChart"/>
+    <dgm:cxn modelId="{680DFFAB-9ABE-4010-8694-BAF493AA5E85}" type="presParOf" srcId="{F7888D29-53E3-4605-AB77-6BC999F1AD2B}" destId="{981E0774-F1A1-4220-8E61-EB7A9A194C74}" srcOrd="0" destOrd="0" presId="urn:microsoft.com/office/officeart/2009/3/layout/HorizontalOrganizationChart"/>
+    <dgm:cxn modelId="{3886E6CD-0252-4B84-8926-5B8E9A528FD1}" type="presParOf" srcId="{F7888D29-53E3-4605-AB77-6BC999F1AD2B}" destId="{C052BD79-B551-4A2A-9794-6E194138F3E8}" srcOrd="1" destOrd="0" presId="urn:microsoft.com/office/officeart/2009/3/layout/HorizontalOrganizationChart"/>
+    <dgm:cxn modelId="{8E14EF47-E990-44E2-B9D8-D1818DC13997}" type="presParOf" srcId="{C052BD79-B551-4A2A-9794-6E194138F3E8}" destId="{5DFCB242-1E23-4185-B3BF-609615D49CEF}" srcOrd="0" destOrd="0" presId="urn:microsoft.com/office/officeart/2009/3/layout/HorizontalOrganizationChart"/>
+    <dgm:cxn modelId="{F8503E99-4B6C-44DF-8C71-BC9A54B10B31}" type="presParOf" srcId="{5DFCB242-1E23-4185-B3BF-609615D49CEF}" destId="{CB3B42E1-C5FD-4249-8619-7DEAC9B3F4AC}" srcOrd="0" destOrd="0" presId="urn:microsoft.com/office/officeart/2009/3/layout/HorizontalOrganizationChart"/>
+    <dgm:cxn modelId="{386EF6C3-FE6B-499A-AD49-B00903B1A4B6}" type="presParOf" srcId="{5DFCB242-1E23-4185-B3BF-609615D49CEF}" destId="{91FD214F-52C3-4CD8-A0F7-C56112736D95}" srcOrd="1" destOrd="0" presId="urn:microsoft.com/office/officeart/2009/3/layout/HorizontalOrganizationChart"/>
+    <dgm:cxn modelId="{68786FFB-B4B4-42BF-A5D8-03B93DEBAB21}" type="presParOf" srcId="{C052BD79-B551-4A2A-9794-6E194138F3E8}" destId="{7F7D60BE-EB21-44A7-BBB4-DA1F8B36F377}" srcOrd="1" destOrd="0" presId="urn:microsoft.com/office/officeart/2009/3/layout/HorizontalOrganizationChart"/>
+    <dgm:cxn modelId="{D6290DEC-E693-4892-84D7-AEE456E2D93E}" type="presParOf" srcId="{C052BD79-B551-4A2A-9794-6E194138F3E8}" destId="{E8D75199-0018-4606-B178-61F9E8C5F248}" srcOrd="2" destOrd="0" presId="urn:microsoft.com/office/officeart/2009/3/layout/HorizontalOrganizationChart"/>
+    <dgm:cxn modelId="{330C6132-7643-4F15-AB79-9873A6C5A96E}" type="presParOf" srcId="{F7888D29-53E3-4605-AB77-6BC999F1AD2B}" destId="{77183139-AE6C-4E4C-AED9-06234DDFC9E6}" srcOrd="2" destOrd="0" presId="urn:microsoft.com/office/officeart/2009/3/layout/HorizontalOrganizationChart"/>
+    <dgm:cxn modelId="{933950AE-4EB4-406D-8107-0E499A4A1871}" type="presParOf" srcId="{F7888D29-53E3-4605-AB77-6BC999F1AD2B}" destId="{9DAFD8ED-1488-4685-A3E9-502678A760DF}" srcOrd="3" destOrd="0" presId="urn:microsoft.com/office/officeart/2009/3/layout/HorizontalOrganizationChart"/>
+    <dgm:cxn modelId="{48D367A4-8555-4945-ABEB-4C5D13215BE7}" type="presParOf" srcId="{9DAFD8ED-1488-4685-A3E9-502678A760DF}" destId="{C81E209A-3435-4979-B1E7-82A0EA38A70B}" srcOrd="0" destOrd="0" presId="urn:microsoft.com/office/officeart/2009/3/layout/HorizontalOrganizationChart"/>
+    <dgm:cxn modelId="{C7D90A57-7736-40EC-9933-F7A5161EE9DA}" type="presParOf" srcId="{C81E209A-3435-4979-B1E7-82A0EA38A70B}" destId="{ED01E830-5CD4-4587-BBCD-3F9DFAC5C74A}" srcOrd="0" destOrd="0" presId="urn:microsoft.com/office/officeart/2009/3/layout/HorizontalOrganizationChart"/>
+    <dgm:cxn modelId="{DF532F14-9F74-4DB4-90B8-F42E01E99B19}" type="presParOf" srcId="{C81E209A-3435-4979-B1E7-82A0EA38A70B}" destId="{0992DE5F-2314-458B-86AF-58539DDDC9E8}" srcOrd="1" destOrd="0" presId="urn:microsoft.com/office/officeart/2009/3/layout/HorizontalOrganizationChart"/>
+    <dgm:cxn modelId="{BF224525-BE03-48FE-A908-E66464917512}" type="presParOf" srcId="{9DAFD8ED-1488-4685-A3E9-502678A760DF}" destId="{417227A2-81E0-49BD-8D84-612C4780F091}" srcOrd="1" destOrd="0" presId="urn:microsoft.com/office/officeart/2009/3/layout/HorizontalOrganizationChart"/>
+    <dgm:cxn modelId="{240BE683-4D33-4707-8A2A-B27E7EDD4501}" type="presParOf" srcId="{9DAFD8ED-1488-4685-A3E9-502678A760DF}" destId="{E4FBEFBC-9C02-4BC2-8552-66F85080F812}" srcOrd="2" destOrd="0" presId="urn:microsoft.com/office/officeart/2009/3/layout/HorizontalOrganizationChart"/>
+    <dgm:cxn modelId="{F4ED1C7D-ABA3-490E-8781-1AADF9E1DB37}" type="presParOf" srcId="{F7888D29-53E3-4605-AB77-6BC999F1AD2B}" destId="{F07DB19B-A33C-4541-AA86-066D1201C0D4}" srcOrd="4" destOrd="0" presId="urn:microsoft.com/office/officeart/2009/3/layout/HorizontalOrganizationChart"/>
+    <dgm:cxn modelId="{2E956F24-A94F-4CF2-9981-9B29CC0D228E}" type="presParOf" srcId="{F7888D29-53E3-4605-AB77-6BC999F1AD2B}" destId="{47A21927-0FE8-4DBD-AD8D-69142217978C}" srcOrd="5" destOrd="0" presId="urn:microsoft.com/office/officeart/2009/3/layout/HorizontalOrganizationChart"/>
+    <dgm:cxn modelId="{8F85A0BA-6B56-4463-AD34-F3AFD69F06C9}" type="presParOf" srcId="{47A21927-0FE8-4DBD-AD8D-69142217978C}" destId="{3E3F4B36-88C2-4C70-9C58-9242E432A39F}" srcOrd="0" destOrd="0" presId="urn:microsoft.com/office/officeart/2009/3/layout/HorizontalOrganizationChart"/>
+    <dgm:cxn modelId="{352C3046-E859-4296-BB86-7C117F12B30A}" type="presParOf" srcId="{3E3F4B36-88C2-4C70-9C58-9242E432A39F}" destId="{4C0F66A5-828D-4B97-94EB-E01128D5711A}" srcOrd="0" destOrd="0" presId="urn:microsoft.com/office/officeart/2009/3/layout/HorizontalOrganizationChart"/>
+    <dgm:cxn modelId="{CCD6F229-AA6E-4B1E-94B0-40C8612A4513}" type="presParOf" srcId="{3E3F4B36-88C2-4C70-9C58-9242E432A39F}" destId="{48039BDE-D732-4560-8DD7-C060C108D1FA}" srcOrd="1" destOrd="0" presId="urn:microsoft.com/office/officeart/2009/3/layout/HorizontalOrganizationChart"/>
+    <dgm:cxn modelId="{DDAAF2C8-ED38-48D7-A225-72404AE6BC6F}" type="presParOf" srcId="{47A21927-0FE8-4DBD-AD8D-69142217978C}" destId="{1C8B7F11-EA13-43B1-8E0F-771C101D17D9}" srcOrd="1" destOrd="0" presId="urn:microsoft.com/office/officeart/2009/3/layout/HorizontalOrganizationChart"/>
+    <dgm:cxn modelId="{6BFDDB91-EDAA-4EA4-BBCE-0B85F37750AE}" type="presParOf" srcId="{47A21927-0FE8-4DBD-AD8D-69142217978C}" destId="{35B18943-8EF4-457B-BDEF-CE8D731096EB}" srcOrd="2" destOrd="0" presId="urn:microsoft.com/office/officeart/2009/3/layout/HorizontalOrganizationChart"/>
+    <dgm:cxn modelId="{26FEC8CF-802F-4C4D-8EC9-D56FA1FE7A99}" type="presParOf" srcId="{F7888D29-53E3-4605-AB77-6BC999F1AD2B}" destId="{9750DCCE-3D2E-48F2-B143-93038E058136}" srcOrd="6" destOrd="0" presId="urn:microsoft.com/office/officeart/2009/3/layout/HorizontalOrganizationChart"/>
+    <dgm:cxn modelId="{DD1B242F-2B08-4A1F-B85B-355BD823BCA3}" type="presParOf" srcId="{F7888D29-53E3-4605-AB77-6BC999F1AD2B}" destId="{15D5D52E-ADB2-4505-AA70-D34FC982362A}" srcOrd="7" destOrd="0" presId="urn:microsoft.com/office/officeart/2009/3/layout/HorizontalOrganizationChart"/>
+    <dgm:cxn modelId="{427E8D7B-BB9E-46B2-A618-DCA94790A745}" type="presParOf" srcId="{15D5D52E-ADB2-4505-AA70-D34FC982362A}" destId="{B6992D9C-7C6A-4449-84F7-6A4AED07A405}" srcOrd="0" destOrd="0" presId="urn:microsoft.com/office/officeart/2009/3/layout/HorizontalOrganizationChart"/>
+    <dgm:cxn modelId="{67CD06BD-9EA4-475F-A624-52B0A5BDA92B}" type="presParOf" srcId="{B6992D9C-7C6A-4449-84F7-6A4AED07A405}" destId="{2D85DA3E-2AD5-437C-9FB2-E0FF5533308B}" srcOrd="0" destOrd="0" presId="urn:microsoft.com/office/officeart/2009/3/layout/HorizontalOrganizationChart"/>
+    <dgm:cxn modelId="{98A34EAE-F0A8-4538-8CAC-4200D4F9F61F}" type="presParOf" srcId="{B6992D9C-7C6A-4449-84F7-6A4AED07A405}" destId="{C0930655-F69D-42EB-9658-FB0CC4189C5A}" srcOrd="1" destOrd="0" presId="urn:microsoft.com/office/officeart/2009/3/layout/HorizontalOrganizationChart"/>
+    <dgm:cxn modelId="{A3713433-6A75-4AD2-935A-1A40D52BC52C}" type="presParOf" srcId="{15D5D52E-ADB2-4505-AA70-D34FC982362A}" destId="{564BF09B-5DE0-46F7-A39E-B91C70FFF77E}" srcOrd="1" destOrd="0" presId="urn:microsoft.com/office/officeart/2009/3/layout/HorizontalOrganizationChart"/>
+    <dgm:cxn modelId="{7071F4D6-95CA-47FA-BA73-97131E724148}" type="presParOf" srcId="{15D5D52E-ADB2-4505-AA70-D34FC982362A}" destId="{343A4A71-F53F-4F18-A6BE-C4D6DD2A65F8}" srcOrd="2" destOrd="0" presId="urn:microsoft.com/office/officeart/2009/3/layout/HorizontalOrganizationChart"/>
+    <dgm:cxn modelId="{19AB76BE-4537-410E-A5EC-666D6DFD5F56}" type="presParOf" srcId="{3555F3E9-CE33-4ACD-ABFC-481DB084E10C}" destId="{5379D924-0B1C-4E58-A297-201506EF65BE}" srcOrd="2" destOrd="0" presId="urn:microsoft.com/office/officeart/2009/3/layout/HorizontalOrganizationChart"/>
+    <dgm:cxn modelId="{54EADFC6-5D10-46FD-860D-F7D6C54727FF}" type="presParOf" srcId="{D5AD9C45-E4A2-4800-BB4C-AAF34F4591C8}" destId="{52029C8B-C3BD-4BD0-B38E-B8B4484407B6}" srcOrd="2" destOrd="0" presId="urn:microsoft.com/office/officeart/2009/3/layout/HorizontalOrganizationChart"/>
+    <dgm:cxn modelId="{2138321D-1A46-4C77-9546-12F5ABC42653}" type="presParOf" srcId="{B4343AAD-4FA5-445F-B73F-8060240E51DE}" destId="{BB367944-1515-4403-8567-12A51F5B74F0}" srcOrd="2" destOrd="0" presId="urn:microsoft.com/office/officeart/2009/3/layout/HorizontalOrganizationChart"/>
+    <dgm:cxn modelId="{6217ABCB-7B04-47FD-835E-7FEC3DAF00D3}" type="presParOf" srcId="{B4343AAD-4FA5-445F-B73F-8060240E51DE}" destId="{63A3A5A9-9BA5-4EBB-A768-9946BE3CCD39}" srcOrd="3" destOrd="0" presId="urn:microsoft.com/office/officeart/2009/3/layout/HorizontalOrganizationChart"/>
+    <dgm:cxn modelId="{AF9B6E88-F888-4BD3-9DC6-A7D209D4C48E}" type="presParOf" srcId="{63A3A5A9-9BA5-4EBB-A768-9946BE3CCD39}" destId="{D4776D21-93FC-4E1D-929D-1CE66997D192}" srcOrd="0" destOrd="0" presId="urn:microsoft.com/office/officeart/2009/3/layout/HorizontalOrganizationChart"/>
+    <dgm:cxn modelId="{560F1BD8-C860-46A5-91A9-560682FE0B1D}" type="presParOf" srcId="{D4776D21-93FC-4E1D-929D-1CE66997D192}" destId="{CCA73D84-50BF-4B5D-B6F1-596628F2F848}" srcOrd="0" destOrd="0" presId="urn:microsoft.com/office/officeart/2009/3/layout/HorizontalOrganizationChart"/>
+    <dgm:cxn modelId="{0E47D417-3F3C-4931-9AF5-AA49E3471DD8}" type="presParOf" srcId="{D4776D21-93FC-4E1D-929D-1CE66997D192}" destId="{8BEF24EE-7E4B-47DF-979A-63DEBF1B8363}" srcOrd="1" destOrd="0" presId="urn:microsoft.com/office/officeart/2009/3/layout/HorizontalOrganizationChart"/>
+    <dgm:cxn modelId="{778A4CE8-DC91-4820-AEB7-10EF4E9BD37B}" type="presParOf" srcId="{63A3A5A9-9BA5-4EBB-A768-9946BE3CCD39}" destId="{7517FC52-BFC0-4B7D-9FC4-0C57F36EE9A9}" srcOrd="1" destOrd="0" presId="urn:microsoft.com/office/officeart/2009/3/layout/HorizontalOrganizationChart"/>
+    <dgm:cxn modelId="{C873C958-E0BE-43A3-84EA-8E50E69240ED}" type="presParOf" srcId="{7517FC52-BFC0-4B7D-9FC4-0C57F36EE9A9}" destId="{4C4DB42D-37AC-45E8-B85B-01DDCE93118B}" srcOrd="0" destOrd="0" presId="urn:microsoft.com/office/officeart/2009/3/layout/HorizontalOrganizationChart"/>
+    <dgm:cxn modelId="{21A76A22-67FB-4D69-A274-986D9ADCF925}" type="presParOf" srcId="{7517FC52-BFC0-4B7D-9FC4-0C57F36EE9A9}" destId="{87A55416-8344-488B-8544-BFDB9530B0F5}" srcOrd="1" destOrd="0" presId="urn:microsoft.com/office/officeart/2009/3/layout/HorizontalOrganizationChart"/>
+    <dgm:cxn modelId="{4C802305-9C26-4BBD-94AE-03D5C9CBE7F9}" type="presParOf" srcId="{87A55416-8344-488B-8544-BFDB9530B0F5}" destId="{718E3D12-C63A-4C6E-84FA-B865E50EB4D5}" srcOrd="0" destOrd="0" presId="urn:microsoft.com/office/officeart/2009/3/layout/HorizontalOrganizationChart"/>
+    <dgm:cxn modelId="{38A7A0B9-560D-4DB3-87D9-26D642E435A2}" type="presParOf" srcId="{718E3D12-C63A-4C6E-84FA-B865E50EB4D5}" destId="{D73092D4-BA71-4E3F-AA4C-71057F1B3FA8}" srcOrd="0" destOrd="0" presId="urn:microsoft.com/office/officeart/2009/3/layout/HorizontalOrganizationChart"/>
+    <dgm:cxn modelId="{A2EF529A-5884-4F8F-AA99-46BD72B273B5}" type="presParOf" srcId="{718E3D12-C63A-4C6E-84FA-B865E50EB4D5}" destId="{4A018C5B-8049-4143-ADD5-9F0164B2DBDE}" srcOrd="1" destOrd="0" presId="urn:microsoft.com/office/officeart/2009/3/layout/HorizontalOrganizationChart"/>
+    <dgm:cxn modelId="{1F2D0FA3-7A93-49E8-BC58-509827FA0A08}" type="presParOf" srcId="{87A55416-8344-488B-8544-BFDB9530B0F5}" destId="{ED26CA14-A3BE-4BC5-9BFF-47919A2F0AD9}" srcOrd="1" destOrd="0" presId="urn:microsoft.com/office/officeart/2009/3/layout/HorizontalOrganizationChart"/>
+    <dgm:cxn modelId="{3A896DA6-FB5D-4AE7-9EC4-CD0338A35206}" type="presParOf" srcId="{ED26CA14-A3BE-4BC5-9BFF-47919A2F0AD9}" destId="{7BEAD802-C1A9-4DBE-8C7C-EAE4A073D47A}" srcOrd="0" destOrd="0" presId="urn:microsoft.com/office/officeart/2009/3/layout/HorizontalOrganizationChart"/>
+    <dgm:cxn modelId="{9DDAD2C4-4880-4BFE-9412-CD813A0DD380}" type="presParOf" srcId="{ED26CA14-A3BE-4BC5-9BFF-47919A2F0AD9}" destId="{F61F5F2A-9213-4CC6-BBF0-C649D99856A5}" srcOrd="1" destOrd="0" presId="urn:microsoft.com/office/officeart/2009/3/layout/HorizontalOrganizationChart"/>
+    <dgm:cxn modelId="{F7CEB1BF-79E3-4EB9-8962-DEBCC308270C}" type="presParOf" srcId="{F61F5F2A-9213-4CC6-BBF0-C649D99856A5}" destId="{E812A87B-0C49-4B1B-B154-9ADA953D71B7}" srcOrd="0" destOrd="0" presId="urn:microsoft.com/office/officeart/2009/3/layout/HorizontalOrganizationChart"/>
+    <dgm:cxn modelId="{56896482-BAD6-4999-8461-C3F4ECEA2302}" type="presParOf" srcId="{E812A87B-0C49-4B1B-B154-9ADA953D71B7}" destId="{3EF766ED-C86D-4E78-A551-C2AFF2EE2AB5}" srcOrd="0" destOrd="0" presId="urn:microsoft.com/office/officeart/2009/3/layout/HorizontalOrganizationChart"/>
+    <dgm:cxn modelId="{1CEA2E1A-4709-496F-940D-E44B8CEE0411}" type="presParOf" srcId="{E812A87B-0C49-4B1B-B154-9ADA953D71B7}" destId="{459B57F4-FDEC-4392-91A6-5E40CD9D97D8}" srcOrd="1" destOrd="0" presId="urn:microsoft.com/office/officeart/2009/3/layout/HorizontalOrganizationChart"/>
+    <dgm:cxn modelId="{91F4CD82-2F03-45BF-B38B-31BD81EE73F3}" type="presParOf" srcId="{F61F5F2A-9213-4CC6-BBF0-C649D99856A5}" destId="{BE872E0C-BED6-4879-BB19-84D261D78CD2}" srcOrd="1" destOrd="0" presId="urn:microsoft.com/office/officeart/2009/3/layout/HorizontalOrganizationChart"/>
+    <dgm:cxn modelId="{7BDC3924-9B2C-4724-9A05-C9867F7D4B1B}" type="presParOf" srcId="{F61F5F2A-9213-4CC6-BBF0-C649D99856A5}" destId="{6C2A2178-6057-46E6-981A-103349BBB525}" srcOrd="2" destOrd="0" presId="urn:microsoft.com/office/officeart/2009/3/layout/HorizontalOrganizationChart"/>
+    <dgm:cxn modelId="{B31DA54C-C309-4026-91ED-FEA81BAC2247}" type="presParOf" srcId="{ED26CA14-A3BE-4BC5-9BFF-47919A2F0AD9}" destId="{71F78C8E-199B-46B9-B255-7CF28F0810AF}" srcOrd="2" destOrd="0" presId="urn:microsoft.com/office/officeart/2009/3/layout/HorizontalOrganizationChart"/>
+    <dgm:cxn modelId="{F2F97855-23E4-4B1F-A21C-375406D071A6}" type="presParOf" srcId="{ED26CA14-A3BE-4BC5-9BFF-47919A2F0AD9}" destId="{CC5978EB-8BEF-4640-BC5A-4BFB5D880218}" srcOrd="3" destOrd="0" presId="urn:microsoft.com/office/officeart/2009/3/layout/HorizontalOrganizationChart"/>
+    <dgm:cxn modelId="{FBAE4B90-BDF5-459C-B674-7FFFA4036694}" type="presParOf" srcId="{CC5978EB-8BEF-4640-BC5A-4BFB5D880218}" destId="{351A45A5-84BC-4078-9C1F-19D67412DACE}" srcOrd="0" destOrd="0" presId="urn:microsoft.com/office/officeart/2009/3/layout/HorizontalOrganizationChart"/>
+    <dgm:cxn modelId="{575B442F-5B18-48EA-9479-40FCB2F2F9DE}" type="presParOf" srcId="{351A45A5-84BC-4078-9C1F-19D67412DACE}" destId="{1F45249C-674B-4770-9D68-46813EEC5775}" srcOrd="0" destOrd="0" presId="urn:microsoft.com/office/officeart/2009/3/layout/HorizontalOrganizationChart"/>
+    <dgm:cxn modelId="{7F9CD56A-C507-4794-B4A8-BD46B2EE710A}" type="presParOf" srcId="{351A45A5-84BC-4078-9C1F-19D67412DACE}" destId="{62917DCB-07C9-4933-9914-BB1BAC5EAAA8}" srcOrd="1" destOrd="0" presId="urn:microsoft.com/office/officeart/2009/3/layout/HorizontalOrganizationChart"/>
+    <dgm:cxn modelId="{A8A4F4D9-4212-4662-9B6C-8E4AA47FD968}" type="presParOf" srcId="{CC5978EB-8BEF-4640-BC5A-4BFB5D880218}" destId="{5BB11998-A93E-4C57-833E-B12E18C707BC}" srcOrd="1" destOrd="0" presId="urn:microsoft.com/office/officeart/2009/3/layout/HorizontalOrganizationChart"/>
+    <dgm:cxn modelId="{53A9AF41-9E91-48B1-9BE0-EA745DB760E0}" type="presParOf" srcId="{CC5978EB-8BEF-4640-BC5A-4BFB5D880218}" destId="{4680C51D-505D-4C8C-8D03-D3306AB84632}" srcOrd="2" destOrd="0" presId="urn:microsoft.com/office/officeart/2009/3/layout/HorizontalOrganizationChart"/>
+    <dgm:cxn modelId="{DEA9BF51-7E3A-41AD-BF58-94ED7248DE5A}" type="presParOf" srcId="{ED26CA14-A3BE-4BC5-9BFF-47919A2F0AD9}" destId="{23608F4A-3682-419A-8845-4CA563A2227A}" srcOrd="4" destOrd="0" presId="urn:microsoft.com/office/officeart/2009/3/layout/HorizontalOrganizationChart"/>
+    <dgm:cxn modelId="{59387566-0D01-42B4-9FB2-F464F41319C3}" type="presParOf" srcId="{ED26CA14-A3BE-4BC5-9BFF-47919A2F0AD9}" destId="{EDB6ACAB-0C25-4573-97FB-B6F67E59199E}" srcOrd="5" destOrd="0" presId="urn:microsoft.com/office/officeart/2009/3/layout/HorizontalOrganizationChart"/>
+    <dgm:cxn modelId="{443C8807-ABCA-4FC7-9829-3292190224EA}" type="presParOf" srcId="{EDB6ACAB-0C25-4573-97FB-B6F67E59199E}" destId="{73F324D3-65DB-4FC2-8BA0-FBB897D988D4}" srcOrd="0" destOrd="0" presId="urn:microsoft.com/office/officeart/2009/3/layout/HorizontalOrganizationChart"/>
+    <dgm:cxn modelId="{4047ABBF-A5E3-4F30-BE5A-8FE6797AF1F5}" type="presParOf" srcId="{73F324D3-65DB-4FC2-8BA0-FBB897D988D4}" destId="{649C8F08-39E4-45DC-8D1A-34A2FCD823BE}" srcOrd="0" destOrd="0" presId="urn:microsoft.com/office/officeart/2009/3/layout/HorizontalOrganizationChart"/>
+    <dgm:cxn modelId="{84A8F1C3-A4BC-4685-B4C7-40E201E5B4C4}" type="presParOf" srcId="{73F324D3-65DB-4FC2-8BA0-FBB897D988D4}" destId="{18EDF6E5-B3BB-4B9B-B600-5FFDA4758340}" srcOrd="1" destOrd="0" presId="urn:microsoft.com/office/officeart/2009/3/layout/HorizontalOrganizationChart"/>
+    <dgm:cxn modelId="{27C008D8-6B86-4E03-BB2A-05DCDFF1F773}" type="presParOf" srcId="{EDB6ACAB-0C25-4573-97FB-B6F67E59199E}" destId="{0BF889F0-3E3D-4767-97C7-74D300929193}" srcOrd="1" destOrd="0" presId="urn:microsoft.com/office/officeart/2009/3/layout/HorizontalOrganizationChart"/>
+    <dgm:cxn modelId="{7AF97BF8-12B0-4F03-A83D-46F110E4185A}" type="presParOf" srcId="{EDB6ACAB-0C25-4573-97FB-B6F67E59199E}" destId="{8F7CCB83-1E8C-42EA-AEA8-E56DAAF13AFF}" srcOrd="2" destOrd="0" presId="urn:microsoft.com/office/officeart/2009/3/layout/HorizontalOrganizationChart"/>
+    <dgm:cxn modelId="{114E93AE-31E1-49EC-9F11-4869DC83270D}" type="presParOf" srcId="{ED26CA14-A3BE-4BC5-9BFF-47919A2F0AD9}" destId="{6C2D0B5C-D7C4-49A4-9B97-4B3C2659ADE1}" srcOrd="6" destOrd="0" presId="urn:microsoft.com/office/officeart/2009/3/layout/HorizontalOrganizationChart"/>
+    <dgm:cxn modelId="{DA1F41B7-4F9B-43C5-B689-EEBD401188FC}" type="presParOf" srcId="{ED26CA14-A3BE-4BC5-9BFF-47919A2F0AD9}" destId="{57D92EA6-2599-4EB3-AFBD-66B282F048E4}" srcOrd="7" destOrd="0" presId="urn:microsoft.com/office/officeart/2009/3/layout/HorizontalOrganizationChart"/>
+    <dgm:cxn modelId="{1C197A26-A7A4-4500-B158-D29C001D6F7C}" type="presParOf" srcId="{57D92EA6-2599-4EB3-AFBD-66B282F048E4}" destId="{5AD449E9-D60B-4481-9EA1-11C8A15181EE}" srcOrd="0" destOrd="0" presId="urn:microsoft.com/office/officeart/2009/3/layout/HorizontalOrganizationChart"/>
+    <dgm:cxn modelId="{9212654A-069B-49BE-B36B-60C3E5009F43}" type="presParOf" srcId="{5AD449E9-D60B-4481-9EA1-11C8A15181EE}" destId="{2EC03172-3EDA-4029-B1FA-F0AE4E758314}" srcOrd="0" destOrd="0" presId="urn:microsoft.com/office/officeart/2009/3/layout/HorizontalOrganizationChart"/>
+    <dgm:cxn modelId="{6E9FDB02-2BF6-4EBC-BDC4-99A5192C12DF}" type="presParOf" srcId="{5AD449E9-D60B-4481-9EA1-11C8A15181EE}" destId="{16EF2B90-71C1-4BD8-8195-01494C14AF98}" srcOrd="1" destOrd="0" presId="urn:microsoft.com/office/officeart/2009/3/layout/HorizontalOrganizationChart"/>
+    <dgm:cxn modelId="{689D2FEC-99EA-4D4D-97F0-1E2CB3B6879F}" type="presParOf" srcId="{57D92EA6-2599-4EB3-AFBD-66B282F048E4}" destId="{11EEAEA1-2347-4AE1-BD94-FDD19839BF75}" srcOrd="1" destOrd="0" presId="urn:microsoft.com/office/officeart/2009/3/layout/HorizontalOrganizationChart"/>
+    <dgm:cxn modelId="{91E82CCA-E035-4727-B512-CF8A1F1029D0}" type="presParOf" srcId="{57D92EA6-2599-4EB3-AFBD-66B282F048E4}" destId="{F753F586-23E8-455C-9334-D7C2A63C33C0}" srcOrd="2" destOrd="0" presId="urn:microsoft.com/office/officeart/2009/3/layout/HorizontalOrganizationChart"/>
+    <dgm:cxn modelId="{AFF1F04C-0BA4-48D5-B151-E29D6674390F}" type="presParOf" srcId="{87A55416-8344-488B-8544-BFDB9530B0F5}" destId="{3BB0F31B-8AB2-4BEC-BD63-A419D52A2CD2}" srcOrd="2" destOrd="0" presId="urn:microsoft.com/office/officeart/2009/3/layout/HorizontalOrganizationChart"/>
+    <dgm:cxn modelId="{124DB58A-DD45-4BB5-8C22-CFFFB42D71A9}" type="presParOf" srcId="{63A3A5A9-9BA5-4EBB-A768-9946BE3CCD39}" destId="{61955F8F-659A-40FE-946D-BF72379AC7F4}" srcOrd="2" destOrd="0" presId="urn:microsoft.com/office/officeart/2009/3/layout/HorizontalOrganizationChart"/>
+    <dgm:cxn modelId="{E6CCC8A9-3537-489F-8588-A137BEC14322}" type="presParOf" srcId="{B4343AAD-4FA5-445F-B73F-8060240E51DE}" destId="{7AE11383-E8EA-4919-8B4D-D8B5DBB44277}" srcOrd="4" destOrd="0" presId="urn:microsoft.com/office/officeart/2009/3/layout/HorizontalOrganizationChart"/>
+    <dgm:cxn modelId="{9B8C7C9F-87B5-4AB6-AFE4-26B3F53B887E}" type="presParOf" srcId="{B4343AAD-4FA5-445F-B73F-8060240E51DE}" destId="{2A2DA77F-C43F-4BA1-B912-A4892A23766F}" srcOrd="5" destOrd="0" presId="urn:microsoft.com/office/officeart/2009/3/layout/HorizontalOrganizationChart"/>
+    <dgm:cxn modelId="{D7789B0C-4286-4253-86E2-F42C06D37E29}" type="presParOf" srcId="{2A2DA77F-C43F-4BA1-B912-A4892A23766F}" destId="{A58F36A1-B9C7-47FA-9019-64939DDF4CD4}" srcOrd="0" destOrd="0" presId="urn:microsoft.com/office/officeart/2009/3/layout/HorizontalOrganizationChart"/>
+    <dgm:cxn modelId="{72D2C3E6-C477-4043-A046-E37D0EC329AF}" type="presParOf" srcId="{A58F36A1-B9C7-47FA-9019-64939DDF4CD4}" destId="{E76EBBED-AE38-42FC-B9F2-8CE70B033AB2}" srcOrd="0" destOrd="0" presId="urn:microsoft.com/office/officeart/2009/3/layout/HorizontalOrganizationChart"/>
+    <dgm:cxn modelId="{35CBA9D0-DC2F-4D8C-900D-2FBD5C548E59}" type="presParOf" srcId="{A58F36A1-B9C7-47FA-9019-64939DDF4CD4}" destId="{CC3D78FF-A7C1-4C4C-A017-DB4BAD507566}" srcOrd="1" destOrd="0" presId="urn:microsoft.com/office/officeart/2009/3/layout/HorizontalOrganizationChart"/>
+    <dgm:cxn modelId="{D5C6C514-554F-4688-BEC3-75F2B1D54801}" type="presParOf" srcId="{2A2DA77F-C43F-4BA1-B912-A4892A23766F}" destId="{6952AFB4-7F73-43F1-A00F-97DE32992308}" srcOrd="1" destOrd="0" presId="urn:microsoft.com/office/officeart/2009/3/layout/HorizontalOrganizationChart"/>
+    <dgm:cxn modelId="{3716DC14-0AB5-467C-A420-6333DABE644E}" type="presParOf" srcId="{6952AFB4-7F73-43F1-A00F-97DE32992308}" destId="{55C97E80-6B4D-43E9-9130-237C8A683D9A}" srcOrd="0" destOrd="0" presId="urn:microsoft.com/office/officeart/2009/3/layout/HorizontalOrganizationChart"/>
+    <dgm:cxn modelId="{6021B791-A596-4402-A813-63905A8E5AF8}" type="presParOf" srcId="{6952AFB4-7F73-43F1-A00F-97DE32992308}" destId="{AEB315A3-943F-4344-A5BD-99F5835851BD}" srcOrd="1" destOrd="0" presId="urn:microsoft.com/office/officeart/2009/3/layout/HorizontalOrganizationChart"/>
+    <dgm:cxn modelId="{C6A82E7A-70A9-46A9-910B-79A38B02FAC6}" type="presParOf" srcId="{AEB315A3-943F-4344-A5BD-99F5835851BD}" destId="{7EE10F13-9DC7-4914-8AC6-C138BAED83BD}" srcOrd="0" destOrd="0" presId="urn:microsoft.com/office/officeart/2009/3/layout/HorizontalOrganizationChart"/>
+    <dgm:cxn modelId="{65A7281B-F5F4-402A-96A1-DE9D85B0D0F2}" type="presParOf" srcId="{7EE10F13-9DC7-4914-8AC6-C138BAED83BD}" destId="{C61E72F6-F573-484E-A5B6-494AAD96F2CE}" srcOrd="0" destOrd="0" presId="urn:microsoft.com/office/officeart/2009/3/layout/HorizontalOrganizationChart"/>
+    <dgm:cxn modelId="{D7709AEF-4EAF-48A4-9752-3042AFEE3049}" type="presParOf" srcId="{7EE10F13-9DC7-4914-8AC6-C138BAED83BD}" destId="{F0188473-772A-4104-8E34-AB84C76AE283}" srcOrd="1" destOrd="0" presId="urn:microsoft.com/office/officeart/2009/3/layout/HorizontalOrganizationChart"/>
+    <dgm:cxn modelId="{6DA28863-94C3-43BF-A1D3-7E49EB7AD150}" type="presParOf" srcId="{AEB315A3-943F-4344-A5BD-99F5835851BD}" destId="{A7EFB954-0A71-4326-9C1B-26F9544E1599}" srcOrd="1" destOrd="0" presId="urn:microsoft.com/office/officeart/2009/3/layout/HorizontalOrganizationChart"/>
+    <dgm:cxn modelId="{63411935-3215-44B0-AD3B-0DA82AC2B379}" type="presParOf" srcId="{A7EFB954-0A71-4326-9C1B-26F9544E1599}" destId="{5345A8FD-AE55-4948-AD77-AD70D9A12CF2}" srcOrd="0" destOrd="0" presId="urn:microsoft.com/office/officeart/2009/3/layout/HorizontalOrganizationChart"/>
+    <dgm:cxn modelId="{87292F32-3C9D-4910-9940-D24DBA5F9D29}" type="presParOf" srcId="{A7EFB954-0A71-4326-9C1B-26F9544E1599}" destId="{245E68CC-74D1-4D77-8447-40CDE63602F2}" srcOrd="1" destOrd="0" presId="urn:microsoft.com/office/officeart/2009/3/layout/HorizontalOrganizationChart"/>
+    <dgm:cxn modelId="{81215B45-D514-489F-9A55-FBEEBB8BD693}" type="presParOf" srcId="{245E68CC-74D1-4D77-8447-40CDE63602F2}" destId="{878D0CB8-E919-4587-BCAC-D2A468451393}" srcOrd="0" destOrd="0" presId="urn:microsoft.com/office/officeart/2009/3/layout/HorizontalOrganizationChart"/>
+    <dgm:cxn modelId="{62DA6BF4-C3C5-4044-8233-3C9F18905EE1}" type="presParOf" srcId="{878D0CB8-E919-4587-BCAC-D2A468451393}" destId="{61AE838E-3237-4612-82F3-7EF4F53B5B4F}" srcOrd="0" destOrd="0" presId="urn:microsoft.com/office/officeart/2009/3/layout/HorizontalOrganizationChart"/>
+    <dgm:cxn modelId="{1D51B200-3F64-4BFD-9B43-3CABB817CA8C}" type="presParOf" srcId="{878D0CB8-E919-4587-BCAC-D2A468451393}" destId="{8C7760D2-C881-4B4D-964D-B8ECFB6364EE}" srcOrd="1" destOrd="0" presId="urn:microsoft.com/office/officeart/2009/3/layout/HorizontalOrganizationChart"/>
+    <dgm:cxn modelId="{83CEE43B-507F-4197-B306-7312BBE8A2B0}" type="presParOf" srcId="{245E68CC-74D1-4D77-8447-40CDE63602F2}" destId="{147989CC-0FF3-4835-A87A-58D54323C3F2}" srcOrd="1" destOrd="0" presId="urn:microsoft.com/office/officeart/2009/3/layout/HorizontalOrganizationChart"/>
+    <dgm:cxn modelId="{E04A5E1D-464E-4802-932C-D94EB39DD9F4}" type="presParOf" srcId="{245E68CC-74D1-4D77-8447-40CDE63602F2}" destId="{9AD426CD-90E4-4A71-95DC-9E1CF99933E5}" srcOrd="2" destOrd="0" presId="urn:microsoft.com/office/officeart/2009/3/layout/HorizontalOrganizationChart"/>
+    <dgm:cxn modelId="{F7EA2E61-0922-4C59-9BD2-4CD1927AE951}" type="presParOf" srcId="{A7EFB954-0A71-4326-9C1B-26F9544E1599}" destId="{06D83AA1-5C52-41FB-819B-217AED942100}" srcOrd="2" destOrd="0" presId="urn:microsoft.com/office/officeart/2009/3/layout/HorizontalOrganizationChart"/>
+    <dgm:cxn modelId="{96443B6D-0E2D-4CBE-9F17-F2A421C32808}" type="presParOf" srcId="{A7EFB954-0A71-4326-9C1B-26F9544E1599}" destId="{9C91070B-59E4-431A-BFE9-EF86F505EF8B}" srcOrd="3" destOrd="0" presId="urn:microsoft.com/office/officeart/2009/3/layout/HorizontalOrganizationChart"/>
+    <dgm:cxn modelId="{FF1585FE-F9B6-4879-B354-7C5D7DF97A75}" type="presParOf" srcId="{9C91070B-59E4-431A-BFE9-EF86F505EF8B}" destId="{554156D4-6B54-474B-88F6-9CFAA723C8C7}" srcOrd="0" destOrd="0" presId="urn:microsoft.com/office/officeart/2009/3/layout/HorizontalOrganizationChart"/>
+    <dgm:cxn modelId="{FBDDE93D-E6C3-4AE3-A271-0BF51FACF67A}" type="presParOf" srcId="{554156D4-6B54-474B-88F6-9CFAA723C8C7}" destId="{01F32913-C1CB-48D9-B572-D1A9ECF33D76}" srcOrd="0" destOrd="0" presId="urn:microsoft.com/office/officeart/2009/3/layout/HorizontalOrganizationChart"/>
+    <dgm:cxn modelId="{98B17456-B63D-48CE-AFF9-C25966BB2411}" type="presParOf" srcId="{554156D4-6B54-474B-88F6-9CFAA723C8C7}" destId="{50F43258-9948-4848-8CAC-7D21D5974619}" srcOrd="1" destOrd="0" presId="urn:microsoft.com/office/officeart/2009/3/layout/HorizontalOrganizationChart"/>
+    <dgm:cxn modelId="{3ED2DE8B-F3C0-4D41-8C07-E66D833B4575}" type="presParOf" srcId="{9C91070B-59E4-431A-BFE9-EF86F505EF8B}" destId="{4C37D351-8D4A-4FCA-AEBC-0546DDDCBA42}" srcOrd="1" destOrd="0" presId="urn:microsoft.com/office/officeart/2009/3/layout/HorizontalOrganizationChart"/>
+    <dgm:cxn modelId="{4C5EF3AA-B55C-43B2-963E-79C00B135E81}" type="presParOf" srcId="{9C91070B-59E4-431A-BFE9-EF86F505EF8B}" destId="{288B965B-FE8B-416C-AB9C-C2D9B35984BF}" srcOrd="2" destOrd="0" presId="urn:microsoft.com/office/officeart/2009/3/layout/HorizontalOrganizationChart"/>
+    <dgm:cxn modelId="{41CDD051-1C0C-4288-A240-92CA5DE85956}" type="presParOf" srcId="{A7EFB954-0A71-4326-9C1B-26F9544E1599}" destId="{3352E14A-2E42-479D-BA88-10033A7A4036}" srcOrd="4" destOrd="0" presId="urn:microsoft.com/office/officeart/2009/3/layout/HorizontalOrganizationChart"/>
+    <dgm:cxn modelId="{D86544F7-3DA1-48D5-B8BA-29B636A10559}" type="presParOf" srcId="{A7EFB954-0A71-4326-9C1B-26F9544E1599}" destId="{B37700F9-7ED0-4230-B2A2-2AE449374EA2}" srcOrd="5" destOrd="0" presId="urn:microsoft.com/office/officeart/2009/3/layout/HorizontalOrganizationChart"/>
+    <dgm:cxn modelId="{FFD58190-3D62-4BFE-9B1E-BAE3895A3059}" type="presParOf" srcId="{B37700F9-7ED0-4230-B2A2-2AE449374EA2}" destId="{058FE91E-A7B4-4A83-AE41-AD13325A093D}" srcOrd="0" destOrd="0" presId="urn:microsoft.com/office/officeart/2009/3/layout/HorizontalOrganizationChart"/>
+    <dgm:cxn modelId="{863D184D-0EBD-4664-AC14-1B659457CA4E}" type="presParOf" srcId="{058FE91E-A7B4-4A83-AE41-AD13325A093D}" destId="{ECADA862-2DE1-457D-A86A-FC01792E210C}" srcOrd="0" destOrd="0" presId="urn:microsoft.com/office/officeart/2009/3/layout/HorizontalOrganizationChart"/>
+    <dgm:cxn modelId="{B270D7E3-B3E0-42C5-956F-A1D40CBCD67B}" type="presParOf" srcId="{058FE91E-A7B4-4A83-AE41-AD13325A093D}" destId="{526BCEE2-31DE-4B76-9078-FBACFB050B3E}" srcOrd="1" destOrd="0" presId="urn:microsoft.com/office/officeart/2009/3/layout/HorizontalOrganizationChart"/>
+    <dgm:cxn modelId="{A1700C2A-7A73-4961-AE68-29880E296CAA}" type="presParOf" srcId="{B37700F9-7ED0-4230-B2A2-2AE449374EA2}" destId="{F57E0A96-5AAA-49C3-9062-99FAAAAAA10E}" srcOrd="1" destOrd="0" presId="urn:microsoft.com/office/officeart/2009/3/layout/HorizontalOrganizationChart"/>
+    <dgm:cxn modelId="{6F4142DC-35B3-4513-A8A4-A39F3715EA9E}" type="presParOf" srcId="{B37700F9-7ED0-4230-B2A2-2AE449374EA2}" destId="{E0A2121A-57DA-4ACE-B33A-C2B1CF600627}" srcOrd="2" destOrd="0" presId="urn:microsoft.com/office/officeart/2009/3/layout/HorizontalOrganizationChart"/>
+    <dgm:cxn modelId="{AC11FA25-B133-493B-8048-3627BE626388}" type="presParOf" srcId="{A7EFB954-0A71-4326-9C1B-26F9544E1599}" destId="{8C33E78C-C6AD-4201-9C17-2E665A749952}" srcOrd="6" destOrd="0" presId="urn:microsoft.com/office/officeart/2009/3/layout/HorizontalOrganizationChart"/>
+    <dgm:cxn modelId="{AD8DE5EC-962F-4EF9-B1C1-D18E47DB2274}" type="presParOf" srcId="{A7EFB954-0A71-4326-9C1B-26F9544E1599}" destId="{3778B356-1F1C-416C-BBCA-6023CF10AB27}" srcOrd="7" destOrd="0" presId="urn:microsoft.com/office/officeart/2009/3/layout/HorizontalOrganizationChart"/>
+    <dgm:cxn modelId="{D2CBEAEE-7451-4319-9A49-6E71EB28BD15}" type="presParOf" srcId="{3778B356-1F1C-416C-BBCA-6023CF10AB27}" destId="{32A34BE2-E83A-4F1A-8F1C-31F751985C86}" srcOrd="0" destOrd="0" presId="urn:microsoft.com/office/officeart/2009/3/layout/HorizontalOrganizationChart"/>
+    <dgm:cxn modelId="{DE94CD20-4627-4B77-B5A1-A51E3063B36B}" type="presParOf" srcId="{32A34BE2-E83A-4F1A-8F1C-31F751985C86}" destId="{8A534F18-EBD9-4255-ADD9-6E0C2AF5093A}" srcOrd="0" destOrd="0" presId="urn:microsoft.com/office/officeart/2009/3/layout/HorizontalOrganizationChart"/>
+    <dgm:cxn modelId="{2260386D-5CC4-4583-8F47-626A54724333}" type="presParOf" srcId="{32A34BE2-E83A-4F1A-8F1C-31F751985C86}" destId="{59A6E8E8-7ADA-40D6-9808-616FDF164602}" srcOrd="1" destOrd="0" presId="urn:microsoft.com/office/officeart/2009/3/layout/HorizontalOrganizationChart"/>
+    <dgm:cxn modelId="{57CFC385-0954-4C03-B345-543296984B5D}" type="presParOf" srcId="{3778B356-1F1C-416C-BBCA-6023CF10AB27}" destId="{511D4D7C-6F92-459A-8DF2-CEB965BF0D11}" srcOrd="1" destOrd="0" presId="urn:microsoft.com/office/officeart/2009/3/layout/HorizontalOrganizationChart"/>
+    <dgm:cxn modelId="{2140C438-E754-4D17-A62D-101FB485ED3E}" type="presParOf" srcId="{3778B356-1F1C-416C-BBCA-6023CF10AB27}" destId="{811B6E8E-20F6-478D-A90E-955CF612ABB4}" srcOrd="2" destOrd="0" presId="urn:microsoft.com/office/officeart/2009/3/layout/HorizontalOrganizationChart"/>
+    <dgm:cxn modelId="{DFF4797C-E849-44B2-89A5-309F548B2FB5}" type="presParOf" srcId="{AEB315A3-943F-4344-A5BD-99F5835851BD}" destId="{E0E0F6BE-A140-4019-9F4A-D81CF6881272}" srcOrd="2" destOrd="0" presId="urn:microsoft.com/office/officeart/2009/3/layout/HorizontalOrganizationChart"/>
+    <dgm:cxn modelId="{71EE714A-7F7A-4030-AD86-2EF70FB83A01}" type="presParOf" srcId="{2A2DA77F-C43F-4BA1-B912-A4892A23766F}" destId="{23120666-2BAD-4688-B93D-9F983C19AE4F}" srcOrd="2" destOrd="0" presId="urn:microsoft.com/office/officeart/2009/3/layout/HorizontalOrganizationChart"/>
     <dgm:cxn modelId="{6C56DF96-2911-4452-8EAF-6F1F64BE62B3}" type="presParOf" srcId="{F25D0F42-E6CC-4E4E-8058-D54714DFE27D}" destId="{4FFF544C-F91F-4EAE-A0AE-9D1374F3CEC7}" srcOrd="2" destOrd="0" presId="urn:microsoft.com/office/officeart/2009/3/layout/HorizontalOrganizationChart"/>
     <dgm:cxn modelId="{B920AC61-1907-4720-B5F9-731538CAFC1E}" type="presParOf" srcId="{B59B1D1A-5BF3-424D-BD27-28E40AA807F7}" destId="{98A7D475-6EE8-4A78-8665-CECDA1DE07CB}" srcOrd="2" destOrd="0" presId="urn:microsoft.com/office/officeart/2009/3/layout/HorizontalOrganizationChart"/>
   </dgm:cxnLst>
@@ -2719,15 +4087,15 @@
       <dsp:cNvGrpSpPr/>
     </dsp:nvGrpSpPr>
     <dsp:grpSpPr/>
-    <dsp:sp modelId="{E6C00FCA-C1B5-4CD9-9DC1-AC80B92C842B}">
+    <dsp:sp modelId="{8C33E78C-C6AD-4201-9C17-2E665A749952}">
       <dsp:nvSpPr>
         <dsp:cNvPr id="0" name=""/>
         <dsp:cNvSpPr/>
       </dsp:nvSpPr>
       <dsp:spPr>
         <a:xfrm>
-          <a:off x="4184335" y="1725306"/>
-          <a:ext cx="380160" cy="408672"/>
+          <a:off x="6838868" y="4235500"/>
+          <a:ext cx="199846" cy="644505"/>
         </a:xfrm>
         <a:custGeom>
           <a:avLst/>
@@ -2741,13 +4109,13 @@
                 <a:pt x="0" y="0"/>
               </a:moveTo>
               <a:lnTo>
-                <a:pt x="190080" y="0"/>
+                <a:pt x="99923" y="0"/>
               </a:lnTo>
               <a:lnTo>
-                <a:pt x="190080" y="408672"/>
+                <a:pt x="99923" y="644505"/>
               </a:lnTo>
               <a:lnTo>
-                <a:pt x="380160" y="408672"/>
+                <a:pt x="199846" y="644505"/>
               </a:lnTo>
             </a:path>
           </a:pathLst>
@@ -2781,15 +4149,15 @@
         <a:fontRef idx="minor"/>
       </dsp:style>
     </dsp:sp>
-    <dsp:sp modelId="{FBE4C23A-3F6F-4D8F-BA93-4B654E5E0EA7}">
+    <dsp:sp modelId="{3352E14A-2E42-479D-BA88-10033A7A4036}">
       <dsp:nvSpPr>
         <dsp:cNvPr id="0" name=""/>
         <dsp:cNvSpPr/>
       </dsp:nvSpPr>
       <dsp:spPr>
         <a:xfrm>
-          <a:off x="4184335" y="1316633"/>
-          <a:ext cx="380160" cy="408672"/>
+          <a:off x="6838868" y="4235500"/>
+          <a:ext cx="199846" cy="214835"/>
         </a:xfrm>
         <a:custGeom>
           <a:avLst/>
@@ -2800,16 +4168,984 @@
           <a:pathLst>
             <a:path>
               <a:moveTo>
-                <a:pt x="0" y="408672"/>
+                <a:pt x="0" y="0"/>
               </a:moveTo>
               <a:lnTo>
-                <a:pt x="190080" y="408672"/>
+                <a:pt x="99923" y="0"/>
               </a:lnTo>
               <a:lnTo>
-                <a:pt x="190080" y="0"/>
+                <a:pt x="99923" y="214835"/>
               </a:lnTo>
               <a:lnTo>
-                <a:pt x="380160" y="0"/>
+                <a:pt x="199846" y="214835"/>
+              </a:lnTo>
+            </a:path>
+          </a:pathLst>
+        </a:custGeom>
+        <a:noFill/>
+        <a:ln w="12700" cap="flat" cmpd="sng" algn="ctr">
+          <a:solidFill>
+            <a:schemeClr val="dk2">
+              <a:shade val="80000"/>
+              <a:hueOff val="0"/>
+              <a:satOff val="0"/>
+              <a:lumOff val="0"/>
+              <a:alphaOff val="0"/>
+            </a:schemeClr>
+          </a:solidFill>
+          <a:prstDash val="solid"/>
+          <a:miter lim="800000"/>
+        </a:ln>
+        <a:effectLst/>
+      </dsp:spPr>
+      <dsp:style>
+        <a:lnRef idx="2">
+          <a:scrgbClr r="0" g="0" b="0"/>
+        </a:lnRef>
+        <a:fillRef idx="0">
+          <a:scrgbClr r="0" g="0" b="0"/>
+        </a:fillRef>
+        <a:effectRef idx="0">
+          <a:scrgbClr r="0" g="0" b="0"/>
+        </a:effectRef>
+        <a:fontRef idx="minor"/>
+      </dsp:style>
+    </dsp:sp>
+    <dsp:sp modelId="{06D83AA1-5C52-41FB-819B-217AED942100}">
+      <dsp:nvSpPr>
+        <dsp:cNvPr id="0" name=""/>
+        <dsp:cNvSpPr/>
+      </dsp:nvSpPr>
+      <dsp:spPr>
+        <a:xfrm>
+          <a:off x="6838868" y="4020665"/>
+          <a:ext cx="199846" cy="214835"/>
+        </a:xfrm>
+        <a:custGeom>
+          <a:avLst/>
+          <a:gdLst/>
+          <a:ahLst/>
+          <a:cxnLst/>
+          <a:rect l="0" t="0" r="0" b="0"/>
+          <a:pathLst>
+            <a:path>
+              <a:moveTo>
+                <a:pt x="0" y="214835"/>
+              </a:moveTo>
+              <a:lnTo>
+                <a:pt x="99923" y="214835"/>
+              </a:lnTo>
+              <a:lnTo>
+                <a:pt x="99923" y="0"/>
+              </a:lnTo>
+              <a:lnTo>
+                <a:pt x="199846" y="0"/>
+              </a:lnTo>
+            </a:path>
+          </a:pathLst>
+        </a:custGeom>
+        <a:noFill/>
+        <a:ln w="12700" cap="flat" cmpd="sng" algn="ctr">
+          <a:solidFill>
+            <a:schemeClr val="dk2">
+              <a:shade val="80000"/>
+              <a:hueOff val="0"/>
+              <a:satOff val="0"/>
+              <a:lumOff val="0"/>
+              <a:alphaOff val="0"/>
+            </a:schemeClr>
+          </a:solidFill>
+          <a:prstDash val="solid"/>
+          <a:miter lim="800000"/>
+        </a:ln>
+        <a:effectLst/>
+      </dsp:spPr>
+      <dsp:style>
+        <a:lnRef idx="2">
+          <a:scrgbClr r="0" g="0" b="0"/>
+        </a:lnRef>
+        <a:fillRef idx="0">
+          <a:scrgbClr r="0" g="0" b="0"/>
+        </a:fillRef>
+        <a:effectRef idx="0">
+          <a:scrgbClr r="0" g="0" b="0"/>
+        </a:effectRef>
+        <a:fontRef idx="minor"/>
+      </dsp:style>
+    </dsp:sp>
+    <dsp:sp modelId="{5345A8FD-AE55-4948-AD77-AD70D9A12CF2}">
+      <dsp:nvSpPr>
+        <dsp:cNvPr id="0" name=""/>
+        <dsp:cNvSpPr/>
+      </dsp:nvSpPr>
+      <dsp:spPr>
+        <a:xfrm>
+          <a:off x="6838868" y="3590995"/>
+          <a:ext cx="199846" cy="644505"/>
+        </a:xfrm>
+        <a:custGeom>
+          <a:avLst/>
+          <a:gdLst/>
+          <a:ahLst/>
+          <a:cxnLst/>
+          <a:rect l="0" t="0" r="0" b="0"/>
+          <a:pathLst>
+            <a:path>
+              <a:moveTo>
+                <a:pt x="0" y="644505"/>
+              </a:moveTo>
+              <a:lnTo>
+                <a:pt x="99923" y="644505"/>
+              </a:lnTo>
+              <a:lnTo>
+                <a:pt x="99923" y="0"/>
+              </a:lnTo>
+              <a:lnTo>
+                <a:pt x="199846" y="0"/>
+              </a:lnTo>
+            </a:path>
+          </a:pathLst>
+        </a:custGeom>
+        <a:noFill/>
+        <a:ln w="12700" cap="flat" cmpd="sng" algn="ctr">
+          <a:solidFill>
+            <a:schemeClr val="dk2">
+              <a:shade val="80000"/>
+              <a:hueOff val="0"/>
+              <a:satOff val="0"/>
+              <a:lumOff val="0"/>
+              <a:alphaOff val="0"/>
+            </a:schemeClr>
+          </a:solidFill>
+          <a:prstDash val="solid"/>
+          <a:miter lim="800000"/>
+        </a:ln>
+        <a:effectLst/>
+      </dsp:spPr>
+      <dsp:style>
+        <a:lnRef idx="2">
+          <a:scrgbClr r="0" g="0" b="0"/>
+        </a:lnRef>
+        <a:fillRef idx="0">
+          <a:scrgbClr r="0" g="0" b="0"/>
+        </a:fillRef>
+        <a:effectRef idx="0">
+          <a:scrgbClr r="0" g="0" b="0"/>
+        </a:effectRef>
+        <a:fontRef idx="minor"/>
+      </dsp:style>
+    </dsp:sp>
+    <dsp:sp modelId="{55C97E80-6B4D-43E9-9130-237C8A683D9A}">
+      <dsp:nvSpPr>
+        <dsp:cNvPr id="0" name=""/>
+        <dsp:cNvSpPr/>
+      </dsp:nvSpPr>
+      <dsp:spPr>
+        <a:xfrm>
+          <a:off x="5639787" y="4189780"/>
+          <a:ext cx="199846" cy="91440"/>
+        </a:xfrm>
+        <a:custGeom>
+          <a:avLst/>
+          <a:gdLst/>
+          <a:ahLst/>
+          <a:cxnLst/>
+          <a:rect l="0" t="0" r="0" b="0"/>
+          <a:pathLst>
+            <a:path>
+              <a:moveTo>
+                <a:pt x="0" y="45720"/>
+              </a:moveTo>
+              <a:lnTo>
+                <a:pt x="199846" y="45720"/>
+              </a:lnTo>
+            </a:path>
+          </a:pathLst>
+        </a:custGeom>
+        <a:noFill/>
+        <a:ln w="12700" cap="flat" cmpd="sng" algn="ctr">
+          <a:solidFill>
+            <a:schemeClr val="dk2">
+              <a:shade val="80000"/>
+              <a:hueOff val="0"/>
+              <a:satOff val="0"/>
+              <a:lumOff val="0"/>
+              <a:alphaOff val="0"/>
+            </a:schemeClr>
+          </a:solidFill>
+          <a:prstDash val="solid"/>
+          <a:miter lim="800000"/>
+        </a:ln>
+        <a:effectLst/>
+      </dsp:spPr>
+      <dsp:style>
+        <a:lnRef idx="2">
+          <a:scrgbClr r="0" g="0" b="0"/>
+        </a:lnRef>
+        <a:fillRef idx="0">
+          <a:scrgbClr r="0" g="0" b="0"/>
+        </a:fillRef>
+        <a:effectRef idx="0">
+          <a:scrgbClr r="0" g="0" b="0"/>
+        </a:effectRef>
+        <a:fontRef idx="minor"/>
+      </dsp:style>
+    </dsp:sp>
+    <dsp:sp modelId="{7AE11383-E8EA-4919-8B4D-D8B5DBB44277}">
+      <dsp:nvSpPr>
+        <dsp:cNvPr id="0" name=""/>
+        <dsp:cNvSpPr/>
+      </dsp:nvSpPr>
+      <dsp:spPr>
+        <a:xfrm>
+          <a:off x="4440707" y="2516819"/>
+          <a:ext cx="199846" cy="1718681"/>
+        </a:xfrm>
+        <a:custGeom>
+          <a:avLst/>
+          <a:gdLst/>
+          <a:ahLst/>
+          <a:cxnLst/>
+          <a:rect l="0" t="0" r="0" b="0"/>
+          <a:pathLst>
+            <a:path>
+              <a:moveTo>
+                <a:pt x="0" y="0"/>
+              </a:moveTo>
+              <a:lnTo>
+                <a:pt x="99923" y="0"/>
+              </a:lnTo>
+              <a:lnTo>
+                <a:pt x="99923" y="1718681"/>
+              </a:lnTo>
+              <a:lnTo>
+                <a:pt x="199846" y="1718681"/>
+              </a:lnTo>
+            </a:path>
+          </a:pathLst>
+        </a:custGeom>
+        <a:noFill/>
+        <a:ln w="12700" cap="flat" cmpd="sng" algn="ctr">
+          <a:solidFill>
+            <a:schemeClr val="dk2">
+              <a:shade val="80000"/>
+              <a:hueOff val="0"/>
+              <a:satOff val="0"/>
+              <a:lumOff val="0"/>
+              <a:alphaOff val="0"/>
+            </a:schemeClr>
+          </a:solidFill>
+          <a:prstDash val="solid"/>
+          <a:miter lim="800000"/>
+        </a:ln>
+        <a:effectLst/>
+      </dsp:spPr>
+      <dsp:style>
+        <a:lnRef idx="2">
+          <a:scrgbClr r="0" g="0" b="0"/>
+        </a:lnRef>
+        <a:fillRef idx="0">
+          <a:scrgbClr r="0" g="0" b="0"/>
+        </a:fillRef>
+        <a:effectRef idx="0">
+          <a:scrgbClr r="0" g="0" b="0"/>
+        </a:effectRef>
+        <a:fontRef idx="minor"/>
+      </dsp:style>
+    </dsp:sp>
+    <dsp:sp modelId="{6C2D0B5C-D7C4-49A4-9B97-4B3C2659ADE1}">
+      <dsp:nvSpPr>
+        <dsp:cNvPr id="0" name=""/>
+        <dsp:cNvSpPr/>
+      </dsp:nvSpPr>
+      <dsp:spPr>
+        <a:xfrm>
+          <a:off x="6838868" y="2516819"/>
+          <a:ext cx="199846" cy="644505"/>
+        </a:xfrm>
+        <a:custGeom>
+          <a:avLst/>
+          <a:gdLst/>
+          <a:ahLst/>
+          <a:cxnLst/>
+          <a:rect l="0" t="0" r="0" b="0"/>
+          <a:pathLst>
+            <a:path>
+              <a:moveTo>
+                <a:pt x="0" y="0"/>
+              </a:moveTo>
+              <a:lnTo>
+                <a:pt x="99923" y="0"/>
+              </a:lnTo>
+              <a:lnTo>
+                <a:pt x="99923" y="644505"/>
+              </a:lnTo>
+              <a:lnTo>
+                <a:pt x="199846" y="644505"/>
+              </a:lnTo>
+            </a:path>
+          </a:pathLst>
+        </a:custGeom>
+        <a:noFill/>
+        <a:ln w="12700" cap="flat" cmpd="sng" algn="ctr">
+          <a:solidFill>
+            <a:schemeClr val="dk2">
+              <a:shade val="80000"/>
+              <a:hueOff val="0"/>
+              <a:satOff val="0"/>
+              <a:lumOff val="0"/>
+              <a:alphaOff val="0"/>
+            </a:schemeClr>
+          </a:solidFill>
+          <a:prstDash val="solid"/>
+          <a:miter lim="800000"/>
+        </a:ln>
+        <a:effectLst/>
+      </dsp:spPr>
+      <dsp:style>
+        <a:lnRef idx="2">
+          <a:scrgbClr r="0" g="0" b="0"/>
+        </a:lnRef>
+        <a:fillRef idx="0">
+          <a:scrgbClr r="0" g="0" b="0"/>
+        </a:fillRef>
+        <a:effectRef idx="0">
+          <a:scrgbClr r="0" g="0" b="0"/>
+        </a:effectRef>
+        <a:fontRef idx="minor"/>
+      </dsp:style>
+    </dsp:sp>
+    <dsp:sp modelId="{23608F4A-3682-419A-8845-4CA563A2227A}">
+      <dsp:nvSpPr>
+        <dsp:cNvPr id="0" name=""/>
+        <dsp:cNvSpPr/>
+      </dsp:nvSpPr>
+      <dsp:spPr>
+        <a:xfrm>
+          <a:off x="6838868" y="2516819"/>
+          <a:ext cx="199846" cy="214835"/>
+        </a:xfrm>
+        <a:custGeom>
+          <a:avLst/>
+          <a:gdLst/>
+          <a:ahLst/>
+          <a:cxnLst/>
+          <a:rect l="0" t="0" r="0" b="0"/>
+          <a:pathLst>
+            <a:path>
+              <a:moveTo>
+                <a:pt x="0" y="0"/>
+              </a:moveTo>
+              <a:lnTo>
+                <a:pt x="99923" y="0"/>
+              </a:lnTo>
+              <a:lnTo>
+                <a:pt x="99923" y="214835"/>
+              </a:lnTo>
+              <a:lnTo>
+                <a:pt x="199846" y="214835"/>
+              </a:lnTo>
+            </a:path>
+          </a:pathLst>
+        </a:custGeom>
+        <a:noFill/>
+        <a:ln w="12700" cap="flat" cmpd="sng" algn="ctr">
+          <a:solidFill>
+            <a:schemeClr val="dk2">
+              <a:shade val="80000"/>
+              <a:hueOff val="0"/>
+              <a:satOff val="0"/>
+              <a:lumOff val="0"/>
+              <a:alphaOff val="0"/>
+            </a:schemeClr>
+          </a:solidFill>
+          <a:prstDash val="solid"/>
+          <a:miter lim="800000"/>
+        </a:ln>
+        <a:effectLst/>
+      </dsp:spPr>
+      <dsp:style>
+        <a:lnRef idx="2">
+          <a:scrgbClr r="0" g="0" b="0"/>
+        </a:lnRef>
+        <a:fillRef idx="0">
+          <a:scrgbClr r="0" g="0" b="0"/>
+        </a:fillRef>
+        <a:effectRef idx="0">
+          <a:scrgbClr r="0" g="0" b="0"/>
+        </a:effectRef>
+        <a:fontRef idx="minor"/>
+      </dsp:style>
+    </dsp:sp>
+    <dsp:sp modelId="{71F78C8E-199B-46B9-B255-7CF28F0810AF}">
+      <dsp:nvSpPr>
+        <dsp:cNvPr id="0" name=""/>
+        <dsp:cNvSpPr/>
+      </dsp:nvSpPr>
+      <dsp:spPr>
+        <a:xfrm>
+          <a:off x="6838868" y="2301983"/>
+          <a:ext cx="199846" cy="214835"/>
+        </a:xfrm>
+        <a:custGeom>
+          <a:avLst/>
+          <a:gdLst/>
+          <a:ahLst/>
+          <a:cxnLst/>
+          <a:rect l="0" t="0" r="0" b="0"/>
+          <a:pathLst>
+            <a:path>
+              <a:moveTo>
+                <a:pt x="0" y="214835"/>
+              </a:moveTo>
+              <a:lnTo>
+                <a:pt x="99923" y="214835"/>
+              </a:lnTo>
+              <a:lnTo>
+                <a:pt x="99923" y="0"/>
+              </a:lnTo>
+              <a:lnTo>
+                <a:pt x="199846" y="0"/>
+              </a:lnTo>
+            </a:path>
+          </a:pathLst>
+        </a:custGeom>
+        <a:noFill/>
+        <a:ln w="12700" cap="flat" cmpd="sng" algn="ctr">
+          <a:solidFill>
+            <a:schemeClr val="dk2">
+              <a:shade val="80000"/>
+              <a:hueOff val="0"/>
+              <a:satOff val="0"/>
+              <a:lumOff val="0"/>
+              <a:alphaOff val="0"/>
+            </a:schemeClr>
+          </a:solidFill>
+          <a:prstDash val="solid"/>
+          <a:miter lim="800000"/>
+        </a:ln>
+        <a:effectLst/>
+      </dsp:spPr>
+      <dsp:style>
+        <a:lnRef idx="2">
+          <a:scrgbClr r="0" g="0" b="0"/>
+        </a:lnRef>
+        <a:fillRef idx="0">
+          <a:scrgbClr r="0" g="0" b="0"/>
+        </a:fillRef>
+        <a:effectRef idx="0">
+          <a:scrgbClr r="0" g="0" b="0"/>
+        </a:effectRef>
+        <a:fontRef idx="minor"/>
+      </dsp:style>
+    </dsp:sp>
+    <dsp:sp modelId="{7BEAD802-C1A9-4DBE-8C7C-EAE4A073D47A}">
+      <dsp:nvSpPr>
+        <dsp:cNvPr id="0" name=""/>
+        <dsp:cNvSpPr/>
+      </dsp:nvSpPr>
+      <dsp:spPr>
+        <a:xfrm>
+          <a:off x="6838868" y="1872313"/>
+          <a:ext cx="199846" cy="644505"/>
+        </a:xfrm>
+        <a:custGeom>
+          <a:avLst/>
+          <a:gdLst/>
+          <a:ahLst/>
+          <a:cxnLst/>
+          <a:rect l="0" t="0" r="0" b="0"/>
+          <a:pathLst>
+            <a:path>
+              <a:moveTo>
+                <a:pt x="0" y="644505"/>
+              </a:moveTo>
+              <a:lnTo>
+                <a:pt x="99923" y="644505"/>
+              </a:lnTo>
+              <a:lnTo>
+                <a:pt x="99923" y="0"/>
+              </a:lnTo>
+              <a:lnTo>
+                <a:pt x="199846" y="0"/>
+              </a:lnTo>
+            </a:path>
+          </a:pathLst>
+        </a:custGeom>
+        <a:noFill/>
+        <a:ln w="12700" cap="flat" cmpd="sng" algn="ctr">
+          <a:solidFill>
+            <a:schemeClr val="dk2">
+              <a:shade val="80000"/>
+              <a:hueOff val="0"/>
+              <a:satOff val="0"/>
+              <a:lumOff val="0"/>
+              <a:alphaOff val="0"/>
+            </a:schemeClr>
+          </a:solidFill>
+          <a:prstDash val="solid"/>
+          <a:miter lim="800000"/>
+        </a:ln>
+        <a:effectLst/>
+      </dsp:spPr>
+      <dsp:style>
+        <a:lnRef idx="2">
+          <a:scrgbClr r="0" g="0" b="0"/>
+        </a:lnRef>
+        <a:fillRef idx="0">
+          <a:scrgbClr r="0" g="0" b="0"/>
+        </a:fillRef>
+        <a:effectRef idx="0">
+          <a:scrgbClr r="0" g="0" b="0"/>
+        </a:effectRef>
+        <a:fontRef idx="minor"/>
+      </dsp:style>
+    </dsp:sp>
+    <dsp:sp modelId="{4C4DB42D-37AC-45E8-B85B-01DDCE93118B}">
+      <dsp:nvSpPr>
+        <dsp:cNvPr id="0" name=""/>
+        <dsp:cNvSpPr/>
+      </dsp:nvSpPr>
+      <dsp:spPr>
+        <a:xfrm>
+          <a:off x="5639787" y="2471099"/>
+          <a:ext cx="199846" cy="91440"/>
+        </a:xfrm>
+        <a:custGeom>
+          <a:avLst/>
+          <a:gdLst/>
+          <a:ahLst/>
+          <a:cxnLst/>
+          <a:rect l="0" t="0" r="0" b="0"/>
+          <a:pathLst>
+            <a:path>
+              <a:moveTo>
+                <a:pt x="0" y="45720"/>
+              </a:moveTo>
+              <a:lnTo>
+                <a:pt x="199846" y="45720"/>
+              </a:lnTo>
+            </a:path>
+          </a:pathLst>
+        </a:custGeom>
+        <a:noFill/>
+        <a:ln w="12700" cap="flat" cmpd="sng" algn="ctr">
+          <a:solidFill>
+            <a:schemeClr val="dk2">
+              <a:shade val="80000"/>
+              <a:hueOff val="0"/>
+              <a:satOff val="0"/>
+              <a:lumOff val="0"/>
+              <a:alphaOff val="0"/>
+            </a:schemeClr>
+          </a:solidFill>
+          <a:prstDash val="solid"/>
+          <a:miter lim="800000"/>
+        </a:ln>
+        <a:effectLst/>
+      </dsp:spPr>
+      <dsp:style>
+        <a:lnRef idx="2">
+          <a:scrgbClr r="0" g="0" b="0"/>
+        </a:lnRef>
+        <a:fillRef idx="0">
+          <a:scrgbClr r="0" g="0" b="0"/>
+        </a:fillRef>
+        <a:effectRef idx="0">
+          <a:scrgbClr r="0" g="0" b="0"/>
+        </a:effectRef>
+        <a:fontRef idx="minor"/>
+      </dsp:style>
+    </dsp:sp>
+    <dsp:sp modelId="{BB367944-1515-4403-8567-12A51F5B74F0}">
+      <dsp:nvSpPr>
+        <dsp:cNvPr id="0" name=""/>
+        <dsp:cNvSpPr/>
+      </dsp:nvSpPr>
+      <dsp:spPr>
+        <a:xfrm>
+          <a:off x="4440707" y="2471099"/>
+          <a:ext cx="199846" cy="91440"/>
+        </a:xfrm>
+        <a:custGeom>
+          <a:avLst/>
+          <a:gdLst/>
+          <a:ahLst/>
+          <a:cxnLst/>
+          <a:rect l="0" t="0" r="0" b="0"/>
+          <a:pathLst>
+            <a:path>
+              <a:moveTo>
+                <a:pt x="0" y="45720"/>
+              </a:moveTo>
+              <a:lnTo>
+                <a:pt x="199846" y="45720"/>
+              </a:lnTo>
+            </a:path>
+          </a:pathLst>
+        </a:custGeom>
+        <a:noFill/>
+        <a:ln w="12700" cap="flat" cmpd="sng" algn="ctr">
+          <a:solidFill>
+            <a:schemeClr val="dk2">
+              <a:shade val="80000"/>
+              <a:hueOff val="0"/>
+              <a:satOff val="0"/>
+              <a:lumOff val="0"/>
+              <a:alphaOff val="0"/>
+            </a:schemeClr>
+          </a:solidFill>
+          <a:prstDash val="solid"/>
+          <a:miter lim="800000"/>
+        </a:ln>
+        <a:effectLst/>
+      </dsp:spPr>
+      <dsp:style>
+        <a:lnRef idx="2">
+          <a:scrgbClr r="0" g="0" b="0"/>
+        </a:lnRef>
+        <a:fillRef idx="0">
+          <a:scrgbClr r="0" g="0" b="0"/>
+        </a:fillRef>
+        <a:effectRef idx="0">
+          <a:scrgbClr r="0" g="0" b="0"/>
+        </a:effectRef>
+        <a:fontRef idx="minor"/>
+      </dsp:style>
+    </dsp:sp>
+    <dsp:sp modelId="{9750DCCE-3D2E-48F2-B143-93038E058136}">
+      <dsp:nvSpPr>
+        <dsp:cNvPr id="0" name=""/>
+        <dsp:cNvSpPr/>
+      </dsp:nvSpPr>
+      <dsp:spPr>
+        <a:xfrm>
+          <a:off x="6838868" y="798137"/>
+          <a:ext cx="199846" cy="644505"/>
+        </a:xfrm>
+        <a:custGeom>
+          <a:avLst/>
+          <a:gdLst/>
+          <a:ahLst/>
+          <a:cxnLst/>
+          <a:rect l="0" t="0" r="0" b="0"/>
+          <a:pathLst>
+            <a:path>
+              <a:moveTo>
+                <a:pt x="0" y="0"/>
+              </a:moveTo>
+              <a:lnTo>
+                <a:pt x="99923" y="0"/>
+              </a:lnTo>
+              <a:lnTo>
+                <a:pt x="99923" y="644505"/>
+              </a:lnTo>
+              <a:lnTo>
+                <a:pt x="199846" y="644505"/>
+              </a:lnTo>
+            </a:path>
+          </a:pathLst>
+        </a:custGeom>
+        <a:noFill/>
+        <a:ln w="12700" cap="flat" cmpd="sng" algn="ctr">
+          <a:solidFill>
+            <a:schemeClr val="dk2">
+              <a:shade val="80000"/>
+              <a:hueOff val="0"/>
+              <a:satOff val="0"/>
+              <a:lumOff val="0"/>
+              <a:alphaOff val="0"/>
+            </a:schemeClr>
+          </a:solidFill>
+          <a:prstDash val="solid"/>
+          <a:miter lim="800000"/>
+        </a:ln>
+        <a:effectLst/>
+      </dsp:spPr>
+      <dsp:style>
+        <a:lnRef idx="2">
+          <a:scrgbClr r="0" g="0" b="0"/>
+        </a:lnRef>
+        <a:fillRef idx="0">
+          <a:scrgbClr r="0" g="0" b="0"/>
+        </a:fillRef>
+        <a:effectRef idx="0">
+          <a:scrgbClr r="0" g="0" b="0"/>
+        </a:effectRef>
+        <a:fontRef idx="minor"/>
+      </dsp:style>
+    </dsp:sp>
+    <dsp:sp modelId="{F07DB19B-A33C-4541-AA86-066D1201C0D4}">
+      <dsp:nvSpPr>
+        <dsp:cNvPr id="0" name=""/>
+        <dsp:cNvSpPr/>
+      </dsp:nvSpPr>
+      <dsp:spPr>
+        <a:xfrm>
+          <a:off x="6838868" y="798137"/>
+          <a:ext cx="199846" cy="214835"/>
+        </a:xfrm>
+        <a:custGeom>
+          <a:avLst/>
+          <a:gdLst/>
+          <a:ahLst/>
+          <a:cxnLst/>
+          <a:rect l="0" t="0" r="0" b="0"/>
+          <a:pathLst>
+            <a:path>
+              <a:moveTo>
+                <a:pt x="0" y="0"/>
+              </a:moveTo>
+              <a:lnTo>
+                <a:pt x="99923" y="0"/>
+              </a:lnTo>
+              <a:lnTo>
+                <a:pt x="99923" y="214835"/>
+              </a:lnTo>
+              <a:lnTo>
+                <a:pt x="199846" y="214835"/>
+              </a:lnTo>
+            </a:path>
+          </a:pathLst>
+        </a:custGeom>
+        <a:noFill/>
+        <a:ln w="12700" cap="flat" cmpd="sng" algn="ctr">
+          <a:solidFill>
+            <a:schemeClr val="dk2">
+              <a:shade val="80000"/>
+              <a:hueOff val="0"/>
+              <a:satOff val="0"/>
+              <a:lumOff val="0"/>
+              <a:alphaOff val="0"/>
+            </a:schemeClr>
+          </a:solidFill>
+          <a:prstDash val="solid"/>
+          <a:miter lim="800000"/>
+        </a:ln>
+        <a:effectLst/>
+      </dsp:spPr>
+      <dsp:style>
+        <a:lnRef idx="2">
+          <a:scrgbClr r="0" g="0" b="0"/>
+        </a:lnRef>
+        <a:fillRef idx="0">
+          <a:scrgbClr r="0" g="0" b="0"/>
+        </a:fillRef>
+        <a:effectRef idx="0">
+          <a:scrgbClr r="0" g="0" b="0"/>
+        </a:effectRef>
+        <a:fontRef idx="minor"/>
+      </dsp:style>
+    </dsp:sp>
+    <dsp:sp modelId="{77183139-AE6C-4E4C-AED9-06234DDFC9E6}">
+      <dsp:nvSpPr>
+        <dsp:cNvPr id="0" name=""/>
+        <dsp:cNvSpPr/>
+      </dsp:nvSpPr>
+      <dsp:spPr>
+        <a:xfrm>
+          <a:off x="6838868" y="583301"/>
+          <a:ext cx="199846" cy="214835"/>
+        </a:xfrm>
+        <a:custGeom>
+          <a:avLst/>
+          <a:gdLst/>
+          <a:ahLst/>
+          <a:cxnLst/>
+          <a:rect l="0" t="0" r="0" b="0"/>
+          <a:pathLst>
+            <a:path>
+              <a:moveTo>
+                <a:pt x="0" y="214835"/>
+              </a:moveTo>
+              <a:lnTo>
+                <a:pt x="99923" y="214835"/>
+              </a:lnTo>
+              <a:lnTo>
+                <a:pt x="99923" y="0"/>
+              </a:lnTo>
+              <a:lnTo>
+                <a:pt x="199846" y="0"/>
+              </a:lnTo>
+            </a:path>
+          </a:pathLst>
+        </a:custGeom>
+        <a:noFill/>
+        <a:ln w="12700" cap="flat" cmpd="sng" algn="ctr">
+          <a:solidFill>
+            <a:schemeClr val="dk2">
+              <a:shade val="80000"/>
+              <a:hueOff val="0"/>
+              <a:satOff val="0"/>
+              <a:lumOff val="0"/>
+              <a:alphaOff val="0"/>
+            </a:schemeClr>
+          </a:solidFill>
+          <a:prstDash val="solid"/>
+          <a:miter lim="800000"/>
+        </a:ln>
+        <a:effectLst/>
+      </dsp:spPr>
+      <dsp:style>
+        <a:lnRef idx="2">
+          <a:scrgbClr r="0" g="0" b="0"/>
+        </a:lnRef>
+        <a:fillRef idx="0">
+          <a:scrgbClr r="0" g="0" b="0"/>
+        </a:fillRef>
+        <a:effectRef idx="0">
+          <a:scrgbClr r="0" g="0" b="0"/>
+        </a:effectRef>
+        <a:fontRef idx="minor"/>
+      </dsp:style>
+    </dsp:sp>
+    <dsp:sp modelId="{981E0774-F1A1-4220-8E61-EB7A9A194C74}">
+      <dsp:nvSpPr>
+        <dsp:cNvPr id="0" name=""/>
+        <dsp:cNvSpPr/>
+      </dsp:nvSpPr>
+      <dsp:spPr>
+        <a:xfrm>
+          <a:off x="6838868" y="153631"/>
+          <a:ext cx="199846" cy="644505"/>
+        </a:xfrm>
+        <a:custGeom>
+          <a:avLst/>
+          <a:gdLst/>
+          <a:ahLst/>
+          <a:cxnLst/>
+          <a:rect l="0" t="0" r="0" b="0"/>
+          <a:pathLst>
+            <a:path>
+              <a:moveTo>
+                <a:pt x="0" y="644505"/>
+              </a:moveTo>
+              <a:lnTo>
+                <a:pt x="99923" y="644505"/>
+              </a:lnTo>
+              <a:lnTo>
+                <a:pt x="99923" y="0"/>
+              </a:lnTo>
+              <a:lnTo>
+                <a:pt x="199846" y="0"/>
+              </a:lnTo>
+            </a:path>
+          </a:pathLst>
+        </a:custGeom>
+        <a:noFill/>
+        <a:ln w="12700" cap="flat" cmpd="sng" algn="ctr">
+          <a:solidFill>
+            <a:schemeClr val="dk2">
+              <a:shade val="80000"/>
+              <a:hueOff val="0"/>
+              <a:satOff val="0"/>
+              <a:lumOff val="0"/>
+              <a:alphaOff val="0"/>
+            </a:schemeClr>
+          </a:solidFill>
+          <a:prstDash val="solid"/>
+          <a:miter lim="800000"/>
+        </a:ln>
+        <a:effectLst/>
+      </dsp:spPr>
+      <dsp:style>
+        <a:lnRef idx="2">
+          <a:scrgbClr r="0" g="0" b="0"/>
+        </a:lnRef>
+        <a:fillRef idx="0">
+          <a:scrgbClr r="0" g="0" b="0"/>
+        </a:fillRef>
+        <a:effectRef idx="0">
+          <a:scrgbClr r="0" g="0" b="0"/>
+        </a:effectRef>
+        <a:fontRef idx="minor"/>
+      </dsp:style>
+    </dsp:sp>
+    <dsp:sp modelId="{B51A4FA2-18A3-4DEE-90E8-F2704749B372}">
+      <dsp:nvSpPr>
+        <dsp:cNvPr id="0" name=""/>
+        <dsp:cNvSpPr/>
+      </dsp:nvSpPr>
+      <dsp:spPr>
+        <a:xfrm>
+          <a:off x="5639787" y="752417"/>
+          <a:ext cx="199846" cy="91440"/>
+        </a:xfrm>
+        <a:custGeom>
+          <a:avLst/>
+          <a:gdLst/>
+          <a:ahLst/>
+          <a:cxnLst/>
+          <a:rect l="0" t="0" r="0" b="0"/>
+          <a:pathLst>
+            <a:path>
+              <a:moveTo>
+                <a:pt x="0" y="45720"/>
+              </a:moveTo>
+              <a:lnTo>
+                <a:pt x="199846" y="45720"/>
+              </a:lnTo>
+            </a:path>
+          </a:pathLst>
+        </a:custGeom>
+        <a:noFill/>
+        <a:ln w="12700" cap="flat" cmpd="sng" algn="ctr">
+          <a:solidFill>
+            <a:schemeClr val="dk2">
+              <a:shade val="80000"/>
+              <a:hueOff val="0"/>
+              <a:satOff val="0"/>
+              <a:lumOff val="0"/>
+              <a:alphaOff val="0"/>
+            </a:schemeClr>
+          </a:solidFill>
+          <a:prstDash val="solid"/>
+          <a:miter lim="800000"/>
+        </a:ln>
+        <a:effectLst/>
+      </dsp:spPr>
+      <dsp:style>
+        <a:lnRef idx="2">
+          <a:scrgbClr r="0" g="0" b="0"/>
+        </a:lnRef>
+        <a:fillRef idx="0">
+          <a:scrgbClr r="0" g="0" b="0"/>
+        </a:fillRef>
+        <a:effectRef idx="0">
+          <a:scrgbClr r="0" g="0" b="0"/>
+        </a:effectRef>
+        <a:fontRef idx="minor"/>
+      </dsp:style>
+    </dsp:sp>
+    <dsp:sp modelId="{32BC3B8B-0EB8-43BE-8FE2-2A8B8D885834}">
+      <dsp:nvSpPr>
+        <dsp:cNvPr id="0" name=""/>
+        <dsp:cNvSpPr/>
+      </dsp:nvSpPr>
+      <dsp:spPr>
+        <a:xfrm>
+          <a:off x="4440707" y="798137"/>
+          <a:ext cx="199846" cy="1718681"/>
+        </a:xfrm>
+        <a:custGeom>
+          <a:avLst/>
+          <a:gdLst/>
+          <a:ahLst/>
+          <a:cxnLst/>
+          <a:rect l="0" t="0" r="0" b="0"/>
+          <a:pathLst>
+            <a:path>
+              <a:moveTo>
+                <a:pt x="0" y="1718681"/>
+              </a:moveTo>
+              <a:lnTo>
+                <a:pt x="99923" y="1718681"/>
+              </a:lnTo>
+              <a:lnTo>
+                <a:pt x="99923" y="0"/>
+              </a:lnTo>
+              <a:lnTo>
+                <a:pt x="199846" y="0"/>
               </a:lnTo>
             </a:path>
           </a:pathLst>
@@ -2850,8 +5186,8 @@
       </dsp:nvSpPr>
       <dsp:spPr>
         <a:xfrm>
-          <a:off x="1903370" y="1679586"/>
-          <a:ext cx="380160" cy="91440"/>
+          <a:off x="3241627" y="2471098"/>
+          <a:ext cx="199846" cy="91440"/>
         </a:xfrm>
         <a:custGeom>
           <a:avLst/>
@@ -2865,7 +5201,7 @@
                 <a:pt x="0" y="45720"/>
               </a:moveTo>
               <a:lnTo>
-                <a:pt x="380160" y="45720"/>
+                <a:pt x="199846" y="45720"/>
               </a:lnTo>
             </a:path>
           </a:pathLst>
@@ -2906,8 +5242,8 @@
       </dsp:nvSpPr>
       <dsp:spPr>
         <a:xfrm>
-          <a:off x="2565" y="1435433"/>
-          <a:ext cx="1900804" cy="579745"/>
+          <a:off x="2242393" y="2364435"/>
+          <a:ext cx="999233" cy="304766"/>
         </a:xfrm>
         <a:prstGeom prst="rect">
           <a:avLst/>
@@ -2976,12 +5312,12 @@
         </a:fontRef>
       </dsp:style>
       <dsp:txBody>
-        <a:bodyPr spcFirstLastPara="0" vert="horz" wrap="square" lIns="12065" tIns="12065" rIns="12065" bIns="12065" numCol="1" spcCol="1270" anchor="ctr" anchorCtr="0">
+        <a:bodyPr spcFirstLastPara="0" vert="horz" wrap="square" lIns="6350" tIns="6350" rIns="6350" bIns="6350" numCol="1" spcCol="1270" anchor="ctr" anchorCtr="0">
           <a:noAutofit/>
         </a:bodyPr>
         <a:lstStyle/>
         <a:p>
-          <a:pPr marL="0" lvl="0" indent="0" algn="ctr" defTabSz="844550">
+          <a:pPr marL="0" lvl="0" indent="0" algn="ctr" defTabSz="444500">
             <a:lnSpc>
               <a:spcPct val="90000"/>
             </a:lnSpc>
@@ -2994,15 +5330,15 @@
             <a:buNone/>
           </a:pPr>
           <a:r>
-            <a:rPr lang="it-IT" sz="1900" kern="1200" dirty="0"/>
+            <a:rPr lang="it-IT" sz="1000" kern="1200" dirty="0"/>
             <a:t>Data Collection</a:t>
           </a:r>
-          <a:endParaRPr lang="es-CL" sz="1900" kern="1200" dirty="0"/>
+          <a:endParaRPr lang="es-CL" sz="1000" kern="1200" dirty="0"/>
         </a:p>
       </dsp:txBody>
       <dsp:txXfrm>
-        <a:off x="2565" y="1435433"/>
-        <a:ext cx="1900804" cy="579745"/>
+        <a:off x="2242393" y="2364435"/>
+        <a:ext cx="999233" cy="304766"/>
       </dsp:txXfrm>
     </dsp:sp>
     <dsp:sp modelId="{739D003E-DBAC-47C8-A076-7AE9FA636BCF}">
@@ -3012,8 +5348,8 @@
       </dsp:nvSpPr>
       <dsp:spPr>
         <a:xfrm>
-          <a:off x="2283531" y="1435433"/>
-          <a:ext cx="1900804" cy="579745"/>
+          <a:off x="3441473" y="2364435"/>
+          <a:ext cx="999233" cy="304766"/>
         </a:xfrm>
         <a:prstGeom prst="rect">
           <a:avLst/>
@@ -3082,12 +5418,12 @@
         </a:fontRef>
       </dsp:style>
       <dsp:txBody>
-        <a:bodyPr spcFirstLastPara="0" vert="horz" wrap="square" lIns="12065" tIns="12065" rIns="12065" bIns="12065" numCol="1" spcCol="1270" anchor="ctr" anchorCtr="0">
+        <a:bodyPr spcFirstLastPara="0" vert="horz" wrap="square" lIns="6350" tIns="6350" rIns="6350" bIns="6350" numCol="1" spcCol="1270" anchor="ctr" anchorCtr="0">
           <a:noAutofit/>
         </a:bodyPr>
         <a:lstStyle/>
         <a:p>
-          <a:pPr marL="0" lvl="0" indent="0" algn="ctr" defTabSz="844550">
+          <a:pPr marL="0" lvl="0" indent="0" algn="ctr" defTabSz="444500">
             <a:lnSpc>
               <a:spcPct val="90000"/>
             </a:lnSpc>
@@ -3100,26 +5436,26 @@
             <a:buNone/>
           </a:pPr>
           <a:r>
-            <a:rPr lang="it-IT" sz="1900" kern="1200" dirty="0"/>
+            <a:rPr lang="it-IT" sz="1000" kern="1200" dirty="0"/>
             <a:t>Data preprocessing</a:t>
           </a:r>
-          <a:endParaRPr lang="es-CL" sz="1900" kern="1200" dirty="0"/>
+          <a:endParaRPr lang="es-CL" sz="1000" kern="1200" dirty="0"/>
         </a:p>
       </dsp:txBody>
       <dsp:txXfrm>
-        <a:off x="2283531" y="1435433"/>
-        <a:ext cx="1900804" cy="579745"/>
+        <a:off x="3441473" y="2364435"/>
+        <a:ext cx="999233" cy="304766"/>
       </dsp:txXfrm>
     </dsp:sp>
-    <dsp:sp modelId="{41022CE7-061B-48EA-9CE3-E26765A0B25C}">
+    <dsp:sp modelId="{62999B80-CB57-44AE-9A9E-C16313873E87}">
       <dsp:nvSpPr>
         <dsp:cNvPr id="0" name=""/>
         <dsp:cNvSpPr/>
       </dsp:nvSpPr>
       <dsp:spPr>
         <a:xfrm>
-          <a:off x="4564496" y="1026760"/>
-          <a:ext cx="1900804" cy="579745"/>
+          <a:off x="4640554" y="645753"/>
+          <a:ext cx="999233" cy="304766"/>
         </a:xfrm>
         <a:prstGeom prst="rect">
           <a:avLst/>
@@ -3188,12 +5524,12 @@
         </a:fontRef>
       </dsp:style>
       <dsp:txBody>
-        <a:bodyPr spcFirstLastPara="0" vert="horz" wrap="square" lIns="12065" tIns="12065" rIns="12065" bIns="12065" numCol="1" spcCol="1270" anchor="ctr" anchorCtr="0">
+        <a:bodyPr spcFirstLastPara="0" vert="horz" wrap="square" lIns="6350" tIns="6350" rIns="6350" bIns="6350" numCol="1" spcCol="1270" anchor="ctr" anchorCtr="0">
           <a:noAutofit/>
         </a:bodyPr>
         <a:lstStyle/>
         <a:p>
-          <a:pPr marL="0" lvl="0" indent="0" algn="ctr" defTabSz="844550">
+          <a:pPr marL="0" lvl="0" indent="0" algn="ctr" defTabSz="444500">
             <a:lnSpc>
               <a:spcPct val="90000"/>
             </a:lnSpc>
@@ -3206,26 +5542,26 @@
             <a:buNone/>
           </a:pPr>
           <a:r>
-            <a:rPr lang="it-IT" sz="1900" kern="1200" dirty="0"/>
-            <a:t>Train set</a:t>
+            <a:rPr lang="it-IT" sz="1000" kern="1200" dirty="0"/>
+            <a:t>Bins size 1</a:t>
           </a:r>
-          <a:endParaRPr lang="es-CL" sz="1900" kern="1200" dirty="0"/>
+          <a:endParaRPr lang="es-CL" sz="1000" kern="1200" dirty="0"/>
         </a:p>
       </dsp:txBody>
       <dsp:txXfrm>
-        <a:off x="4564496" y="1026760"/>
-        <a:ext cx="1900804" cy="579745"/>
+        <a:off x="4640554" y="645753"/>
+        <a:ext cx="999233" cy="304766"/>
       </dsp:txXfrm>
     </dsp:sp>
-    <dsp:sp modelId="{DEE2BE0D-B518-4587-8BED-CF07AD314572}">
+    <dsp:sp modelId="{C1F3BA5D-99F3-4347-B929-39A469B8527A}">
       <dsp:nvSpPr>
         <dsp:cNvPr id="0" name=""/>
         <dsp:cNvSpPr/>
       </dsp:nvSpPr>
       <dsp:spPr>
         <a:xfrm>
-          <a:off x="4564496" y="1844106"/>
-          <a:ext cx="1900804" cy="579745"/>
+          <a:off x="5839634" y="645753"/>
+          <a:ext cx="999233" cy="304766"/>
         </a:xfrm>
         <a:prstGeom prst="rect">
           <a:avLst/>
@@ -3294,12 +5630,12 @@
         </a:fontRef>
       </dsp:style>
       <dsp:txBody>
-        <a:bodyPr spcFirstLastPara="0" vert="horz" wrap="square" lIns="12065" tIns="12065" rIns="12065" bIns="12065" numCol="1" spcCol="1270" anchor="ctr" anchorCtr="0">
+        <a:bodyPr spcFirstLastPara="0" vert="horz" wrap="square" lIns="6350" tIns="6350" rIns="6350" bIns="6350" numCol="1" spcCol="1270" anchor="ctr" anchorCtr="0">
           <a:noAutofit/>
         </a:bodyPr>
         <a:lstStyle/>
         <a:p>
-          <a:pPr marL="0" lvl="0" indent="0" algn="ctr" defTabSz="844550">
+          <a:pPr marL="0" lvl="0" indent="0" algn="ctr" defTabSz="444500">
             <a:lnSpc>
               <a:spcPct val="90000"/>
             </a:lnSpc>
@@ -3312,15 +5648,1735 @@
             <a:buNone/>
           </a:pPr>
           <a:r>
-            <a:rPr lang="it-IT" sz="1900" kern="1200" dirty="0"/>
-            <a:t>Test set</a:t>
+            <a:rPr lang="it-IT" sz="1000" kern="1200" dirty="0"/>
+            <a:t>Feature generation</a:t>
           </a:r>
-          <a:endParaRPr lang="es-CL" sz="1900" kern="1200" dirty="0"/>
+          <a:endParaRPr lang="es-CL" sz="1000" kern="1200" dirty="0"/>
         </a:p>
       </dsp:txBody>
       <dsp:txXfrm>
-        <a:off x="4564496" y="1844106"/>
-        <a:ext cx="1900804" cy="579745"/>
+        <a:off x="5839634" y="645753"/>
+        <a:ext cx="999233" cy="304766"/>
+      </dsp:txXfrm>
+    </dsp:sp>
+    <dsp:sp modelId="{CB3B42E1-C5FD-4249-8619-7DEAC9B3F4AC}">
+      <dsp:nvSpPr>
+        <dsp:cNvPr id="0" name=""/>
+        <dsp:cNvSpPr/>
+      </dsp:nvSpPr>
+      <dsp:spPr>
+        <a:xfrm>
+          <a:off x="7038714" y="1248"/>
+          <a:ext cx="999233" cy="304766"/>
+        </a:xfrm>
+        <a:prstGeom prst="rect">
+          <a:avLst/>
+        </a:prstGeom>
+        <a:gradFill rotWithShape="0">
+          <a:gsLst>
+            <a:gs pos="0">
+              <a:schemeClr val="dk2">
+                <a:hueOff val="0"/>
+                <a:satOff val="0"/>
+                <a:lumOff val="0"/>
+                <a:alphaOff val="0"/>
+                <a:satMod val="103000"/>
+                <a:lumMod val="102000"/>
+                <a:tint val="94000"/>
+              </a:schemeClr>
+            </a:gs>
+            <a:gs pos="50000">
+              <a:schemeClr val="dk2">
+                <a:hueOff val="0"/>
+                <a:satOff val="0"/>
+                <a:lumOff val="0"/>
+                <a:alphaOff val="0"/>
+                <a:satMod val="110000"/>
+                <a:lumMod val="100000"/>
+                <a:shade val="100000"/>
+              </a:schemeClr>
+            </a:gs>
+            <a:gs pos="100000">
+              <a:schemeClr val="dk2">
+                <a:hueOff val="0"/>
+                <a:satOff val="0"/>
+                <a:lumOff val="0"/>
+                <a:alphaOff val="0"/>
+                <a:lumMod val="99000"/>
+                <a:satMod val="120000"/>
+                <a:shade val="78000"/>
+              </a:schemeClr>
+            </a:gs>
+          </a:gsLst>
+          <a:lin ang="5400000" scaled="0"/>
+        </a:gradFill>
+        <a:ln>
+          <a:noFill/>
+        </a:ln>
+        <a:effectLst>
+          <a:outerShdw blurRad="57150" dist="19050" dir="5400000" algn="ctr" rotWithShape="0">
+            <a:srgbClr val="000000">
+              <a:alpha val="63000"/>
+            </a:srgbClr>
+          </a:outerShdw>
+        </a:effectLst>
+      </dsp:spPr>
+      <dsp:style>
+        <a:lnRef idx="0">
+          <a:scrgbClr r="0" g="0" b="0"/>
+        </a:lnRef>
+        <a:fillRef idx="3">
+          <a:scrgbClr r="0" g="0" b="0"/>
+        </a:fillRef>
+        <a:effectRef idx="3">
+          <a:scrgbClr r="0" g="0" b="0"/>
+        </a:effectRef>
+        <a:fontRef idx="minor">
+          <a:schemeClr val="lt1"/>
+        </a:fontRef>
+      </dsp:style>
+      <dsp:txBody>
+        <a:bodyPr spcFirstLastPara="0" vert="horz" wrap="square" lIns="6350" tIns="6350" rIns="6350" bIns="6350" numCol="1" spcCol="1270" anchor="ctr" anchorCtr="0">
+          <a:noAutofit/>
+        </a:bodyPr>
+        <a:lstStyle/>
+        <a:p>
+          <a:pPr marL="0" lvl="0" indent="0" algn="ctr" defTabSz="444500">
+            <a:lnSpc>
+              <a:spcPct val="90000"/>
+            </a:lnSpc>
+            <a:spcBef>
+              <a:spcPct val="0"/>
+            </a:spcBef>
+            <a:spcAft>
+              <a:spcPct val="35000"/>
+            </a:spcAft>
+            <a:buNone/>
+          </a:pPr>
+          <a:r>
+            <a:rPr lang="it-IT" sz="1000" kern="1200" dirty="0"/>
+            <a:t>Random Forest</a:t>
+          </a:r>
+          <a:endParaRPr lang="es-CL" sz="1000" kern="1200" dirty="0"/>
+        </a:p>
+      </dsp:txBody>
+      <dsp:txXfrm>
+        <a:off x="7038714" y="1248"/>
+        <a:ext cx="999233" cy="304766"/>
+      </dsp:txXfrm>
+    </dsp:sp>
+    <dsp:sp modelId="{ED01E830-5CD4-4587-BBCD-3F9DFAC5C74A}">
+      <dsp:nvSpPr>
+        <dsp:cNvPr id="0" name=""/>
+        <dsp:cNvSpPr/>
+      </dsp:nvSpPr>
+      <dsp:spPr>
+        <a:xfrm>
+          <a:off x="7038714" y="430918"/>
+          <a:ext cx="999233" cy="304766"/>
+        </a:xfrm>
+        <a:prstGeom prst="rect">
+          <a:avLst/>
+        </a:prstGeom>
+        <a:gradFill rotWithShape="0">
+          <a:gsLst>
+            <a:gs pos="0">
+              <a:schemeClr val="dk2">
+                <a:hueOff val="0"/>
+                <a:satOff val="0"/>
+                <a:lumOff val="0"/>
+                <a:alphaOff val="0"/>
+                <a:satMod val="103000"/>
+                <a:lumMod val="102000"/>
+                <a:tint val="94000"/>
+              </a:schemeClr>
+            </a:gs>
+            <a:gs pos="50000">
+              <a:schemeClr val="dk2">
+                <a:hueOff val="0"/>
+                <a:satOff val="0"/>
+                <a:lumOff val="0"/>
+                <a:alphaOff val="0"/>
+                <a:satMod val="110000"/>
+                <a:lumMod val="100000"/>
+                <a:shade val="100000"/>
+              </a:schemeClr>
+            </a:gs>
+            <a:gs pos="100000">
+              <a:schemeClr val="dk2">
+                <a:hueOff val="0"/>
+                <a:satOff val="0"/>
+                <a:lumOff val="0"/>
+                <a:alphaOff val="0"/>
+                <a:lumMod val="99000"/>
+                <a:satMod val="120000"/>
+                <a:shade val="78000"/>
+              </a:schemeClr>
+            </a:gs>
+          </a:gsLst>
+          <a:lin ang="5400000" scaled="0"/>
+        </a:gradFill>
+        <a:ln>
+          <a:noFill/>
+        </a:ln>
+        <a:effectLst>
+          <a:outerShdw blurRad="57150" dist="19050" dir="5400000" algn="ctr" rotWithShape="0">
+            <a:srgbClr val="000000">
+              <a:alpha val="63000"/>
+            </a:srgbClr>
+          </a:outerShdw>
+        </a:effectLst>
+      </dsp:spPr>
+      <dsp:style>
+        <a:lnRef idx="0">
+          <a:scrgbClr r="0" g="0" b="0"/>
+        </a:lnRef>
+        <a:fillRef idx="3">
+          <a:scrgbClr r="0" g="0" b="0"/>
+        </a:fillRef>
+        <a:effectRef idx="3">
+          <a:scrgbClr r="0" g="0" b="0"/>
+        </a:effectRef>
+        <a:fontRef idx="minor">
+          <a:schemeClr val="lt1"/>
+        </a:fontRef>
+      </dsp:style>
+      <dsp:txBody>
+        <a:bodyPr spcFirstLastPara="0" vert="horz" wrap="square" lIns="6350" tIns="6350" rIns="6350" bIns="6350" numCol="1" spcCol="1270" anchor="ctr" anchorCtr="0">
+          <a:noAutofit/>
+        </a:bodyPr>
+        <a:lstStyle/>
+        <a:p>
+          <a:pPr marL="0" lvl="0" indent="0" algn="ctr" defTabSz="444500">
+            <a:lnSpc>
+              <a:spcPct val="90000"/>
+            </a:lnSpc>
+            <a:spcBef>
+              <a:spcPct val="0"/>
+            </a:spcBef>
+            <a:spcAft>
+              <a:spcPct val="35000"/>
+            </a:spcAft>
+            <a:buNone/>
+          </a:pPr>
+          <a:r>
+            <a:rPr lang="it-IT" sz="1000" kern="1200" dirty="0"/>
+            <a:t>LDA</a:t>
+          </a:r>
+          <a:endParaRPr lang="es-CL" sz="1000" kern="1200" dirty="0"/>
+        </a:p>
+      </dsp:txBody>
+      <dsp:txXfrm>
+        <a:off x="7038714" y="430918"/>
+        <a:ext cx="999233" cy="304766"/>
+      </dsp:txXfrm>
+    </dsp:sp>
+    <dsp:sp modelId="{4C0F66A5-828D-4B97-94EB-E01128D5711A}">
+      <dsp:nvSpPr>
+        <dsp:cNvPr id="0" name=""/>
+        <dsp:cNvSpPr/>
+      </dsp:nvSpPr>
+      <dsp:spPr>
+        <a:xfrm>
+          <a:off x="7038714" y="860589"/>
+          <a:ext cx="999233" cy="304766"/>
+        </a:xfrm>
+        <a:prstGeom prst="rect">
+          <a:avLst/>
+        </a:prstGeom>
+        <a:gradFill rotWithShape="0">
+          <a:gsLst>
+            <a:gs pos="0">
+              <a:schemeClr val="dk2">
+                <a:hueOff val="0"/>
+                <a:satOff val="0"/>
+                <a:lumOff val="0"/>
+                <a:alphaOff val="0"/>
+                <a:satMod val="103000"/>
+                <a:lumMod val="102000"/>
+                <a:tint val="94000"/>
+              </a:schemeClr>
+            </a:gs>
+            <a:gs pos="50000">
+              <a:schemeClr val="dk2">
+                <a:hueOff val="0"/>
+                <a:satOff val="0"/>
+                <a:lumOff val="0"/>
+                <a:alphaOff val="0"/>
+                <a:satMod val="110000"/>
+                <a:lumMod val="100000"/>
+                <a:shade val="100000"/>
+              </a:schemeClr>
+            </a:gs>
+            <a:gs pos="100000">
+              <a:schemeClr val="dk2">
+                <a:hueOff val="0"/>
+                <a:satOff val="0"/>
+                <a:lumOff val="0"/>
+                <a:alphaOff val="0"/>
+                <a:lumMod val="99000"/>
+                <a:satMod val="120000"/>
+                <a:shade val="78000"/>
+              </a:schemeClr>
+            </a:gs>
+          </a:gsLst>
+          <a:lin ang="5400000" scaled="0"/>
+        </a:gradFill>
+        <a:ln>
+          <a:noFill/>
+        </a:ln>
+        <a:effectLst>
+          <a:outerShdw blurRad="57150" dist="19050" dir="5400000" algn="ctr" rotWithShape="0">
+            <a:srgbClr val="000000">
+              <a:alpha val="63000"/>
+            </a:srgbClr>
+          </a:outerShdw>
+        </a:effectLst>
+      </dsp:spPr>
+      <dsp:style>
+        <a:lnRef idx="0">
+          <a:scrgbClr r="0" g="0" b="0"/>
+        </a:lnRef>
+        <a:fillRef idx="3">
+          <a:scrgbClr r="0" g="0" b="0"/>
+        </a:fillRef>
+        <a:effectRef idx="3">
+          <a:scrgbClr r="0" g="0" b="0"/>
+        </a:effectRef>
+        <a:fontRef idx="minor">
+          <a:schemeClr val="lt1"/>
+        </a:fontRef>
+      </dsp:style>
+      <dsp:txBody>
+        <a:bodyPr spcFirstLastPara="0" vert="horz" wrap="square" lIns="6350" tIns="6350" rIns="6350" bIns="6350" numCol="1" spcCol="1270" anchor="ctr" anchorCtr="0">
+          <a:noAutofit/>
+        </a:bodyPr>
+        <a:lstStyle/>
+        <a:p>
+          <a:pPr marL="0" lvl="0" indent="0" algn="ctr" defTabSz="444500">
+            <a:lnSpc>
+              <a:spcPct val="90000"/>
+            </a:lnSpc>
+            <a:spcBef>
+              <a:spcPct val="0"/>
+            </a:spcBef>
+            <a:spcAft>
+              <a:spcPct val="35000"/>
+            </a:spcAft>
+            <a:buNone/>
+          </a:pPr>
+          <a:r>
+            <a:rPr lang="it-IT" sz="1000" kern="1200" dirty="0"/>
+            <a:t>Naive Bayes</a:t>
+          </a:r>
+          <a:endParaRPr lang="es-CL" sz="1000" kern="1200" dirty="0"/>
+        </a:p>
+      </dsp:txBody>
+      <dsp:txXfrm>
+        <a:off x="7038714" y="860589"/>
+        <a:ext cx="999233" cy="304766"/>
+      </dsp:txXfrm>
+    </dsp:sp>
+    <dsp:sp modelId="{2D85DA3E-2AD5-437C-9FB2-E0FF5533308B}">
+      <dsp:nvSpPr>
+        <dsp:cNvPr id="0" name=""/>
+        <dsp:cNvSpPr/>
+      </dsp:nvSpPr>
+      <dsp:spPr>
+        <a:xfrm>
+          <a:off x="7038714" y="1290259"/>
+          <a:ext cx="999233" cy="304766"/>
+        </a:xfrm>
+        <a:prstGeom prst="rect">
+          <a:avLst/>
+        </a:prstGeom>
+        <a:gradFill rotWithShape="0">
+          <a:gsLst>
+            <a:gs pos="0">
+              <a:schemeClr val="dk2">
+                <a:hueOff val="0"/>
+                <a:satOff val="0"/>
+                <a:lumOff val="0"/>
+                <a:alphaOff val="0"/>
+                <a:satMod val="103000"/>
+                <a:lumMod val="102000"/>
+                <a:tint val="94000"/>
+              </a:schemeClr>
+            </a:gs>
+            <a:gs pos="50000">
+              <a:schemeClr val="dk2">
+                <a:hueOff val="0"/>
+                <a:satOff val="0"/>
+                <a:lumOff val="0"/>
+                <a:alphaOff val="0"/>
+                <a:satMod val="110000"/>
+                <a:lumMod val="100000"/>
+                <a:shade val="100000"/>
+              </a:schemeClr>
+            </a:gs>
+            <a:gs pos="100000">
+              <a:schemeClr val="dk2">
+                <a:hueOff val="0"/>
+                <a:satOff val="0"/>
+                <a:lumOff val="0"/>
+                <a:alphaOff val="0"/>
+                <a:lumMod val="99000"/>
+                <a:satMod val="120000"/>
+                <a:shade val="78000"/>
+              </a:schemeClr>
+            </a:gs>
+          </a:gsLst>
+          <a:lin ang="5400000" scaled="0"/>
+        </a:gradFill>
+        <a:ln>
+          <a:noFill/>
+        </a:ln>
+        <a:effectLst>
+          <a:outerShdw blurRad="57150" dist="19050" dir="5400000" algn="ctr" rotWithShape="0">
+            <a:srgbClr val="000000">
+              <a:alpha val="63000"/>
+            </a:srgbClr>
+          </a:outerShdw>
+        </a:effectLst>
+      </dsp:spPr>
+      <dsp:style>
+        <a:lnRef idx="0">
+          <a:scrgbClr r="0" g="0" b="0"/>
+        </a:lnRef>
+        <a:fillRef idx="3">
+          <a:scrgbClr r="0" g="0" b="0"/>
+        </a:fillRef>
+        <a:effectRef idx="3">
+          <a:scrgbClr r="0" g="0" b="0"/>
+        </a:effectRef>
+        <a:fontRef idx="minor">
+          <a:schemeClr val="lt1"/>
+        </a:fontRef>
+      </dsp:style>
+      <dsp:txBody>
+        <a:bodyPr spcFirstLastPara="0" vert="horz" wrap="square" lIns="6350" tIns="6350" rIns="6350" bIns="6350" numCol="1" spcCol="1270" anchor="ctr" anchorCtr="0">
+          <a:noAutofit/>
+        </a:bodyPr>
+        <a:lstStyle/>
+        <a:p>
+          <a:pPr marL="0" lvl="0" indent="0" algn="ctr" defTabSz="444500">
+            <a:lnSpc>
+              <a:spcPct val="90000"/>
+            </a:lnSpc>
+            <a:spcBef>
+              <a:spcPct val="0"/>
+            </a:spcBef>
+            <a:spcAft>
+              <a:spcPct val="35000"/>
+            </a:spcAft>
+            <a:buNone/>
+          </a:pPr>
+          <a:r>
+            <a:rPr lang="es-CL" sz="1000" b="0" i="0" u="none" kern="1200" dirty="0" err="1"/>
+            <a:t>Multiclass</a:t>
+          </a:r>
+          <a:r>
+            <a:rPr lang="es-CL" sz="1000" b="0" i="0" u="none" kern="1200" dirty="0"/>
+            <a:t> </a:t>
+          </a:r>
+          <a:r>
+            <a:rPr lang="es-CL" sz="1000" b="0" i="0" u="none" kern="1200" dirty="0" err="1"/>
+            <a:t>Logistic</a:t>
+          </a:r>
+          <a:endParaRPr lang="es-CL" sz="1000" kern="1200" dirty="0"/>
+        </a:p>
+      </dsp:txBody>
+      <dsp:txXfrm>
+        <a:off x="7038714" y="1290259"/>
+        <a:ext cx="999233" cy="304766"/>
+      </dsp:txXfrm>
+    </dsp:sp>
+    <dsp:sp modelId="{CCA73D84-50BF-4B5D-B6F1-596628F2F848}">
+      <dsp:nvSpPr>
+        <dsp:cNvPr id="0" name=""/>
+        <dsp:cNvSpPr/>
+      </dsp:nvSpPr>
+      <dsp:spPr>
+        <a:xfrm>
+          <a:off x="4640554" y="2364435"/>
+          <a:ext cx="999233" cy="304766"/>
+        </a:xfrm>
+        <a:prstGeom prst="rect">
+          <a:avLst/>
+        </a:prstGeom>
+        <a:gradFill rotWithShape="0">
+          <a:gsLst>
+            <a:gs pos="0">
+              <a:schemeClr val="dk2">
+                <a:hueOff val="0"/>
+                <a:satOff val="0"/>
+                <a:lumOff val="0"/>
+                <a:alphaOff val="0"/>
+                <a:satMod val="103000"/>
+                <a:lumMod val="102000"/>
+                <a:tint val="94000"/>
+              </a:schemeClr>
+            </a:gs>
+            <a:gs pos="50000">
+              <a:schemeClr val="dk2">
+                <a:hueOff val="0"/>
+                <a:satOff val="0"/>
+                <a:lumOff val="0"/>
+                <a:alphaOff val="0"/>
+                <a:satMod val="110000"/>
+                <a:lumMod val="100000"/>
+                <a:shade val="100000"/>
+              </a:schemeClr>
+            </a:gs>
+            <a:gs pos="100000">
+              <a:schemeClr val="dk2">
+                <a:hueOff val="0"/>
+                <a:satOff val="0"/>
+                <a:lumOff val="0"/>
+                <a:alphaOff val="0"/>
+                <a:lumMod val="99000"/>
+                <a:satMod val="120000"/>
+                <a:shade val="78000"/>
+              </a:schemeClr>
+            </a:gs>
+          </a:gsLst>
+          <a:lin ang="5400000" scaled="0"/>
+        </a:gradFill>
+        <a:ln>
+          <a:noFill/>
+        </a:ln>
+        <a:effectLst>
+          <a:outerShdw blurRad="57150" dist="19050" dir="5400000" algn="ctr" rotWithShape="0">
+            <a:srgbClr val="000000">
+              <a:alpha val="63000"/>
+            </a:srgbClr>
+          </a:outerShdw>
+        </a:effectLst>
+      </dsp:spPr>
+      <dsp:style>
+        <a:lnRef idx="0">
+          <a:scrgbClr r="0" g="0" b="0"/>
+        </a:lnRef>
+        <a:fillRef idx="3">
+          <a:scrgbClr r="0" g="0" b="0"/>
+        </a:fillRef>
+        <a:effectRef idx="3">
+          <a:scrgbClr r="0" g="0" b="0"/>
+        </a:effectRef>
+        <a:fontRef idx="minor">
+          <a:schemeClr val="lt1"/>
+        </a:fontRef>
+      </dsp:style>
+      <dsp:txBody>
+        <a:bodyPr spcFirstLastPara="0" vert="horz" wrap="square" lIns="6350" tIns="6350" rIns="6350" bIns="6350" numCol="1" spcCol="1270" anchor="ctr" anchorCtr="0">
+          <a:noAutofit/>
+        </a:bodyPr>
+        <a:lstStyle/>
+        <a:p>
+          <a:pPr marL="0" lvl="0" indent="0" algn="ctr" defTabSz="444500">
+            <a:lnSpc>
+              <a:spcPct val="90000"/>
+            </a:lnSpc>
+            <a:spcBef>
+              <a:spcPct val="0"/>
+            </a:spcBef>
+            <a:spcAft>
+              <a:spcPct val="35000"/>
+            </a:spcAft>
+            <a:buNone/>
+          </a:pPr>
+          <a:r>
+            <a:rPr lang="it-IT" sz="1000" kern="1200" dirty="0"/>
+            <a:t>Bins size 2</a:t>
+          </a:r>
+          <a:endParaRPr lang="es-CL" sz="1000" kern="1200" dirty="0"/>
+        </a:p>
+      </dsp:txBody>
+      <dsp:txXfrm>
+        <a:off x="4640554" y="2364435"/>
+        <a:ext cx="999233" cy="304766"/>
+      </dsp:txXfrm>
+    </dsp:sp>
+    <dsp:sp modelId="{D73092D4-BA71-4E3F-AA4C-71057F1B3FA8}">
+      <dsp:nvSpPr>
+        <dsp:cNvPr id="0" name=""/>
+        <dsp:cNvSpPr/>
+      </dsp:nvSpPr>
+      <dsp:spPr>
+        <a:xfrm>
+          <a:off x="5839634" y="2364435"/>
+          <a:ext cx="999233" cy="304766"/>
+        </a:xfrm>
+        <a:prstGeom prst="rect">
+          <a:avLst/>
+        </a:prstGeom>
+        <a:gradFill rotWithShape="0">
+          <a:gsLst>
+            <a:gs pos="0">
+              <a:schemeClr val="dk2">
+                <a:hueOff val="0"/>
+                <a:satOff val="0"/>
+                <a:lumOff val="0"/>
+                <a:alphaOff val="0"/>
+                <a:satMod val="103000"/>
+                <a:lumMod val="102000"/>
+                <a:tint val="94000"/>
+              </a:schemeClr>
+            </a:gs>
+            <a:gs pos="50000">
+              <a:schemeClr val="dk2">
+                <a:hueOff val="0"/>
+                <a:satOff val="0"/>
+                <a:lumOff val="0"/>
+                <a:alphaOff val="0"/>
+                <a:satMod val="110000"/>
+                <a:lumMod val="100000"/>
+                <a:shade val="100000"/>
+              </a:schemeClr>
+            </a:gs>
+            <a:gs pos="100000">
+              <a:schemeClr val="dk2">
+                <a:hueOff val="0"/>
+                <a:satOff val="0"/>
+                <a:lumOff val="0"/>
+                <a:alphaOff val="0"/>
+                <a:lumMod val="99000"/>
+                <a:satMod val="120000"/>
+                <a:shade val="78000"/>
+              </a:schemeClr>
+            </a:gs>
+          </a:gsLst>
+          <a:lin ang="5400000" scaled="0"/>
+        </a:gradFill>
+        <a:ln>
+          <a:noFill/>
+        </a:ln>
+        <a:effectLst>
+          <a:outerShdw blurRad="57150" dist="19050" dir="5400000" algn="ctr" rotWithShape="0">
+            <a:srgbClr val="000000">
+              <a:alpha val="63000"/>
+            </a:srgbClr>
+          </a:outerShdw>
+        </a:effectLst>
+      </dsp:spPr>
+      <dsp:style>
+        <a:lnRef idx="0">
+          <a:scrgbClr r="0" g="0" b="0"/>
+        </a:lnRef>
+        <a:fillRef idx="3">
+          <a:scrgbClr r="0" g="0" b="0"/>
+        </a:fillRef>
+        <a:effectRef idx="3">
+          <a:scrgbClr r="0" g="0" b="0"/>
+        </a:effectRef>
+        <a:fontRef idx="minor">
+          <a:schemeClr val="lt1"/>
+        </a:fontRef>
+      </dsp:style>
+      <dsp:txBody>
+        <a:bodyPr spcFirstLastPara="0" vert="horz" wrap="square" lIns="6350" tIns="6350" rIns="6350" bIns="6350" numCol="1" spcCol="1270" anchor="ctr" anchorCtr="0">
+          <a:noAutofit/>
+        </a:bodyPr>
+        <a:lstStyle/>
+        <a:p>
+          <a:pPr marL="0" lvl="0" indent="0" algn="ctr" defTabSz="444500">
+            <a:lnSpc>
+              <a:spcPct val="90000"/>
+            </a:lnSpc>
+            <a:spcBef>
+              <a:spcPct val="0"/>
+            </a:spcBef>
+            <a:spcAft>
+              <a:spcPct val="35000"/>
+            </a:spcAft>
+            <a:buNone/>
+          </a:pPr>
+          <a:r>
+            <a:rPr lang="it-IT" sz="1000" kern="1200" dirty="0"/>
+            <a:t>Feature generation</a:t>
+          </a:r>
+          <a:endParaRPr lang="es-CL" sz="1000" kern="1200" dirty="0"/>
+        </a:p>
+      </dsp:txBody>
+      <dsp:txXfrm>
+        <a:off x="5839634" y="2364435"/>
+        <a:ext cx="999233" cy="304766"/>
+      </dsp:txXfrm>
+    </dsp:sp>
+    <dsp:sp modelId="{3EF766ED-C86D-4E78-A551-C2AFF2EE2AB5}">
+      <dsp:nvSpPr>
+        <dsp:cNvPr id="0" name=""/>
+        <dsp:cNvSpPr/>
+      </dsp:nvSpPr>
+      <dsp:spPr>
+        <a:xfrm>
+          <a:off x="7038714" y="1719930"/>
+          <a:ext cx="999233" cy="304766"/>
+        </a:xfrm>
+        <a:prstGeom prst="rect">
+          <a:avLst/>
+        </a:prstGeom>
+        <a:gradFill rotWithShape="0">
+          <a:gsLst>
+            <a:gs pos="0">
+              <a:schemeClr val="dk2">
+                <a:hueOff val="0"/>
+                <a:satOff val="0"/>
+                <a:lumOff val="0"/>
+                <a:alphaOff val="0"/>
+                <a:satMod val="103000"/>
+                <a:lumMod val="102000"/>
+                <a:tint val="94000"/>
+              </a:schemeClr>
+            </a:gs>
+            <a:gs pos="50000">
+              <a:schemeClr val="dk2">
+                <a:hueOff val="0"/>
+                <a:satOff val="0"/>
+                <a:lumOff val="0"/>
+                <a:alphaOff val="0"/>
+                <a:satMod val="110000"/>
+                <a:lumMod val="100000"/>
+                <a:shade val="100000"/>
+              </a:schemeClr>
+            </a:gs>
+            <a:gs pos="100000">
+              <a:schemeClr val="dk2">
+                <a:hueOff val="0"/>
+                <a:satOff val="0"/>
+                <a:lumOff val="0"/>
+                <a:alphaOff val="0"/>
+                <a:lumMod val="99000"/>
+                <a:satMod val="120000"/>
+                <a:shade val="78000"/>
+              </a:schemeClr>
+            </a:gs>
+          </a:gsLst>
+          <a:lin ang="5400000" scaled="0"/>
+        </a:gradFill>
+        <a:ln>
+          <a:noFill/>
+        </a:ln>
+        <a:effectLst>
+          <a:outerShdw blurRad="57150" dist="19050" dir="5400000" algn="ctr" rotWithShape="0">
+            <a:srgbClr val="000000">
+              <a:alpha val="63000"/>
+            </a:srgbClr>
+          </a:outerShdw>
+        </a:effectLst>
+      </dsp:spPr>
+      <dsp:style>
+        <a:lnRef idx="0">
+          <a:scrgbClr r="0" g="0" b="0"/>
+        </a:lnRef>
+        <a:fillRef idx="3">
+          <a:scrgbClr r="0" g="0" b="0"/>
+        </a:fillRef>
+        <a:effectRef idx="3">
+          <a:scrgbClr r="0" g="0" b="0"/>
+        </a:effectRef>
+        <a:fontRef idx="minor">
+          <a:schemeClr val="lt1"/>
+        </a:fontRef>
+      </dsp:style>
+      <dsp:txBody>
+        <a:bodyPr spcFirstLastPara="0" vert="horz" wrap="square" lIns="6350" tIns="6350" rIns="6350" bIns="6350" numCol="1" spcCol="1270" anchor="ctr" anchorCtr="0">
+          <a:noAutofit/>
+        </a:bodyPr>
+        <a:lstStyle/>
+        <a:p>
+          <a:pPr marL="0" lvl="0" indent="0" algn="ctr" defTabSz="444500">
+            <a:lnSpc>
+              <a:spcPct val="90000"/>
+            </a:lnSpc>
+            <a:spcBef>
+              <a:spcPct val="0"/>
+            </a:spcBef>
+            <a:spcAft>
+              <a:spcPct val="35000"/>
+            </a:spcAft>
+            <a:buNone/>
+          </a:pPr>
+          <a:r>
+            <a:rPr lang="it-IT" sz="1000" kern="1200"/>
+            <a:t>Random Forest</a:t>
+          </a:r>
+          <a:endParaRPr lang="es-CL" sz="1000" kern="1200" dirty="0"/>
+        </a:p>
+      </dsp:txBody>
+      <dsp:txXfrm>
+        <a:off x="7038714" y="1719930"/>
+        <a:ext cx="999233" cy="304766"/>
+      </dsp:txXfrm>
+    </dsp:sp>
+    <dsp:sp modelId="{1F45249C-674B-4770-9D68-46813EEC5775}">
+      <dsp:nvSpPr>
+        <dsp:cNvPr id="0" name=""/>
+        <dsp:cNvSpPr/>
+      </dsp:nvSpPr>
+      <dsp:spPr>
+        <a:xfrm>
+          <a:off x="7038714" y="2149600"/>
+          <a:ext cx="999233" cy="304766"/>
+        </a:xfrm>
+        <a:prstGeom prst="rect">
+          <a:avLst/>
+        </a:prstGeom>
+        <a:gradFill rotWithShape="0">
+          <a:gsLst>
+            <a:gs pos="0">
+              <a:schemeClr val="dk2">
+                <a:hueOff val="0"/>
+                <a:satOff val="0"/>
+                <a:lumOff val="0"/>
+                <a:alphaOff val="0"/>
+                <a:satMod val="103000"/>
+                <a:lumMod val="102000"/>
+                <a:tint val="94000"/>
+              </a:schemeClr>
+            </a:gs>
+            <a:gs pos="50000">
+              <a:schemeClr val="dk2">
+                <a:hueOff val="0"/>
+                <a:satOff val="0"/>
+                <a:lumOff val="0"/>
+                <a:alphaOff val="0"/>
+                <a:satMod val="110000"/>
+                <a:lumMod val="100000"/>
+                <a:shade val="100000"/>
+              </a:schemeClr>
+            </a:gs>
+            <a:gs pos="100000">
+              <a:schemeClr val="dk2">
+                <a:hueOff val="0"/>
+                <a:satOff val="0"/>
+                <a:lumOff val="0"/>
+                <a:alphaOff val="0"/>
+                <a:lumMod val="99000"/>
+                <a:satMod val="120000"/>
+                <a:shade val="78000"/>
+              </a:schemeClr>
+            </a:gs>
+          </a:gsLst>
+          <a:lin ang="5400000" scaled="0"/>
+        </a:gradFill>
+        <a:ln>
+          <a:noFill/>
+        </a:ln>
+        <a:effectLst>
+          <a:outerShdw blurRad="57150" dist="19050" dir="5400000" algn="ctr" rotWithShape="0">
+            <a:srgbClr val="000000">
+              <a:alpha val="63000"/>
+            </a:srgbClr>
+          </a:outerShdw>
+        </a:effectLst>
+      </dsp:spPr>
+      <dsp:style>
+        <a:lnRef idx="0">
+          <a:scrgbClr r="0" g="0" b="0"/>
+        </a:lnRef>
+        <a:fillRef idx="3">
+          <a:scrgbClr r="0" g="0" b="0"/>
+        </a:fillRef>
+        <a:effectRef idx="3">
+          <a:scrgbClr r="0" g="0" b="0"/>
+        </a:effectRef>
+        <a:fontRef idx="minor">
+          <a:schemeClr val="lt1"/>
+        </a:fontRef>
+      </dsp:style>
+      <dsp:txBody>
+        <a:bodyPr spcFirstLastPara="0" vert="horz" wrap="square" lIns="6350" tIns="6350" rIns="6350" bIns="6350" numCol="1" spcCol="1270" anchor="ctr" anchorCtr="0">
+          <a:noAutofit/>
+        </a:bodyPr>
+        <a:lstStyle/>
+        <a:p>
+          <a:pPr marL="0" lvl="0" indent="0" algn="ctr" defTabSz="444500">
+            <a:lnSpc>
+              <a:spcPct val="90000"/>
+            </a:lnSpc>
+            <a:spcBef>
+              <a:spcPct val="0"/>
+            </a:spcBef>
+            <a:spcAft>
+              <a:spcPct val="35000"/>
+            </a:spcAft>
+            <a:buNone/>
+          </a:pPr>
+          <a:r>
+            <a:rPr lang="it-IT" sz="1000" kern="1200" dirty="0"/>
+            <a:t>LDA</a:t>
+          </a:r>
+          <a:endParaRPr lang="es-CL" sz="1000" kern="1200" dirty="0"/>
+        </a:p>
+      </dsp:txBody>
+      <dsp:txXfrm>
+        <a:off x="7038714" y="2149600"/>
+        <a:ext cx="999233" cy="304766"/>
+      </dsp:txXfrm>
+    </dsp:sp>
+    <dsp:sp modelId="{649C8F08-39E4-45DC-8D1A-34A2FCD823BE}">
+      <dsp:nvSpPr>
+        <dsp:cNvPr id="0" name=""/>
+        <dsp:cNvSpPr/>
+      </dsp:nvSpPr>
+      <dsp:spPr>
+        <a:xfrm>
+          <a:off x="7038714" y="2579271"/>
+          <a:ext cx="999233" cy="304766"/>
+        </a:xfrm>
+        <a:prstGeom prst="rect">
+          <a:avLst/>
+        </a:prstGeom>
+        <a:gradFill rotWithShape="0">
+          <a:gsLst>
+            <a:gs pos="0">
+              <a:schemeClr val="dk2">
+                <a:hueOff val="0"/>
+                <a:satOff val="0"/>
+                <a:lumOff val="0"/>
+                <a:alphaOff val="0"/>
+                <a:satMod val="103000"/>
+                <a:lumMod val="102000"/>
+                <a:tint val="94000"/>
+              </a:schemeClr>
+            </a:gs>
+            <a:gs pos="50000">
+              <a:schemeClr val="dk2">
+                <a:hueOff val="0"/>
+                <a:satOff val="0"/>
+                <a:lumOff val="0"/>
+                <a:alphaOff val="0"/>
+                <a:satMod val="110000"/>
+                <a:lumMod val="100000"/>
+                <a:shade val="100000"/>
+              </a:schemeClr>
+            </a:gs>
+            <a:gs pos="100000">
+              <a:schemeClr val="dk2">
+                <a:hueOff val="0"/>
+                <a:satOff val="0"/>
+                <a:lumOff val="0"/>
+                <a:alphaOff val="0"/>
+                <a:lumMod val="99000"/>
+                <a:satMod val="120000"/>
+                <a:shade val="78000"/>
+              </a:schemeClr>
+            </a:gs>
+          </a:gsLst>
+          <a:lin ang="5400000" scaled="0"/>
+        </a:gradFill>
+        <a:ln>
+          <a:noFill/>
+        </a:ln>
+        <a:effectLst>
+          <a:outerShdw blurRad="57150" dist="19050" dir="5400000" algn="ctr" rotWithShape="0">
+            <a:srgbClr val="000000">
+              <a:alpha val="63000"/>
+            </a:srgbClr>
+          </a:outerShdw>
+        </a:effectLst>
+      </dsp:spPr>
+      <dsp:style>
+        <a:lnRef idx="0">
+          <a:scrgbClr r="0" g="0" b="0"/>
+        </a:lnRef>
+        <a:fillRef idx="3">
+          <a:scrgbClr r="0" g="0" b="0"/>
+        </a:fillRef>
+        <a:effectRef idx="3">
+          <a:scrgbClr r="0" g="0" b="0"/>
+        </a:effectRef>
+        <a:fontRef idx="minor">
+          <a:schemeClr val="lt1"/>
+        </a:fontRef>
+      </dsp:style>
+      <dsp:txBody>
+        <a:bodyPr spcFirstLastPara="0" vert="horz" wrap="square" lIns="6350" tIns="6350" rIns="6350" bIns="6350" numCol="1" spcCol="1270" anchor="ctr" anchorCtr="0">
+          <a:noAutofit/>
+        </a:bodyPr>
+        <a:lstStyle/>
+        <a:p>
+          <a:pPr marL="0" lvl="0" indent="0" algn="ctr" defTabSz="444500">
+            <a:lnSpc>
+              <a:spcPct val="90000"/>
+            </a:lnSpc>
+            <a:spcBef>
+              <a:spcPct val="0"/>
+            </a:spcBef>
+            <a:spcAft>
+              <a:spcPct val="35000"/>
+            </a:spcAft>
+            <a:buNone/>
+          </a:pPr>
+          <a:r>
+            <a:rPr lang="it-IT" sz="1000" kern="1200" dirty="0"/>
+            <a:t>Naive Bayes</a:t>
+          </a:r>
+          <a:endParaRPr lang="es-CL" sz="1000" kern="1200" dirty="0"/>
+        </a:p>
+      </dsp:txBody>
+      <dsp:txXfrm>
+        <a:off x="7038714" y="2579271"/>
+        <a:ext cx="999233" cy="304766"/>
+      </dsp:txXfrm>
+    </dsp:sp>
+    <dsp:sp modelId="{2EC03172-3EDA-4029-B1FA-F0AE4E758314}">
+      <dsp:nvSpPr>
+        <dsp:cNvPr id="0" name=""/>
+        <dsp:cNvSpPr/>
+      </dsp:nvSpPr>
+      <dsp:spPr>
+        <a:xfrm>
+          <a:off x="7038714" y="3008941"/>
+          <a:ext cx="999233" cy="304766"/>
+        </a:xfrm>
+        <a:prstGeom prst="rect">
+          <a:avLst/>
+        </a:prstGeom>
+        <a:gradFill rotWithShape="0">
+          <a:gsLst>
+            <a:gs pos="0">
+              <a:schemeClr val="dk2">
+                <a:hueOff val="0"/>
+                <a:satOff val="0"/>
+                <a:lumOff val="0"/>
+                <a:alphaOff val="0"/>
+                <a:satMod val="103000"/>
+                <a:lumMod val="102000"/>
+                <a:tint val="94000"/>
+              </a:schemeClr>
+            </a:gs>
+            <a:gs pos="50000">
+              <a:schemeClr val="dk2">
+                <a:hueOff val="0"/>
+                <a:satOff val="0"/>
+                <a:lumOff val="0"/>
+                <a:alphaOff val="0"/>
+                <a:satMod val="110000"/>
+                <a:lumMod val="100000"/>
+                <a:shade val="100000"/>
+              </a:schemeClr>
+            </a:gs>
+            <a:gs pos="100000">
+              <a:schemeClr val="dk2">
+                <a:hueOff val="0"/>
+                <a:satOff val="0"/>
+                <a:lumOff val="0"/>
+                <a:alphaOff val="0"/>
+                <a:lumMod val="99000"/>
+                <a:satMod val="120000"/>
+                <a:shade val="78000"/>
+              </a:schemeClr>
+            </a:gs>
+          </a:gsLst>
+          <a:lin ang="5400000" scaled="0"/>
+        </a:gradFill>
+        <a:ln>
+          <a:noFill/>
+        </a:ln>
+        <a:effectLst>
+          <a:outerShdw blurRad="57150" dist="19050" dir="5400000" algn="ctr" rotWithShape="0">
+            <a:srgbClr val="000000">
+              <a:alpha val="63000"/>
+            </a:srgbClr>
+          </a:outerShdw>
+        </a:effectLst>
+      </dsp:spPr>
+      <dsp:style>
+        <a:lnRef idx="0">
+          <a:scrgbClr r="0" g="0" b="0"/>
+        </a:lnRef>
+        <a:fillRef idx="3">
+          <a:scrgbClr r="0" g="0" b="0"/>
+        </a:fillRef>
+        <a:effectRef idx="3">
+          <a:scrgbClr r="0" g="0" b="0"/>
+        </a:effectRef>
+        <a:fontRef idx="minor">
+          <a:schemeClr val="lt1"/>
+        </a:fontRef>
+      </dsp:style>
+      <dsp:txBody>
+        <a:bodyPr spcFirstLastPara="0" vert="horz" wrap="square" lIns="6350" tIns="6350" rIns="6350" bIns="6350" numCol="1" spcCol="1270" anchor="ctr" anchorCtr="0">
+          <a:noAutofit/>
+        </a:bodyPr>
+        <a:lstStyle/>
+        <a:p>
+          <a:pPr marL="0" lvl="0" indent="0" algn="ctr" defTabSz="444500">
+            <a:lnSpc>
+              <a:spcPct val="90000"/>
+            </a:lnSpc>
+            <a:spcBef>
+              <a:spcPct val="0"/>
+            </a:spcBef>
+            <a:spcAft>
+              <a:spcPct val="35000"/>
+            </a:spcAft>
+            <a:buNone/>
+          </a:pPr>
+          <a:r>
+            <a:rPr lang="es-CL" sz="1000" b="0" i="0" u="none" kern="1200" dirty="0" err="1"/>
+            <a:t>Multiclass</a:t>
+          </a:r>
+          <a:r>
+            <a:rPr lang="es-CL" sz="1000" b="0" i="0" u="none" kern="1200" dirty="0"/>
+            <a:t> </a:t>
+          </a:r>
+          <a:r>
+            <a:rPr lang="es-CL" sz="1000" b="0" i="0" u="none" kern="1200" dirty="0" err="1"/>
+            <a:t>Logistic</a:t>
+          </a:r>
+          <a:endParaRPr lang="es-CL" sz="1000" kern="1200" dirty="0"/>
+        </a:p>
+      </dsp:txBody>
+      <dsp:txXfrm>
+        <a:off x="7038714" y="3008941"/>
+        <a:ext cx="999233" cy="304766"/>
+      </dsp:txXfrm>
+    </dsp:sp>
+    <dsp:sp modelId="{E76EBBED-AE38-42FC-B9F2-8CE70B033AB2}">
+      <dsp:nvSpPr>
+        <dsp:cNvPr id="0" name=""/>
+        <dsp:cNvSpPr/>
+      </dsp:nvSpPr>
+      <dsp:spPr>
+        <a:xfrm>
+          <a:off x="4640554" y="4083117"/>
+          <a:ext cx="999233" cy="304766"/>
+        </a:xfrm>
+        <a:prstGeom prst="rect">
+          <a:avLst/>
+        </a:prstGeom>
+        <a:gradFill rotWithShape="0">
+          <a:gsLst>
+            <a:gs pos="0">
+              <a:schemeClr val="dk2">
+                <a:hueOff val="0"/>
+                <a:satOff val="0"/>
+                <a:lumOff val="0"/>
+                <a:alphaOff val="0"/>
+                <a:satMod val="103000"/>
+                <a:lumMod val="102000"/>
+                <a:tint val="94000"/>
+              </a:schemeClr>
+            </a:gs>
+            <a:gs pos="50000">
+              <a:schemeClr val="dk2">
+                <a:hueOff val="0"/>
+                <a:satOff val="0"/>
+                <a:lumOff val="0"/>
+                <a:alphaOff val="0"/>
+                <a:satMod val="110000"/>
+                <a:lumMod val="100000"/>
+                <a:shade val="100000"/>
+              </a:schemeClr>
+            </a:gs>
+            <a:gs pos="100000">
+              <a:schemeClr val="dk2">
+                <a:hueOff val="0"/>
+                <a:satOff val="0"/>
+                <a:lumOff val="0"/>
+                <a:alphaOff val="0"/>
+                <a:lumMod val="99000"/>
+                <a:satMod val="120000"/>
+                <a:shade val="78000"/>
+              </a:schemeClr>
+            </a:gs>
+          </a:gsLst>
+          <a:lin ang="5400000" scaled="0"/>
+        </a:gradFill>
+        <a:ln>
+          <a:noFill/>
+        </a:ln>
+        <a:effectLst>
+          <a:outerShdw blurRad="57150" dist="19050" dir="5400000" algn="ctr" rotWithShape="0">
+            <a:srgbClr val="000000">
+              <a:alpha val="63000"/>
+            </a:srgbClr>
+          </a:outerShdw>
+        </a:effectLst>
+      </dsp:spPr>
+      <dsp:style>
+        <a:lnRef idx="0">
+          <a:scrgbClr r="0" g="0" b="0"/>
+        </a:lnRef>
+        <a:fillRef idx="3">
+          <a:scrgbClr r="0" g="0" b="0"/>
+        </a:fillRef>
+        <a:effectRef idx="3">
+          <a:scrgbClr r="0" g="0" b="0"/>
+        </a:effectRef>
+        <a:fontRef idx="minor">
+          <a:schemeClr val="lt1"/>
+        </a:fontRef>
+      </dsp:style>
+      <dsp:txBody>
+        <a:bodyPr spcFirstLastPara="0" vert="horz" wrap="square" lIns="6350" tIns="6350" rIns="6350" bIns="6350" numCol="1" spcCol="1270" anchor="ctr" anchorCtr="0">
+          <a:noAutofit/>
+        </a:bodyPr>
+        <a:lstStyle/>
+        <a:p>
+          <a:pPr marL="0" lvl="0" indent="0" algn="ctr" defTabSz="444500">
+            <a:lnSpc>
+              <a:spcPct val="90000"/>
+            </a:lnSpc>
+            <a:spcBef>
+              <a:spcPct val="0"/>
+            </a:spcBef>
+            <a:spcAft>
+              <a:spcPct val="35000"/>
+            </a:spcAft>
+            <a:buNone/>
+          </a:pPr>
+          <a:r>
+            <a:rPr lang="it-IT" sz="1000" kern="1200" dirty="0"/>
+            <a:t>Bins size 3</a:t>
+          </a:r>
+          <a:endParaRPr lang="es-CL" sz="1000" kern="1200" dirty="0"/>
+        </a:p>
+      </dsp:txBody>
+      <dsp:txXfrm>
+        <a:off x="4640554" y="4083117"/>
+        <a:ext cx="999233" cy="304766"/>
+      </dsp:txXfrm>
+    </dsp:sp>
+    <dsp:sp modelId="{C61E72F6-F573-484E-A5B6-494AAD96F2CE}">
+      <dsp:nvSpPr>
+        <dsp:cNvPr id="0" name=""/>
+        <dsp:cNvSpPr/>
+      </dsp:nvSpPr>
+      <dsp:spPr>
+        <a:xfrm>
+          <a:off x="5839634" y="4083117"/>
+          <a:ext cx="999233" cy="304766"/>
+        </a:xfrm>
+        <a:prstGeom prst="rect">
+          <a:avLst/>
+        </a:prstGeom>
+        <a:gradFill rotWithShape="0">
+          <a:gsLst>
+            <a:gs pos="0">
+              <a:schemeClr val="dk2">
+                <a:hueOff val="0"/>
+                <a:satOff val="0"/>
+                <a:lumOff val="0"/>
+                <a:alphaOff val="0"/>
+                <a:satMod val="103000"/>
+                <a:lumMod val="102000"/>
+                <a:tint val="94000"/>
+              </a:schemeClr>
+            </a:gs>
+            <a:gs pos="50000">
+              <a:schemeClr val="dk2">
+                <a:hueOff val="0"/>
+                <a:satOff val="0"/>
+                <a:lumOff val="0"/>
+                <a:alphaOff val="0"/>
+                <a:satMod val="110000"/>
+                <a:lumMod val="100000"/>
+                <a:shade val="100000"/>
+              </a:schemeClr>
+            </a:gs>
+            <a:gs pos="100000">
+              <a:schemeClr val="dk2">
+                <a:hueOff val="0"/>
+                <a:satOff val="0"/>
+                <a:lumOff val="0"/>
+                <a:alphaOff val="0"/>
+                <a:lumMod val="99000"/>
+                <a:satMod val="120000"/>
+                <a:shade val="78000"/>
+              </a:schemeClr>
+            </a:gs>
+          </a:gsLst>
+          <a:lin ang="5400000" scaled="0"/>
+        </a:gradFill>
+        <a:ln>
+          <a:noFill/>
+        </a:ln>
+        <a:effectLst>
+          <a:outerShdw blurRad="57150" dist="19050" dir="5400000" algn="ctr" rotWithShape="0">
+            <a:srgbClr val="000000">
+              <a:alpha val="63000"/>
+            </a:srgbClr>
+          </a:outerShdw>
+        </a:effectLst>
+      </dsp:spPr>
+      <dsp:style>
+        <a:lnRef idx="0">
+          <a:scrgbClr r="0" g="0" b="0"/>
+        </a:lnRef>
+        <a:fillRef idx="3">
+          <a:scrgbClr r="0" g="0" b="0"/>
+        </a:fillRef>
+        <a:effectRef idx="3">
+          <a:scrgbClr r="0" g="0" b="0"/>
+        </a:effectRef>
+        <a:fontRef idx="minor">
+          <a:schemeClr val="lt1"/>
+        </a:fontRef>
+      </dsp:style>
+      <dsp:txBody>
+        <a:bodyPr spcFirstLastPara="0" vert="horz" wrap="square" lIns="6350" tIns="6350" rIns="6350" bIns="6350" numCol="1" spcCol="1270" anchor="ctr" anchorCtr="0">
+          <a:noAutofit/>
+        </a:bodyPr>
+        <a:lstStyle/>
+        <a:p>
+          <a:pPr marL="0" lvl="0" indent="0" algn="ctr" defTabSz="444500">
+            <a:lnSpc>
+              <a:spcPct val="90000"/>
+            </a:lnSpc>
+            <a:spcBef>
+              <a:spcPct val="0"/>
+            </a:spcBef>
+            <a:spcAft>
+              <a:spcPct val="35000"/>
+            </a:spcAft>
+            <a:buNone/>
+          </a:pPr>
+          <a:r>
+            <a:rPr lang="it-IT" sz="1000" kern="1200" dirty="0"/>
+            <a:t>Feature generation</a:t>
+          </a:r>
+          <a:endParaRPr lang="es-CL" sz="1000" kern="1200" dirty="0"/>
+        </a:p>
+      </dsp:txBody>
+      <dsp:txXfrm>
+        <a:off x="5839634" y="4083117"/>
+        <a:ext cx="999233" cy="304766"/>
+      </dsp:txXfrm>
+    </dsp:sp>
+    <dsp:sp modelId="{61AE838E-3237-4612-82F3-7EF4F53B5B4F}">
+      <dsp:nvSpPr>
+        <dsp:cNvPr id="0" name=""/>
+        <dsp:cNvSpPr/>
+      </dsp:nvSpPr>
+      <dsp:spPr>
+        <a:xfrm>
+          <a:off x="7038714" y="3438612"/>
+          <a:ext cx="999233" cy="304766"/>
+        </a:xfrm>
+        <a:prstGeom prst="rect">
+          <a:avLst/>
+        </a:prstGeom>
+        <a:gradFill rotWithShape="0">
+          <a:gsLst>
+            <a:gs pos="0">
+              <a:schemeClr val="dk2">
+                <a:hueOff val="0"/>
+                <a:satOff val="0"/>
+                <a:lumOff val="0"/>
+                <a:alphaOff val="0"/>
+                <a:satMod val="103000"/>
+                <a:lumMod val="102000"/>
+                <a:tint val="94000"/>
+              </a:schemeClr>
+            </a:gs>
+            <a:gs pos="50000">
+              <a:schemeClr val="dk2">
+                <a:hueOff val="0"/>
+                <a:satOff val="0"/>
+                <a:lumOff val="0"/>
+                <a:alphaOff val="0"/>
+                <a:satMod val="110000"/>
+                <a:lumMod val="100000"/>
+                <a:shade val="100000"/>
+              </a:schemeClr>
+            </a:gs>
+            <a:gs pos="100000">
+              <a:schemeClr val="dk2">
+                <a:hueOff val="0"/>
+                <a:satOff val="0"/>
+                <a:lumOff val="0"/>
+                <a:alphaOff val="0"/>
+                <a:lumMod val="99000"/>
+                <a:satMod val="120000"/>
+                <a:shade val="78000"/>
+              </a:schemeClr>
+            </a:gs>
+          </a:gsLst>
+          <a:lin ang="5400000" scaled="0"/>
+        </a:gradFill>
+        <a:ln>
+          <a:noFill/>
+        </a:ln>
+        <a:effectLst>
+          <a:outerShdw blurRad="57150" dist="19050" dir="5400000" algn="ctr" rotWithShape="0">
+            <a:srgbClr val="000000">
+              <a:alpha val="63000"/>
+            </a:srgbClr>
+          </a:outerShdw>
+        </a:effectLst>
+      </dsp:spPr>
+      <dsp:style>
+        <a:lnRef idx="0">
+          <a:scrgbClr r="0" g="0" b="0"/>
+        </a:lnRef>
+        <a:fillRef idx="3">
+          <a:scrgbClr r="0" g="0" b="0"/>
+        </a:fillRef>
+        <a:effectRef idx="3">
+          <a:scrgbClr r="0" g="0" b="0"/>
+        </a:effectRef>
+        <a:fontRef idx="minor">
+          <a:schemeClr val="lt1"/>
+        </a:fontRef>
+      </dsp:style>
+      <dsp:txBody>
+        <a:bodyPr spcFirstLastPara="0" vert="horz" wrap="square" lIns="6350" tIns="6350" rIns="6350" bIns="6350" numCol="1" spcCol="1270" anchor="ctr" anchorCtr="0">
+          <a:noAutofit/>
+        </a:bodyPr>
+        <a:lstStyle/>
+        <a:p>
+          <a:pPr marL="0" lvl="0" indent="0" algn="ctr" defTabSz="444500">
+            <a:lnSpc>
+              <a:spcPct val="90000"/>
+            </a:lnSpc>
+            <a:spcBef>
+              <a:spcPct val="0"/>
+            </a:spcBef>
+            <a:spcAft>
+              <a:spcPct val="35000"/>
+            </a:spcAft>
+            <a:buNone/>
+          </a:pPr>
+          <a:r>
+            <a:rPr lang="it-IT" sz="1000" kern="1200"/>
+            <a:t>Random Forest</a:t>
+          </a:r>
+          <a:endParaRPr lang="es-CL" sz="1000" kern="1200" dirty="0"/>
+        </a:p>
+      </dsp:txBody>
+      <dsp:txXfrm>
+        <a:off x="7038714" y="3438612"/>
+        <a:ext cx="999233" cy="304766"/>
+      </dsp:txXfrm>
+    </dsp:sp>
+    <dsp:sp modelId="{01F32913-C1CB-48D9-B572-D1A9ECF33D76}">
+      <dsp:nvSpPr>
+        <dsp:cNvPr id="0" name=""/>
+        <dsp:cNvSpPr/>
+      </dsp:nvSpPr>
+      <dsp:spPr>
+        <a:xfrm>
+          <a:off x="7038714" y="3868282"/>
+          <a:ext cx="999233" cy="304766"/>
+        </a:xfrm>
+        <a:prstGeom prst="rect">
+          <a:avLst/>
+        </a:prstGeom>
+        <a:gradFill rotWithShape="0">
+          <a:gsLst>
+            <a:gs pos="0">
+              <a:schemeClr val="dk2">
+                <a:hueOff val="0"/>
+                <a:satOff val="0"/>
+                <a:lumOff val="0"/>
+                <a:alphaOff val="0"/>
+                <a:satMod val="103000"/>
+                <a:lumMod val="102000"/>
+                <a:tint val="94000"/>
+              </a:schemeClr>
+            </a:gs>
+            <a:gs pos="50000">
+              <a:schemeClr val="dk2">
+                <a:hueOff val="0"/>
+                <a:satOff val="0"/>
+                <a:lumOff val="0"/>
+                <a:alphaOff val="0"/>
+                <a:satMod val="110000"/>
+                <a:lumMod val="100000"/>
+                <a:shade val="100000"/>
+              </a:schemeClr>
+            </a:gs>
+            <a:gs pos="100000">
+              <a:schemeClr val="dk2">
+                <a:hueOff val="0"/>
+                <a:satOff val="0"/>
+                <a:lumOff val="0"/>
+                <a:alphaOff val="0"/>
+                <a:lumMod val="99000"/>
+                <a:satMod val="120000"/>
+                <a:shade val="78000"/>
+              </a:schemeClr>
+            </a:gs>
+          </a:gsLst>
+          <a:lin ang="5400000" scaled="0"/>
+        </a:gradFill>
+        <a:ln>
+          <a:noFill/>
+        </a:ln>
+        <a:effectLst>
+          <a:outerShdw blurRad="57150" dist="19050" dir="5400000" algn="ctr" rotWithShape="0">
+            <a:srgbClr val="000000">
+              <a:alpha val="63000"/>
+            </a:srgbClr>
+          </a:outerShdw>
+        </a:effectLst>
+      </dsp:spPr>
+      <dsp:style>
+        <a:lnRef idx="0">
+          <a:scrgbClr r="0" g="0" b="0"/>
+        </a:lnRef>
+        <a:fillRef idx="3">
+          <a:scrgbClr r="0" g="0" b="0"/>
+        </a:fillRef>
+        <a:effectRef idx="3">
+          <a:scrgbClr r="0" g="0" b="0"/>
+        </a:effectRef>
+        <a:fontRef idx="minor">
+          <a:schemeClr val="lt1"/>
+        </a:fontRef>
+      </dsp:style>
+      <dsp:txBody>
+        <a:bodyPr spcFirstLastPara="0" vert="horz" wrap="square" lIns="6350" tIns="6350" rIns="6350" bIns="6350" numCol="1" spcCol="1270" anchor="ctr" anchorCtr="0">
+          <a:noAutofit/>
+        </a:bodyPr>
+        <a:lstStyle/>
+        <a:p>
+          <a:pPr marL="0" lvl="0" indent="0" algn="ctr" defTabSz="444500">
+            <a:lnSpc>
+              <a:spcPct val="90000"/>
+            </a:lnSpc>
+            <a:spcBef>
+              <a:spcPct val="0"/>
+            </a:spcBef>
+            <a:spcAft>
+              <a:spcPct val="35000"/>
+            </a:spcAft>
+            <a:buNone/>
+          </a:pPr>
+          <a:r>
+            <a:rPr lang="it-IT" sz="1000" kern="1200" dirty="0"/>
+            <a:t>LDA</a:t>
+          </a:r>
+          <a:endParaRPr lang="es-CL" sz="1000" kern="1200" dirty="0"/>
+        </a:p>
+      </dsp:txBody>
+      <dsp:txXfrm>
+        <a:off x="7038714" y="3868282"/>
+        <a:ext cx="999233" cy="304766"/>
+      </dsp:txXfrm>
+    </dsp:sp>
+    <dsp:sp modelId="{ECADA862-2DE1-457D-A86A-FC01792E210C}">
+      <dsp:nvSpPr>
+        <dsp:cNvPr id="0" name=""/>
+        <dsp:cNvSpPr/>
+      </dsp:nvSpPr>
+      <dsp:spPr>
+        <a:xfrm>
+          <a:off x="7038714" y="4297953"/>
+          <a:ext cx="999233" cy="304766"/>
+        </a:xfrm>
+        <a:prstGeom prst="rect">
+          <a:avLst/>
+        </a:prstGeom>
+        <a:gradFill rotWithShape="0">
+          <a:gsLst>
+            <a:gs pos="0">
+              <a:schemeClr val="dk2">
+                <a:hueOff val="0"/>
+                <a:satOff val="0"/>
+                <a:lumOff val="0"/>
+                <a:alphaOff val="0"/>
+                <a:satMod val="103000"/>
+                <a:lumMod val="102000"/>
+                <a:tint val="94000"/>
+              </a:schemeClr>
+            </a:gs>
+            <a:gs pos="50000">
+              <a:schemeClr val="dk2">
+                <a:hueOff val="0"/>
+                <a:satOff val="0"/>
+                <a:lumOff val="0"/>
+                <a:alphaOff val="0"/>
+                <a:satMod val="110000"/>
+                <a:lumMod val="100000"/>
+                <a:shade val="100000"/>
+              </a:schemeClr>
+            </a:gs>
+            <a:gs pos="100000">
+              <a:schemeClr val="dk2">
+                <a:hueOff val="0"/>
+                <a:satOff val="0"/>
+                <a:lumOff val="0"/>
+                <a:alphaOff val="0"/>
+                <a:lumMod val="99000"/>
+                <a:satMod val="120000"/>
+                <a:shade val="78000"/>
+              </a:schemeClr>
+            </a:gs>
+          </a:gsLst>
+          <a:lin ang="5400000" scaled="0"/>
+        </a:gradFill>
+        <a:ln>
+          <a:noFill/>
+        </a:ln>
+        <a:effectLst>
+          <a:outerShdw blurRad="57150" dist="19050" dir="5400000" algn="ctr" rotWithShape="0">
+            <a:srgbClr val="000000">
+              <a:alpha val="63000"/>
+            </a:srgbClr>
+          </a:outerShdw>
+        </a:effectLst>
+      </dsp:spPr>
+      <dsp:style>
+        <a:lnRef idx="0">
+          <a:scrgbClr r="0" g="0" b="0"/>
+        </a:lnRef>
+        <a:fillRef idx="3">
+          <a:scrgbClr r="0" g="0" b="0"/>
+        </a:fillRef>
+        <a:effectRef idx="3">
+          <a:scrgbClr r="0" g="0" b="0"/>
+        </a:effectRef>
+        <a:fontRef idx="minor">
+          <a:schemeClr val="lt1"/>
+        </a:fontRef>
+      </dsp:style>
+      <dsp:txBody>
+        <a:bodyPr spcFirstLastPara="0" vert="horz" wrap="square" lIns="6350" tIns="6350" rIns="6350" bIns="6350" numCol="1" spcCol="1270" anchor="ctr" anchorCtr="0">
+          <a:noAutofit/>
+        </a:bodyPr>
+        <a:lstStyle/>
+        <a:p>
+          <a:pPr marL="0" lvl="0" indent="0" algn="ctr" defTabSz="444500">
+            <a:lnSpc>
+              <a:spcPct val="90000"/>
+            </a:lnSpc>
+            <a:spcBef>
+              <a:spcPct val="0"/>
+            </a:spcBef>
+            <a:spcAft>
+              <a:spcPct val="35000"/>
+            </a:spcAft>
+            <a:buNone/>
+          </a:pPr>
+          <a:r>
+            <a:rPr lang="it-IT" sz="1000" kern="1200" dirty="0"/>
+            <a:t>Naive Bayes</a:t>
+          </a:r>
+          <a:endParaRPr lang="es-CL" sz="1000" kern="1200" dirty="0"/>
+        </a:p>
+      </dsp:txBody>
+      <dsp:txXfrm>
+        <a:off x="7038714" y="4297953"/>
+        <a:ext cx="999233" cy="304766"/>
+      </dsp:txXfrm>
+    </dsp:sp>
+    <dsp:sp modelId="{8A534F18-EBD9-4255-ADD9-6E0C2AF5093A}">
+      <dsp:nvSpPr>
+        <dsp:cNvPr id="0" name=""/>
+        <dsp:cNvSpPr/>
+      </dsp:nvSpPr>
+      <dsp:spPr>
+        <a:xfrm>
+          <a:off x="7038714" y="4727623"/>
+          <a:ext cx="999233" cy="304766"/>
+        </a:xfrm>
+        <a:prstGeom prst="rect">
+          <a:avLst/>
+        </a:prstGeom>
+        <a:gradFill rotWithShape="0">
+          <a:gsLst>
+            <a:gs pos="0">
+              <a:schemeClr val="dk2">
+                <a:hueOff val="0"/>
+                <a:satOff val="0"/>
+                <a:lumOff val="0"/>
+                <a:alphaOff val="0"/>
+                <a:satMod val="103000"/>
+                <a:lumMod val="102000"/>
+                <a:tint val="94000"/>
+              </a:schemeClr>
+            </a:gs>
+            <a:gs pos="50000">
+              <a:schemeClr val="dk2">
+                <a:hueOff val="0"/>
+                <a:satOff val="0"/>
+                <a:lumOff val="0"/>
+                <a:alphaOff val="0"/>
+                <a:satMod val="110000"/>
+                <a:lumMod val="100000"/>
+                <a:shade val="100000"/>
+              </a:schemeClr>
+            </a:gs>
+            <a:gs pos="100000">
+              <a:schemeClr val="dk2">
+                <a:hueOff val="0"/>
+                <a:satOff val="0"/>
+                <a:lumOff val="0"/>
+                <a:alphaOff val="0"/>
+                <a:lumMod val="99000"/>
+                <a:satMod val="120000"/>
+                <a:shade val="78000"/>
+              </a:schemeClr>
+            </a:gs>
+          </a:gsLst>
+          <a:lin ang="5400000" scaled="0"/>
+        </a:gradFill>
+        <a:ln>
+          <a:noFill/>
+        </a:ln>
+        <a:effectLst>
+          <a:outerShdw blurRad="57150" dist="19050" dir="5400000" algn="ctr" rotWithShape="0">
+            <a:srgbClr val="000000">
+              <a:alpha val="63000"/>
+            </a:srgbClr>
+          </a:outerShdw>
+        </a:effectLst>
+      </dsp:spPr>
+      <dsp:style>
+        <a:lnRef idx="0">
+          <a:scrgbClr r="0" g="0" b="0"/>
+        </a:lnRef>
+        <a:fillRef idx="3">
+          <a:scrgbClr r="0" g="0" b="0"/>
+        </a:fillRef>
+        <a:effectRef idx="3">
+          <a:scrgbClr r="0" g="0" b="0"/>
+        </a:effectRef>
+        <a:fontRef idx="minor">
+          <a:schemeClr val="lt1"/>
+        </a:fontRef>
+      </dsp:style>
+      <dsp:txBody>
+        <a:bodyPr spcFirstLastPara="0" vert="horz" wrap="square" lIns="6350" tIns="6350" rIns="6350" bIns="6350" numCol="1" spcCol="1270" anchor="ctr" anchorCtr="0">
+          <a:noAutofit/>
+        </a:bodyPr>
+        <a:lstStyle/>
+        <a:p>
+          <a:pPr marL="0" lvl="0" indent="0" algn="ctr" defTabSz="444500">
+            <a:lnSpc>
+              <a:spcPct val="90000"/>
+            </a:lnSpc>
+            <a:spcBef>
+              <a:spcPct val="0"/>
+            </a:spcBef>
+            <a:spcAft>
+              <a:spcPct val="35000"/>
+            </a:spcAft>
+            <a:buNone/>
+          </a:pPr>
+          <a:r>
+            <a:rPr lang="es-CL" sz="1000" b="0" i="0" u="none" kern="1200" dirty="0" err="1"/>
+            <a:t>Multiclass</a:t>
+          </a:r>
+          <a:r>
+            <a:rPr lang="es-CL" sz="1000" b="0" i="0" u="none" kern="1200" dirty="0"/>
+            <a:t> </a:t>
+          </a:r>
+          <a:r>
+            <a:rPr lang="es-CL" sz="1000" b="0" i="0" u="none" kern="1200" dirty="0" err="1"/>
+            <a:t>Logistic</a:t>
+          </a:r>
+          <a:endParaRPr lang="es-CL" sz="1000" kern="1200" dirty="0"/>
+        </a:p>
+      </dsp:txBody>
+      <dsp:txXfrm>
+        <a:off x="7038714" y="4727623"/>
+        <a:ext cx="999233" cy="304766"/>
       </dsp:txXfrm>
     </dsp:sp>
   </dsp:spTree>
@@ -8574,7 +12630,7 @@
           <a:p>
             <a:fld id="{C15B2E9C-BE7C-4870-8B5D-BF91AB7E9FF1}" type="datetimeFigureOut">
               <a:rPr lang="es-CL" smtClean="0"/>
-              <a:t>09-07-2019</a:t>
+              <a:t>10-07-2019</a:t>
             </a:fld>
             <a:endParaRPr lang="es-CL"/>
           </a:p>
@@ -8774,7 +12830,7 @@
           <a:p>
             <a:fld id="{C15B2E9C-BE7C-4870-8B5D-BF91AB7E9FF1}" type="datetimeFigureOut">
               <a:rPr lang="es-CL" smtClean="0"/>
-              <a:t>09-07-2019</a:t>
+              <a:t>10-07-2019</a:t>
             </a:fld>
             <a:endParaRPr lang="es-CL"/>
           </a:p>
@@ -8984,7 +13040,7 @@
           <a:p>
             <a:fld id="{C15B2E9C-BE7C-4870-8B5D-BF91AB7E9FF1}" type="datetimeFigureOut">
               <a:rPr lang="es-CL" smtClean="0"/>
-              <a:t>09-07-2019</a:t>
+              <a:t>10-07-2019</a:t>
             </a:fld>
             <a:endParaRPr lang="es-CL"/>
           </a:p>
@@ -9184,7 +13240,7 @@
           <a:p>
             <a:fld id="{C15B2E9C-BE7C-4870-8B5D-BF91AB7E9FF1}" type="datetimeFigureOut">
               <a:rPr lang="es-CL" smtClean="0"/>
-              <a:t>09-07-2019</a:t>
+              <a:t>10-07-2019</a:t>
             </a:fld>
             <a:endParaRPr lang="es-CL"/>
           </a:p>
@@ -9460,7 +13516,7 @@
           <a:p>
             <a:fld id="{C15B2E9C-BE7C-4870-8B5D-BF91AB7E9FF1}" type="datetimeFigureOut">
               <a:rPr lang="es-CL" smtClean="0"/>
-              <a:t>09-07-2019</a:t>
+              <a:t>10-07-2019</a:t>
             </a:fld>
             <a:endParaRPr lang="es-CL"/>
           </a:p>
@@ -9728,7 +13784,7 @@
           <a:p>
             <a:fld id="{C15B2E9C-BE7C-4870-8B5D-BF91AB7E9FF1}" type="datetimeFigureOut">
               <a:rPr lang="es-CL" smtClean="0"/>
-              <a:t>09-07-2019</a:t>
+              <a:t>10-07-2019</a:t>
             </a:fld>
             <a:endParaRPr lang="es-CL"/>
           </a:p>
@@ -10143,7 +14199,7 @@
           <a:p>
             <a:fld id="{C15B2E9C-BE7C-4870-8B5D-BF91AB7E9FF1}" type="datetimeFigureOut">
               <a:rPr lang="es-CL" smtClean="0"/>
-              <a:t>09-07-2019</a:t>
+              <a:t>10-07-2019</a:t>
             </a:fld>
             <a:endParaRPr lang="es-CL"/>
           </a:p>
@@ -10285,7 +14341,7 @@
           <a:p>
             <a:fld id="{C15B2E9C-BE7C-4870-8B5D-BF91AB7E9FF1}" type="datetimeFigureOut">
               <a:rPr lang="es-CL" smtClean="0"/>
-              <a:t>09-07-2019</a:t>
+              <a:t>10-07-2019</a:t>
             </a:fld>
             <a:endParaRPr lang="es-CL"/>
           </a:p>
@@ -10398,7 +14454,7 @@
           <a:p>
             <a:fld id="{C15B2E9C-BE7C-4870-8B5D-BF91AB7E9FF1}" type="datetimeFigureOut">
               <a:rPr lang="es-CL" smtClean="0"/>
-              <a:t>09-07-2019</a:t>
+              <a:t>10-07-2019</a:t>
             </a:fld>
             <a:endParaRPr lang="es-CL"/>
           </a:p>
@@ -10711,7 +14767,7 @@
           <a:p>
             <a:fld id="{C15B2E9C-BE7C-4870-8B5D-BF91AB7E9FF1}" type="datetimeFigureOut">
               <a:rPr lang="es-CL" smtClean="0"/>
-              <a:t>09-07-2019</a:t>
+              <a:t>10-07-2019</a:t>
             </a:fld>
             <a:endParaRPr lang="es-CL"/>
           </a:p>
@@ -11000,7 +15056,7 @@
           <a:p>
             <a:fld id="{C15B2E9C-BE7C-4870-8B5D-BF91AB7E9FF1}" type="datetimeFigureOut">
               <a:rPr lang="es-CL" smtClean="0"/>
-              <a:t>09-07-2019</a:t>
+              <a:t>10-07-2019</a:t>
             </a:fld>
             <a:endParaRPr lang="es-CL"/>
           </a:p>
@@ -11243,7 +15299,7 @@
           <a:p>
             <a:fld id="{C15B2E9C-BE7C-4870-8B5D-BF91AB7E9FF1}" type="datetimeFigureOut">
               <a:rPr lang="es-CL" smtClean="0"/>
-              <a:t>09-07-2019</a:t>
+              <a:t>10-07-2019</a:t>
             </a:fld>
             <a:endParaRPr lang="es-CL"/>
           </a:p>
@@ -12525,7 +16581,7 @@
         </p:blipFill>
         <p:spPr>
           <a:xfrm>
-            <a:off x="9413987" y="2857501"/>
+            <a:off x="9413987" y="2857500"/>
             <a:ext cx="1142998" cy="1142998"/>
           </a:xfrm>
           <a:prstGeom prst="rect">
@@ -13479,7 +17535,7 @@
         </p:nvSpPr>
         <p:spPr>
           <a:xfrm>
-            <a:off x="1136428" y="627564"/>
+            <a:off x="201118" y="209946"/>
             <a:ext cx="7474172" cy="1325563"/>
           </a:xfrm>
         </p:spPr>
@@ -13680,14 +17736,14 @@
             <p:ph idx="1"/>
             <p:extLst>
               <p:ext uri="{D42A27DB-BD31-4B8C-83A1-F6EECF244321}">
-                <p14:modId xmlns:p14="http://schemas.microsoft.com/office/powerpoint/2010/main" val="3347057423"/>
+                <p14:modId xmlns:p14="http://schemas.microsoft.com/office/powerpoint/2010/main" val="1212362552"/>
               </p:ext>
             </p:extLst>
           </p:nvPr>
         </p:nvGraphicFramePr>
         <p:xfrm>
-          <a:off x="1136429" y="2278173"/>
-          <a:ext cx="6467867" cy="3450613"/>
+          <a:off x="-2067564" y="1084101"/>
+          <a:ext cx="10280342" cy="5033638"/>
         </p:xfrm>
         <a:graphic>
           <a:graphicData uri="http://schemas.openxmlformats.org/drawingml/2006/diagram">
@@ -13697,10 +17753,10 @@
       </p:graphicFrame>
       <p:sp>
         <p:nvSpPr>
-          <p:cNvPr id="3" name="Flecha: hacia arriba 2">
+          <p:cNvPr id="7" name="Rectángulo 6">
             <a:extLst>
               <a:ext uri="{FF2B5EF4-FFF2-40B4-BE49-F238E27FC236}">
-                <a16:creationId xmlns:a16="http://schemas.microsoft.com/office/drawing/2014/main" id="{4172F697-A826-4620-93A9-BA208D47892F}"/>
+                <a16:creationId xmlns:a16="http://schemas.microsoft.com/office/drawing/2014/main" id="{50999A2E-0B89-41B8-827B-F79D123B5BD9}"/>
               </a:ext>
             </a:extLst>
           </p:cNvPr>
@@ -13709,20 +17765,155 @@
         </p:nvSpPr>
         <p:spPr>
           <a:xfrm>
-            <a:off x="3002362" y="4468786"/>
-            <a:ext cx="2736000" cy="1260000"/>
+            <a:off x="6325290" y="490713"/>
+            <a:ext cx="900000" cy="286328"/>
           </a:xfrm>
-          <a:prstGeom prst="upArrow">
+          <a:prstGeom prst="rect">
             <a:avLst/>
           </a:prstGeom>
           <a:solidFill>
-            <a:schemeClr val="bg2"/>
+            <a:schemeClr val="accent2">
+              <a:lumMod val="40000"/>
+              <a:lumOff val="60000"/>
+            </a:schemeClr>
+          </a:solidFill>
+          <a:ln>
+            <a:noFill/>
+          </a:ln>
+        </p:spPr>
+        <p:style>
+          <a:lnRef idx="2">
+            <a:schemeClr val="dk1">
+              <a:shade val="50000"/>
+            </a:schemeClr>
+          </a:lnRef>
+          <a:fillRef idx="1">
+            <a:schemeClr val="dk1"/>
+          </a:fillRef>
+          <a:effectRef idx="0">
+            <a:schemeClr val="dk1"/>
+          </a:effectRef>
+          <a:fontRef idx="minor">
+            <a:schemeClr val="lt1"/>
+          </a:fontRef>
+        </p:style>
+        <p:txBody>
+          <a:bodyPr rtlCol="0" anchor="ctr"/>
+          <a:lstStyle/>
+          <a:p>
+            <a:pPr algn="ctr"/>
+            <a:r>
+              <a:rPr lang="it-IT" sz="1000" dirty="0">
+                <a:solidFill>
+                  <a:schemeClr val="tx1"/>
+                </a:solidFill>
+              </a:rPr>
+              <a:t>Test Set Error</a:t>
+            </a:r>
+            <a:endParaRPr lang="es-CL" sz="1000" dirty="0">
+              <a:solidFill>
+                <a:schemeClr val="tx1"/>
+              </a:solidFill>
+            </a:endParaRPr>
+          </a:p>
+        </p:txBody>
+      </p:sp>
+      <p:sp>
+        <p:nvSpPr>
+          <p:cNvPr id="10" name="Rectángulo 9">
+            <a:extLst>
+              <a:ext uri="{FF2B5EF4-FFF2-40B4-BE49-F238E27FC236}">
+                <a16:creationId xmlns:a16="http://schemas.microsoft.com/office/drawing/2014/main" id="{E12B8433-B382-4F7E-AD72-3C2169CFEE0C}"/>
+              </a:ext>
+            </a:extLst>
+          </p:cNvPr>
+          <p:cNvSpPr/>
+          <p:nvPr/>
+        </p:nvSpPr>
+        <p:spPr>
+          <a:xfrm>
+            <a:off x="7414180" y="501349"/>
+            <a:ext cx="900000" cy="286328"/>
+          </a:xfrm>
+          <a:prstGeom prst="rect">
+            <a:avLst/>
+          </a:prstGeom>
+          <a:solidFill>
+            <a:schemeClr val="accent2">
+              <a:lumMod val="40000"/>
+              <a:lumOff val="60000"/>
+            </a:schemeClr>
+          </a:solidFill>
+          <a:ln>
+            <a:noFill/>
+          </a:ln>
+        </p:spPr>
+        <p:style>
+          <a:lnRef idx="2">
+            <a:schemeClr val="dk1">
+              <a:shade val="50000"/>
+            </a:schemeClr>
+          </a:lnRef>
+          <a:fillRef idx="1">
+            <a:schemeClr val="dk1"/>
+          </a:fillRef>
+          <a:effectRef idx="0">
+            <a:schemeClr val="dk1"/>
+          </a:effectRef>
+          <a:fontRef idx="minor">
+            <a:schemeClr val="lt1"/>
+          </a:fontRef>
+        </p:style>
+        <p:txBody>
+          <a:bodyPr rtlCol="0" anchor="ctr"/>
+          <a:lstStyle/>
+          <a:p>
+            <a:pPr algn="ctr"/>
+            <a:r>
+              <a:rPr lang="it-IT" sz="1000" dirty="0">
+                <a:solidFill>
+                  <a:schemeClr val="tx1"/>
+                </a:solidFill>
+              </a:rPr>
+              <a:t>Training Set Error</a:t>
+            </a:r>
+            <a:endParaRPr lang="es-CL" sz="1000" dirty="0">
+              <a:solidFill>
+                <a:schemeClr val="tx1"/>
+              </a:solidFill>
+            </a:endParaRPr>
+          </a:p>
+        </p:txBody>
+      </p:sp>
+      <p:sp>
+        <p:nvSpPr>
+          <p:cNvPr id="21" name="Elipse 20">
+            <a:extLst>
+              <a:ext uri="{FF2B5EF4-FFF2-40B4-BE49-F238E27FC236}">
+                <a16:creationId xmlns:a16="http://schemas.microsoft.com/office/drawing/2014/main" id="{C49E3C98-5F84-4F7C-A03C-29D9EB6FBDE8}"/>
+              </a:ext>
+            </a:extLst>
+          </p:cNvPr>
+          <p:cNvSpPr/>
+          <p:nvPr/>
+        </p:nvSpPr>
+        <p:spPr>
+          <a:xfrm>
+            <a:off x="7675290" y="1428339"/>
+            <a:ext cx="360000" cy="360000"/>
+          </a:xfrm>
+          <a:prstGeom prst="ellipse">
+            <a:avLst/>
+          </a:prstGeom>
+          <a:solidFill>
+            <a:schemeClr val="bg1">
+              <a:lumMod val="85000"/>
+            </a:schemeClr>
           </a:solidFill>
           <a:ln>
             <a:solidFill>
-              <a:schemeClr val="tx1">
-                <a:lumMod val="95000"/>
-                <a:lumOff val="5000"/>
+              <a:schemeClr val="bg1">
+                <a:lumMod val="65000"/>
               </a:schemeClr>
             </a:solidFill>
           </a:ln>
@@ -13748,30 +17939,1341 @@
           <a:lstStyle/>
           <a:p>
             <a:pPr algn="ctr"/>
-            <a:r>
-              <a:rPr lang="it-IT" sz="1200" dirty="0">
-                <a:solidFill>
-                  <a:schemeClr val="tx1"/>
-                </a:solidFill>
-              </a:rPr>
-              <a:t>Time bins</a:t>
-            </a:r>
+            <a:endParaRPr lang="es-CL"/>
           </a:p>
+        </p:txBody>
+      </p:sp>
+      <p:sp>
+        <p:nvSpPr>
+          <p:cNvPr id="22" name="Elipse 21">
+            <a:extLst>
+              <a:ext uri="{FF2B5EF4-FFF2-40B4-BE49-F238E27FC236}">
+                <a16:creationId xmlns:a16="http://schemas.microsoft.com/office/drawing/2014/main" id="{49B18D97-C144-49AC-900E-D5FC03375D91}"/>
+              </a:ext>
+            </a:extLst>
+          </p:cNvPr>
+          <p:cNvSpPr/>
+          <p:nvPr/>
+        </p:nvSpPr>
+        <p:spPr>
+          <a:xfrm>
+            <a:off x="7675290" y="1863628"/>
+            <a:ext cx="360000" cy="360000"/>
+          </a:xfrm>
+          <a:prstGeom prst="ellipse">
+            <a:avLst/>
+          </a:prstGeom>
+          <a:solidFill>
+            <a:schemeClr val="bg1">
+              <a:lumMod val="85000"/>
+            </a:schemeClr>
+          </a:solidFill>
+          <a:ln>
+            <a:solidFill>
+              <a:schemeClr val="bg1">
+                <a:lumMod val="65000"/>
+              </a:schemeClr>
+            </a:solidFill>
+          </a:ln>
+        </p:spPr>
+        <p:style>
+          <a:lnRef idx="2">
+            <a:schemeClr val="accent1">
+              <a:shade val="50000"/>
+            </a:schemeClr>
+          </a:lnRef>
+          <a:fillRef idx="1">
+            <a:schemeClr val="accent1"/>
+          </a:fillRef>
+          <a:effectRef idx="0">
+            <a:schemeClr val="accent1"/>
+          </a:effectRef>
+          <a:fontRef idx="minor">
+            <a:schemeClr val="lt1"/>
+          </a:fontRef>
+        </p:style>
+        <p:txBody>
+          <a:bodyPr rtlCol="0" anchor="ctr"/>
+          <a:lstStyle/>
           <a:p>
             <a:pPr algn="ctr"/>
-            <a:r>
-              <a:rPr lang="it-IT" sz="1200" dirty="0">
-                <a:solidFill>
-                  <a:schemeClr val="tx1"/>
-                </a:solidFill>
-              </a:rPr>
-              <a:t>Feature generation</a:t>
-            </a:r>
-            <a:endParaRPr lang="es-CL" sz="1200" dirty="0">
-              <a:solidFill>
-                <a:schemeClr val="tx1"/>
-              </a:solidFill>
-            </a:endParaRPr>
+            <a:endParaRPr lang="es-CL"/>
+          </a:p>
+        </p:txBody>
+      </p:sp>
+      <p:sp>
+        <p:nvSpPr>
+          <p:cNvPr id="23" name="Elipse 22">
+            <a:extLst>
+              <a:ext uri="{FF2B5EF4-FFF2-40B4-BE49-F238E27FC236}">
+                <a16:creationId xmlns:a16="http://schemas.microsoft.com/office/drawing/2014/main" id="{D66DB826-C563-41E9-9AB6-4DCFD20881A2}"/>
+              </a:ext>
+            </a:extLst>
+          </p:cNvPr>
+          <p:cNvSpPr/>
+          <p:nvPr/>
+        </p:nvSpPr>
+        <p:spPr>
+          <a:xfrm>
+            <a:off x="7675290" y="2301303"/>
+            <a:ext cx="360000" cy="360000"/>
+          </a:xfrm>
+          <a:prstGeom prst="ellipse">
+            <a:avLst/>
+          </a:prstGeom>
+          <a:solidFill>
+            <a:schemeClr val="bg1">
+              <a:lumMod val="85000"/>
+            </a:schemeClr>
+          </a:solidFill>
+          <a:ln>
+            <a:solidFill>
+              <a:schemeClr val="bg1">
+                <a:lumMod val="65000"/>
+              </a:schemeClr>
+            </a:solidFill>
+          </a:ln>
+        </p:spPr>
+        <p:style>
+          <a:lnRef idx="2">
+            <a:schemeClr val="accent1">
+              <a:shade val="50000"/>
+            </a:schemeClr>
+          </a:lnRef>
+          <a:fillRef idx="1">
+            <a:schemeClr val="accent1"/>
+          </a:fillRef>
+          <a:effectRef idx="0">
+            <a:schemeClr val="accent1"/>
+          </a:effectRef>
+          <a:fontRef idx="minor">
+            <a:schemeClr val="lt1"/>
+          </a:fontRef>
+        </p:style>
+        <p:txBody>
+          <a:bodyPr rtlCol="0" anchor="ctr"/>
+          <a:lstStyle/>
+          <a:p>
+            <a:pPr algn="ctr"/>
+            <a:endParaRPr lang="es-CL"/>
+          </a:p>
+        </p:txBody>
+      </p:sp>
+      <p:sp>
+        <p:nvSpPr>
+          <p:cNvPr id="24" name="Elipse 23">
+            <a:extLst>
+              <a:ext uri="{FF2B5EF4-FFF2-40B4-BE49-F238E27FC236}">
+                <a16:creationId xmlns:a16="http://schemas.microsoft.com/office/drawing/2014/main" id="{7ADE66A2-3348-48EF-B77D-B962549BBC6B}"/>
+              </a:ext>
+            </a:extLst>
+          </p:cNvPr>
+          <p:cNvSpPr/>
+          <p:nvPr/>
+        </p:nvSpPr>
+        <p:spPr>
+          <a:xfrm>
+            <a:off x="7675290" y="2719744"/>
+            <a:ext cx="360000" cy="360000"/>
+          </a:xfrm>
+          <a:prstGeom prst="ellipse">
+            <a:avLst/>
+          </a:prstGeom>
+          <a:solidFill>
+            <a:schemeClr val="bg1">
+              <a:lumMod val="85000"/>
+            </a:schemeClr>
+          </a:solidFill>
+          <a:ln>
+            <a:solidFill>
+              <a:schemeClr val="bg1">
+                <a:lumMod val="65000"/>
+              </a:schemeClr>
+            </a:solidFill>
+          </a:ln>
+        </p:spPr>
+        <p:style>
+          <a:lnRef idx="2">
+            <a:schemeClr val="accent1">
+              <a:shade val="50000"/>
+            </a:schemeClr>
+          </a:lnRef>
+          <a:fillRef idx="1">
+            <a:schemeClr val="accent1"/>
+          </a:fillRef>
+          <a:effectRef idx="0">
+            <a:schemeClr val="accent1"/>
+          </a:effectRef>
+          <a:fontRef idx="minor">
+            <a:schemeClr val="lt1"/>
+          </a:fontRef>
+        </p:style>
+        <p:txBody>
+          <a:bodyPr rtlCol="0" anchor="ctr"/>
+          <a:lstStyle/>
+          <a:p>
+            <a:pPr algn="ctr"/>
+            <a:endParaRPr lang="es-CL" dirty="0"/>
+          </a:p>
+        </p:txBody>
+      </p:sp>
+      <p:sp>
+        <p:nvSpPr>
+          <p:cNvPr id="25" name="Elipse 24">
+            <a:extLst>
+              <a:ext uri="{FF2B5EF4-FFF2-40B4-BE49-F238E27FC236}">
+                <a16:creationId xmlns:a16="http://schemas.microsoft.com/office/drawing/2014/main" id="{BB939520-39D6-420B-A27D-A8CD26E5CCCB}"/>
+              </a:ext>
+            </a:extLst>
+          </p:cNvPr>
+          <p:cNvSpPr/>
+          <p:nvPr/>
+        </p:nvSpPr>
+        <p:spPr>
+          <a:xfrm>
+            <a:off x="7675290" y="3162968"/>
+            <a:ext cx="360000" cy="360000"/>
+          </a:xfrm>
+          <a:prstGeom prst="ellipse">
+            <a:avLst/>
+          </a:prstGeom>
+          <a:solidFill>
+            <a:schemeClr val="bg1">
+              <a:lumMod val="85000"/>
+            </a:schemeClr>
+          </a:solidFill>
+          <a:ln>
+            <a:solidFill>
+              <a:schemeClr val="bg1">
+                <a:lumMod val="65000"/>
+              </a:schemeClr>
+            </a:solidFill>
+          </a:ln>
+        </p:spPr>
+        <p:style>
+          <a:lnRef idx="2">
+            <a:schemeClr val="accent1">
+              <a:shade val="50000"/>
+            </a:schemeClr>
+          </a:lnRef>
+          <a:fillRef idx="1">
+            <a:schemeClr val="accent1"/>
+          </a:fillRef>
+          <a:effectRef idx="0">
+            <a:schemeClr val="accent1"/>
+          </a:effectRef>
+          <a:fontRef idx="minor">
+            <a:schemeClr val="lt1"/>
+          </a:fontRef>
+        </p:style>
+        <p:txBody>
+          <a:bodyPr rtlCol="0" anchor="ctr"/>
+          <a:lstStyle/>
+          <a:p>
+            <a:pPr algn="ctr"/>
+            <a:endParaRPr lang="es-CL"/>
+          </a:p>
+        </p:txBody>
+      </p:sp>
+      <p:sp>
+        <p:nvSpPr>
+          <p:cNvPr id="26" name="Elipse 25">
+            <a:extLst>
+              <a:ext uri="{FF2B5EF4-FFF2-40B4-BE49-F238E27FC236}">
+                <a16:creationId xmlns:a16="http://schemas.microsoft.com/office/drawing/2014/main" id="{B469C037-7922-4C6B-A352-FD46EBFC9D0F}"/>
+              </a:ext>
+            </a:extLst>
+          </p:cNvPr>
+          <p:cNvSpPr/>
+          <p:nvPr/>
+        </p:nvSpPr>
+        <p:spPr>
+          <a:xfrm>
+            <a:off x="7675290" y="3598257"/>
+            <a:ext cx="360000" cy="360000"/>
+          </a:xfrm>
+          <a:prstGeom prst="ellipse">
+            <a:avLst/>
+          </a:prstGeom>
+          <a:solidFill>
+            <a:schemeClr val="bg1">
+              <a:lumMod val="85000"/>
+            </a:schemeClr>
+          </a:solidFill>
+          <a:ln>
+            <a:solidFill>
+              <a:schemeClr val="bg1">
+                <a:lumMod val="65000"/>
+              </a:schemeClr>
+            </a:solidFill>
+          </a:ln>
+        </p:spPr>
+        <p:style>
+          <a:lnRef idx="2">
+            <a:schemeClr val="accent1">
+              <a:shade val="50000"/>
+            </a:schemeClr>
+          </a:lnRef>
+          <a:fillRef idx="1">
+            <a:schemeClr val="accent1"/>
+          </a:fillRef>
+          <a:effectRef idx="0">
+            <a:schemeClr val="accent1"/>
+          </a:effectRef>
+          <a:fontRef idx="minor">
+            <a:schemeClr val="lt1"/>
+          </a:fontRef>
+        </p:style>
+        <p:txBody>
+          <a:bodyPr rtlCol="0" anchor="ctr"/>
+          <a:lstStyle/>
+          <a:p>
+            <a:pPr algn="ctr"/>
+            <a:endParaRPr lang="es-CL"/>
+          </a:p>
+        </p:txBody>
+      </p:sp>
+      <p:sp>
+        <p:nvSpPr>
+          <p:cNvPr id="27" name="Elipse 26">
+            <a:extLst>
+              <a:ext uri="{FF2B5EF4-FFF2-40B4-BE49-F238E27FC236}">
+                <a16:creationId xmlns:a16="http://schemas.microsoft.com/office/drawing/2014/main" id="{DCCFAA1F-67F4-44ED-BEE6-6497768DD8D0}"/>
+              </a:ext>
+            </a:extLst>
+          </p:cNvPr>
+          <p:cNvSpPr/>
+          <p:nvPr/>
+        </p:nvSpPr>
+        <p:spPr>
+          <a:xfrm>
+            <a:off x="7675290" y="4035932"/>
+            <a:ext cx="360000" cy="360000"/>
+          </a:xfrm>
+          <a:prstGeom prst="ellipse">
+            <a:avLst/>
+          </a:prstGeom>
+          <a:solidFill>
+            <a:schemeClr val="bg1">
+              <a:lumMod val="85000"/>
+            </a:schemeClr>
+          </a:solidFill>
+          <a:ln>
+            <a:solidFill>
+              <a:schemeClr val="bg1">
+                <a:lumMod val="65000"/>
+              </a:schemeClr>
+            </a:solidFill>
+          </a:ln>
+        </p:spPr>
+        <p:style>
+          <a:lnRef idx="2">
+            <a:schemeClr val="accent1">
+              <a:shade val="50000"/>
+            </a:schemeClr>
+          </a:lnRef>
+          <a:fillRef idx="1">
+            <a:schemeClr val="accent1"/>
+          </a:fillRef>
+          <a:effectRef idx="0">
+            <a:schemeClr val="accent1"/>
+          </a:effectRef>
+          <a:fontRef idx="minor">
+            <a:schemeClr val="lt1"/>
+          </a:fontRef>
+        </p:style>
+        <p:txBody>
+          <a:bodyPr rtlCol="0" anchor="ctr"/>
+          <a:lstStyle/>
+          <a:p>
+            <a:pPr algn="ctr"/>
+            <a:endParaRPr lang="es-CL"/>
+          </a:p>
+        </p:txBody>
+      </p:sp>
+      <p:sp>
+        <p:nvSpPr>
+          <p:cNvPr id="28" name="Elipse 27">
+            <a:extLst>
+              <a:ext uri="{FF2B5EF4-FFF2-40B4-BE49-F238E27FC236}">
+                <a16:creationId xmlns:a16="http://schemas.microsoft.com/office/drawing/2014/main" id="{D11A8F41-2956-4263-A44B-E4612A6D6868}"/>
+              </a:ext>
+            </a:extLst>
+          </p:cNvPr>
+          <p:cNvSpPr/>
+          <p:nvPr/>
+        </p:nvSpPr>
+        <p:spPr>
+          <a:xfrm>
+            <a:off x="7675290" y="4454373"/>
+            <a:ext cx="360000" cy="360000"/>
+          </a:xfrm>
+          <a:prstGeom prst="ellipse">
+            <a:avLst/>
+          </a:prstGeom>
+          <a:solidFill>
+            <a:schemeClr val="bg1">
+              <a:lumMod val="85000"/>
+            </a:schemeClr>
+          </a:solidFill>
+          <a:ln>
+            <a:solidFill>
+              <a:schemeClr val="bg1">
+                <a:lumMod val="65000"/>
+              </a:schemeClr>
+            </a:solidFill>
+          </a:ln>
+        </p:spPr>
+        <p:style>
+          <a:lnRef idx="2">
+            <a:schemeClr val="accent1">
+              <a:shade val="50000"/>
+            </a:schemeClr>
+          </a:lnRef>
+          <a:fillRef idx="1">
+            <a:schemeClr val="accent1"/>
+          </a:fillRef>
+          <a:effectRef idx="0">
+            <a:schemeClr val="accent1"/>
+          </a:effectRef>
+          <a:fontRef idx="minor">
+            <a:schemeClr val="lt1"/>
+          </a:fontRef>
+        </p:style>
+        <p:txBody>
+          <a:bodyPr rtlCol="0" anchor="ctr"/>
+          <a:lstStyle/>
+          <a:p>
+            <a:pPr algn="ctr"/>
+            <a:endParaRPr lang="es-CL" dirty="0"/>
+          </a:p>
+        </p:txBody>
+      </p:sp>
+      <p:sp>
+        <p:nvSpPr>
+          <p:cNvPr id="29" name="Elipse 28">
+            <a:extLst>
+              <a:ext uri="{FF2B5EF4-FFF2-40B4-BE49-F238E27FC236}">
+                <a16:creationId xmlns:a16="http://schemas.microsoft.com/office/drawing/2014/main" id="{56A04E58-8759-4E33-A319-ED4357A5DCA1}"/>
+              </a:ext>
+            </a:extLst>
+          </p:cNvPr>
+          <p:cNvSpPr/>
+          <p:nvPr/>
+        </p:nvSpPr>
+        <p:spPr>
+          <a:xfrm>
+            <a:off x="7675290" y="4897597"/>
+            <a:ext cx="360000" cy="360000"/>
+          </a:xfrm>
+          <a:prstGeom prst="ellipse">
+            <a:avLst/>
+          </a:prstGeom>
+          <a:solidFill>
+            <a:schemeClr val="bg1">
+              <a:lumMod val="85000"/>
+            </a:schemeClr>
+          </a:solidFill>
+          <a:ln>
+            <a:solidFill>
+              <a:schemeClr val="bg1">
+                <a:lumMod val="65000"/>
+              </a:schemeClr>
+            </a:solidFill>
+          </a:ln>
+        </p:spPr>
+        <p:style>
+          <a:lnRef idx="2">
+            <a:schemeClr val="accent1">
+              <a:shade val="50000"/>
+            </a:schemeClr>
+          </a:lnRef>
+          <a:fillRef idx="1">
+            <a:schemeClr val="accent1"/>
+          </a:fillRef>
+          <a:effectRef idx="0">
+            <a:schemeClr val="accent1"/>
+          </a:effectRef>
+          <a:fontRef idx="minor">
+            <a:schemeClr val="lt1"/>
+          </a:fontRef>
+        </p:style>
+        <p:txBody>
+          <a:bodyPr rtlCol="0" anchor="ctr"/>
+          <a:lstStyle/>
+          <a:p>
+            <a:pPr algn="ctr"/>
+            <a:endParaRPr lang="es-CL"/>
+          </a:p>
+        </p:txBody>
+      </p:sp>
+      <p:sp>
+        <p:nvSpPr>
+          <p:cNvPr id="30" name="Elipse 29">
+            <a:extLst>
+              <a:ext uri="{FF2B5EF4-FFF2-40B4-BE49-F238E27FC236}">
+                <a16:creationId xmlns:a16="http://schemas.microsoft.com/office/drawing/2014/main" id="{CA4FC330-759C-42EC-A890-1C418C93FD49}"/>
+              </a:ext>
+            </a:extLst>
+          </p:cNvPr>
+          <p:cNvSpPr/>
+          <p:nvPr/>
+        </p:nvSpPr>
+        <p:spPr>
+          <a:xfrm>
+            <a:off x="7675290" y="5332886"/>
+            <a:ext cx="360000" cy="360000"/>
+          </a:xfrm>
+          <a:prstGeom prst="ellipse">
+            <a:avLst/>
+          </a:prstGeom>
+          <a:solidFill>
+            <a:schemeClr val="bg1">
+              <a:lumMod val="85000"/>
+            </a:schemeClr>
+          </a:solidFill>
+          <a:ln>
+            <a:solidFill>
+              <a:schemeClr val="bg1">
+                <a:lumMod val="65000"/>
+              </a:schemeClr>
+            </a:solidFill>
+          </a:ln>
+        </p:spPr>
+        <p:style>
+          <a:lnRef idx="2">
+            <a:schemeClr val="accent1">
+              <a:shade val="50000"/>
+            </a:schemeClr>
+          </a:lnRef>
+          <a:fillRef idx="1">
+            <a:schemeClr val="accent1"/>
+          </a:fillRef>
+          <a:effectRef idx="0">
+            <a:schemeClr val="accent1"/>
+          </a:effectRef>
+          <a:fontRef idx="minor">
+            <a:schemeClr val="lt1"/>
+          </a:fontRef>
+        </p:style>
+        <p:txBody>
+          <a:bodyPr rtlCol="0" anchor="ctr"/>
+          <a:lstStyle/>
+          <a:p>
+            <a:pPr algn="ctr"/>
+            <a:endParaRPr lang="es-CL"/>
+          </a:p>
+        </p:txBody>
+      </p:sp>
+      <p:sp>
+        <p:nvSpPr>
+          <p:cNvPr id="31" name="Elipse 30">
+            <a:extLst>
+              <a:ext uri="{FF2B5EF4-FFF2-40B4-BE49-F238E27FC236}">
+                <a16:creationId xmlns:a16="http://schemas.microsoft.com/office/drawing/2014/main" id="{AE866F7C-A68D-48DE-B731-BACB8A4F057B}"/>
+              </a:ext>
+            </a:extLst>
+          </p:cNvPr>
+          <p:cNvSpPr/>
+          <p:nvPr/>
+        </p:nvSpPr>
+        <p:spPr>
+          <a:xfrm>
+            <a:off x="7684180" y="5757739"/>
+            <a:ext cx="360000" cy="360000"/>
+          </a:xfrm>
+          <a:prstGeom prst="ellipse">
+            <a:avLst/>
+          </a:prstGeom>
+          <a:solidFill>
+            <a:schemeClr val="bg1">
+              <a:lumMod val="85000"/>
+            </a:schemeClr>
+          </a:solidFill>
+          <a:ln>
+            <a:solidFill>
+              <a:schemeClr val="bg1">
+                <a:lumMod val="65000"/>
+              </a:schemeClr>
+            </a:solidFill>
+          </a:ln>
+        </p:spPr>
+        <p:style>
+          <a:lnRef idx="2">
+            <a:schemeClr val="accent1">
+              <a:shade val="50000"/>
+            </a:schemeClr>
+          </a:lnRef>
+          <a:fillRef idx="1">
+            <a:schemeClr val="accent1"/>
+          </a:fillRef>
+          <a:effectRef idx="0">
+            <a:schemeClr val="accent1"/>
+          </a:effectRef>
+          <a:fontRef idx="minor">
+            <a:schemeClr val="lt1"/>
+          </a:fontRef>
+        </p:style>
+        <p:txBody>
+          <a:bodyPr rtlCol="0" anchor="ctr"/>
+          <a:lstStyle/>
+          <a:p>
+            <a:pPr algn="ctr"/>
+            <a:endParaRPr lang="es-CL"/>
+          </a:p>
+        </p:txBody>
+      </p:sp>
+      <p:sp>
+        <p:nvSpPr>
+          <p:cNvPr id="32" name="Elipse 31">
+            <a:extLst>
+              <a:ext uri="{FF2B5EF4-FFF2-40B4-BE49-F238E27FC236}">
+                <a16:creationId xmlns:a16="http://schemas.microsoft.com/office/drawing/2014/main" id="{8DE3F23C-3178-412D-9BD3-435C03AA715C}"/>
+              </a:ext>
+            </a:extLst>
+          </p:cNvPr>
+          <p:cNvSpPr/>
+          <p:nvPr/>
+        </p:nvSpPr>
+        <p:spPr>
+          <a:xfrm>
+            <a:off x="7684180" y="974541"/>
+            <a:ext cx="360000" cy="360000"/>
+          </a:xfrm>
+          <a:prstGeom prst="ellipse">
+            <a:avLst/>
+          </a:prstGeom>
+          <a:solidFill>
+            <a:schemeClr val="bg1">
+              <a:lumMod val="85000"/>
+            </a:schemeClr>
+          </a:solidFill>
+          <a:ln>
+            <a:solidFill>
+              <a:schemeClr val="bg1">
+                <a:lumMod val="65000"/>
+              </a:schemeClr>
+            </a:solidFill>
+          </a:ln>
+        </p:spPr>
+        <p:style>
+          <a:lnRef idx="2">
+            <a:schemeClr val="accent1">
+              <a:shade val="50000"/>
+            </a:schemeClr>
+          </a:lnRef>
+          <a:fillRef idx="1">
+            <a:schemeClr val="accent1"/>
+          </a:fillRef>
+          <a:effectRef idx="0">
+            <a:schemeClr val="accent1"/>
+          </a:effectRef>
+          <a:fontRef idx="minor">
+            <a:schemeClr val="lt1"/>
+          </a:fontRef>
+        </p:style>
+        <p:txBody>
+          <a:bodyPr rtlCol="0" anchor="ctr"/>
+          <a:lstStyle/>
+          <a:p>
+            <a:pPr algn="ctr"/>
+            <a:endParaRPr lang="es-CL"/>
+          </a:p>
+        </p:txBody>
+      </p:sp>
+      <p:sp>
+        <p:nvSpPr>
+          <p:cNvPr id="33" name="Elipse 32">
+            <a:extLst>
+              <a:ext uri="{FF2B5EF4-FFF2-40B4-BE49-F238E27FC236}">
+                <a16:creationId xmlns:a16="http://schemas.microsoft.com/office/drawing/2014/main" id="{216FCE59-18FC-407C-8811-125D6AF415EA}"/>
+              </a:ext>
+            </a:extLst>
+          </p:cNvPr>
+          <p:cNvSpPr/>
+          <p:nvPr/>
+        </p:nvSpPr>
+        <p:spPr>
+          <a:xfrm>
+            <a:off x="6612039" y="1444499"/>
+            <a:ext cx="360000" cy="360000"/>
+          </a:xfrm>
+          <a:prstGeom prst="ellipse">
+            <a:avLst/>
+          </a:prstGeom>
+          <a:solidFill>
+            <a:schemeClr val="bg1">
+              <a:lumMod val="85000"/>
+            </a:schemeClr>
+          </a:solidFill>
+          <a:ln>
+            <a:solidFill>
+              <a:schemeClr val="bg1">
+                <a:lumMod val="65000"/>
+              </a:schemeClr>
+            </a:solidFill>
+          </a:ln>
+        </p:spPr>
+        <p:style>
+          <a:lnRef idx="2">
+            <a:schemeClr val="accent1">
+              <a:shade val="50000"/>
+            </a:schemeClr>
+          </a:lnRef>
+          <a:fillRef idx="1">
+            <a:schemeClr val="accent1"/>
+          </a:fillRef>
+          <a:effectRef idx="0">
+            <a:schemeClr val="accent1"/>
+          </a:effectRef>
+          <a:fontRef idx="minor">
+            <a:schemeClr val="lt1"/>
+          </a:fontRef>
+        </p:style>
+        <p:txBody>
+          <a:bodyPr rtlCol="0" anchor="ctr"/>
+          <a:lstStyle/>
+          <a:p>
+            <a:pPr algn="ctr"/>
+            <a:endParaRPr lang="es-CL"/>
+          </a:p>
+        </p:txBody>
+      </p:sp>
+      <p:sp>
+        <p:nvSpPr>
+          <p:cNvPr id="34" name="Elipse 33">
+            <a:extLst>
+              <a:ext uri="{FF2B5EF4-FFF2-40B4-BE49-F238E27FC236}">
+                <a16:creationId xmlns:a16="http://schemas.microsoft.com/office/drawing/2014/main" id="{1E6344CD-07ED-4997-B87B-ABA0485E0142}"/>
+              </a:ext>
+            </a:extLst>
+          </p:cNvPr>
+          <p:cNvSpPr/>
+          <p:nvPr/>
+        </p:nvSpPr>
+        <p:spPr>
+          <a:xfrm>
+            <a:off x="6612039" y="1879788"/>
+            <a:ext cx="360000" cy="360000"/>
+          </a:xfrm>
+          <a:prstGeom prst="ellipse">
+            <a:avLst/>
+          </a:prstGeom>
+          <a:solidFill>
+            <a:schemeClr val="bg1">
+              <a:lumMod val="85000"/>
+            </a:schemeClr>
+          </a:solidFill>
+          <a:ln>
+            <a:solidFill>
+              <a:schemeClr val="bg1">
+                <a:lumMod val="65000"/>
+              </a:schemeClr>
+            </a:solidFill>
+          </a:ln>
+        </p:spPr>
+        <p:style>
+          <a:lnRef idx="2">
+            <a:schemeClr val="accent1">
+              <a:shade val="50000"/>
+            </a:schemeClr>
+          </a:lnRef>
+          <a:fillRef idx="1">
+            <a:schemeClr val="accent1"/>
+          </a:fillRef>
+          <a:effectRef idx="0">
+            <a:schemeClr val="accent1"/>
+          </a:effectRef>
+          <a:fontRef idx="minor">
+            <a:schemeClr val="lt1"/>
+          </a:fontRef>
+        </p:style>
+        <p:txBody>
+          <a:bodyPr rtlCol="0" anchor="ctr"/>
+          <a:lstStyle/>
+          <a:p>
+            <a:pPr algn="ctr"/>
+            <a:endParaRPr lang="es-CL"/>
+          </a:p>
+        </p:txBody>
+      </p:sp>
+      <p:sp>
+        <p:nvSpPr>
+          <p:cNvPr id="35" name="Elipse 34">
+            <a:extLst>
+              <a:ext uri="{FF2B5EF4-FFF2-40B4-BE49-F238E27FC236}">
+                <a16:creationId xmlns:a16="http://schemas.microsoft.com/office/drawing/2014/main" id="{DA61A499-3520-4045-9452-E67DBADD1379}"/>
+              </a:ext>
+            </a:extLst>
+          </p:cNvPr>
+          <p:cNvSpPr/>
+          <p:nvPr/>
+        </p:nvSpPr>
+        <p:spPr>
+          <a:xfrm>
+            <a:off x="6612039" y="2317463"/>
+            <a:ext cx="360000" cy="360000"/>
+          </a:xfrm>
+          <a:prstGeom prst="ellipse">
+            <a:avLst/>
+          </a:prstGeom>
+          <a:solidFill>
+            <a:schemeClr val="bg1">
+              <a:lumMod val="85000"/>
+            </a:schemeClr>
+          </a:solidFill>
+          <a:ln>
+            <a:solidFill>
+              <a:schemeClr val="bg1">
+                <a:lumMod val="65000"/>
+              </a:schemeClr>
+            </a:solidFill>
+          </a:ln>
+        </p:spPr>
+        <p:style>
+          <a:lnRef idx="2">
+            <a:schemeClr val="accent1">
+              <a:shade val="50000"/>
+            </a:schemeClr>
+          </a:lnRef>
+          <a:fillRef idx="1">
+            <a:schemeClr val="accent1"/>
+          </a:fillRef>
+          <a:effectRef idx="0">
+            <a:schemeClr val="accent1"/>
+          </a:effectRef>
+          <a:fontRef idx="minor">
+            <a:schemeClr val="lt1"/>
+          </a:fontRef>
+        </p:style>
+        <p:txBody>
+          <a:bodyPr rtlCol="0" anchor="ctr"/>
+          <a:lstStyle/>
+          <a:p>
+            <a:pPr algn="ctr"/>
+            <a:endParaRPr lang="es-CL"/>
+          </a:p>
+        </p:txBody>
+      </p:sp>
+      <p:sp>
+        <p:nvSpPr>
+          <p:cNvPr id="36" name="Elipse 35">
+            <a:extLst>
+              <a:ext uri="{FF2B5EF4-FFF2-40B4-BE49-F238E27FC236}">
+                <a16:creationId xmlns:a16="http://schemas.microsoft.com/office/drawing/2014/main" id="{657013D7-62F2-4FDE-8516-BA592AD99EE0}"/>
+              </a:ext>
+            </a:extLst>
+          </p:cNvPr>
+          <p:cNvSpPr/>
+          <p:nvPr/>
+        </p:nvSpPr>
+        <p:spPr>
+          <a:xfrm>
+            <a:off x="6612039" y="2735904"/>
+            <a:ext cx="360000" cy="360000"/>
+          </a:xfrm>
+          <a:prstGeom prst="ellipse">
+            <a:avLst/>
+          </a:prstGeom>
+          <a:solidFill>
+            <a:schemeClr val="bg1">
+              <a:lumMod val="85000"/>
+            </a:schemeClr>
+          </a:solidFill>
+          <a:ln>
+            <a:solidFill>
+              <a:schemeClr val="bg1">
+                <a:lumMod val="65000"/>
+              </a:schemeClr>
+            </a:solidFill>
+          </a:ln>
+        </p:spPr>
+        <p:style>
+          <a:lnRef idx="2">
+            <a:schemeClr val="accent1">
+              <a:shade val="50000"/>
+            </a:schemeClr>
+          </a:lnRef>
+          <a:fillRef idx="1">
+            <a:schemeClr val="accent1"/>
+          </a:fillRef>
+          <a:effectRef idx="0">
+            <a:schemeClr val="accent1"/>
+          </a:effectRef>
+          <a:fontRef idx="minor">
+            <a:schemeClr val="lt1"/>
+          </a:fontRef>
+        </p:style>
+        <p:txBody>
+          <a:bodyPr rtlCol="0" anchor="ctr"/>
+          <a:lstStyle/>
+          <a:p>
+            <a:pPr algn="ctr"/>
+            <a:endParaRPr lang="es-CL" dirty="0"/>
+          </a:p>
+        </p:txBody>
+      </p:sp>
+      <p:sp>
+        <p:nvSpPr>
+          <p:cNvPr id="37" name="Elipse 36">
+            <a:extLst>
+              <a:ext uri="{FF2B5EF4-FFF2-40B4-BE49-F238E27FC236}">
+                <a16:creationId xmlns:a16="http://schemas.microsoft.com/office/drawing/2014/main" id="{50E22E33-CC54-4F72-A774-F590D9079014}"/>
+              </a:ext>
+            </a:extLst>
+          </p:cNvPr>
+          <p:cNvSpPr/>
+          <p:nvPr/>
+        </p:nvSpPr>
+        <p:spPr>
+          <a:xfrm>
+            <a:off x="6612039" y="3179128"/>
+            <a:ext cx="360000" cy="360000"/>
+          </a:xfrm>
+          <a:prstGeom prst="ellipse">
+            <a:avLst/>
+          </a:prstGeom>
+          <a:solidFill>
+            <a:schemeClr val="bg1">
+              <a:lumMod val="85000"/>
+            </a:schemeClr>
+          </a:solidFill>
+          <a:ln>
+            <a:solidFill>
+              <a:schemeClr val="bg1">
+                <a:lumMod val="65000"/>
+              </a:schemeClr>
+            </a:solidFill>
+          </a:ln>
+        </p:spPr>
+        <p:style>
+          <a:lnRef idx="2">
+            <a:schemeClr val="accent1">
+              <a:shade val="50000"/>
+            </a:schemeClr>
+          </a:lnRef>
+          <a:fillRef idx="1">
+            <a:schemeClr val="accent1"/>
+          </a:fillRef>
+          <a:effectRef idx="0">
+            <a:schemeClr val="accent1"/>
+          </a:effectRef>
+          <a:fontRef idx="minor">
+            <a:schemeClr val="lt1"/>
+          </a:fontRef>
+        </p:style>
+        <p:txBody>
+          <a:bodyPr rtlCol="0" anchor="ctr"/>
+          <a:lstStyle/>
+          <a:p>
+            <a:pPr algn="ctr"/>
+            <a:endParaRPr lang="es-CL"/>
+          </a:p>
+        </p:txBody>
+      </p:sp>
+      <p:sp>
+        <p:nvSpPr>
+          <p:cNvPr id="38" name="Elipse 37">
+            <a:extLst>
+              <a:ext uri="{FF2B5EF4-FFF2-40B4-BE49-F238E27FC236}">
+                <a16:creationId xmlns:a16="http://schemas.microsoft.com/office/drawing/2014/main" id="{CA3CE667-C2C4-494B-A957-E4C4B35316FE}"/>
+              </a:ext>
+            </a:extLst>
+          </p:cNvPr>
+          <p:cNvSpPr/>
+          <p:nvPr/>
+        </p:nvSpPr>
+        <p:spPr>
+          <a:xfrm>
+            <a:off x="6612039" y="3614417"/>
+            <a:ext cx="360000" cy="360000"/>
+          </a:xfrm>
+          <a:prstGeom prst="ellipse">
+            <a:avLst/>
+          </a:prstGeom>
+          <a:solidFill>
+            <a:schemeClr val="bg1">
+              <a:lumMod val="85000"/>
+            </a:schemeClr>
+          </a:solidFill>
+          <a:ln>
+            <a:solidFill>
+              <a:schemeClr val="bg1">
+                <a:lumMod val="65000"/>
+              </a:schemeClr>
+            </a:solidFill>
+          </a:ln>
+        </p:spPr>
+        <p:style>
+          <a:lnRef idx="2">
+            <a:schemeClr val="accent1">
+              <a:shade val="50000"/>
+            </a:schemeClr>
+          </a:lnRef>
+          <a:fillRef idx="1">
+            <a:schemeClr val="accent1"/>
+          </a:fillRef>
+          <a:effectRef idx="0">
+            <a:schemeClr val="accent1"/>
+          </a:effectRef>
+          <a:fontRef idx="minor">
+            <a:schemeClr val="lt1"/>
+          </a:fontRef>
+        </p:style>
+        <p:txBody>
+          <a:bodyPr rtlCol="0" anchor="ctr"/>
+          <a:lstStyle/>
+          <a:p>
+            <a:pPr algn="ctr"/>
+            <a:endParaRPr lang="es-CL"/>
+          </a:p>
+        </p:txBody>
+      </p:sp>
+      <p:sp>
+        <p:nvSpPr>
+          <p:cNvPr id="39" name="Elipse 38">
+            <a:extLst>
+              <a:ext uri="{FF2B5EF4-FFF2-40B4-BE49-F238E27FC236}">
+                <a16:creationId xmlns:a16="http://schemas.microsoft.com/office/drawing/2014/main" id="{5280DA1B-4758-433B-9EFE-B4DC81E39FDD}"/>
+              </a:ext>
+            </a:extLst>
+          </p:cNvPr>
+          <p:cNvSpPr/>
+          <p:nvPr/>
+        </p:nvSpPr>
+        <p:spPr>
+          <a:xfrm>
+            <a:off x="6612039" y="4052092"/>
+            <a:ext cx="360000" cy="360000"/>
+          </a:xfrm>
+          <a:prstGeom prst="ellipse">
+            <a:avLst/>
+          </a:prstGeom>
+          <a:solidFill>
+            <a:schemeClr val="bg1">
+              <a:lumMod val="85000"/>
+            </a:schemeClr>
+          </a:solidFill>
+          <a:ln>
+            <a:solidFill>
+              <a:schemeClr val="bg1">
+                <a:lumMod val="65000"/>
+              </a:schemeClr>
+            </a:solidFill>
+          </a:ln>
+        </p:spPr>
+        <p:style>
+          <a:lnRef idx="2">
+            <a:schemeClr val="accent1">
+              <a:shade val="50000"/>
+            </a:schemeClr>
+          </a:lnRef>
+          <a:fillRef idx="1">
+            <a:schemeClr val="accent1"/>
+          </a:fillRef>
+          <a:effectRef idx="0">
+            <a:schemeClr val="accent1"/>
+          </a:effectRef>
+          <a:fontRef idx="minor">
+            <a:schemeClr val="lt1"/>
+          </a:fontRef>
+        </p:style>
+        <p:txBody>
+          <a:bodyPr rtlCol="0" anchor="ctr"/>
+          <a:lstStyle/>
+          <a:p>
+            <a:pPr algn="ctr"/>
+            <a:endParaRPr lang="es-CL"/>
+          </a:p>
+        </p:txBody>
+      </p:sp>
+      <p:sp>
+        <p:nvSpPr>
+          <p:cNvPr id="40" name="Elipse 39">
+            <a:extLst>
+              <a:ext uri="{FF2B5EF4-FFF2-40B4-BE49-F238E27FC236}">
+                <a16:creationId xmlns:a16="http://schemas.microsoft.com/office/drawing/2014/main" id="{864EFB01-A17F-436B-A517-2BDA5853E7F5}"/>
+              </a:ext>
+            </a:extLst>
+          </p:cNvPr>
+          <p:cNvSpPr/>
+          <p:nvPr/>
+        </p:nvSpPr>
+        <p:spPr>
+          <a:xfrm>
+            <a:off x="6612039" y="4470533"/>
+            <a:ext cx="360000" cy="360000"/>
+          </a:xfrm>
+          <a:prstGeom prst="ellipse">
+            <a:avLst/>
+          </a:prstGeom>
+          <a:solidFill>
+            <a:schemeClr val="bg1">
+              <a:lumMod val="85000"/>
+            </a:schemeClr>
+          </a:solidFill>
+          <a:ln>
+            <a:solidFill>
+              <a:schemeClr val="bg1">
+                <a:lumMod val="65000"/>
+              </a:schemeClr>
+            </a:solidFill>
+          </a:ln>
+        </p:spPr>
+        <p:style>
+          <a:lnRef idx="2">
+            <a:schemeClr val="accent1">
+              <a:shade val="50000"/>
+            </a:schemeClr>
+          </a:lnRef>
+          <a:fillRef idx="1">
+            <a:schemeClr val="accent1"/>
+          </a:fillRef>
+          <a:effectRef idx="0">
+            <a:schemeClr val="accent1"/>
+          </a:effectRef>
+          <a:fontRef idx="minor">
+            <a:schemeClr val="lt1"/>
+          </a:fontRef>
+        </p:style>
+        <p:txBody>
+          <a:bodyPr rtlCol="0" anchor="ctr"/>
+          <a:lstStyle/>
+          <a:p>
+            <a:pPr algn="ctr"/>
+            <a:endParaRPr lang="es-CL" dirty="0"/>
+          </a:p>
+        </p:txBody>
+      </p:sp>
+      <p:sp>
+        <p:nvSpPr>
+          <p:cNvPr id="41" name="Elipse 40">
+            <a:extLst>
+              <a:ext uri="{FF2B5EF4-FFF2-40B4-BE49-F238E27FC236}">
+                <a16:creationId xmlns:a16="http://schemas.microsoft.com/office/drawing/2014/main" id="{4E69E10A-949F-4179-9FFE-5968253A319E}"/>
+              </a:ext>
+            </a:extLst>
+          </p:cNvPr>
+          <p:cNvSpPr/>
+          <p:nvPr/>
+        </p:nvSpPr>
+        <p:spPr>
+          <a:xfrm>
+            <a:off x="6612039" y="4913757"/>
+            <a:ext cx="360000" cy="360000"/>
+          </a:xfrm>
+          <a:prstGeom prst="ellipse">
+            <a:avLst/>
+          </a:prstGeom>
+          <a:solidFill>
+            <a:schemeClr val="bg1">
+              <a:lumMod val="85000"/>
+            </a:schemeClr>
+          </a:solidFill>
+          <a:ln>
+            <a:solidFill>
+              <a:schemeClr val="bg1">
+                <a:lumMod val="65000"/>
+              </a:schemeClr>
+            </a:solidFill>
+          </a:ln>
+        </p:spPr>
+        <p:style>
+          <a:lnRef idx="2">
+            <a:schemeClr val="accent1">
+              <a:shade val="50000"/>
+            </a:schemeClr>
+          </a:lnRef>
+          <a:fillRef idx="1">
+            <a:schemeClr val="accent1"/>
+          </a:fillRef>
+          <a:effectRef idx="0">
+            <a:schemeClr val="accent1"/>
+          </a:effectRef>
+          <a:fontRef idx="minor">
+            <a:schemeClr val="lt1"/>
+          </a:fontRef>
+        </p:style>
+        <p:txBody>
+          <a:bodyPr rtlCol="0" anchor="ctr"/>
+          <a:lstStyle/>
+          <a:p>
+            <a:pPr algn="ctr"/>
+            <a:endParaRPr lang="es-CL"/>
+          </a:p>
+        </p:txBody>
+      </p:sp>
+      <p:sp>
+        <p:nvSpPr>
+          <p:cNvPr id="42" name="Elipse 41">
+            <a:extLst>
+              <a:ext uri="{FF2B5EF4-FFF2-40B4-BE49-F238E27FC236}">
+                <a16:creationId xmlns:a16="http://schemas.microsoft.com/office/drawing/2014/main" id="{BFB5B6E5-511D-446C-97BA-3040462FAE15}"/>
+              </a:ext>
+            </a:extLst>
+          </p:cNvPr>
+          <p:cNvSpPr/>
+          <p:nvPr/>
+        </p:nvSpPr>
+        <p:spPr>
+          <a:xfrm>
+            <a:off x="6612039" y="5349046"/>
+            <a:ext cx="360000" cy="360000"/>
+          </a:xfrm>
+          <a:prstGeom prst="ellipse">
+            <a:avLst/>
+          </a:prstGeom>
+          <a:solidFill>
+            <a:schemeClr val="bg1">
+              <a:lumMod val="85000"/>
+            </a:schemeClr>
+          </a:solidFill>
+          <a:ln>
+            <a:solidFill>
+              <a:schemeClr val="bg1">
+                <a:lumMod val="65000"/>
+              </a:schemeClr>
+            </a:solidFill>
+          </a:ln>
+        </p:spPr>
+        <p:style>
+          <a:lnRef idx="2">
+            <a:schemeClr val="accent1">
+              <a:shade val="50000"/>
+            </a:schemeClr>
+          </a:lnRef>
+          <a:fillRef idx="1">
+            <a:schemeClr val="accent1"/>
+          </a:fillRef>
+          <a:effectRef idx="0">
+            <a:schemeClr val="accent1"/>
+          </a:effectRef>
+          <a:fontRef idx="minor">
+            <a:schemeClr val="lt1"/>
+          </a:fontRef>
+        </p:style>
+        <p:txBody>
+          <a:bodyPr rtlCol="0" anchor="ctr"/>
+          <a:lstStyle/>
+          <a:p>
+            <a:pPr algn="ctr"/>
+            <a:endParaRPr lang="es-CL"/>
+          </a:p>
+        </p:txBody>
+      </p:sp>
+      <p:sp>
+        <p:nvSpPr>
+          <p:cNvPr id="43" name="Elipse 42">
+            <a:extLst>
+              <a:ext uri="{FF2B5EF4-FFF2-40B4-BE49-F238E27FC236}">
+                <a16:creationId xmlns:a16="http://schemas.microsoft.com/office/drawing/2014/main" id="{7FFD34EC-1716-44C3-9308-CBF5916B09F9}"/>
+              </a:ext>
+            </a:extLst>
+          </p:cNvPr>
+          <p:cNvSpPr/>
+          <p:nvPr/>
+        </p:nvSpPr>
+        <p:spPr>
+          <a:xfrm>
+            <a:off x="6620929" y="5773899"/>
+            <a:ext cx="360000" cy="360000"/>
+          </a:xfrm>
+          <a:prstGeom prst="ellipse">
+            <a:avLst/>
+          </a:prstGeom>
+          <a:solidFill>
+            <a:schemeClr val="bg1">
+              <a:lumMod val="85000"/>
+            </a:schemeClr>
+          </a:solidFill>
+          <a:ln>
+            <a:solidFill>
+              <a:schemeClr val="bg1">
+                <a:lumMod val="65000"/>
+              </a:schemeClr>
+            </a:solidFill>
+          </a:ln>
+        </p:spPr>
+        <p:style>
+          <a:lnRef idx="2">
+            <a:schemeClr val="accent1">
+              <a:shade val="50000"/>
+            </a:schemeClr>
+          </a:lnRef>
+          <a:fillRef idx="1">
+            <a:schemeClr val="accent1"/>
+          </a:fillRef>
+          <a:effectRef idx="0">
+            <a:schemeClr val="accent1"/>
+          </a:effectRef>
+          <a:fontRef idx="minor">
+            <a:schemeClr val="lt1"/>
+          </a:fontRef>
+        </p:style>
+        <p:txBody>
+          <a:bodyPr rtlCol="0" anchor="ctr"/>
+          <a:lstStyle/>
+          <a:p>
+            <a:pPr algn="ctr"/>
+            <a:endParaRPr lang="es-CL"/>
+          </a:p>
+        </p:txBody>
+      </p:sp>
+      <p:sp>
+        <p:nvSpPr>
+          <p:cNvPr id="44" name="Elipse 43">
+            <a:extLst>
+              <a:ext uri="{FF2B5EF4-FFF2-40B4-BE49-F238E27FC236}">
+                <a16:creationId xmlns:a16="http://schemas.microsoft.com/office/drawing/2014/main" id="{93A5914E-BBE2-4DE4-9AD1-78252EADFB65}"/>
+              </a:ext>
+            </a:extLst>
+          </p:cNvPr>
+          <p:cNvSpPr/>
+          <p:nvPr/>
+        </p:nvSpPr>
+        <p:spPr>
+          <a:xfrm>
+            <a:off x="6620929" y="990701"/>
+            <a:ext cx="360000" cy="360000"/>
+          </a:xfrm>
+          <a:prstGeom prst="ellipse">
+            <a:avLst/>
+          </a:prstGeom>
+          <a:solidFill>
+            <a:schemeClr val="bg1">
+              <a:lumMod val="85000"/>
+            </a:schemeClr>
+          </a:solidFill>
+          <a:ln>
+            <a:solidFill>
+              <a:schemeClr val="bg1">
+                <a:lumMod val="65000"/>
+              </a:schemeClr>
+            </a:solidFill>
+          </a:ln>
+        </p:spPr>
+        <p:style>
+          <a:lnRef idx="2">
+            <a:schemeClr val="accent1">
+              <a:shade val="50000"/>
+            </a:schemeClr>
+          </a:lnRef>
+          <a:fillRef idx="1">
+            <a:schemeClr val="accent1"/>
+          </a:fillRef>
+          <a:effectRef idx="0">
+            <a:schemeClr val="accent1"/>
+          </a:effectRef>
+          <a:fontRef idx="minor">
+            <a:schemeClr val="lt1"/>
+          </a:fontRef>
+        </p:style>
+        <p:txBody>
+          <a:bodyPr rtlCol="0" anchor="ctr"/>
+          <a:lstStyle/>
+          <a:p>
+            <a:pPr algn="ctr"/>
+            <a:endParaRPr lang="es-CL"/>
           </a:p>
         </p:txBody>
       </p:sp>
@@ -14854,7 +20356,7 @@
         </p:blipFill>
         <p:spPr>
           <a:xfrm>
-            <a:off x="9413987" y="2857501"/>
+            <a:off x="9413987" y="2857500"/>
             <a:ext cx="1142998" cy="1142998"/>
           </a:xfrm>
           <a:prstGeom prst="rect">
@@ -15128,7 +20630,7 @@
         </p:blipFill>
         <p:spPr>
           <a:xfrm>
-            <a:off x="9413987" y="2857501"/>
+            <a:off x="9413987" y="2857500"/>
             <a:ext cx="1142998" cy="1142998"/>
           </a:xfrm>
           <a:prstGeom prst="rect">
@@ -15460,7 +20962,7 @@
         </p:blipFill>
         <p:spPr>
           <a:xfrm>
-            <a:off x="9413987" y="2857501"/>
+            <a:off x="9413987" y="2857500"/>
             <a:ext cx="1142998" cy="1142998"/>
           </a:xfrm>
           <a:prstGeom prst="rect">
@@ -15737,7 +21239,7 @@
         </p:blipFill>
         <p:spPr>
           <a:xfrm>
-            <a:off x="9413987" y="2857501"/>
+            <a:off x="9413987" y="2857500"/>
             <a:ext cx="1142998" cy="1142998"/>
           </a:xfrm>
           <a:prstGeom prst="rect">

--- a/Presentation Group 13.pptx
+++ b/Presentation Group 13.pptx
@@ -13,9 +13,12 @@
     <p:sldId id="259" r:id="rId7"/>
     <p:sldId id="262" r:id="rId8"/>
     <p:sldId id="263" r:id="rId9"/>
-    <p:sldId id="268" r:id="rId10"/>
-    <p:sldId id="265" r:id="rId11"/>
-    <p:sldId id="266" r:id="rId12"/>
+    <p:sldId id="269" r:id="rId10"/>
+    <p:sldId id="270" r:id="rId11"/>
+    <p:sldId id="271" r:id="rId12"/>
+    <p:sldId id="272" r:id="rId13"/>
+    <p:sldId id="268" r:id="rId14"/>
+    <p:sldId id="266" r:id="rId15"/>
   </p:sldIdLst>
   <p:sldSz cx="12192000" cy="6858000"/>
   <p:notesSz cx="6858000" cy="9144000"/>
@@ -122,758 +125,305 @@
 </p:presentation>
 </file>
 
-<file path=ppt/diagrams/colors1.xml><?xml version="1.0" encoding="utf-8"?>
-<dgm:colorsDef xmlns:dgm="http://schemas.openxmlformats.org/drawingml/2006/diagram" xmlns:a="http://schemas.openxmlformats.org/drawingml/2006/main" uniqueId="urn:microsoft.com/office/officeart/2005/8/colors/accent0_3">
-  <dgm:title val=""/>
-  <dgm:desc val=""/>
-  <dgm:catLst>
-    <dgm:cat type="mainScheme" pri="10300"/>
-  </dgm:catLst>
-  <dgm:styleLbl name="node0">
-    <dgm:fillClrLst meth="repeat">
-      <a:schemeClr val="dk2"/>
-    </dgm:fillClrLst>
-    <dgm:linClrLst meth="repeat">
-      <a:schemeClr val="lt2"/>
-    </dgm:linClrLst>
-    <dgm:effectClrLst/>
-    <dgm:txLinClrLst/>
-    <dgm:txFillClrLst/>
-    <dgm:txEffectClrLst/>
-  </dgm:styleLbl>
-  <dgm:styleLbl name="alignNode1">
-    <dgm:fillClrLst meth="repeat">
-      <a:schemeClr val="dk2"/>
-    </dgm:fillClrLst>
-    <dgm:linClrLst meth="repeat">
-      <a:schemeClr val="dk2"/>
-    </dgm:linClrLst>
-    <dgm:effectClrLst/>
-    <dgm:txLinClrLst/>
-    <dgm:txFillClrLst/>
-    <dgm:txEffectClrLst/>
-  </dgm:styleLbl>
-  <dgm:styleLbl name="node1">
-    <dgm:fillClrLst meth="repeat">
-      <a:schemeClr val="dk2"/>
-    </dgm:fillClrLst>
-    <dgm:linClrLst meth="repeat">
-      <a:schemeClr val="lt2"/>
-    </dgm:linClrLst>
-    <dgm:effectClrLst/>
-    <dgm:txLinClrLst/>
-    <dgm:txFillClrLst/>
-    <dgm:txEffectClrLst/>
-  </dgm:styleLbl>
-  <dgm:styleLbl name="lnNode1">
-    <dgm:fillClrLst meth="repeat">
-      <a:schemeClr val="dk2"/>
-    </dgm:fillClrLst>
-    <dgm:linClrLst meth="repeat">
-      <a:schemeClr val="lt2"/>
-    </dgm:linClrLst>
-    <dgm:effectClrLst/>
-    <dgm:txLinClrLst/>
-    <dgm:txFillClrLst/>
-    <dgm:txEffectClrLst/>
-  </dgm:styleLbl>
-  <dgm:styleLbl name="vennNode1">
-    <dgm:fillClrLst meth="repeat">
-      <a:schemeClr val="dk2">
-        <a:alpha val="50000"/>
-      </a:schemeClr>
-    </dgm:fillClrLst>
-    <dgm:linClrLst meth="repeat">
-      <a:schemeClr val="lt2"/>
-    </dgm:linClrLst>
-    <dgm:effectClrLst/>
-    <dgm:txLinClrLst/>
-    <dgm:txFillClrLst/>
-    <dgm:txEffectClrLst/>
-  </dgm:styleLbl>
-  <dgm:styleLbl name="node2">
-    <dgm:fillClrLst meth="repeat">
-      <a:schemeClr val="dk2"/>
-    </dgm:fillClrLst>
-    <dgm:linClrLst meth="repeat">
-      <a:schemeClr val="lt2"/>
-    </dgm:linClrLst>
-    <dgm:effectClrLst/>
-    <dgm:txLinClrLst/>
-    <dgm:txFillClrLst/>
-    <dgm:txEffectClrLst/>
-  </dgm:styleLbl>
-  <dgm:styleLbl name="node3">
-    <dgm:fillClrLst meth="repeat">
-      <a:schemeClr val="dk2"/>
-    </dgm:fillClrLst>
-    <dgm:linClrLst meth="repeat">
-      <a:schemeClr val="lt2"/>
-    </dgm:linClrLst>
-    <dgm:effectClrLst/>
-    <dgm:txLinClrLst/>
-    <dgm:txFillClrLst/>
-    <dgm:txEffectClrLst/>
-  </dgm:styleLbl>
-  <dgm:styleLbl name="node4">
-    <dgm:fillClrLst meth="repeat">
-      <a:schemeClr val="dk2"/>
-    </dgm:fillClrLst>
-    <dgm:linClrLst meth="repeat">
-      <a:schemeClr val="lt2"/>
-    </dgm:linClrLst>
-    <dgm:effectClrLst/>
-    <dgm:txLinClrLst/>
-    <dgm:txFillClrLst/>
-    <dgm:txEffectClrLst/>
-  </dgm:styleLbl>
-  <dgm:styleLbl name="fgImgPlace1">
-    <dgm:fillClrLst meth="repeat">
-      <a:schemeClr val="dk2">
-        <a:tint val="50000"/>
-      </a:schemeClr>
-    </dgm:fillClrLst>
-    <dgm:linClrLst meth="repeat">
-      <a:schemeClr val="lt2"/>
-    </dgm:linClrLst>
-    <dgm:effectClrLst/>
-    <dgm:txLinClrLst/>
-    <dgm:txFillClrLst meth="repeat">
-      <a:schemeClr val="lt2"/>
-    </dgm:txFillClrLst>
-    <dgm:txEffectClrLst/>
-  </dgm:styleLbl>
-  <dgm:styleLbl name="alignImgPlace1">
-    <dgm:fillClrLst meth="repeat">
-      <a:schemeClr val="dk2">
-        <a:tint val="50000"/>
-      </a:schemeClr>
-    </dgm:fillClrLst>
-    <dgm:linClrLst meth="repeat">
-      <a:schemeClr val="dk2">
-        <a:shade val="80000"/>
-      </a:schemeClr>
-    </dgm:linClrLst>
-    <dgm:effectClrLst/>
-    <dgm:txLinClrLst/>
-    <dgm:txFillClrLst meth="repeat">
-      <a:schemeClr val="lt2"/>
-    </dgm:txFillClrLst>
-    <dgm:txEffectClrLst/>
-  </dgm:styleLbl>
-  <dgm:styleLbl name="bgImgPlace1">
-    <dgm:fillClrLst meth="repeat">
-      <a:schemeClr val="dk2">
-        <a:tint val="50000"/>
-      </a:schemeClr>
-    </dgm:fillClrLst>
-    <dgm:linClrLst meth="repeat">
-      <a:schemeClr val="dk2">
-        <a:shade val="80000"/>
-      </a:schemeClr>
-    </dgm:linClrLst>
-    <dgm:effectClrLst/>
-    <dgm:txLinClrLst/>
-    <dgm:txFillClrLst meth="repeat">
-      <a:schemeClr val="lt2"/>
-    </dgm:txFillClrLst>
-    <dgm:txEffectClrLst/>
-  </dgm:styleLbl>
-  <dgm:styleLbl name="sibTrans2D1">
-    <dgm:fillClrLst meth="repeat">
-      <a:schemeClr val="dk2">
-        <a:tint val="60000"/>
-      </a:schemeClr>
-    </dgm:fillClrLst>
-    <dgm:linClrLst meth="repeat">
-      <a:schemeClr val="dk2">
-        <a:tint val="60000"/>
-      </a:schemeClr>
-    </dgm:linClrLst>
-    <dgm:effectClrLst/>
-    <dgm:txLinClrLst/>
-    <dgm:txFillClrLst/>
-    <dgm:txEffectClrLst/>
-  </dgm:styleLbl>
-  <dgm:styleLbl name="fgSibTrans2D1">
-    <dgm:fillClrLst meth="repeat">
-      <a:schemeClr val="dk2">
-        <a:tint val="60000"/>
-      </a:schemeClr>
-    </dgm:fillClrLst>
-    <dgm:linClrLst meth="repeat">
-      <a:schemeClr val="dk2">
-        <a:tint val="60000"/>
-      </a:schemeClr>
-    </dgm:linClrLst>
-    <dgm:effectClrLst/>
-    <dgm:txLinClrLst/>
-    <dgm:txFillClrLst/>
-    <dgm:txEffectClrLst/>
-  </dgm:styleLbl>
-  <dgm:styleLbl name="bgSibTrans2D1">
-    <dgm:fillClrLst meth="repeat">
-      <a:schemeClr val="dk2">
-        <a:tint val="60000"/>
-      </a:schemeClr>
-    </dgm:fillClrLst>
-    <dgm:linClrLst meth="repeat">
-      <a:schemeClr val="dk2">
-        <a:tint val="60000"/>
-      </a:schemeClr>
-    </dgm:linClrLst>
-    <dgm:effectClrLst/>
-    <dgm:txLinClrLst/>
-    <dgm:txFillClrLst/>
-    <dgm:txEffectClrLst/>
-  </dgm:styleLbl>
-  <dgm:styleLbl name="sibTrans1D1">
-    <dgm:fillClrLst meth="repeat">
-      <a:schemeClr val="dk2"/>
-    </dgm:fillClrLst>
-    <dgm:linClrLst meth="repeat">
-      <a:schemeClr val="dk2"/>
-    </dgm:linClrLst>
-    <dgm:effectClrLst/>
-    <dgm:txLinClrLst/>
-    <dgm:txFillClrLst meth="repeat">
-      <a:schemeClr val="lt2"/>
-    </dgm:txFillClrLst>
-    <dgm:txEffectClrLst/>
-  </dgm:styleLbl>
-  <dgm:styleLbl name="callout">
-    <dgm:fillClrLst meth="repeat">
-      <a:schemeClr val="dk2"/>
-    </dgm:fillClrLst>
-    <dgm:linClrLst meth="repeat">
-      <a:schemeClr val="dk2">
-        <a:tint val="50000"/>
-      </a:schemeClr>
-    </dgm:linClrLst>
-    <dgm:effectClrLst/>
-    <dgm:txLinClrLst/>
-    <dgm:txFillClrLst meth="repeat">
-      <a:schemeClr val="lt2"/>
-    </dgm:txFillClrLst>
-    <dgm:txEffectClrLst/>
-  </dgm:styleLbl>
-  <dgm:styleLbl name="asst0">
-    <dgm:fillClrLst meth="repeat">
-      <a:schemeClr val="dk2"/>
-    </dgm:fillClrLst>
-    <dgm:linClrLst meth="repeat">
-      <a:schemeClr val="lt2"/>
-    </dgm:linClrLst>
-    <dgm:effectClrLst/>
-    <dgm:txLinClrLst/>
-    <dgm:txFillClrLst/>
-    <dgm:txEffectClrLst/>
-  </dgm:styleLbl>
-  <dgm:styleLbl name="asst1">
-    <dgm:fillClrLst meth="repeat">
-      <a:schemeClr val="dk2"/>
-    </dgm:fillClrLst>
-    <dgm:linClrLst meth="repeat">
-      <a:schemeClr val="lt2"/>
-    </dgm:linClrLst>
-    <dgm:effectClrLst/>
-    <dgm:txLinClrLst/>
-    <dgm:txFillClrLst/>
-    <dgm:txEffectClrLst/>
-  </dgm:styleLbl>
-  <dgm:styleLbl name="asst2">
-    <dgm:fillClrLst meth="repeat">
-      <a:schemeClr val="dk2"/>
-    </dgm:fillClrLst>
-    <dgm:linClrLst meth="repeat">
-      <a:schemeClr val="lt2"/>
-    </dgm:linClrLst>
-    <dgm:effectClrLst/>
-    <dgm:txLinClrLst/>
-    <dgm:txFillClrLst/>
-    <dgm:txEffectClrLst/>
-  </dgm:styleLbl>
-  <dgm:styleLbl name="asst3">
-    <dgm:fillClrLst meth="repeat">
-      <a:schemeClr val="dk2"/>
-    </dgm:fillClrLst>
-    <dgm:linClrLst meth="repeat">
-      <a:schemeClr val="lt2"/>
-    </dgm:linClrLst>
-    <dgm:effectClrLst/>
-    <dgm:txLinClrLst/>
-    <dgm:txFillClrLst/>
-    <dgm:txEffectClrLst/>
-  </dgm:styleLbl>
-  <dgm:styleLbl name="asst4">
-    <dgm:fillClrLst meth="repeat">
-      <a:schemeClr val="dk2"/>
-    </dgm:fillClrLst>
-    <dgm:linClrLst meth="repeat">
-      <a:schemeClr val="lt2"/>
-    </dgm:linClrLst>
-    <dgm:effectClrLst/>
-    <dgm:txLinClrLst/>
-    <dgm:txFillClrLst/>
-    <dgm:txEffectClrLst/>
-  </dgm:styleLbl>
-  <dgm:styleLbl name="parChTrans2D1">
-    <dgm:fillClrLst meth="repeat">
-      <a:schemeClr val="dk2">
-        <a:tint val="60000"/>
-      </a:schemeClr>
-    </dgm:fillClrLst>
-    <dgm:linClrLst meth="repeat">
-      <a:schemeClr val="dk2">
-        <a:tint val="60000"/>
-      </a:schemeClr>
-    </dgm:linClrLst>
-    <dgm:effectClrLst/>
-    <dgm:txLinClrLst/>
-    <dgm:txFillClrLst meth="repeat">
-      <a:schemeClr val="lt2"/>
-    </dgm:txFillClrLst>
-    <dgm:txEffectClrLst/>
-  </dgm:styleLbl>
-  <dgm:styleLbl name="parChTrans2D2">
-    <dgm:fillClrLst meth="repeat">
-      <a:schemeClr val="dk2"/>
-    </dgm:fillClrLst>
-    <dgm:linClrLst meth="repeat">
-      <a:schemeClr val="dk2"/>
-    </dgm:linClrLst>
-    <dgm:effectClrLst/>
-    <dgm:txLinClrLst/>
-    <dgm:txFillClrLst meth="repeat">
-      <a:schemeClr val="lt2"/>
-    </dgm:txFillClrLst>
-    <dgm:txEffectClrLst/>
-  </dgm:styleLbl>
-  <dgm:styleLbl name="parChTrans2D3">
-    <dgm:fillClrLst meth="repeat">
-      <a:schemeClr val="dk2"/>
-    </dgm:fillClrLst>
-    <dgm:linClrLst meth="repeat">
-      <a:schemeClr val="dk2"/>
-    </dgm:linClrLst>
-    <dgm:effectClrLst/>
-    <dgm:txLinClrLst/>
-    <dgm:txFillClrLst meth="repeat">
-      <a:schemeClr val="lt2"/>
-    </dgm:txFillClrLst>
-    <dgm:txEffectClrLst/>
-  </dgm:styleLbl>
-  <dgm:styleLbl name="parChTrans2D4">
-    <dgm:fillClrLst meth="repeat">
-      <a:schemeClr val="dk2"/>
-    </dgm:fillClrLst>
-    <dgm:linClrLst meth="repeat">
-      <a:schemeClr val="dk2"/>
-    </dgm:linClrLst>
-    <dgm:effectClrLst/>
-    <dgm:txLinClrLst/>
-    <dgm:txFillClrLst meth="repeat">
-      <a:schemeClr val="lt2"/>
-    </dgm:txFillClrLst>
-    <dgm:txEffectClrLst/>
-  </dgm:styleLbl>
-  <dgm:styleLbl name="parChTrans1D1">
-    <dgm:fillClrLst meth="repeat">
-      <a:schemeClr val="dk2"/>
-    </dgm:fillClrLst>
-    <dgm:linClrLst meth="repeat">
-      <a:schemeClr val="dk2">
-        <a:shade val="60000"/>
-      </a:schemeClr>
-    </dgm:linClrLst>
-    <dgm:effectClrLst/>
-    <dgm:txLinClrLst/>
-    <dgm:txFillClrLst meth="repeat">
-      <a:schemeClr val="tx1"/>
-    </dgm:txFillClrLst>
-    <dgm:txEffectClrLst/>
-  </dgm:styleLbl>
-  <dgm:styleLbl name="parChTrans1D2">
-    <dgm:fillClrLst meth="repeat">
-      <a:schemeClr val="dk2"/>
-    </dgm:fillClrLst>
-    <dgm:linClrLst meth="repeat">
-      <a:schemeClr val="dk2">
-        <a:shade val="60000"/>
-      </a:schemeClr>
-    </dgm:linClrLst>
-    <dgm:effectClrLst/>
-    <dgm:txLinClrLst/>
-    <dgm:txFillClrLst meth="repeat">
-      <a:schemeClr val="tx1"/>
-    </dgm:txFillClrLst>
-    <dgm:txEffectClrLst/>
-  </dgm:styleLbl>
-  <dgm:styleLbl name="parChTrans1D3">
-    <dgm:fillClrLst meth="repeat">
-      <a:schemeClr val="dk2"/>
-    </dgm:fillClrLst>
-    <dgm:linClrLst meth="repeat">
-      <a:schemeClr val="dk2">
-        <a:shade val="80000"/>
-      </a:schemeClr>
-    </dgm:linClrLst>
-    <dgm:effectClrLst/>
-    <dgm:txLinClrLst/>
-    <dgm:txFillClrLst meth="repeat">
-      <a:schemeClr val="tx1"/>
-    </dgm:txFillClrLst>
-    <dgm:txEffectClrLst/>
-  </dgm:styleLbl>
-  <dgm:styleLbl name="parChTrans1D4">
-    <dgm:fillClrLst meth="repeat">
-      <a:schemeClr val="dk2"/>
-    </dgm:fillClrLst>
-    <dgm:linClrLst meth="repeat">
-      <a:schemeClr val="dk2">
-        <a:shade val="80000"/>
-      </a:schemeClr>
-    </dgm:linClrLst>
-    <dgm:effectClrLst/>
-    <dgm:txLinClrLst/>
-    <dgm:txFillClrLst meth="repeat">
-      <a:schemeClr val="tx1"/>
-    </dgm:txFillClrLst>
-    <dgm:txEffectClrLst/>
-  </dgm:styleLbl>
-  <dgm:styleLbl name="fgAcc1">
-    <dgm:fillClrLst meth="repeat">
-      <a:schemeClr val="lt2">
-        <a:alpha val="90000"/>
-      </a:schemeClr>
-    </dgm:fillClrLst>
-    <dgm:linClrLst meth="repeat">
-      <a:schemeClr val="dk2"/>
-    </dgm:linClrLst>
-    <dgm:effectClrLst/>
-    <dgm:txLinClrLst/>
-    <dgm:txFillClrLst meth="repeat">
-      <a:schemeClr val="dk1"/>
-    </dgm:txFillClrLst>
-    <dgm:txEffectClrLst/>
-  </dgm:styleLbl>
-  <dgm:styleLbl name="conFgAcc1">
-    <dgm:fillClrLst meth="repeat">
-      <a:schemeClr val="lt2">
-        <a:alpha val="90000"/>
-      </a:schemeClr>
-    </dgm:fillClrLst>
-    <dgm:linClrLst meth="repeat">
-      <a:schemeClr val="dk2"/>
-    </dgm:linClrLst>
-    <dgm:effectClrLst/>
-    <dgm:txLinClrLst/>
-    <dgm:txFillClrLst meth="repeat">
-      <a:schemeClr val="dk1"/>
-    </dgm:txFillClrLst>
-    <dgm:txEffectClrLst/>
-  </dgm:styleLbl>
-  <dgm:styleLbl name="alignAcc1">
-    <dgm:fillClrLst meth="repeat">
-      <a:schemeClr val="lt2">
-        <a:alpha val="90000"/>
-      </a:schemeClr>
-    </dgm:fillClrLst>
-    <dgm:linClrLst meth="repeat">
-      <a:schemeClr val="dk2"/>
-    </dgm:linClrLst>
-    <dgm:effectClrLst/>
-    <dgm:txLinClrLst/>
-    <dgm:txFillClrLst meth="repeat">
-      <a:schemeClr val="dk1"/>
-    </dgm:txFillClrLst>
-    <dgm:txEffectClrLst/>
-  </dgm:styleLbl>
-  <dgm:styleLbl name="trAlignAcc1">
-    <dgm:fillClrLst meth="repeat">
-      <a:schemeClr val="lt2">
-        <a:alpha val="40000"/>
-      </a:schemeClr>
-    </dgm:fillClrLst>
-    <dgm:linClrLst meth="repeat">
-      <a:schemeClr val="dk2"/>
-    </dgm:linClrLst>
-    <dgm:effectClrLst/>
-    <dgm:txLinClrLst/>
-    <dgm:txFillClrLst meth="repeat">
-      <a:schemeClr val="dk1"/>
-    </dgm:txFillClrLst>
-    <dgm:txEffectClrLst/>
-  </dgm:styleLbl>
-  <dgm:styleLbl name="bgAcc1">
-    <dgm:fillClrLst meth="repeat">
-      <a:schemeClr val="lt2">
-        <a:alpha val="90000"/>
-      </a:schemeClr>
-    </dgm:fillClrLst>
-    <dgm:linClrLst meth="repeat">
-      <a:schemeClr val="dk2"/>
-    </dgm:linClrLst>
-    <dgm:effectClrLst/>
-    <dgm:txLinClrLst/>
-    <dgm:txFillClrLst meth="repeat">
-      <a:schemeClr val="dk1"/>
-    </dgm:txFillClrLst>
-    <dgm:txEffectClrLst/>
-  </dgm:styleLbl>
-  <dgm:styleLbl name="solidFgAcc1">
-    <dgm:fillClrLst meth="repeat">
-      <a:schemeClr val="lt2"/>
-    </dgm:fillClrLst>
-    <dgm:linClrLst meth="repeat">
-      <a:schemeClr val="dk2"/>
-    </dgm:linClrLst>
-    <dgm:effectClrLst/>
-    <dgm:txLinClrLst/>
-    <dgm:txFillClrLst meth="repeat">
-      <a:schemeClr val="dk1"/>
-    </dgm:txFillClrLst>
-    <dgm:txEffectClrLst/>
-  </dgm:styleLbl>
-  <dgm:styleLbl name="solidAlignAcc1">
-    <dgm:fillClrLst meth="repeat">
-      <a:schemeClr val="lt2"/>
-    </dgm:fillClrLst>
-    <dgm:linClrLst meth="repeat">
-      <a:schemeClr val="dk2"/>
-    </dgm:linClrLst>
-    <dgm:effectClrLst/>
-    <dgm:txLinClrLst/>
-    <dgm:txFillClrLst meth="repeat">
-      <a:schemeClr val="dk1"/>
-    </dgm:txFillClrLst>
-    <dgm:txEffectClrLst/>
-  </dgm:styleLbl>
-  <dgm:styleLbl name="solidBgAcc1">
-    <dgm:fillClrLst meth="repeat">
-      <a:schemeClr val="lt2"/>
-    </dgm:fillClrLst>
-    <dgm:linClrLst meth="repeat">
-      <a:schemeClr val="dk2"/>
-    </dgm:linClrLst>
-    <dgm:effectClrLst/>
-    <dgm:txLinClrLst/>
-    <dgm:txFillClrLst meth="repeat">
-      <a:schemeClr val="dk1"/>
-    </dgm:txFillClrLst>
-    <dgm:txEffectClrLst/>
-  </dgm:styleLbl>
-  <dgm:styleLbl name="fgAccFollowNode1">
-    <dgm:fillClrLst meth="repeat">
-      <a:schemeClr val="dk2">
-        <a:alpha val="90000"/>
-        <a:tint val="40000"/>
-      </a:schemeClr>
-    </dgm:fillClrLst>
-    <dgm:linClrLst meth="repeat">
-      <a:schemeClr val="dk2">
-        <a:alpha val="90000"/>
-        <a:tint val="40000"/>
-      </a:schemeClr>
-    </dgm:linClrLst>
-    <dgm:effectClrLst/>
-    <dgm:txLinClrLst/>
-    <dgm:txFillClrLst meth="repeat">
-      <a:schemeClr val="dk1"/>
-    </dgm:txFillClrLst>
-    <dgm:txEffectClrLst/>
-  </dgm:styleLbl>
-  <dgm:styleLbl name="alignAccFollowNode1">
-    <dgm:fillClrLst meth="repeat">
-      <a:schemeClr val="dk2">
-        <a:alpha val="90000"/>
-        <a:tint val="40000"/>
-      </a:schemeClr>
-    </dgm:fillClrLst>
-    <dgm:linClrLst meth="repeat">
-      <a:schemeClr val="dk2">
-        <a:alpha val="90000"/>
-        <a:tint val="40000"/>
-      </a:schemeClr>
-    </dgm:linClrLst>
-    <dgm:effectClrLst/>
-    <dgm:txLinClrLst/>
-    <dgm:txFillClrLst meth="repeat">
-      <a:schemeClr val="dk1"/>
-    </dgm:txFillClrLst>
-    <dgm:txEffectClrLst/>
-  </dgm:styleLbl>
-  <dgm:styleLbl name="bgAccFollowNode1">
-    <dgm:fillClrLst meth="repeat">
-      <a:schemeClr val="dk2">
-        <a:alpha val="90000"/>
-        <a:tint val="40000"/>
-      </a:schemeClr>
-    </dgm:fillClrLst>
-    <dgm:linClrLst meth="repeat">
-      <a:schemeClr val="dk2">
-        <a:alpha val="90000"/>
-        <a:tint val="40000"/>
-      </a:schemeClr>
-    </dgm:linClrLst>
-    <dgm:effectClrLst/>
-    <dgm:txLinClrLst/>
-    <dgm:txFillClrLst meth="repeat">
-      <a:schemeClr val="dk1"/>
-    </dgm:txFillClrLst>
-    <dgm:txEffectClrLst/>
-  </dgm:styleLbl>
-  <dgm:styleLbl name="fgAcc0">
-    <dgm:fillClrLst meth="repeat">
-      <a:schemeClr val="lt2">
-        <a:alpha val="90000"/>
-      </a:schemeClr>
-    </dgm:fillClrLst>
-    <dgm:linClrLst meth="repeat">
-      <a:schemeClr val="dk2"/>
-    </dgm:linClrLst>
-    <dgm:effectClrLst/>
-    <dgm:txLinClrLst/>
-    <dgm:txFillClrLst meth="repeat">
-      <a:schemeClr val="dk1"/>
-    </dgm:txFillClrLst>
-    <dgm:txEffectClrLst/>
-  </dgm:styleLbl>
-  <dgm:styleLbl name="fgAcc2">
-    <dgm:fillClrLst meth="repeat">
-      <a:schemeClr val="lt2">
-        <a:alpha val="90000"/>
-      </a:schemeClr>
-    </dgm:fillClrLst>
-    <dgm:linClrLst meth="repeat">
-      <a:schemeClr val="dk2"/>
-    </dgm:linClrLst>
-    <dgm:effectClrLst/>
-    <dgm:txLinClrLst/>
-    <dgm:txFillClrLst meth="repeat">
-      <a:schemeClr val="dk1"/>
-    </dgm:txFillClrLst>
-    <dgm:txEffectClrLst/>
-  </dgm:styleLbl>
-  <dgm:styleLbl name="fgAcc3">
-    <dgm:fillClrLst meth="repeat">
-      <a:schemeClr val="lt2">
-        <a:alpha val="90000"/>
-      </a:schemeClr>
-    </dgm:fillClrLst>
-    <dgm:linClrLst meth="repeat">
-      <a:schemeClr val="dk2"/>
-    </dgm:linClrLst>
-    <dgm:effectClrLst/>
-    <dgm:txLinClrLst/>
-    <dgm:txFillClrLst meth="repeat">
-      <a:schemeClr val="dk1"/>
-    </dgm:txFillClrLst>
-    <dgm:txEffectClrLst/>
-  </dgm:styleLbl>
-  <dgm:styleLbl name="fgAcc4">
-    <dgm:fillClrLst meth="repeat">
-      <a:schemeClr val="lt2">
-        <a:alpha val="90000"/>
-      </a:schemeClr>
-    </dgm:fillClrLst>
-    <dgm:linClrLst meth="repeat">
-      <a:schemeClr val="dk2"/>
-    </dgm:linClrLst>
-    <dgm:effectClrLst/>
-    <dgm:txLinClrLst/>
-    <dgm:txFillClrLst meth="repeat">
-      <a:schemeClr val="dk1"/>
-    </dgm:txFillClrLst>
-    <dgm:txEffectClrLst/>
-  </dgm:styleLbl>
-  <dgm:styleLbl name="bgShp">
-    <dgm:fillClrLst meth="repeat">
-      <a:schemeClr val="dk2">
-        <a:tint val="40000"/>
-      </a:schemeClr>
-    </dgm:fillClrLst>
-    <dgm:linClrLst meth="repeat">
-      <a:schemeClr val="dk2"/>
-    </dgm:linClrLst>
-    <dgm:effectClrLst/>
-    <dgm:txLinClrLst/>
-    <dgm:txFillClrLst meth="repeat">
-      <a:schemeClr val="dk1"/>
-    </dgm:txFillClrLst>
-    <dgm:txEffectClrLst/>
-  </dgm:styleLbl>
-  <dgm:styleLbl name="dkBgShp">
-    <dgm:fillClrLst meth="repeat">
-      <a:schemeClr val="dk2">
-        <a:shade val="80000"/>
-      </a:schemeClr>
-    </dgm:fillClrLst>
-    <dgm:linClrLst meth="repeat">
-      <a:schemeClr val="dk2"/>
-    </dgm:linClrLst>
-    <dgm:effectClrLst/>
-    <dgm:txLinClrLst/>
-    <dgm:txFillClrLst meth="repeat">
-      <a:schemeClr val="lt1"/>
-    </dgm:txFillClrLst>
-    <dgm:txEffectClrLst/>
-  </dgm:styleLbl>
-  <dgm:styleLbl name="trBgShp">
-    <dgm:fillClrLst meth="repeat">
-      <a:schemeClr val="dk2">
-        <a:tint val="50000"/>
-        <a:alpha val="40000"/>
-      </a:schemeClr>
-    </dgm:fillClrLst>
-    <dgm:linClrLst meth="repeat">
-      <a:schemeClr val="dk2"/>
-    </dgm:linClrLst>
-    <dgm:effectClrLst/>
-    <dgm:txLinClrLst/>
-    <dgm:txFillClrLst meth="repeat">
-      <a:schemeClr val="lt1"/>
-    </dgm:txFillClrLst>
-    <dgm:txEffectClrLst/>
-  </dgm:styleLbl>
-  <dgm:styleLbl name="fgShp">
-    <dgm:fillClrLst meth="repeat">
-      <a:schemeClr val="dk2">
-        <a:tint val="60000"/>
-      </a:schemeClr>
-    </dgm:fillClrLst>
-    <dgm:linClrLst meth="repeat">
-      <a:schemeClr val="lt2"/>
-    </dgm:linClrLst>
-    <dgm:effectClrLst/>
-    <dgm:txLinClrLst/>
-    <dgm:txFillClrLst meth="repeat">
-      <a:schemeClr val="dk1"/>
-    </dgm:txFillClrLst>
-    <dgm:txEffectClrLst/>
-  </dgm:styleLbl>
-  <dgm:styleLbl name="revTx">
-    <dgm:fillClrLst meth="repeat">
-      <a:schemeClr val="lt2">
-        <a:alpha val="0"/>
-      </a:schemeClr>
-    </dgm:fillClrLst>
-    <dgm:linClrLst meth="repeat">
-      <a:schemeClr val="dk1">
-        <a:alpha val="0"/>
-      </a:schemeClr>
-    </dgm:linClrLst>
-    <dgm:effectClrLst/>
-    <dgm:txLinClrLst/>
-    <dgm:txFillClrLst meth="repeat">
-      <a:schemeClr val="tx1"/>
-    </dgm:txFillClrLst>
-    <dgm:txEffectClrLst/>
-  </dgm:styleLbl>
-</dgm:colorsDef>
+<file path=ppt/changesInfos/changesInfo1.xml><?xml version="1.0" encoding="utf-8"?>
+<pc:chgInfo xmlns:a="http://schemas.openxmlformats.org/drawingml/2006/main" xmlns:r="http://schemas.openxmlformats.org/officeDocument/2006/relationships" xmlns:ac="http://schemas.microsoft.com/office/drawing/2013/main/command" xmlns:pc="http://schemas.microsoft.com/office/powerpoint/2013/main/command">
+  <pc:docChgLst>
+    <pc:chgData clId="Web-{36891066-8CA1-46D8-AB99-23F80B78174E}"/>
+    <pc:docChg chg="modSld">
+      <pc:chgData name="" userId="" providerId="" clId="Web-{36891066-8CA1-46D8-AB99-23F80B78174E}" dt="2019-07-17T18:36:45.218" v="270" actId="14100"/>
+      <pc:docMkLst>
+        <pc:docMk/>
+      </pc:docMkLst>
+      <pc:sldChg chg="modSp">
+        <pc:chgData name="" userId="" providerId="" clId="Web-{36891066-8CA1-46D8-AB99-23F80B78174E}" dt="2019-07-17T18:29:15.631" v="10" actId="20577"/>
+        <pc:sldMkLst>
+          <pc:docMk/>
+          <pc:sldMk cId="304145838" sldId="257"/>
+        </pc:sldMkLst>
+        <pc:spChg chg="mod">
+          <ac:chgData name="" userId="" providerId="" clId="Web-{36891066-8CA1-46D8-AB99-23F80B78174E}" dt="2019-07-17T18:29:15.631" v="10" actId="20577"/>
+          <ac:spMkLst>
+            <pc:docMk/>
+            <pc:sldMk cId="304145838" sldId="257"/>
+            <ac:spMk id="3" creationId="{5E681D0A-E34D-4B5B-9BEE-74C6342AD2E3}"/>
+          </ac:spMkLst>
+        </pc:spChg>
+      </pc:sldChg>
+      <pc:sldChg chg="modSp">
+        <pc:chgData name="" userId="" providerId="" clId="Web-{36891066-8CA1-46D8-AB99-23F80B78174E}" dt="2019-07-17T18:33:05.886" v="102" actId="20577"/>
+        <pc:sldMkLst>
+          <pc:docMk/>
+          <pc:sldMk cId="4066734272" sldId="259"/>
+        </pc:sldMkLst>
+        <pc:spChg chg="mod">
+          <ac:chgData name="" userId="" providerId="" clId="Web-{36891066-8CA1-46D8-AB99-23F80B78174E}" dt="2019-07-17T18:33:05.886" v="102" actId="20577"/>
+          <ac:spMkLst>
+            <pc:docMk/>
+            <pc:sldMk cId="4066734272" sldId="259"/>
+            <ac:spMk id="10" creationId="{336454E6-7436-4EAF-9FB8-7F6D7B873499}"/>
+          </ac:spMkLst>
+        </pc:spChg>
+      </pc:sldChg>
+      <pc:sldChg chg="modSp">
+        <pc:chgData name="" userId="" providerId="" clId="Web-{36891066-8CA1-46D8-AB99-23F80B78174E}" dt="2019-07-17T18:30:28.180" v="42" actId="20577"/>
+        <pc:sldMkLst>
+          <pc:docMk/>
+          <pc:sldMk cId="1554796593" sldId="260"/>
+        </pc:sldMkLst>
+        <pc:spChg chg="mod">
+          <ac:chgData name="" userId="" providerId="" clId="Web-{36891066-8CA1-46D8-AB99-23F80B78174E}" dt="2019-07-17T18:30:28.180" v="42" actId="20577"/>
+          <ac:spMkLst>
+            <pc:docMk/>
+            <pc:sldMk cId="1554796593" sldId="260"/>
+            <ac:spMk id="10" creationId="{305E49DF-DD97-45E2-878F-7A5B9AA2CAED}"/>
+          </ac:spMkLst>
+        </pc:spChg>
+      </pc:sldChg>
+      <pc:sldChg chg="addSp delSp modSp">
+        <pc:chgData name="" userId="" providerId="" clId="Web-{36891066-8CA1-46D8-AB99-23F80B78174E}" dt="2019-07-17T18:36:45.218" v="270" actId="14100"/>
+        <pc:sldMkLst>
+          <pc:docMk/>
+          <pc:sldMk cId="4041380615" sldId="262"/>
+        </pc:sldMkLst>
+        <pc:spChg chg="mod">
+          <ac:chgData name="" userId="" providerId="" clId="Web-{36891066-8CA1-46D8-AB99-23F80B78174E}" dt="2019-07-17T18:35:21.592" v="150" actId="20577"/>
+          <ac:spMkLst>
+            <pc:docMk/>
+            <pc:sldMk cId="4041380615" sldId="262"/>
+            <ac:spMk id="2" creationId="{4F810F9C-F4DA-410F-8CC9-607E29B41CD3}"/>
+          </ac:spMkLst>
+        </pc:spChg>
+        <pc:spChg chg="add del mod">
+          <ac:chgData name="" userId="" providerId="" clId="Web-{36891066-8CA1-46D8-AB99-23F80B78174E}" dt="2019-07-17T18:34:44.060" v="119"/>
+          <ac:spMkLst>
+            <pc:docMk/>
+            <pc:sldMk cId="4041380615" sldId="262"/>
+            <ac:spMk id="4" creationId="{53E60A74-79A3-4CE1-BEA8-4F9916A84F77}"/>
+          </ac:spMkLst>
+        </pc:spChg>
+        <pc:spChg chg="add mod">
+          <ac:chgData name="" userId="" providerId="" clId="Web-{36891066-8CA1-46D8-AB99-23F80B78174E}" dt="2019-07-17T18:36:45.218" v="270" actId="14100"/>
+          <ac:spMkLst>
+            <pc:docMk/>
+            <pc:sldMk cId="4041380615" sldId="262"/>
+            <ac:spMk id="5" creationId="{8E038226-FAC3-4C63-96C0-CF4FC6425F80}"/>
+          </ac:spMkLst>
+        </pc:spChg>
+        <pc:picChg chg="add del mod">
+          <ac:chgData name="" userId="" providerId="" clId="Web-{36891066-8CA1-46D8-AB99-23F80B78174E}" dt="2019-07-17T18:35:36.779" v="156" actId="1076"/>
+          <ac:picMkLst>
+            <pc:docMk/>
+            <pc:sldMk cId="4041380615" sldId="262"/>
+            <ac:picMk id="6" creationId="{60FF147C-7802-4C12-9115-B59E2156B16A}"/>
+          </ac:picMkLst>
+        </pc:picChg>
+      </pc:sldChg>
+    </pc:docChg>
+  </pc:docChgLst>
+  <pc:docChgLst>
+    <pc:chgData clId="Web-{072F355C-18C9-40C9-BD32-1D81CCF7C7B6}"/>
+    <pc:docChg chg="addSld delSld modSld">
+      <pc:chgData name="" userId="" providerId="" clId="Web-{072F355C-18C9-40C9-BD32-1D81CCF7C7B6}" dt="2019-07-17T19:16:50.828" v="687" actId="1076"/>
+      <pc:docMkLst>
+        <pc:docMk/>
+      </pc:docMkLst>
+      <pc:sldChg chg="modSp">
+        <pc:chgData name="" userId="" providerId="" clId="Web-{072F355C-18C9-40C9-BD32-1D81CCF7C7B6}" dt="2019-07-17T19:01:06.137" v="0" actId="1076"/>
+        <pc:sldMkLst>
+          <pc:docMk/>
+          <pc:sldMk cId="4041380615" sldId="262"/>
+        </pc:sldMkLst>
+        <pc:spChg chg="mod">
+          <ac:chgData name="" userId="" providerId="" clId="Web-{072F355C-18C9-40C9-BD32-1D81CCF7C7B6}" dt="2019-07-17T19:01:06.137" v="0" actId="1076"/>
+          <ac:spMkLst>
+            <pc:docMk/>
+            <pc:sldMk cId="4041380615" sldId="262"/>
+            <ac:spMk id="5" creationId="{8E038226-FAC3-4C63-96C0-CF4FC6425F80}"/>
+          </ac:spMkLst>
+        </pc:spChg>
+      </pc:sldChg>
+      <pc:sldChg chg="addSp delSp modSp">
+        <pc:chgData name="" userId="" providerId="" clId="Web-{072F355C-18C9-40C9-BD32-1D81CCF7C7B6}" dt="2019-07-17T19:01:21.637" v="4"/>
+        <pc:sldMkLst>
+          <pc:docMk/>
+          <pc:sldMk cId="2406910067" sldId="263"/>
+        </pc:sldMkLst>
+        <pc:spChg chg="add mod">
+          <ac:chgData name="" userId="" providerId="" clId="Web-{072F355C-18C9-40C9-BD32-1D81CCF7C7B6}" dt="2019-07-17T19:01:21.637" v="4"/>
+          <ac:spMkLst>
+            <pc:docMk/>
+            <pc:sldMk cId="2406910067" sldId="263"/>
+            <ac:spMk id="4" creationId="{838D8A68-B385-4B26-8AD5-8B5ECC4D2D80}"/>
+          </ac:spMkLst>
+        </pc:spChg>
+        <pc:spChg chg="del mod">
+          <ac:chgData name="" userId="" providerId="" clId="Web-{072F355C-18C9-40C9-BD32-1D81CCF7C7B6}" dt="2019-07-17T19:01:21.637" v="4"/>
+          <ac:spMkLst>
+            <pc:docMk/>
+            <pc:sldMk cId="2406910067" sldId="263"/>
+            <ac:spMk id="10" creationId="{1CFF0258-07B4-4E0A-B16E-A3F615CD45DA}"/>
+          </ac:spMkLst>
+        </pc:spChg>
+      </pc:sldChg>
+      <pc:sldChg chg="del">
+        <pc:chgData name="" userId="" providerId="" clId="Web-{072F355C-18C9-40C9-BD32-1D81CCF7C7B6}" dt="2019-07-17T19:15:43.176" v="658"/>
+        <pc:sldMkLst>
+          <pc:docMk/>
+          <pc:sldMk cId="1420552764" sldId="265"/>
+        </pc:sldMkLst>
+      </pc:sldChg>
+      <pc:sldChg chg="modSp">
+        <pc:chgData name="" userId="" providerId="" clId="Web-{072F355C-18C9-40C9-BD32-1D81CCF7C7B6}" dt="2019-07-17T19:16:50.828" v="687" actId="1076"/>
+        <pc:sldMkLst>
+          <pc:docMk/>
+          <pc:sldMk cId="4264635736" sldId="267"/>
+        </pc:sldMkLst>
+        <pc:spChg chg="mod">
+          <ac:chgData name="" userId="" providerId="" clId="Web-{072F355C-18C9-40C9-BD32-1D81CCF7C7B6}" dt="2019-07-17T19:16:49.565" v="685" actId="20577"/>
+          <ac:spMkLst>
+            <pc:docMk/>
+            <pc:sldMk cId="4264635736" sldId="267"/>
+            <ac:spMk id="2" creationId="{C0C3A489-BD10-4840-9BB4-E68D78730765}"/>
+          </ac:spMkLst>
+        </pc:spChg>
+        <pc:graphicFrameChg chg="mod">
+          <ac:chgData name="" userId="" providerId="" clId="Web-{072F355C-18C9-40C9-BD32-1D81CCF7C7B6}" dt="2019-07-17T19:16:50.828" v="687" actId="1076"/>
+          <ac:graphicFrameMkLst>
+            <pc:docMk/>
+            <pc:sldMk cId="4264635736" sldId="267"/>
+            <ac:graphicFrameMk id="4" creationId="{2D0D3499-ADF0-45D8-A0ED-082C07F4891E}"/>
+          </ac:graphicFrameMkLst>
+        </pc:graphicFrameChg>
+      </pc:sldChg>
+      <pc:sldChg chg="addSp delSp modSp">
+        <pc:chgData name="" userId="" providerId="" clId="Web-{072F355C-18C9-40C9-BD32-1D81CCF7C7B6}" dt="2019-07-17T19:15:33.768" v="655" actId="20577"/>
+        <pc:sldMkLst>
+          <pc:docMk/>
+          <pc:sldMk cId="128586543" sldId="268"/>
+        </pc:sldMkLst>
+        <pc:spChg chg="mod">
+          <ac:chgData name="" userId="" providerId="" clId="Web-{072F355C-18C9-40C9-BD32-1D81CCF7C7B6}" dt="2019-07-17T19:15:04.808" v="618" actId="20577"/>
+          <ac:spMkLst>
+            <pc:docMk/>
+            <pc:sldMk cId="128586543" sldId="268"/>
+            <ac:spMk id="2" creationId="{90906E4B-2248-43D3-B399-03B5E02A9320}"/>
+          </ac:spMkLst>
+        </pc:spChg>
+        <pc:spChg chg="add mod">
+          <ac:chgData name="" userId="" providerId="" clId="Web-{072F355C-18C9-40C9-BD32-1D81CCF7C7B6}" dt="2019-07-17T19:15:33.768" v="655" actId="20577"/>
+          <ac:spMkLst>
+            <pc:docMk/>
+            <pc:sldMk cId="128586543" sldId="268"/>
+            <ac:spMk id="4" creationId="{3A888E27-F133-44BE-81E5-7C811B1C5D9F}"/>
+          </ac:spMkLst>
+        </pc:spChg>
+        <pc:graphicFrameChg chg="del">
+          <ac:chgData name="" userId="" providerId="" clId="Web-{072F355C-18C9-40C9-BD32-1D81CCF7C7B6}" dt="2019-07-17T19:05:07.517" v="22"/>
+          <ac:graphicFrameMkLst>
+            <pc:docMk/>
+            <pc:sldMk cId="128586543" sldId="268"/>
+            <ac:graphicFrameMk id="12" creationId="{FD0EA439-AEBA-4447-9265-9C98DB463E0F}"/>
+          </ac:graphicFrameMkLst>
+        </pc:graphicFrameChg>
+      </pc:sldChg>
+      <pc:sldChg chg="modSp new">
+        <pc:chgData name="" userId="" providerId="" clId="Web-{072F355C-18C9-40C9-BD32-1D81CCF7C7B6}" dt="2019-07-17T19:11:26.789" v="300" actId="20577"/>
+        <pc:sldMkLst>
+          <pc:docMk/>
+          <pc:sldMk cId="3055953619" sldId="269"/>
+        </pc:sldMkLst>
+        <pc:spChg chg="mod">
+          <ac:chgData name="" userId="" providerId="" clId="Web-{072F355C-18C9-40C9-BD32-1D81CCF7C7B6}" dt="2019-07-17T19:10:14.351" v="206" actId="20577"/>
+          <ac:spMkLst>
+            <pc:docMk/>
+            <pc:sldMk cId="3055953619" sldId="269"/>
+            <ac:spMk id="2" creationId="{94B7956A-23F7-438C-82B7-E6B9CE4F8682}"/>
+          </ac:spMkLst>
+        </pc:spChg>
+        <pc:spChg chg="mod">
+          <ac:chgData name="" userId="" providerId="" clId="Web-{072F355C-18C9-40C9-BD32-1D81CCF7C7B6}" dt="2019-07-17T19:11:26.789" v="300" actId="20577"/>
+          <ac:spMkLst>
+            <pc:docMk/>
+            <pc:sldMk cId="3055953619" sldId="269"/>
+            <ac:spMk id="3" creationId="{4607876A-DFEC-4F92-B02A-830D72B5E57A}"/>
+          </ac:spMkLst>
+        </pc:spChg>
+      </pc:sldChg>
+      <pc:sldChg chg="modSp add replId">
+        <pc:chgData name="" userId="" providerId="" clId="Web-{072F355C-18C9-40C9-BD32-1D81CCF7C7B6}" dt="2019-07-17T19:12:45.462" v="382" actId="20577"/>
+        <pc:sldMkLst>
+          <pc:docMk/>
+          <pc:sldMk cId="758276084" sldId="270"/>
+        </pc:sldMkLst>
+        <pc:spChg chg="mod">
+          <ac:chgData name="" userId="" providerId="" clId="Web-{072F355C-18C9-40C9-BD32-1D81CCF7C7B6}" dt="2019-07-17T19:11:56.056" v="337" actId="20577"/>
+          <ac:spMkLst>
+            <pc:docMk/>
+            <pc:sldMk cId="758276084" sldId="270"/>
+            <ac:spMk id="2" creationId="{94B7956A-23F7-438C-82B7-E6B9CE4F8682}"/>
+          </ac:spMkLst>
+        </pc:spChg>
+        <pc:spChg chg="mod">
+          <ac:chgData name="" userId="" providerId="" clId="Web-{072F355C-18C9-40C9-BD32-1D81CCF7C7B6}" dt="2019-07-17T19:12:45.462" v="382" actId="20577"/>
+          <ac:spMkLst>
+            <pc:docMk/>
+            <pc:sldMk cId="758276084" sldId="270"/>
+            <ac:spMk id="3" creationId="{4607876A-DFEC-4F92-B02A-830D72B5E57A}"/>
+          </ac:spMkLst>
+        </pc:spChg>
+      </pc:sldChg>
+      <pc:sldChg chg="modSp new">
+        <pc:chgData name="" userId="" providerId="" clId="Web-{072F355C-18C9-40C9-BD32-1D81CCF7C7B6}" dt="2019-07-17T19:14:04.613" v="526" actId="20577"/>
+        <pc:sldMkLst>
+          <pc:docMk/>
+          <pc:sldMk cId="3920851082" sldId="271"/>
+        </pc:sldMkLst>
+        <pc:spChg chg="mod">
+          <ac:chgData name="" userId="" providerId="" clId="Web-{072F355C-18C9-40C9-BD32-1D81CCF7C7B6}" dt="2019-07-17T19:13:02.422" v="405" actId="20577"/>
+          <ac:spMkLst>
+            <pc:docMk/>
+            <pc:sldMk cId="3920851082" sldId="271"/>
+            <ac:spMk id="2" creationId="{0C5DB7B8-2DB1-43BF-8F38-EFB7C59D92B1}"/>
+          </ac:spMkLst>
+        </pc:spChg>
+        <pc:spChg chg="mod">
+          <ac:chgData name="" userId="" providerId="" clId="Web-{072F355C-18C9-40C9-BD32-1D81CCF7C7B6}" dt="2019-07-17T19:14:04.613" v="526" actId="20577"/>
+          <ac:spMkLst>
+            <pc:docMk/>
+            <pc:sldMk cId="3920851082" sldId="271"/>
+            <ac:spMk id="3" creationId="{7D42E99E-0BA0-44DD-99ED-80B586DE27BA}"/>
+          </ac:spMkLst>
+        </pc:spChg>
+      </pc:sldChg>
+      <pc:sldChg chg="modSp new">
+        <pc:chgData name="" userId="" providerId="" clId="Web-{072F355C-18C9-40C9-BD32-1D81CCF7C7B6}" dt="2019-07-17T19:14:57.100" v="612" actId="20577"/>
+        <pc:sldMkLst>
+          <pc:docMk/>
+          <pc:sldMk cId="1151026970" sldId="272"/>
+        </pc:sldMkLst>
+        <pc:spChg chg="mod">
+          <ac:chgData name="" userId="" providerId="" clId="Web-{072F355C-18C9-40C9-BD32-1D81CCF7C7B6}" dt="2019-07-17T19:14:28.532" v="561" actId="20577"/>
+          <ac:spMkLst>
+            <pc:docMk/>
+            <pc:sldMk cId="1151026970" sldId="272"/>
+            <ac:spMk id="2" creationId="{56E40791-9700-459D-A8E4-EAAD1A106D49}"/>
+          </ac:spMkLst>
+        </pc:spChg>
+        <pc:spChg chg="mod">
+          <ac:chgData name="" userId="" providerId="" clId="Web-{072F355C-18C9-40C9-BD32-1D81CCF7C7B6}" dt="2019-07-17T19:14:57.100" v="612" actId="20577"/>
+          <ac:spMkLst>
+            <pc:docMk/>
+            <pc:sldMk cId="1151026970" sldId="272"/>
+            <ac:spMk id="3" creationId="{7B742FF9-F343-492D-9F81-2DE7332EFEAE}"/>
+          </ac:spMkLst>
+        </pc:spChg>
+      </pc:sldChg>
+    </pc:docChg>
+  </pc:docChgLst>
+</pc:chgInfo>
 </file>
 
-<file path=ppt/diagrams/colors2.xml><?xml version="1.0" encoding="utf-8"?>
+<file path=ppt/diagrams/colors1.xml><?xml version="1.0" encoding="utf-8"?>
 <dgm:colorsDef xmlns:dgm="http://schemas.openxmlformats.org/drawingml/2006/diagram" xmlns:a="http://schemas.openxmlformats.org/drawingml/2006/main" uniqueId="urn:microsoft.com/office/officeart/2005/8/colors/accent0_3">
   <dgm:title val=""/>
   <dgm:desc val=""/>
@@ -3345,729 +2895,6 @@
     <dgm:cxn modelId="{71EE714A-7F7A-4030-AD86-2EF70FB83A01}" type="presParOf" srcId="{2A2DA77F-C43F-4BA1-B912-A4892A23766F}" destId="{23120666-2BAD-4688-B93D-9F983C19AE4F}" srcOrd="2" destOrd="0" presId="urn:microsoft.com/office/officeart/2009/3/layout/HorizontalOrganizationChart"/>
     <dgm:cxn modelId="{6C56DF96-2911-4452-8EAF-6F1F64BE62B3}" type="presParOf" srcId="{F25D0F42-E6CC-4E4E-8058-D54714DFE27D}" destId="{4FFF544C-F91F-4EAE-A0AE-9D1374F3CEC7}" srcOrd="2" destOrd="0" presId="urn:microsoft.com/office/officeart/2009/3/layout/HorizontalOrganizationChart"/>
     <dgm:cxn modelId="{B920AC61-1907-4720-B5F9-731538CAFC1E}" type="presParOf" srcId="{B59B1D1A-5BF3-424D-BD27-28E40AA807F7}" destId="{98A7D475-6EE8-4A78-8665-CECDA1DE07CB}" srcOrd="2" destOrd="0" presId="urn:microsoft.com/office/officeart/2009/3/layout/HorizontalOrganizationChart"/>
-  </dgm:cxnLst>
-  <dgm:bg/>
-  <dgm:whole/>
-  <dgm:extLst>
-    <a:ext uri="http://schemas.microsoft.com/office/drawing/2008/diagram">
-      <dsp:dataModelExt xmlns:dsp="http://schemas.microsoft.com/office/drawing/2008/diagram" relId="rId8" minVer="http://schemas.openxmlformats.org/drawingml/2006/diagram"/>
-    </a:ext>
-  </dgm:extLst>
-</dgm:dataModel>
-</file>
-
-<file path=ppt/diagrams/data2.xml><?xml version="1.0" encoding="utf-8"?>
-<dgm:dataModel xmlns:dgm="http://schemas.openxmlformats.org/drawingml/2006/diagram" xmlns:a="http://schemas.openxmlformats.org/drawingml/2006/main">
-  <dgm:ptLst>
-    <dgm:pt modelId="{B08080AD-D503-4CC1-AF15-B5F018BA61B7}" type="doc">
-      <dgm:prSet loTypeId="urn:microsoft.com/office/officeart/2005/8/layout/hierarchy3" loCatId="hierarchy" qsTypeId="urn:microsoft.com/office/officeart/2005/8/quickstyle/simple5" qsCatId="simple" csTypeId="urn:microsoft.com/office/officeart/2005/8/colors/accent0_3" csCatId="mainScheme" phldr="1"/>
-      <dgm:spPr/>
-    </dgm:pt>
-    <dgm:pt modelId="{3A9B97C3-9D6F-4C94-8609-5F5C5DB2728D}">
-      <dgm:prSet phldrT="[Texto]"/>
-      <dgm:spPr/>
-      <dgm:t>
-        <a:bodyPr/>
-        <a:lstStyle/>
-        <a:p>
-          <a:r>
-            <a:rPr lang="it-IT" dirty="0"/>
-            <a:t>Random Forest</a:t>
-          </a:r>
-          <a:endParaRPr lang="es-CL" dirty="0"/>
-        </a:p>
-      </dgm:t>
-    </dgm:pt>
-    <dgm:pt modelId="{50012500-388E-4F00-A513-1703FE1BE3C1}" type="parTrans" cxnId="{F6C9E771-174A-4800-A42C-16016A3FFA31}">
-      <dgm:prSet/>
-      <dgm:spPr/>
-      <dgm:t>
-        <a:bodyPr/>
-        <a:lstStyle/>
-        <a:p>
-          <a:endParaRPr lang="es-CL"/>
-        </a:p>
-      </dgm:t>
-    </dgm:pt>
-    <dgm:pt modelId="{65D98E47-0A02-4A04-AC87-104468DB99E5}" type="sibTrans" cxnId="{F6C9E771-174A-4800-A42C-16016A3FFA31}">
-      <dgm:prSet/>
-      <dgm:spPr/>
-      <dgm:t>
-        <a:bodyPr/>
-        <a:lstStyle/>
-        <a:p>
-          <a:endParaRPr lang="es-CL"/>
-        </a:p>
-      </dgm:t>
-    </dgm:pt>
-    <dgm:pt modelId="{7E85E645-60AA-4011-90EE-3803CF83FB06}">
-      <dgm:prSet phldrT="[Texto]"/>
-      <dgm:spPr/>
-      <dgm:t>
-        <a:bodyPr/>
-        <a:lstStyle/>
-        <a:p>
-          <a:r>
-            <a:rPr lang="es-CL" dirty="0"/>
-            <a:t>Train error: 9.319</a:t>
-          </a:r>
-        </a:p>
-      </dgm:t>
-    </dgm:pt>
-    <dgm:pt modelId="{98175F75-4398-4F92-8C16-BA2B48C40887}" type="parTrans" cxnId="{D32FE27F-11D7-466E-B746-8EF05A6460F6}">
-      <dgm:prSet/>
-      <dgm:spPr/>
-      <dgm:t>
-        <a:bodyPr/>
-        <a:lstStyle/>
-        <a:p>
-          <a:endParaRPr lang="es-CL"/>
-        </a:p>
-      </dgm:t>
-    </dgm:pt>
-    <dgm:pt modelId="{D207E049-B280-4CEA-8162-8A2FA8C1FAE5}" type="sibTrans" cxnId="{D32FE27F-11D7-466E-B746-8EF05A6460F6}">
-      <dgm:prSet/>
-      <dgm:spPr/>
-      <dgm:t>
-        <a:bodyPr/>
-        <a:lstStyle/>
-        <a:p>
-          <a:endParaRPr lang="es-CL"/>
-        </a:p>
-      </dgm:t>
-    </dgm:pt>
-    <dgm:pt modelId="{85AD2AAC-FF82-477B-8D28-1515ED231F64}">
-      <dgm:prSet phldrT="[Texto]"/>
-      <dgm:spPr/>
-      <dgm:t>
-        <a:bodyPr/>
-        <a:lstStyle/>
-        <a:p>
-          <a:r>
-            <a:rPr lang="it-IT" dirty="0"/>
-            <a:t>Train error:</a:t>
-          </a:r>
-          <a:endParaRPr lang="es-CL" dirty="0"/>
-        </a:p>
-      </dgm:t>
-    </dgm:pt>
-    <dgm:pt modelId="{00059397-26F8-4CF7-9216-2A3D994A1830}" type="parTrans" cxnId="{DA1AC35E-C661-46D2-AC7B-30453D6E098D}">
-      <dgm:prSet/>
-      <dgm:spPr/>
-      <dgm:t>
-        <a:bodyPr/>
-        <a:lstStyle/>
-        <a:p>
-          <a:endParaRPr lang="es-CL"/>
-        </a:p>
-      </dgm:t>
-    </dgm:pt>
-    <dgm:pt modelId="{F6499244-A54D-44C1-B5D9-AE3AC25D3BA0}" type="sibTrans" cxnId="{DA1AC35E-C661-46D2-AC7B-30453D6E098D}">
-      <dgm:prSet/>
-      <dgm:spPr/>
-      <dgm:t>
-        <a:bodyPr/>
-        <a:lstStyle/>
-        <a:p>
-          <a:endParaRPr lang="es-CL"/>
-        </a:p>
-      </dgm:t>
-    </dgm:pt>
-    <dgm:pt modelId="{E92C542D-9797-4A2D-8D36-525BEA920637}">
-      <dgm:prSet phldrT="[Texto]"/>
-      <dgm:spPr/>
-      <dgm:t>
-        <a:bodyPr/>
-        <a:lstStyle/>
-        <a:p>
-          <a:r>
-            <a:rPr lang="it-IT" dirty="0"/>
-            <a:t>SVM</a:t>
-          </a:r>
-          <a:endParaRPr lang="es-CL" dirty="0"/>
-        </a:p>
-      </dgm:t>
-    </dgm:pt>
-    <dgm:pt modelId="{3113DEAC-5930-40B0-80F2-CCE8658FDA7A}" type="parTrans" cxnId="{3E5018C3-F726-41CE-9FFC-4FC536A660B9}">
-      <dgm:prSet/>
-      <dgm:spPr/>
-      <dgm:t>
-        <a:bodyPr/>
-        <a:lstStyle/>
-        <a:p>
-          <a:endParaRPr lang="es-CL"/>
-        </a:p>
-      </dgm:t>
-    </dgm:pt>
-    <dgm:pt modelId="{D88728B4-9371-401C-BC19-10F3C4557B6A}" type="sibTrans" cxnId="{3E5018C3-F726-41CE-9FFC-4FC536A660B9}">
-      <dgm:prSet/>
-      <dgm:spPr/>
-      <dgm:t>
-        <a:bodyPr/>
-        <a:lstStyle/>
-        <a:p>
-          <a:endParaRPr lang="es-CL"/>
-        </a:p>
-      </dgm:t>
-    </dgm:pt>
-    <dgm:pt modelId="{081F4EFF-8711-4B82-ACDD-7C71EA6A560C}">
-      <dgm:prSet phldrT="[Texto]"/>
-      <dgm:spPr/>
-      <dgm:t>
-        <a:bodyPr/>
-        <a:lstStyle/>
-        <a:p>
-          <a:r>
-            <a:rPr lang="it-IT" dirty="0"/>
-            <a:t>Naive Bayes</a:t>
-          </a:r>
-          <a:endParaRPr lang="es-CL" dirty="0"/>
-        </a:p>
-      </dgm:t>
-    </dgm:pt>
-    <dgm:pt modelId="{8A6E7FFE-0794-45CA-89FD-A40C1A74F682}" type="parTrans" cxnId="{52B8C6F0-888F-48B5-A4BB-65BBF90128E3}">
-      <dgm:prSet/>
-      <dgm:spPr/>
-      <dgm:t>
-        <a:bodyPr/>
-        <a:lstStyle/>
-        <a:p>
-          <a:endParaRPr lang="es-CL"/>
-        </a:p>
-      </dgm:t>
-    </dgm:pt>
-    <dgm:pt modelId="{52689D7F-BF10-4504-93A9-F81F6F75330B}" type="sibTrans" cxnId="{52B8C6F0-888F-48B5-A4BB-65BBF90128E3}">
-      <dgm:prSet/>
-      <dgm:spPr/>
-      <dgm:t>
-        <a:bodyPr/>
-        <a:lstStyle/>
-        <a:p>
-          <a:endParaRPr lang="es-CL"/>
-        </a:p>
-      </dgm:t>
-    </dgm:pt>
-    <dgm:pt modelId="{3732F38F-4BDC-4B26-A17D-AD1E4A7D5845}">
-      <dgm:prSet phldrT="[Texto]"/>
-      <dgm:spPr/>
-      <dgm:t>
-        <a:bodyPr/>
-        <a:lstStyle/>
-        <a:p>
-          <a:r>
-            <a:rPr lang="it-IT" dirty="0"/>
-            <a:t>Train error:</a:t>
-          </a:r>
-          <a:endParaRPr lang="es-CL" dirty="0"/>
-        </a:p>
-      </dgm:t>
-    </dgm:pt>
-    <dgm:pt modelId="{B19D9C8B-9BB3-4677-92F0-5F4371523766}" type="parTrans" cxnId="{611F481D-F69C-4F95-BFCD-9B403AC15642}">
-      <dgm:prSet/>
-      <dgm:spPr/>
-      <dgm:t>
-        <a:bodyPr/>
-        <a:lstStyle/>
-        <a:p>
-          <a:endParaRPr lang="es-CL"/>
-        </a:p>
-      </dgm:t>
-    </dgm:pt>
-    <dgm:pt modelId="{16527B29-CB06-407D-B49F-B37B3D4EAB82}" type="sibTrans" cxnId="{611F481D-F69C-4F95-BFCD-9B403AC15642}">
-      <dgm:prSet/>
-      <dgm:spPr/>
-      <dgm:t>
-        <a:bodyPr/>
-        <a:lstStyle/>
-        <a:p>
-          <a:endParaRPr lang="es-CL"/>
-        </a:p>
-      </dgm:t>
-    </dgm:pt>
-    <dgm:pt modelId="{4D133BA9-6D6B-427D-B655-1EFF5C92E72E}">
-      <dgm:prSet phldrT="[Texto]"/>
-      <dgm:spPr/>
-      <dgm:t>
-        <a:bodyPr/>
-        <a:lstStyle/>
-        <a:p>
-          <a:r>
-            <a:rPr lang="it-IT" dirty="0"/>
-            <a:t>…</a:t>
-          </a:r>
-          <a:endParaRPr lang="es-CL" dirty="0"/>
-        </a:p>
-      </dgm:t>
-    </dgm:pt>
-    <dgm:pt modelId="{66BBC29A-4A31-4333-9293-024FBE25F5E9}" type="parTrans" cxnId="{7C7F39A2-D32B-4D9F-92F7-751F114CCFC5}">
-      <dgm:prSet/>
-      <dgm:spPr/>
-      <dgm:t>
-        <a:bodyPr/>
-        <a:lstStyle/>
-        <a:p>
-          <a:endParaRPr lang="es-CL"/>
-        </a:p>
-      </dgm:t>
-    </dgm:pt>
-    <dgm:pt modelId="{C3471980-0147-4156-8440-0523D30E66CA}" type="sibTrans" cxnId="{7C7F39A2-D32B-4D9F-92F7-751F114CCFC5}">
-      <dgm:prSet/>
-      <dgm:spPr/>
-      <dgm:t>
-        <a:bodyPr/>
-        <a:lstStyle/>
-        <a:p>
-          <a:endParaRPr lang="es-CL"/>
-        </a:p>
-      </dgm:t>
-    </dgm:pt>
-    <dgm:pt modelId="{D9EC62D0-C90E-4486-B6DF-FBB8AB0DCE43}">
-      <dgm:prSet phldrT="[Texto]"/>
-      <dgm:spPr/>
-      <dgm:t>
-        <a:bodyPr/>
-        <a:lstStyle/>
-        <a:p>
-          <a:r>
-            <a:rPr lang="it-IT" dirty="0"/>
-            <a:t>Train error</a:t>
-          </a:r>
-          <a:endParaRPr lang="es-CL" dirty="0"/>
-        </a:p>
-      </dgm:t>
-    </dgm:pt>
-    <dgm:pt modelId="{1CA519D5-9D6C-46C8-9E34-A27E8F20ABE0}" type="parTrans" cxnId="{1BF01741-CD3D-4A6E-88D8-7B6A2382F178}">
-      <dgm:prSet/>
-      <dgm:spPr/>
-      <dgm:t>
-        <a:bodyPr/>
-        <a:lstStyle/>
-        <a:p>
-          <a:endParaRPr lang="es-CL"/>
-        </a:p>
-      </dgm:t>
-    </dgm:pt>
-    <dgm:pt modelId="{A16FA853-752F-40C6-B02A-62415E415D4B}" type="sibTrans" cxnId="{1BF01741-CD3D-4A6E-88D8-7B6A2382F178}">
-      <dgm:prSet/>
-      <dgm:spPr/>
-      <dgm:t>
-        <a:bodyPr/>
-        <a:lstStyle/>
-        <a:p>
-          <a:endParaRPr lang="es-CL"/>
-        </a:p>
-      </dgm:t>
-    </dgm:pt>
-    <dgm:pt modelId="{D0490D21-C2A9-40F8-99A0-E4E6FF9BAA83}">
-      <dgm:prSet/>
-      <dgm:spPr/>
-      <dgm:t>
-        <a:bodyPr/>
-        <a:lstStyle/>
-        <a:p>
-          <a:r>
-            <a:rPr lang="es-CL" dirty="0"/>
-            <a:t>Test error: 9.093</a:t>
-          </a:r>
-        </a:p>
-      </dgm:t>
-    </dgm:pt>
-    <dgm:pt modelId="{CA182B0E-640C-49C7-8771-645208187AAB}" type="parTrans" cxnId="{E5E68AA1-C333-4941-BC09-D194764EF0E1}">
-      <dgm:prSet/>
-      <dgm:spPr/>
-      <dgm:t>
-        <a:bodyPr/>
-        <a:lstStyle/>
-        <a:p>
-          <a:endParaRPr lang="es-CL"/>
-        </a:p>
-      </dgm:t>
-    </dgm:pt>
-    <dgm:pt modelId="{CF231055-B78D-4AAC-94CF-ED1AC4C28BF3}" type="sibTrans" cxnId="{E5E68AA1-C333-4941-BC09-D194764EF0E1}">
-      <dgm:prSet/>
-      <dgm:spPr/>
-      <dgm:t>
-        <a:bodyPr/>
-        <a:lstStyle/>
-        <a:p>
-          <a:endParaRPr lang="es-CL"/>
-        </a:p>
-      </dgm:t>
-    </dgm:pt>
-    <dgm:pt modelId="{9448F9AC-55EA-42F8-9642-F45D4A08562E}">
-      <dgm:prSet phldrT="[Texto]"/>
-      <dgm:spPr/>
-      <dgm:t>
-        <a:bodyPr/>
-        <a:lstStyle/>
-        <a:p>
-          <a:r>
-            <a:rPr lang="it-IT" dirty="0"/>
-            <a:t>Test error:</a:t>
-          </a:r>
-          <a:endParaRPr lang="es-CL" dirty="0"/>
-        </a:p>
-      </dgm:t>
-    </dgm:pt>
-    <dgm:pt modelId="{3F9DC288-2310-4DC3-81BA-16BDCFDA0406}" type="parTrans" cxnId="{C99865D1-9346-4677-A78F-54CFB3685BD4}">
-      <dgm:prSet/>
-      <dgm:spPr/>
-      <dgm:t>
-        <a:bodyPr/>
-        <a:lstStyle/>
-        <a:p>
-          <a:endParaRPr lang="es-CL"/>
-        </a:p>
-      </dgm:t>
-    </dgm:pt>
-    <dgm:pt modelId="{07C7CA31-B7C1-49B2-9B5F-0E3CDD385580}" type="sibTrans" cxnId="{C99865D1-9346-4677-A78F-54CFB3685BD4}">
-      <dgm:prSet/>
-      <dgm:spPr/>
-      <dgm:t>
-        <a:bodyPr/>
-        <a:lstStyle/>
-        <a:p>
-          <a:endParaRPr lang="es-CL"/>
-        </a:p>
-      </dgm:t>
-    </dgm:pt>
-    <dgm:pt modelId="{9D9F43F4-284A-41A2-B0EB-8838B8217D0F}">
-      <dgm:prSet phldrT="[Texto]"/>
-      <dgm:spPr/>
-      <dgm:t>
-        <a:bodyPr/>
-        <a:lstStyle/>
-        <a:p>
-          <a:r>
-            <a:rPr lang="it-IT" dirty="0"/>
-            <a:t>Test error:</a:t>
-          </a:r>
-          <a:endParaRPr lang="es-CL" dirty="0"/>
-        </a:p>
-      </dgm:t>
-    </dgm:pt>
-    <dgm:pt modelId="{08988B2E-F542-466D-84D8-606520337B76}" type="parTrans" cxnId="{18E4CABD-1E0F-4D9B-830A-F9C6722726A9}">
-      <dgm:prSet/>
-      <dgm:spPr/>
-      <dgm:t>
-        <a:bodyPr/>
-        <a:lstStyle/>
-        <a:p>
-          <a:endParaRPr lang="es-CL"/>
-        </a:p>
-      </dgm:t>
-    </dgm:pt>
-    <dgm:pt modelId="{F7AF96D4-F0EC-4FC2-BB6F-37CB5622F617}" type="sibTrans" cxnId="{18E4CABD-1E0F-4D9B-830A-F9C6722726A9}">
-      <dgm:prSet/>
-      <dgm:spPr/>
-      <dgm:t>
-        <a:bodyPr/>
-        <a:lstStyle/>
-        <a:p>
-          <a:endParaRPr lang="es-CL"/>
-        </a:p>
-      </dgm:t>
-    </dgm:pt>
-    <dgm:pt modelId="{D5ABD636-75C8-429A-92D5-1568EE5BF4D8}">
-      <dgm:prSet phldrT="[Texto]"/>
-      <dgm:spPr/>
-      <dgm:t>
-        <a:bodyPr/>
-        <a:lstStyle/>
-        <a:p>
-          <a:r>
-            <a:rPr lang="it-IT" dirty="0"/>
-            <a:t>Test error</a:t>
-          </a:r>
-          <a:endParaRPr lang="es-CL" dirty="0"/>
-        </a:p>
-      </dgm:t>
-    </dgm:pt>
-    <dgm:pt modelId="{DBCB69DC-C269-4EFE-B357-943085CE7EE7}" type="parTrans" cxnId="{CD4E557E-F604-4D52-B104-B40D2AD98382}">
-      <dgm:prSet/>
-      <dgm:spPr/>
-      <dgm:t>
-        <a:bodyPr/>
-        <a:lstStyle/>
-        <a:p>
-          <a:endParaRPr lang="es-CL"/>
-        </a:p>
-      </dgm:t>
-    </dgm:pt>
-    <dgm:pt modelId="{DEDA125D-28DA-433C-BD9B-C56D995F51A5}" type="sibTrans" cxnId="{CD4E557E-F604-4D52-B104-B40D2AD98382}">
-      <dgm:prSet/>
-      <dgm:spPr/>
-      <dgm:t>
-        <a:bodyPr/>
-        <a:lstStyle/>
-        <a:p>
-          <a:endParaRPr lang="es-CL"/>
-        </a:p>
-      </dgm:t>
-    </dgm:pt>
-    <dgm:pt modelId="{8FAB0978-5E43-4F2C-A28D-587B635B233A}" type="pres">
-      <dgm:prSet presAssocID="{B08080AD-D503-4CC1-AF15-B5F018BA61B7}" presName="diagram" presStyleCnt="0">
-        <dgm:presLayoutVars>
-          <dgm:chPref val="1"/>
-          <dgm:dir/>
-          <dgm:animOne val="branch"/>
-          <dgm:animLvl val="lvl"/>
-          <dgm:resizeHandles/>
-        </dgm:presLayoutVars>
-      </dgm:prSet>
-      <dgm:spPr/>
-    </dgm:pt>
-    <dgm:pt modelId="{2F19BD0D-78CD-45EA-BAE9-9173F5EC417C}" type="pres">
-      <dgm:prSet presAssocID="{3A9B97C3-9D6F-4C94-8609-5F5C5DB2728D}" presName="root" presStyleCnt="0"/>
-      <dgm:spPr/>
-    </dgm:pt>
-    <dgm:pt modelId="{EFA78472-B47B-4036-9573-4191D6BB2B51}" type="pres">
-      <dgm:prSet presAssocID="{3A9B97C3-9D6F-4C94-8609-5F5C5DB2728D}" presName="rootComposite" presStyleCnt="0"/>
-      <dgm:spPr/>
-    </dgm:pt>
-    <dgm:pt modelId="{1348AC1E-DD17-4CE7-914D-8EC547D42741}" type="pres">
-      <dgm:prSet presAssocID="{3A9B97C3-9D6F-4C94-8609-5F5C5DB2728D}" presName="rootText" presStyleLbl="node1" presStyleIdx="0" presStyleCnt="4"/>
-      <dgm:spPr/>
-    </dgm:pt>
-    <dgm:pt modelId="{51B26882-6FF4-49E9-BE91-60A3BAA2E7AF}" type="pres">
-      <dgm:prSet presAssocID="{3A9B97C3-9D6F-4C94-8609-5F5C5DB2728D}" presName="rootConnector" presStyleLbl="node1" presStyleIdx="0" presStyleCnt="4"/>
-      <dgm:spPr/>
-    </dgm:pt>
-    <dgm:pt modelId="{B7C41563-5662-4991-B5CE-CE58C6E6D2B0}" type="pres">
-      <dgm:prSet presAssocID="{3A9B97C3-9D6F-4C94-8609-5F5C5DB2728D}" presName="childShape" presStyleCnt="0"/>
-      <dgm:spPr/>
-    </dgm:pt>
-    <dgm:pt modelId="{82A4C021-BF83-4DF4-9ED2-9774A39DDF42}" type="pres">
-      <dgm:prSet presAssocID="{98175F75-4398-4F92-8C16-BA2B48C40887}" presName="Name13" presStyleLbl="parChTrans1D2" presStyleIdx="0" presStyleCnt="8"/>
-      <dgm:spPr/>
-    </dgm:pt>
-    <dgm:pt modelId="{4884369A-C179-45A0-8255-FD552D40C9A7}" type="pres">
-      <dgm:prSet presAssocID="{7E85E645-60AA-4011-90EE-3803CF83FB06}" presName="childText" presStyleLbl="bgAcc1" presStyleIdx="0" presStyleCnt="8">
-        <dgm:presLayoutVars>
-          <dgm:bulletEnabled val="1"/>
-        </dgm:presLayoutVars>
-      </dgm:prSet>
-      <dgm:spPr/>
-    </dgm:pt>
-    <dgm:pt modelId="{AC67B2C7-C32E-48AF-9331-211D5880C6CD}" type="pres">
-      <dgm:prSet presAssocID="{CA182B0E-640C-49C7-8771-645208187AAB}" presName="Name13" presStyleLbl="parChTrans1D2" presStyleIdx="1" presStyleCnt="8"/>
-      <dgm:spPr/>
-    </dgm:pt>
-    <dgm:pt modelId="{EF01AE0E-D910-4596-8E88-2E43E35CF59F}" type="pres">
-      <dgm:prSet presAssocID="{D0490D21-C2A9-40F8-99A0-E4E6FF9BAA83}" presName="childText" presStyleLbl="bgAcc1" presStyleIdx="1" presStyleCnt="8">
-        <dgm:presLayoutVars>
-          <dgm:bulletEnabled val="1"/>
-        </dgm:presLayoutVars>
-      </dgm:prSet>
-      <dgm:spPr/>
-    </dgm:pt>
-    <dgm:pt modelId="{F177C8F5-0CAB-4611-A60E-5E11C2A7F38B}" type="pres">
-      <dgm:prSet presAssocID="{E92C542D-9797-4A2D-8D36-525BEA920637}" presName="root" presStyleCnt="0"/>
-      <dgm:spPr/>
-    </dgm:pt>
-    <dgm:pt modelId="{07DDD6A7-8DD9-47D6-B6A9-4018E59518A5}" type="pres">
-      <dgm:prSet presAssocID="{E92C542D-9797-4A2D-8D36-525BEA920637}" presName="rootComposite" presStyleCnt="0"/>
-      <dgm:spPr/>
-    </dgm:pt>
-    <dgm:pt modelId="{7326AF9C-CD2D-4070-B659-3370DF4517BA}" type="pres">
-      <dgm:prSet presAssocID="{E92C542D-9797-4A2D-8D36-525BEA920637}" presName="rootText" presStyleLbl="node1" presStyleIdx="1" presStyleCnt="4"/>
-      <dgm:spPr/>
-    </dgm:pt>
-    <dgm:pt modelId="{FDA576F5-0CFB-4281-8F2E-BEFE1BBDB347}" type="pres">
-      <dgm:prSet presAssocID="{E92C542D-9797-4A2D-8D36-525BEA920637}" presName="rootConnector" presStyleLbl="node1" presStyleIdx="1" presStyleCnt="4"/>
-      <dgm:spPr/>
-    </dgm:pt>
-    <dgm:pt modelId="{146A293C-0DFE-483F-B2F9-D71D4553B922}" type="pres">
-      <dgm:prSet presAssocID="{E92C542D-9797-4A2D-8D36-525BEA920637}" presName="childShape" presStyleCnt="0"/>
-      <dgm:spPr/>
-    </dgm:pt>
-    <dgm:pt modelId="{0B35A0B3-9AA9-43EC-822F-4361A0C8C601}" type="pres">
-      <dgm:prSet presAssocID="{00059397-26F8-4CF7-9216-2A3D994A1830}" presName="Name13" presStyleLbl="parChTrans1D2" presStyleIdx="2" presStyleCnt="8"/>
-      <dgm:spPr/>
-    </dgm:pt>
-    <dgm:pt modelId="{9E9C9F9A-E574-44C5-9C4C-248F2E51A5FC}" type="pres">
-      <dgm:prSet presAssocID="{85AD2AAC-FF82-477B-8D28-1515ED231F64}" presName="childText" presStyleLbl="bgAcc1" presStyleIdx="2" presStyleCnt="8">
-        <dgm:presLayoutVars>
-          <dgm:bulletEnabled val="1"/>
-        </dgm:presLayoutVars>
-      </dgm:prSet>
-      <dgm:spPr/>
-    </dgm:pt>
-    <dgm:pt modelId="{36DF90CA-3FA8-4052-A313-A0252BEAF2BE}" type="pres">
-      <dgm:prSet presAssocID="{3F9DC288-2310-4DC3-81BA-16BDCFDA0406}" presName="Name13" presStyleLbl="parChTrans1D2" presStyleIdx="3" presStyleCnt="8"/>
-      <dgm:spPr/>
-    </dgm:pt>
-    <dgm:pt modelId="{E0AF71CE-9C03-4119-8FF2-29BF22D751F5}" type="pres">
-      <dgm:prSet presAssocID="{9448F9AC-55EA-42F8-9642-F45D4A08562E}" presName="childText" presStyleLbl="bgAcc1" presStyleIdx="3" presStyleCnt="8">
-        <dgm:presLayoutVars>
-          <dgm:bulletEnabled val="1"/>
-        </dgm:presLayoutVars>
-      </dgm:prSet>
-      <dgm:spPr/>
-    </dgm:pt>
-    <dgm:pt modelId="{52E658C5-FC49-4F76-B49A-943F27CD3F31}" type="pres">
-      <dgm:prSet presAssocID="{081F4EFF-8711-4B82-ACDD-7C71EA6A560C}" presName="root" presStyleCnt="0"/>
-      <dgm:spPr/>
-    </dgm:pt>
-    <dgm:pt modelId="{93BAD546-A1D3-47B3-92DA-0C4C41AF2D72}" type="pres">
-      <dgm:prSet presAssocID="{081F4EFF-8711-4B82-ACDD-7C71EA6A560C}" presName="rootComposite" presStyleCnt="0"/>
-      <dgm:spPr/>
-    </dgm:pt>
-    <dgm:pt modelId="{45AAA509-A316-45BB-8FE5-56929CE9E43D}" type="pres">
-      <dgm:prSet presAssocID="{081F4EFF-8711-4B82-ACDD-7C71EA6A560C}" presName="rootText" presStyleLbl="node1" presStyleIdx="2" presStyleCnt="4"/>
-      <dgm:spPr/>
-    </dgm:pt>
-    <dgm:pt modelId="{F7375D93-CB17-4580-B99F-A867BBCCBEA3}" type="pres">
-      <dgm:prSet presAssocID="{081F4EFF-8711-4B82-ACDD-7C71EA6A560C}" presName="rootConnector" presStyleLbl="node1" presStyleIdx="2" presStyleCnt="4"/>
-      <dgm:spPr/>
-    </dgm:pt>
-    <dgm:pt modelId="{0740801C-329F-4F07-910D-A31B655202F8}" type="pres">
-      <dgm:prSet presAssocID="{081F4EFF-8711-4B82-ACDD-7C71EA6A560C}" presName="childShape" presStyleCnt="0"/>
-      <dgm:spPr/>
-    </dgm:pt>
-    <dgm:pt modelId="{8BC33271-ACF8-4CB3-852A-E73400BBBF35}" type="pres">
-      <dgm:prSet presAssocID="{B19D9C8B-9BB3-4677-92F0-5F4371523766}" presName="Name13" presStyleLbl="parChTrans1D2" presStyleIdx="4" presStyleCnt="8"/>
-      <dgm:spPr/>
-    </dgm:pt>
-    <dgm:pt modelId="{4C1AAEA7-A87B-455A-8B94-7244153AC2F0}" type="pres">
-      <dgm:prSet presAssocID="{3732F38F-4BDC-4B26-A17D-AD1E4A7D5845}" presName="childText" presStyleLbl="bgAcc1" presStyleIdx="4" presStyleCnt="8">
-        <dgm:presLayoutVars>
-          <dgm:bulletEnabled val="1"/>
-        </dgm:presLayoutVars>
-      </dgm:prSet>
-      <dgm:spPr/>
-    </dgm:pt>
-    <dgm:pt modelId="{DAA075EE-CA0E-4A68-9A70-A708D52CBFF5}" type="pres">
-      <dgm:prSet presAssocID="{08988B2E-F542-466D-84D8-606520337B76}" presName="Name13" presStyleLbl="parChTrans1D2" presStyleIdx="5" presStyleCnt="8"/>
-      <dgm:spPr/>
-    </dgm:pt>
-    <dgm:pt modelId="{8EE165F4-EC6C-4016-86AC-047EA3D6660E}" type="pres">
-      <dgm:prSet presAssocID="{9D9F43F4-284A-41A2-B0EB-8838B8217D0F}" presName="childText" presStyleLbl="bgAcc1" presStyleIdx="5" presStyleCnt="8">
-        <dgm:presLayoutVars>
-          <dgm:bulletEnabled val="1"/>
-        </dgm:presLayoutVars>
-      </dgm:prSet>
-      <dgm:spPr/>
-    </dgm:pt>
-    <dgm:pt modelId="{D0F9A7BE-38BD-4C79-A5FD-2DF653A41F6D}" type="pres">
-      <dgm:prSet presAssocID="{4D133BA9-6D6B-427D-B655-1EFF5C92E72E}" presName="root" presStyleCnt="0"/>
-      <dgm:spPr/>
-    </dgm:pt>
-    <dgm:pt modelId="{42E7C1B5-0E2B-498D-9F5C-7461A0899622}" type="pres">
-      <dgm:prSet presAssocID="{4D133BA9-6D6B-427D-B655-1EFF5C92E72E}" presName="rootComposite" presStyleCnt="0"/>
-      <dgm:spPr/>
-    </dgm:pt>
-    <dgm:pt modelId="{2C41AF9C-3D56-4ED1-BA84-B3F7A4C0652A}" type="pres">
-      <dgm:prSet presAssocID="{4D133BA9-6D6B-427D-B655-1EFF5C92E72E}" presName="rootText" presStyleLbl="node1" presStyleIdx="3" presStyleCnt="4"/>
-      <dgm:spPr/>
-    </dgm:pt>
-    <dgm:pt modelId="{299BC576-C67A-49AE-9603-FAF50DDF4BFF}" type="pres">
-      <dgm:prSet presAssocID="{4D133BA9-6D6B-427D-B655-1EFF5C92E72E}" presName="rootConnector" presStyleLbl="node1" presStyleIdx="3" presStyleCnt="4"/>
-      <dgm:spPr/>
-    </dgm:pt>
-    <dgm:pt modelId="{CC1C8967-94DD-4845-8B79-35DD41D26532}" type="pres">
-      <dgm:prSet presAssocID="{4D133BA9-6D6B-427D-B655-1EFF5C92E72E}" presName="childShape" presStyleCnt="0"/>
-      <dgm:spPr/>
-    </dgm:pt>
-    <dgm:pt modelId="{4D90285A-D363-4134-A85D-EA0977C7F843}" type="pres">
-      <dgm:prSet presAssocID="{1CA519D5-9D6C-46C8-9E34-A27E8F20ABE0}" presName="Name13" presStyleLbl="parChTrans1D2" presStyleIdx="6" presStyleCnt="8"/>
-      <dgm:spPr/>
-    </dgm:pt>
-    <dgm:pt modelId="{C90857B4-0509-4EAD-ADEF-6B19F00957FA}" type="pres">
-      <dgm:prSet presAssocID="{D9EC62D0-C90E-4486-B6DF-FBB8AB0DCE43}" presName="childText" presStyleLbl="bgAcc1" presStyleIdx="6" presStyleCnt="8">
-        <dgm:presLayoutVars>
-          <dgm:bulletEnabled val="1"/>
-        </dgm:presLayoutVars>
-      </dgm:prSet>
-      <dgm:spPr/>
-    </dgm:pt>
-    <dgm:pt modelId="{B85FD9A8-61BC-4F21-9DDE-4404D4A179B6}" type="pres">
-      <dgm:prSet presAssocID="{DBCB69DC-C269-4EFE-B357-943085CE7EE7}" presName="Name13" presStyleLbl="parChTrans1D2" presStyleIdx="7" presStyleCnt="8"/>
-      <dgm:spPr/>
-    </dgm:pt>
-    <dgm:pt modelId="{E4C16BDA-9C3C-45B8-A75A-2A92965EB775}" type="pres">
-      <dgm:prSet presAssocID="{D5ABD636-75C8-429A-92D5-1568EE5BF4D8}" presName="childText" presStyleLbl="bgAcc1" presStyleIdx="7" presStyleCnt="8">
-        <dgm:presLayoutVars>
-          <dgm:bulletEnabled val="1"/>
-        </dgm:presLayoutVars>
-      </dgm:prSet>
-      <dgm:spPr/>
-    </dgm:pt>
-  </dgm:ptLst>
-  <dgm:cxnLst>
-    <dgm:cxn modelId="{165B0A16-1806-45D5-BB56-EB0C490344AE}" type="presOf" srcId="{3F9DC288-2310-4DC3-81BA-16BDCFDA0406}" destId="{36DF90CA-3FA8-4052-A313-A0252BEAF2BE}" srcOrd="0" destOrd="0" presId="urn:microsoft.com/office/officeart/2005/8/layout/hierarchy3"/>
-    <dgm:cxn modelId="{611F481D-F69C-4F95-BFCD-9B403AC15642}" srcId="{081F4EFF-8711-4B82-ACDD-7C71EA6A560C}" destId="{3732F38F-4BDC-4B26-A17D-AD1E4A7D5845}" srcOrd="0" destOrd="0" parTransId="{B19D9C8B-9BB3-4677-92F0-5F4371523766}" sibTransId="{16527B29-CB06-407D-B49F-B37B3D4EAB82}"/>
-    <dgm:cxn modelId="{A488C925-DCF2-4542-B405-C54032C16BAA}" type="presOf" srcId="{CA182B0E-640C-49C7-8771-645208187AAB}" destId="{AC67B2C7-C32E-48AF-9331-211D5880C6CD}" srcOrd="0" destOrd="0" presId="urn:microsoft.com/office/officeart/2005/8/layout/hierarchy3"/>
-    <dgm:cxn modelId="{F862DF25-6CBC-43B4-9476-154F4DDAEDE0}" type="presOf" srcId="{DBCB69DC-C269-4EFE-B357-943085CE7EE7}" destId="{B85FD9A8-61BC-4F21-9DDE-4404D4A179B6}" srcOrd="0" destOrd="0" presId="urn:microsoft.com/office/officeart/2005/8/layout/hierarchy3"/>
-    <dgm:cxn modelId="{3912A528-1EDE-4BBA-9553-2016846DB78C}" type="presOf" srcId="{1CA519D5-9D6C-46C8-9E34-A27E8F20ABE0}" destId="{4D90285A-D363-4134-A85D-EA0977C7F843}" srcOrd="0" destOrd="0" presId="urn:microsoft.com/office/officeart/2005/8/layout/hierarchy3"/>
-    <dgm:cxn modelId="{3EE0AD2A-2737-4E16-9181-7E89E2969EEA}" type="presOf" srcId="{4D133BA9-6D6B-427D-B655-1EFF5C92E72E}" destId="{2C41AF9C-3D56-4ED1-BA84-B3F7A4C0652A}" srcOrd="0" destOrd="0" presId="urn:microsoft.com/office/officeart/2005/8/layout/hierarchy3"/>
-    <dgm:cxn modelId="{BDD4ED3B-9731-4C74-9633-E06E8DDF121E}" type="presOf" srcId="{9D9F43F4-284A-41A2-B0EB-8838B8217D0F}" destId="{8EE165F4-EC6C-4016-86AC-047EA3D6660E}" srcOrd="0" destOrd="0" presId="urn:microsoft.com/office/officeart/2005/8/layout/hierarchy3"/>
-    <dgm:cxn modelId="{72AC815B-9837-494A-888D-ECACEA8521E3}" type="presOf" srcId="{D5ABD636-75C8-429A-92D5-1568EE5BF4D8}" destId="{E4C16BDA-9C3C-45B8-A75A-2A92965EB775}" srcOrd="0" destOrd="0" presId="urn:microsoft.com/office/officeart/2005/8/layout/hierarchy3"/>
-    <dgm:cxn modelId="{DE1E1C5C-CA81-4BF5-B102-74D683C8483B}" type="presOf" srcId="{98175F75-4398-4F92-8C16-BA2B48C40887}" destId="{82A4C021-BF83-4DF4-9ED2-9774A39DDF42}" srcOrd="0" destOrd="0" presId="urn:microsoft.com/office/officeart/2005/8/layout/hierarchy3"/>
-    <dgm:cxn modelId="{DA1AC35E-C661-46D2-AC7B-30453D6E098D}" srcId="{E92C542D-9797-4A2D-8D36-525BEA920637}" destId="{85AD2AAC-FF82-477B-8D28-1515ED231F64}" srcOrd="0" destOrd="0" parTransId="{00059397-26F8-4CF7-9216-2A3D994A1830}" sibTransId="{F6499244-A54D-44C1-B5D9-AE3AC25D3BA0}"/>
-    <dgm:cxn modelId="{D87FCF60-A953-4191-976B-6A9189428DDF}" type="presOf" srcId="{3732F38F-4BDC-4B26-A17D-AD1E4A7D5845}" destId="{4C1AAEA7-A87B-455A-8B94-7244153AC2F0}" srcOrd="0" destOrd="0" presId="urn:microsoft.com/office/officeart/2005/8/layout/hierarchy3"/>
-    <dgm:cxn modelId="{1BF01741-CD3D-4A6E-88D8-7B6A2382F178}" srcId="{4D133BA9-6D6B-427D-B655-1EFF5C92E72E}" destId="{D9EC62D0-C90E-4486-B6DF-FBB8AB0DCE43}" srcOrd="0" destOrd="0" parTransId="{1CA519D5-9D6C-46C8-9E34-A27E8F20ABE0}" sibTransId="{A16FA853-752F-40C6-B02A-62415E415D4B}"/>
-    <dgm:cxn modelId="{C60AEE41-5D09-4B74-9BE0-217DD8FCFF3D}" type="presOf" srcId="{85AD2AAC-FF82-477B-8D28-1515ED231F64}" destId="{9E9C9F9A-E574-44C5-9C4C-248F2E51A5FC}" srcOrd="0" destOrd="0" presId="urn:microsoft.com/office/officeart/2005/8/layout/hierarchy3"/>
-    <dgm:cxn modelId="{828C5949-FF39-4649-BBB4-5775C16244F5}" type="presOf" srcId="{08988B2E-F542-466D-84D8-606520337B76}" destId="{DAA075EE-CA0E-4A68-9A70-A708D52CBFF5}" srcOrd="0" destOrd="0" presId="urn:microsoft.com/office/officeart/2005/8/layout/hierarchy3"/>
-    <dgm:cxn modelId="{4C1A846F-DAB8-4E40-8082-9B9FFC103F9E}" type="presOf" srcId="{E92C542D-9797-4A2D-8D36-525BEA920637}" destId="{7326AF9C-CD2D-4070-B659-3370DF4517BA}" srcOrd="0" destOrd="0" presId="urn:microsoft.com/office/officeart/2005/8/layout/hierarchy3"/>
-    <dgm:cxn modelId="{F6C9E771-174A-4800-A42C-16016A3FFA31}" srcId="{B08080AD-D503-4CC1-AF15-B5F018BA61B7}" destId="{3A9B97C3-9D6F-4C94-8609-5F5C5DB2728D}" srcOrd="0" destOrd="0" parTransId="{50012500-388E-4F00-A513-1703FE1BE3C1}" sibTransId="{65D98E47-0A02-4A04-AC87-104468DB99E5}"/>
-    <dgm:cxn modelId="{462BA052-26FC-41DE-BB42-8663AA2DD05C}" type="presOf" srcId="{081F4EFF-8711-4B82-ACDD-7C71EA6A560C}" destId="{F7375D93-CB17-4580-B99F-A867BBCCBEA3}" srcOrd="1" destOrd="0" presId="urn:microsoft.com/office/officeart/2005/8/layout/hierarchy3"/>
-    <dgm:cxn modelId="{883F8457-FBD5-446E-87C7-E52ED2D06C95}" type="presOf" srcId="{D0490D21-C2A9-40F8-99A0-E4E6FF9BAA83}" destId="{EF01AE0E-D910-4596-8E88-2E43E35CF59F}" srcOrd="0" destOrd="0" presId="urn:microsoft.com/office/officeart/2005/8/layout/hierarchy3"/>
-    <dgm:cxn modelId="{CD4E557E-F604-4D52-B104-B40D2AD98382}" srcId="{4D133BA9-6D6B-427D-B655-1EFF5C92E72E}" destId="{D5ABD636-75C8-429A-92D5-1568EE5BF4D8}" srcOrd="1" destOrd="0" parTransId="{DBCB69DC-C269-4EFE-B357-943085CE7EE7}" sibTransId="{DEDA125D-28DA-433C-BD9B-C56D995F51A5}"/>
-    <dgm:cxn modelId="{D32FE27F-11D7-466E-B746-8EF05A6460F6}" srcId="{3A9B97C3-9D6F-4C94-8609-5F5C5DB2728D}" destId="{7E85E645-60AA-4011-90EE-3803CF83FB06}" srcOrd="0" destOrd="0" parTransId="{98175F75-4398-4F92-8C16-BA2B48C40887}" sibTransId="{D207E049-B280-4CEA-8162-8A2FA8C1FAE5}"/>
-    <dgm:cxn modelId="{E28C278C-61DC-472D-B40C-EBF73704981E}" type="presOf" srcId="{7E85E645-60AA-4011-90EE-3803CF83FB06}" destId="{4884369A-C179-45A0-8255-FD552D40C9A7}" srcOrd="0" destOrd="0" presId="urn:microsoft.com/office/officeart/2005/8/layout/hierarchy3"/>
-    <dgm:cxn modelId="{1796828C-067C-4476-B055-86FE6C351DBC}" type="presOf" srcId="{081F4EFF-8711-4B82-ACDD-7C71EA6A560C}" destId="{45AAA509-A316-45BB-8FE5-56929CE9E43D}" srcOrd="0" destOrd="0" presId="urn:microsoft.com/office/officeart/2005/8/layout/hierarchy3"/>
-    <dgm:cxn modelId="{D787EDA0-314D-42B1-8F1C-D6E98A78D77B}" type="presOf" srcId="{3A9B97C3-9D6F-4C94-8609-5F5C5DB2728D}" destId="{51B26882-6FF4-49E9-BE91-60A3BAA2E7AF}" srcOrd="1" destOrd="0" presId="urn:microsoft.com/office/officeart/2005/8/layout/hierarchy3"/>
-    <dgm:cxn modelId="{E5E68AA1-C333-4941-BC09-D194764EF0E1}" srcId="{3A9B97C3-9D6F-4C94-8609-5F5C5DB2728D}" destId="{D0490D21-C2A9-40F8-99A0-E4E6FF9BAA83}" srcOrd="1" destOrd="0" parTransId="{CA182B0E-640C-49C7-8771-645208187AAB}" sibTransId="{CF231055-B78D-4AAC-94CF-ED1AC4C28BF3}"/>
-    <dgm:cxn modelId="{7C7F39A2-D32B-4D9F-92F7-751F114CCFC5}" srcId="{B08080AD-D503-4CC1-AF15-B5F018BA61B7}" destId="{4D133BA9-6D6B-427D-B655-1EFF5C92E72E}" srcOrd="3" destOrd="0" parTransId="{66BBC29A-4A31-4333-9293-024FBE25F5E9}" sibTransId="{C3471980-0147-4156-8440-0523D30E66CA}"/>
-    <dgm:cxn modelId="{608FACA6-466F-4E5F-AA8D-94401FE0F82C}" type="presOf" srcId="{3A9B97C3-9D6F-4C94-8609-5F5C5DB2728D}" destId="{1348AC1E-DD17-4CE7-914D-8EC547D42741}" srcOrd="0" destOrd="0" presId="urn:microsoft.com/office/officeart/2005/8/layout/hierarchy3"/>
-    <dgm:cxn modelId="{DDC0FDA6-8BAA-477C-9650-1DC3CF31A623}" type="presOf" srcId="{9448F9AC-55EA-42F8-9642-F45D4A08562E}" destId="{E0AF71CE-9C03-4119-8FF2-29BF22D751F5}" srcOrd="0" destOrd="0" presId="urn:microsoft.com/office/officeart/2005/8/layout/hierarchy3"/>
-    <dgm:cxn modelId="{0C2424AF-FEB2-4E0E-BC35-A70234BD8B69}" type="presOf" srcId="{00059397-26F8-4CF7-9216-2A3D994A1830}" destId="{0B35A0B3-9AA9-43EC-822F-4361A0C8C601}" srcOrd="0" destOrd="0" presId="urn:microsoft.com/office/officeart/2005/8/layout/hierarchy3"/>
-    <dgm:cxn modelId="{5D6CE3B2-519B-460C-BEDC-2C8F085C1642}" type="presOf" srcId="{D9EC62D0-C90E-4486-B6DF-FBB8AB0DCE43}" destId="{C90857B4-0509-4EAD-ADEF-6B19F00957FA}" srcOrd="0" destOrd="0" presId="urn:microsoft.com/office/officeart/2005/8/layout/hierarchy3"/>
-    <dgm:cxn modelId="{18E4CABD-1E0F-4D9B-830A-F9C6722726A9}" srcId="{081F4EFF-8711-4B82-ACDD-7C71EA6A560C}" destId="{9D9F43F4-284A-41A2-B0EB-8838B8217D0F}" srcOrd="1" destOrd="0" parTransId="{08988B2E-F542-466D-84D8-606520337B76}" sibTransId="{F7AF96D4-F0EC-4FC2-BB6F-37CB5622F617}"/>
-    <dgm:cxn modelId="{3E5018C3-F726-41CE-9FFC-4FC536A660B9}" srcId="{B08080AD-D503-4CC1-AF15-B5F018BA61B7}" destId="{E92C542D-9797-4A2D-8D36-525BEA920637}" srcOrd="1" destOrd="0" parTransId="{3113DEAC-5930-40B0-80F2-CCE8658FDA7A}" sibTransId="{D88728B4-9371-401C-BC19-10F3C4557B6A}"/>
-    <dgm:cxn modelId="{2236D8C5-1299-45B7-87A1-A5B954C7F9E4}" type="presOf" srcId="{B08080AD-D503-4CC1-AF15-B5F018BA61B7}" destId="{8FAB0978-5E43-4F2C-A28D-587B635B233A}" srcOrd="0" destOrd="0" presId="urn:microsoft.com/office/officeart/2005/8/layout/hierarchy3"/>
-    <dgm:cxn modelId="{C99865D1-9346-4677-A78F-54CFB3685BD4}" srcId="{E92C542D-9797-4A2D-8D36-525BEA920637}" destId="{9448F9AC-55EA-42F8-9642-F45D4A08562E}" srcOrd="1" destOrd="0" parTransId="{3F9DC288-2310-4DC3-81BA-16BDCFDA0406}" sibTransId="{07C7CA31-B7C1-49B2-9B5F-0E3CDD385580}"/>
-    <dgm:cxn modelId="{56529EE6-E7EF-478D-B3D4-93C716B25D79}" type="presOf" srcId="{B19D9C8B-9BB3-4677-92F0-5F4371523766}" destId="{8BC33271-ACF8-4CB3-852A-E73400BBBF35}" srcOrd="0" destOrd="0" presId="urn:microsoft.com/office/officeart/2005/8/layout/hierarchy3"/>
-    <dgm:cxn modelId="{E3B1A2EA-8710-417C-9822-CCD10AE8CACF}" type="presOf" srcId="{E92C542D-9797-4A2D-8D36-525BEA920637}" destId="{FDA576F5-0CFB-4281-8F2E-BEFE1BBDB347}" srcOrd="1" destOrd="0" presId="urn:microsoft.com/office/officeart/2005/8/layout/hierarchy3"/>
-    <dgm:cxn modelId="{EE8DD5EC-C66F-4F11-AC9B-0828CB522178}" type="presOf" srcId="{4D133BA9-6D6B-427D-B655-1EFF5C92E72E}" destId="{299BC576-C67A-49AE-9603-FAF50DDF4BFF}" srcOrd="1" destOrd="0" presId="urn:microsoft.com/office/officeart/2005/8/layout/hierarchy3"/>
-    <dgm:cxn modelId="{52B8C6F0-888F-48B5-A4BB-65BBF90128E3}" srcId="{B08080AD-D503-4CC1-AF15-B5F018BA61B7}" destId="{081F4EFF-8711-4B82-ACDD-7C71EA6A560C}" srcOrd="2" destOrd="0" parTransId="{8A6E7FFE-0794-45CA-89FD-A40C1A74F682}" sibTransId="{52689D7F-BF10-4504-93A9-F81F6F75330B}"/>
-    <dgm:cxn modelId="{644AA7A6-670B-4578-A823-E403D0AFABCA}" type="presParOf" srcId="{8FAB0978-5E43-4F2C-A28D-587B635B233A}" destId="{2F19BD0D-78CD-45EA-BAE9-9173F5EC417C}" srcOrd="0" destOrd="0" presId="urn:microsoft.com/office/officeart/2005/8/layout/hierarchy3"/>
-    <dgm:cxn modelId="{AB089BB0-0948-4D68-884F-A9ED5EA2D684}" type="presParOf" srcId="{2F19BD0D-78CD-45EA-BAE9-9173F5EC417C}" destId="{EFA78472-B47B-4036-9573-4191D6BB2B51}" srcOrd="0" destOrd="0" presId="urn:microsoft.com/office/officeart/2005/8/layout/hierarchy3"/>
-    <dgm:cxn modelId="{A901CB25-DF33-405E-B0DE-9DC2491FF03A}" type="presParOf" srcId="{EFA78472-B47B-4036-9573-4191D6BB2B51}" destId="{1348AC1E-DD17-4CE7-914D-8EC547D42741}" srcOrd="0" destOrd="0" presId="urn:microsoft.com/office/officeart/2005/8/layout/hierarchy3"/>
-    <dgm:cxn modelId="{04D012CC-6204-4915-BC76-51971B7AFC88}" type="presParOf" srcId="{EFA78472-B47B-4036-9573-4191D6BB2B51}" destId="{51B26882-6FF4-49E9-BE91-60A3BAA2E7AF}" srcOrd="1" destOrd="0" presId="urn:microsoft.com/office/officeart/2005/8/layout/hierarchy3"/>
-    <dgm:cxn modelId="{21D6BFFC-339B-4817-9A01-3E67F8A60468}" type="presParOf" srcId="{2F19BD0D-78CD-45EA-BAE9-9173F5EC417C}" destId="{B7C41563-5662-4991-B5CE-CE58C6E6D2B0}" srcOrd="1" destOrd="0" presId="urn:microsoft.com/office/officeart/2005/8/layout/hierarchy3"/>
-    <dgm:cxn modelId="{6D5FC5F7-E63A-4044-91A2-05C502D62BA3}" type="presParOf" srcId="{B7C41563-5662-4991-B5CE-CE58C6E6D2B0}" destId="{82A4C021-BF83-4DF4-9ED2-9774A39DDF42}" srcOrd="0" destOrd="0" presId="urn:microsoft.com/office/officeart/2005/8/layout/hierarchy3"/>
-    <dgm:cxn modelId="{A33538C5-DABE-43CF-87B2-3853D4B08BC6}" type="presParOf" srcId="{B7C41563-5662-4991-B5CE-CE58C6E6D2B0}" destId="{4884369A-C179-45A0-8255-FD552D40C9A7}" srcOrd="1" destOrd="0" presId="urn:microsoft.com/office/officeart/2005/8/layout/hierarchy3"/>
-    <dgm:cxn modelId="{8FB8A81C-DE5B-48F9-ADD3-BE4AC3297362}" type="presParOf" srcId="{B7C41563-5662-4991-B5CE-CE58C6E6D2B0}" destId="{AC67B2C7-C32E-48AF-9331-211D5880C6CD}" srcOrd="2" destOrd="0" presId="urn:microsoft.com/office/officeart/2005/8/layout/hierarchy3"/>
-    <dgm:cxn modelId="{BEE01000-7D56-4491-95DA-E68F4F35051F}" type="presParOf" srcId="{B7C41563-5662-4991-B5CE-CE58C6E6D2B0}" destId="{EF01AE0E-D910-4596-8E88-2E43E35CF59F}" srcOrd="3" destOrd="0" presId="urn:microsoft.com/office/officeart/2005/8/layout/hierarchy3"/>
-    <dgm:cxn modelId="{102B8DF3-5E01-47B5-96B8-BDFD92F88D2E}" type="presParOf" srcId="{8FAB0978-5E43-4F2C-A28D-587B635B233A}" destId="{F177C8F5-0CAB-4611-A60E-5E11C2A7F38B}" srcOrd="1" destOrd="0" presId="urn:microsoft.com/office/officeart/2005/8/layout/hierarchy3"/>
-    <dgm:cxn modelId="{DE17A064-271D-422E-BA92-E65B0B265BA7}" type="presParOf" srcId="{F177C8F5-0CAB-4611-A60E-5E11C2A7F38B}" destId="{07DDD6A7-8DD9-47D6-B6A9-4018E59518A5}" srcOrd="0" destOrd="0" presId="urn:microsoft.com/office/officeart/2005/8/layout/hierarchy3"/>
-    <dgm:cxn modelId="{68FA0B4B-E4CE-41AC-BA63-13D01178081A}" type="presParOf" srcId="{07DDD6A7-8DD9-47D6-B6A9-4018E59518A5}" destId="{7326AF9C-CD2D-4070-B659-3370DF4517BA}" srcOrd="0" destOrd="0" presId="urn:microsoft.com/office/officeart/2005/8/layout/hierarchy3"/>
-    <dgm:cxn modelId="{025B9E87-92C5-4905-857D-D7A5CAB9664B}" type="presParOf" srcId="{07DDD6A7-8DD9-47D6-B6A9-4018E59518A5}" destId="{FDA576F5-0CFB-4281-8F2E-BEFE1BBDB347}" srcOrd="1" destOrd="0" presId="urn:microsoft.com/office/officeart/2005/8/layout/hierarchy3"/>
-    <dgm:cxn modelId="{2208ACED-18E2-44DA-8D6D-5551A594E03C}" type="presParOf" srcId="{F177C8F5-0CAB-4611-A60E-5E11C2A7F38B}" destId="{146A293C-0DFE-483F-B2F9-D71D4553B922}" srcOrd="1" destOrd="0" presId="urn:microsoft.com/office/officeart/2005/8/layout/hierarchy3"/>
-    <dgm:cxn modelId="{D589CEB6-66A4-4B53-B7AD-F09A053AF045}" type="presParOf" srcId="{146A293C-0DFE-483F-B2F9-D71D4553B922}" destId="{0B35A0B3-9AA9-43EC-822F-4361A0C8C601}" srcOrd="0" destOrd="0" presId="urn:microsoft.com/office/officeart/2005/8/layout/hierarchy3"/>
-    <dgm:cxn modelId="{888DD64C-39BE-46D4-BAA2-00889E8EAD0D}" type="presParOf" srcId="{146A293C-0DFE-483F-B2F9-D71D4553B922}" destId="{9E9C9F9A-E574-44C5-9C4C-248F2E51A5FC}" srcOrd="1" destOrd="0" presId="urn:microsoft.com/office/officeart/2005/8/layout/hierarchy3"/>
-    <dgm:cxn modelId="{CE28EEF8-2FBF-4ABA-B5EE-82E0760D4D93}" type="presParOf" srcId="{146A293C-0DFE-483F-B2F9-D71D4553B922}" destId="{36DF90CA-3FA8-4052-A313-A0252BEAF2BE}" srcOrd="2" destOrd="0" presId="urn:microsoft.com/office/officeart/2005/8/layout/hierarchy3"/>
-    <dgm:cxn modelId="{A202549E-D9DB-459B-BB00-1F3A4B0DFC4D}" type="presParOf" srcId="{146A293C-0DFE-483F-B2F9-D71D4553B922}" destId="{E0AF71CE-9C03-4119-8FF2-29BF22D751F5}" srcOrd="3" destOrd="0" presId="urn:microsoft.com/office/officeart/2005/8/layout/hierarchy3"/>
-    <dgm:cxn modelId="{F0F84B1B-5EB5-4514-A3A1-28F4CDDB8FDB}" type="presParOf" srcId="{8FAB0978-5E43-4F2C-A28D-587B635B233A}" destId="{52E658C5-FC49-4F76-B49A-943F27CD3F31}" srcOrd="2" destOrd="0" presId="urn:microsoft.com/office/officeart/2005/8/layout/hierarchy3"/>
-    <dgm:cxn modelId="{3EE224F7-6B17-411A-9849-C40C4B2A47E2}" type="presParOf" srcId="{52E658C5-FC49-4F76-B49A-943F27CD3F31}" destId="{93BAD546-A1D3-47B3-92DA-0C4C41AF2D72}" srcOrd="0" destOrd="0" presId="urn:microsoft.com/office/officeart/2005/8/layout/hierarchy3"/>
-    <dgm:cxn modelId="{5797D697-7C30-497B-8B88-012805156676}" type="presParOf" srcId="{93BAD546-A1D3-47B3-92DA-0C4C41AF2D72}" destId="{45AAA509-A316-45BB-8FE5-56929CE9E43D}" srcOrd="0" destOrd="0" presId="urn:microsoft.com/office/officeart/2005/8/layout/hierarchy3"/>
-    <dgm:cxn modelId="{EF8EB718-DC9E-4E12-92BE-123618D7CFE8}" type="presParOf" srcId="{93BAD546-A1D3-47B3-92DA-0C4C41AF2D72}" destId="{F7375D93-CB17-4580-B99F-A867BBCCBEA3}" srcOrd="1" destOrd="0" presId="urn:microsoft.com/office/officeart/2005/8/layout/hierarchy3"/>
-    <dgm:cxn modelId="{7E37EB3E-1FC5-468D-A118-DD925D7D6571}" type="presParOf" srcId="{52E658C5-FC49-4F76-B49A-943F27CD3F31}" destId="{0740801C-329F-4F07-910D-A31B655202F8}" srcOrd="1" destOrd="0" presId="urn:microsoft.com/office/officeart/2005/8/layout/hierarchy3"/>
-    <dgm:cxn modelId="{AA14D2DB-F72E-4A49-8574-4496B713D401}" type="presParOf" srcId="{0740801C-329F-4F07-910D-A31B655202F8}" destId="{8BC33271-ACF8-4CB3-852A-E73400BBBF35}" srcOrd="0" destOrd="0" presId="urn:microsoft.com/office/officeart/2005/8/layout/hierarchy3"/>
-    <dgm:cxn modelId="{848A047A-A40C-49C0-956C-D6637C8FA403}" type="presParOf" srcId="{0740801C-329F-4F07-910D-A31B655202F8}" destId="{4C1AAEA7-A87B-455A-8B94-7244153AC2F0}" srcOrd="1" destOrd="0" presId="urn:microsoft.com/office/officeart/2005/8/layout/hierarchy3"/>
-    <dgm:cxn modelId="{09B19CF2-0009-410F-840C-D087CB6E8DF2}" type="presParOf" srcId="{0740801C-329F-4F07-910D-A31B655202F8}" destId="{DAA075EE-CA0E-4A68-9A70-A708D52CBFF5}" srcOrd="2" destOrd="0" presId="urn:microsoft.com/office/officeart/2005/8/layout/hierarchy3"/>
-    <dgm:cxn modelId="{BBF6C8A6-618A-4D5B-B2FC-8CF5C25B828A}" type="presParOf" srcId="{0740801C-329F-4F07-910D-A31B655202F8}" destId="{8EE165F4-EC6C-4016-86AC-047EA3D6660E}" srcOrd="3" destOrd="0" presId="urn:microsoft.com/office/officeart/2005/8/layout/hierarchy3"/>
-    <dgm:cxn modelId="{1DCC0C7E-4314-413F-9EA1-53FA39043982}" type="presParOf" srcId="{8FAB0978-5E43-4F2C-A28D-587B635B233A}" destId="{D0F9A7BE-38BD-4C79-A5FD-2DF653A41F6D}" srcOrd="3" destOrd="0" presId="urn:microsoft.com/office/officeart/2005/8/layout/hierarchy3"/>
-    <dgm:cxn modelId="{8A29070F-0B2F-43DF-8811-2CA3C4A5845B}" type="presParOf" srcId="{D0F9A7BE-38BD-4C79-A5FD-2DF653A41F6D}" destId="{42E7C1B5-0E2B-498D-9F5C-7461A0899622}" srcOrd="0" destOrd="0" presId="urn:microsoft.com/office/officeart/2005/8/layout/hierarchy3"/>
-    <dgm:cxn modelId="{82B28EB7-F33F-49E5-A1FD-1B1A424E6FA4}" type="presParOf" srcId="{42E7C1B5-0E2B-498D-9F5C-7461A0899622}" destId="{2C41AF9C-3D56-4ED1-BA84-B3F7A4C0652A}" srcOrd="0" destOrd="0" presId="urn:microsoft.com/office/officeart/2005/8/layout/hierarchy3"/>
-    <dgm:cxn modelId="{DA7E3FA1-90E4-4521-B74E-AC13DA90A4E3}" type="presParOf" srcId="{42E7C1B5-0E2B-498D-9F5C-7461A0899622}" destId="{299BC576-C67A-49AE-9603-FAF50DDF4BFF}" srcOrd="1" destOrd="0" presId="urn:microsoft.com/office/officeart/2005/8/layout/hierarchy3"/>
-    <dgm:cxn modelId="{141752F9-61C2-471C-BD52-6A59591C4C8A}" type="presParOf" srcId="{D0F9A7BE-38BD-4C79-A5FD-2DF653A41F6D}" destId="{CC1C8967-94DD-4845-8B79-35DD41D26532}" srcOrd="1" destOrd="0" presId="urn:microsoft.com/office/officeart/2005/8/layout/hierarchy3"/>
-    <dgm:cxn modelId="{4CA0FADD-FDB5-4F41-839B-02C9BD0BFDDB}" type="presParOf" srcId="{CC1C8967-94DD-4845-8B79-35DD41D26532}" destId="{4D90285A-D363-4134-A85D-EA0977C7F843}" srcOrd="0" destOrd="0" presId="urn:microsoft.com/office/officeart/2005/8/layout/hierarchy3"/>
-    <dgm:cxn modelId="{6DEECCF6-09C7-4211-A753-5731D5A85D72}" type="presParOf" srcId="{CC1C8967-94DD-4845-8B79-35DD41D26532}" destId="{C90857B4-0509-4EAD-ADEF-6B19F00957FA}" srcOrd="1" destOrd="0" presId="urn:microsoft.com/office/officeart/2005/8/layout/hierarchy3"/>
-    <dgm:cxn modelId="{D1EBBB77-F199-4857-A241-198373FF721F}" type="presParOf" srcId="{CC1C8967-94DD-4845-8B79-35DD41D26532}" destId="{B85FD9A8-61BC-4F21-9DDE-4404D4A179B6}" srcOrd="2" destOrd="0" presId="urn:microsoft.com/office/officeart/2005/8/layout/hierarchy3"/>
-    <dgm:cxn modelId="{7FB8A52D-DFCC-4E0B-9046-B61B91284BBE}" type="presParOf" srcId="{CC1C8967-94DD-4845-8B79-35DD41D26532}" destId="{E4C16BDA-9C3C-45B8-A75A-2A92965EB775}" srcOrd="3" destOrd="0" presId="urn:microsoft.com/office/officeart/2005/8/layout/hierarchy3"/>
   </dgm:cxnLst>
   <dgm:bg/>
   <dgm:whole/>
@@ -7383,1560 +6210,6 @@
 </dsp:drawing>
 </file>
 
-<file path=ppt/diagrams/drawing2.xml><?xml version="1.0" encoding="utf-8"?>
-<dsp:drawing xmlns:dgm="http://schemas.openxmlformats.org/drawingml/2006/diagram" xmlns:dsp="http://schemas.microsoft.com/office/drawing/2008/diagram" xmlns:a="http://schemas.openxmlformats.org/drawingml/2006/main">
-  <dsp:spTree>
-    <dsp:nvGrpSpPr>
-      <dsp:cNvPr id="0" name=""/>
-      <dsp:cNvGrpSpPr/>
-    </dsp:nvGrpSpPr>
-    <dsp:grpSpPr/>
-    <dsp:sp modelId="{1348AC1E-DD17-4CE7-914D-8EC547D42741}">
-      <dsp:nvSpPr>
-        <dsp:cNvPr id="0" name=""/>
-        <dsp:cNvSpPr/>
-      </dsp:nvSpPr>
-      <dsp:spPr>
-        <a:xfrm>
-          <a:off x="1307" y="860367"/>
-          <a:ext cx="1503201" cy="751600"/>
-        </a:xfrm>
-        <a:prstGeom prst="roundRect">
-          <a:avLst>
-            <a:gd name="adj" fmla="val 10000"/>
-          </a:avLst>
-        </a:prstGeom>
-        <a:gradFill rotWithShape="0">
-          <a:gsLst>
-            <a:gs pos="0">
-              <a:schemeClr val="dk2">
-                <a:hueOff val="0"/>
-                <a:satOff val="0"/>
-                <a:lumOff val="0"/>
-                <a:alphaOff val="0"/>
-                <a:satMod val="103000"/>
-                <a:lumMod val="102000"/>
-                <a:tint val="94000"/>
-              </a:schemeClr>
-            </a:gs>
-            <a:gs pos="50000">
-              <a:schemeClr val="dk2">
-                <a:hueOff val="0"/>
-                <a:satOff val="0"/>
-                <a:lumOff val="0"/>
-                <a:alphaOff val="0"/>
-                <a:satMod val="110000"/>
-                <a:lumMod val="100000"/>
-                <a:shade val="100000"/>
-              </a:schemeClr>
-            </a:gs>
-            <a:gs pos="100000">
-              <a:schemeClr val="dk2">
-                <a:hueOff val="0"/>
-                <a:satOff val="0"/>
-                <a:lumOff val="0"/>
-                <a:alphaOff val="0"/>
-                <a:lumMod val="99000"/>
-                <a:satMod val="120000"/>
-                <a:shade val="78000"/>
-              </a:schemeClr>
-            </a:gs>
-          </a:gsLst>
-          <a:lin ang="5400000" scaled="0"/>
-        </a:gradFill>
-        <a:ln>
-          <a:noFill/>
-        </a:ln>
-        <a:effectLst>
-          <a:outerShdw blurRad="57150" dist="19050" dir="5400000" algn="ctr" rotWithShape="0">
-            <a:srgbClr val="000000">
-              <a:alpha val="63000"/>
-            </a:srgbClr>
-          </a:outerShdw>
-        </a:effectLst>
-      </dsp:spPr>
-      <dsp:style>
-        <a:lnRef idx="0">
-          <a:scrgbClr r="0" g="0" b="0"/>
-        </a:lnRef>
-        <a:fillRef idx="3">
-          <a:scrgbClr r="0" g="0" b="0"/>
-        </a:fillRef>
-        <a:effectRef idx="3">
-          <a:scrgbClr r="0" g="0" b="0"/>
-        </a:effectRef>
-        <a:fontRef idx="minor">
-          <a:schemeClr val="lt1"/>
-        </a:fontRef>
-      </dsp:style>
-      <dsp:txBody>
-        <a:bodyPr spcFirstLastPara="0" vert="horz" wrap="square" lIns="43815" tIns="29210" rIns="43815" bIns="29210" numCol="1" spcCol="1270" anchor="ctr" anchorCtr="0">
-          <a:noAutofit/>
-        </a:bodyPr>
-        <a:lstStyle/>
-        <a:p>
-          <a:pPr marL="0" lvl="0" indent="0" algn="ctr" defTabSz="1022350">
-            <a:lnSpc>
-              <a:spcPct val="90000"/>
-            </a:lnSpc>
-            <a:spcBef>
-              <a:spcPct val="0"/>
-            </a:spcBef>
-            <a:spcAft>
-              <a:spcPct val="35000"/>
-            </a:spcAft>
-            <a:buNone/>
-          </a:pPr>
-          <a:r>
-            <a:rPr lang="it-IT" sz="2300" kern="1200" dirty="0"/>
-            <a:t>Random Forest</a:t>
-          </a:r>
-          <a:endParaRPr lang="es-CL" sz="2300" kern="1200" dirty="0"/>
-        </a:p>
-      </dsp:txBody>
-      <dsp:txXfrm>
-        <a:off x="23321" y="882381"/>
-        <a:ext cx="1459173" cy="707572"/>
-      </dsp:txXfrm>
-    </dsp:sp>
-    <dsp:sp modelId="{82A4C021-BF83-4DF4-9ED2-9774A39DDF42}">
-      <dsp:nvSpPr>
-        <dsp:cNvPr id="0" name=""/>
-        <dsp:cNvSpPr/>
-      </dsp:nvSpPr>
-      <dsp:spPr>
-        <a:xfrm>
-          <a:off x="151628" y="1611968"/>
-          <a:ext cx="150320" cy="563700"/>
-        </a:xfrm>
-        <a:custGeom>
-          <a:avLst/>
-          <a:gdLst/>
-          <a:ahLst/>
-          <a:cxnLst/>
-          <a:rect l="0" t="0" r="0" b="0"/>
-          <a:pathLst>
-            <a:path>
-              <a:moveTo>
-                <a:pt x="0" y="0"/>
-              </a:moveTo>
-              <a:lnTo>
-                <a:pt x="0" y="563700"/>
-              </a:lnTo>
-              <a:lnTo>
-                <a:pt x="150320" y="563700"/>
-              </a:lnTo>
-            </a:path>
-          </a:pathLst>
-        </a:custGeom>
-        <a:noFill/>
-        <a:ln w="12700" cap="flat" cmpd="sng" algn="ctr">
-          <a:solidFill>
-            <a:schemeClr val="dk2">
-              <a:shade val="60000"/>
-              <a:hueOff val="0"/>
-              <a:satOff val="0"/>
-              <a:lumOff val="0"/>
-              <a:alphaOff val="0"/>
-            </a:schemeClr>
-          </a:solidFill>
-          <a:prstDash val="solid"/>
-          <a:miter lim="800000"/>
-        </a:ln>
-        <a:effectLst/>
-      </dsp:spPr>
-      <dsp:style>
-        <a:lnRef idx="2">
-          <a:scrgbClr r="0" g="0" b="0"/>
-        </a:lnRef>
-        <a:fillRef idx="0">
-          <a:scrgbClr r="0" g="0" b="0"/>
-        </a:fillRef>
-        <a:effectRef idx="0">
-          <a:scrgbClr r="0" g="0" b="0"/>
-        </a:effectRef>
-        <a:fontRef idx="minor"/>
-      </dsp:style>
-    </dsp:sp>
-    <dsp:sp modelId="{4884369A-C179-45A0-8255-FD552D40C9A7}">
-      <dsp:nvSpPr>
-        <dsp:cNvPr id="0" name=""/>
-        <dsp:cNvSpPr/>
-      </dsp:nvSpPr>
-      <dsp:spPr>
-        <a:xfrm>
-          <a:off x="301948" y="1799868"/>
-          <a:ext cx="1202561" cy="751600"/>
-        </a:xfrm>
-        <a:prstGeom prst="roundRect">
-          <a:avLst>
-            <a:gd name="adj" fmla="val 10000"/>
-          </a:avLst>
-        </a:prstGeom>
-        <a:solidFill>
-          <a:schemeClr val="lt2">
-            <a:alpha val="90000"/>
-            <a:hueOff val="0"/>
-            <a:satOff val="0"/>
-            <a:lumOff val="0"/>
-            <a:alphaOff val="0"/>
-          </a:schemeClr>
-        </a:solidFill>
-        <a:ln w="6350" cap="flat" cmpd="sng" algn="ctr">
-          <a:solidFill>
-            <a:schemeClr val="dk2">
-              <a:hueOff val="0"/>
-              <a:satOff val="0"/>
-              <a:lumOff val="0"/>
-              <a:alphaOff val="0"/>
-            </a:schemeClr>
-          </a:solidFill>
-          <a:prstDash val="solid"/>
-          <a:miter lim="800000"/>
-        </a:ln>
-        <a:effectLst/>
-      </dsp:spPr>
-      <dsp:style>
-        <a:lnRef idx="1">
-          <a:scrgbClr r="0" g="0" b="0"/>
-        </a:lnRef>
-        <a:fillRef idx="1">
-          <a:scrgbClr r="0" g="0" b="0"/>
-        </a:fillRef>
-        <a:effectRef idx="2">
-          <a:scrgbClr r="0" g="0" b="0"/>
-        </a:effectRef>
-        <a:fontRef idx="minor"/>
-      </dsp:style>
-      <dsp:txBody>
-        <a:bodyPr spcFirstLastPara="0" vert="horz" wrap="square" lIns="34290" tIns="22860" rIns="34290" bIns="22860" numCol="1" spcCol="1270" anchor="ctr" anchorCtr="0">
-          <a:noAutofit/>
-        </a:bodyPr>
-        <a:lstStyle/>
-        <a:p>
-          <a:pPr marL="0" lvl="0" indent="0" algn="ctr" defTabSz="800100">
-            <a:lnSpc>
-              <a:spcPct val="90000"/>
-            </a:lnSpc>
-            <a:spcBef>
-              <a:spcPct val="0"/>
-            </a:spcBef>
-            <a:spcAft>
-              <a:spcPct val="35000"/>
-            </a:spcAft>
-            <a:buNone/>
-          </a:pPr>
-          <a:r>
-            <a:rPr lang="es-CL" sz="1800" kern="1200" dirty="0"/>
-            <a:t>Train error: 9.319</a:t>
-          </a:r>
-        </a:p>
-      </dsp:txBody>
-      <dsp:txXfrm>
-        <a:off x="323962" y="1821882"/>
-        <a:ext cx="1158533" cy="707572"/>
-      </dsp:txXfrm>
-    </dsp:sp>
-    <dsp:sp modelId="{AC67B2C7-C32E-48AF-9331-211D5880C6CD}">
-      <dsp:nvSpPr>
-        <dsp:cNvPr id="0" name=""/>
-        <dsp:cNvSpPr/>
-      </dsp:nvSpPr>
-      <dsp:spPr>
-        <a:xfrm>
-          <a:off x="151628" y="1611968"/>
-          <a:ext cx="150320" cy="1503201"/>
-        </a:xfrm>
-        <a:custGeom>
-          <a:avLst/>
-          <a:gdLst/>
-          <a:ahLst/>
-          <a:cxnLst/>
-          <a:rect l="0" t="0" r="0" b="0"/>
-          <a:pathLst>
-            <a:path>
-              <a:moveTo>
-                <a:pt x="0" y="0"/>
-              </a:moveTo>
-              <a:lnTo>
-                <a:pt x="0" y="1503201"/>
-              </a:lnTo>
-              <a:lnTo>
-                <a:pt x="150320" y="1503201"/>
-              </a:lnTo>
-            </a:path>
-          </a:pathLst>
-        </a:custGeom>
-        <a:noFill/>
-        <a:ln w="12700" cap="flat" cmpd="sng" algn="ctr">
-          <a:solidFill>
-            <a:schemeClr val="dk2">
-              <a:shade val="60000"/>
-              <a:hueOff val="0"/>
-              <a:satOff val="0"/>
-              <a:lumOff val="0"/>
-              <a:alphaOff val="0"/>
-            </a:schemeClr>
-          </a:solidFill>
-          <a:prstDash val="solid"/>
-          <a:miter lim="800000"/>
-        </a:ln>
-        <a:effectLst/>
-      </dsp:spPr>
-      <dsp:style>
-        <a:lnRef idx="2">
-          <a:scrgbClr r="0" g="0" b="0"/>
-        </a:lnRef>
-        <a:fillRef idx="0">
-          <a:scrgbClr r="0" g="0" b="0"/>
-        </a:fillRef>
-        <a:effectRef idx="0">
-          <a:scrgbClr r="0" g="0" b="0"/>
-        </a:effectRef>
-        <a:fontRef idx="minor"/>
-      </dsp:style>
-    </dsp:sp>
-    <dsp:sp modelId="{EF01AE0E-D910-4596-8E88-2E43E35CF59F}">
-      <dsp:nvSpPr>
-        <dsp:cNvPr id="0" name=""/>
-        <dsp:cNvSpPr/>
-      </dsp:nvSpPr>
-      <dsp:spPr>
-        <a:xfrm>
-          <a:off x="301948" y="2739369"/>
-          <a:ext cx="1202561" cy="751600"/>
-        </a:xfrm>
-        <a:prstGeom prst="roundRect">
-          <a:avLst>
-            <a:gd name="adj" fmla="val 10000"/>
-          </a:avLst>
-        </a:prstGeom>
-        <a:solidFill>
-          <a:schemeClr val="lt2">
-            <a:alpha val="90000"/>
-            <a:hueOff val="0"/>
-            <a:satOff val="0"/>
-            <a:lumOff val="0"/>
-            <a:alphaOff val="0"/>
-          </a:schemeClr>
-        </a:solidFill>
-        <a:ln w="6350" cap="flat" cmpd="sng" algn="ctr">
-          <a:solidFill>
-            <a:schemeClr val="dk2">
-              <a:hueOff val="0"/>
-              <a:satOff val="0"/>
-              <a:lumOff val="0"/>
-              <a:alphaOff val="0"/>
-            </a:schemeClr>
-          </a:solidFill>
-          <a:prstDash val="solid"/>
-          <a:miter lim="800000"/>
-        </a:ln>
-        <a:effectLst/>
-      </dsp:spPr>
-      <dsp:style>
-        <a:lnRef idx="1">
-          <a:scrgbClr r="0" g="0" b="0"/>
-        </a:lnRef>
-        <a:fillRef idx="1">
-          <a:scrgbClr r="0" g="0" b="0"/>
-        </a:fillRef>
-        <a:effectRef idx="2">
-          <a:scrgbClr r="0" g="0" b="0"/>
-        </a:effectRef>
-        <a:fontRef idx="minor"/>
-      </dsp:style>
-      <dsp:txBody>
-        <a:bodyPr spcFirstLastPara="0" vert="horz" wrap="square" lIns="34290" tIns="22860" rIns="34290" bIns="22860" numCol="1" spcCol="1270" anchor="ctr" anchorCtr="0">
-          <a:noAutofit/>
-        </a:bodyPr>
-        <a:lstStyle/>
-        <a:p>
-          <a:pPr marL="0" lvl="0" indent="0" algn="ctr" defTabSz="800100">
-            <a:lnSpc>
-              <a:spcPct val="90000"/>
-            </a:lnSpc>
-            <a:spcBef>
-              <a:spcPct val="0"/>
-            </a:spcBef>
-            <a:spcAft>
-              <a:spcPct val="35000"/>
-            </a:spcAft>
-            <a:buNone/>
-          </a:pPr>
-          <a:r>
-            <a:rPr lang="es-CL" sz="1800" kern="1200" dirty="0"/>
-            <a:t>Test error: 9.093</a:t>
-          </a:r>
-        </a:p>
-      </dsp:txBody>
-      <dsp:txXfrm>
-        <a:off x="323962" y="2761383"/>
-        <a:ext cx="1158533" cy="707572"/>
-      </dsp:txXfrm>
-    </dsp:sp>
-    <dsp:sp modelId="{7326AF9C-CD2D-4070-B659-3370DF4517BA}">
-      <dsp:nvSpPr>
-        <dsp:cNvPr id="0" name=""/>
-        <dsp:cNvSpPr/>
-      </dsp:nvSpPr>
-      <dsp:spPr>
-        <a:xfrm>
-          <a:off x="1880310" y="860367"/>
-          <a:ext cx="1503201" cy="751600"/>
-        </a:xfrm>
-        <a:prstGeom prst="roundRect">
-          <a:avLst>
-            <a:gd name="adj" fmla="val 10000"/>
-          </a:avLst>
-        </a:prstGeom>
-        <a:gradFill rotWithShape="0">
-          <a:gsLst>
-            <a:gs pos="0">
-              <a:schemeClr val="dk2">
-                <a:hueOff val="0"/>
-                <a:satOff val="0"/>
-                <a:lumOff val="0"/>
-                <a:alphaOff val="0"/>
-                <a:satMod val="103000"/>
-                <a:lumMod val="102000"/>
-                <a:tint val="94000"/>
-              </a:schemeClr>
-            </a:gs>
-            <a:gs pos="50000">
-              <a:schemeClr val="dk2">
-                <a:hueOff val="0"/>
-                <a:satOff val="0"/>
-                <a:lumOff val="0"/>
-                <a:alphaOff val="0"/>
-                <a:satMod val="110000"/>
-                <a:lumMod val="100000"/>
-                <a:shade val="100000"/>
-              </a:schemeClr>
-            </a:gs>
-            <a:gs pos="100000">
-              <a:schemeClr val="dk2">
-                <a:hueOff val="0"/>
-                <a:satOff val="0"/>
-                <a:lumOff val="0"/>
-                <a:alphaOff val="0"/>
-                <a:lumMod val="99000"/>
-                <a:satMod val="120000"/>
-                <a:shade val="78000"/>
-              </a:schemeClr>
-            </a:gs>
-          </a:gsLst>
-          <a:lin ang="5400000" scaled="0"/>
-        </a:gradFill>
-        <a:ln>
-          <a:noFill/>
-        </a:ln>
-        <a:effectLst>
-          <a:outerShdw blurRad="57150" dist="19050" dir="5400000" algn="ctr" rotWithShape="0">
-            <a:srgbClr val="000000">
-              <a:alpha val="63000"/>
-            </a:srgbClr>
-          </a:outerShdw>
-        </a:effectLst>
-      </dsp:spPr>
-      <dsp:style>
-        <a:lnRef idx="0">
-          <a:scrgbClr r="0" g="0" b="0"/>
-        </a:lnRef>
-        <a:fillRef idx="3">
-          <a:scrgbClr r="0" g="0" b="0"/>
-        </a:fillRef>
-        <a:effectRef idx="3">
-          <a:scrgbClr r="0" g="0" b="0"/>
-        </a:effectRef>
-        <a:fontRef idx="minor">
-          <a:schemeClr val="lt1"/>
-        </a:fontRef>
-      </dsp:style>
-      <dsp:txBody>
-        <a:bodyPr spcFirstLastPara="0" vert="horz" wrap="square" lIns="43815" tIns="29210" rIns="43815" bIns="29210" numCol="1" spcCol="1270" anchor="ctr" anchorCtr="0">
-          <a:noAutofit/>
-        </a:bodyPr>
-        <a:lstStyle/>
-        <a:p>
-          <a:pPr marL="0" lvl="0" indent="0" algn="ctr" defTabSz="1022350">
-            <a:lnSpc>
-              <a:spcPct val="90000"/>
-            </a:lnSpc>
-            <a:spcBef>
-              <a:spcPct val="0"/>
-            </a:spcBef>
-            <a:spcAft>
-              <a:spcPct val="35000"/>
-            </a:spcAft>
-            <a:buNone/>
-          </a:pPr>
-          <a:r>
-            <a:rPr lang="it-IT" sz="2300" kern="1200" dirty="0"/>
-            <a:t>SVM</a:t>
-          </a:r>
-          <a:endParaRPr lang="es-CL" sz="2300" kern="1200" dirty="0"/>
-        </a:p>
-      </dsp:txBody>
-      <dsp:txXfrm>
-        <a:off x="1902324" y="882381"/>
-        <a:ext cx="1459173" cy="707572"/>
-      </dsp:txXfrm>
-    </dsp:sp>
-    <dsp:sp modelId="{0B35A0B3-9AA9-43EC-822F-4361A0C8C601}">
-      <dsp:nvSpPr>
-        <dsp:cNvPr id="0" name=""/>
-        <dsp:cNvSpPr/>
-      </dsp:nvSpPr>
-      <dsp:spPr>
-        <a:xfrm>
-          <a:off x="2030630" y="1611968"/>
-          <a:ext cx="150320" cy="563700"/>
-        </a:xfrm>
-        <a:custGeom>
-          <a:avLst/>
-          <a:gdLst/>
-          <a:ahLst/>
-          <a:cxnLst/>
-          <a:rect l="0" t="0" r="0" b="0"/>
-          <a:pathLst>
-            <a:path>
-              <a:moveTo>
-                <a:pt x="0" y="0"/>
-              </a:moveTo>
-              <a:lnTo>
-                <a:pt x="0" y="563700"/>
-              </a:lnTo>
-              <a:lnTo>
-                <a:pt x="150320" y="563700"/>
-              </a:lnTo>
-            </a:path>
-          </a:pathLst>
-        </a:custGeom>
-        <a:noFill/>
-        <a:ln w="12700" cap="flat" cmpd="sng" algn="ctr">
-          <a:solidFill>
-            <a:schemeClr val="dk2">
-              <a:shade val="60000"/>
-              <a:hueOff val="0"/>
-              <a:satOff val="0"/>
-              <a:lumOff val="0"/>
-              <a:alphaOff val="0"/>
-            </a:schemeClr>
-          </a:solidFill>
-          <a:prstDash val="solid"/>
-          <a:miter lim="800000"/>
-        </a:ln>
-        <a:effectLst/>
-      </dsp:spPr>
-      <dsp:style>
-        <a:lnRef idx="2">
-          <a:scrgbClr r="0" g="0" b="0"/>
-        </a:lnRef>
-        <a:fillRef idx="0">
-          <a:scrgbClr r="0" g="0" b="0"/>
-        </a:fillRef>
-        <a:effectRef idx="0">
-          <a:scrgbClr r="0" g="0" b="0"/>
-        </a:effectRef>
-        <a:fontRef idx="minor"/>
-      </dsp:style>
-    </dsp:sp>
-    <dsp:sp modelId="{9E9C9F9A-E574-44C5-9C4C-248F2E51A5FC}">
-      <dsp:nvSpPr>
-        <dsp:cNvPr id="0" name=""/>
-        <dsp:cNvSpPr/>
-      </dsp:nvSpPr>
-      <dsp:spPr>
-        <a:xfrm>
-          <a:off x="2180950" y="1799868"/>
-          <a:ext cx="1202561" cy="751600"/>
-        </a:xfrm>
-        <a:prstGeom prst="roundRect">
-          <a:avLst>
-            <a:gd name="adj" fmla="val 10000"/>
-          </a:avLst>
-        </a:prstGeom>
-        <a:solidFill>
-          <a:schemeClr val="lt2">
-            <a:alpha val="90000"/>
-            <a:hueOff val="0"/>
-            <a:satOff val="0"/>
-            <a:lumOff val="0"/>
-            <a:alphaOff val="0"/>
-          </a:schemeClr>
-        </a:solidFill>
-        <a:ln w="6350" cap="flat" cmpd="sng" algn="ctr">
-          <a:solidFill>
-            <a:schemeClr val="dk2">
-              <a:hueOff val="0"/>
-              <a:satOff val="0"/>
-              <a:lumOff val="0"/>
-              <a:alphaOff val="0"/>
-            </a:schemeClr>
-          </a:solidFill>
-          <a:prstDash val="solid"/>
-          <a:miter lim="800000"/>
-        </a:ln>
-        <a:effectLst/>
-      </dsp:spPr>
-      <dsp:style>
-        <a:lnRef idx="1">
-          <a:scrgbClr r="0" g="0" b="0"/>
-        </a:lnRef>
-        <a:fillRef idx="1">
-          <a:scrgbClr r="0" g="0" b="0"/>
-        </a:fillRef>
-        <a:effectRef idx="2">
-          <a:scrgbClr r="0" g="0" b="0"/>
-        </a:effectRef>
-        <a:fontRef idx="minor"/>
-      </dsp:style>
-      <dsp:txBody>
-        <a:bodyPr spcFirstLastPara="0" vert="horz" wrap="square" lIns="34290" tIns="22860" rIns="34290" bIns="22860" numCol="1" spcCol="1270" anchor="ctr" anchorCtr="0">
-          <a:noAutofit/>
-        </a:bodyPr>
-        <a:lstStyle/>
-        <a:p>
-          <a:pPr marL="0" lvl="0" indent="0" algn="ctr" defTabSz="800100">
-            <a:lnSpc>
-              <a:spcPct val="90000"/>
-            </a:lnSpc>
-            <a:spcBef>
-              <a:spcPct val="0"/>
-            </a:spcBef>
-            <a:spcAft>
-              <a:spcPct val="35000"/>
-            </a:spcAft>
-            <a:buNone/>
-          </a:pPr>
-          <a:r>
-            <a:rPr lang="it-IT" sz="1800" kern="1200" dirty="0"/>
-            <a:t>Train error:</a:t>
-          </a:r>
-          <a:endParaRPr lang="es-CL" sz="1800" kern="1200" dirty="0"/>
-        </a:p>
-      </dsp:txBody>
-      <dsp:txXfrm>
-        <a:off x="2202964" y="1821882"/>
-        <a:ext cx="1158533" cy="707572"/>
-      </dsp:txXfrm>
-    </dsp:sp>
-    <dsp:sp modelId="{36DF90CA-3FA8-4052-A313-A0252BEAF2BE}">
-      <dsp:nvSpPr>
-        <dsp:cNvPr id="0" name=""/>
-        <dsp:cNvSpPr/>
-      </dsp:nvSpPr>
-      <dsp:spPr>
-        <a:xfrm>
-          <a:off x="2030630" y="1611968"/>
-          <a:ext cx="150320" cy="1503201"/>
-        </a:xfrm>
-        <a:custGeom>
-          <a:avLst/>
-          <a:gdLst/>
-          <a:ahLst/>
-          <a:cxnLst/>
-          <a:rect l="0" t="0" r="0" b="0"/>
-          <a:pathLst>
-            <a:path>
-              <a:moveTo>
-                <a:pt x="0" y="0"/>
-              </a:moveTo>
-              <a:lnTo>
-                <a:pt x="0" y="1503201"/>
-              </a:lnTo>
-              <a:lnTo>
-                <a:pt x="150320" y="1503201"/>
-              </a:lnTo>
-            </a:path>
-          </a:pathLst>
-        </a:custGeom>
-        <a:noFill/>
-        <a:ln w="12700" cap="flat" cmpd="sng" algn="ctr">
-          <a:solidFill>
-            <a:schemeClr val="dk2">
-              <a:shade val="60000"/>
-              <a:hueOff val="0"/>
-              <a:satOff val="0"/>
-              <a:lumOff val="0"/>
-              <a:alphaOff val="0"/>
-            </a:schemeClr>
-          </a:solidFill>
-          <a:prstDash val="solid"/>
-          <a:miter lim="800000"/>
-        </a:ln>
-        <a:effectLst/>
-      </dsp:spPr>
-      <dsp:style>
-        <a:lnRef idx="2">
-          <a:scrgbClr r="0" g="0" b="0"/>
-        </a:lnRef>
-        <a:fillRef idx="0">
-          <a:scrgbClr r="0" g="0" b="0"/>
-        </a:fillRef>
-        <a:effectRef idx="0">
-          <a:scrgbClr r="0" g="0" b="0"/>
-        </a:effectRef>
-        <a:fontRef idx="minor"/>
-      </dsp:style>
-    </dsp:sp>
-    <dsp:sp modelId="{E0AF71CE-9C03-4119-8FF2-29BF22D751F5}">
-      <dsp:nvSpPr>
-        <dsp:cNvPr id="0" name=""/>
-        <dsp:cNvSpPr/>
-      </dsp:nvSpPr>
-      <dsp:spPr>
-        <a:xfrm>
-          <a:off x="2180950" y="2739369"/>
-          <a:ext cx="1202561" cy="751600"/>
-        </a:xfrm>
-        <a:prstGeom prst="roundRect">
-          <a:avLst>
-            <a:gd name="adj" fmla="val 10000"/>
-          </a:avLst>
-        </a:prstGeom>
-        <a:solidFill>
-          <a:schemeClr val="lt2">
-            <a:alpha val="90000"/>
-            <a:hueOff val="0"/>
-            <a:satOff val="0"/>
-            <a:lumOff val="0"/>
-            <a:alphaOff val="0"/>
-          </a:schemeClr>
-        </a:solidFill>
-        <a:ln w="6350" cap="flat" cmpd="sng" algn="ctr">
-          <a:solidFill>
-            <a:schemeClr val="dk2">
-              <a:hueOff val="0"/>
-              <a:satOff val="0"/>
-              <a:lumOff val="0"/>
-              <a:alphaOff val="0"/>
-            </a:schemeClr>
-          </a:solidFill>
-          <a:prstDash val="solid"/>
-          <a:miter lim="800000"/>
-        </a:ln>
-        <a:effectLst/>
-      </dsp:spPr>
-      <dsp:style>
-        <a:lnRef idx="1">
-          <a:scrgbClr r="0" g="0" b="0"/>
-        </a:lnRef>
-        <a:fillRef idx="1">
-          <a:scrgbClr r="0" g="0" b="0"/>
-        </a:fillRef>
-        <a:effectRef idx="2">
-          <a:scrgbClr r="0" g="0" b="0"/>
-        </a:effectRef>
-        <a:fontRef idx="minor"/>
-      </dsp:style>
-      <dsp:txBody>
-        <a:bodyPr spcFirstLastPara="0" vert="horz" wrap="square" lIns="34290" tIns="22860" rIns="34290" bIns="22860" numCol="1" spcCol="1270" anchor="ctr" anchorCtr="0">
-          <a:noAutofit/>
-        </a:bodyPr>
-        <a:lstStyle/>
-        <a:p>
-          <a:pPr marL="0" lvl="0" indent="0" algn="ctr" defTabSz="800100">
-            <a:lnSpc>
-              <a:spcPct val="90000"/>
-            </a:lnSpc>
-            <a:spcBef>
-              <a:spcPct val="0"/>
-            </a:spcBef>
-            <a:spcAft>
-              <a:spcPct val="35000"/>
-            </a:spcAft>
-            <a:buNone/>
-          </a:pPr>
-          <a:r>
-            <a:rPr lang="it-IT" sz="1800" kern="1200" dirty="0"/>
-            <a:t>Test error:</a:t>
-          </a:r>
-          <a:endParaRPr lang="es-CL" sz="1800" kern="1200" dirty="0"/>
-        </a:p>
-      </dsp:txBody>
-      <dsp:txXfrm>
-        <a:off x="2202964" y="2761383"/>
-        <a:ext cx="1158533" cy="707572"/>
-      </dsp:txXfrm>
-    </dsp:sp>
-    <dsp:sp modelId="{45AAA509-A316-45BB-8FE5-56929CE9E43D}">
-      <dsp:nvSpPr>
-        <dsp:cNvPr id="0" name=""/>
-        <dsp:cNvSpPr/>
-      </dsp:nvSpPr>
-      <dsp:spPr>
-        <a:xfrm>
-          <a:off x="3759312" y="860367"/>
-          <a:ext cx="1503201" cy="751600"/>
-        </a:xfrm>
-        <a:prstGeom prst="roundRect">
-          <a:avLst>
-            <a:gd name="adj" fmla="val 10000"/>
-          </a:avLst>
-        </a:prstGeom>
-        <a:gradFill rotWithShape="0">
-          <a:gsLst>
-            <a:gs pos="0">
-              <a:schemeClr val="dk2">
-                <a:hueOff val="0"/>
-                <a:satOff val="0"/>
-                <a:lumOff val="0"/>
-                <a:alphaOff val="0"/>
-                <a:satMod val="103000"/>
-                <a:lumMod val="102000"/>
-                <a:tint val="94000"/>
-              </a:schemeClr>
-            </a:gs>
-            <a:gs pos="50000">
-              <a:schemeClr val="dk2">
-                <a:hueOff val="0"/>
-                <a:satOff val="0"/>
-                <a:lumOff val="0"/>
-                <a:alphaOff val="0"/>
-                <a:satMod val="110000"/>
-                <a:lumMod val="100000"/>
-                <a:shade val="100000"/>
-              </a:schemeClr>
-            </a:gs>
-            <a:gs pos="100000">
-              <a:schemeClr val="dk2">
-                <a:hueOff val="0"/>
-                <a:satOff val="0"/>
-                <a:lumOff val="0"/>
-                <a:alphaOff val="0"/>
-                <a:lumMod val="99000"/>
-                <a:satMod val="120000"/>
-                <a:shade val="78000"/>
-              </a:schemeClr>
-            </a:gs>
-          </a:gsLst>
-          <a:lin ang="5400000" scaled="0"/>
-        </a:gradFill>
-        <a:ln>
-          <a:noFill/>
-        </a:ln>
-        <a:effectLst>
-          <a:outerShdw blurRad="57150" dist="19050" dir="5400000" algn="ctr" rotWithShape="0">
-            <a:srgbClr val="000000">
-              <a:alpha val="63000"/>
-            </a:srgbClr>
-          </a:outerShdw>
-        </a:effectLst>
-      </dsp:spPr>
-      <dsp:style>
-        <a:lnRef idx="0">
-          <a:scrgbClr r="0" g="0" b="0"/>
-        </a:lnRef>
-        <a:fillRef idx="3">
-          <a:scrgbClr r="0" g="0" b="0"/>
-        </a:fillRef>
-        <a:effectRef idx="3">
-          <a:scrgbClr r="0" g="0" b="0"/>
-        </a:effectRef>
-        <a:fontRef idx="minor">
-          <a:schemeClr val="lt1"/>
-        </a:fontRef>
-      </dsp:style>
-      <dsp:txBody>
-        <a:bodyPr spcFirstLastPara="0" vert="horz" wrap="square" lIns="43815" tIns="29210" rIns="43815" bIns="29210" numCol="1" spcCol="1270" anchor="ctr" anchorCtr="0">
-          <a:noAutofit/>
-        </a:bodyPr>
-        <a:lstStyle/>
-        <a:p>
-          <a:pPr marL="0" lvl="0" indent="0" algn="ctr" defTabSz="1022350">
-            <a:lnSpc>
-              <a:spcPct val="90000"/>
-            </a:lnSpc>
-            <a:spcBef>
-              <a:spcPct val="0"/>
-            </a:spcBef>
-            <a:spcAft>
-              <a:spcPct val="35000"/>
-            </a:spcAft>
-            <a:buNone/>
-          </a:pPr>
-          <a:r>
-            <a:rPr lang="it-IT" sz="2300" kern="1200" dirty="0"/>
-            <a:t>Naive Bayes</a:t>
-          </a:r>
-          <a:endParaRPr lang="es-CL" sz="2300" kern="1200" dirty="0"/>
-        </a:p>
-      </dsp:txBody>
-      <dsp:txXfrm>
-        <a:off x="3781326" y="882381"/>
-        <a:ext cx="1459173" cy="707572"/>
-      </dsp:txXfrm>
-    </dsp:sp>
-    <dsp:sp modelId="{8BC33271-ACF8-4CB3-852A-E73400BBBF35}">
-      <dsp:nvSpPr>
-        <dsp:cNvPr id="0" name=""/>
-        <dsp:cNvSpPr/>
-      </dsp:nvSpPr>
-      <dsp:spPr>
-        <a:xfrm>
-          <a:off x="3909632" y="1611968"/>
-          <a:ext cx="150320" cy="563700"/>
-        </a:xfrm>
-        <a:custGeom>
-          <a:avLst/>
-          <a:gdLst/>
-          <a:ahLst/>
-          <a:cxnLst/>
-          <a:rect l="0" t="0" r="0" b="0"/>
-          <a:pathLst>
-            <a:path>
-              <a:moveTo>
-                <a:pt x="0" y="0"/>
-              </a:moveTo>
-              <a:lnTo>
-                <a:pt x="0" y="563700"/>
-              </a:lnTo>
-              <a:lnTo>
-                <a:pt x="150320" y="563700"/>
-              </a:lnTo>
-            </a:path>
-          </a:pathLst>
-        </a:custGeom>
-        <a:noFill/>
-        <a:ln w="12700" cap="flat" cmpd="sng" algn="ctr">
-          <a:solidFill>
-            <a:schemeClr val="dk2">
-              <a:shade val="60000"/>
-              <a:hueOff val="0"/>
-              <a:satOff val="0"/>
-              <a:lumOff val="0"/>
-              <a:alphaOff val="0"/>
-            </a:schemeClr>
-          </a:solidFill>
-          <a:prstDash val="solid"/>
-          <a:miter lim="800000"/>
-        </a:ln>
-        <a:effectLst/>
-      </dsp:spPr>
-      <dsp:style>
-        <a:lnRef idx="2">
-          <a:scrgbClr r="0" g="0" b="0"/>
-        </a:lnRef>
-        <a:fillRef idx="0">
-          <a:scrgbClr r="0" g="0" b="0"/>
-        </a:fillRef>
-        <a:effectRef idx="0">
-          <a:scrgbClr r="0" g="0" b="0"/>
-        </a:effectRef>
-        <a:fontRef idx="minor"/>
-      </dsp:style>
-    </dsp:sp>
-    <dsp:sp modelId="{4C1AAEA7-A87B-455A-8B94-7244153AC2F0}">
-      <dsp:nvSpPr>
-        <dsp:cNvPr id="0" name=""/>
-        <dsp:cNvSpPr/>
-      </dsp:nvSpPr>
-      <dsp:spPr>
-        <a:xfrm>
-          <a:off x="4059953" y="1799868"/>
-          <a:ext cx="1202561" cy="751600"/>
-        </a:xfrm>
-        <a:prstGeom prst="roundRect">
-          <a:avLst>
-            <a:gd name="adj" fmla="val 10000"/>
-          </a:avLst>
-        </a:prstGeom>
-        <a:solidFill>
-          <a:schemeClr val="lt2">
-            <a:alpha val="90000"/>
-            <a:hueOff val="0"/>
-            <a:satOff val="0"/>
-            <a:lumOff val="0"/>
-            <a:alphaOff val="0"/>
-          </a:schemeClr>
-        </a:solidFill>
-        <a:ln w="6350" cap="flat" cmpd="sng" algn="ctr">
-          <a:solidFill>
-            <a:schemeClr val="dk2">
-              <a:hueOff val="0"/>
-              <a:satOff val="0"/>
-              <a:lumOff val="0"/>
-              <a:alphaOff val="0"/>
-            </a:schemeClr>
-          </a:solidFill>
-          <a:prstDash val="solid"/>
-          <a:miter lim="800000"/>
-        </a:ln>
-        <a:effectLst/>
-      </dsp:spPr>
-      <dsp:style>
-        <a:lnRef idx="1">
-          <a:scrgbClr r="0" g="0" b="0"/>
-        </a:lnRef>
-        <a:fillRef idx="1">
-          <a:scrgbClr r="0" g="0" b="0"/>
-        </a:fillRef>
-        <a:effectRef idx="2">
-          <a:scrgbClr r="0" g="0" b="0"/>
-        </a:effectRef>
-        <a:fontRef idx="minor"/>
-      </dsp:style>
-      <dsp:txBody>
-        <a:bodyPr spcFirstLastPara="0" vert="horz" wrap="square" lIns="34290" tIns="22860" rIns="34290" bIns="22860" numCol="1" spcCol="1270" anchor="ctr" anchorCtr="0">
-          <a:noAutofit/>
-        </a:bodyPr>
-        <a:lstStyle/>
-        <a:p>
-          <a:pPr marL="0" lvl="0" indent="0" algn="ctr" defTabSz="800100">
-            <a:lnSpc>
-              <a:spcPct val="90000"/>
-            </a:lnSpc>
-            <a:spcBef>
-              <a:spcPct val="0"/>
-            </a:spcBef>
-            <a:spcAft>
-              <a:spcPct val="35000"/>
-            </a:spcAft>
-            <a:buNone/>
-          </a:pPr>
-          <a:r>
-            <a:rPr lang="it-IT" sz="1800" kern="1200" dirty="0"/>
-            <a:t>Train error:</a:t>
-          </a:r>
-          <a:endParaRPr lang="es-CL" sz="1800" kern="1200" dirty="0"/>
-        </a:p>
-      </dsp:txBody>
-      <dsp:txXfrm>
-        <a:off x="4081967" y="1821882"/>
-        <a:ext cx="1158533" cy="707572"/>
-      </dsp:txXfrm>
-    </dsp:sp>
-    <dsp:sp modelId="{DAA075EE-CA0E-4A68-9A70-A708D52CBFF5}">
-      <dsp:nvSpPr>
-        <dsp:cNvPr id="0" name=""/>
-        <dsp:cNvSpPr/>
-      </dsp:nvSpPr>
-      <dsp:spPr>
-        <a:xfrm>
-          <a:off x="3909632" y="1611968"/>
-          <a:ext cx="150320" cy="1503201"/>
-        </a:xfrm>
-        <a:custGeom>
-          <a:avLst/>
-          <a:gdLst/>
-          <a:ahLst/>
-          <a:cxnLst/>
-          <a:rect l="0" t="0" r="0" b="0"/>
-          <a:pathLst>
-            <a:path>
-              <a:moveTo>
-                <a:pt x="0" y="0"/>
-              </a:moveTo>
-              <a:lnTo>
-                <a:pt x="0" y="1503201"/>
-              </a:lnTo>
-              <a:lnTo>
-                <a:pt x="150320" y="1503201"/>
-              </a:lnTo>
-            </a:path>
-          </a:pathLst>
-        </a:custGeom>
-        <a:noFill/>
-        <a:ln w="12700" cap="flat" cmpd="sng" algn="ctr">
-          <a:solidFill>
-            <a:schemeClr val="dk2">
-              <a:shade val="60000"/>
-              <a:hueOff val="0"/>
-              <a:satOff val="0"/>
-              <a:lumOff val="0"/>
-              <a:alphaOff val="0"/>
-            </a:schemeClr>
-          </a:solidFill>
-          <a:prstDash val="solid"/>
-          <a:miter lim="800000"/>
-        </a:ln>
-        <a:effectLst/>
-      </dsp:spPr>
-      <dsp:style>
-        <a:lnRef idx="2">
-          <a:scrgbClr r="0" g="0" b="0"/>
-        </a:lnRef>
-        <a:fillRef idx="0">
-          <a:scrgbClr r="0" g="0" b="0"/>
-        </a:fillRef>
-        <a:effectRef idx="0">
-          <a:scrgbClr r="0" g="0" b="0"/>
-        </a:effectRef>
-        <a:fontRef idx="minor"/>
-      </dsp:style>
-    </dsp:sp>
-    <dsp:sp modelId="{8EE165F4-EC6C-4016-86AC-047EA3D6660E}">
-      <dsp:nvSpPr>
-        <dsp:cNvPr id="0" name=""/>
-        <dsp:cNvSpPr/>
-      </dsp:nvSpPr>
-      <dsp:spPr>
-        <a:xfrm>
-          <a:off x="4059953" y="2739369"/>
-          <a:ext cx="1202561" cy="751600"/>
-        </a:xfrm>
-        <a:prstGeom prst="roundRect">
-          <a:avLst>
-            <a:gd name="adj" fmla="val 10000"/>
-          </a:avLst>
-        </a:prstGeom>
-        <a:solidFill>
-          <a:schemeClr val="lt2">
-            <a:alpha val="90000"/>
-            <a:hueOff val="0"/>
-            <a:satOff val="0"/>
-            <a:lumOff val="0"/>
-            <a:alphaOff val="0"/>
-          </a:schemeClr>
-        </a:solidFill>
-        <a:ln w="6350" cap="flat" cmpd="sng" algn="ctr">
-          <a:solidFill>
-            <a:schemeClr val="dk2">
-              <a:hueOff val="0"/>
-              <a:satOff val="0"/>
-              <a:lumOff val="0"/>
-              <a:alphaOff val="0"/>
-            </a:schemeClr>
-          </a:solidFill>
-          <a:prstDash val="solid"/>
-          <a:miter lim="800000"/>
-        </a:ln>
-        <a:effectLst/>
-      </dsp:spPr>
-      <dsp:style>
-        <a:lnRef idx="1">
-          <a:scrgbClr r="0" g="0" b="0"/>
-        </a:lnRef>
-        <a:fillRef idx="1">
-          <a:scrgbClr r="0" g="0" b="0"/>
-        </a:fillRef>
-        <a:effectRef idx="2">
-          <a:scrgbClr r="0" g="0" b="0"/>
-        </a:effectRef>
-        <a:fontRef idx="minor"/>
-      </dsp:style>
-      <dsp:txBody>
-        <a:bodyPr spcFirstLastPara="0" vert="horz" wrap="square" lIns="34290" tIns="22860" rIns="34290" bIns="22860" numCol="1" spcCol="1270" anchor="ctr" anchorCtr="0">
-          <a:noAutofit/>
-        </a:bodyPr>
-        <a:lstStyle/>
-        <a:p>
-          <a:pPr marL="0" lvl="0" indent="0" algn="ctr" defTabSz="800100">
-            <a:lnSpc>
-              <a:spcPct val="90000"/>
-            </a:lnSpc>
-            <a:spcBef>
-              <a:spcPct val="0"/>
-            </a:spcBef>
-            <a:spcAft>
-              <a:spcPct val="35000"/>
-            </a:spcAft>
-            <a:buNone/>
-          </a:pPr>
-          <a:r>
-            <a:rPr lang="it-IT" sz="1800" kern="1200" dirty="0"/>
-            <a:t>Test error:</a:t>
-          </a:r>
-          <a:endParaRPr lang="es-CL" sz="1800" kern="1200" dirty="0"/>
-        </a:p>
-      </dsp:txBody>
-      <dsp:txXfrm>
-        <a:off x="4081967" y="2761383"/>
-        <a:ext cx="1158533" cy="707572"/>
-      </dsp:txXfrm>
-    </dsp:sp>
-    <dsp:sp modelId="{2C41AF9C-3D56-4ED1-BA84-B3F7A4C0652A}">
-      <dsp:nvSpPr>
-        <dsp:cNvPr id="0" name=""/>
-        <dsp:cNvSpPr/>
-      </dsp:nvSpPr>
-      <dsp:spPr>
-        <a:xfrm>
-          <a:off x="5638315" y="860367"/>
-          <a:ext cx="1503201" cy="751600"/>
-        </a:xfrm>
-        <a:prstGeom prst="roundRect">
-          <a:avLst>
-            <a:gd name="adj" fmla="val 10000"/>
-          </a:avLst>
-        </a:prstGeom>
-        <a:gradFill rotWithShape="0">
-          <a:gsLst>
-            <a:gs pos="0">
-              <a:schemeClr val="dk2">
-                <a:hueOff val="0"/>
-                <a:satOff val="0"/>
-                <a:lumOff val="0"/>
-                <a:alphaOff val="0"/>
-                <a:satMod val="103000"/>
-                <a:lumMod val="102000"/>
-                <a:tint val="94000"/>
-              </a:schemeClr>
-            </a:gs>
-            <a:gs pos="50000">
-              <a:schemeClr val="dk2">
-                <a:hueOff val="0"/>
-                <a:satOff val="0"/>
-                <a:lumOff val="0"/>
-                <a:alphaOff val="0"/>
-                <a:satMod val="110000"/>
-                <a:lumMod val="100000"/>
-                <a:shade val="100000"/>
-              </a:schemeClr>
-            </a:gs>
-            <a:gs pos="100000">
-              <a:schemeClr val="dk2">
-                <a:hueOff val="0"/>
-                <a:satOff val="0"/>
-                <a:lumOff val="0"/>
-                <a:alphaOff val="0"/>
-                <a:lumMod val="99000"/>
-                <a:satMod val="120000"/>
-                <a:shade val="78000"/>
-              </a:schemeClr>
-            </a:gs>
-          </a:gsLst>
-          <a:lin ang="5400000" scaled="0"/>
-        </a:gradFill>
-        <a:ln>
-          <a:noFill/>
-        </a:ln>
-        <a:effectLst>
-          <a:outerShdw blurRad="57150" dist="19050" dir="5400000" algn="ctr" rotWithShape="0">
-            <a:srgbClr val="000000">
-              <a:alpha val="63000"/>
-            </a:srgbClr>
-          </a:outerShdw>
-        </a:effectLst>
-      </dsp:spPr>
-      <dsp:style>
-        <a:lnRef idx="0">
-          <a:scrgbClr r="0" g="0" b="0"/>
-        </a:lnRef>
-        <a:fillRef idx="3">
-          <a:scrgbClr r="0" g="0" b="0"/>
-        </a:fillRef>
-        <a:effectRef idx="3">
-          <a:scrgbClr r="0" g="0" b="0"/>
-        </a:effectRef>
-        <a:fontRef idx="minor">
-          <a:schemeClr val="lt1"/>
-        </a:fontRef>
-      </dsp:style>
-      <dsp:txBody>
-        <a:bodyPr spcFirstLastPara="0" vert="horz" wrap="square" lIns="43815" tIns="29210" rIns="43815" bIns="29210" numCol="1" spcCol="1270" anchor="ctr" anchorCtr="0">
-          <a:noAutofit/>
-        </a:bodyPr>
-        <a:lstStyle/>
-        <a:p>
-          <a:pPr marL="0" lvl="0" indent="0" algn="ctr" defTabSz="1022350">
-            <a:lnSpc>
-              <a:spcPct val="90000"/>
-            </a:lnSpc>
-            <a:spcBef>
-              <a:spcPct val="0"/>
-            </a:spcBef>
-            <a:spcAft>
-              <a:spcPct val="35000"/>
-            </a:spcAft>
-            <a:buNone/>
-          </a:pPr>
-          <a:r>
-            <a:rPr lang="it-IT" sz="2300" kern="1200" dirty="0"/>
-            <a:t>…</a:t>
-          </a:r>
-          <a:endParaRPr lang="es-CL" sz="2300" kern="1200" dirty="0"/>
-        </a:p>
-      </dsp:txBody>
-      <dsp:txXfrm>
-        <a:off x="5660329" y="882381"/>
-        <a:ext cx="1459173" cy="707572"/>
-      </dsp:txXfrm>
-    </dsp:sp>
-    <dsp:sp modelId="{4D90285A-D363-4134-A85D-EA0977C7F843}">
-      <dsp:nvSpPr>
-        <dsp:cNvPr id="0" name=""/>
-        <dsp:cNvSpPr/>
-      </dsp:nvSpPr>
-      <dsp:spPr>
-        <a:xfrm>
-          <a:off x="5788635" y="1611968"/>
-          <a:ext cx="150320" cy="563700"/>
-        </a:xfrm>
-        <a:custGeom>
-          <a:avLst/>
-          <a:gdLst/>
-          <a:ahLst/>
-          <a:cxnLst/>
-          <a:rect l="0" t="0" r="0" b="0"/>
-          <a:pathLst>
-            <a:path>
-              <a:moveTo>
-                <a:pt x="0" y="0"/>
-              </a:moveTo>
-              <a:lnTo>
-                <a:pt x="0" y="563700"/>
-              </a:lnTo>
-              <a:lnTo>
-                <a:pt x="150320" y="563700"/>
-              </a:lnTo>
-            </a:path>
-          </a:pathLst>
-        </a:custGeom>
-        <a:noFill/>
-        <a:ln w="12700" cap="flat" cmpd="sng" algn="ctr">
-          <a:solidFill>
-            <a:schemeClr val="dk2">
-              <a:shade val="60000"/>
-              <a:hueOff val="0"/>
-              <a:satOff val="0"/>
-              <a:lumOff val="0"/>
-              <a:alphaOff val="0"/>
-            </a:schemeClr>
-          </a:solidFill>
-          <a:prstDash val="solid"/>
-          <a:miter lim="800000"/>
-        </a:ln>
-        <a:effectLst/>
-      </dsp:spPr>
-      <dsp:style>
-        <a:lnRef idx="2">
-          <a:scrgbClr r="0" g="0" b="0"/>
-        </a:lnRef>
-        <a:fillRef idx="0">
-          <a:scrgbClr r="0" g="0" b="0"/>
-        </a:fillRef>
-        <a:effectRef idx="0">
-          <a:scrgbClr r="0" g="0" b="0"/>
-        </a:effectRef>
-        <a:fontRef idx="minor"/>
-      </dsp:style>
-    </dsp:sp>
-    <dsp:sp modelId="{C90857B4-0509-4EAD-ADEF-6B19F00957FA}">
-      <dsp:nvSpPr>
-        <dsp:cNvPr id="0" name=""/>
-        <dsp:cNvSpPr/>
-      </dsp:nvSpPr>
-      <dsp:spPr>
-        <a:xfrm>
-          <a:off x="5938955" y="1799868"/>
-          <a:ext cx="1202561" cy="751600"/>
-        </a:xfrm>
-        <a:prstGeom prst="roundRect">
-          <a:avLst>
-            <a:gd name="adj" fmla="val 10000"/>
-          </a:avLst>
-        </a:prstGeom>
-        <a:solidFill>
-          <a:schemeClr val="lt2">
-            <a:alpha val="90000"/>
-            <a:hueOff val="0"/>
-            <a:satOff val="0"/>
-            <a:lumOff val="0"/>
-            <a:alphaOff val="0"/>
-          </a:schemeClr>
-        </a:solidFill>
-        <a:ln w="6350" cap="flat" cmpd="sng" algn="ctr">
-          <a:solidFill>
-            <a:schemeClr val="dk2">
-              <a:hueOff val="0"/>
-              <a:satOff val="0"/>
-              <a:lumOff val="0"/>
-              <a:alphaOff val="0"/>
-            </a:schemeClr>
-          </a:solidFill>
-          <a:prstDash val="solid"/>
-          <a:miter lim="800000"/>
-        </a:ln>
-        <a:effectLst/>
-      </dsp:spPr>
-      <dsp:style>
-        <a:lnRef idx="1">
-          <a:scrgbClr r="0" g="0" b="0"/>
-        </a:lnRef>
-        <a:fillRef idx="1">
-          <a:scrgbClr r="0" g="0" b="0"/>
-        </a:fillRef>
-        <a:effectRef idx="2">
-          <a:scrgbClr r="0" g="0" b="0"/>
-        </a:effectRef>
-        <a:fontRef idx="minor"/>
-      </dsp:style>
-      <dsp:txBody>
-        <a:bodyPr spcFirstLastPara="0" vert="horz" wrap="square" lIns="34290" tIns="22860" rIns="34290" bIns="22860" numCol="1" spcCol="1270" anchor="ctr" anchorCtr="0">
-          <a:noAutofit/>
-        </a:bodyPr>
-        <a:lstStyle/>
-        <a:p>
-          <a:pPr marL="0" lvl="0" indent="0" algn="ctr" defTabSz="800100">
-            <a:lnSpc>
-              <a:spcPct val="90000"/>
-            </a:lnSpc>
-            <a:spcBef>
-              <a:spcPct val="0"/>
-            </a:spcBef>
-            <a:spcAft>
-              <a:spcPct val="35000"/>
-            </a:spcAft>
-            <a:buNone/>
-          </a:pPr>
-          <a:r>
-            <a:rPr lang="it-IT" sz="1800" kern="1200" dirty="0"/>
-            <a:t>Train error</a:t>
-          </a:r>
-          <a:endParaRPr lang="es-CL" sz="1800" kern="1200" dirty="0"/>
-        </a:p>
-      </dsp:txBody>
-      <dsp:txXfrm>
-        <a:off x="5960969" y="1821882"/>
-        <a:ext cx="1158533" cy="707572"/>
-      </dsp:txXfrm>
-    </dsp:sp>
-    <dsp:sp modelId="{B85FD9A8-61BC-4F21-9DDE-4404D4A179B6}">
-      <dsp:nvSpPr>
-        <dsp:cNvPr id="0" name=""/>
-        <dsp:cNvSpPr/>
-      </dsp:nvSpPr>
-      <dsp:spPr>
-        <a:xfrm>
-          <a:off x="5788635" y="1611968"/>
-          <a:ext cx="150320" cy="1503201"/>
-        </a:xfrm>
-        <a:custGeom>
-          <a:avLst/>
-          <a:gdLst/>
-          <a:ahLst/>
-          <a:cxnLst/>
-          <a:rect l="0" t="0" r="0" b="0"/>
-          <a:pathLst>
-            <a:path>
-              <a:moveTo>
-                <a:pt x="0" y="0"/>
-              </a:moveTo>
-              <a:lnTo>
-                <a:pt x="0" y="1503201"/>
-              </a:lnTo>
-              <a:lnTo>
-                <a:pt x="150320" y="1503201"/>
-              </a:lnTo>
-            </a:path>
-          </a:pathLst>
-        </a:custGeom>
-        <a:noFill/>
-        <a:ln w="12700" cap="flat" cmpd="sng" algn="ctr">
-          <a:solidFill>
-            <a:schemeClr val="dk2">
-              <a:shade val="60000"/>
-              <a:hueOff val="0"/>
-              <a:satOff val="0"/>
-              <a:lumOff val="0"/>
-              <a:alphaOff val="0"/>
-            </a:schemeClr>
-          </a:solidFill>
-          <a:prstDash val="solid"/>
-          <a:miter lim="800000"/>
-        </a:ln>
-        <a:effectLst/>
-      </dsp:spPr>
-      <dsp:style>
-        <a:lnRef idx="2">
-          <a:scrgbClr r="0" g="0" b="0"/>
-        </a:lnRef>
-        <a:fillRef idx="0">
-          <a:scrgbClr r="0" g="0" b="0"/>
-        </a:fillRef>
-        <a:effectRef idx="0">
-          <a:scrgbClr r="0" g="0" b="0"/>
-        </a:effectRef>
-        <a:fontRef idx="minor"/>
-      </dsp:style>
-    </dsp:sp>
-    <dsp:sp modelId="{E4C16BDA-9C3C-45B8-A75A-2A92965EB775}">
-      <dsp:nvSpPr>
-        <dsp:cNvPr id="0" name=""/>
-        <dsp:cNvSpPr/>
-      </dsp:nvSpPr>
-      <dsp:spPr>
-        <a:xfrm>
-          <a:off x="5938955" y="2739369"/>
-          <a:ext cx="1202561" cy="751600"/>
-        </a:xfrm>
-        <a:prstGeom prst="roundRect">
-          <a:avLst>
-            <a:gd name="adj" fmla="val 10000"/>
-          </a:avLst>
-        </a:prstGeom>
-        <a:solidFill>
-          <a:schemeClr val="lt2">
-            <a:alpha val="90000"/>
-            <a:hueOff val="0"/>
-            <a:satOff val="0"/>
-            <a:lumOff val="0"/>
-            <a:alphaOff val="0"/>
-          </a:schemeClr>
-        </a:solidFill>
-        <a:ln w="6350" cap="flat" cmpd="sng" algn="ctr">
-          <a:solidFill>
-            <a:schemeClr val="dk2">
-              <a:hueOff val="0"/>
-              <a:satOff val="0"/>
-              <a:lumOff val="0"/>
-              <a:alphaOff val="0"/>
-            </a:schemeClr>
-          </a:solidFill>
-          <a:prstDash val="solid"/>
-          <a:miter lim="800000"/>
-        </a:ln>
-        <a:effectLst/>
-      </dsp:spPr>
-      <dsp:style>
-        <a:lnRef idx="1">
-          <a:scrgbClr r="0" g="0" b="0"/>
-        </a:lnRef>
-        <a:fillRef idx="1">
-          <a:scrgbClr r="0" g="0" b="0"/>
-        </a:fillRef>
-        <a:effectRef idx="2">
-          <a:scrgbClr r="0" g="0" b="0"/>
-        </a:effectRef>
-        <a:fontRef idx="minor"/>
-      </dsp:style>
-      <dsp:txBody>
-        <a:bodyPr spcFirstLastPara="0" vert="horz" wrap="square" lIns="34290" tIns="22860" rIns="34290" bIns="22860" numCol="1" spcCol="1270" anchor="ctr" anchorCtr="0">
-          <a:noAutofit/>
-        </a:bodyPr>
-        <a:lstStyle/>
-        <a:p>
-          <a:pPr marL="0" lvl="0" indent="0" algn="ctr" defTabSz="800100">
-            <a:lnSpc>
-              <a:spcPct val="90000"/>
-            </a:lnSpc>
-            <a:spcBef>
-              <a:spcPct val="0"/>
-            </a:spcBef>
-            <a:spcAft>
-              <a:spcPct val="35000"/>
-            </a:spcAft>
-            <a:buNone/>
-          </a:pPr>
-          <a:r>
-            <a:rPr lang="it-IT" sz="1800" kern="1200" dirty="0"/>
-            <a:t>Test error</a:t>
-          </a:r>
-          <a:endParaRPr lang="es-CL" sz="1800" kern="1200" dirty="0"/>
-        </a:p>
-      </dsp:txBody>
-      <dsp:txXfrm>
-        <a:off x="5960969" y="2761383"/>
-        <a:ext cx="1158533" cy="707572"/>
-      </dsp:txXfrm>
-    </dsp:sp>
-  </dsp:spTree>
-</dsp:drawing>
-</file>
-
 <file path=ppt/diagrams/layout1.xml><?xml version="1.0" encoding="utf-8"?>
 <dgm:layoutDef xmlns:dgm="http://schemas.openxmlformats.org/drawingml/2006/diagram" xmlns:a="http://schemas.openxmlformats.org/drawingml/2006/main" uniqueId="urn:microsoft.com/office/officeart/2009/3/layout/HorizontalOrganizationChart">
   <dgm:title val=""/>
@@ -10121,1333 +7394,7 @@
 </dgm:layoutDef>
 </file>
 
-<file path=ppt/diagrams/layout2.xml><?xml version="1.0" encoding="utf-8"?>
-<dgm:layoutDef xmlns:dgm="http://schemas.openxmlformats.org/drawingml/2006/diagram" xmlns:a="http://schemas.openxmlformats.org/drawingml/2006/main" uniqueId="urn:microsoft.com/office/officeart/2005/8/layout/hierarchy3">
-  <dgm:title val=""/>
-  <dgm:desc val=""/>
-  <dgm:catLst>
-    <dgm:cat type="hierarchy" pri="7000"/>
-    <dgm:cat type="list" pri="23000"/>
-    <dgm:cat type="relationship" pri="15000"/>
-    <dgm:cat type="convert" pri="7000"/>
-  </dgm:catLst>
-  <dgm:sampData>
-    <dgm:dataModel>
-      <dgm:ptLst>
-        <dgm:pt modelId="0" type="doc"/>
-        <dgm:pt modelId="1">
-          <dgm:prSet phldr="1"/>
-        </dgm:pt>
-        <dgm:pt modelId="11">
-          <dgm:prSet phldr="1"/>
-        </dgm:pt>
-        <dgm:pt modelId="12">
-          <dgm:prSet phldr="1"/>
-        </dgm:pt>
-        <dgm:pt modelId="2">
-          <dgm:prSet phldr="1"/>
-        </dgm:pt>
-        <dgm:pt modelId="21">
-          <dgm:prSet phldr="1"/>
-        </dgm:pt>
-        <dgm:pt modelId="22">
-          <dgm:prSet phldr="1"/>
-        </dgm:pt>
-      </dgm:ptLst>
-      <dgm:cxnLst>
-        <dgm:cxn modelId="4" srcId="0" destId="1" srcOrd="0" destOrd="0"/>
-        <dgm:cxn modelId="5" srcId="1" destId="11" srcOrd="0" destOrd="0"/>
-        <dgm:cxn modelId="6" srcId="1" destId="12" srcOrd="1" destOrd="0"/>
-        <dgm:cxn modelId="7" srcId="0" destId="2" srcOrd="1" destOrd="0"/>
-        <dgm:cxn modelId="8" srcId="2" destId="21" srcOrd="0" destOrd="0"/>
-        <dgm:cxn modelId="9" srcId="2" destId="22" srcOrd="1" destOrd="0"/>
-      </dgm:cxnLst>
-      <dgm:bg/>
-      <dgm:whole/>
-    </dgm:dataModel>
-  </dgm:sampData>
-  <dgm:styleData>
-    <dgm:dataModel>
-      <dgm:ptLst>
-        <dgm:pt modelId="0" type="doc"/>
-        <dgm:pt modelId="1"/>
-        <dgm:pt modelId="11"/>
-        <dgm:pt modelId="2"/>
-        <dgm:pt modelId="21"/>
-      </dgm:ptLst>
-      <dgm:cxnLst>
-        <dgm:cxn modelId="4" srcId="0" destId="1" srcOrd="0" destOrd="0"/>
-        <dgm:cxn modelId="5" srcId="0" destId="2" srcOrd="1" destOrd="0"/>
-        <dgm:cxn modelId="13" srcId="1" destId="11" srcOrd="0" destOrd="0"/>
-        <dgm:cxn modelId="23" srcId="2" destId="21" srcOrd="0" destOrd="0"/>
-      </dgm:cxnLst>
-      <dgm:bg/>
-      <dgm:whole/>
-    </dgm:dataModel>
-  </dgm:styleData>
-  <dgm:clrData>
-    <dgm:dataModel>
-      <dgm:ptLst>
-        <dgm:pt modelId="0" type="doc"/>
-        <dgm:pt modelId="1"/>
-        <dgm:pt modelId="11"/>
-        <dgm:pt modelId="2"/>
-        <dgm:pt modelId="21"/>
-        <dgm:pt modelId="3"/>
-        <dgm:pt modelId="31"/>
-        <dgm:pt modelId="4"/>
-        <dgm:pt modelId="41"/>
-      </dgm:ptLst>
-      <dgm:cxnLst>
-        <dgm:cxn modelId="5" srcId="0" destId="1" srcOrd="0" destOrd="0"/>
-        <dgm:cxn modelId="6" srcId="0" destId="2" srcOrd="1" destOrd="0"/>
-        <dgm:cxn modelId="7" srcId="0" destId="3" srcOrd="2" destOrd="0"/>
-        <dgm:cxn modelId="8" srcId="0" destId="4" srcOrd="3" destOrd="0"/>
-        <dgm:cxn modelId="13" srcId="1" destId="11" srcOrd="0" destOrd="0"/>
-        <dgm:cxn modelId="23" srcId="2" destId="21" srcOrd="0" destOrd="0"/>
-        <dgm:cxn modelId="33" srcId="3" destId="31" srcOrd="0" destOrd="0"/>
-        <dgm:cxn modelId="43" srcId="4" destId="41" srcOrd="0" destOrd="0"/>
-      </dgm:cxnLst>
-      <dgm:bg/>
-      <dgm:whole/>
-    </dgm:dataModel>
-  </dgm:clrData>
-  <dgm:layoutNode name="diagram">
-    <dgm:varLst>
-      <dgm:chPref val="1"/>
-      <dgm:dir/>
-      <dgm:animOne val="branch"/>
-      <dgm:animLvl val="lvl"/>
-      <dgm:resizeHandles/>
-    </dgm:varLst>
-    <dgm:choose name="Name0">
-      <dgm:if name="Name1" func="var" arg="dir" op="equ" val="norm">
-        <dgm:alg type="hierChild">
-          <dgm:param type="linDir" val="fromL"/>
-        </dgm:alg>
-      </dgm:if>
-      <dgm:else name="Name2">
-        <dgm:alg type="hierChild">
-          <dgm:param type="linDir" val="fromR"/>
-        </dgm:alg>
-      </dgm:else>
-    </dgm:choose>
-    <dgm:shape xmlns:r="http://schemas.openxmlformats.org/officeDocument/2006/relationships" r:blip="">
-      <dgm:adjLst/>
-    </dgm:shape>
-    <dgm:presOf/>
-    <dgm:constrLst>
-      <dgm:constr type="primFontSz" for="des" forName="rootText" op="equ" val="65"/>
-      <dgm:constr type="primFontSz" for="des" forName="childText" op="equ" val="65"/>
-      <dgm:constr type="w" for="des" forName="rootComposite" refType="w"/>
-      <dgm:constr type="h" for="des" forName="rootComposite" refType="w" fact="0.5"/>
-      <dgm:constr type="w" for="des" forName="childText" refType="w" refFor="des" refForName="rootComposite" fact="0.8"/>
-      <dgm:constr type="h" for="des" forName="childText" refType="h" refFor="des" refForName="rootComposite"/>
-      <dgm:constr type="sibSp" refType="w" refFor="des" refForName="rootComposite" fact="0.25"/>
-      <dgm:constr type="sibSp" for="des" forName="childShape" refType="h" refFor="des" refForName="childText" fact="0.25"/>
-      <dgm:constr type="sp" for="des" forName="root" refType="h" refFor="des" refForName="childText" fact="0.25"/>
-    </dgm:constrLst>
-    <dgm:ruleLst/>
-    <dgm:forEach name="Name3" axis="ch">
-      <dgm:forEach name="Name4" axis="self" ptType="node" cnt="1">
-        <dgm:layoutNode name="root">
-          <dgm:choose name="Name5">
-            <dgm:if name="Name6" func="var" arg="dir" op="equ" val="norm">
-              <dgm:alg type="hierRoot">
-                <dgm:param type="hierAlign" val="tL"/>
-              </dgm:alg>
-            </dgm:if>
-            <dgm:else name="Name7">
-              <dgm:alg type="hierRoot">
-                <dgm:param type="hierAlign" val="tR"/>
-              </dgm:alg>
-            </dgm:else>
-          </dgm:choose>
-          <dgm:shape xmlns:r="http://schemas.openxmlformats.org/officeDocument/2006/relationships" r:blip="">
-            <dgm:adjLst/>
-          </dgm:shape>
-          <dgm:presOf/>
-          <dgm:constrLst>
-            <dgm:constr type="alignOff" val="0.2"/>
-          </dgm:constrLst>
-          <dgm:ruleLst/>
-          <dgm:layoutNode name="rootComposite">
-            <dgm:alg type="composite"/>
-            <dgm:shape xmlns:r="http://schemas.openxmlformats.org/officeDocument/2006/relationships" r:blip="">
-              <dgm:adjLst/>
-            </dgm:shape>
-            <dgm:presOf axis="self" ptType="node" cnt="1"/>
-            <dgm:choose name="Name8">
-              <dgm:if name="Name9" func="var" arg="dir" op="equ" val="norm">
-                <dgm:constrLst>
-                  <dgm:constr type="l" for="ch" forName="rootText"/>
-                  <dgm:constr type="t" for="ch" forName="rootText"/>
-                  <dgm:constr type="w" for="ch" forName="rootText" refType="w"/>
-                  <dgm:constr type="h" for="ch" forName="rootText" refType="h"/>
-                  <dgm:constr type="l" for="ch" forName="rootConnector"/>
-                  <dgm:constr type="t" for="ch" forName="rootConnector"/>
-                  <dgm:constr type="w" for="ch" forName="rootConnector" refType="w" refFor="ch" refForName="rootText" fact="0.2"/>
-                  <dgm:constr type="h" for="ch" forName="rootConnector" refType="h" refFor="ch" refForName="rootText"/>
-                </dgm:constrLst>
-              </dgm:if>
-              <dgm:else name="Name10">
-                <dgm:constrLst>
-                  <dgm:constr type="l" for="ch" forName="rootText"/>
-                  <dgm:constr type="t" for="ch" forName="rootText"/>
-                  <dgm:constr type="w" for="ch" forName="rootText" refType="w"/>
-                  <dgm:constr type="h" for="ch" forName="rootText" refType="h"/>
-                  <dgm:constr type="r" for="ch" forName="rootConnector" refType="w"/>
-                  <dgm:constr type="t" for="ch" forName="rootConnector"/>
-                  <dgm:constr type="w" for="ch" forName="rootConnector" refType="w" refFor="ch" refForName="rootText" fact="0.2"/>
-                  <dgm:constr type="h" for="ch" forName="rootConnector" refType="h" refFor="ch" refForName="rootText"/>
-                </dgm:constrLst>
-              </dgm:else>
-            </dgm:choose>
-            <dgm:ruleLst/>
-            <dgm:layoutNode name="rootText" styleLbl="node1">
-              <dgm:alg type="tx"/>
-              <dgm:shape xmlns:r="http://schemas.openxmlformats.org/officeDocument/2006/relationships" type="roundRect" r:blip="">
-                <dgm:adjLst>
-                  <dgm:adj idx="1" val="0.1"/>
-                </dgm:adjLst>
-              </dgm:shape>
-              <dgm:presOf axis="self" ptType="node" cnt="1"/>
-              <dgm:constrLst>
-                <dgm:constr type="tMarg" refType="primFontSz" fact="0.1"/>
-                <dgm:constr type="bMarg" refType="primFontSz" fact="0.1"/>
-                <dgm:constr type="lMarg" refType="primFontSz" fact="0.15"/>
-                <dgm:constr type="rMarg" refType="primFontSz" fact="0.15"/>
-              </dgm:constrLst>
-              <dgm:ruleLst>
-                <dgm:rule type="primFontSz" val="5" fact="NaN" max="NaN"/>
-              </dgm:ruleLst>
-            </dgm:layoutNode>
-            <dgm:layoutNode name="rootConnector" moveWith="rootText">
-              <dgm:alg type="sp"/>
-              <dgm:shape xmlns:r="http://schemas.openxmlformats.org/officeDocument/2006/relationships" type="roundRect" r:blip="" hideGeom="1">
-                <dgm:adjLst>
-                  <dgm:adj idx="1" val="0.1"/>
-                </dgm:adjLst>
-              </dgm:shape>
-              <dgm:presOf axis="self" ptType="node" cnt="1"/>
-              <dgm:constrLst/>
-              <dgm:ruleLst/>
-            </dgm:layoutNode>
-          </dgm:layoutNode>
-          <dgm:layoutNode name="childShape">
-            <dgm:alg type="hierChild">
-              <dgm:param type="chAlign" val="l"/>
-              <dgm:param type="linDir" val="fromT"/>
-            </dgm:alg>
-            <dgm:shape xmlns:r="http://schemas.openxmlformats.org/officeDocument/2006/relationships" r:blip="">
-              <dgm:adjLst/>
-            </dgm:shape>
-            <dgm:presOf/>
-            <dgm:constrLst/>
-            <dgm:ruleLst/>
-            <dgm:forEach name="Name11" axis="ch">
-              <dgm:forEach name="Name12" axis="self" ptType="parTrans" cnt="1">
-                <dgm:layoutNode name="Name13">
-                  <dgm:choose name="Name14">
-                    <dgm:if name="Name15" func="var" arg="dir" op="equ" val="norm">
-                      <dgm:alg type="conn">
-                        <dgm:param type="dim" val="1D"/>
-                        <dgm:param type="endSty" val="noArr"/>
-                        <dgm:param type="connRout" val="bend"/>
-                        <dgm:param type="srcNode" val="rootConnector"/>
-                        <dgm:param type="begPts" val="bCtr"/>
-                        <dgm:param type="endPts" val="midL"/>
-                      </dgm:alg>
-                    </dgm:if>
-                    <dgm:else name="Name16">
-                      <dgm:alg type="conn">
-                        <dgm:param type="dim" val="1D"/>
-                        <dgm:param type="endSty" val="noArr"/>
-                        <dgm:param type="connRout" val="bend"/>
-                        <dgm:param type="srcNode" val="rootConnector"/>
-                        <dgm:param type="begPts" val="bCtr"/>
-                        <dgm:param type="endPts" val="midR"/>
-                      </dgm:alg>
-                    </dgm:else>
-                  </dgm:choose>
-                  <dgm:shape xmlns:r="http://schemas.openxmlformats.org/officeDocument/2006/relationships" type="conn" r:blip="">
-                    <dgm:adjLst/>
-                  </dgm:shape>
-                  <dgm:presOf axis="self"/>
-                  <dgm:constrLst>
-                    <dgm:constr type="begPad"/>
-                    <dgm:constr type="endPad"/>
-                  </dgm:constrLst>
-                  <dgm:ruleLst/>
-                </dgm:layoutNode>
-              </dgm:forEach>
-              <dgm:forEach name="Name17" axis="self" ptType="node">
-                <dgm:layoutNode name="childText" styleLbl="bgAcc1">
-                  <dgm:varLst>
-                    <dgm:bulletEnabled val="1"/>
-                  </dgm:varLst>
-                  <dgm:alg type="tx"/>
-                  <dgm:shape xmlns:r="http://schemas.openxmlformats.org/officeDocument/2006/relationships" type="roundRect" r:blip="">
-                    <dgm:adjLst>
-                      <dgm:adj idx="1" val="0.1"/>
-                    </dgm:adjLst>
-                  </dgm:shape>
-                  <dgm:presOf axis="self desOrSelf" ptType="node node" st="1 1" cnt="1 0"/>
-                  <dgm:constrLst>
-                    <dgm:constr type="tMarg" refType="primFontSz" fact="0.1"/>
-                    <dgm:constr type="bMarg" refType="primFontSz" fact="0.1"/>
-                    <dgm:constr type="lMarg" refType="primFontSz" fact="0.15"/>
-                    <dgm:constr type="rMarg" refType="primFontSz" fact="0.15"/>
-                  </dgm:constrLst>
-                  <dgm:ruleLst>
-                    <dgm:rule type="primFontSz" val="5" fact="NaN" max="NaN"/>
-                  </dgm:ruleLst>
-                </dgm:layoutNode>
-              </dgm:forEach>
-            </dgm:forEach>
-          </dgm:layoutNode>
-        </dgm:layoutNode>
-      </dgm:forEach>
-    </dgm:forEach>
-  </dgm:layoutNode>
-</dgm:layoutDef>
-</file>
-
 <file path=ppt/diagrams/quickStyle1.xml><?xml version="1.0" encoding="utf-8"?>
-<dgm:styleDef xmlns:dgm="http://schemas.openxmlformats.org/drawingml/2006/diagram" xmlns:a="http://schemas.openxmlformats.org/drawingml/2006/main" uniqueId="urn:microsoft.com/office/officeart/2005/8/quickstyle/simple5">
-  <dgm:title val=""/>
-  <dgm:desc val=""/>
-  <dgm:catLst>
-    <dgm:cat type="simple" pri="10500"/>
-  </dgm:catLst>
-  <dgm:scene3d>
-    <a:camera prst="orthographicFront"/>
-    <a:lightRig rig="threePt" dir="t"/>
-  </dgm:scene3d>
-  <dgm:styleLbl name="node0">
-    <dgm:scene3d>
-      <a:camera prst="orthographicFront"/>
-      <a:lightRig rig="threePt" dir="t"/>
-    </dgm:scene3d>
-    <dgm:sp3d/>
-    <dgm:txPr/>
-    <dgm:style>
-      <a:lnRef idx="0">
-        <a:scrgbClr r="0" g="0" b="0"/>
-      </a:lnRef>
-      <a:fillRef idx="3">
-        <a:scrgbClr r="0" g="0" b="0"/>
-      </a:fillRef>
-      <a:effectRef idx="3">
-        <a:scrgbClr r="0" g="0" b="0"/>
-      </a:effectRef>
-      <a:fontRef idx="minor">
-        <a:schemeClr val="lt1"/>
-      </a:fontRef>
-    </dgm:style>
-  </dgm:styleLbl>
-  <dgm:styleLbl name="lnNode1">
-    <dgm:scene3d>
-      <a:camera prst="orthographicFront"/>
-      <a:lightRig rig="threePt" dir="t"/>
-    </dgm:scene3d>
-    <dgm:sp3d/>
-    <dgm:txPr/>
-    <dgm:style>
-      <a:lnRef idx="0">
-        <a:scrgbClr r="0" g="0" b="0"/>
-      </a:lnRef>
-      <a:fillRef idx="3">
-        <a:scrgbClr r="0" g="0" b="0"/>
-      </a:fillRef>
-      <a:effectRef idx="3">
-        <a:scrgbClr r="0" g="0" b="0"/>
-      </a:effectRef>
-      <a:fontRef idx="minor">
-        <a:schemeClr val="lt1"/>
-      </a:fontRef>
-    </dgm:style>
-  </dgm:styleLbl>
-  <dgm:styleLbl name="vennNode1">
-    <dgm:scene3d>
-      <a:camera prst="orthographicFront"/>
-      <a:lightRig rig="threePt" dir="t"/>
-    </dgm:scene3d>
-    <dgm:sp3d/>
-    <dgm:txPr/>
-    <dgm:style>
-      <a:lnRef idx="0">
-        <a:scrgbClr r="0" g="0" b="0"/>
-      </a:lnRef>
-      <a:fillRef idx="3">
-        <a:scrgbClr r="0" g="0" b="0"/>
-      </a:fillRef>
-      <a:effectRef idx="3">
-        <a:scrgbClr r="0" g="0" b="0"/>
-      </a:effectRef>
-      <a:fontRef idx="minor">
-        <a:schemeClr val="tx1"/>
-      </a:fontRef>
-    </dgm:style>
-  </dgm:styleLbl>
-  <dgm:styleLbl name="alignNode1">
-    <dgm:scene3d>
-      <a:camera prst="orthographicFront"/>
-      <a:lightRig rig="threePt" dir="t"/>
-    </dgm:scene3d>
-    <dgm:sp3d/>
-    <dgm:txPr/>
-    <dgm:style>
-      <a:lnRef idx="1">
-        <a:scrgbClr r="0" g="0" b="0"/>
-      </a:lnRef>
-      <a:fillRef idx="3">
-        <a:scrgbClr r="0" g="0" b="0"/>
-      </a:fillRef>
-      <a:effectRef idx="3">
-        <a:scrgbClr r="0" g="0" b="0"/>
-      </a:effectRef>
-      <a:fontRef idx="minor">
-        <a:schemeClr val="lt1"/>
-      </a:fontRef>
-    </dgm:style>
-  </dgm:styleLbl>
-  <dgm:styleLbl name="node1">
-    <dgm:scene3d>
-      <a:camera prst="orthographicFront"/>
-      <a:lightRig rig="threePt" dir="t"/>
-    </dgm:scene3d>
-    <dgm:sp3d/>
-    <dgm:txPr/>
-    <dgm:style>
-      <a:lnRef idx="0">
-        <a:scrgbClr r="0" g="0" b="0"/>
-      </a:lnRef>
-      <a:fillRef idx="3">
-        <a:scrgbClr r="0" g="0" b="0"/>
-      </a:fillRef>
-      <a:effectRef idx="3">
-        <a:scrgbClr r="0" g="0" b="0"/>
-      </a:effectRef>
-      <a:fontRef idx="minor">
-        <a:schemeClr val="lt1"/>
-      </a:fontRef>
-    </dgm:style>
-  </dgm:styleLbl>
-  <dgm:styleLbl name="node2">
-    <dgm:scene3d>
-      <a:camera prst="orthographicFront"/>
-      <a:lightRig rig="threePt" dir="t"/>
-    </dgm:scene3d>
-    <dgm:sp3d/>
-    <dgm:txPr/>
-    <dgm:style>
-      <a:lnRef idx="0">
-        <a:scrgbClr r="0" g="0" b="0"/>
-      </a:lnRef>
-      <a:fillRef idx="3">
-        <a:scrgbClr r="0" g="0" b="0"/>
-      </a:fillRef>
-      <a:effectRef idx="3">
-        <a:scrgbClr r="0" g="0" b="0"/>
-      </a:effectRef>
-      <a:fontRef idx="minor">
-        <a:schemeClr val="lt1"/>
-      </a:fontRef>
-    </dgm:style>
-  </dgm:styleLbl>
-  <dgm:styleLbl name="node3">
-    <dgm:scene3d>
-      <a:camera prst="orthographicFront"/>
-      <a:lightRig rig="threePt" dir="t"/>
-    </dgm:scene3d>
-    <dgm:sp3d/>
-    <dgm:txPr/>
-    <dgm:style>
-      <a:lnRef idx="0">
-        <a:scrgbClr r="0" g="0" b="0"/>
-      </a:lnRef>
-      <a:fillRef idx="3">
-        <a:scrgbClr r="0" g="0" b="0"/>
-      </a:fillRef>
-      <a:effectRef idx="3">
-        <a:scrgbClr r="0" g="0" b="0"/>
-      </a:effectRef>
-      <a:fontRef idx="minor">
-        <a:schemeClr val="lt1"/>
-      </a:fontRef>
-    </dgm:style>
-  </dgm:styleLbl>
-  <dgm:styleLbl name="node4">
-    <dgm:scene3d>
-      <a:camera prst="orthographicFront"/>
-      <a:lightRig rig="threePt" dir="t"/>
-    </dgm:scene3d>
-    <dgm:sp3d/>
-    <dgm:txPr/>
-    <dgm:style>
-      <a:lnRef idx="0">
-        <a:scrgbClr r="0" g="0" b="0"/>
-      </a:lnRef>
-      <a:fillRef idx="3">
-        <a:scrgbClr r="0" g="0" b="0"/>
-      </a:fillRef>
-      <a:effectRef idx="3">
-        <a:scrgbClr r="0" g="0" b="0"/>
-      </a:effectRef>
-      <a:fontRef idx="minor">
-        <a:schemeClr val="lt1"/>
-      </a:fontRef>
-    </dgm:style>
-  </dgm:styleLbl>
-  <dgm:styleLbl name="fgImgPlace1">
-    <dgm:scene3d>
-      <a:camera prst="orthographicFront"/>
-      <a:lightRig rig="threePt" dir="t"/>
-    </dgm:scene3d>
-    <dgm:sp3d/>
-    <dgm:txPr/>
-    <dgm:style>
-      <a:lnRef idx="0">
-        <a:scrgbClr r="0" g="0" b="0"/>
-      </a:lnRef>
-      <a:fillRef idx="1">
-        <a:scrgbClr r="0" g="0" b="0"/>
-      </a:fillRef>
-      <a:effectRef idx="3">
-        <a:scrgbClr r="0" g="0" b="0"/>
-      </a:effectRef>
-      <a:fontRef idx="minor"/>
-    </dgm:style>
-  </dgm:styleLbl>
-  <dgm:styleLbl name="alignImgPlace1">
-    <dgm:scene3d>
-      <a:camera prst="orthographicFront"/>
-      <a:lightRig rig="threePt" dir="t"/>
-    </dgm:scene3d>
-    <dgm:sp3d/>
-    <dgm:txPr/>
-    <dgm:style>
-      <a:lnRef idx="0">
-        <a:scrgbClr r="0" g="0" b="0"/>
-      </a:lnRef>
-      <a:fillRef idx="1">
-        <a:scrgbClr r="0" g="0" b="0"/>
-      </a:fillRef>
-      <a:effectRef idx="3">
-        <a:scrgbClr r="0" g="0" b="0"/>
-      </a:effectRef>
-      <a:fontRef idx="minor"/>
-    </dgm:style>
-  </dgm:styleLbl>
-  <dgm:styleLbl name="bgImgPlace1">
-    <dgm:scene3d>
-      <a:camera prst="orthographicFront"/>
-      <a:lightRig rig="threePt" dir="t"/>
-    </dgm:scene3d>
-    <dgm:sp3d/>
-    <dgm:txPr/>
-    <dgm:style>
-      <a:lnRef idx="0">
-        <a:scrgbClr r="0" g="0" b="0"/>
-      </a:lnRef>
-      <a:fillRef idx="1">
-        <a:scrgbClr r="0" g="0" b="0"/>
-      </a:fillRef>
-      <a:effectRef idx="3">
-        <a:scrgbClr r="0" g="0" b="0"/>
-      </a:effectRef>
-      <a:fontRef idx="minor"/>
-    </dgm:style>
-  </dgm:styleLbl>
-  <dgm:styleLbl name="sibTrans2D1">
-    <dgm:scene3d>
-      <a:camera prst="orthographicFront"/>
-      <a:lightRig rig="threePt" dir="t"/>
-    </dgm:scene3d>
-    <dgm:sp3d/>
-    <dgm:txPr/>
-    <dgm:style>
-      <a:lnRef idx="0">
-        <a:scrgbClr r="0" g="0" b="0"/>
-      </a:lnRef>
-      <a:fillRef idx="3">
-        <a:scrgbClr r="0" g="0" b="0"/>
-      </a:fillRef>
-      <a:effectRef idx="3">
-        <a:scrgbClr r="0" g="0" b="0"/>
-      </a:effectRef>
-      <a:fontRef idx="minor">
-        <a:schemeClr val="lt1"/>
-      </a:fontRef>
-    </dgm:style>
-  </dgm:styleLbl>
-  <dgm:styleLbl name="fgSibTrans2D1">
-    <dgm:scene3d>
-      <a:camera prst="orthographicFront"/>
-      <a:lightRig rig="threePt" dir="t"/>
-    </dgm:scene3d>
-    <dgm:sp3d/>
-    <dgm:txPr/>
-    <dgm:style>
-      <a:lnRef idx="0">
-        <a:scrgbClr r="0" g="0" b="0"/>
-      </a:lnRef>
-      <a:fillRef idx="3">
-        <a:scrgbClr r="0" g="0" b="0"/>
-      </a:fillRef>
-      <a:effectRef idx="3">
-        <a:scrgbClr r="0" g="0" b="0"/>
-      </a:effectRef>
-      <a:fontRef idx="minor">
-        <a:schemeClr val="lt1"/>
-      </a:fontRef>
-    </dgm:style>
-  </dgm:styleLbl>
-  <dgm:styleLbl name="bgSibTrans2D1">
-    <dgm:scene3d>
-      <a:camera prst="orthographicFront"/>
-      <a:lightRig rig="threePt" dir="t"/>
-    </dgm:scene3d>
-    <dgm:sp3d/>
-    <dgm:txPr/>
-    <dgm:style>
-      <a:lnRef idx="0">
-        <a:scrgbClr r="0" g="0" b="0"/>
-      </a:lnRef>
-      <a:fillRef idx="3">
-        <a:scrgbClr r="0" g="0" b="0"/>
-      </a:fillRef>
-      <a:effectRef idx="3">
-        <a:scrgbClr r="0" g="0" b="0"/>
-      </a:effectRef>
-      <a:fontRef idx="minor">
-        <a:schemeClr val="lt1"/>
-      </a:fontRef>
-    </dgm:style>
-  </dgm:styleLbl>
-  <dgm:styleLbl name="sibTrans1D1">
-    <dgm:scene3d>
-      <a:camera prst="orthographicFront"/>
-      <a:lightRig rig="threePt" dir="t"/>
-    </dgm:scene3d>
-    <dgm:sp3d/>
-    <dgm:txPr/>
-    <dgm:style>
-      <a:lnRef idx="1">
-        <a:scrgbClr r="0" g="0" b="0"/>
-      </a:lnRef>
-      <a:fillRef idx="0">
-        <a:scrgbClr r="0" g="0" b="0"/>
-      </a:fillRef>
-      <a:effectRef idx="0">
-        <a:scrgbClr r="0" g="0" b="0"/>
-      </a:effectRef>
-      <a:fontRef idx="minor"/>
-    </dgm:style>
-  </dgm:styleLbl>
-  <dgm:styleLbl name="callout">
-    <dgm:scene3d>
-      <a:camera prst="orthographicFront"/>
-      <a:lightRig rig="threePt" dir="t"/>
-    </dgm:scene3d>
-    <dgm:sp3d/>
-    <dgm:txPr/>
-    <dgm:style>
-      <a:lnRef idx="1">
-        <a:scrgbClr r="0" g="0" b="0"/>
-      </a:lnRef>
-      <a:fillRef idx="0">
-        <a:scrgbClr r="0" g="0" b="0"/>
-      </a:fillRef>
-      <a:effectRef idx="1">
-        <a:scrgbClr r="0" g="0" b="0"/>
-      </a:effectRef>
-      <a:fontRef idx="minor"/>
-    </dgm:style>
-  </dgm:styleLbl>
-  <dgm:styleLbl name="asst0">
-    <dgm:scene3d>
-      <a:camera prst="orthographicFront"/>
-      <a:lightRig rig="threePt" dir="t"/>
-    </dgm:scene3d>
-    <dgm:sp3d/>
-    <dgm:txPr/>
-    <dgm:style>
-      <a:lnRef idx="0">
-        <a:scrgbClr r="0" g="0" b="0"/>
-      </a:lnRef>
-      <a:fillRef idx="3">
-        <a:scrgbClr r="0" g="0" b="0"/>
-      </a:fillRef>
-      <a:effectRef idx="3">
-        <a:scrgbClr r="0" g="0" b="0"/>
-      </a:effectRef>
-      <a:fontRef idx="minor">
-        <a:schemeClr val="lt1"/>
-      </a:fontRef>
-    </dgm:style>
-  </dgm:styleLbl>
-  <dgm:styleLbl name="asst1">
-    <dgm:scene3d>
-      <a:camera prst="orthographicFront"/>
-      <a:lightRig rig="threePt" dir="t"/>
-    </dgm:scene3d>
-    <dgm:sp3d/>
-    <dgm:txPr/>
-    <dgm:style>
-      <a:lnRef idx="0">
-        <a:scrgbClr r="0" g="0" b="0"/>
-      </a:lnRef>
-      <a:fillRef idx="3">
-        <a:scrgbClr r="0" g="0" b="0"/>
-      </a:fillRef>
-      <a:effectRef idx="3">
-        <a:scrgbClr r="0" g="0" b="0"/>
-      </a:effectRef>
-      <a:fontRef idx="minor">
-        <a:schemeClr val="lt1"/>
-      </a:fontRef>
-    </dgm:style>
-  </dgm:styleLbl>
-  <dgm:styleLbl name="asst2">
-    <dgm:scene3d>
-      <a:camera prst="orthographicFront"/>
-      <a:lightRig rig="threePt" dir="t"/>
-    </dgm:scene3d>
-    <dgm:sp3d/>
-    <dgm:txPr/>
-    <dgm:style>
-      <a:lnRef idx="0">
-        <a:scrgbClr r="0" g="0" b="0"/>
-      </a:lnRef>
-      <a:fillRef idx="3">
-        <a:scrgbClr r="0" g="0" b="0"/>
-      </a:fillRef>
-      <a:effectRef idx="3">
-        <a:scrgbClr r="0" g="0" b="0"/>
-      </a:effectRef>
-      <a:fontRef idx="minor">
-        <a:schemeClr val="lt1"/>
-      </a:fontRef>
-    </dgm:style>
-  </dgm:styleLbl>
-  <dgm:styleLbl name="asst3">
-    <dgm:scene3d>
-      <a:camera prst="orthographicFront"/>
-      <a:lightRig rig="threePt" dir="t"/>
-    </dgm:scene3d>
-    <dgm:sp3d/>
-    <dgm:txPr/>
-    <dgm:style>
-      <a:lnRef idx="0">
-        <a:scrgbClr r="0" g="0" b="0"/>
-      </a:lnRef>
-      <a:fillRef idx="3">
-        <a:scrgbClr r="0" g="0" b="0"/>
-      </a:fillRef>
-      <a:effectRef idx="3">
-        <a:scrgbClr r="0" g="0" b="0"/>
-      </a:effectRef>
-      <a:fontRef idx="minor">
-        <a:schemeClr val="lt1"/>
-      </a:fontRef>
-    </dgm:style>
-  </dgm:styleLbl>
-  <dgm:styleLbl name="asst4">
-    <dgm:scene3d>
-      <a:camera prst="orthographicFront"/>
-      <a:lightRig rig="threePt" dir="t"/>
-    </dgm:scene3d>
-    <dgm:sp3d/>
-    <dgm:txPr/>
-    <dgm:style>
-      <a:lnRef idx="0">
-        <a:scrgbClr r="0" g="0" b="0"/>
-      </a:lnRef>
-      <a:fillRef idx="3">
-        <a:scrgbClr r="0" g="0" b="0"/>
-      </a:fillRef>
-      <a:effectRef idx="3">
-        <a:scrgbClr r="0" g="0" b="0"/>
-      </a:effectRef>
-      <a:fontRef idx="minor">
-        <a:schemeClr val="lt1"/>
-      </a:fontRef>
-    </dgm:style>
-  </dgm:styleLbl>
-  <dgm:styleLbl name="parChTrans2D1">
-    <dgm:scene3d>
-      <a:camera prst="orthographicFront"/>
-      <a:lightRig rig="threePt" dir="t"/>
-    </dgm:scene3d>
-    <dgm:sp3d/>
-    <dgm:txPr/>
-    <dgm:style>
-      <a:lnRef idx="0">
-        <a:scrgbClr r="0" g="0" b="0"/>
-      </a:lnRef>
-      <a:fillRef idx="3">
-        <a:scrgbClr r="0" g="0" b="0"/>
-      </a:fillRef>
-      <a:effectRef idx="3">
-        <a:scrgbClr r="0" g="0" b="0"/>
-      </a:effectRef>
-      <a:fontRef idx="minor">
-        <a:schemeClr val="lt1"/>
-      </a:fontRef>
-    </dgm:style>
-  </dgm:styleLbl>
-  <dgm:styleLbl name="parChTrans2D2">
-    <dgm:scene3d>
-      <a:camera prst="orthographicFront"/>
-      <a:lightRig rig="threePt" dir="t"/>
-    </dgm:scene3d>
-    <dgm:sp3d/>
-    <dgm:txPr/>
-    <dgm:style>
-      <a:lnRef idx="0">
-        <a:scrgbClr r="0" g="0" b="0"/>
-      </a:lnRef>
-      <a:fillRef idx="3">
-        <a:scrgbClr r="0" g="0" b="0"/>
-      </a:fillRef>
-      <a:effectRef idx="3">
-        <a:scrgbClr r="0" g="0" b="0"/>
-      </a:effectRef>
-      <a:fontRef idx="minor">
-        <a:schemeClr val="lt1"/>
-      </a:fontRef>
-    </dgm:style>
-  </dgm:styleLbl>
-  <dgm:styleLbl name="parChTrans2D3">
-    <dgm:scene3d>
-      <a:camera prst="orthographicFront"/>
-      <a:lightRig rig="threePt" dir="t"/>
-    </dgm:scene3d>
-    <dgm:sp3d/>
-    <dgm:txPr/>
-    <dgm:style>
-      <a:lnRef idx="0">
-        <a:scrgbClr r="0" g="0" b="0"/>
-      </a:lnRef>
-      <a:fillRef idx="3">
-        <a:scrgbClr r="0" g="0" b="0"/>
-      </a:fillRef>
-      <a:effectRef idx="3">
-        <a:scrgbClr r="0" g="0" b="0"/>
-      </a:effectRef>
-      <a:fontRef idx="minor">
-        <a:schemeClr val="lt1"/>
-      </a:fontRef>
-    </dgm:style>
-  </dgm:styleLbl>
-  <dgm:styleLbl name="parChTrans2D4">
-    <dgm:scene3d>
-      <a:camera prst="orthographicFront"/>
-      <a:lightRig rig="threePt" dir="t"/>
-    </dgm:scene3d>
-    <dgm:sp3d/>
-    <dgm:txPr/>
-    <dgm:style>
-      <a:lnRef idx="0">
-        <a:scrgbClr r="0" g="0" b="0"/>
-      </a:lnRef>
-      <a:fillRef idx="3">
-        <a:scrgbClr r="0" g="0" b="0"/>
-      </a:fillRef>
-      <a:effectRef idx="3">
-        <a:scrgbClr r="0" g="0" b="0"/>
-      </a:effectRef>
-      <a:fontRef idx="minor">
-        <a:schemeClr val="lt1"/>
-      </a:fontRef>
-    </dgm:style>
-  </dgm:styleLbl>
-  <dgm:styleLbl name="parChTrans1D1">
-    <dgm:scene3d>
-      <a:camera prst="orthographicFront"/>
-      <a:lightRig rig="threePt" dir="t"/>
-    </dgm:scene3d>
-    <dgm:sp3d/>
-    <dgm:txPr/>
-    <dgm:style>
-      <a:lnRef idx="2">
-        <a:scrgbClr r="0" g="0" b="0"/>
-      </a:lnRef>
-      <a:fillRef idx="0">
-        <a:scrgbClr r="0" g="0" b="0"/>
-      </a:fillRef>
-      <a:effectRef idx="0">
-        <a:scrgbClr r="0" g="0" b="0"/>
-      </a:effectRef>
-      <a:fontRef idx="minor"/>
-    </dgm:style>
-  </dgm:styleLbl>
-  <dgm:styleLbl name="parChTrans1D2">
-    <dgm:scene3d>
-      <a:camera prst="orthographicFront"/>
-      <a:lightRig rig="threePt" dir="t"/>
-    </dgm:scene3d>
-    <dgm:sp3d/>
-    <dgm:txPr/>
-    <dgm:style>
-      <a:lnRef idx="2">
-        <a:scrgbClr r="0" g="0" b="0"/>
-      </a:lnRef>
-      <a:fillRef idx="0">
-        <a:scrgbClr r="0" g="0" b="0"/>
-      </a:fillRef>
-      <a:effectRef idx="0">
-        <a:scrgbClr r="0" g="0" b="0"/>
-      </a:effectRef>
-      <a:fontRef idx="minor"/>
-    </dgm:style>
-  </dgm:styleLbl>
-  <dgm:styleLbl name="parChTrans1D3">
-    <dgm:scene3d>
-      <a:camera prst="orthographicFront"/>
-      <a:lightRig rig="threePt" dir="t"/>
-    </dgm:scene3d>
-    <dgm:sp3d/>
-    <dgm:txPr/>
-    <dgm:style>
-      <a:lnRef idx="2">
-        <a:scrgbClr r="0" g="0" b="0"/>
-      </a:lnRef>
-      <a:fillRef idx="0">
-        <a:scrgbClr r="0" g="0" b="0"/>
-      </a:fillRef>
-      <a:effectRef idx="0">
-        <a:scrgbClr r="0" g="0" b="0"/>
-      </a:effectRef>
-      <a:fontRef idx="minor"/>
-    </dgm:style>
-  </dgm:styleLbl>
-  <dgm:styleLbl name="parChTrans1D4">
-    <dgm:scene3d>
-      <a:camera prst="orthographicFront"/>
-      <a:lightRig rig="threePt" dir="t"/>
-    </dgm:scene3d>
-    <dgm:sp3d/>
-    <dgm:txPr/>
-    <dgm:style>
-      <a:lnRef idx="2">
-        <a:scrgbClr r="0" g="0" b="0"/>
-      </a:lnRef>
-      <a:fillRef idx="0">
-        <a:scrgbClr r="0" g="0" b="0"/>
-      </a:fillRef>
-      <a:effectRef idx="0">
-        <a:scrgbClr r="0" g="0" b="0"/>
-      </a:effectRef>
-      <a:fontRef idx="minor"/>
-    </dgm:style>
-  </dgm:styleLbl>
-  <dgm:styleLbl name="fgAcc1">
-    <dgm:scene3d>
-      <a:camera prst="orthographicFront"/>
-      <a:lightRig rig="threePt" dir="t"/>
-    </dgm:scene3d>
-    <dgm:sp3d/>
-    <dgm:txPr/>
-    <dgm:style>
-      <a:lnRef idx="1">
-        <a:scrgbClr r="0" g="0" b="0"/>
-      </a:lnRef>
-      <a:fillRef idx="1">
-        <a:scrgbClr r="0" g="0" b="0"/>
-      </a:fillRef>
-      <a:effectRef idx="2">
-        <a:scrgbClr r="0" g="0" b="0"/>
-      </a:effectRef>
-      <a:fontRef idx="minor"/>
-    </dgm:style>
-  </dgm:styleLbl>
-  <dgm:styleLbl name="conFgAcc1">
-    <dgm:scene3d>
-      <a:camera prst="orthographicFront"/>
-      <a:lightRig rig="threePt" dir="t"/>
-    </dgm:scene3d>
-    <dgm:sp3d/>
-    <dgm:txPr/>
-    <dgm:style>
-      <a:lnRef idx="1">
-        <a:scrgbClr r="0" g="0" b="0"/>
-      </a:lnRef>
-      <a:fillRef idx="1">
-        <a:scrgbClr r="0" g="0" b="0"/>
-      </a:fillRef>
-      <a:effectRef idx="2">
-        <a:scrgbClr r="0" g="0" b="0"/>
-      </a:effectRef>
-      <a:fontRef idx="minor"/>
-    </dgm:style>
-  </dgm:styleLbl>
-  <dgm:styleLbl name="alignAcc1">
-    <dgm:scene3d>
-      <a:camera prst="orthographicFront"/>
-      <a:lightRig rig="threePt" dir="t"/>
-    </dgm:scene3d>
-    <dgm:sp3d/>
-    <dgm:txPr/>
-    <dgm:style>
-      <a:lnRef idx="1">
-        <a:scrgbClr r="0" g="0" b="0"/>
-      </a:lnRef>
-      <a:fillRef idx="1">
-        <a:scrgbClr r="0" g="0" b="0"/>
-      </a:fillRef>
-      <a:effectRef idx="2">
-        <a:scrgbClr r="0" g="0" b="0"/>
-      </a:effectRef>
-      <a:fontRef idx="minor"/>
-    </dgm:style>
-  </dgm:styleLbl>
-  <dgm:styleLbl name="trAlignAcc1">
-    <dgm:scene3d>
-      <a:camera prst="orthographicFront"/>
-      <a:lightRig rig="threePt" dir="t"/>
-    </dgm:scene3d>
-    <dgm:sp3d/>
-    <dgm:txPr/>
-    <dgm:style>
-      <a:lnRef idx="1">
-        <a:scrgbClr r="0" g="0" b="0"/>
-      </a:lnRef>
-      <a:fillRef idx="1">
-        <a:scrgbClr r="0" g="0" b="0"/>
-      </a:fillRef>
-      <a:effectRef idx="0">
-        <a:scrgbClr r="0" g="0" b="0"/>
-      </a:effectRef>
-      <a:fontRef idx="minor"/>
-    </dgm:style>
-  </dgm:styleLbl>
-  <dgm:styleLbl name="bgAcc1">
-    <dgm:scene3d>
-      <a:camera prst="orthographicFront"/>
-      <a:lightRig rig="threePt" dir="t"/>
-    </dgm:scene3d>
-    <dgm:sp3d/>
-    <dgm:txPr/>
-    <dgm:style>
-      <a:lnRef idx="1">
-        <a:scrgbClr r="0" g="0" b="0"/>
-      </a:lnRef>
-      <a:fillRef idx="1">
-        <a:scrgbClr r="0" g="0" b="0"/>
-      </a:fillRef>
-      <a:effectRef idx="2">
-        <a:scrgbClr r="0" g="0" b="0"/>
-      </a:effectRef>
-      <a:fontRef idx="minor"/>
-    </dgm:style>
-  </dgm:styleLbl>
-  <dgm:styleLbl name="solidFgAcc1">
-    <dgm:scene3d>
-      <a:camera prst="orthographicFront"/>
-      <a:lightRig rig="threePt" dir="t"/>
-    </dgm:scene3d>
-    <dgm:sp3d/>
-    <dgm:txPr/>
-    <dgm:style>
-      <a:lnRef idx="1">
-        <a:scrgbClr r="0" g="0" b="0"/>
-      </a:lnRef>
-      <a:fillRef idx="1">
-        <a:scrgbClr r="0" g="0" b="0"/>
-      </a:fillRef>
-      <a:effectRef idx="2">
-        <a:scrgbClr r="0" g="0" b="0"/>
-      </a:effectRef>
-      <a:fontRef idx="minor"/>
-    </dgm:style>
-  </dgm:styleLbl>
-  <dgm:styleLbl name="solidAlignAcc1">
-    <dgm:scene3d>
-      <a:camera prst="orthographicFront"/>
-      <a:lightRig rig="threePt" dir="t"/>
-    </dgm:scene3d>
-    <dgm:sp3d/>
-    <dgm:txPr/>
-    <dgm:style>
-      <a:lnRef idx="1">
-        <a:scrgbClr r="0" g="0" b="0"/>
-      </a:lnRef>
-      <a:fillRef idx="1">
-        <a:scrgbClr r="0" g="0" b="0"/>
-      </a:fillRef>
-      <a:effectRef idx="3">
-        <a:scrgbClr r="0" g="0" b="0"/>
-      </a:effectRef>
-      <a:fontRef idx="minor"/>
-    </dgm:style>
-  </dgm:styleLbl>
-  <dgm:styleLbl name="solidBgAcc1">
-    <dgm:scene3d>
-      <a:camera prst="orthographicFront"/>
-      <a:lightRig rig="threePt" dir="t"/>
-    </dgm:scene3d>
-    <dgm:sp3d/>
-    <dgm:txPr/>
-    <dgm:style>
-      <a:lnRef idx="1">
-        <a:scrgbClr r="0" g="0" b="0"/>
-      </a:lnRef>
-      <a:fillRef idx="1">
-        <a:scrgbClr r="0" g="0" b="0"/>
-      </a:fillRef>
-      <a:effectRef idx="3">
-        <a:scrgbClr r="0" g="0" b="0"/>
-      </a:effectRef>
-      <a:fontRef idx="minor"/>
-    </dgm:style>
-  </dgm:styleLbl>
-  <dgm:styleLbl name="fgAccFollowNode1">
-    <dgm:scene3d>
-      <a:camera prst="orthographicFront"/>
-      <a:lightRig rig="threePt" dir="t"/>
-    </dgm:scene3d>
-    <dgm:sp3d/>
-    <dgm:txPr/>
-    <dgm:style>
-      <a:lnRef idx="1">
-        <a:scrgbClr r="0" g="0" b="0"/>
-      </a:lnRef>
-      <a:fillRef idx="1">
-        <a:scrgbClr r="0" g="0" b="0"/>
-      </a:fillRef>
-      <a:effectRef idx="2">
-        <a:scrgbClr r="0" g="0" b="0"/>
-      </a:effectRef>
-      <a:fontRef idx="minor"/>
-    </dgm:style>
-  </dgm:styleLbl>
-  <dgm:styleLbl name="alignAccFollowNode1">
-    <dgm:scene3d>
-      <a:camera prst="orthographicFront"/>
-      <a:lightRig rig="threePt" dir="t"/>
-    </dgm:scene3d>
-    <dgm:sp3d/>
-    <dgm:txPr/>
-    <dgm:style>
-      <a:lnRef idx="1">
-        <a:scrgbClr r="0" g="0" b="0"/>
-      </a:lnRef>
-      <a:fillRef idx="1">
-        <a:scrgbClr r="0" g="0" b="0"/>
-      </a:fillRef>
-      <a:effectRef idx="2">
-        <a:scrgbClr r="0" g="0" b="0"/>
-      </a:effectRef>
-      <a:fontRef idx="minor"/>
-    </dgm:style>
-  </dgm:styleLbl>
-  <dgm:styleLbl name="bgAccFollowNode1">
-    <dgm:scene3d>
-      <a:camera prst="orthographicFront"/>
-      <a:lightRig rig="threePt" dir="t"/>
-    </dgm:scene3d>
-    <dgm:sp3d/>
-    <dgm:txPr/>
-    <dgm:style>
-      <a:lnRef idx="1">
-        <a:scrgbClr r="0" g="0" b="0"/>
-      </a:lnRef>
-      <a:fillRef idx="1">
-        <a:scrgbClr r="0" g="0" b="0"/>
-      </a:fillRef>
-      <a:effectRef idx="2">
-        <a:scrgbClr r="0" g="0" b="0"/>
-      </a:effectRef>
-      <a:fontRef idx="minor"/>
-    </dgm:style>
-  </dgm:styleLbl>
-  <dgm:styleLbl name="fgAcc0">
-    <dgm:scene3d>
-      <a:camera prst="orthographicFront"/>
-      <a:lightRig rig="threePt" dir="t"/>
-    </dgm:scene3d>
-    <dgm:sp3d/>
-    <dgm:txPr/>
-    <dgm:style>
-      <a:lnRef idx="1">
-        <a:scrgbClr r="0" g="0" b="0"/>
-      </a:lnRef>
-      <a:fillRef idx="1">
-        <a:scrgbClr r="0" g="0" b="0"/>
-      </a:fillRef>
-      <a:effectRef idx="2">
-        <a:scrgbClr r="0" g="0" b="0"/>
-      </a:effectRef>
-      <a:fontRef idx="minor"/>
-    </dgm:style>
-  </dgm:styleLbl>
-  <dgm:styleLbl name="fgAcc2">
-    <dgm:scene3d>
-      <a:camera prst="orthographicFront"/>
-      <a:lightRig rig="threePt" dir="t"/>
-    </dgm:scene3d>
-    <dgm:sp3d/>
-    <dgm:txPr/>
-    <dgm:style>
-      <a:lnRef idx="1">
-        <a:scrgbClr r="0" g="0" b="0"/>
-      </a:lnRef>
-      <a:fillRef idx="1">
-        <a:scrgbClr r="0" g="0" b="0"/>
-      </a:fillRef>
-      <a:effectRef idx="2">
-        <a:scrgbClr r="0" g="0" b="0"/>
-      </a:effectRef>
-      <a:fontRef idx="minor"/>
-    </dgm:style>
-  </dgm:styleLbl>
-  <dgm:styleLbl name="fgAcc3">
-    <dgm:scene3d>
-      <a:camera prst="orthographicFront"/>
-      <a:lightRig rig="threePt" dir="t"/>
-    </dgm:scene3d>
-    <dgm:sp3d/>
-    <dgm:txPr/>
-    <dgm:style>
-      <a:lnRef idx="1">
-        <a:scrgbClr r="0" g="0" b="0"/>
-      </a:lnRef>
-      <a:fillRef idx="1">
-        <a:scrgbClr r="0" g="0" b="0"/>
-      </a:fillRef>
-      <a:effectRef idx="2">
-        <a:scrgbClr r="0" g="0" b="0"/>
-      </a:effectRef>
-      <a:fontRef idx="minor"/>
-    </dgm:style>
-  </dgm:styleLbl>
-  <dgm:styleLbl name="fgAcc4">
-    <dgm:scene3d>
-      <a:camera prst="orthographicFront"/>
-      <a:lightRig rig="threePt" dir="t"/>
-    </dgm:scene3d>
-    <dgm:sp3d/>
-    <dgm:txPr/>
-    <dgm:style>
-      <a:lnRef idx="1">
-        <a:scrgbClr r="0" g="0" b="0"/>
-      </a:lnRef>
-      <a:fillRef idx="1">
-        <a:scrgbClr r="0" g="0" b="0"/>
-      </a:fillRef>
-      <a:effectRef idx="2">
-        <a:scrgbClr r="0" g="0" b="0"/>
-      </a:effectRef>
-      <a:fontRef idx="minor"/>
-    </dgm:style>
-  </dgm:styleLbl>
-  <dgm:styleLbl name="bgShp">
-    <dgm:scene3d>
-      <a:camera prst="orthographicFront"/>
-      <a:lightRig rig="threePt" dir="t"/>
-    </dgm:scene3d>
-    <dgm:sp3d/>
-    <dgm:txPr/>
-    <dgm:style>
-      <a:lnRef idx="0">
-        <a:scrgbClr r="0" g="0" b="0"/>
-      </a:lnRef>
-      <a:fillRef idx="1">
-        <a:scrgbClr r="0" g="0" b="0"/>
-      </a:fillRef>
-      <a:effectRef idx="2">
-        <a:scrgbClr r="0" g="0" b="0"/>
-      </a:effectRef>
-      <a:fontRef idx="minor"/>
-    </dgm:style>
-  </dgm:styleLbl>
-  <dgm:styleLbl name="dkBgShp">
-    <dgm:scene3d>
-      <a:camera prst="orthographicFront"/>
-      <a:lightRig rig="threePt" dir="t"/>
-    </dgm:scene3d>
-    <dgm:sp3d/>
-    <dgm:txPr/>
-    <dgm:style>
-      <a:lnRef idx="0">
-        <a:scrgbClr r="0" g="0" b="0"/>
-      </a:lnRef>
-      <a:fillRef idx="1">
-        <a:scrgbClr r="0" g="0" b="0"/>
-      </a:fillRef>
-      <a:effectRef idx="3">
-        <a:scrgbClr r="0" g="0" b="0"/>
-      </a:effectRef>
-      <a:fontRef idx="minor"/>
-    </dgm:style>
-  </dgm:styleLbl>
-  <dgm:styleLbl name="trBgShp">
-    <dgm:scene3d>
-      <a:camera prst="orthographicFront"/>
-      <a:lightRig rig="threePt" dir="t"/>
-    </dgm:scene3d>
-    <dgm:sp3d/>
-    <dgm:txPr/>
-    <dgm:style>
-      <a:lnRef idx="0">
-        <a:scrgbClr r="0" g="0" b="0"/>
-      </a:lnRef>
-      <a:fillRef idx="1">
-        <a:scrgbClr r="0" g="0" b="0"/>
-      </a:fillRef>
-      <a:effectRef idx="0">
-        <a:scrgbClr r="0" g="0" b="0"/>
-      </a:effectRef>
-      <a:fontRef idx="minor"/>
-    </dgm:style>
-  </dgm:styleLbl>
-  <dgm:styleLbl name="fgShp">
-    <dgm:scene3d>
-      <a:camera prst="orthographicFront"/>
-      <a:lightRig rig="threePt" dir="t"/>
-    </dgm:scene3d>
-    <dgm:sp3d/>
-    <dgm:txPr/>
-    <dgm:style>
-      <a:lnRef idx="0">
-        <a:scrgbClr r="0" g="0" b="0"/>
-      </a:lnRef>
-      <a:fillRef idx="3">
-        <a:scrgbClr r="0" g="0" b="0"/>
-      </a:fillRef>
-      <a:effectRef idx="3">
-        <a:scrgbClr r="0" g="0" b="0"/>
-      </a:effectRef>
-      <a:fontRef idx="minor"/>
-    </dgm:style>
-  </dgm:styleLbl>
-  <dgm:styleLbl name="revTx">
-    <dgm:scene3d>
-      <a:camera prst="orthographicFront"/>
-      <a:lightRig rig="threePt" dir="t"/>
-    </dgm:scene3d>
-    <dgm:sp3d/>
-    <dgm:txPr/>
-    <dgm:style>
-      <a:lnRef idx="0">
-        <a:scrgbClr r="0" g="0" b="0"/>
-      </a:lnRef>
-      <a:fillRef idx="0">
-        <a:scrgbClr r="0" g="0" b="0"/>
-      </a:fillRef>
-      <a:effectRef idx="0">
-        <a:scrgbClr r="0" g="0" b="0"/>
-      </a:effectRef>
-      <a:fontRef idx="minor"/>
-    </dgm:style>
-  </dgm:styleLbl>
-</dgm:styleDef>
-</file>
-
-<file path=ppt/diagrams/quickStyle2.xml><?xml version="1.0" encoding="utf-8"?>
 <dgm:styleDef xmlns:dgm="http://schemas.openxmlformats.org/drawingml/2006/diagram" xmlns:a="http://schemas.openxmlformats.org/drawingml/2006/main" uniqueId="urn:microsoft.com/office/officeart/2005/8/quickstyle/simple5">
   <dgm:title val=""/>
   <dgm:desc val=""/>
@@ -12630,7 +8577,7 @@
           <a:p>
             <a:fld id="{C15B2E9C-BE7C-4870-8B5D-BF91AB7E9FF1}" type="datetimeFigureOut">
               <a:rPr lang="es-CL" smtClean="0"/>
-              <a:t>10-07-2019</a:t>
+              <a:t>17-07-2019</a:t>
             </a:fld>
             <a:endParaRPr lang="es-CL"/>
           </a:p>
@@ -12684,7 +8631,7 @@
           <a:p>
             <a:fld id="{2019F69F-5C8A-426C-9022-7A70237772DF}" type="slidenum">
               <a:rPr lang="es-CL" smtClean="0"/>
-              <a:t>‹Nº›</a:t>
+              <a:t>‹#›</a:t>
             </a:fld>
             <a:endParaRPr lang="es-CL"/>
           </a:p>
@@ -12830,7 +8777,7 @@
           <a:p>
             <a:fld id="{C15B2E9C-BE7C-4870-8B5D-BF91AB7E9FF1}" type="datetimeFigureOut">
               <a:rPr lang="es-CL" smtClean="0"/>
-              <a:t>10-07-2019</a:t>
+              <a:t>17-07-2019</a:t>
             </a:fld>
             <a:endParaRPr lang="es-CL"/>
           </a:p>
@@ -12884,7 +8831,7 @@
           <a:p>
             <a:fld id="{2019F69F-5C8A-426C-9022-7A70237772DF}" type="slidenum">
               <a:rPr lang="es-CL" smtClean="0"/>
-              <a:t>‹Nº›</a:t>
+              <a:t>‹#›</a:t>
             </a:fld>
             <a:endParaRPr lang="es-CL"/>
           </a:p>
@@ -13040,7 +8987,7 @@
           <a:p>
             <a:fld id="{C15B2E9C-BE7C-4870-8B5D-BF91AB7E9FF1}" type="datetimeFigureOut">
               <a:rPr lang="es-CL" smtClean="0"/>
-              <a:t>10-07-2019</a:t>
+              <a:t>17-07-2019</a:t>
             </a:fld>
             <a:endParaRPr lang="es-CL"/>
           </a:p>
@@ -13094,7 +9041,7 @@
           <a:p>
             <a:fld id="{2019F69F-5C8A-426C-9022-7A70237772DF}" type="slidenum">
               <a:rPr lang="es-CL" smtClean="0"/>
-              <a:t>‹Nº›</a:t>
+              <a:t>‹#›</a:t>
             </a:fld>
             <a:endParaRPr lang="es-CL"/>
           </a:p>
@@ -13240,7 +9187,7 @@
           <a:p>
             <a:fld id="{C15B2E9C-BE7C-4870-8B5D-BF91AB7E9FF1}" type="datetimeFigureOut">
               <a:rPr lang="es-CL" smtClean="0"/>
-              <a:t>10-07-2019</a:t>
+              <a:t>17-07-2019</a:t>
             </a:fld>
             <a:endParaRPr lang="es-CL"/>
           </a:p>
@@ -13294,7 +9241,7 @@
           <a:p>
             <a:fld id="{2019F69F-5C8A-426C-9022-7A70237772DF}" type="slidenum">
               <a:rPr lang="es-CL" smtClean="0"/>
-              <a:t>‹Nº›</a:t>
+              <a:t>‹#›</a:t>
             </a:fld>
             <a:endParaRPr lang="es-CL"/>
           </a:p>
@@ -13516,7 +9463,7 @@
           <a:p>
             <a:fld id="{C15B2E9C-BE7C-4870-8B5D-BF91AB7E9FF1}" type="datetimeFigureOut">
               <a:rPr lang="es-CL" smtClean="0"/>
-              <a:t>10-07-2019</a:t>
+              <a:t>17-07-2019</a:t>
             </a:fld>
             <a:endParaRPr lang="es-CL"/>
           </a:p>
@@ -13570,7 +9517,7 @@
           <a:p>
             <a:fld id="{2019F69F-5C8A-426C-9022-7A70237772DF}" type="slidenum">
               <a:rPr lang="es-CL" smtClean="0"/>
-              <a:t>‹Nº›</a:t>
+              <a:t>‹#›</a:t>
             </a:fld>
             <a:endParaRPr lang="es-CL"/>
           </a:p>
@@ -13784,7 +9731,7 @@
           <a:p>
             <a:fld id="{C15B2E9C-BE7C-4870-8B5D-BF91AB7E9FF1}" type="datetimeFigureOut">
               <a:rPr lang="es-CL" smtClean="0"/>
-              <a:t>10-07-2019</a:t>
+              <a:t>17-07-2019</a:t>
             </a:fld>
             <a:endParaRPr lang="es-CL"/>
           </a:p>
@@ -13838,7 +9785,7 @@
           <a:p>
             <a:fld id="{2019F69F-5C8A-426C-9022-7A70237772DF}" type="slidenum">
               <a:rPr lang="es-CL" smtClean="0"/>
-              <a:t>‹Nº›</a:t>
+              <a:t>‹#›</a:t>
             </a:fld>
             <a:endParaRPr lang="es-CL"/>
           </a:p>
@@ -14199,7 +10146,7 @@
           <a:p>
             <a:fld id="{C15B2E9C-BE7C-4870-8B5D-BF91AB7E9FF1}" type="datetimeFigureOut">
               <a:rPr lang="es-CL" smtClean="0"/>
-              <a:t>10-07-2019</a:t>
+              <a:t>17-07-2019</a:t>
             </a:fld>
             <a:endParaRPr lang="es-CL"/>
           </a:p>
@@ -14253,7 +10200,7 @@
           <a:p>
             <a:fld id="{2019F69F-5C8A-426C-9022-7A70237772DF}" type="slidenum">
               <a:rPr lang="es-CL" smtClean="0"/>
-              <a:t>‹Nº›</a:t>
+              <a:t>‹#›</a:t>
             </a:fld>
             <a:endParaRPr lang="es-CL"/>
           </a:p>
@@ -14341,7 +10288,7 @@
           <a:p>
             <a:fld id="{C15B2E9C-BE7C-4870-8B5D-BF91AB7E9FF1}" type="datetimeFigureOut">
               <a:rPr lang="es-CL" smtClean="0"/>
-              <a:t>10-07-2019</a:t>
+              <a:t>17-07-2019</a:t>
             </a:fld>
             <a:endParaRPr lang="es-CL"/>
           </a:p>
@@ -14395,7 +10342,7 @@
           <a:p>
             <a:fld id="{2019F69F-5C8A-426C-9022-7A70237772DF}" type="slidenum">
               <a:rPr lang="es-CL" smtClean="0"/>
-              <a:t>‹Nº›</a:t>
+              <a:t>‹#›</a:t>
             </a:fld>
             <a:endParaRPr lang="es-CL"/>
           </a:p>
@@ -14454,7 +10401,7 @@
           <a:p>
             <a:fld id="{C15B2E9C-BE7C-4870-8B5D-BF91AB7E9FF1}" type="datetimeFigureOut">
               <a:rPr lang="es-CL" smtClean="0"/>
-              <a:t>10-07-2019</a:t>
+              <a:t>17-07-2019</a:t>
             </a:fld>
             <a:endParaRPr lang="es-CL"/>
           </a:p>
@@ -14508,7 +10455,7 @@
           <a:p>
             <a:fld id="{2019F69F-5C8A-426C-9022-7A70237772DF}" type="slidenum">
               <a:rPr lang="es-CL" smtClean="0"/>
-              <a:t>‹Nº›</a:t>
+              <a:t>‹#›</a:t>
             </a:fld>
             <a:endParaRPr lang="es-CL"/>
           </a:p>
@@ -14767,7 +10714,7 @@
           <a:p>
             <a:fld id="{C15B2E9C-BE7C-4870-8B5D-BF91AB7E9FF1}" type="datetimeFigureOut">
               <a:rPr lang="es-CL" smtClean="0"/>
-              <a:t>10-07-2019</a:t>
+              <a:t>17-07-2019</a:t>
             </a:fld>
             <a:endParaRPr lang="es-CL"/>
           </a:p>
@@ -14821,7 +10768,7 @@
           <a:p>
             <a:fld id="{2019F69F-5C8A-426C-9022-7A70237772DF}" type="slidenum">
               <a:rPr lang="es-CL" smtClean="0"/>
-              <a:t>‹Nº›</a:t>
+              <a:t>‹#›</a:t>
             </a:fld>
             <a:endParaRPr lang="es-CL"/>
           </a:p>
@@ -15056,7 +11003,7 @@
           <a:p>
             <a:fld id="{C15B2E9C-BE7C-4870-8B5D-BF91AB7E9FF1}" type="datetimeFigureOut">
               <a:rPr lang="es-CL" smtClean="0"/>
-              <a:t>10-07-2019</a:t>
+              <a:t>17-07-2019</a:t>
             </a:fld>
             <a:endParaRPr lang="es-CL"/>
           </a:p>
@@ -15110,7 +11057,7 @@
           <a:p>
             <a:fld id="{2019F69F-5C8A-426C-9022-7A70237772DF}" type="slidenum">
               <a:rPr lang="es-CL" smtClean="0"/>
-              <a:t>‹Nº›</a:t>
+              <a:t>‹#›</a:t>
             </a:fld>
             <a:endParaRPr lang="es-CL"/>
           </a:p>
@@ -15299,7 +11246,7 @@
           <a:p>
             <a:fld id="{C15B2E9C-BE7C-4870-8B5D-BF91AB7E9FF1}" type="datetimeFigureOut">
               <a:rPr lang="es-CL" smtClean="0"/>
-              <a:t>10-07-2019</a:t>
+              <a:t>17-07-2019</a:t>
             </a:fld>
             <a:endParaRPr lang="es-CL"/>
           </a:p>
@@ -15389,7 +11336,7 @@
           <a:p>
             <a:fld id="{2019F69F-5C8A-426C-9022-7A70237772DF}" type="slidenum">
               <a:rPr lang="es-CL" smtClean="0"/>
-              <a:t>‹Nº›</a:t>
+              <a:t>‹#›</a:t>
             </a:fld>
             <a:endParaRPr lang="es-CL"/>
           </a:p>
@@ -16332,6 +12279,385 @@
 <file path=ppt/slides/slide10.xml><?xml version="1.0" encoding="utf-8"?>
 <p:sld xmlns:a="http://schemas.openxmlformats.org/drawingml/2006/main" xmlns:r="http://schemas.openxmlformats.org/officeDocument/2006/relationships" xmlns:p="http://schemas.openxmlformats.org/presentationml/2006/main">
   <p:cSld>
+    <p:spTree>
+      <p:nvGrpSpPr>
+        <p:cNvPr id="1" name=""/>
+        <p:cNvGrpSpPr/>
+        <p:nvPr/>
+      </p:nvGrpSpPr>
+      <p:grpSpPr>
+        <a:xfrm>
+          <a:off x="0" y="0"/>
+          <a:ext cx="0" cy="0"/>
+          <a:chOff x="0" y="0"/>
+          <a:chExt cx="0" cy="0"/>
+        </a:xfrm>
+      </p:grpSpPr>
+      <p:sp>
+        <p:nvSpPr>
+          <p:cNvPr id="2" name="Title 1">
+            <a:extLst>
+              <a:ext uri="{FF2B5EF4-FFF2-40B4-BE49-F238E27FC236}">
+                <a16:creationId xmlns:a16="http://schemas.microsoft.com/office/drawing/2014/main" id="{94B7956A-23F7-438C-82B7-E6B9CE4F8682}"/>
+              </a:ext>
+            </a:extLst>
+          </p:cNvPr>
+          <p:cNvSpPr>
+            <a:spLocks noGrp="1"/>
+          </p:cNvSpPr>
+          <p:nvPr>
+            <p:ph type="title"/>
+          </p:nvPr>
+        </p:nvSpPr>
+        <p:spPr/>
+        <p:txBody>
+          <a:bodyPr/>
+          <a:lstStyle/>
+          <a:p>
+            <a:r>
+              <a:rPr lang="en-US" dirty="0">
+                <a:cs typeface="Calibri Light"/>
+              </a:rPr>
+              <a:t>For each model the similar slide….</a:t>
+            </a:r>
+            <a:endParaRPr lang="en-US" dirty="0"/>
+          </a:p>
+        </p:txBody>
+      </p:sp>
+      <p:sp>
+        <p:nvSpPr>
+          <p:cNvPr id="3" name="Content Placeholder 2">
+            <a:extLst>
+              <a:ext uri="{FF2B5EF4-FFF2-40B4-BE49-F238E27FC236}">
+                <a16:creationId xmlns:a16="http://schemas.microsoft.com/office/drawing/2014/main" id="{4607876A-DFEC-4F92-B02A-830D72B5E57A}"/>
+              </a:ext>
+            </a:extLst>
+          </p:cNvPr>
+          <p:cNvSpPr>
+            <a:spLocks noGrp="1"/>
+          </p:cNvSpPr>
+          <p:nvPr>
+            <p:ph idx="1"/>
+          </p:nvPr>
+        </p:nvSpPr>
+        <p:spPr/>
+        <p:txBody>
+          <a:bodyPr vert="horz" lIns="91440" tIns="45720" rIns="91440" bIns="45720" rtlCol="0" anchor="t">
+            <a:normAutofit/>
+          </a:bodyPr>
+          <a:lstStyle/>
+          <a:p>
+            <a:r>
+              <a:rPr lang="en-US" dirty="0">
+                <a:ea typeface="+mn-lt"/>
+                <a:cs typeface="+mn-lt"/>
+              </a:rPr>
+              <a:t>Add plot for choosing parameter *( only for Random forest and </a:t>
+            </a:r>
+            <a:r>
+              <a:rPr lang="en-US" dirty="0" err="1">
+                <a:ea typeface="+mn-lt"/>
+                <a:cs typeface="+mn-lt"/>
+              </a:rPr>
+              <a:t>kNN</a:t>
+            </a:r>
+            <a:r>
+              <a:rPr lang="en-US" dirty="0">
+                <a:ea typeface="+mn-lt"/>
+                <a:cs typeface="+mn-lt"/>
+              </a:rPr>
+              <a:t>)</a:t>
+            </a:r>
+          </a:p>
+          <a:p>
+            <a:r>
+              <a:rPr lang="en-US" dirty="0">
+                <a:cs typeface="Calibri"/>
+              </a:rPr>
+              <a:t> Table with </a:t>
+            </a:r>
+            <a:r>
+              <a:rPr lang="en-US" dirty="0" err="1">
+                <a:cs typeface="Calibri"/>
+              </a:rPr>
+              <a:t>accuracu</a:t>
+            </a:r>
+            <a:r>
+              <a:rPr lang="en-US" dirty="0">
+                <a:cs typeface="Calibri"/>
+              </a:rPr>
+              <a:t>, </a:t>
+            </a:r>
+            <a:r>
+              <a:rPr lang="en-US" dirty="0" err="1">
+                <a:cs typeface="Calibri"/>
+              </a:rPr>
+              <a:t>sensitivit</a:t>
+            </a:r>
+            <a:r>
+              <a:rPr lang="en-US" dirty="0">
+                <a:cs typeface="Calibri"/>
+              </a:rPr>
+              <a:t>, …</a:t>
+            </a:r>
+          </a:p>
+          <a:p>
+            <a:r>
+              <a:rPr lang="en-US" dirty="0">
+                <a:cs typeface="Calibri"/>
+              </a:rPr>
+              <a:t>Confusion matrix ?</a:t>
+            </a:r>
+          </a:p>
+        </p:txBody>
+      </p:sp>
+    </p:spTree>
+    <p:extLst>
+      <p:ext uri="{BB962C8B-B14F-4D97-AF65-F5344CB8AC3E}">
+        <p14:creationId xmlns:p14="http://schemas.microsoft.com/office/powerpoint/2010/main" val="758276084"/>
+      </p:ext>
+    </p:extLst>
+  </p:cSld>
+  <p:clrMapOvr>
+    <a:masterClrMapping/>
+  </p:clrMapOvr>
+</p:sld>
+</file>
+
+<file path=ppt/slides/slide11.xml><?xml version="1.0" encoding="utf-8"?>
+<p:sld xmlns:a="http://schemas.openxmlformats.org/drawingml/2006/main" xmlns:r="http://schemas.openxmlformats.org/officeDocument/2006/relationships" xmlns:p="http://schemas.openxmlformats.org/presentationml/2006/main">
+  <p:cSld>
+    <p:spTree>
+      <p:nvGrpSpPr>
+        <p:cNvPr id="1" name=""/>
+        <p:cNvGrpSpPr/>
+        <p:nvPr/>
+      </p:nvGrpSpPr>
+      <p:grpSpPr>
+        <a:xfrm>
+          <a:off x="0" y="0"/>
+          <a:ext cx="0" cy="0"/>
+          <a:chOff x="0" y="0"/>
+          <a:chExt cx="0" cy="0"/>
+        </a:xfrm>
+      </p:grpSpPr>
+      <p:sp>
+        <p:nvSpPr>
+          <p:cNvPr id="2" name="Title 1">
+            <a:extLst>
+              <a:ext uri="{FF2B5EF4-FFF2-40B4-BE49-F238E27FC236}">
+                <a16:creationId xmlns:a16="http://schemas.microsoft.com/office/drawing/2014/main" id="{0C5DB7B8-2DB1-43BF-8F38-EFB7C59D92B1}"/>
+              </a:ext>
+            </a:extLst>
+          </p:cNvPr>
+          <p:cNvSpPr>
+            <a:spLocks noGrp="1"/>
+          </p:cNvSpPr>
+          <p:nvPr>
+            <p:ph type="title"/>
+          </p:nvPr>
+        </p:nvSpPr>
+        <p:spPr/>
+        <p:txBody>
+          <a:bodyPr/>
+          <a:lstStyle/>
+          <a:p>
+            <a:r>
+              <a:rPr lang="en-US" dirty="0" err="1">
+                <a:cs typeface="Calibri Light"/>
+              </a:rPr>
+              <a:t>Summarty</a:t>
+            </a:r>
+            <a:r>
+              <a:rPr lang="en-US" dirty="0">
+                <a:cs typeface="Calibri Light"/>
+              </a:rPr>
+              <a:t> of all models</a:t>
+            </a:r>
+            <a:endParaRPr lang="en-US" dirty="0"/>
+          </a:p>
+        </p:txBody>
+      </p:sp>
+      <p:sp>
+        <p:nvSpPr>
+          <p:cNvPr id="3" name="Content Placeholder 2">
+            <a:extLst>
+              <a:ext uri="{FF2B5EF4-FFF2-40B4-BE49-F238E27FC236}">
+                <a16:creationId xmlns:a16="http://schemas.microsoft.com/office/drawing/2014/main" id="{7D42E99E-0BA0-44DD-99ED-80B586DE27BA}"/>
+              </a:ext>
+            </a:extLst>
+          </p:cNvPr>
+          <p:cNvSpPr>
+            <a:spLocks noGrp="1"/>
+          </p:cNvSpPr>
+          <p:nvPr>
+            <p:ph idx="1"/>
+          </p:nvPr>
+        </p:nvSpPr>
+        <p:spPr/>
+        <p:txBody>
+          <a:bodyPr vert="horz" lIns="91440" tIns="45720" rIns="91440" bIns="45720" rtlCol="0" anchor="t">
+            <a:normAutofit/>
+          </a:bodyPr>
+          <a:lstStyle/>
+          <a:p>
+            <a:r>
+              <a:rPr lang="en-US" dirty="0">
+                <a:cs typeface="Calibri"/>
+              </a:rPr>
+              <a:t>The last Bar plot from </a:t>
+            </a:r>
+            <a:r>
+              <a:rPr lang="en-US" dirty="0" err="1">
+                <a:cs typeface="Calibri"/>
+              </a:rPr>
+              <a:t>rmarkdown</a:t>
+            </a:r>
+          </a:p>
+          <a:p>
+            <a:r>
+              <a:rPr lang="en-US" dirty="0">
+                <a:cs typeface="Calibri"/>
+              </a:rPr>
+              <a:t>The table with accuracies *(the same as </a:t>
+            </a:r>
+            <a:r>
+              <a:rPr lang="en-US" dirty="0" err="1">
+                <a:cs typeface="Calibri"/>
+              </a:rPr>
+              <a:t>barplot</a:t>
+            </a:r>
+            <a:r>
+              <a:rPr lang="en-US" dirty="0">
+                <a:cs typeface="Calibri"/>
+              </a:rPr>
+              <a:t>- to see numerical values)</a:t>
+            </a:r>
+          </a:p>
+        </p:txBody>
+      </p:sp>
+    </p:spTree>
+    <p:extLst>
+      <p:ext uri="{BB962C8B-B14F-4D97-AF65-F5344CB8AC3E}">
+        <p14:creationId xmlns:p14="http://schemas.microsoft.com/office/powerpoint/2010/main" val="3920851082"/>
+      </p:ext>
+    </p:extLst>
+  </p:cSld>
+  <p:clrMapOvr>
+    <a:masterClrMapping/>
+  </p:clrMapOvr>
+</p:sld>
+</file>
+
+<file path=ppt/slides/slide12.xml><?xml version="1.0" encoding="utf-8"?>
+<p:sld xmlns:a="http://schemas.openxmlformats.org/drawingml/2006/main" xmlns:r="http://schemas.openxmlformats.org/officeDocument/2006/relationships" xmlns:p="http://schemas.openxmlformats.org/presentationml/2006/main">
+  <p:cSld>
+    <p:spTree>
+      <p:nvGrpSpPr>
+        <p:cNvPr id="1" name=""/>
+        <p:cNvGrpSpPr/>
+        <p:nvPr/>
+      </p:nvGrpSpPr>
+      <p:grpSpPr>
+        <a:xfrm>
+          <a:off x="0" y="0"/>
+          <a:ext cx="0" cy="0"/>
+          <a:chOff x="0" y="0"/>
+          <a:chExt cx="0" cy="0"/>
+        </a:xfrm>
+      </p:grpSpPr>
+      <p:sp>
+        <p:nvSpPr>
+          <p:cNvPr id="2" name="Title 1">
+            <a:extLst>
+              <a:ext uri="{FF2B5EF4-FFF2-40B4-BE49-F238E27FC236}">
+                <a16:creationId xmlns:a16="http://schemas.microsoft.com/office/drawing/2014/main" id="{56E40791-9700-459D-A8E4-EAAD1A106D49}"/>
+              </a:ext>
+            </a:extLst>
+          </p:cNvPr>
+          <p:cNvSpPr>
+            <a:spLocks noGrp="1"/>
+          </p:cNvSpPr>
+          <p:nvPr>
+            <p:ph type="title"/>
+          </p:nvPr>
+        </p:nvSpPr>
+        <p:spPr/>
+        <p:txBody>
+          <a:bodyPr/>
+          <a:lstStyle/>
+          <a:p>
+            <a:r>
+              <a:rPr lang="en-US" dirty="0">
+                <a:cs typeface="Calibri Light"/>
+              </a:rPr>
+              <a:t>Results for different </a:t>
+            </a:r>
+            <a:r>
+              <a:rPr lang="en-US" dirty="0" err="1">
+                <a:cs typeface="Calibri Light"/>
+              </a:rPr>
+              <a:t>window.size</a:t>
+            </a:r>
+            <a:endParaRPr lang="en-US" dirty="0" err="1"/>
+          </a:p>
+        </p:txBody>
+      </p:sp>
+      <p:sp>
+        <p:nvSpPr>
+          <p:cNvPr id="3" name="Content Placeholder 2">
+            <a:extLst>
+              <a:ext uri="{FF2B5EF4-FFF2-40B4-BE49-F238E27FC236}">
+                <a16:creationId xmlns:a16="http://schemas.microsoft.com/office/drawing/2014/main" id="{7B742FF9-F343-492D-9F81-2DE7332EFEAE}"/>
+              </a:ext>
+            </a:extLst>
+          </p:cNvPr>
+          <p:cNvSpPr>
+            <a:spLocks noGrp="1"/>
+          </p:cNvSpPr>
+          <p:nvPr>
+            <p:ph idx="1"/>
+          </p:nvPr>
+        </p:nvSpPr>
+        <p:spPr/>
+        <p:txBody>
+          <a:bodyPr vert="horz" lIns="91440" tIns="45720" rIns="91440" bIns="45720" rtlCol="0" anchor="t">
+            <a:normAutofit/>
+          </a:bodyPr>
+          <a:lstStyle/>
+          <a:p>
+            <a:r>
+              <a:rPr lang="en-US" dirty="0">
+                <a:cs typeface="Calibri"/>
+              </a:rPr>
+              <a:t>The one of the last plots – accuracies vs </a:t>
+            </a:r>
+            <a:r>
+              <a:rPr lang="en-US" dirty="0" err="1">
+                <a:cs typeface="Calibri"/>
+              </a:rPr>
+              <a:t>window.size</a:t>
+            </a:r>
+            <a:endParaRPr lang="en-US" dirty="0" err="1"/>
+          </a:p>
+        </p:txBody>
+      </p:sp>
+    </p:spTree>
+    <p:extLst>
+      <p:ext uri="{BB962C8B-B14F-4D97-AF65-F5344CB8AC3E}">
+        <p14:creationId xmlns:p14="http://schemas.microsoft.com/office/powerpoint/2010/main" val="1151026970"/>
+      </p:ext>
+    </p:extLst>
+  </p:cSld>
+  <p:clrMapOvr>
+    <a:masterClrMapping/>
+  </p:clrMapOvr>
+</p:sld>
+</file>
+
+<file path=ppt/slides/slide13.xml><?xml version="1.0" encoding="utf-8"?>
+<p:sld xmlns:a="http://schemas.openxmlformats.org/drawingml/2006/main" xmlns:r="http://schemas.openxmlformats.org/officeDocument/2006/relationships" xmlns:p="http://schemas.openxmlformats.org/presentationml/2006/main">
+  <p:cSld>
     <p:bg>
       <p:bgPr>
         <a:solidFill>
@@ -16359,7 +12685,7 @@
           <p:cNvPr id="2" name="Título 1">
             <a:extLst>
               <a:ext uri="{FF2B5EF4-FFF2-40B4-BE49-F238E27FC236}">
-                <a16:creationId xmlns:a16="http://schemas.microsoft.com/office/drawing/2014/main" id="{BC6B6873-00AD-4153-8178-FAFDD91BE6AD}"/>
+                <a16:creationId xmlns:a16="http://schemas.microsoft.com/office/drawing/2014/main" id="{90906E4B-2248-43D3-B399-03B5E02A9320}"/>
               </a:ext>
             </a:extLst>
           </p:cNvPr>
@@ -16383,42 +12709,11 @@
           <a:lstStyle/>
           <a:p>
             <a:r>
-              <a:rPr lang="it-IT" dirty="0"/>
-              <a:t>Conclusions</a:t>
+              <a:rPr lang="it-IT" dirty="0" err="1">
+                <a:cs typeface="Calibri Light"/>
+              </a:rPr>
+              <a:t>conclusions</a:t>
             </a:r>
-            <a:endParaRPr lang="es-CL" dirty="0"/>
-          </a:p>
-        </p:txBody>
-      </p:sp>
-      <p:sp>
-        <p:nvSpPr>
-          <p:cNvPr id="10" name="Content Placeholder 9">
-            <a:extLst>
-              <a:ext uri="{FF2B5EF4-FFF2-40B4-BE49-F238E27FC236}">
-                <a16:creationId xmlns:a16="http://schemas.microsoft.com/office/drawing/2014/main" id="{22D2386E-1E06-4597-BB7B-81CEECAAF85A}"/>
-              </a:ext>
-            </a:extLst>
-          </p:cNvPr>
-          <p:cNvSpPr>
-            <a:spLocks noGrp="1"/>
-          </p:cNvSpPr>
-          <p:nvPr>
-            <p:ph idx="1"/>
-          </p:nvPr>
-        </p:nvSpPr>
-        <p:spPr>
-          <a:xfrm>
-            <a:off x="1136429" y="2278173"/>
-            <a:ext cx="6467867" cy="3450613"/>
-          </a:xfrm>
-        </p:spPr>
-        <p:txBody>
-          <a:bodyPr anchor="ctr">
-            <a:normAutofit/>
-          </a:bodyPr>
-          <a:lstStyle/>
-          <a:p>
-            <a:endParaRPr lang="en-US" sz="2400"/>
           </a:p>
         </p:txBody>
       </p:sp>
@@ -16552,10 +12847,10 @@
       </p:sp>
       <p:pic>
         <p:nvPicPr>
-          <p:cNvPr id="8" name="Marcador de contenido 4" descr="Opinión del cliente ">
+          <p:cNvPr id="8" name="Marcador de contenido 4" descr="Lupa">
             <a:extLst>
               <a:ext uri="{FF2B5EF4-FFF2-40B4-BE49-F238E27FC236}">
-                <a16:creationId xmlns:a16="http://schemas.microsoft.com/office/drawing/2014/main" id="{2B85C747-496B-4678-8284-152F7CB841AD}"/>
+                <a16:creationId xmlns:a16="http://schemas.microsoft.com/office/drawing/2014/main" id="{0BBEBECC-40C4-48DD-816A-EDA390D88575}"/>
               </a:ext>
             </a:extLst>
           </p:cNvPr>
@@ -16589,10 +12884,48 @@
           </a:prstGeom>
         </p:spPr>
       </p:pic>
+      <p:sp>
+        <p:nvSpPr>
+          <p:cNvPr id="4" name="Content Placeholder 3">
+            <a:extLst>
+              <a:ext uri="{FF2B5EF4-FFF2-40B4-BE49-F238E27FC236}">
+                <a16:creationId xmlns:a16="http://schemas.microsoft.com/office/drawing/2014/main" id="{3A888E27-F133-44BE-81E5-7C811B1C5D9F}"/>
+              </a:ext>
+            </a:extLst>
+          </p:cNvPr>
+          <p:cNvSpPr>
+            <a:spLocks noGrp="1"/>
+          </p:cNvSpPr>
+          <p:nvPr>
+            <p:ph idx="1"/>
+          </p:nvPr>
+        </p:nvSpPr>
+        <p:spPr/>
+        <p:txBody>
+          <a:bodyPr vert="horz" lIns="91440" tIns="45720" rIns="91440" bIns="45720" rtlCol="0" anchor="t">
+            <a:normAutofit/>
+          </a:bodyPr>
+          <a:lstStyle/>
+          <a:p>
+            <a:r>
+              <a:rPr lang="en-US" dirty="0">
+                <a:cs typeface="Calibri"/>
+              </a:rPr>
+              <a:t>Few points from the last paragraph of </a:t>
+            </a:r>
+            <a:r>
+              <a:rPr lang="en-US" dirty="0" err="1">
+                <a:cs typeface="Calibri"/>
+              </a:rPr>
+              <a:t>rmarkdown</a:t>
+            </a:r>
+          </a:p>
+        </p:txBody>
+      </p:sp>
     </p:spTree>
     <p:extLst>
       <p:ext uri="{BB962C8B-B14F-4D97-AF65-F5344CB8AC3E}">
-        <p14:creationId xmlns:p14="http://schemas.microsoft.com/office/powerpoint/2010/main" val="1420552764"/>
+        <p14:creationId xmlns:p14="http://schemas.microsoft.com/office/powerpoint/2010/main" val="128586543"/>
       </p:ext>
     </p:extLst>
   </p:cSld>
@@ -16602,7 +12935,7 @@
 </p:sld>
 </file>
 
-<file path=ppt/slides/slide11.xml><?xml version="1.0" encoding="utf-8"?>
+<file path=ppt/slides/slide14.xml><?xml version="1.0" encoding="utf-8"?>
 <p:sld xmlns:a="http://schemas.openxmlformats.org/drawingml/2006/main" xmlns:r="http://schemas.openxmlformats.org/officeDocument/2006/relationships" xmlns:p="http://schemas.openxmlformats.org/presentationml/2006/main">
   <p:cSld>
     <p:bg>
@@ -17291,24 +13624,29 @@
             </a:pPr>
             <a:r>
               <a:rPr lang="en-US" sz="2000" dirty="0"/>
-              <a:t>To make Francesco walk more than 10 minutes at once</a:t>
+              <a:t>Perform a multi-resolution analysis: analyze if the elicitation of the length of the window selected to divide the data affects the results of the classification</a:t>
             </a:r>
           </a:p>
           <a:p>
             <a:pPr lvl="1">
-              <a:buFont typeface="Wingdings" panose="05000000000000000000" pitchFamily="2" charset="2"/>
-              <a:buChar char="§"/>
+              <a:buFont typeface="Arial" panose="05000000000000000000" pitchFamily="2" charset="2"/>
+              <a:buChar char="•"/>
             </a:pPr>
             <a:r>
-              <a:rPr lang="en-US" sz="2000" dirty="0"/>
-              <a:t>Perform a multi-resolution analysis: analyze if the elicitation of the length of the window selected to divide the data affects the results of the classification</a:t>
+              <a:rPr lang="en-US" sz="2000" dirty="0">
+                <a:ea typeface="+mn-lt"/>
+                <a:cs typeface="+mn-lt"/>
+              </a:rPr>
+              <a:t>To make Francesco walk more than 10 minutes at once</a:t>
             </a:r>
           </a:p>
           <a:p>
             <a:pPr marL="0" indent="0">
               <a:buNone/>
             </a:pPr>
-            <a:endParaRPr lang="es-CL" sz="2000" dirty="0"/>
+            <a:endParaRPr lang="es-CL" sz="2000" dirty="0">
+              <a:cs typeface="Calibri" panose="020F0502020204030204"/>
+            </a:endParaRPr>
           </a:p>
         </p:txBody>
       </p:sp>
@@ -17541,13 +13879,73 @@
         </p:spPr>
         <p:txBody>
           <a:bodyPr>
-            <a:normAutofit/>
+            <a:normAutofit fontScale="90000"/>
           </a:bodyPr>
           <a:lstStyle/>
           <a:p>
             <a:r>
+              <a:rPr lang="it-IT" dirty="0" err="1"/>
+              <a:t>Overview</a:t>
+            </a:r>
+            <a:r>
               <a:rPr lang="it-IT" dirty="0"/>
-              <a:t>Overview</a:t>
+              <a:t> (</a:t>
+            </a:r>
+            <a:r>
+              <a:rPr lang="it-IT" dirty="0" err="1"/>
+              <a:t>probably</a:t>
+            </a:r>
+            <a:r>
+              <a:rPr lang="it-IT" dirty="0"/>
+              <a:t> </a:t>
+            </a:r>
+            <a:r>
+              <a:rPr lang="it-IT" dirty="0" err="1"/>
+              <a:t>we</a:t>
+            </a:r>
+            <a:r>
+              <a:rPr lang="it-IT" dirty="0"/>
+              <a:t> </a:t>
+            </a:r>
+            <a:r>
+              <a:rPr lang="it-IT" dirty="0" err="1"/>
+              <a:t>should</a:t>
+            </a:r>
+            <a:r>
+              <a:rPr lang="it-IT" dirty="0"/>
+              <a:t> </a:t>
+            </a:r>
+            <a:r>
+              <a:rPr lang="it-IT" dirty="0" err="1"/>
+              <a:t>remove</a:t>
+            </a:r>
+            <a:r>
+              <a:rPr lang="it-IT" dirty="0"/>
+              <a:t> </a:t>
+            </a:r>
+            <a:r>
+              <a:rPr lang="it-IT" dirty="0" err="1"/>
+              <a:t>this</a:t>
+            </a:r>
+            <a:r>
+              <a:rPr lang="it-IT" dirty="0"/>
+              <a:t> slide  or </a:t>
+            </a:r>
+            <a:r>
+              <a:rPr lang="it-IT" dirty="0" err="1"/>
+              <a:t>change</a:t>
+            </a:r>
+            <a:r>
+              <a:rPr lang="it-IT" dirty="0"/>
+              <a:t> </a:t>
+            </a:r>
+            <a:r>
+              <a:rPr lang="it-IT" dirty="0" err="1"/>
+              <a:t>it</a:t>
+            </a:r>
+            <a:r>
+              <a:rPr lang="it-IT" dirty="0"/>
+              <a:t>?)</a:t>
             </a:r>
             <a:endParaRPr lang="es-CL" dirty="0"/>
           </a:p>
@@ -17736,13 +14134,13 @@
             <p:ph idx="1"/>
             <p:extLst>
               <p:ext uri="{D42A27DB-BD31-4B8C-83A1-F6EECF244321}">
-                <p14:modId xmlns:p14="http://schemas.microsoft.com/office/powerpoint/2010/main" val="1212362552"/>
+                <p14:modId xmlns:p14="http://schemas.microsoft.com/office/powerpoint/2010/main" val="1473999384"/>
               </p:ext>
             </p:extLst>
           </p:nvPr>
         </p:nvGraphicFramePr>
         <p:xfrm>
-          <a:off x="-2067564" y="1084101"/>
+          <a:off x="-943614" y="1703226"/>
           <a:ext cx="10280342" cy="5033638"/>
         </p:xfrm>
         <a:graphic>
@@ -19811,14 +16209,20 @@
           <a:p>
             <a:r>
               <a:rPr lang="en-US" sz="2400" dirty="0"/>
-              <a:t>15 minutes of recording</a:t>
+              <a:t>About 25 minutes of recording</a:t>
             </a:r>
+            <a:endParaRPr lang="en-US" sz="2400" dirty="0">
+              <a:cs typeface="Calibri"/>
+            </a:endParaRPr>
           </a:p>
           <a:p>
             <a:r>
               <a:rPr lang="en-US" sz="2400" dirty="0"/>
-              <a:t>Initial features:</a:t>
+              <a:t>Used sensors:</a:t>
             </a:r>
+            <a:endParaRPr lang="en-US" sz="2400" dirty="0">
+              <a:cs typeface="Calibri" panose="020F0502020204030204"/>
+            </a:endParaRPr>
           </a:p>
           <a:p>
             <a:pPr lvl="1"/>
@@ -20140,21 +16544,11 @@
             <a:pPr lvl="1"/>
             <a:r>
               <a:rPr lang="en-US" sz="2000" dirty="0"/>
-              <a:t>Removed 1 minute on the beginning and 1 minutes on the end of each record</a:t>
+              <a:t>Removed 1 minute on the beginning and 1 minutes on the end of each recording</a:t>
             </a:r>
-          </a:p>
-          <a:p>
-            <a:pPr lvl="1"/>
-            <a:r>
-              <a:rPr lang="en-US" sz="2000" dirty="0"/>
-              <a:t>Filtering the data: low-pass and high-pass filter</a:t>
-            </a:r>
-          </a:p>
-          <a:p>
-            <a:r>
-              <a:rPr lang="en-US" sz="2400" dirty="0"/>
-              <a:t>Dealing with null-values</a:t>
-            </a:r>
+            <a:endParaRPr lang="en-US" sz="2000" dirty="0">
+              <a:cs typeface="Calibri"/>
+            </a:endParaRPr>
           </a:p>
           <a:p>
             <a:r>
@@ -20191,9 +16585,36 @@
               <a:rPr lang="en-US" sz="2400" dirty="0">
                 <a:sym typeface="Wingdings" panose="05000000000000000000" pitchFamily="2" charset="2"/>
               </a:rPr>
-              <a:t>Features generation</a:t>
+              <a:t>Features generation: </a:t>
             </a:r>
-            <a:endParaRPr lang="en-US" sz="2400" dirty="0"/>
+            <a:r>
+              <a:rPr lang="en-US" sz="2400" dirty="0">
+                <a:solidFill>
+                  <a:srgbClr val="FF0000"/>
+                </a:solidFill>
+                <a:sym typeface="Wingdings" panose="05000000000000000000" pitchFamily="2" charset="2"/>
+              </a:rPr>
+              <a:t>TO DO: List features(maybe in another slide)</a:t>
+            </a:r>
+            <a:endParaRPr lang="en-US" sz="2400" dirty="0">
+              <a:solidFill>
+                <a:srgbClr val="FF0000"/>
+              </a:solidFill>
+              <a:cs typeface="Calibri"/>
+            </a:endParaRPr>
+          </a:p>
+          <a:p>
+            <a:pPr lvl="1"/>
+            <a:r>
+              <a:rPr lang="en-US" sz="2000" dirty="0">
+                <a:ea typeface="+mn-lt"/>
+                <a:cs typeface="+mn-lt"/>
+              </a:rPr>
+              <a:t>Dealing with null-values</a:t>
+            </a:r>
+            <a:endParaRPr lang="en-US" sz="2000" dirty="0">
+              <a:cs typeface="Calibri"/>
+            </a:endParaRPr>
           </a:p>
         </p:txBody>
       </p:sp>
@@ -20434,9 +16855,14 @@
               <a:rPr lang="en-US" dirty="0">
                 <a:sym typeface="Wingdings" panose="05000000000000000000" pitchFamily="2" charset="2"/>
               </a:rPr>
-              <a:t>Features generation</a:t>
+              <a:t>Features visualization</a:t>
             </a:r>
-            <a:endParaRPr lang="en-US" dirty="0"/>
+            <a:endParaRPr lang="en-US" dirty="0">
+              <a:solidFill>
+                <a:srgbClr val="FF0000"/>
+              </a:solidFill>
+              <a:cs typeface="Calibri Light"/>
+            </a:endParaRPr>
           </a:p>
         </p:txBody>
       </p:sp>
@@ -20463,7 +16889,7 @@
         </p:blipFill>
         <p:spPr>
           <a:xfrm>
-            <a:off x="1618578" y="1865116"/>
+            <a:off x="1142328" y="2398516"/>
             <a:ext cx="6959375" cy="4755938"/>
           </a:xfrm>
           <a:prstGeom prst="rect">
@@ -20638,6 +17064,102 @@
           </a:prstGeom>
         </p:spPr>
       </p:pic>
+      <p:sp>
+        <p:nvSpPr>
+          <p:cNvPr id="5" name="TextBox 4">
+            <a:extLst>
+              <a:ext uri="{FF2B5EF4-FFF2-40B4-BE49-F238E27FC236}">
+                <a16:creationId xmlns:a16="http://schemas.microsoft.com/office/drawing/2014/main" id="{8E038226-FAC3-4C63-96C0-CF4FC6425F80}"/>
+              </a:ext>
+            </a:extLst>
+          </p:cNvPr>
+          <p:cNvSpPr txBox="1"/>
+          <p:nvPr/>
+        </p:nvSpPr>
+        <p:spPr>
+          <a:xfrm>
+            <a:off x="1504950" y="1209675"/>
+            <a:ext cx="6677025" cy="2308324"/>
+          </a:xfrm>
+          <a:prstGeom prst="rect">
+            <a:avLst/>
+          </a:prstGeom>
+          <a:noFill/>
+        </p:spPr>
+        <p:txBody>
+          <a:bodyPr rot="0" spcFirstLastPara="0" vertOverflow="overflow" horzOverflow="overflow" vert="horz" wrap="square" lIns="91440" tIns="45720" rIns="91440" bIns="45720" numCol="1" spcCol="0" rtlCol="0" fromWordArt="0" anchor="t" anchorCtr="0" forceAA="0" compatLnSpc="1">
+            <a:prstTxWarp prst="textNoShape">
+              <a:avLst/>
+            </a:prstTxWarp>
+            <a:spAutoFit/>
+          </a:bodyPr>
+          <a:lstStyle/>
+          <a:p>
+            <a:r>
+              <a:rPr lang="en-US" sz="1600" dirty="0">
+                <a:latin typeface="Calibri Light"/>
+                <a:cs typeface="Calibri Light"/>
+              </a:rPr>
+              <a:t>​</a:t>
+            </a:r>
+            <a:br>
+              <a:rPr lang="en-US" sz="1600" dirty="0">
+                <a:latin typeface="Calibri Light"/>
+                <a:cs typeface="Calibri Light"/>
+              </a:rPr>
+            </a:br>
+            <a:r>
+              <a:rPr lang="en-US" sz="3200" b="1" dirty="0" err="1">
+                <a:solidFill>
+                  <a:srgbClr val="FF0000"/>
+                </a:solidFill>
+                <a:latin typeface="Calibri Light"/>
+              </a:rPr>
+              <a:t>Todo</a:t>
+            </a:r>
+            <a:endParaRPr lang="en-US" sz="1600" dirty="0" err="1">
+              <a:solidFill>
+                <a:srgbClr val="FF0000"/>
+              </a:solidFill>
+              <a:latin typeface="Calibri Light"/>
+              <a:cs typeface="Calibri Light"/>
+            </a:endParaRPr>
+          </a:p>
+          <a:p>
+            <a:r>
+              <a:rPr lang="en-US" sz="3200" b="1" dirty="0">
+                <a:solidFill>
+                  <a:srgbClr val="FF0000"/>
+                </a:solidFill>
+                <a:latin typeface="Calibri Light"/>
+                <a:cs typeface="Calibri Light"/>
+              </a:rPr>
+              <a:t>This plot is changed, use the new ones,</a:t>
+            </a:r>
+          </a:p>
+          <a:p>
+            <a:endParaRPr lang="en-US" sz="3200" b="1" dirty="0">
+              <a:solidFill>
+                <a:srgbClr val="FF0000"/>
+              </a:solidFill>
+              <a:latin typeface="Calibri Light"/>
+              <a:cs typeface="Calibri Light"/>
+            </a:endParaRPr>
+          </a:p>
+          <a:p>
+            <a:r>
+              <a:rPr lang="en-US" sz="3200" b="1" dirty="0">
+                <a:solidFill>
+                  <a:srgbClr val="FF0000"/>
+                </a:solidFill>
+                <a:latin typeface="Calibri Light"/>
+                <a:cs typeface="Calibri Light"/>
+              </a:rPr>
+              <a:t>Add plot for each person</a:t>
+            </a:r>
+          </a:p>
+        </p:txBody>
+      </p:sp>
     </p:spTree>
     <p:extLst>
       <p:ext uri="{BB962C8B-B14F-4D97-AF65-F5344CB8AC3E}">
@@ -20709,97 +17231,6 @@
               <a:t>Model elicitation</a:t>
             </a:r>
             <a:endParaRPr lang="es-CL" dirty="0"/>
-          </a:p>
-        </p:txBody>
-      </p:sp>
-      <p:sp>
-        <p:nvSpPr>
-          <p:cNvPr id="10" name="Content Placeholder 9">
-            <a:extLst>
-              <a:ext uri="{FF2B5EF4-FFF2-40B4-BE49-F238E27FC236}">
-                <a16:creationId xmlns:a16="http://schemas.microsoft.com/office/drawing/2014/main" id="{1CFF0258-07B4-4E0A-B16E-A3F615CD45DA}"/>
-              </a:ext>
-            </a:extLst>
-          </p:cNvPr>
-          <p:cNvSpPr>
-            <a:spLocks noGrp="1"/>
-          </p:cNvSpPr>
-          <p:nvPr>
-            <p:ph idx="1"/>
-          </p:nvPr>
-        </p:nvSpPr>
-        <p:spPr>
-          <a:xfrm>
-            <a:off x="168676" y="5207545"/>
-            <a:ext cx="8746724" cy="1504241"/>
-          </a:xfrm>
-        </p:spPr>
-        <p:txBody>
-          <a:bodyPr anchor="ctr">
-            <a:normAutofit/>
-          </a:bodyPr>
-          <a:lstStyle/>
-          <a:p>
-            <a:pPr marL="0" indent="0" algn="ctr">
-              <a:buNone/>
-            </a:pPr>
-            <a:r>
-              <a:rPr lang="es-CL" dirty="0"/>
-              <a:t>Super mega giga </a:t>
-            </a:r>
-            <a:r>
-              <a:rPr lang="es-CL" dirty="0" err="1"/>
-              <a:t>iper</a:t>
-            </a:r>
-            <a:r>
-              <a:rPr lang="es-CL" dirty="0"/>
-              <a:t> </a:t>
-            </a:r>
-            <a:r>
-              <a:rPr lang="es-CL" dirty="0" err="1"/>
-              <a:t>deeep</a:t>
-            </a:r>
-            <a:r>
-              <a:rPr lang="es-CL" dirty="0"/>
-              <a:t> machine </a:t>
-            </a:r>
-            <a:r>
-              <a:rPr lang="es-CL" dirty="0" err="1"/>
-              <a:t>Classificat</a:t>
-            </a:r>
-            <a:r>
-              <a:rPr lang="es-CL" dirty="0"/>
-              <a:t> </a:t>
-            </a:r>
-            <a:r>
-              <a:rPr lang="es-CL" dirty="0" err="1"/>
-              <a:t>networks</a:t>
-            </a:r>
-            <a:r>
-              <a:rPr lang="es-CL" dirty="0"/>
-              <a:t> neural </a:t>
-            </a:r>
-            <a:r>
-              <a:rPr lang="es-CL" dirty="0" err="1"/>
-              <a:t>Bayesian</a:t>
-            </a:r>
-            <a:r>
-              <a:rPr lang="es-CL" dirty="0"/>
-              <a:t> </a:t>
-            </a:r>
-            <a:r>
-              <a:rPr lang="es-CL" dirty="0" err="1"/>
-              <a:t>SKLearning</a:t>
-            </a:r>
-            <a:r>
-              <a:rPr lang="es-CL" dirty="0"/>
-              <a:t> </a:t>
-            </a:r>
-            <a:r>
-              <a:rPr lang="es-CL" dirty="0" err="1"/>
-              <a:t>Model</a:t>
-            </a:r>
-            <a:endParaRPr lang="en-US" sz="2400" dirty="0"/>
           </a:p>
         </p:txBody>
       </p:sp>
@@ -21006,6 +17437,31 @@
           </a:prstGeom>
         </p:spPr>
       </p:pic>
+      <p:sp>
+        <p:nvSpPr>
+          <p:cNvPr id="4" name="Content Placeholder 3">
+            <a:extLst>
+              <a:ext uri="{FF2B5EF4-FFF2-40B4-BE49-F238E27FC236}">
+                <a16:creationId xmlns:a16="http://schemas.microsoft.com/office/drawing/2014/main" id="{838D8A68-B385-4B26-8AD5-8B5ECC4D2D80}"/>
+              </a:ext>
+            </a:extLst>
+          </p:cNvPr>
+          <p:cNvSpPr>
+            <a:spLocks noGrp="1"/>
+          </p:cNvSpPr>
+          <p:nvPr>
+            <p:ph idx="1"/>
+          </p:nvPr>
+        </p:nvSpPr>
+        <p:spPr/>
+        <p:txBody>
+          <a:bodyPr/>
+          <a:lstStyle/>
+          <a:p>
+            <a:endParaRPr lang="en-US"/>
+          </a:p>
+        </p:txBody>
+      </p:sp>
     </p:spTree>
     <p:extLst>
       <p:ext uri="{BB962C8B-B14F-4D97-AF65-F5344CB8AC3E}">
@@ -21022,14 +17478,6 @@
 <file path=ppt/slides/slide9.xml><?xml version="1.0" encoding="utf-8"?>
 <p:sld xmlns:a="http://schemas.openxmlformats.org/drawingml/2006/main" xmlns:r="http://schemas.openxmlformats.org/officeDocument/2006/relationships" xmlns:p="http://schemas.openxmlformats.org/presentationml/2006/main">
   <p:cSld>
-    <p:bg>
-      <p:bgPr>
-        <a:solidFill>
-          <a:schemeClr val="bg1"/>
-        </a:solidFill>
-        <a:effectLst/>
-      </p:bgPr>
-    </p:bg>
     <p:spTree>
       <p:nvGrpSpPr>
         <p:cNvPr id="1" name=""/>
@@ -21046,10 +17494,10 @@
       </p:grpSpPr>
       <p:sp>
         <p:nvSpPr>
-          <p:cNvPr id="2" name="Título 1">
+          <p:cNvPr id="2" name="Title 1">
             <a:extLst>
               <a:ext uri="{FF2B5EF4-FFF2-40B4-BE49-F238E27FC236}">
-                <a16:creationId xmlns:a16="http://schemas.microsoft.com/office/drawing/2014/main" id="{90906E4B-2248-43D3-B399-03B5E02A9320}"/>
+                <a16:creationId xmlns:a16="http://schemas.microsoft.com/office/drawing/2014/main" id="{94B7956A-23F7-438C-82B7-E6B9CE4F8682}"/>
               </a:ext>
             </a:extLst>
           </p:cNvPr>
@@ -21060,228 +17508,111 @@
             <p:ph type="title"/>
           </p:nvPr>
         </p:nvSpPr>
-        <p:spPr>
-          <a:xfrm>
-            <a:off x="1136428" y="627564"/>
-            <a:ext cx="7474172" cy="1325563"/>
-          </a:xfrm>
-        </p:spPr>
+        <p:spPr/>
         <p:txBody>
-          <a:bodyPr>
-            <a:normAutofit/>
-          </a:bodyPr>
+          <a:bodyPr/>
           <a:lstStyle/>
           <a:p>
             <a:r>
-              <a:rPr lang="it-IT" dirty="0"/>
-              <a:t>Model elicitation</a:t>
+              <a:rPr lang="en-US" dirty="0">
+                <a:cs typeface="Calibri Light"/>
+              </a:rPr>
+              <a:t>Random Forest</a:t>
             </a:r>
-            <a:endParaRPr lang="es-CL" dirty="0"/>
           </a:p>
         </p:txBody>
       </p:sp>
       <p:sp>
         <p:nvSpPr>
-          <p:cNvPr id="13" name="Rectangle 12">
+          <p:cNvPr id="3" name="Content Placeholder 2">
             <a:extLst>
               <a:ext uri="{FF2B5EF4-FFF2-40B4-BE49-F238E27FC236}">
-                <a16:creationId xmlns:a16="http://schemas.microsoft.com/office/drawing/2014/main" id="{59A309A7-1751-4ABE-A3C1-EEC40366AD89}"/>
-              </a:ext>
-              <a:ext uri="{C183D7F6-B498-43B3-948B-1728B52AA6E4}">
-                <adec:decorative xmlns:adec="http://schemas.microsoft.com/office/drawing/2017/decorative" val="1"/>
+                <a16:creationId xmlns:a16="http://schemas.microsoft.com/office/drawing/2014/main" id="{4607876A-DFEC-4F92-B02A-830D72B5E57A}"/>
               </a:ext>
             </a:extLst>
           </p:cNvPr>
           <p:cNvSpPr>
-            <a:spLocks noGrp="1" noRot="1" noChangeAspect="1" noMove="1" noResize="1" noEditPoints="1" noAdjustHandles="1" noChangeArrowheads="1" noChangeShapeType="1" noTextEdit="1"/>
+            <a:spLocks noGrp="1"/>
           </p:cNvSpPr>
           <p:nvPr>
-            <p:extLst>
-              <p:ext uri="{386F3935-93C4-4BCD-93E2-E3B085C9AB24}">
-                <p16:designElem xmlns:p16="http://schemas.microsoft.com/office/powerpoint/2015/main" val="1"/>
-              </p:ext>
-            </p:extLst>
+            <p:ph idx="1"/>
           </p:nvPr>
         </p:nvSpPr>
-        <p:spPr>
-          <a:xfrm>
-            <a:off x="10088880" y="0"/>
-            <a:ext cx="2103120" cy="6858000"/>
-          </a:xfrm>
-          <a:prstGeom prst="rect">
-            <a:avLst/>
-          </a:prstGeom>
-          <a:solidFill>
-            <a:schemeClr val="accent1"/>
-          </a:solidFill>
-          <a:ln>
-            <a:noFill/>
-          </a:ln>
-        </p:spPr>
-        <p:style>
-          <a:lnRef idx="2">
-            <a:schemeClr val="accent1">
-              <a:shade val="50000"/>
-            </a:schemeClr>
-          </a:lnRef>
-          <a:fillRef idx="1">
-            <a:schemeClr val="accent1"/>
-          </a:fillRef>
-          <a:effectRef idx="0">
-            <a:schemeClr val="accent1"/>
-          </a:effectRef>
-          <a:fontRef idx="minor">
-            <a:schemeClr val="lt1"/>
-          </a:fontRef>
-        </p:style>
+        <p:spPr/>
         <p:txBody>
-          <a:bodyPr rtlCol="0" anchor="ctr"/>
+          <a:bodyPr vert="horz" lIns="91440" tIns="45720" rIns="91440" bIns="45720" rtlCol="0" anchor="t">
+            <a:normAutofit/>
+          </a:bodyPr>
           <a:lstStyle/>
           <a:p>
-            <a:pPr algn="ctr"/>
-            <a:endParaRPr lang="en-US"/>
+            <a:r>
+              <a:rPr lang="en-US" dirty="0">
+                <a:ea typeface="+mn-lt"/>
+                <a:cs typeface="+mn-lt"/>
+              </a:rPr>
+              <a:t>Add plot for choosing </a:t>
+            </a:r>
+            <a:r>
+              <a:rPr lang="en-US" dirty="0" err="1">
+                <a:ea typeface="+mn-lt"/>
+                <a:cs typeface="+mn-lt"/>
+              </a:rPr>
+              <a:t>n_trees</a:t>
+            </a:r>
+            <a:r>
+              <a:rPr lang="en-US" dirty="0">
+                <a:ea typeface="+mn-lt"/>
+                <a:cs typeface="+mn-lt"/>
+              </a:rPr>
+              <a:t> parameter</a:t>
+            </a:r>
+          </a:p>
+          <a:p>
+            <a:r>
+              <a:rPr lang="en-US" dirty="0">
+                <a:cs typeface="Calibri"/>
+              </a:rPr>
+              <a:t> Table with </a:t>
+            </a:r>
+            <a:r>
+              <a:rPr lang="en-US" dirty="0" err="1">
+                <a:cs typeface="Calibri"/>
+              </a:rPr>
+              <a:t>accuracu</a:t>
+            </a:r>
+            <a:r>
+              <a:rPr lang="en-US" dirty="0">
+                <a:cs typeface="Calibri"/>
+              </a:rPr>
+              <a:t>, </a:t>
+            </a:r>
+            <a:r>
+              <a:rPr lang="en-US" dirty="0" err="1">
+                <a:cs typeface="Calibri"/>
+              </a:rPr>
+              <a:t>sensitivit</a:t>
+            </a:r>
+            <a:r>
+              <a:rPr lang="en-US" dirty="0">
+                <a:cs typeface="Calibri"/>
+              </a:rPr>
+              <a:t>, …</a:t>
+            </a:r>
+          </a:p>
+          <a:p>
+            <a:r>
+              <a:rPr lang="en-US" dirty="0">
+                <a:cs typeface="Calibri"/>
+              </a:rPr>
+              <a:t>Confusion matrix ?</a:t>
+            </a:r>
           </a:p>
         </p:txBody>
       </p:sp>
-      <p:sp>
-        <p:nvSpPr>
-          <p:cNvPr id="15" name="Oval 14">
-            <a:extLst>
-              <a:ext uri="{FF2B5EF4-FFF2-40B4-BE49-F238E27FC236}">
-                <a16:creationId xmlns:a16="http://schemas.microsoft.com/office/drawing/2014/main" id="{967D8EB6-EAE1-4F9C-B398-83321E287204}"/>
-              </a:ext>
-              <a:ext uri="{C183D7F6-B498-43B3-948B-1728B52AA6E4}">
-                <adec:decorative xmlns:adec="http://schemas.microsoft.com/office/drawing/2017/decorative" val="1"/>
-              </a:ext>
-            </a:extLst>
-          </p:cNvPr>
-          <p:cNvSpPr>
-            <a:spLocks noGrp="1" noRot="1" noChangeAspect="1" noMove="1" noResize="1" noEditPoints="1" noAdjustHandles="1" noChangeArrowheads="1" noChangeShapeType="1" noTextEdit="1"/>
-          </p:cNvSpPr>
-          <p:nvPr>
-            <p:extLst>
-              <p:ext uri="{386F3935-93C4-4BCD-93E2-E3B085C9AB24}">
-                <p16:designElem xmlns:p16="http://schemas.microsoft.com/office/powerpoint/2015/main" val="1"/>
-              </p:ext>
-            </p:extLst>
-          </p:nvPr>
-        </p:nvSpPr>
-        <p:spPr>
-          <a:xfrm>
-            <a:off x="8915400" y="2358913"/>
-            <a:ext cx="2140172" cy="2140172"/>
-          </a:xfrm>
-          <a:prstGeom prst="ellipse">
-            <a:avLst/>
-          </a:prstGeom>
-          <a:solidFill>
-            <a:srgbClr val="FFFFFF"/>
-          </a:solidFill>
-          <a:ln w="22225">
-            <a:solidFill>
-              <a:schemeClr val="accent1"/>
-            </a:solidFill>
-          </a:ln>
-        </p:spPr>
-        <p:style>
-          <a:lnRef idx="2">
-            <a:schemeClr val="accent1">
-              <a:shade val="50000"/>
-            </a:schemeClr>
-          </a:lnRef>
-          <a:fillRef idx="1">
-            <a:schemeClr val="accent1"/>
-          </a:fillRef>
-          <a:effectRef idx="0">
-            <a:schemeClr val="accent1"/>
-          </a:effectRef>
-          <a:fontRef idx="minor">
-            <a:schemeClr val="lt1"/>
-          </a:fontRef>
-        </p:style>
-        <p:txBody>
-          <a:bodyPr rtlCol="0" anchor="ctr"/>
-          <a:lstStyle/>
-          <a:p>
-            <a:pPr algn="ctr"/>
-            <a:endParaRPr lang="en-US"/>
-          </a:p>
-        </p:txBody>
-      </p:sp>
-      <p:pic>
-        <p:nvPicPr>
-          <p:cNvPr id="8" name="Marcador de contenido 4" descr="Lupa">
-            <a:extLst>
-              <a:ext uri="{FF2B5EF4-FFF2-40B4-BE49-F238E27FC236}">
-                <a16:creationId xmlns:a16="http://schemas.microsoft.com/office/drawing/2014/main" id="{0BBEBECC-40C4-48DD-816A-EDA390D88575}"/>
-              </a:ext>
-            </a:extLst>
-          </p:cNvPr>
-          <p:cNvPicPr>
-            <a:picLocks noChangeAspect="1"/>
-          </p:cNvPicPr>
-          <p:nvPr/>
-        </p:nvPicPr>
-        <p:blipFill>
-          <a:blip r:embed="rId2">
-            <a:extLst>
-              <a:ext uri="{28A0092B-C50C-407E-A947-70E740481C1C}">
-                <a14:useLocalDpi xmlns:a14="http://schemas.microsoft.com/office/drawing/2010/main" val="0"/>
-              </a:ext>
-              <a:ext uri="{96DAC541-7B7A-43D3-8B79-37D633B846F1}">
-                <asvg:svgBlip xmlns:asvg="http://schemas.microsoft.com/office/drawing/2016/SVG/main" r:embed="rId3"/>
-              </a:ext>
-            </a:extLst>
-          </a:blip>
-          <a:stretch>
-            <a:fillRect/>
-          </a:stretch>
-        </p:blipFill>
-        <p:spPr>
-          <a:xfrm>
-            <a:off x="9413987" y="2857500"/>
-            <a:ext cx="1142998" cy="1142998"/>
-          </a:xfrm>
-          <a:prstGeom prst="rect">
-            <a:avLst/>
-          </a:prstGeom>
-        </p:spPr>
-      </p:pic>
-      <p:graphicFrame>
-        <p:nvGraphicFramePr>
-          <p:cNvPr id="12" name="Marcador de contenido 3">
-            <a:extLst>
-              <a:ext uri="{FF2B5EF4-FFF2-40B4-BE49-F238E27FC236}">
-                <a16:creationId xmlns:a16="http://schemas.microsoft.com/office/drawing/2014/main" id="{FD0EA439-AEBA-4447-9265-9C98DB463E0F}"/>
-              </a:ext>
-            </a:extLst>
-          </p:cNvPr>
-          <p:cNvGraphicFramePr>
-            <a:graphicFrameLocks noGrp="1"/>
-          </p:cNvGraphicFramePr>
-          <p:nvPr>
-            <p:ph idx="1"/>
-            <p:extLst>
-              <p:ext uri="{D42A27DB-BD31-4B8C-83A1-F6EECF244321}">
-                <p14:modId xmlns:p14="http://schemas.microsoft.com/office/powerpoint/2010/main" val="1773573627"/>
-              </p:ext>
-            </p:extLst>
-          </p:nvPr>
-        </p:nvGraphicFramePr>
-        <p:xfrm>
-          <a:off x="838199" y="1825625"/>
-          <a:ext cx="7142825" cy="4351338"/>
-        </p:xfrm>
-        <a:graphic>
-          <a:graphicData uri="http://schemas.openxmlformats.org/drawingml/2006/diagram">
-            <dgm:relIds xmlns:dgm="http://schemas.openxmlformats.org/drawingml/2006/diagram" xmlns:r="http://schemas.openxmlformats.org/officeDocument/2006/relationships" r:dm="rId4" r:lo="rId5" r:qs="rId6" r:cs="rId7"/>
-          </a:graphicData>
-        </a:graphic>
-      </p:graphicFrame>
     </p:spTree>
     <p:extLst>
       <p:ext uri="{BB962C8B-B14F-4D97-AF65-F5344CB8AC3E}">
-        <p14:creationId xmlns:p14="http://schemas.microsoft.com/office/powerpoint/2010/main" val="128586543"/>
+        <p14:creationId xmlns:p14="http://schemas.microsoft.com/office/powerpoint/2010/main" val="3055953619"/>
       </p:ext>
     </p:extLst>
   </p:cSld>
